--- a/Documentación/Presentacion de proyecto.pptx
+++ b/Documentación/Presentacion de proyecto.pptx
@@ -5,33 +5,34 @@
     <p:sldMasterId id="2147483674" r:id="rId1"/>
   </p:sldMasterIdLst>
   <p:notesMasterIdLst>
-    <p:notesMasterId r:id="rId12"/>
+    <p:notesMasterId r:id="rId13"/>
   </p:notesMasterIdLst>
   <p:sldIdLst>
     <p:sldId id="256" r:id="rId2"/>
     <p:sldId id="258" r:id="rId3"/>
     <p:sldId id="262" r:id="rId4"/>
-    <p:sldId id="263" r:id="rId5"/>
-    <p:sldId id="264" r:id="rId6"/>
-    <p:sldId id="267" r:id="rId7"/>
-    <p:sldId id="268" r:id="rId8"/>
-    <p:sldId id="274" r:id="rId9"/>
-    <p:sldId id="275" r:id="rId10"/>
-    <p:sldId id="277" r:id="rId11"/>
+    <p:sldId id="283" r:id="rId5"/>
+    <p:sldId id="263" r:id="rId6"/>
+    <p:sldId id="264" r:id="rId7"/>
+    <p:sldId id="267" r:id="rId8"/>
+    <p:sldId id="268" r:id="rId9"/>
+    <p:sldId id="288" r:id="rId10"/>
+    <p:sldId id="275" r:id="rId11"/>
+    <p:sldId id="277" r:id="rId12"/>
   </p:sldIdLst>
   <p:sldSz cx="9144000" cy="5143500" type="screen16x9"/>
   <p:notesSz cx="6858000" cy="9144000"/>
   <p:embeddedFontLst>
     <p:embeddedFont>
       <p:font typeface="DM Sans" pitchFamily="2" charset="0"/>
-      <p:regular r:id="rId13"/>
-      <p:bold r:id="rId14"/>
-      <p:italic r:id="rId15"/>
-      <p:boldItalic r:id="rId16"/>
+      <p:regular r:id="rId14"/>
+      <p:bold r:id="rId15"/>
+      <p:italic r:id="rId16"/>
+      <p:boldItalic r:id="rId17"/>
     </p:embeddedFont>
     <p:embeddedFont>
       <p:font typeface="Viga" panose="020B0604020202020204" charset="0"/>
-      <p:regular r:id="rId17"/>
+      <p:regular r:id="rId18"/>
     </p:embeddedFont>
   </p:embeddedFontLst>
   <p:defaultTextStyle>
@@ -301,7 +302,7 @@
 <p1510:revInfo xmlns:a="http://schemas.openxmlformats.org/drawingml/2006/main" xmlns:r="http://schemas.openxmlformats.org/officeDocument/2006/relationships" xmlns:p1510="http://schemas.microsoft.com/office/powerpoint/2015/10/main">
   <p1510:revLst>
     <p1510:client id="{97E500B9-40A3-490F-949E-E8FE3E56DB41}" v="22" dt="2024-06-16T21:35:10.579"/>
-    <p1510:client id="{E943E5C1-95CE-486C-92D7-129C80AE65D4}" v="22" dt="2024-06-17T01:44:36.228"/>
+    <p1510:client id="{E943E5C1-95CE-486C-92D7-129C80AE65D4}" v="92" dt="2024-06-17T16:35:03.597"/>
   </p1510:revLst>
 </p1510:revInfo>
 </file>
@@ -381,8 +382,8 @@
   </pc:docChgLst>
   <pc:docChgLst>
     <pc:chgData name="Anxo Casal Rodriguez" userId="4252bde8-bc8f-41dd-83f3-a4e65c95fbdf" providerId="ADAL" clId="{E943E5C1-95CE-486C-92D7-129C80AE65D4}"/>
-    <pc:docChg chg="undo custSel addSld delSld modSld sldOrd delMainMaster">
-      <pc:chgData name="Anxo Casal Rodriguez" userId="4252bde8-bc8f-41dd-83f3-a4e65c95fbdf" providerId="ADAL" clId="{E943E5C1-95CE-486C-92D7-129C80AE65D4}" dt="2024-06-17T01:46:56.634" v="1804" actId="1076"/>
+    <pc:docChg chg="undo redo custSel addSld delSld modSld sldOrd delMainMaster">
+      <pc:chgData name="Anxo Casal Rodriguez" userId="4252bde8-bc8f-41dd-83f3-a4e65c95fbdf" providerId="ADAL" clId="{E943E5C1-95CE-486C-92D7-129C80AE65D4}" dt="2024-06-17T16:38:40.164" v="3099" actId="478"/>
       <pc:docMkLst>
         <pc:docMk/>
       </pc:docMkLst>
@@ -415,6 +416,69 @@
           <pc:sldMk cId="0" sldId="266"/>
         </pc:sldMkLst>
       </pc:sldChg>
+      <pc:sldChg chg="addSp modSp mod">
+        <pc:chgData name="Anxo Casal Rodriguez" userId="4252bde8-bc8f-41dd-83f3-a4e65c95fbdf" providerId="ADAL" clId="{E943E5C1-95CE-486C-92D7-129C80AE65D4}" dt="2024-06-17T15:52:24.397" v="1921" actId="1076"/>
+        <pc:sldMkLst>
+          <pc:docMk/>
+          <pc:sldMk cId="0" sldId="268"/>
+        </pc:sldMkLst>
+        <pc:spChg chg="add mod">
+          <ac:chgData name="Anxo Casal Rodriguez" userId="4252bde8-bc8f-41dd-83f3-a4e65c95fbdf" providerId="ADAL" clId="{E943E5C1-95CE-486C-92D7-129C80AE65D4}" dt="2024-06-17T15:52:24.397" v="1921" actId="1076"/>
+          <ac:spMkLst>
+            <pc:docMk/>
+            <pc:sldMk cId="0" sldId="268"/>
+            <ac:spMk id="10" creationId="{9DB2D0D2-E5CC-5089-12D6-4DFE458751F8}"/>
+          </ac:spMkLst>
+        </pc:spChg>
+        <pc:spChg chg="add mod">
+          <ac:chgData name="Anxo Casal Rodriguez" userId="4252bde8-bc8f-41dd-83f3-a4e65c95fbdf" providerId="ADAL" clId="{E943E5C1-95CE-486C-92D7-129C80AE65D4}" dt="2024-06-17T15:50:57.530" v="1841" actId="20577"/>
+          <ac:spMkLst>
+            <pc:docMk/>
+            <pc:sldMk cId="0" sldId="268"/>
+            <ac:spMk id="11" creationId="{57615246-93DC-3FE1-751B-50B230E87994}"/>
+          </ac:spMkLst>
+        </pc:spChg>
+        <pc:spChg chg="mod">
+          <ac:chgData name="Anxo Casal Rodriguez" userId="4252bde8-bc8f-41dd-83f3-a4e65c95fbdf" providerId="ADAL" clId="{E943E5C1-95CE-486C-92D7-129C80AE65D4}" dt="2024-06-17T15:49:22.119" v="1817" actId="1076"/>
+          <ac:spMkLst>
+            <pc:docMk/>
+            <pc:sldMk cId="0" sldId="268"/>
+            <ac:spMk id="1457" creationId="{00000000-0000-0000-0000-000000000000}"/>
+          </ac:spMkLst>
+        </pc:spChg>
+        <pc:spChg chg="mod">
+          <ac:chgData name="Anxo Casal Rodriguez" userId="4252bde8-bc8f-41dd-83f3-a4e65c95fbdf" providerId="ADAL" clId="{E943E5C1-95CE-486C-92D7-129C80AE65D4}" dt="2024-06-17T15:49:22.119" v="1817" actId="1076"/>
+          <ac:spMkLst>
+            <pc:docMk/>
+            <pc:sldMk cId="0" sldId="268"/>
+            <ac:spMk id="1458" creationId="{00000000-0000-0000-0000-000000000000}"/>
+          </ac:spMkLst>
+        </pc:spChg>
+        <pc:cxnChg chg="add mod">
+          <ac:chgData name="Anxo Casal Rodriguez" userId="4252bde8-bc8f-41dd-83f3-a4e65c95fbdf" providerId="ADAL" clId="{E943E5C1-95CE-486C-92D7-129C80AE65D4}" dt="2024-06-17T15:50:46.789" v="1824" actId="14100"/>
+          <ac:cxnSpMkLst>
+            <pc:docMk/>
+            <pc:sldMk cId="0" sldId="268"/>
+            <ac:cxnSpMk id="7" creationId="{DCD91FBC-79E5-0FB7-CB44-1CF4F74641F0}"/>
+          </ac:cxnSpMkLst>
+        </pc:cxnChg>
+        <pc:cxnChg chg="mod">
+          <ac:chgData name="Anxo Casal Rodriguez" userId="4252bde8-bc8f-41dd-83f3-a4e65c95fbdf" providerId="ADAL" clId="{E943E5C1-95CE-486C-92D7-129C80AE65D4}" dt="2024-06-17T15:49:14.837" v="1816" actId="14100"/>
+          <ac:cxnSpMkLst>
+            <pc:docMk/>
+            <pc:sldMk cId="0" sldId="268"/>
+            <ac:cxnSpMk id="1463" creationId="{00000000-0000-0000-0000-000000000000}"/>
+          </ac:cxnSpMkLst>
+        </pc:cxnChg>
+        <pc:cxnChg chg="mod">
+          <ac:chgData name="Anxo Casal Rodriguez" userId="4252bde8-bc8f-41dd-83f3-a4e65c95fbdf" providerId="ADAL" clId="{E943E5C1-95CE-486C-92D7-129C80AE65D4}" dt="2024-06-17T15:49:31.054" v="1818" actId="14100"/>
+          <ac:cxnSpMkLst>
+            <pc:docMk/>
+            <pc:sldMk cId="0" sldId="268"/>
+            <ac:cxnSpMk id="1464" creationId="{00000000-0000-0000-0000-000000000000}"/>
+          </ac:cxnSpMkLst>
+        </pc:cxnChg>
+      </pc:sldChg>
       <pc:sldChg chg="del">
         <pc:chgData name="Anxo Casal Rodriguez" userId="4252bde8-bc8f-41dd-83f3-a4e65c95fbdf" providerId="ADAL" clId="{E943E5C1-95CE-486C-92D7-129C80AE65D4}" dt="2024-06-17T01:15:56.026" v="710" actId="47"/>
         <pc:sldMkLst>
@@ -443,15 +507,247 @@
           <pc:sldMk cId="0" sldId="272"/>
         </pc:sldMkLst>
       </pc:sldChg>
-      <pc:sldChg chg="del">
-        <pc:chgData name="Anxo Casal Rodriguez" userId="4252bde8-bc8f-41dd-83f3-a4e65c95fbdf" providerId="ADAL" clId="{E943E5C1-95CE-486C-92D7-129C80AE65D4}" dt="2024-06-17T01:15:56.026" v="710" actId="47"/>
+      <pc:sldChg chg="addSp delSp modSp add del mod">
+        <pc:chgData name="Anxo Casal Rodriguez" userId="4252bde8-bc8f-41dd-83f3-a4e65c95fbdf" providerId="ADAL" clId="{E943E5C1-95CE-486C-92D7-129C80AE65D4}" dt="2024-06-17T16:21:56.012" v="2506" actId="47"/>
         <pc:sldMkLst>
           <pc:docMk/>
           <pc:sldMk cId="0" sldId="273"/>
         </pc:sldMkLst>
+        <pc:spChg chg="add mod">
+          <ac:chgData name="Anxo Casal Rodriguez" userId="4252bde8-bc8f-41dd-83f3-a4e65c95fbdf" providerId="ADAL" clId="{E943E5C1-95CE-486C-92D7-129C80AE65D4}" dt="2024-06-17T16:14:42.793" v="2420"/>
+          <ac:spMkLst>
+            <pc:docMk/>
+            <pc:sldMk cId="0" sldId="273"/>
+            <ac:spMk id="2" creationId="{E4FB5296-B811-8800-813B-14EAFE9D9E07}"/>
+          </ac:spMkLst>
+        </pc:spChg>
+        <pc:spChg chg="add mod">
+          <ac:chgData name="Anxo Casal Rodriguez" userId="4252bde8-bc8f-41dd-83f3-a4e65c95fbdf" providerId="ADAL" clId="{E943E5C1-95CE-486C-92D7-129C80AE65D4}" dt="2024-06-17T16:14:42.793" v="2420"/>
+          <ac:spMkLst>
+            <pc:docMk/>
+            <pc:sldMk cId="0" sldId="273"/>
+            <ac:spMk id="3" creationId="{D08EB911-C0DC-CDD4-DA34-7FD8FCA5265C}"/>
+          </ac:spMkLst>
+        </pc:spChg>
+        <pc:spChg chg="add mod">
+          <ac:chgData name="Anxo Casal Rodriguez" userId="4252bde8-bc8f-41dd-83f3-a4e65c95fbdf" providerId="ADAL" clId="{E943E5C1-95CE-486C-92D7-129C80AE65D4}" dt="2024-06-17T16:15:21.730" v="2428"/>
+          <ac:spMkLst>
+            <pc:docMk/>
+            <pc:sldMk cId="0" sldId="273"/>
+            <ac:spMk id="4" creationId="{6CCC1E03-44D4-FD83-8EBB-97E5C01187F3}"/>
+          </ac:spMkLst>
+        </pc:spChg>
+        <pc:spChg chg="add mod">
+          <ac:chgData name="Anxo Casal Rodriguez" userId="4252bde8-bc8f-41dd-83f3-a4e65c95fbdf" providerId="ADAL" clId="{E943E5C1-95CE-486C-92D7-129C80AE65D4}" dt="2024-06-17T16:15:21.730" v="2428"/>
+          <ac:spMkLst>
+            <pc:docMk/>
+            <pc:sldMk cId="0" sldId="273"/>
+            <ac:spMk id="5" creationId="{5E470C18-F72D-756F-85FB-FCB6D9E2B876}"/>
+          </ac:spMkLst>
+        </pc:spChg>
+        <pc:spChg chg="add mod">
+          <ac:chgData name="Anxo Casal Rodriguez" userId="4252bde8-bc8f-41dd-83f3-a4e65c95fbdf" providerId="ADAL" clId="{E943E5C1-95CE-486C-92D7-129C80AE65D4}" dt="2024-06-17T16:15:25.246" v="2430"/>
+          <ac:spMkLst>
+            <pc:docMk/>
+            <pc:sldMk cId="0" sldId="273"/>
+            <ac:spMk id="6" creationId="{9592EBA0-D3E5-0CAC-6BC2-E4CD6FB6455E}"/>
+          </ac:spMkLst>
+        </pc:spChg>
+        <pc:spChg chg="add mod">
+          <ac:chgData name="Anxo Casal Rodriguez" userId="4252bde8-bc8f-41dd-83f3-a4e65c95fbdf" providerId="ADAL" clId="{E943E5C1-95CE-486C-92D7-129C80AE65D4}" dt="2024-06-17T16:15:25.246" v="2430"/>
+          <ac:spMkLst>
+            <pc:docMk/>
+            <pc:sldMk cId="0" sldId="273"/>
+            <ac:spMk id="7" creationId="{34E4E489-E0BB-1C24-FB99-CDC700C25333}"/>
+          </ac:spMkLst>
+        </pc:spChg>
+        <pc:spChg chg="add mod">
+          <ac:chgData name="Anxo Casal Rodriguez" userId="4252bde8-bc8f-41dd-83f3-a4e65c95fbdf" providerId="ADAL" clId="{E943E5C1-95CE-486C-92D7-129C80AE65D4}" dt="2024-06-17T16:21:53.530" v="2505" actId="1076"/>
+          <ac:spMkLst>
+            <pc:docMk/>
+            <pc:sldMk cId="0" sldId="273"/>
+            <ac:spMk id="8" creationId="{9C526A90-9B45-C721-A37F-C8F46C5E72AA}"/>
+          </ac:spMkLst>
+        </pc:spChg>
+        <pc:spChg chg="add mod">
+          <ac:chgData name="Anxo Casal Rodriguez" userId="4252bde8-bc8f-41dd-83f3-a4e65c95fbdf" providerId="ADAL" clId="{E943E5C1-95CE-486C-92D7-129C80AE65D4}" dt="2024-06-17T16:21:53.530" v="2505" actId="1076"/>
+          <ac:spMkLst>
+            <pc:docMk/>
+            <pc:sldMk cId="0" sldId="273"/>
+            <ac:spMk id="9" creationId="{1CF8C195-B65F-A870-797D-6153B048F876}"/>
+          </ac:spMkLst>
+        </pc:spChg>
+        <pc:spChg chg="add del mod">
+          <ac:chgData name="Anxo Casal Rodriguez" userId="4252bde8-bc8f-41dd-83f3-a4e65c95fbdf" providerId="ADAL" clId="{E943E5C1-95CE-486C-92D7-129C80AE65D4}" dt="2024-06-17T16:17:48.190" v="2461" actId="478"/>
+          <ac:spMkLst>
+            <pc:docMk/>
+            <pc:sldMk cId="0" sldId="273"/>
+            <ac:spMk id="10" creationId="{EC1E2888-EC3A-9D3E-6A72-5086097F601B}"/>
+          </ac:spMkLst>
+        </pc:spChg>
+        <pc:spChg chg="add del mod">
+          <ac:chgData name="Anxo Casal Rodriguez" userId="4252bde8-bc8f-41dd-83f3-a4e65c95fbdf" providerId="ADAL" clId="{E943E5C1-95CE-486C-92D7-129C80AE65D4}" dt="2024-06-17T16:17:48.190" v="2461" actId="478"/>
+          <ac:spMkLst>
+            <pc:docMk/>
+            <pc:sldMk cId="0" sldId="273"/>
+            <ac:spMk id="11" creationId="{4EF57882-6E0A-24AF-A0D8-9E5972FADCA4}"/>
+          </ac:spMkLst>
+        </pc:spChg>
+        <pc:spChg chg="add mod">
+          <ac:chgData name="Anxo Casal Rodriguez" userId="4252bde8-bc8f-41dd-83f3-a4e65c95fbdf" providerId="ADAL" clId="{E943E5C1-95CE-486C-92D7-129C80AE65D4}" dt="2024-06-17T16:21:52.217" v="2502" actId="1076"/>
+          <ac:spMkLst>
+            <pc:docMk/>
+            <pc:sldMk cId="0" sldId="273"/>
+            <ac:spMk id="12" creationId="{819EA374-FC90-970F-19A2-CC1E9F172C1E}"/>
+          </ac:spMkLst>
+        </pc:spChg>
+        <pc:spChg chg="add mod">
+          <ac:chgData name="Anxo Casal Rodriguez" userId="4252bde8-bc8f-41dd-83f3-a4e65c95fbdf" providerId="ADAL" clId="{E943E5C1-95CE-486C-92D7-129C80AE65D4}" dt="2024-06-17T16:21:52.217" v="2502" actId="1076"/>
+          <ac:spMkLst>
+            <pc:docMk/>
+            <pc:sldMk cId="0" sldId="273"/>
+            <ac:spMk id="13" creationId="{D4D90B77-E90F-0779-6A3A-D99BC0F02642}"/>
+          </ac:spMkLst>
+        </pc:spChg>
+        <pc:spChg chg="mod">
+          <ac:chgData name="Anxo Casal Rodriguez" userId="4252bde8-bc8f-41dd-83f3-a4e65c95fbdf" providerId="ADAL" clId="{E943E5C1-95CE-486C-92D7-129C80AE65D4}" dt="2024-06-17T16:14:22.655" v="2417" actId="20577"/>
+          <ac:spMkLst>
+            <pc:docMk/>
+            <pc:sldMk cId="0" sldId="273"/>
+            <ac:spMk id="1869" creationId="{00000000-0000-0000-0000-000000000000}"/>
+          </ac:spMkLst>
+        </pc:spChg>
+        <pc:spChg chg="mod">
+          <ac:chgData name="Anxo Casal Rodriguez" userId="4252bde8-bc8f-41dd-83f3-a4e65c95fbdf" providerId="ADAL" clId="{E943E5C1-95CE-486C-92D7-129C80AE65D4}" dt="2024-06-17T16:19:31.350" v="2471" actId="1076"/>
+          <ac:spMkLst>
+            <pc:docMk/>
+            <pc:sldMk cId="0" sldId="273"/>
+            <ac:spMk id="1876" creationId="{00000000-0000-0000-0000-000000000000}"/>
+          </ac:spMkLst>
+        </pc:spChg>
+        <pc:spChg chg="del mod">
+          <ac:chgData name="Anxo Casal Rodriguez" userId="4252bde8-bc8f-41dd-83f3-a4e65c95fbdf" providerId="ADAL" clId="{E943E5C1-95CE-486C-92D7-129C80AE65D4}" dt="2024-06-17T16:15:27.621" v="2431" actId="478"/>
+          <ac:spMkLst>
+            <pc:docMk/>
+            <pc:sldMk cId="0" sldId="273"/>
+            <ac:spMk id="1892" creationId="{00000000-0000-0000-0000-000000000000}"/>
+          </ac:spMkLst>
+        </pc:spChg>
+        <pc:spChg chg="del mod">
+          <ac:chgData name="Anxo Casal Rodriguez" userId="4252bde8-bc8f-41dd-83f3-a4e65c95fbdf" providerId="ADAL" clId="{E943E5C1-95CE-486C-92D7-129C80AE65D4}" dt="2024-06-17T16:15:27.621" v="2431" actId="478"/>
+          <ac:spMkLst>
+            <pc:docMk/>
+            <pc:sldMk cId="0" sldId="273"/>
+            <ac:spMk id="1893" creationId="{00000000-0000-0000-0000-000000000000}"/>
+          </ac:spMkLst>
+        </pc:spChg>
+        <pc:spChg chg="del">
+          <ac:chgData name="Anxo Casal Rodriguez" userId="4252bde8-bc8f-41dd-83f3-a4e65c95fbdf" providerId="ADAL" clId="{E943E5C1-95CE-486C-92D7-129C80AE65D4}" dt="2024-06-17T16:15:01.964" v="2424" actId="478"/>
+          <ac:spMkLst>
+            <pc:docMk/>
+            <pc:sldMk cId="0" sldId="273"/>
+            <ac:spMk id="1894" creationId="{00000000-0000-0000-0000-000000000000}"/>
+          </ac:spMkLst>
+        </pc:spChg>
+        <pc:spChg chg="del mod">
+          <ac:chgData name="Anxo Casal Rodriguez" userId="4252bde8-bc8f-41dd-83f3-a4e65c95fbdf" providerId="ADAL" clId="{E943E5C1-95CE-486C-92D7-129C80AE65D4}" dt="2024-06-17T16:15:03.528" v="2425" actId="478"/>
+          <ac:spMkLst>
+            <pc:docMk/>
+            <pc:sldMk cId="0" sldId="273"/>
+            <ac:spMk id="1895" creationId="{00000000-0000-0000-0000-000000000000}"/>
+          </ac:spMkLst>
+        </pc:spChg>
+        <pc:spChg chg="del">
+          <ac:chgData name="Anxo Casal Rodriguez" userId="4252bde8-bc8f-41dd-83f3-a4e65c95fbdf" providerId="ADAL" clId="{E943E5C1-95CE-486C-92D7-129C80AE65D4}" dt="2024-06-17T16:15:03.528" v="2425" actId="478"/>
+          <ac:spMkLst>
+            <pc:docMk/>
+            <pc:sldMk cId="0" sldId="273"/>
+            <ac:spMk id="1896" creationId="{00000000-0000-0000-0000-000000000000}"/>
+          </ac:spMkLst>
+        </pc:spChg>
+        <pc:spChg chg="del">
+          <ac:chgData name="Anxo Casal Rodriguez" userId="4252bde8-bc8f-41dd-83f3-a4e65c95fbdf" providerId="ADAL" clId="{E943E5C1-95CE-486C-92D7-129C80AE65D4}" dt="2024-06-17T16:15:03.528" v="2425" actId="478"/>
+          <ac:spMkLst>
+            <pc:docMk/>
+            <pc:sldMk cId="0" sldId="273"/>
+            <ac:spMk id="1897" creationId="{00000000-0000-0000-0000-000000000000}"/>
+          </ac:spMkLst>
+        </pc:spChg>
+        <pc:spChg chg="del mod">
+          <ac:chgData name="Anxo Casal Rodriguez" userId="4252bde8-bc8f-41dd-83f3-a4e65c95fbdf" providerId="ADAL" clId="{E943E5C1-95CE-486C-92D7-129C80AE65D4}" dt="2024-06-17T16:16:15.568" v="2442" actId="478"/>
+          <ac:spMkLst>
+            <pc:docMk/>
+            <pc:sldMk cId="0" sldId="273"/>
+            <ac:spMk id="1898" creationId="{00000000-0000-0000-0000-000000000000}"/>
+          </ac:spMkLst>
+        </pc:spChg>
+        <pc:spChg chg="del mod">
+          <ac:chgData name="Anxo Casal Rodriguez" userId="4252bde8-bc8f-41dd-83f3-a4e65c95fbdf" providerId="ADAL" clId="{E943E5C1-95CE-486C-92D7-129C80AE65D4}" dt="2024-06-17T16:16:15.568" v="2442" actId="478"/>
+          <ac:spMkLst>
+            <pc:docMk/>
+            <pc:sldMk cId="0" sldId="273"/>
+            <ac:spMk id="1899" creationId="{00000000-0000-0000-0000-000000000000}"/>
+          </ac:spMkLst>
+        </pc:spChg>
+        <pc:spChg chg="del mod">
+          <ac:chgData name="Anxo Casal Rodriguez" userId="4252bde8-bc8f-41dd-83f3-a4e65c95fbdf" providerId="ADAL" clId="{E943E5C1-95CE-486C-92D7-129C80AE65D4}" dt="2024-06-17T16:16:20.889" v="2444" actId="478"/>
+          <ac:spMkLst>
+            <pc:docMk/>
+            <pc:sldMk cId="0" sldId="273"/>
+            <ac:spMk id="1900" creationId="{00000000-0000-0000-0000-000000000000}"/>
+          </ac:spMkLst>
+        </pc:spChg>
+        <pc:spChg chg="del mod">
+          <ac:chgData name="Anxo Casal Rodriguez" userId="4252bde8-bc8f-41dd-83f3-a4e65c95fbdf" providerId="ADAL" clId="{E943E5C1-95CE-486C-92D7-129C80AE65D4}" dt="2024-06-17T16:16:20.889" v="2444" actId="478"/>
+          <ac:spMkLst>
+            <pc:docMk/>
+            <pc:sldMk cId="0" sldId="273"/>
+            <ac:spMk id="1901" creationId="{00000000-0000-0000-0000-000000000000}"/>
+          </ac:spMkLst>
+        </pc:spChg>
+        <pc:grpChg chg="mod">
+          <ac:chgData name="Anxo Casal Rodriguez" userId="4252bde8-bc8f-41dd-83f3-a4e65c95fbdf" providerId="ADAL" clId="{E943E5C1-95CE-486C-92D7-129C80AE65D4}" dt="2024-06-17T16:19:31.350" v="2471" actId="1076"/>
+          <ac:grpSpMkLst>
+            <pc:docMk/>
+            <pc:sldMk cId="0" sldId="273"/>
+            <ac:grpSpMk id="1870" creationId="{00000000-0000-0000-0000-000000000000}"/>
+          </ac:grpSpMkLst>
+        </pc:grpChg>
+        <pc:grpChg chg="mod">
+          <ac:chgData name="Anxo Casal Rodriguez" userId="4252bde8-bc8f-41dd-83f3-a4e65c95fbdf" providerId="ADAL" clId="{E943E5C1-95CE-486C-92D7-129C80AE65D4}" dt="2024-06-17T16:21:44.581" v="2498" actId="688"/>
+          <ac:grpSpMkLst>
+            <pc:docMk/>
+            <pc:sldMk cId="0" sldId="273"/>
+            <ac:grpSpMk id="1877" creationId="{00000000-0000-0000-0000-000000000000}"/>
+          </ac:grpSpMkLst>
+        </pc:grpChg>
+        <pc:grpChg chg="add del mod">
+          <ac:chgData name="Anxo Casal Rodriguez" userId="4252bde8-bc8f-41dd-83f3-a4e65c95fbdf" providerId="ADAL" clId="{E943E5C1-95CE-486C-92D7-129C80AE65D4}" dt="2024-06-17T16:21:44.581" v="2498" actId="688"/>
+          <ac:grpSpMkLst>
+            <pc:docMk/>
+            <pc:sldMk cId="0" sldId="273"/>
+            <ac:grpSpMk id="1882" creationId="{00000000-0000-0000-0000-000000000000}"/>
+          </ac:grpSpMkLst>
+        </pc:grpChg>
+        <pc:grpChg chg="mod">
+          <ac:chgData name="Anxo Casal Rodriguez" userId="4252bde8-bc8f-41dd-83f3-a4e65c95fbdf" providerId="ADAL" clId="{E943E5C1-95CE-486C-92D7-129C80AE65D4}" dt="2024-06-17T16:21:17.269" v="2484" actId="1076"/>
+          <ac:grpSpMkLst>
+            <pc:docMk/>
+            <pc:sldMk cId="0" sldId="273"/>
+            <ac:grpSpMk id="1887" creationId="{00000000-0000-0000-0000-000000000000}"/>
+          </ac:grpSpMkLst>
+        </pc:grpChg>
+        <pc:cxnChg chg="mod">
+          <ac:chgData name="Anxo Casal Rodriguez" userId="4252bde8-bc8f-41dd-83f3-a4e65c95fbdf" providerId="ADAL" clId="{E943E5C1-95CE-486C-92D7-129C80AE65D4}" dt="2024-06-17T16:19:31.350" v="2471" actId="1076"/>
+          <ac:cxnSpMkLst>
+            <pc:docMk/>
+            <pc:sldMk cId="0" sldId="273"/>
+            <ac:cxnSpMk id="1875" creationId="{00000000-0000-0000-0000-000000000000}"/>
+          </ac:cxnSpMkLst>
+        </pc:cxnChg>
       </pc:sldChg>
-      <pc:sldChg chg="addSp delSp modSp mod ord">
-        <pc:chgData name="Anxo Casal Rodriguez" userId="4252bde8-bc8f-41dd-83f3-a4e65c95fbdf" providerId="ADAL" clId="{E943E5C1-95CE-486C-92D7-129C80AE65D4}" dt="2024-06-17T01:28:14.195" v="712" actId="22"/>
+      <pc:sldChg chg="addSp delSp modSp del mod ord">
+        <pc:chgData name="Anxo Casal Rodriguez" userId="4252bde8-bc8f-41dd-83f3-a4e65c95fbdf" providerId="ADAL" clId="{E943E5C1-95CE-486C-92D7-129C80AE65D4}" dt="2024-06-17T16:37:18.150" v="3091" actId="47"/>
         <pc:sldMkLst>
           <pc:docMk/>
           <pc:sldMk cId="0" sldId="274"/>
@@ -673,13 +969,6 @@
           </ac:spMkLst>
         </pc:spChg>
       </pc:sldChg>
-      <pc:sldChg chg="del">
-        <pc:chgData name="Anxo Casal Rodriguez" userId="4252bde8-bc8f-41dd-83f3-a4e65c95fbdf" providerId="ADAL" clId="{E943E5C1-95CE-486C-92D7-129C80AE65D4}" dt="2024-06-17T01:15:56.026" v="710" actId="47"/>
-        <pc:sldMkLst>
-          <pc:docMk/>
-          <pc:sldMk cId="0" sldId="275"/>
-        </pc:sldMkLst>
-      </pc:sldChg>
       <pc:sldChg chg="addSp delSp modSp add mod">
         <pc:chgData name="Anxo Casal Rodriguez" userId="4252bde8-bc8f-41dd-83f3-a4e65c95fbdf" providerId="ADAL" clId="{E943E5C1-95CE-486C-92D7-129C80AE65D4}" dt="2024-06-17T01:42:15.730" v="1642" actId="1076"/>
         <pc:sldMkLst>
@@ -799,6 +1088,85 @@
           </ac:spMkLst>
         </pc:spChg>
       </pc:sldChg>
+      <pc:sldChg chg="addSp delSp modSp del mod">
+        <pc:chgData name="Anxo Casal Rodriguez" userId="4252bde8-bc8f-41dd-83f3-a4e65c95fbdf" providerId="ADAL" clId="{E943E5C1-95CE-486C-92D7-129C80AE65D4}" dt="2024-06-17T16:38:40.164" v="3099" actId="478"/>
+        <pc:sldMkLst>
+          <pc:docMk/>
+          <pc:sldMk cId="4023519175" sldId="275"/>
+        </pc:sldMkLst>
+        <pc:spChg chg="add del">
+          <ac:chgData name="Anxo Casal Rodriguez" userId="4252bde8-bc8f-41dd-83f3-a4e65c95fbdf" providerId="ADAL" clId="{E943E5C1-95CE-486C-92D7-129C80AE65D4}" dt="2024-06-17T16:38:40.164" v="3099" actId="478"/>
+          <ac:spMkLst>
+            <pc:docMk/>
+            <pc:sldMk cId="4023519175" sldId="275"/>
+            <ac:spMk id="5" creationId="{6D84C36F-C60E-EC12-5D36-857354411E39}"/>
+          </ac:spMkLst>
+        </pc:spChg>
+        <pc:spChg chg="add del">
+          <ac:chgData name="Anxo Casal Rodriguez" userId="4252bde8-bc8f-41dd-83f3-a4e65c95fbdf" providerId="ADAL" clId="{E943E5C1-95CE-486C-92D7-129C80AE65D4}" dt="2024-06-17T16:38:40.164" v="3099" actId="478"/>
+          <ac:spMkLst>
+            <pc:docMk/>
+            <pc:sldMk cId="4023519175" sldId="275"/>
+            <ac:spMk id="6" creationId="{7854D81E-FE79-0A71-6BCE-BA48FC3679E7}"/>
+          </ac:spMkLst>
+        </pc:spChg>
+        <pc:spChg chg="add del">
+          <ac:chgData name="Anxo Casal Rodriguez" userId="4252bde8-bc8f-41dd-83f3-a4e65c95fbdf" providerId="ADAL" clId="{E943E5C1-95CE-486C-92D7-129C80AE65D4}" dt="2024-06-17T16:38:40.164" v="3099" actId="478"/>
+          <ac:spMkLst>
+            <pc:docMk/>
+            <pc:sldMk cId="4023519175" sldId="275"/>
+            <ac:spMk id="7" creationId="{269C1FDB-97F9-E805-0BAF-0F16F67AD702}"/>
+          </ac:spMkLst>
+        </pc:spChg>
+        <pc:spChg chg="mod">
+          <ac:chgData name="Anxo Casal Rodriguez" userId="4252bde8-bc8f-41dd-83f3-a4e65c95fbdf" providerId="ADAL" clId="{E943E5C1-95CE-486C-92D7-129C80AE65D4}" dt="2024-06-17T16:38:39.783" v="3097" actId="1076"/>
+          <ac:spMkLst>
+            <pc:docMk/>
+            <pc:sldMk cId="4023519175" sldId="275"/>
+            <ac:spMk id="9" creationId="{F0F6D407-A607-6562-C58C-D10785E5F0CB}"/>
+          </ac:spMkLst>
+        </pc:spChg>
+        <pc:spChg chg="mod">
+          <ac:chgData name="Anxo Casal Rodriguez" userId="4252bde8-bc8f-41dd-83f3-a4e65c95fbdf" providerId="ADAL" clId="{E943E5C1-95CE-486C-92D7-129C80AE65D4}" dt="2024-06-17T16:38:39.783" v="3097" actId="1076"/>
+          <ac:spMkLst>
+            <pc:docMk/>
+            <pc:sldMk cId="4023519175" sldId="275"/>
+            <ac:spMk id="10" creationId="{CEC967E9-8595-0E9E-72D8-3FFF291B02BC}"/>
+          </ac:spMkLst>
+        </pc:spChg>
+        <pc:spChg chg="mod">
+          <ac:chgData name="Anxo Casal Rodriguez" userId="4252bde8-bc8f-41dd-83f3-a4e65c95fbdf" providerId="ADAL" clId="{E943E5C1-95CE-486C-92D7-129C80AE65D4}" dt="2024-06-17T16:38:39.783" v="3097" actId="1076"/>
+          <ac:spMkLst>
+            <pc:docMk/>
+            <pc:sldMk cId="4023519175" sldId="275"/>
+            <ac:spMk id="11" creationId="{82F790A1-3E63-B0E3-6A64-8C867276F465}"/>
+          </ac:spMkLst>
+        </pc:spChg>
+        <pc:spChg chg="mod">
+          <ac:chgData name="Anxo Casal Rodriguez" userId="4252bde8-bc8f-41dd-83f3-a4e65c95fbdf" providerId="ADAL" clId="{E943E5C1-95CE-486C-92D7-129C80AE65D4}" dt="2024-06-17T16:38:39.971" v="3098" actId="1076"/>
+          <ac:spMkLst>
+            <pc:docMk/>
+            <pc:sldMk cId="4023519175" sldId="275"/>
+            <ac:spMk id="1913" creationId="{00000000-0000-0000-0000-000000000000}"/>
+          </ac:spMkLst>
+        </pc:spChg>
+        <pc:spChg chg="mod">
+          <ac:chgData name="Anxo Casal Rodriguez" userId="4252bde8-bc8f-41dd-83f3-a4e65c95fbdf" providerId="ADAL" clId="{E943E5C1-95CE-486C-92D7-129C80AE65D4}" dt="2024-06-17T16:38:39.971" v="3098" actId="1076"/>
+          <ac:spMkLst>
+            <pc:docMk/>
+            <pc:sldMk cId="4023519175" sldId="275"/>
+            <ac:spMk id="1916" creationId="{00000000-0000-0000-0000-000000000000}"/>
+          </ac:spMkLst>
+        </pc:spChg>
+        <pc:spChg chg="mod">
+          <ac:chgData name="Anxo Casal Rodriguez" userId="4252bde8-bc8f-41dd-83f3-a4e65c95fbdf" providerId="ADAL" clId="{E943E5C1-95CE-486C-92D7-129C80AE65D4}" dt="2024-06-17T16:38:39.971" v="3098" actId="1076"/>
+          <ac:spMkLst>
+            <pc:docMk/>
+            <pc:sldMk cId="4023519175" sldId="275"/>
+            <ac:spMk id="1917" creationId="{00000000-0000-0000-0000-000000000000}"/>
+          </ac:spMkLst>
+        </pc:spChg>
+      </pc:sldChg>
       <pc:sldChg chg="del">
         <pc:chgData name="Anxo Casal Rodriguez" userId="4252bde8-bc8f-41dd-83f3-a4e65c95fbdf" providerId="ADAL" clId="{E943E5C1-95CE-486C-92D7-129C80AE65D4}" dt="2024-06-17T01:00:30.532" v="5" actId="47"/>
         <pc:sldMkLst>
@@ -837,12 +1205,52 @@
           </ac:spMkLst>
         </pc:spChg>
       </pc:sldChg>
-      <pc:sldChg chg="del">
-        <pc:chgData name="Anxo Casal Rodriguez" userId="4252bde8-bc8f-41dd-83f3-a4e65c95fbdf" providerId="ADAL" clId="{E943E5C1-95CE-486C-92D7-129C80AE65D4}" dt="2024-06-17T01:15:56.026" v="710" actId="47"/>
+      <pc:sldChg chg="addSp delSp modSp del mod ord">
+        <pc:chgData name="Anxo Casal Rodriguez" userId="4252bde8-bc8f-41dd-83f3-a4e65c95fbdf" providerId="ADAL" clId="{E943E5C1-95CE-486C-92D7-129C80AE65D4}" dt="2024-06-17T15:54:54.117" v="2057" actId="1076"/>
         <pc:sldMkLst>
           <pc:docMk/>
-          <pc:sldMk cId="0" sldId="277"/>
+          <pc:sldMk cId="2446339325" sldId="277"/>
         </pc:sldMkLst>
+        <pc:picChg chg="add del">
+          <ac:chgData name="Anxo Casal Rodriguez" userId="4252bde8-bc8f-41dd-83f3-a4e65c95fbdf" providerId="ADAL" clId="{E943E5C1-95CE-486C-92D7-129C80AE65D4}" dt="2024-06-17T15:54:11.983" v="2048" actId="22"/>
+          <ac:picMkLst>
+            <pc:docMk/>
+            <pc:sldMk cId="2446339325" sldId="277"/>
+            <ac:picMk id="3" creationId="{1A821663-7B17-BDBE-75CE-DC99E29FFE5D}"/>
+          </ac:picMkLst>
+        </pc:picChg>
+        <pc:picChg chg="add del">
+          <ac:chgData name="Anxo Casal Rodriguez" userId="4252bde8-bc8f-41dd-83f3-a4e65c95fbdf" providerId="ADAL" clId="{E943E5C1-95CE-486C-92D7-129C80AE65D4}" dt="2024-06-17T15:54:12.975" v="2050" actId="22"/>
+          <ac:picMkLst>
+            <pc:docMk/>
+            <pc:sldMk cId="2446339325" sldId="277"/>
+            <ac:picMk id="5" creationId="{1C26449A-CA1D-957D-2BFD-9C66AAA0B217}"/>
+          </ac:picMkLst>
+        </pc:picChg>
+        <pc:picChg chg="add del">
+          <ac:chgData name="Anxo Casal Rodriguez" userId="4252bde8-bc8f-41dd-83f3-a4e65c95fbdf" providerId="ADAL" clId="{E943E5C1-95CE-486C-92D7-129C80AE65D4}" dt="2024-06-17T15:54:14.176" v="2052" actId="22"/>
+          <ac:picMkLst>
+            <pc:docMk/>
+            <pc:sldMk cId="2446339325" sldId="277"/>
+            <ac:picMk id="7" creationId="{4F0A9DCB-0CC5-5227-72B2-4B3A1178BD5C}"/>
+          </ac:picMkLst>
+        </pc:picChg>
+        <pc:picChg chg="add mod">
+          <ac:chgData name="Anxo Casal Rodriguez" userId="4252bde8-bc8f-41dd-83f3-a4e65c95fbdf" providerId="ADAL" clId="{E943E5C1-95CE-486C-92D7-129C80AE65D4}" dt="2024-06-17T15:54:54.117" v="2057" actId="1076"/>
+          <ac:picMkLst>
+            <pc:docMk/>
+            <pc:sldMk cId="2446339325" sldId="277"/>
+            <ac:picMk id="9" creationId="{EB87B62F-FA33-EC82-0006-A0F5072A9D9F}"/>
+          </ac:picMkLst>
+        </pc:picChg>
+        <pc:picChg chg="del">
+          <ac:chgData name="Anxo Casal Rodriguez" userId="4252bde8-bc8f-41dd-83f3-a4e65c95fbdf" providerId="ADAL" clId="{E943E5C1-95CE-486C-92D7-129C80AE65D4}" dt="2024-06-17T15:54:15.577" v="2053" actId="478"/>
+          <ac:picMkLst>
+            <pc:docMk/>
+            <pc:sldMk cId="2446339325" sldId="277"/>
+            <ac:picMk id="31" creationId="{7D12ADBB-DB21-4EF5-53E6-A67E74B9A458}"/>
+          </ac:picMkLst>
+        </pc:picChg>
       </pc:sldChg>
       <pc:sldChg chg="addSp delSp modSp add mod">
         <pc:chgData name="Anxo Casal Rodriguez" userId="4252bde8-bc8f-41dd-83f3-a4e65c95fbdf" providerId="ADAL" clId="{E943E5C1-95CE-486C-92D7-129C80AE65D4}" dt="2024-06-17T01:46:56.634" v="1804" actId="1076"/>
@@ -1018,11 +1426,72 @@
           <pc:sldMk cId="0" sldId="278"/>
         </pc:sldMkLst>
       </pc:sldChg>
+      <pc:sldChg chg="addSp delSp modSp add del mod">
+        <pc:chgData name="Anxo Casal Rodriguez" userId="4252bde8-bc8f-41dd-83f3-a4e65c95fbdf" providerId="ADAL" clId="{E943E5C1-95CE-486C-92D7-129C80AE65D4}" dt="2024-06-17T16:10:10.376" v="2383" actId="47"/>
+        <pc:sldMkLst>
+          <pc:docMk/>
+          <pc:sldMk cId="428229396" sldId="278"/>
+        </pc:sldMkLst>
+        <pc:spChg chg="add del mod">
+          <ac:chgData name="Anxo Casal Rodriguez" userId="4252bde8-bc8f-41dd-83f3-a4e65c95fbdf" providerId="ADAL" clId="{E943E5C1-95CE-486C-92D7-129C80AE65D4}" dt="2024-06-17T15:56:47.671" v="2066" actId="478"/>
+          <ac:spMkLst>
+            <pc:docMk/>
+            <pc:sldMk cId="428229396" sldId="278"/>
+            <ac:spMk id="4" creationId="{4C0B6DD0-7778-C98F-6192-5EA13F2A7719}"/>
+          </ac:spMkLst>
+        </pc:spChg>
+        <pc:spChg chg="del mod">
+          <ac:chgData name="Anxo Casal Rodriguez" userId="4252bde8-bc8f-41dd-83f3-a4e65c95fbdf" providerId="ADAL" clId="{E943E5C1-95CE-486C-92D7-129C80AE65D4}" dt="2024-06-17T15:56:46.154" v="2065" actId="478"/>
+          <ac:spMkLst>
+            <pc:docMk/>
+            <pc:sldMk cId="428229396" sldId="278"/>
+            <ac:spMk id="9" creationId="{0E901B9B-A59D-FE82-5450-42A631183763}"/>
+          </ac:spMkLst>
+        </pc:spChg>
+        <pc:spChg chg="mod">
+          <ac:chgData name="Anxo Casal Rodriguez" userId="4252bde8-bc8f-41dd-83f3-a4e65c95fbdf" providerId="ADAL" clId="{E943E5C1-95CE-486C-92D7-129C80AE65D4}" dt="2024-06-17T15:57:02.546" v="2086" actId="20577"/>
+          <ac:spMkLst>
+            <pc:docMk/>
+            <pc:sldMk cId="428229396" sldId="278"/>
+            <ac:spMk id="612" creationId="{00000000-0000-0000-0000-000000000000}"/>
+          </ac:spMkLst>
+        </pc:spChg>
+        <pc:picChg chg="del">
+          <ac:chgData name="Anxo Casal Rodriguez" userId="4252bde8-bc8f-41dd-83f3-a4e65c95fbdf" providerId="ADAL" clId="{E943E5C1-95CE-486C-92D7-129C80AE65D4}" dt="2024-06-17T15:56:43.767" v="2063" actId="478"/>
+          <ac:picMkLst>
+            <pc:docMk/>
+            <pc:sldMk cId="428229396" sldId="278"/>
+            <ac:picMk id="3" creationId="{F9C2BF21-8C91-23E4-4200-F4F7941A6036}"/>
+          </ac:picMkLst>
+        </pc:picChg>
+        <pc:picChg chg="add mod">
+          <ac:chgData name="Anxo Casal Rodriguez" userId="4252bde8-bc8f-41dd-83f3-a4e65c95fbdf" providerId="ADAL" clId="{E943E5C1-95CE-486C-92D7-129C80AE65D4}" dt="2024-06-17T15:57:06.228" v="2087" actId="1076"/>
+          <ac:picMkLst>
+            <pc:docMk/>
+            <pc:sldMk cId="428229396" sldId="278"/>
+            <ac:picMk id="1026" creationId="{9F67A87E-90FF-71A7-E919-C026C7728555}"/>
+          </ac:picMkLst>
+        </pc:picChg>
+      </pc:sldChg>
       <pc:sldChg chg="del">
         <pc:chgData name="Anxo Casal Rodriguez" userId="4252bde8-bc8f-41dd-83f3-a4e65c95fbdf" providerId="ADAL" clId="{E943E5C1-95CE-486C-92D7-129C80AE65D4}" dt="2024-06-17T01:15:56.026" v="710" actId="47"/>
         <pc:sldMkLst>
           <pc:docMk/>
           <pc:sldMk cId="0" sldId="279"/>
+        </pc:sldMkLst>
+      </pc:sldChg>
+      <pc:sldChg chg="add del">
+        <pc:chgData name="Anxo Casal Rodriguez" userId="4252bde8-bc8f-41dd-83f3-a4e65c95fbdf" providerId="ADAL" clId="{E943E5C1-95CE-486C-92D7-129C80AE65D4}" dt="2024-06-17T15:56:40.790" v="2062"/>
+        <pc:sldMkLst>
+          <pc:docMk/>
+          <pc:sldMk cId="44410923" sldId="279"/>
+        </pc:sldMkLst>
+      </pc:sldChg>
+      <pc:sldChg chg="add del">
+        <pc:chgData name="Anxo Casal Rodriguez" userId="4252bde8-bc8f-41dd-83f3-a4e65c95fbdf" providerId="ADAL" clId="{E943E5C1-95CE-486C-92D7-129C80AE65D4}" dt="2024-06-17T15:56:39.272" v="2060"/>
+        <pc:sldMkLst>
+          <pc:docMk/>
+          <pc:sldMk cId="365749177" sldId="279"/>
         </pc:sldMkLst>
       </pc:sldChg>
       <pc:sldChg chg="del">
@@ -1046,12 +1515,148 @@
           <pc:sldMk cId="0" sldId="282"/>
         </pc:sldMkLst>
       </pc:sldChg>
-      <pc:sldChg chg="del">
-        <pc:chgData name="Anxo Casal Rodriguez" userId="4252bde8-bc8f-41dd-83f3-a4e65c95fbdf" providerId="ADAL" clId="{E943E5C1-95CE-486C-92D7-129C80AE65D4}" dt="2024-06-17T01:15:56.026" v="710" actId="47"/>
+      <pc:sldChg chg="addSp delSp modSp add del mod">
+        <pc:chgData name="Anxo Casal Rodriguez" userId="4252bde8-bc8f-41dd-83f3-a4e65c95fbdf" providerId="ADAL" clId="{E943E5C1-95CE-486C-92D7-129C80AE65D4}" dt="2024-06-17T16:12:29.581" v="2404" actId="1076"/>
         <pc:sldMkLst>
           <pc:docMk/>
           <pc:sldMk cId="0" sldId="283"/>
         </pc:sldMkLst>
+        <pc:spChg chg="add del mod">
+          <ac:chgData name="Anxo Casal Rodriguez" userId="4252bde8-bc8f-41dd-83f3-a4e65c95fbdf" providerId="ADAL" clId="{E943E5C1-95CE-486C-92D7-129C80AE65D4}" dt="2024-06-17T16:05:32.634" v="2188" actId="478"/>
+          <ac:spMkLst>
+            <pc:docMk/>
+            <pc:sldMk cId="0" sldId="283"/>
+            <ac:spMk id="3" creationId="{ABE0E626-329A-DD59-C454-B5D230F3841B}"/>
+          </ac:spMkLst>
+        </pc:spChg>
+        <pc:spChg chg="add mod">
+          <ac:chgData name="Anxo Casal Rodriguez" userId="4252bde8-bc8f-41dd-83f3-a4e65c95fbdf" providerId="ADAL" clId="{E943E5C1-95CE-486C-92D7-129C80AE65D4}" dt="2024-06-17T16:05:24.920" v="2177"/>
+          <ac:spMkLst>
+            <pc:docMk/>
+            <pc:sldMk cId="0" sldId="283"/>
+            <ac:spMk id="4" creationId="{00000000-0000-0000-0000-000000000000}"/>
+          </ac:spMkLst>
+        </pc:spChg>
+        <pc:spChg chg="add del mod ord">
+          <ac:chgData name="Anxo Casal Rodriguez" userId="4252bde8-bc8f-41dd-83f3-a4e65c95fbdf" providerId="ADAL" clId="{E943E5C1-95CE-486C-92D7-129C80AE65D4}" dt="2024-06-17T16:10:13.204" v="2384" actId="478"/>
+          <ac:spMkLst>
+            <pc:docMk/>
+            <pc:sldMk cId="0" sldId="283"/>
+            <ac:spMk id="7" creationId="{00000000-0000-0000-0000-000000000000}"/>
+          </ac:spMkLst>
+        </pc:spChg>
+        <pc:spChg chg="add del mod">
+          <ac:chgData name="Anxo Casal Rodriguez" userId="4252bde8-bc8f-41dd-83f3-a4e65c95fbdf" providerId="ADAL" clId="{E943E5C1-95CE-486C-92D7-129C80AE65D4}" dt="2024-06-17T16:06:09.641" v="2235" actId="478"/>
+          <ac:spMkLst>
+            <pc:docMk/>
+            <pc:sldMk cId="0" sldId="283"/>
+            <ac:spMk id="9" creationId="{2D1A5E57-DF51-418A-4728-819DF2F53291}"/>
+          </ac:spMkLst>
+        </pc:spChg>
+        <pc:spChg chg="add mod ord">
+          <ac:chgData name="Anxo Casal Rodriguez" userId="4252bde8-bc8f-41dd-83f3-a4e65c95fbdf" providerId="ADAL" clId="{E943E5C1-95CE-486C-92D7-129C80AE65D4}" dt="2024-06-17T16:12:13.212" v="2403" actId="1076"/>
+          <ac:spMkLst>
+            <pc:docMk/>
+            <pc:sldMk cId="0" sldId="283"/>
+            <ac:spMk id="15" creationId="{9A1192CC-E183-C6FD-11A7-F7CC2A98DF70}"/>
+          </ac:spMkLst>
+        </pc:spChg>
+        <pc:spChg chg="add del mod ord">
+          <ac:chgData name="Anxo Casal Rodriguez" userId="4252bde8-bc8f-41dd-83f3-a4e65c95fbdf" providerId="ADAL" clId="{E943E5C1-95CE-486C-92D7-129C80AE65D4}" dt="2024-06-17T16:11:17.291" v="2390" actId="478"/>
+          <ac:spMkLst>
+            <pc:docMk/>
+            <pc:sldMk cId="0" sldId="283"/>
+            <ac:spMk id="16" creationId="{31E7B98D-0544-61C3-B276-5BE5D7A9B525}"/>
+          </ac:spMkLst>
+        </pc:spChg>
+        <pc:spChg chg="add mod">
+          <ac:chgData name="Anxo Casal Rodriguez" userId="4252bde8-bc8f-41dd-83f3-a4e65c95fbdf" providerId="ADAL" clId="{E943E5C1-95CE-486C-92D7-129C80AE65D4}" dt="2024-06-17T16:12:08.261" v="2402" actId="1076"/>
+          <ac:spMkLst>
+            <pc:docMk/>
+            <pc:sldMk cId="0" sldId="283"/>
+            <ac:spMk id="17" creationId="{31FE67A1-8409-3B08-8DE7-93AF3D09EFDB}"/>
+          </ac:spMkLst>
+        </pc:spChg>
+        <pc:spChg chg="mod">
+          <ac:chgData name="Anxo Casal Rodriguez" userId="4252bde8-bc8f-41dd-83f3-a4e65c95fbdf" providerId="ADAL" clId="{E943E5C1-95CE-486C-92D7-129C80AE65D4}" dt="2024-06-17T16:06:36.550" v="2245" actId="1076"/>
+          <ac:spMkLst>
+            <pc:docMk/>
+            <pc:sldMk cId="0" sldId="283"/>
+            <ac:spMk id="2684" creationId="{00000000-0000-0000-0000-000000000000}"/>
+          </ac:spMkLst>
+        </pc:spChg>
+        <pc:spChg chg="mod">
+          <ac:chgData name="Anxo Casal Rodriguez" userId="4252bde8-bc8f-41dd-83f3-a4e65c95fbdf" providerId="ADAL" clId="{E943E5C1-95CE-486C-92D7-129C80AE65D4}" dt="2024-06-17T16:12:29.581" v="2404" actId="1076"/>
+          <ac:spMkLst>
+            <pc:docMk/>
+            <pc:sldMk cId="0" sldId="283"/>
+            <ac:spMk id="2685" creationId="{00000000-0000-0000-0000-000000000000}"/>
+          </ac:spMkLst>
+        </pc:spChg>
+        <pc:spChg chg="add del">
+          <ac:chgData name="Anxo Casal Rodriguez" userId="4252bde8-bc8f-41dd-83f3-a4e65c95fbdf" providerId="ADAL" clId="{E943E5C1-95CE-486C-92D7-129C80AE65D4}" dt="2024-06-17T16:06:08.382" v="2234" actId="478"/>
+          <ac:spMkLst>
+            <pc:docMk/>
+            <pc:sldMk cId="0" sldId="283"/>
+            <ac:spMk id="2686" creationId="{00000000-0000-0000-0000-000000000000}"/>
+          </ac:spMkLst>
+        </pc:spChg>
+        <pc:spChg chg="add del mod">
+          <ac:chgData name="Anxo Casal Rodriguez" userId="4252bde8-bc8f-41dd-83f3-a4e65c95fbdf" providerId="ADAL" clId="{E943E5C1-95CE-486C-92D7-129C80AE65D4}" dt="2024-06-17T16:05:41.873" v="2203" actId="21"/>
+          <ac:spMkLst>
+            <pc:docMk/>
+            <pc:sldMk cId="0" sldId="283"/>
+            <ac:spMk id="2689" creationId="{00000000-0000-0000-0000-000000000000}"/>
+          </ac:spMkLst>
+        </pc:spChg>
+        <pc:grpChg chg="add del">
+          <ac:chgData name="Anxo Casal Rodriguez" userId="4252bde8-bc8f-41dd-83f3-a4e65c95fbdf" providerId="ADAL" clId="{E943E5C1-95CE-486C-92D7-129C80AE65D4}" dt="2024-06-17T16:05:48.450" v="2204" actId="478"/>
+          <ac:grpSpMkLst>
+            <pc:docMk/>
+            <pc:sldMk cId="0" sldId="283"/>
+            <ac:grpSpMk id="2687" creationId="{00000000-0000-0000-0000-000000000000}"/>
+          </ac:grpSpMkLst>
+        </pc:grpChg>
+        <pc:picChg chg="add mod">
+          <ac:chgData name="Anxo Casal Rodriguez" userId="4252bde8-bc8f-41dd-83f3-a4e65c95fbdf" providerId="ADAL" clId="{E943E5C1-95CE-486C-92D7-129C80AE65D4}" dt="2024-06-17T16:05:27.806" v="2178"/>
+          <ac:picMkLst>
+            <pc:docMk/>
+            <pc:sldMk cId="0" sldId="283"/>
+            <ac:picMk id="5" creationId="{3C96F42D-E830-2F9E-989A-35D4EF1FF06B}"/>
+          </ac:picMkLst>
+        </pc:picChg>
+        <pc:picChg chg="add mod">
+          <ac:chgData name="Anxo Casal Rodriguez" userId="4252bde8-bc8f-41dd-83f3-a4e65c95fbdf" providerId="ADAL" clId="{E943E5C1-95CE-486C-92D7-129C80AE65D4}" dt="2024-06-17T16:05:30.912" v="2182"/>
+          <ac:picMkLst>
+            <pc:docMk/>
+            <pc:sldMk cId="0" sldId="283"/>
+            <ac:picMk id="6" creationId="{8F5F1926-3CF1-62C3-C606-63D46DFA2617}"/>
+          </ac:picMkLst>
+        </pc:picChg>
+        <pc:picChg chg="add del mod">
+          <ac:chgData name="Anxo Casal Rodriguez" userId="4252bde8-bc8f-41dd-83f3-a4e65c95fbdf" providerId="ADAL" clId="{E943E5C1-95CE-486C-92D7-129C80AE65D4}" dt="2024-06-17T16:07:43.567" v="2251" actId="478"/>
+          <ac:picMkLst>
+            <pc:docMk/>
+            <pc:sldMk cId="0" sldId="283"/>
+            <ac:picMk id="10" creationId="{FC40AC92-8F0E-C106-6339-11D36C989EA9}"/>
+          </ac:picMkLst>
+        </pc:picChg>
+        <pc:picChg chg="add del mod">
+          <ac:chgData name="Anxo Casal Rodriguez" userId="4252bde8-bc8f-41dd-83f3-a4e65c95fbdf" providerId="ADAL" clId="{E943E5C1-95CE-486C-92D7-129C80AE65D4}" dt="2024-06-17T16:08:27.524" v="2257" actId="478"/>
+          <ac:picMkLst>
+            <pc:docMk/>
+            <pc:sldMk cId="0" sldId="283"/>
+            <ac:picMk id="12" creationId="{9C3BE7DC-DD46-6773-4E35-48F70F638CE1}"/>
+          </ac:picMkLst>
+        </pc:picChg>
+        <pc:picChg chg="add mod">
+          <ac:chgData name="Anxo Casal Rodriguez" userId="4252bde8-bc8f-41dd-83f3-a4e65c95fbdf" providerId="ADAL" clId="{E943E5C1-95CE-486C-92D7-129C80AE65D4}" dt="2024-06-17T16:11:31.542" v="2397" actId="1076"/>
+          <ac:picMkLst>
+            <pc:docMk/>
+            <pc:sldMk cId="0" sldId="283"/>
+            <ac:picMk id="14" creationId="{DB23502E-4D10-1B64-EE52-5E5D61694412}"/>
+          </ac:picMkLst>
+        </pc:picChg>
       </pc:sldChg>
       <pc:sldChg chg="del">
         <pc:chgData name="Anxo Casal Rodriguez" userId="4252bde8-bc8f-41dd-83f3-a4e65c95fbdf" providerId="ADAL" clId="{E943E5C1-95CE-486C-92D7-129C80AE65D4}" dt="2024-06-17T01:15:56.026" v="710" actId="47"/>
@@ -1081,12 +1686,460 @@
           <pc:sldMk cId="0" sldId="287"/>
         </pc:sldMkLst>
       </pc:sldChg>
-      <pc:sldChg chg="del">
-        <pc:chgData name="Anxo Casal Rodriguez" userId="4252bde8-bc8f-41dd-83f3-a4e65c95fbdf" providerId="ADAL" clId="{E943E5C1-95CE-486C-92D7-129C80AE65D4}" dt="2024-06-17T01:15:56.026" v="710" actId="47"/>
+      <pc:sldChg chg="addSp delSp modSp add del mod chgLayout">
+        <pc:chgData name="Anxo Casal Rodriguez" userId="4252bde8-bc8f-41dd-83f3-a4e65c95fbdf" providerId="ADAL" clId="{E943E5C1-95CE-486C-92D7-129C80AE65D4}" dt="2024-06-17T16:36:50.649" v="3090" actId="1036"/>
         <pc:sldMkLst>
           <pc:docMk/>
           <pc:sldMk cId="0" sldId="288"/>
         </pc:sldMkLst>
+        <pc:spChg chg="add del mod">
+          <ac:chgData name="Anxo Casal Rodriguez" userId="4252bde8-bc8f-41dd-83f3-a4e65c95fbdf" providerId="ADAL" clId="{E943E5C1-95CE-486C-92D7-129C80AE65D4}" dt="2024-06-17T16:27:35.399" v="2575" actId="478"/>
+          <ac:spMkLst>
+            <pc:docMk/>
+            <pc:sldMk cId="0" sldId="288"/>
+            <ac:spMk id="5" creationId="{E5A1DE33-E7ED-89C3-B57A-35A248A7FBFA}"/>
+          </ac:spMkLst>
+        </pc:spChg>
+        <pc:spChg chg="add del mod">
+          <ac:chgData name="Anxo Casal Rodriguez" userId="4252bde8-bc8f-41dd-83f3-a4e65c95fbdf" providerId="ADAL" clId="{E943E5C1-95CE-486C-92D7-129C80AE65D4}" dt="2024-06-17T16:27:30.560" v="2573" actId="478"/>
+          <ac:spMkLst>
+            <pc:docMk/>
+            <pc:sldMk cId="0" sldId="288"/>
+            <ac:spMk id="6" creationId="{A4AF3C16-2A63-B82A-64FB-F8E37EDECB01}"/>
+          </ac:spMkLst>
+        </pc:spChg>
+        <pc:spChg chg="del mod">
+          <ac:chgData name="Anxo Casal Rodriguez" userId="4252bde8-bc8f-41dd-83f3-a4e65c95fbdf" providerId="ADAL" clId="{E943E5C1-95CE-486C-92D7-129C80AE65D4}" dt="2024-06-17T16:28:05.668" v="2585" actId="21"/>
+          <ac:spMkLst>
+            <pc:docMk/>
+            <pc:sldMk cId="0" sldId="288"/>
+            <ac:spMk id="12" creationId="{67346C96-A06F-7474-30D3-609F409A3DAC}"/>
+          </ac:spMkLst>
+        </pc:spChg>
+        <pc:spChg chg="del mod">
+          <ac:chgData name="Anxo Casal Rodriguez" userId="4252bde8-bc8f-41dd-83f3-a4e65c95fbdf" providerId="ADAL" clId="{E943E5C1-95CE-486C-92D7-129C80AE65D4}" dt="2024-06-17T16:28:05.668" v="2585" actId="21"/>
+          <ac:spMkLst>
+            <pc:docMk/>
+            <pc:sldMk cId="0" sldId="288"/>
+            <ac:spMk id="13" creationId="{871F6752-CD6D-D7F0-581A-47080FC0FF82}"/>
+          </ac:spMkLst>
+        </pc:spChg>
+        <pc:spChg chg="del mod">
+          <ac:chgData name="Anxo Casal Rodriguez" userId="4252bde8-bc8f-41dd-83f3-a4e65c95fbdf" providerId="ADAL" clId="{E943E5C1-95CE-486C-92D7-129C80AE65D4}" dt="2024-06-17T16:28:10.967" v="2588" actId="478"/>
+          <ac:spMkLst>
+            <pc:docMk/>
+            <pc:sldMk cId="0" sldId="288"/>
+            <ac:spMk id="14" creationId="{BD782F28-FA6E-DE5F-A887-2F0B14D06FFE}"/>
+          </ac:spMkLst>
+        </pc:spChg>
+        <pc:spChg chg="mod">
+          <ac:chgData name="Anxo Casal Rodriguez" userId="4252bde8-bc8f-41dd-83f3-a4e65c95fbdf" providerId="ADAL" clId="{E943E5C1-95CE-486C-92D7-129C80AE65D4}" dt="2024-06-17T16:27:54.952" v="2584" actId="207"/>
+          <ac:spMkLst>
+            <pc:docMk/>
+            <pc:sldMk cId="0" sldId="288"/>
+            <ac:spMk id="15" creationId="{9D9F8268-6D62-CC37-12AF-D06C518571F1}"/>
+          </ac:spMkLst>
+        </pc:spChg>
+        <pc:spChg chg="mod">
+          <ac:chgData name="Anxo Casal Rodriguez" userId="4252bde8-bc8f-41dd-83f3-a4e65c95fbdf" providerId="ADAL" clId="{E943E5C1-95CE-486C-92D7-129C80AE65D4}" dt="2024-06-17T16:27:54.952" v="2584" actId="207"/>
+          <ac:spMkLst>
+            <pc:docMk/>
+            <pc:sldMk cId="0" sldId="288"/>
+            <ac:spMk id="16" creationId="{D3DF4DC2-BD3E-310F-8EFA-F8E1FFD5B17E}"/>
+          </ac:spMkLst>
+        </pc:spChg>
+        <pc:spChg chg="mod">
+          <ac:chgData name="Anxo Casal Rodriguez" userId="4252bde8-bc8f-41dd-83f3-a4e65c95fbdf" providerId="ADAL" clId="{E943E5C1-95CE-486C-92D7-129C80AE65D4}" dt="2024-06-17T16:27:54.952" v="2584" actId="207"/>
+          <ac:spMkLst>
+            <pc:docMk/>
+            <pc:sldMk cId="0" sldId="288"/>
+            <ac:spMk id="17" creationId="{D7B21BE2-D2D1-86D5-8006-5564960CE77D}"/>
+          </ac:spMkLst>
+        </pc:spChg>
+        <pc:spChg chg="del mod">
+          <ac:chgData name="Anxo Casal Rodriguez" userId="4252bde8-bc8f-41dd-83f3-a4e65c95fbdf" providerId="ADAL" clId="{E943E5C1-95CE-486C-92D7-129C80AE65D4}" dt="2024-06-17T16:28:13.514" v="2589" actId="478"/>
+          <ac:spMkLst>
+            <pc:docMk/>
+            <pc:sldMk cId="0" sldId="288"/>
+            <ac:spMk id="18" creationId="{74DBE5D5-1028-8B6F-2890-D8C7EE1D0358}"/>
+          </ac:spMkLst>
+        </pc:spChg>
+        <pc:spChg chg="del mod">
+          <ac:chgData name="Anxo Casal Rodriguez" userId="4252bde8-bc8f-41dd-83f3-a4e65c95fbdf" providerId="ADAL" clId="{E943E5C1-95CE-486C-92D7-129C80AE65D4}" dt="2024-06-17T16:28:15.019" v="2590" actId="478"/>
+          <ac:spMkLst>
+            <pc:docMk/>
+            <pc:sldMk cId="0" sldId="288"/>
+            <ac:spMk id="19" creationId="{ADCF0818-D82F-F73A-D98D-2F1D924FE8C8}"/>
+          </ac:spMkLst>
+        </pc:spChg>
+        <pc:spChg chg="del mod topLvl">
+          <ac:chgData name="Anxo Casal Rodriguez" userId="4252bde8-bc8f-41dd-83f3-a4e65c95fbdf" providerId="ADAL" clId="{E943E5C1-95CE-486C-92D7-129C80AE65D4}" dt="2024-06-17T16:28:16.282" v="2591" actId="478"/>
+          <ac:spMkLst>
+            <pc:docMk/>
+            <pc:sldMk cId="0" sldId="288"/>
+            <ac:spMk id="20" creationId="{F0DEF28D-4263-42FC-E6A0-E6DDC067C133}"/>
+          </ac:spMkLst>
+        </pc:spChg>
+        <pc:spChg chg="del mod">
+          <ac:chgData name="Anxo Casal Rodriguez" userId="4252bde8-bc8f-41dd-83f3-a4e65c95fbdf" providerId="ADAL" clId="{E943E5C1-95CE-486C-92D7-129C80AE65D4}" dt="2024-06-17T16:27:04.851" v="2565" actId="478"/>
+          <ac:spMkLst>
+            <pc:docMk/>
+            <pc:sldMk cId="0" sldId="288"/>
+            <ac:spMk id="21" creationId="{BD908921-289D-110F-218C-CB0E4CA2564D}"/>
+          </ac:spMkLst>
+        </pc:spChg>
+        <pc:spChg chg="del mod">
+          <ac:chgData name="Anxo Casal Rodriguez" userId="4252bde8-bc8f-41dd-83f3-a4e65c95fbdf" providerId="ADAL" clId="{E943E5C1-95CE-486C-92D7-129C80AE65D4}" dt="2024-06-17T16:27:06.599" v="2566" actId="478"/>
+          <ac:spMkLst>
+            <pc:docMk/>
+            <pc:sldMk cId="0" sldId="288"/>
+            <ac:spMk id="22" creationId="{F7D9FD74-992D-FB74-9D7D-F0B2E170FB67}"/>
+          </ac:spMkLst>
+        </pc:spChg>
+        <pc:spChg chg="del mod">
+          <ac:chgData name="Anxo Casal Rodriguez" userId="4252bde8-bc8f-41dd-83f3-a4e65c95fbdf" providerId="ADAL" clId="{E943E5C1-95CE-486C-92D7-129C80AE65D4}" dt="2024-06-17T16:27:09.445" v="2567" actId="478"/>
+          <ac:spMkLst>
+            <pc:docMk/>
+            <pc:sldMk cId="0" sldId="288"/>
+            <ac:spMk id="23" creationId="{E2A3AC07-F949-EEA9-F251-31DE99864EE4}"/>
+          </ac:spMkLst>
+        </pc:spChg>
+        <pc:spChg chg="mod">
+          <ac:chgData name="Anxo Casal Rodriguez" userId="4252bde8-bc8f-41dd-83f3-a4e65c95fbdf" providerId="ADAL" clId="{E943E5C1-95CE-486C-92D7-129C80AE65D4}" dt="2024-06-17T16:28:18.524" v="2592"/>
+          <ac:spMkLst>
+            <pc:docMk/>
+            <pc:sldMk cId="0" sldId="288"/>
+            <ac:spMk id="25" creationId="{3C22BA1F-E12D-1611-4ED3-58DEB37B8087}"/>
+          </ac:spMkLst>
+        </pc:spChg>
+        <pc:spChg chg="mod">
+          <ac:chgData name="Anxo Casal Rodriguez" userId="4252bde8-bc8f-41dd-83f3-a4e65c95fbdf" providerId="ADAL" clId="{E943E5C1-95CE-486C-92D7-129C80AE65D4}" dt="2024-06-17T16:28:18.524" v="2592"/>
+          <ac:spMkLst>
+            <pc:docMk/>
+            <pc:sldMk cId="0" sldId="288"/>
+            <ac:spMk id="26" creationId="{BFB5BEDA-2EB8-B976-AFA7-131779F7474A}"/>
+          </ac:spMkLst>
+        </pc:spChg>
+        <pc:spChg chg="mod">
+          <ac:chgData name="Anxo Casal Rodriguez" userId="4252bde8-bc8f-41dd-83f3-a4e65c95fbdf" providerId="ADAL" clId="{E943E5C1-95CE-486C-92D7-129C80AE65D4}" dt="2024-06-17T16:28:18.524" v="2592"/>
+          <ac:spMkLst>
+            <pc:docMk/>
+            <pc:sldMk cId="0" sldId="288"/>
+            <ac:spMk id="27" creationId="{D7A3BC31-0D1E-2223-9C01-25F38D8CB08A}"/>
+          </ac:spMkLst>
+        </pc:spChg>
+        <pc:spChg chg="mod">
+          <ac:chgData name="Anxo Casal Rodriguez" userId="4252bde8-bc8f-41dd-83f3-a4e65c95fbdf" providerId="ADAL" clId="{E943E5C1-95CE-486C-92D7-129C80AE65D4}" dt="2024-06-17T16:28:18.698" v="2593"/>
+          <ac:spMkLst>
+            <pc:docMk/>
+            <pc:sldMk cId="0" sldId="288"/>
+            <ac:spMk id="29" creationId="{D13E14EB-20CD-FE3E-EADB-780D4CF78A10}"/>
+          </ac:spMkLst>
+        </pc:spChg>
+        <pc:spChg chg="mod">
+          <ac:chgData name="Anxo Casal Rodriguez" userId="4252bde8-bc8f-41dd-83f3-a4e65c95fbdf" providerId="ADAL" clId="{E943E5C1-95CE-486C-92D7-129C80AE65D4}" dt="2024-06-17T16:28:18.698" v="2593"/>
+          <ac:spMkLst>
+            <pc:docMk/>
+            <pc:sldMk cId="0" sldId="288"/>
+            <ac:spMk id="30" creationId="{1BC5130D-807C-71FC-8CD5-378868084429}"/>
+          </ac:spMkLst>
+        </pc:spChg>
+        <pc:spChg chg="mod">
+          <ac:chgData name="Anxo Casal Rodriguez" userId="4252bde8-bc8f-41dd-83f3-a4e65c95fbdf" providerId="ADAL" clId="{E943E5C1-95CE-486C-92D7-129C80AE65D4}" dt="2024-06-17T16:28:18.698" v="2593"/>
+          <ac:spMkLst>
+            <pc:docMk/>
+            <pc:sldMk cId="0" sldId="288"/>
+            <ac:spMk id="31" creationId="{15507C3C-6468-F2D0-14B9-213C2BBF3656}"/>
+          </ac:spMkLst>
+        </pc:spChg>
+        <pc:spChg chg="add mod">
+          <ac:chgData name="Anxo Casal Rodriguez" userId="4252bde8-bc8f-41dd-83f3-a4e65c95fbdf" providerId="ADAL" clId="{E943E5C1-95CE-486C-92D7-129C80AE65D4}" dt="2024-06-17T16:36:50.649" v="3090" actId="1036"/>
+          <ac:spMkLst>
+            <pc:docMk/>
+            <pc:sldMk cId="0" sldId="288"/>
+            <ac:spMk id="32" creationId="{6C407088-CCCF-AEDF-A889-E88E745D1C84}"/>
+          </ac:spMkLst>
+        </pc:spChg>
+        <pc:spChg chg="add mod">
+          <ac:chgData name="Anxo Casal Rodriguez" userId="4252bde8-bc8f-41dd-83f3-a4e65c95fbdf" providerId="ADAL" clId="{E943E5C1-95CE-486C-92D7-129C80AE65D4}" dt="2024-06-17T16:36:26.249" v="3048" actId="1036"/>
+          <ac:spMkLst>
+            <pc:docMk/>
+            <pc:sldMk cId="0" sldId="288"/>
+            <ac:spMk id="33" creationId="{3371F416-F341-3705-837A-D049BB123CB1}"/>
+          </ac:spMkLst>
+        </pc:spChg>
+        <pc:spChg chg="mod">
+          <ac:chgData name="Anxo Casal Rodriguez" userId="4252bde8-bc8f-41dd-83f3-a4e65c95fbdf" providerId="ADAL" clId="{E943E5C1-95CE-486C-92D7-129C80AE65D4}" dt="2024-06-17T16:30:02.731" v="2627"/>
+          <ac:spMkLst>
+            <pc:docMk/>
+            <pc:sldMk cId="0" sldId="288"/>
+            <ac:spMk id="35" creationId="{6FE06C2E-5B52-64B2-D2D5-C784AC243B46}"/>
+          </ac:spMkLst>
+        </pc:spChg>
+        <pc:spChg chg="mod">
+          <ac:chgData name="Anxo Casal Rodriguez" userId="4252bde8-bc8f-41dd-83f3-a4e65c95fbdf" providerId="ADAL" clId="{E943E5C1-95CE-486C-92D7-129C80AE65D4}" dt="2024-06-17T16:30:02.731" v="2627"/>
+          <ac:spMkLst>
+            <pc:docMk/>
+            <pc:sldMk cId="0" sldId="288"/>
+            <ac:spMk id="36" creationId="{60A95337-8AB3-8E5E-A562-5ABBB72DA2AC}"/>
+          </ac:spMkLst>
+        </pc:spChg>
+        <pc:spChg chg="mod">
+          <ac:chgData name="Anxo Casal Rodriguez" userId="4252bde8-bc8f-41dd-83f3-a4e65c95fbdf" providerId="ADAL" clId="{E943E5C1-95CE-486C-92D7-129C80AE65D4}" dt="2024-06-17T16:30:02.731" v="2627"/>
+          <ac:spMkLst>
+            <pc:docMk/>
+            <pc:sldMk cId="0" sldId="288"/>
+            <ac:spMk id="37" creationId="{35BA0809-0E58-8B0B-A06E-FD1AFC7467DE}"/>
+          </ac:spMkLst>
+        </pc:spChg>
+        <pc:spChg chg="add mod">
+          <ac:chgData name="Anxo Casal Rodriguez" userId="4252bde8-bc8f-41dd-83f3-a4e65c95fbdf" providerId="ADAL" clId="{E943E5C1-95CE-486C-92D7-129C80AE65D4}" dt="2024-06-17T16:36:50.649" v="3090" actId="1036"/>
+          <ac:spMkLst>
+            <pc:docMk/>
+            <pc:sldMk cId="0" sldId="288"/>
+            <ac:spMk id="38" creationId="{8619EDA3-895A-D0B0-96C9-413FF4F03A81}"/>
+          </ac:spMkLst>
+        </pc:spChg>
+        <pc:spChg chg="add mod">
+          <ac:chgData name="Anxo Casal Rodriguez" userId="4252bde8-bc8f-41dd-83f3-a4e65c95fbdf" providerId="ADAL" clId="{E943E5C1-95CE-486C-92D7-129C80AE65D4}" dt="2024-06-17T16:36:12.774" v="2991" actId="1036"/>
+          <ac:spMkLst>
+            <pc:docMk/>
+            <pc:sldMk cId="0" sldId="288"/>
+            <ac:spMk id="39" creationId="{A88A2F99-6754-DAFC-2725-ADFD3BCCB55A}"/>
+          </ac:spMkLst>
+        </pc:spChg>
+        <pc:spChg chg="mod">
+          <ac:chgData name="Anxo Casal Rodriguez" userId="4252bde8-bc8f-41dd-83f3-a4e65c95fbdf" providerId="ADAL" clId="{E943E5C1-95CE-486C-92D7-129C80AE65D4}" dt="2024-06-17T16:30:18.069" v="2629"/>
+          <ac:spMkLst>
+            <pc:docMk/>
+            <pc:sldMk cId="0" sldId="288"/>
+            <ac:spMk id="41" creationId="{71BF3FE2-E959-88CC-3C17-128E16344D4B}"/>
+          </ac:spMkLst>
+        </pc:spChg>
+        <pc:spChg chg="mod">
+          <ac:chgData name="Anxo Casal Rodriguez" userId="4252bde8-bc8f-41dd-83f3-a4e65c95fbdf" providerId="ADAL" clId="{E943E5C1-95CE-486C-92D7-129C80AE65D4}" dt="2024-06-17T16:30:18.069" v="2629"/>
+          <ac:spMkLst>
+            <pc:docMk/>
+            <pc:sldMk cId="0" sldId="288"/>
+            <ac:spMk id="42" creationId="{A871A925-32D2-7870-9417-419BCC471FF1}"/>
+          </ac:spMkLst>
+        </pc:spChg>
+        <pc:spChg chg="mod">
+          <ac:chgData name="Anxo Casal Rodriguez" userId="4252bde8-bc8f-41dd-83f3-a4e65c95fbdf" providerId="ADAL" clId="{E943E5C1-95CE-486C-92D7-129C80AE65D4}" dt="2024-06-17T16:30:18.069" v="2629"/>
+          <ac:spMkLst>
+            <pc:docMk/>
+            <pc:sldMk cId="0" sldId="288"/>
+            <ac:spMk id="43" creationId="{B4A9FE09-7983-647C-A84B-E7196C94BA20}"/>
+          </ac:spMkLst>
+        </pc:spChg>
+        <pc:spChg chg="add mod">
+          <ac:chgData name="Anxo Casal Rodriguez" userId="4252bde8-bc8f-41dd-83f3-a4e65c95fbdf" providerId="ADAL" clId="{E943E5C1-95CE-486C-92D7-129C80AE65D4}" dt="2024-06-17T16:35:18.137" v="2788" actId="1035"/>
+          <ac:spMkLst>
+            <pc:docMk/>
+            <pc:sldMk cId="0" sldId="288"/>
+            <ac:spMk id="44" creationId="{5BF9574C-F113-2D1E-5412-300EEF0AA9D1}"/>
+          </ac:spMkLst>
+        </pc:spChg>
+        <pc:spChg chg="add mod">
+          <ac:chgData name="Anxo Casal Rodriguez" userId="4252bde8-bc8f-41dd-83f3-a4e65c95fbdf" providerId="ADAL" clId="{E943E5C1-95CE-486C-92D7-129C80AE65D4}" dt="2024-06-17T16:36:20.274" v="3014" actId="1036"/>
+          <ac:spMkLst>
+            <pc:docMk/>
+            <pc:sldMk cId="0" sldId="288"/>
+            <ac:spMk id="45" creationId="{286AFB17-92FB-63F4-BDDF-F057B6F04371}"/>
+          </ac:spMkLst>
+        </pc:spChg>
+        <pc:spChg chg="add del mod">
+          <ac:chgData name="Anxo Casal Rodriguez" userId="4252bde8-bc8f-41dd-83f3-a4e65c95fbdf" providerId="ADAL" clId="{E943E5C1-95CE-486C-92D7-129C80AE65D4}" dt="2024-06-17T16:33:30.865" v="2671" actId="6264"/>
+          <ac:spMkLst>
+            <pc:docMk/>
+            <pc:sldMk cId="0" sldId="288"/>
+            <ac:spMk id="46" creationId="{C089DDE5-B5C1-B6F0-D220-AB27693E9781}"/>
+          </ac:spMkLst>
+        </pc:spChg>
+        <pc:spChg chg="add mod">
+          <ac:chgData name="Anxo Casal Rodriguez" userId="4252bde8-bc8f-41dd-83f3-a4e65c95fbdf" providerId="ADAL" clId="{E943E5C1-95CE-486C-92D7-129C80AE65D4}" dt="2024-06-17T16:35:03.597" v="2682" actId="571"/>
+          <ac:spMkLst>
+            <pc:docMk/>
+            <pc:sldMk cId="0" sldId="288"/>
+            <ac:spMk id="47" creationId="{C13D83FF-A843-4FD6-641E-6D6881B7ED01}"/>
+          </ac:spMkLst>
+        </pc:spChg>
+        <pc:spChg chg="mod ord">
+          <ac:chgData name="Anxo Casal Rodriguez" userId="4252bde8-bc8f-41dd-83f3-a4e65c95fbdf" providerId="ADAL" clId="{E943E5C1-95CE-486C-92D7-129C80AE65D4}" dt="2024-06-17T16:33:30.865" v="2671" actId="6264"/>
+          <ac:spMkLst>
+            <pc:docMk/>
+            <pc:sldMk cId="0" sldId="288"/>
+            <ac:spMk id="2988" creationId="{00000000-0000-0000-0000-000000000000}"/>
+          </ac:spMkLst>
+        </pc:spChg>
+        <pc:spChg chg="del mod">
+          <ac:chgData name="Anxo Casal Rodriguez" userId="4252bde8-bc8f-41dd-83f3-a4e65c95fbdf" providerId="ADAL" clId="{E943E5C1-95CE-486C-92D7-129C80AE65D4}" dt="2024-06-17T16:27:35.399" v="2575" actId="478"/>
+          <ac:spMkLst>
+            <pc:docMk/>
+            <pc:sldMk cId="0" sldId="288"/>
+            <ac:spMk id="2989" creationId="{00000000-0000-0000-0000-000000000000}"/>
+          </ac:spMkLst>
+        </pc:spChg>
+        <pc:spChg chg="del">
+          <ac:chgData name="Anxo Casal Rodriguez" userId="4252bde8-bc8f-41dd-83f3-a4e65c95fbdf" providerId="ADAL" clId="{E943E5C1-95CE-486C-92D7-129C80AE65D4}" dt="2024-06-17T16:27:35.399" v="2575" actId="478"/>
+          <ac:spMkLst>
+            <pc:docMk/>
+            <pc:sldMk cId="0" sldId="288"/>
+            <ac:spMk id="2990" creationId="{00000000-0000-0000-0000-000000000000}"/>
+          </ac:spMkLst>
+        </pc:spChg>
+        <pc:spChg chg="del mod">
+          <ac:chgData name="Anxo Casal Rodriguez" userId="4252bde8-bc8f-41dd-83f3-a4e65c95fbdf" providerId="ADAL" clId="{E943E5C1-95CE-486C-92D7-129C80AE65D4}" dt="2024-06-17T16:27:35.399" v="2575" actId="478"/>
+          <ac:spMkLst>
+            <pc:docMk/>
+            <pc:sldMk cId="0" sldId="288"/>
+            <ac:spMk id="2991" creationId="{00000000-0000-0000-0000-000000000000}"/>
+          </ac:spMkLst>
+        </pc:spChg>
+        <pc:spChg chg="del">
+          <ac:chgData name="Anxo Casal Rodriguez" userId="4252bde8-bc8f-41dd-83f3-a4e65c95fbdf" providerId="ADAL" clId="{E943E5C1-95CE-486C-92D7-129C80AE65D4}" dt="2024-06-17T16:27:35.399" v="2575" actId="478"/>
+          <ac:spMkLst>
+            <pc:docMk/>
+            <pc:sldMk cId="0" sldId="288"/>
+            <ac:spMk id="2992" creationId="{00000000-0000-0000-0000-000000000000}"/>
+          </ac:spMkLst>
+        </pc:spChg>
+        <pc:spChg chg="del">
+          <ac:chgData name="Anxo Casal Rodriguez" userId="4252bde8-bc8f-41dd-83f3-a4e65c95fbdf" providerId="ADAL" clId="{E943E5C1-95CE-486C-92D7-129C80AE65D4}" dt="2024-06-17T16:27:35.399" v="2575" actId="478"/>
+          <ac:spMkLst>
+            <pc:docMk/>
+            <pc:sldMk cId="0" sldId="288"/>
+            <ac:spMk id="2993" creationId="{00000000-0000-0000-0000-000000000000}"/>
+          </ac:spMkLst>
+        </pc:spChg>
+        <pc:spChg chg="del">
+          <ac:chgData name="Anxo Casal Rodriguez" userId="4252bde8-bc8f-41dd-83f3-a4e65c95fbdf" providerId="ADAL" clId="{E943E5C1-95CE-486C-92D7-129C80AE65D4}" dt="2024-06-17T16:27:35.399" v="2575" actId="478"/>
+          <ac:spMkLst>
+            <pc:docMk/>
+            <pc:sldMk cId="0" sldId="288"/>
+            <ac:spMk id="2994" creationId="{00000000-0000-0000-0000-000000000000}"/>
+          </ac:spMkLst>
+        </pc:spChg>
+        <pc:spChg chg="del">
+          <ac:chgData name="Anxo Casal Rodriguez" userId="4252bde8-bc8f-41dd-83f3-a4e65c95fbdf" providerId="ADAL" clId="{E943E5C1-95CE-486C-92D7-129C80AE65D4}" dt="2024-06-17T16:27:36.360" v="2576" actId="478"/>
+          <ac:spMkLst>
+            <pc:docMk/>
+            <pc:sldMk cId="0" sldId="288"/>
+            <ac:spMk id="2995" creationId="{00000000-0000-0000-0000-000000000000}"/>
+          </ac:spMkLst>
+        </pc:spChg>
+        <pc:spChg chg="del mod">
+          <ac:chgData name="Anxo Casal Rodriguez" userId="4252bde8-bc8f-41dd-83f3-a4e65c95fbdf" providerId="ADAL" clId="{E943E5C1-95CE-486C-92D7-129C80AE65D4}" dt="2024-06-17T16:27:40.559" v="2581" actId="478"/>
+          <ac:spMkLst>
+            <pc:docMk/>
+            <pc:sldMk cId="0" sldId="288"/>
+            <ac:spMk id="2996" creationId="{00000000-0000-0000-0000-000000000000}"/>
+          </ac:spMkLst>
+        </pc:spChg>
+        <pc:spChg chg="del mod">
+          <ac:chgData name="Anxo Casal Rodriguez" userId="4252bde8-bc8f-41dd-83f3-a4e65c95fbdf" providerId="ADAL" clId="{E943E5C1-95CE-486C-92D7-129C80AE65D4}" dt="2024-06-17T16:27:39.436" v="2580" actId="478"/>
+          <ac:spMkLst>
+            <pc:docMk/>
+            <pc:sldMk cId="0" sldId="288"/>
+            <ac:spMk id="2997" creationId="{00000000-0000-0000-0000-000000000000}"/>
+          </ac:spMkLst>
+        </pc:spChg>
+        <pc:grpChg chg="add del mod">
+          <ac:chgData name="Anxo Casal Rodriguez" userId="4252bde8-bc8f-41dd-83f3-a4e65c95fbdf" providerId="ADAL" clId="{E943E5C1-95CE-486C-92D7-129C80AE65D4}" dt="2024-06-17T16:28:16.282" v="2591" actId="478"/>
+          <ac:grpSpMkLst>
+            <pc:docMk/>
+            <pc:sldMk cId="0" sldId="288"/>
+            <ac:grpSpMk id="7" creationId="{C3380644-F577-AB84-1E1A-623E3B8A3B6A}"/>
+          </ac:grpSpMkLst>
+        </pc:grpChg>
+        <pc:grpChg chg="del mod">
+          <ac:chgData name="Anxo Casal Rodriguez" userId="4252bde8-bc8f-41dd-83f3-a4e65c95fbdf" providerId="ADAL" clId="{E943E5C1-95CE-486C-92D7-129C80AE65D4}" dt="2024-06-17T16:27:06.599" v="2566" actId="478"/>
+          <ac:grpSpMkLst>
+            <pc:docMk/>
+            <pc:sldMk cId="0" sldId="288"/>
+            <ac:grpSpMk id="8" creationId="{8EFC99CF-88E0-FE7B-A907-BCD5096891C0}"/>
+          </ac:grpSpMkLst>
+        </pc:grpChg>
+        <pc:grpChg chg="del mod">
+          <ac:chgData name="Anxo Casal Rodriguez" userId="4252bde8-bc8f-41dd-83f3-a4e65c95fbdf" providerId="ADAL" clId="{E943E5C1-95CE-486C-92D7-129C80AE65D4}" dt="2024-06-17T16:28:15.019" v="2590" actId="478"/>
+          <ac:grpSpMkLst>
+            <pc:docMk/>
+            <pc:sldMk cId="0" sldId="288"/>
+            <ac:grpSpMk id="9" creationId="{F4E0B167-DDED-5E68-6A23-ACFE4D986B2C}"/>
+          </ac:grpSpMkLst>
+        </pc:grpChg>
+        <pc:grpChg chg="del mod topLvl">
+          <ac:chgData name="Anxo Casal Rodriguez" userId="4252bde8-bc8f-41dd-83f3-a4e65c95fbdf" providerId="ADAL" clId="{E943E5C1-95CE-486C-92D7-129C80AE65D4}" dt="2024-06-17T16:28:34.881" v="2602" actId="21"/>
+          <ac:grpSpMkLst>
+            <pc:docMk/>
+            <pc:sldMk cId="0" sldId="288"/>
+            <ac:grpSpMk id="10" creationId="{8616DFE9-269B-E442-66FD-E107BC88E88C}"/>
+          </ac:grpSpMkLst>
+        </pc:grpChg>
+        <pc:grpChg chg="del mod">
+          <ac:chgData name="Anxo Casal Rodriguez" userId="4252bde8-bc8f-41dd-83f3-a4e65c95fbdf" providerId="ADAL" clId="{E943E5C1-95CE-486C-92D7-129C80AE65D4}" dt="2024-06-17T16:28:05.668" v="2585" actId="21"/>
+          <ac:grpSpMkLst>
+            <pc:docMk/>
+            <pc:sldMk cId="0" sldId="288"/>
+            <ac:grpSpMk id="11" creationId="{6F70B878-77CF-3B78-CDAE-F76FE858043F}"/>
+          </ac:grpSpMkLst>
+        </pc:grpChg>
+        <pc:grpChg chg="add mod">
+          <ac:chgData name="Anxo Casal Rodriguez" userId="4252bde8-bc8f-41dd-83f3-a4e65c95fbdf" providerId="ADAL" clId="{E943E5C1-95CE-486C-92D7-129C80AE65D4}" dt="2024-06-17T16:35:59.677" v="2974" actId="1035"/>
+          <ac:grpSpMkLst>
+            <pc:docMk/>
+            <pc:sldMk cId="0" sldId="288"/>
+            <ac:grpSpMk id="24" creationId="{1685E059-0D19-1048-B4ED-7E8114894D35}"/>
+          </ac:grpSpMkLst>
+        </pc:grpChg>
+        <pc:grpChg chg="add del mod">
+          <ac:chgData name="Anxo Casal Rodriguez" userId="4252bde8-bc8f-41dd-83f3-a4e65c95fbdf" providerId="ADAL" clId="{E943E5C1-95CE-486C-92D7-129C80AE65D4}" dt="2024-06-17T16:28:33.781" v="2601" actId="21"/>
+          <ac:grpSpMkLst>
+            <pc:docMk/>
+            <pc:sldMk cId="0" sldId="288"/>
+            <ac:grpSpMk id="28" creationId="{DD426D5A-0BE9-7D0B-93DE-8E51CD4C41B8}"/>
+          </ac:grpSpMkLst>
+        </pc:grpChg>
+        <pc:grpChg chg="add mod">
+          <ac:chgData name="Anxo Casal Rodriguez" userId="4252bde8-bc8f-41dd-83f3-a4e65c95fbdf" providerId="ADAL" clId="{E943E5C1-95CE-486C-92D7-129C80AE65D4}" dt="2024-06-17T16:35:59.677" v="2974" actId="1035"/>
+          <ac:grpSpMkLst>
+            <pc:docMk/>
+            <pc:sldMk cId="0" sldId="288"/>
+            <ac:grpSpMk id="34" creationId="{27A4C5F1-F4E8-B97C-1798-5CF6503F6F51}"/>
+          </ac:grpSpMkLst>
+        </pc:grpChg>
+        <pc:grpChg chg="add mod">
+          <ac:chgData name="Anxo Casal Rodriguez" userId="4252bde8-bc8f-41dd-83f3-a4e65c95fbdf" providerId="ADAL" clId="{E943E5C1-95CE-486C-92D7-129C80AE65D4}" dt="2024-06-17T16:35:30.636" v="2848" actId="1035"/>
+          <ac:grpSpMkLst>
+            <pc:docMk/>
+            <pc:sldMk cId="0" sldId="288"/>
+            <ac:grpSpMk id="40" creationId="{3D25B49E-D77B-DC15-77C4-FA3FD8C6CEBF}"/>
+          </ac:grpSpMkLst>
+        </pc:grpChg>
+        <pc:cxnChg chg="del mod">
+          <ac:chgData name="Anxo Casal Rodriguez" userId="4252bde8-bc8f-41dd-83f3-a4e65c95fbdf" providerId="ADAL" clId="{E943E5C1-95CE-486C-92D7-129C80AE65D4}" dt="2024-06-17T16:27:35.399" v="2575" actId="478"/>
+          <ac:cxnSpMkLst>
+            <pc:docMk/>
+            <pc:sldMk cId="0" sldId="288"/>
+            <ac:cxnSpMk id="2998" creationId="{00000000-0000-0000-0000-000000000000}"/>
+          </ac:cxnSpMkLst>
+        </pc:cxnChg>
+        <pc:cxnChg chg="del mod">
+          <ac:chgData name="Anxo Casal Rodriguez" userId="4252bde8-bc8f-41dd-83f3-a4e65c95fbdf" providerId="ADAL" clId="{E943E5C1-95CE-486C-92D7-129C80AE65D4}" dt="2024-06-17T16:27:35.399" v="2575" actId="478"/>
+          <ac:cxnSpMkLst>
+            <pc:docMk/>
+            <pc:sldMk cId="0" sldId="288"/>
+            <ac:cxnSpMk id="2999" creationId="{00000000-0000-0000-0000-000000000000}"/>
+          </ac:cxnSpMkLst>
+        </pc:cxnChg>
+        <pc:cxnChg chg="del mod">
+          <ac:chgData name="Anxo Casal Rodriguez" userId="4252bde8-bc8f-41dd-83f3-a4e65c95fbdf" providerId="ADAL" clId="{E943E5C1-95CE-486C-92D7-129C80AE65D4}" dt="2024-06-17T16:27:37.042" v="2577" actId="478"/>
+          <ac:cxnSpMkLst>
+            <pc:docMk/>
+            <pc:sldMk cId="0" sldId="288"/>
+            <ac:cxnSpMk id="3000" creationId="{00000000-0000-0000-0000-000000000000}"/>
+          </ac:cxnSpMkLst>
+        </pc:cxnChg>
       </pc:sldChg>
       <pc:sldChg chg="del">
         <pc:chgData name="Anxo Casal Rodriguez" userId="4252bde8-bc8f-41dd-83f3-a4e65c95fbdf" providerId="ADAL" clId="{E943E5C1-95CE-486C-92D7-129C80AE65D4}" dt="2024-06-17T01:15:56.026" v="710" actId="47"/>
@@ -1095,12 +2148,116 @@
           <pc:sldMk cId="0" sldId="289"/>
         </pc:sldMkLst>
       </pc:sldChg>
-      <pc:sldChg chg="del">
-        <pc:chgData name="Anxo Casal Rodriguez" userId="4252bde8-bc8f-41dd-83f3-a4e65c95fbdf" providerId="ADAL" clId="{E943E5C1-95CE-486C-92D7-129C80AE65D4}" dt="2024-06-17T01:15:56.026" v="710" actId="47"/>
+      <pc:sldChg chg="addSp delSp modSp add del mod">
+        <pc:chgData name="Anxo Casal Rodriguez" userId="4252bde8-bc8f-41dd-83f3-a4e65c95fbdf" providerId="ADAL" clId="{E943E5C1-95CE-486C-92D7-129C80AE65D4}" dt="2024-06-17T16:05:40.452" v="2200" actId="47"/>
         <pc:sldMkLst>
           <pc:docMk/>
           <pc:sldMk cId="0" sldId="290"/>
         </pc:sldMkLst>
+        <pc:spChg chg="add mod">
+          <ac:chgData name="Anxo Casal Rodriguez" userId="4252bde8-bc8f-41dd-83f3-a4e65c95fbdf" providerId="ADAL" clId="{E943E5C1-95CE-486C-92D7-129C80AE65D4}" dt="2024-06-17T16:03:16.277" v="2101" actId="1076"/>
+          <ac:spMkLst>
+            <pc:docMk/>
+            <pc:sldMk cId="0" sldId="290"/>
+            <ac:spMk id="2" creationId="{00000000-0000-0000-0000-000000000000}"/>
+          </ac:spMkLst>
+        </pc:spChg>
+        <pc:spChg chg="add del mod">
+          <ac:chgData name="Anxo Casal Rodriguez" userId="4252bde8-bc8f-41dd-83f3-a4e65c95fbdf" providerId="ADAL" clId="{E943E5C1-95CE-486C-92D7-129C80AE65D4}" dt="2024-06-17T16:04:06.815" v="2144" actId="478"/>
+          <ac:spMkLst>
+            <pc:docMk/>
+            <pc:sldMk cId="0" sldId="290"/>
+            <ac:spMk id="5" creationId="{F867EAD9-016A-3734-0BD0-58A109E4C9C8}"/>
+          </ac:spMkLst>
+        </pc:spChg>
+        <pc:spChg chg="mod">
+          <ac:chgData name="Anxo Casal Rodriguez" userId="4252bde8-bc8f-41dd-83f3-a4e65c95fbdf" providerId="ADAL" clId="{E943E5C1-95CE-486C-92D7-129C80AE65D4}" dt="2024-06-17T16:04:03.780" v="2143" actId="1076"/>
+          <ac:spMkLst>
+            <pc:docMk/>
+            <pc:sldMk cId="0" sldId="290"/>
+            <ac:spMk id="3012" creationId="{00000000-0000-0000-0000-000000000000}"/>
+          </ac:spMkLst>
+        </pc:spChg>
+        <pc:spChg chg="del mod">
+          <ac:chgData name="Anxo Casal Rodriguez" userId="4252bde8-bc8f-41dd-83f3-a4e65c95fbdf" providerId="ADAL" clId="{E943E5C1-95CE-486C-92D7-129C80AE65D4}" dt="2024-06-17T16:03:46.431" v="2113" actId="478"/>
+          <ac:spMkLst>
+            <pc:docMk/>
+            <pc:sldMk cId="0" sldId="290"/>
+            <ac:spMk id="3013" creationId="{00000000-0000-0000-0000-000000000000}"/>
+          </ac:spMkLst>
+        </pc:spChg>
+        <pc:spChg chg="del mod">
+          <ac:chgData name="Anxo Casal Rodriguez" userId="4252bde8-bc8f-41dd-83f3-a4e65c95fbdf" providerId="ADAL" clId="{E943E5C1-95CE-486C-92D7-129C80AE65D4}" dt="2024-06-17T16:03:08.387" v="2098" actId="21"/>
+          <ac:spMkLst>
+            <pc:docMk/>
+            <pc:sldMk cId="0" sldId="290"/>
+            <ac:spMk id="3015" creationId="{00000000-0000-0000-0000-000000000000}"/>
+          </ac:spMkLst>
+        </pc:spChg>
+        <pc:spChg chg="del">
+          <ac:chgData name="Anxo Casal Rodriguez" userId="4252bde8-bc8f-41dd-83f3-a4e65c95fbdf" providerId="ADAL" clId="{E943E5C1-95CE-486C-92D7-129C80AE65D4}" dt="2024-06-17T16:02:43.073" v="2091" actId="478"/>
+          <ac:spMkLst>
+            <pc:docMk/>
+            <pc:sldMk cId="0" sldId="290"/>
+            <ac:spMk id="3017" creationId="{00000000-0000-0000-0000-000000000000}"/>
+          </ac:spMkLst>
+        </pc:spChg>
+        <pc:spChg chg="del mod">
+          <ac:chgData name="Anxo Casal Rodriguez" userId="4252bde8-bc8f-41dd-83f3-a4e65c95fbdf" providerId="ADAL" clId="{E943E5C1-95CE-486C-92D7-129C80AE65D4}" dt="2024-06-17T16:02:57.597" v="2093" actId="478"/>
+          <ac:spMkLst>
+            <pc:docMk/>
+            <pc:sldMk cId="0" sldId="290"/>
+            <ac:spMk id="3023" creationId="{00000000-0000-0000-0000-000000000000}"/>
+          </ac:spMkLst>
+        </pc:spChg>
+        <pc:spChg chg="del">
+          <ac:chgData name="Anxo Casal Rodriguez" userId="4252bde8-bc8f-41dd-83f3-a4e65c95fbdf" providerId="ADAL" clId="{E943E5C1-95CE-486C-92D7-129C80AE65D4}" dt="2024-06-17T16:03:31.459" v="2108" actId="478"/>
+          <ac:spMkLst>
+            <pc:docMk/>
+            <pc:sldMk cId="0" sldId="290"/>
+            <ac:spMk id="3064" creationId="{00000000-0000-0000-0000-000000000000}"/>
+          </ac:spMkLst>
+        </pc:spChg>
+        <pc:spChg chg="del">
+          <ac:chgData name="Anxo Casal Rodriguez" userId="4252bde8-bc8f-41dd-83f3-a4e65c95fbdf" providerId="ADAL" clId="{E943E5C1-95CE-486C-92D7-129C80AE65D4}" dt="2024-06-17T16:03:34.115" v="2109" actId="478"/>
+          <ac:spMkLst>
+            <pc:docMk/>
+            <pc:sldMk cId="0" sldId="290"/>
+            <ac:spMk id="3075" creationId="{00000000-0000-0000-0000-000000000000}"/>
+          </ac:spMkLst>
+        </pc:spChg>
+        <pc:grpChg chg="add del mod">
+          <ac:chgData name="Anxo Casal Rodriguez" userId="4252bde8-bc8f-41dd-83f3-a4e65c95fbdf" providerId="ADAL" clId="{E943E5C1-95CE-486C-92D7-129C80AE65D4}" dt="2024-06-17T16:03:13.276" v="2099" actId="478"/>
+          <ac:grpSpMkLst>
+            <pc:docMk/>
+            <pc:sldMk cId="0" sldId="290"/>
+            <ac:grpSpMk id="3014" creationId="{00000000-0000-0000-0000-000000000000}"/>
+          </ac:grpSpMkLst>
+        </pc:grpChg>
+        <pc:grpChg chg="del">
+          <ac:chgData name="Anxo Casal Rodriguez" userId="4252bde8-bc8f-41dd-83f3-a4e65c95fbdf" providerId="ADAL" clId="{E943E5C1-95CE-486C-92D7-129C80AE65D4}" dt="2024-06-17T16:03:31.459" v="2108" actId="478"/>
+          <ac:grpSpMkLst>
+            <pc:docMk/>
+            <pc:sldMk cId="0" sldId="290"/>
+            <ac:grpSpMk id="3065" creationId="{00000000-0000-0000-0000-000000000000}"/>
+          </ac:grpSpMkLst>
+        </pc:grpChg>
+        <pc:grpChg chg="del">
+          <ac:chgData name="Anxo Casal Rodriguez" userId="4252bde8-bc8f-41dd-83f3-a4e65c95fbdf" providerId="ADAL" clId="{E943E5C1-95CE-486C-92D7-129C80AE65D4}" dt="2024-06-17T16:03:28.874" v="2106" actId="478"/>
+          <ac:grpSpMkLst>
+            <pc:docMk/>
+            <pc:sldMk cId="0" sldId="290"/>
+            <ac:grpSpMk id="3070" creationId="{00000000-0000-0000-0000-000000000000}"/>
+          </ac:grpSpMkLst>
+        </pc:grpChg>
+        <pc:picChg chg="add mod">
+          <ac:chgData name="Anxo Casal Rodriguez" userId="4252bde8-bc8f-41dd-83f3-a4e65c95fbdf" providerId="ADAL" clId="{E943E5C1-95CE-486C-92D7-129C80AE65D4}" dt="2024-06-17T16:04:25.964" v="2146" actId="1076"/>
+          <ac:picMkLst>
+            <pc:docMk/>
+            <pc:sldMk cId="0" sldId="290"/>
+            <ac:picMk id="3" creationId="{E099D95C-D0EE-C4B8-077D-14ABC6FA48A6}"/>
+          </ac:picMkLst>
+        </pc:picChg>
       </pc:sldChg>
       <pc:sldChg chg="del">
         <pc:chgData name="Anxo Casal Rodriguez" userId="4252bde8-bc8f-41dd-83f3-a4e65c95fbdf" providerId="ADAL" clId="{E943E5C1-95CE-486C-92D7-129C80AE65D4}" dt="2024-06-17T01:15:56.026" v="710" actId="47"/>
@@ -1321,8 +2478,8 @@
           </ac:cxnSpMkLst>
         </pc:cxnChg>
       </pc:sldChg>
-      <pc:sldMasterChg chg="delSldLayout">
-        <pc:chgData name="Anxo Casal Rodriguez" userId="4252bde8-bc8f-41dd-83f3-a4e65c95fbdf" providerId="ADAL" clId="{E943E5C1-95CE-486C-92D7-129C80AE65D4}" dt="2024-06-17T01:15:56.026" v="710" actId="47"/>
+      <pc:sldMasterChg chg="addSldLayout delSldLayout">
+        <pc:chgData name="Anxo Casal Rodriguez" userId="4252bde8-bc8f-41dd-83f3-a4e65c95fbdf" providerId="ADAL" clId="{E943E5C1-95CE-486C-92D7-129C80AE65D4}" dt="2024-06-17T16:05:40.452" v="2200" actId="47"/>
         <pc:sldMasterMkLst>
           <pc:docMk/>
           <pc:sldMasterMk cId="0" sldId="2147483674"/>
@@ -1437,6 +2594,14 @@
             <pc:docMk/>
             <pc:sldMasterMk cId="0" sldId="2147483674"/>
             <pc:sldLayoutMk cId="0" sldId="2147483672"/>
+          </pc:sldLayoutMkLst>
+        </pc:sldLayoutChg>
+        <pc:sldLayoutChg chg="add del">
+          <pc:chgData name="Anxo Casal Rodriguez" userId="4252bde8-bc8f-41dd-83f3-a4e65c95fbdf" providerId="ADAL" clId="{E943E5C1-95CE-486C-92D7-129C80AE65D4}" dt="2024-06-17T16:05:40.452" v="2200" actId="47"/>
+          <pc:sldLayoutMkLst>
+            <pc:docMk/>
+            <pc:sldMasterMk cId="0" sldId="2147483674"/>
+            <pc:sldLayoutMk cId="998791618" sldId="2147483675"/>
           </pc:sldLayoutMkLst>
         </pc:sldLayoutChg>
       </pc:sldMasterChg>
@@ -2010,6 +3175,115 @@
   <p:cSld>
     <p:spTree>
       <p:nvGrpSpPr>
+        <p:cNvPr id="1" name="Shape 1902"/>
+        <p:cNvGrpSpPr/>
+        <p:nvPr/>
+      </p:nvGrpSpPr>
+      <p:grpSpPr>
+        <a:xfrm>
+          <a:off x="0" y="0"/>
+          <a:ext cx="0" cy="0"/>
+          <a:chOff x="0" y="0"/>
+          <a:chExt cx="0" cy="0"/>
+        </a:xfrm>
+      </p:grpSpPr>
+      <p:sp>
+        <p:nvSpPr>
+          <p:cNvPr id="1903" name="Google Shape;1903;g6bdca54fc3_0_26091:notes"/>
+          <p:cNvSpPr>
+            <a:spLocks noGrp="1" noRot="1" noChangeAspect="1"/>
+          </p:cNvSpPr>
+          <p:nvPr>
+            <p:ph type="sldImg" idx="2"/>
+          </p:nvPr>
+        </p:nvSpPr>
+        <p:spPr>
+          <a:xfrm>
+            <a:off x="381000" y="685800"/>
+            <a:ext cx="6096000" cy="3429000"/>
+          </a:xfrm>
+          <a:custGeom>
+            <a:avLst/>
+            <a:gdLst/>
+            <a:ahLst/>
+            <a:cxnLst/>
+            <a:rect l="l" t="t" r="r" b="b"/>
+            <a:pathLst>
+              <a:path w="120000" h="120000" extrusionOk="0">
+                <a:moveTo>
+                  <a:pt x="0" y="0"/>
+                </a:moveTo>
+                <a:lnTo>
+                  <a:pt x="120000" y="0"/>
+                </a:lnTo>
+                <a:lnTo>
+                  <a:pt x="120000" y="120000"/>
+                </a:lnTo>
+                <a:lnTo>
+                  <a:pt x="0" y="120000"/>
+                </a:lnTo>
+                <a:close/>
+              </a:path>
+            </a:pathLst>
+          </a:custGeom>
+        </p:spPr>
+      </p:sp>
+      <p:sp>
+        <p:nvSpPr>
+          <p:cNvPr id="1904" name="Google Shape;1904;g6bdca54fc3_0_26091:notes"/>
+          <p:cNvSpPr txBox="1">
+            <a:spLocks noGrp="1"/>
+          </p:cNvSpPr>
+          <p:nvPr>
+            <p:ph type="body" idx="1"/>
+          </p:nvPr>
+        </p:nvSpPr>
+        <p:spPr>
+          <a:xfrm>
+            <a:off x="685800" y="4343400"/>
+            <a:ext cx="5486400" cy="4114800"/>
+          </a:xfrm>
+          <a:prstGeom prst="rect">
+            <a:avLst/>
+          </a:prstGeom>
+        </p:spPr>
+        <p:txBody>
+          <a:bodyPr spcFirstLastPara="1" wrap="square" lIns="91425" tIns="91425" rIns="91425" bIns="91425" anchor="t" anchorCtr="0">
+            <a:noAutofit/>
+          </a:bodyPr>
+          <a:lstStyle/>
+          <a:p>
+            <a:pPr marL="0" lvl="0" indent="0" algn="l" rtl="0">
+              <a:spcBef>
+                <a:spcPts val="0"/>
+              </a:spcBef>
+              <a:spcAft>
+                <a:spcPts val="0"/>
+              </a:spcAft>
+              <a:buNone/>
+            </a:pPr>
+            <a:endParaRPr dirty="0"/>
+          </a:p>
+        </p:txBody>
+      </p:sp>
+    </p:spTree>
+    <p:extLst>
+      <p:ext uri="{BB962C8B-B14F-4D97-AF65-F5344CB8AC3E}">
+        <p14:creationId xmlns:p14="http://schemas.microsoft.com/office/powerpoint/2010/main" val="3666541718"/>
+      </p:ext>
+    </p:extLst>
+  </p:cSld>
+  <p:clrMapOvr>
+    <a:masterClrMapping/>
+  </p:clrMapOvr>
+</p:notes>
+</file>
+
+<file path=ppt/notesSlides/notesSlide11.xml><?xml version="1.0" encoding="utf-8"?>
+<p:notes xmlns:a="http://schemas.openxmlformats.org/drawingml/2006/main" xmlns:r="http://schemas.openxmlformats.org/officeDocument/2006/relationships" xmlns:p="http://schemas.openxmlformats.org/presentationml/2006/main" showMasterSp="0" showMasterPhAnim="0">
+  <p:cSld>
+    <p:spTree>
+      <p:nvGrpSpPr>
         <p:cNvPr id="1" name="Shape 870"/>
         <p:cNvGrpSpPr/>
         <p:nvPr/>
@@ -2327,6 +3601,110 @@
   <p:cSld>
     <p:spTree>
       <p:nvGrpSpPr>
+        <p:cNvPr id="1" name="Shape 2680"/>
+        <p:cNvGrpSpPr/>
+        <p:nvPr/>
+      </p:nvGrpSpPr>
+      <p:grpSpPr>
+        <a:xfrm>
+          <a:off x="0" y="0"/>
+          <a:ext cx="0" cy="0"/>
+          <a:chOff x="0" y="0"/>
+          <a:chExt cx="0" cy="0"/>
+        </a:xfrm>
+      </p:grpSpPr>
+      <p:sp>
+        <p:nvSpPr>
+          <p:cNvPr id="2681" name="Google Shape;2681;g6bdca54fc3_0_26784:notes"/>
+          <p:cNvSpPr>
+            <a:spLocks noGrp="1" noRot="1" noChangeAspect="1"/>
+          </p:cNvSpPr>
+          <p:nvPr>
+            <p:ph type="sldImg" idx="2"/>
+          </p:nvPr>
+        </p:nvSpPr>
+        <p:spPr>
+          <a:xfrm>
+            <a:off x="381000" y="685800"/>
+            <a:ext cx="6096000" cy="3429000"/>
+          </a:xfrm>
+          <a:custGeom>
+            <a:avLst/>
+            <a:gdLst/>
+            <a:ahLst/>
+            <a:cxnLst/>
+            <a:rect l="l" t="t" r="r" b="b"/>
+            <a:pathLst>
+              <a:path w="120000" h="120000" extrusionOk="0">
+                <a:moveTo>
+                  <a:pt x="0" y="0"/>
+                </a:moveTo>
+                <a:lnTo>
+                  <a:pt x="120000" y="0"/>
+                </a:lnTo>
+                <a:lnTo>
+                  <a:pt x="120000" y="120000"/>
+                </a:lnTo>
+                <a:lnTo>
+                  <a:pt x="0" y="120000"/>
+                </a:lnTo>
+                <a:close/>
+              </a:path>
+            </a:pathLst>
+          </a:custGeom>
+        </p:spPr>
+      </p:sp>
+      <p:sp>
+        <p:nvSpPr>
+          <p:cNvPr id="2682" name="Google Shape;2682;g6bdca54fc3_0_26784:notes"/>
+          <p:cNvSpPr txBox="1">
+            <a:spLocks noGrp="1"/>
+          </p:cNvSpPr>
+          <p:nvPr>
+            <p:ph type="body" idx="1"/>
+          </p:nvPr>
+        </p:nvSpPr>
+        <p:spPr>
+          <a:xfrm>
+            <a:off x="685800" y="4343400"/>
+            <a:ext cx="5486400" cy="4114800"/>
+          </a:xfrm>
+          <a:prstGeom prst="rect">
+            <a:avLst/>
+          </a:prstGeom>
+        </p:spPr>
+        <p:txBody>
+          <a:bodyPr spcFirstLastPara="1" wrap="square" lIns="91425" tIns="91425" rIns="91425" bIns="91425" anchor="t" anchorCtr="0">
+            <a:noAutofit/>
+          </a:bodyPr>
+          <a:lstStyle/>
+          <a:p>
+            <a:pPr marL="0" lvl="0" indent="0" algn="l" rtl="0">
+              <a:spcBef>
+                <a:spcPts val="0"/>
+              </a:spcBef>
+              <a:spcAft>
+                <a:spcPts val="0"/>
+              </a:spcAft>
+              <a:buNone/>
+            </a:pPr>
+            <a:endParaRPr/>
+          </a:p>
+        </p:txBody>
+      </p:sp>
+    </p:spTree>
+  </p:cSld>
+  <p:clrMapOvr>
+    <a:masterClrMapping/>
+  </p:clrMapOvr>
+</p:notes>
+</file>
+
+<file path=ppt/notesSlides/notesSlide5.xml><?xml version="1.0" encoding="utf-8"?>
+<p:notes xmlns:a="http://schemas.openxmlformats.org/drawingml/2006/main" xmlns:r="http://schemas.openxmlformats.org/officeDocument/2006/relationships" xmlns:p="http://schemas.openxmlformats.org/presentationml/2006/main" showMasterSp="0" showMasterPhAnim="0">
+  <p:cSld>
+    <p:spTree>
+      <p:nvGrpSpPr>
         <p:cNvPr id="1" name="Shape 622"/>
         <p:cNvGrpSpPr/>
         <p:nvPr/>
@@ -2426,7 +3804,7 @@
 </p:notes>
 </file>
 
-<file path=ppt/notesSlides/notesSlide5.xml><?xml version="1.0" encoding="utf-8"?>
+<file path=ppt/notesSlides/notesSlide6.xml><?xml version="1.0" encoding="utf-8"?>
 <p:notes xmlns:a="http://schemas.openxmlformats.org/drawingml/2006/main" xmlns:r="http://schemas.openxmlformats.org/officeDocument/2006/relationships" xmlns:p="http://schemas.openxmlformats.org/presentationml/2006/main" showMasterSp="0" showMasterPhAnim="0">
   <p:cSld>
     <p:spTree>
@@ -2530,7 +3908,7 @@
 </p:notes>
 </file>
 
-<file path=ppt/notesSlides/notesSlide6.xml><?xml version="1.0" encoding="utf-8"?>
+<file path=ppt/notesSlides/notesSlide7.xml><?xml version="1.0" encoding="utf-8"?>
 <p:notes xmlns:a="http://schemas.openxmlformats.org/drawingml/2006/main" xmlns:r="http://schemas.openxmlformats.org/officeDocument/2006/relationships" xmlns:p="http://schemas.openxmlformats.org/presentationml/2006/main" showMasterSp="0" showMasterPhAnim="0">
   <p:cSld>
     <p:spTree>
@@ -2634,7 +4012,7 @@
 </p:notes>
 </file>
 
-<file path=ppt/notesSlides/notesSlide7.xml><?xml version="1.0" encoding="utf-8"?>
+<file path=ppt/notesSlides/notesSlide8.xml><?xml version="1.0" encoding="utf-8"?>
 <p:notes xmlns:a="http://schemas.openxmlformats.org/drawingml/2006/main" xmlns:r="http://schemas.openxmlformats.org/officeDocument/2006/relationships" xmlns:p="http://schemas.openxmlformats.org/presentationml/2006/main" showMasterSp="0" showMasterPhAnim="0">
   <p:cSld>
     <p:spTree>
@@ -2738,12 +4116,12 @@
 </p:notes>
 </file>
 
-<file path=ppt/notesSlides/notesSlide8.xml><?xml version="1.0" encoding="utf-8"?>
+<file path=ppt/notesSlides/notesSlide9.xml><?xml version="1.0" encoding="utf-8"?>
 <p:notes xmlns:a="http://schemas.openxmlformats.org/drawingml/2006/main" xmlns:r="http://schemas.openxmlformats.org/officeDocument/2006/relationships" xmlns:p="http://schemas.openxmlformats.org/presentationml/2006/main" showMasterSp="0" showMasterPhAnim="0">
   <p:cSld>
     <p:spTree>
       <p:nvGrpSpPr>
-        <p:cNvPr id="1" name="Shape 1902"/>
+        <p:cNvPr id="1" name="Shape 2984"/>
         <p:cNvGrpSpPr/>
         <p:nvPr/>
       </p:nvGrpSpPr>
@@ -2757,7 +4135,7 @@
       </p:grpSpPr>
       <p:sp>
         <p:nvSpPr>
-          <p:cNvPr id="1903" name="Google Shape;1903;g6bdca54fc3_0_26091:notes"/>
+          <p:cNvPr id="2985" name="Google Shape;2985;g6bdca54fc3_0_27239:notes"/>
           <p:cNvSpPr>
             <a:spLocks noGrp="1" noRot="1" noChangeAspect="1"/>
           </p:cNvSpPr>
@@ -2798,7 +4176,7 @@
       </p:sp>
       <p:sp>
         <p:nvSpPr>
-          <p:cNvPr id="1904" name="Google Shape;1904;g6bdca54fc3_0_26091:notes"/>
+          <p:cNvPr id="2986" name="Google Shape;2986;g6bdca54fc3_0_27239:notes"/>
           <p:cNvSpPr txBox="1">
             <a:spLocks noGrp="1"/>
           </p:cNvSpPr>
@@ -2835,115 +4213,6 @@
         </p:txBody>
       </p:sp>
     </p:spTree>
-  </p:cSld>
-  <p:clrMapOvr>
-    <a:masterClrMapping/>
-  </p:clrMapOvr>
-</p:notes>
-</file>
-
-<file path=ppt/notesSlides/notesSlide9.xml><?xml version="1.0" encoding="utf-8"?>
-<p:notes xmlns:a="http://schemas.openxmlformats.org/drawingml/2006/main" xmlns:r="http://schemas.openxmlformats.org/officeDocument/2006/relationships" xmlns:p="http://schemas.openxmlformats.org/presentationml/2006/main" showMasterSp="0" showMasterPhAnim="0">
-  <p:cSld>
-    <p:spTree>
-      <p:nvGrpSpPr>
-        <p:cNvPr id="1" name="Shape 1902"/>
-        <p:cNvGrpSpPr/>
-        <p:nvPr/>
-      </p:nvGrpSpPr>
-      <p:grpSpPr>
-        <a:xfrm>
-          <a:off x="0" y="0"/>
-          <a:ext cx="0" cy="0"/>
-          <a:chOff x="0" y="0"/>
-          <a:chExt cx="0" cy="0"/>
-        </a:xfrm>
-      </p:grpSpPr>
-      <p:sp>
-        <p:nvSpPr>
-          <p:cNvPr id="1903" name="Google Shape;1903;g6bdca54fc3_0_26091:notes"/>
-          <p:cNvSpPr>
-            <a:spLocks noGrp="1" noRot="1" noChangeAspect="1"/>
-          </p:cNvSpPr>
-          <p:nvPr>
-            <p:ph type="sldImg" idx="2"/>
-          </p:nvPr>
-        </p:nvSpPr>
-        <p:spPr>
-          <a:xfrm>
-            <a:off x="381000" y="685800"/>
-            <a:ext cx="6096000" cy="3429000"/>
-          </a:xfrm>
-          <a:custGeom>
-            <a:avLst/>
-            <a:gdLst/>
-            <a:ahLst/>
-            <a:cxnLst/>
-            <a:rect l="l" t="t" r="r" b="b"/>
-            <a:pathLst>
-              <a:path w="120000" h="120000" extrusionOk="0">
-                <a:moveTo>
-                  <a:pt x="0" y="0"/>
-                </a:moveTo>
-                <a:lnTo>
-                  <a:pt x="120000" y="0"/>
-                </a:lnTo>
-                <a:lnTo>
-                  <a:pt x="120000" y="120000"/>
-                </a:lnTo>
-                <a:lnTo>
-                  <a:pt x="0" y="120000"/>
-                </a:lnTo>
-                <a:close/>
-              </a:path>
-            </a:pathLst>
-          </a:custGeom>
-        </p:spPr>
-      </p:sp>
-      <p:sp>
-        <p:nvSpPr>
-          <p:cNvPr id="1904" name="Google Shape;1904;g6bdca54fc3_0_26091:notes"/>
-          <p:cNvSpPr txBox="1">
-            <a:spLocks noGrp="1"/>
-          </p:cNvSpPr>
-          <p:nvPr>
-            <p:ph type="body" idx="1"/>
-          </p:nvPr>
-        </p:nvSpPr>
-        <p:spPr>
-          <a:xfrm>
-            <a:off x="685800" y="4343400"/>
-            <a:ext cx="5486400" cy="4114800"/>
-          </a:xfrm>
-          <a:prstGeom prst="rect">
-            <a:avLst/>
-          </a:prstGeom>
-        </p:spPr>
-        <p:txBody>
-          <a:bodyPr spcFirstLastPara="1" wrap="square" lIns="91425" tIns="91425" rIns="91425" bIns="91425" anchor="t" anchorCtr="0">
-            <a:noAutofit/>
-          </a:bodyPr>
-          <a:lstStyle/>
-          <a:p>
-            <a:pPr marL="0" lvl="0" indent="0" algn="l" rtl="0">
-              <a:spcBef>
-                <a:spcPts val="0"/>
-              </a:spcBef>
-              <a:spcAft>
-                <a:spcPts val="0"/>
-              </a:spcAft>
-              <a:buNone/>
-            </a:pPr>
-            <a:endParaRPr/>
-          </a:p>
-        </p:txBody>
-      </p:sp>
-    </p:spTree>
-    <p:extLst>
-      <p:ext uri="{BB962C8B-B14F-4D97-AF65-F5344CB8AC3E}">
-        <p14:creationId xmlns:p14="http://schemas.microsoft.com/office/powerpoint/2010/main" val="3666541718"/>
-      </p:ext>
-    </p:extLst>
   </p:cSld>
   <p:clrMapOvr>
     <a:masterClrMapping/>
@@ -9185,6 +10454,531 @@
 </p:sldLayout>
 </file>
 
+<file path=ppt/slideLayouts/slideLayout9.xml><?xml version="1.0" encoding="utf-8"?>
+<p:sldLayout xmlns:a="http://schemas.openxmlformats.org/drawingml/2006/main" xmlns:r="http://schemas.openxmlformats.org/officeDocument/2006/relationships" xmlns:p="http://schemas.openxmlformats.org/presentationml/2006/main" matchingName="Section 1">
+  <p:cSld name="Section 1">
+    <p:bg>
+      <p:bgPr>
+        <a:gradFill>
+          <a:gsLst>
+            <a:gs pos="0">
+              <a:srgbClr val="8BE3FF"/>
+            </a:gs>
+            <a:gs pos="100000">
+              <a:srgbClr val="ACFFD9"/>
+            </a:gs>
+          </a:gsLst>
+          <a:lin ang="5400012" scaled="0"/>
+        </a:gradFill>
+        <a:effectLst/>
+      </p:bgPr>
+    </p:bg>
+    <p:spTree>
+      <p:nvGrpSpPr>
+        <p:cNvPr id="1" name="Shape 96"/>
+        <p:cNvGrpSpPr/>
+        <p:nvPr/>
+      </p:nvGrpSpPr>
+      <p:grpSpPr>
+        <a:xfrm>
+          <a:off x="0" y="0"/>
+          <a:ext cx="0" cy="0"/>
+          <a:chOff x="0" y="0"/>
+          <a:chExt cx="0" cy="0"/>
+        </a:xfrm>
+      </p:grpSpPr>
+      <p:sp>
+        <p:nvSpPr>
+          <p:cNvPr id="97" name="Google Shape;97;p19"/>
+          <p:cNvSpPr txBox="1">
+            <a:spLocks noGrp="1"/>
+          </p:cNvSpPr>
+          <p:nvPr>
+            <p:ph type="title"/>
+          </p:nvPr>
+        </p:nvSpPr>
+        <p:spPr>
+          <a:xfrm>
+            <a:off x="4288151" y="1458975"/>
+            <a:ext cx="3967500" cy="1671900"/>
+          </a:xfrm>
+          <a:prstGeom prst="rect">
+            <a:avLst/>
+          </a:prstGeom>
+        </p:spPr>
+        <p:txBody>
+          <a:bodyPr spcFirstLastPara="1" wrap="square" lIns="91425" tIns="91425" rIns="91425" bIns="91425" anchor="ctr" anchorCtr="0">
+            <a:noAutofit/>
+          </a:bodyPr>
+          <a:lstStyle>
+            <a:lvl1pPr lvl="0" algn="r" rtl="0">
+              <a:spcBef>
+                <a:spcPts val="0"/>
+              </a:spcBef>
+              <a:spcAft>
+                <a:spcPts val="0"/>
+              </a:spcAft>
+              <a:buSzPts val="4800"/>
+              <a:buNone/>
+              <a:defRPr sz="4800"/>
+            </a:lvl1pPr>
+            <a:lvl2pPr lvl="1" algn="r" rtl="0">
+              <a:spcBef>
+                <a:spcPts val="0"/>
+              </a:spcBef>
+              <a:spcAft>
+                <a:spcPts val="0"/>
+              </a:spcAft>
+              <a:buSzPts val="4800"/>
+              <a:buNone/>
+              <a:defRPr sz="4800"/>
+            </a:lvl2pPr>
+            <a:lvl3pPr lvl="2" algn="r" rtl="0">
+              <a:spcBef>
+                <a:spcPts val="0"/>
+              </a:spcBef>
+              <a:spcAft>
+                <a:spcPts val="0"/>
+              </a:spcAft>
+              <a:buSzPts val="4800"/>
+              <a:buNone/>
+              <a:defRPr sz="4800"/>
+            </a:lvl3pPr>
+            <a:lvl4pPr lvl="3" algn="r" rtl="0">
+              <a:spcBef>
+                <a:spcPts val="0"/>
+              </a:spcBef>
+              <a:spcAft>
+                <a:spcPts val="0"/>
+              </a:spcAft>
+              <a:buSzPts val="4800"/>
+              <a:buNone/>
+              <a:defRPr sz="4800"/>
+            </a:lvl4pPr>
+            <a:lvl5pPr lvl="4" algn="r" rtl="0">
+              <a:spcBef>
+                <a:spcPts val="0"/>
+              </a:spcBef>
+              <a:spcAft>
+                <a:spcPts val="0"/>
+              </a:spcAft>
+              <a:buSzPts val="4800"/>
+              <a:buNone/>
+              <a:defRPr sz="4800"/>
+            </a:lvl5pPr>
+            <a:lvl6pPr lvl="5" algn="r" rtl="0">
+              <a:spcBef>
+                <a:spcPts val="0"/>
+              </a:spcBef>
+              <a:spcAft>
+                <a:spcPts val="0"/>
+              </a:spcAft>
+              <a:buSzPts val="4800"/>
+              <a:buNone/>
+              <a:defRPr sz="4800"/>
+            </a:lvl6pPr>
+            <a:lvl7pPr lvl="6" algn="r" rtl="0">
+              <a:spcBef>
+                <a:spcPts val="0"/>
+              </a:spcBef>
+              <a:spcAft>
+                <a:spcPts val="0"/>
+              </a:spcAft>
+              <a:buSzPts val="4800"/>
+              <a:buNone/>
+              <a:defRPr sz="4800"/>
+            </a:lvl7pPr>
+            <a:lvl8pPr lvl="7" algn="r" rtl="0">
+              <a:spcBef>
+                <a:spcPts val="0"/>
+              </a:spcBef>
+              <a:spcAft>
+                <a:spcPts val="0"/>
+              </a:spcAft>
+              <a:buSzPts val="4800"/>
+              <a:buNone/>
+              <a:defRPr sz="4800"/>
+            </a:lvl8pPr>
+            <a:lvl9pPr lvl="8" algn="r" rtl="0">
+              <a:spcBef>
+                <a:spcPts val="0"/>
+              </a:spcBef>
+              <a:spcAft>
+                <a:spcPts val="0"/>
+              </a:spcAft>
+              <a:buSzPts val="4800"/>
+              <a:buNone/>
+              <a:defRPr sz="4800"/>
+            </a:lvl9pPr>
+          </a:lstStyle>
+          <a:p>
+            <a:endParaRPr/>
+          </a:p>
+        </p:txBody>
+      </p:sp>
+      <p:sp>
+        <p:nvSpPr>
+          <p:cNvPr id="98" name="Google Shape;98;p19"/>
+          <p:cNvSpPr txBox="1">
+            <a:spLocks noGrp="1"/>
+          </p:cNvSpPr>
+          <p:nvPr>
+            <p:ph type="subTitle" idx="1"/>
+          </p:nvPr>
+        </p:nvSpPr>
+        <p:spPr>
+          <a:xfrm>
+            <a:off x="5277851" y="3087550"/>
+            <a:ext cx="2977800" cy="792600"/>
+          </a:xfrm>
+          <a:prstGeom prst="rect">
+            <a:avLst/>
+          </a:prstGeom>
+        </p:spPr>
+        <p:txBody>
+          <a:bodyPr spcFirstLastPara="1" wrap="square" lIns="91425" tIns="91425" rIns="91425" bIns="91425" anchor="t" anchorCtr="0">
+            <a:noAutofit/>
+          </a:bodyPr>
+          <a:lstStyle>
+            <a:lvl1pPr lvl="0" algn="r" rtl="0">
+              <a:lnSpc>
+                <a:spcPct val="100000"/>
+              </a:lnSpc>
+              <a:spcBef>
+                <a:spcPts val="0"/>
+              </a:spcBef>
+              <a:spcAft>
+                <a:spcPts val="0"/>
+              </a:spcAft>
+              <a:buClr>
+                <a:srgbClr val="1F1C51"/>
+              </a:buClr>
+              <a:buSzPts val="1800"/>
+              <a:buNone/>
+              <a:defRPr>
+                <a:solidFill>
+                  <a:srgbClr val="1F1C51"/>
+                </a:solidFill>
+              </a:defRPr>
+            </a:lvl1pPr>
+            <a:lvl2pPr lvl="1" algn="r" rtl="0">
+              <a:lnSpc>
+                <a:spcPct val="100000"/>
+              </a:lnSpc>
+              <a:spcBef>
+                <a:spcPts val="0"/>
+              </a:spcBef>
+              <a:spcAft>
+                <a:spcPts val="0"/>
+              </a:spcAft>
+              <a:buClr>
+                <a:srgbClr val="1F1C51"/>
+              </a:buClr>
+              <a:buSzPts val="2800"/>
+              <a:buNone/>
+              <a:defRPr sz="2800">
+                <a:solidFill>
+                  <a:srgbClr val="1F1C51"/>
+                </a:solidFill>
+              </a:defRPr>
+            </a:lvl2pPr>
+            <a:lvl3pPr lvl="2" algn="r" rtl="0">
+              <a:lnSpc>
+                <a:spcPct val="100000"/>
+              </a:lnSpc>
+              <a:spcBef>
+                <a:spcPts val="0"/>
+              </a:spcBef>
+              <a:spcAft>
+                <a:spcPts val="0"/>
+              </a:spcAft>
+              <a:buClr>
+                <a:srgbClr val="1F1C51"/>
+              </a:buClr>
+              <a:buSzPts val="2800"/>
+              <a:buNone/>
+              <a:defRPr sz="2800">
+                <a:solidFill>
+                  <a:srgbClr val="1F1C51"/>
+                </a:solidFill>
+              </a:defRPr>
+            </a:lvl3pPr>
+            <a:lvl4pPr lvl="3" algn="r" rtl="0">
+              <a:lnSpc>
+                <a:spcPct val="100000"/>
+              </a:lnSpc>
+              <a:spcBef>
+                <a:spcPts val="0"/>
+              </a:spcBef>
+              <a:spcAft>
+                <a:spcPts val="0"/>
+              </a:spcAft>
+              <a:buClr>
+                <a:srgbClr val="1F1C51"/>
+              </a:buClr>
+              <a:buSzPts val="2800"/>
+              <a:buNone/>
+              <a:defRPr sz="2800">
+                <a:solidFill>
+                  <a:srgbClr val="1F1C51"/>
+                </a:solidFill>
+              </a:defRPr>
+            </a:lvl4pPr>
+            <a:lvl5pPr lvl="4" algn="r" rtl="0">
+              <a:lnSpc>
+                <a:spcPct val="100000"/>
+              </a:lnSpc>
+              <a:spcBef>
+                <a:spcPts val="0"/>
+              </a:spcBef>
+              <a:spcAft>
+                <a:spcPts val="0"/>
+              </a:spcAft>
+              <a:buClr>
+                <a:srgbClr val="1F1C51"/>
+              </a:buClr>
+              <a:buSzPts val="2800"/>
+              <a:buNone/>
+              <a:defRPr sz="2800">
+                <a:solidFill>
+                  <a:srgbClr val="1F1C51"/>
+                </a:solidFill>
+              </a:defRPr>
+            </a:lvl5pPr>
+            <a:lvl6pPr lvl="5" algn="r" rtl="0">
+              <a:lnSpc>
+                <a:spcPct val="100000"/>
+              </a:lnSpc>
+              <a:spcBef>
+                <a:spcPts val="0"/>
+              </a:spcBef>
+              <a:spcAft>
+                <a:spcPts val="0"/>
+              </a:spcAft>
+              <a:buClr>
+                <a:srgbClr val="1F1C51"/>
+              </a:buClr>
+              <a:buSzPts val="2800"/>
+              <a:buNone/>
+              <a:defRPr sz="2800">
+                <a:solidFill>
+                  <a:srgbClr val="1F1C51"/>
+                </a:solidFill>
+              </a:defRPr>
+            </a:lvl6pPr>
+            <a:lvl7pPr lvl="6" algn="r" rtl="0">
+              <a:lnSpc>
+                <a:spcPct val="100000"/>
+              </a:lnSpc>
+              <a:spcBef>
+                <a:spcPts val="0"/>
+              </a:spcBef>
+              <a:spcAft>
+                <a:spcPts val="0"/>
+              </a:spcAft>
+              <a:buClr>
+                <a:srgbClr val="1F1C51"/>
+              </a:buClr>
+              <a:buSzPts val="2800"/>
+              <a:buNone/>
+              <a:defRPr sz="2800">
+                <a:solidFill>
+                  <a:srgbClr val="1F1C51"/>
+                </a:solidFill>
+              </a:defRPr>
+            </a:lvl7pPr>
+            <a:lvl8pPr lvl="7" algn="r" rtl="0">
+              <a:lnSpc>
+                <a:spcPct val="100000"/>
+              </a:lnSpc>
+              <a:spcBef>
+                <a:spcPts val="0"/>
+              </a:spcBef>
+              <a:spcAft>
+                <a:spcPts val="0"/>
+              </a:spcAft>
+              <a:buClr>
+                <a:srgbClr val="1F1C51"/>
+              </a:buClr>
+              <a:buSzPts val="2800"/>
+              <a:buNone/>
+              <a:defRPr sz="2800">
+                <a:solidFill>
+                  <a:srgbClr val="1F1C51"/>
+                </a:solidFill>
+              </a:defRPr>
+            </a:lvl8pPr>
+            <a:lvl9pPr lvl="8" algn="r" rtl="0">
+              <a:lnSpc>
+                <a:spcPct val="100000"/>
+              </a:lnSpc>
+              <a:spcBef>
+                <a:spcPts val="0"/>
+              </a:spcBef>
+              <a:spcAft>
+                <a:spcPts val="0"/>
+              </a:spcAft>
+              <a:buClr>
+                <a:srgbClr val="1F1C51"/>
+              </a:buClr>
+              <a:buSzPts val="2800"/>
+              <a:buNone/>
+              <a:defRPr sz="2800">
+                <a:solidFill>
+                  <a:srgbClr val="1F1C51"/>
+                </a:solidFill>
+              </a:defRPr>
+            </a:lvl9pPr>
+          </a:lstStyle>
+          <a:p>
+            <a:endParaRPr/>
+          </a:p>
+        </p:txBody>
+      </p:sp>
+      <p:sp>
+        <p:nvSpPr>
+          <p:cNvPr id="99" name="Google Shape;99;p19"/>
+          <p:cNvSpPr txBox="1">
+            <a:spLocks noGrp="1"/>
+          </p:cNvSpPr>
+          <p:nvPr>
+            <p:ph type="title" idx="2" hasCustomPrompt="1"/>
+          </p:nvPr>
+        </p:nvSpPr>
+        <p:spPr>
+          <a:xfrm>
+            <a:off x="5597951" y="792425"/>
+            <a:ext cx="2657700" cy="792600"/>
+          </a:xfrm>
+          <a:prstGeom prst="rect">
+            <a:avLst/>
+          </a:prstGeom>
+        </p:spPr>
+        <p:txBody>
+          <a:bodyPr spcFirstLastPara="1" wrap="square" lIns="91425" tIns="91425" rIns="91425" bIns="91425" anchor="b" anchorCtr="0">
+            <a:noAutofit/>
+          </a:bodyPr>
+          <a:lstStyle>
+            <a:lvl1pPr lvl="0" algn="r" rtl="0">
+              <a:spcBef>
+                <a:spcPts val="0"/>
+              </a:spcBef>
+              <a:spcAft>
+                <a:spcPts val="0"/>
+              </a:spcAft>
+              <a:buSzPts val="4800"/>
+              <a:buNone/>
+              <a:defRPr sz="4800"/>
+            </a:lvl1pPr>
+            <a:lvl2pPr lvl="1" algn="r" rtl="0">
+              <a:spcBef>
+                <a:spcPts val="0"/>
+              </a:spcBef>
+              <a:spcAft>
+                <a:spcPts val="0"/>
+              </a:spcAft>
+              <a:buSzPts val="4800"/>
+              <a:buNone/>
+              <a:defRPr sz="4800"/>
+            </a:lvl2pPr>
+            <a:lvl3pPr lvl="2" algn="r" rtl="0">
+              <a:spcBef>
+                <a:spcPts val="0"/>
+              </a:spcBef>
+              <a:spcAft>
+                <a:spcPts val="0"/>
+              </a:spcAft>
+              <a:buSzPts val="4800"/>
+              <a:buNone/>
+              <a:defRPr sz="4800"/>
+            </a:lvl3pPr>
+            <a:lvl4pPr lvl="3" algn="r" rtl="0">
+              <a:spcBef>
+                <a:spcPts val="0"/>
+              </a:spcBef>
+              <a:spcAft>
+                <a:spcPts val="0"/>
+              </a:spcAft>
+              <a:buSzPts val="4800"/>
+              <a:buNone/>
+              <a:defRPr sz="4800"/>
+            </a:lvl4pPr>
+            <a:lvl5pPr lvl="4" algn="r" rtl="0">
+              <a:spcBef>
+                <a:spcPts val="0"/>
+              </a:spcBef>
+              <a:spcAft>
+                <a:spcPts val="0"/>
+              </a:spcAft>
+              <a:buSzPts val="4800"/>
+              <a:buNone/>
+              <a:defRPr sz="4800"/>
+            </a:lvl5pPr>
+            <a:lvl6pPr lvl="5" algn="r" rtl="0">
+              <a:spcBef>
+                <a:spcPts val="0"/>
+              </a:spcBef>
+              <a:spcAft>
+                <a:spcPts val="0"/>
+              </a:spcAft>
+              <a:buSzPts val="4800"/>
+              <a:buNone/>
+              <a:defRPr sz="4800"/>
+            </a:lvl6pPr>
+            <a:lvl7pPr lvl="6" algn="r" rtl="0">
+              <a:spcBef>
+                <a:spcPts val="0"/>
+              </a:spcBef>
+              <a:spcAft>
+                <a:spcPts val="0"/>
+              </a:spcAft>
+              <a:buSzPts val="4800"/>
+              <a:buNone/>
+              <a:defRPr sz="4800"/>
+            </a:lvl7pPr>
+            <a:lvl8pPr lvl="7" algn="r" rtl="0">
+              <a:spcBef>
+                <a:spcPts val="0"/>
+              </a:spcBef>
+              <a:spcAft>
+                <a:spcPts val="0"/>
+              </a:spcAft>
+              <a:buSzPts val="4800"/>
+              <a:buNone/>
+              <a:defRPr sz="4800"/>
+            </a:lvl8pPr>
+            <a:lvl9pPr lvl="8" algn="r" rtl="0">
+              <a:spcBef>
+                <a:spcPts val="0"/>
+              </a:spcBef>
+              <a:spcAft>
+                <a:spcPts val="0"/>
+              </a:spcAft>
+              <a:buSzPts val="4800"/>
+              <a:buNone/>
+              <a:defRPr sz="4800"/>
+            </a:lvl9pPr>
+          </a:lstStyle>
+          <a:p>
+            <a:r>
+              <a:t>xx%</a:t>
+            </a:r>
+          </a:p>
+        </p:txBody>
+      </p:sp>
+    </p:spTree>
+    <p:extLst>
+      <p:ext uri="{BB962C8B-B14F-4D97-AF65-F5344CB8AC3E}">
+        <p14:creationId xmlns:p14="http://schemas.microsoft.com/office/powerpoint/2010/main" val="2995130546"/>
+      </p:ext>
+    </p:extLst>
+  </p:cSld>
+  <p:clrMapOvr>
+    <a:masterClrMapping/>
+  </p:clrMapOvr>
+</p:sldLayout>
+</file>
+
 <file path=ppt/slideMasters/slideMaster1.xml><?xml version="1.0" encoding="utf-8"?>
 <p:sldMaster xmlns:a="http://schemas.openxmlformats.org/drawingml/2006/main" xmlns:r="http://schemas.openxmlformats.org/officeDocument/2006/relationships" xmlns:p="http://schemas.openxmlformats.org/presentationml/2006/main">
   <p:cSld name="simple-light-2">
@@ -9691,6 +11485,7 @@
     <p:sldLayoutId id="2147483662" r:id="rId6"/>
     <p:sldLayoutId id="2147483663" r:id="rId7"/>
     <p:sldLayoutId id="2147483666" r:id="rId8"/>
+    <p:sldLayoutId id="2147483675" r:id="rId9"/>
   </p:sldLayoutIdLst>
   <p:hf sldNum="0" hdr="0" ftr="0" dt="0"/>
   <p:txStyles>
@@ -21614,6 +23409,1641 @@
   <p:cSld>
     <p:spTree>
       <p:nvGrpSpPr>
+        <p:cNvPr id="1" name="Shape 1905"/>
+        <p:cNvGrpSpPr/>
+        <p:nvPr/>
+      </p:nvGrpSpPr>
+      <p:grpSpPr>
+        <a:xfrm>
+          <a:off x="0" y="0"/>
+          <a:ext cx="0" cy="0"/>
+          <a:chOff x="0" y="0"/>
+          <a:chExt cx="0" cy="0"/>
+        </a:xfrm>
+      </p:grpSpPr>
+      <p:sp>
+        <p:nvSpPr>
+          <p:cNvPr id="7" name="Google Shape;1913;p47">
+            <a:extLst>
+              <a:ext uri="{FF2B5EF4-FFF2-40B4-BE49-F238E27FC236}">
+                <a16:creationId xmlns:a16="http://schemas.microsoft.com/office/drawing/2014/main" id="{269C1FDB-97F9-E805-0BAF-0F16F67AD702}"/>
+              </a:ext>
+            </a:extLst>
+          </p:cNvPr>
+          <p:cNvSpPr/>
+          <p:nvPr/>
+        </p:nvSpPr>
+        <p:spPr>
+          <a:xfrm>
+            <a:off x="222769" y="877875"/>
+            <a:ext cx="2738512" cy="3969923"/>
+          </a:xfrm>
+          <a:prstGeom prst="rect">
+            <a:avLst/>
+          </a:prstGeom>
+          <a:gradFill>
+            <a:gsLst>
+              <a:gs pos="0">
+                <a:srgbClr val="8BE3FF"/>
+              </a:gs>
+              <a:gs pos="100000">
+                <a:srgbClr val="ACFFD9"/>
+              </a:gs>
+            </a:gsLst>
+            <a:lin ang="5400700" scaled="0"/>
+          </a:gradFill>
+          <a:ln>
+            <a:noFill/>
+          </a:ln>
+        </p:spPr>
+        <p:txBody>
+          <a:bodyPr spcFirstLastPara="1" wrap="square" lIns="91425" tIns="91425" rIns="91425" bIns="91425" anchor="ctr" anchorCtr="0">
+            <a:noAutofit/>
+          </a:bodyPr>
+          <a:lstStyle/>
+          <a:p>
+            <a:pPr marL="0" lvl="0" indent="0" algn="l" rtl="0">
+              <a:spcBef>
+                <a:spcPts val="0"/>
+              </a:spcBef>
+              <a:spcAft>
+                <a:spcPts val="0"/>
+              </a:spcAft>
+              <a:buNone/>
+            </a:pPr>
+            <a:endParaRPr dirty="0"/>
+          </a:p>
+        </p:txBody>
+      </p:sp>
+      <p:sp>
+        <p:nvSpPr>
+          <p:cNvPr id="11" name="Google Shape;1913;p47">
+            <a:extLst>
+              <a:ext uri="{FF2B5EF4-FFF2-40B4-BE49-F238E27FC236}">
+                <a16:creationId xmlns:a16="http://schemas.microsoft.com/office/drawing/2014/main" id="{82F790A1-3E63-B0E3-6A64-8C867276F465}"/>
+              </a:ext>
+            </a:extLst>
+          </p:cNvPr>
+          <p:cNvSpPr/>
+          <p:nvPr/>
+        </p:nvSpPr>
+        <p:spPr>
+          <a:xfrm>
+            <a:off x="6173992" y="877875"/>
+            <a:ext cx="2738512" cy="3969923"/>
+          </a:xfrm>
+          <a:prstGeom prst="rect">
+            <a:avLst/>
+          </a:prstGeom>
+          <a:gradFill>
+            <a:gsLst>
+              <a:gs pos="0">
+                <a:srgbClr val="8BE3FF"/>
+              </a:gs>
+              <a:gs pos="100000">
+                <a:srgbClr val="ACFFD9"/>
+              </a:gs>
+            </a:gsLst>
+            <a:lin ang="5400700" scaled="0"/>
+          </a:gradFill>
+          <a:ln>
+            <a:noFill/>
+          </a:ln>
+        </p:spPr>
+        <p:txBody>
+          <a:bodyPr spcFirstLastPara="1" wrap="square" lIns="91425" tIns="91425" rIns="91425" bIns="91425" anchor="ctr" anchorCtr="0">
+            <a:noAutofit/>
+          </a:bodyPr>
+          <a:lstStyle/>
+          <a:p>
+            <a:pPr marL="0" lvl="0" indent="0" algn="l" rtl="0">
+              <a:spcBef>
+                <a:spcPts val="0"/>
+              </a:spcBef>
+              <a:spcAft>
+                <a:spcPts val="0"/>
+              </a:spcAft>
+              <a:buNone/>
+            </a:pPr>
+            <a:endParaRPr dirty="0"/>
+          </a:p>
+        </p:txBody>
+      </p:sp>
+      <p:sp>
+        <p:nvSpPr>
+          <p:cNvPr id="1906" name="Google Shape;1906;p47"/>
+          <p:cNvSpPr txBox="1">
+            <a:spLocks noGrp="1"/>
+          </p:cNvSpPr>
+          <p:nvPr>
+            <p:ph type="title"/>
+          </p:nvPr>
+        </p:nvSpPr>
+        <p:spPr>
+          <a:xfrm>
+            <a:off x="626625" y="338175"/>
+            <a:ext cx="6084000" cy="539700"/>
+          </a:xfrm>
+          <a:prstGeom prst="rect">
+            <a:avLst/>
+          </a:prstGeom>
+        </p:spPr>
+        <p:txBody>
+          <a:bodyPr spcFirstLastPara="1" wrap="square" lIns="91425" tIns="91425" rIns="91425" bIns="91425" anchor="t" anchorCtr="0">
+            <a:noAutofit/>
+          </a:bodyPr>
+          <a:lstStyle/>
+          <a:p>
+            <a:pPr marL="0" lvl="0" indent="0" algn="l" rtl="0">
+              <a:spcBef>
+                <a:spcPts val="0"/>
+              </a:spcBef>
+              <a:spcAft>
+                <a:spcPts val="0"/>
+              </a:spcAft>
+              <a:buNone/>
+            </a:pPr>
+            <a:r>
+              <a:rPr lang="en" dirty="0"/>
+              <a:t>Entrenamiento</a:t>
+            </a:r>
+            <a:endParaRPr dirty="0"/>
+          </a:p>
+        </p:txBody>
+      </p:sp>
+      <p:sp>
+        <p:nvSpPr>
+          <p:cNvPr id="1913" name="Google Shape;1913;p47"/>
+          <p:cNvSpPr/>
+          <p:nvPr/>
+        </p:nvSpPr>
+        <p:spPr>
+          <a:xfrm>
+            <a:off x="3202744" y="877875"/>
+            <a:ext cx="2738512" cy="3969923"/>
+          </a:xfrm>
+          <a:prstGeom prst="rect">
+            <a:avLst/>
+          </a:prstGeom>
+          <a:gradFill>
+            <a:gsLst>
+              <a:gs pos="0">
+                <a:srgbClr val="8BE3FF"/>
+              </a:gs>
+              <a:gs pos="100000">
+                <a:srgbClr val="ACFFD9"/>
+              </a:gs>
+            </a:gsLst>
+            <a:lin ang="5400700" scaled="0"/>
+          </a:gradFill>
+          <a:ln>
+            <a:noFill/>
+          </a:ln>
+        </p:spPr>
+        <p:txBody>
+          <a:bodyPr spcFirstLastPara="1" wrap="square" lIns="91425" tIns="91425" rIns="91425" bIns="91425" anchor="ctr" anchorCtr="0">
+            <a:noAutofit/>
+          </a:bodyPr>
+          <a:lstStyle/>
+          <a:p>
+            <a:pPr marL="0" lvl="0" indent="0" algn="l" rtl="0">
+              <a:spcBef>
+                <a:spcPts val="0"/>
+              </a:spcBef>
+              <a:spcAft>
+                <a:spcPts val="0"/>
+              </a:spcAft>
+              <a:buNone/>
+            </a:pPr>
+            <a:endParaRPr dirty="0"/>
+          </a:p>
+        </p:txBody>
+      </p:sp>
+      <p:sp>
+        <p:nvSpPr>
+          <p:cNvPr id="1916" name="Google Shape;1916;p47"/>
+          <p:cNvSpPr txBox="1">
+            <a:spLocks noGrp="1"/>
+          </p:cNvSpPr>
+          <p:nvPr>
+            <p:ph type="body" idx="4294967295"/>
+          </p:nvPr>
+        </p:nvSpPr>
+        <p:spPr>
+          <a:xfrm>
+            <a:off x="3346829" y="1494294"/>
+            <a:ext cx="2571846" cy="3237961"/>
+          </a:xfrm>
+          <a:prstGeom prst="rect">
+            <a:avLst/>
+          </a:prstGeom>
+        </p:spPr>
+        <p:txBody>
+          <a:bodyPr spcFirstLastPara="1" wrap="square" lIns="91425" tIns="91425" rIns="91425" bIns="91425" anchor="t" anchorCtr="0">
+            <a:noAutofit/>
+          </a:bodyPr>
+          <a:lstStyle/>
+          <a:p>
+            <a:pPr marL="139700" lvl="0" indent="0" algn="l" rtl="0">
+              <a:spcBef>
+                <a:spcPts val="0"/>
+              </a:spcBef>
+              <a:spcAft>
+                <a:spcPts val="0"/>
+              </a:spcAft>
+              <a:buSzPts val="1400"/>
+              <a:buNone/>
+            </a:pPr>
+            <a:r>
+              <a:rPr lang="es-ES" sz="1400" dirty="0"/>
+              <a:t>Como opción clásica escogimos un </a:t>
+            </a:r>
+            <a:r>
+              <a:rPr lang="es-ES" sz="1400" dirty="0" err="1"/>
+              <a:t>XGBoost</a:t>
+            </a:r>
+            <a:r>
+              <a:rPr lang="es-ES" sz="1400" dirty="0"/>
+              <a:t> debido a su ligereza y facilidad de entrenamiento.</a:t>
+            </a:r>
+          </a:p>
+          <a:p>
+            <a:pPr marL="139700" lvl="0" indent="0" algn="l" rtl="0">
+              <a:spcBef>
+                <a:spcPts val="0"/>
+              </a:spcBef>
+              <a:spcAft>
+                <a:spcPts val="0"/>
+              </a:spcAft>
+              <a:buSzPts val="1400"/>
+              <a:buNone/>
+            </a:pPr>
+            <a:endParaRPr lang="es-ES" sz="1400" dirty="0"/>
+          </a:p>
+          <a:p>
+            <a:pPr marL="139700" lvl="0" indent="0" algn="l" rtl="0">
+              <a:spcBef>
+                <a:spcPts val="0"/>
+              </a:spcBef>
+              <a:spcAft>
+                <a:spcPts val="0"/>
+              </a:spcAft>
+              <a:buSzPts val="1400"/>
+              <a:buNone/>
+            </a:pPr>
+            <a:r>
+              <a:rPr lang="es-ES" sz="1400" dirty="0"/>
+              <a:t>Además aporta completa </a:t>
+            </a:r>
+            <a:r>
+              <a:rPr lang="es-ES" sz="1400" dirty="0" err="1"/>
+              <a:t>explicabilidad</a:t>
+            </a:r>
+            <a:r>
+              <a:rPr lang="es-ES" sz="1400" dirty="0"/>
+              <a:t> sobre los resultados</a:t>
+            </a:r>
+          </a:p>
+          <a:p>
+            <a:pPr marL="139700" lvl="0" indent="0" algn="l" rtl="0">
+              <a:spcBef>
+                <a:spcPts val="0"/>
+              </a:spcBef>
+              <a:spcAft>
+                <a:spcPts val="0"/>
+              </a:spcAft>
+              <a:buSzPts val="1400"/>
+              <a:buNone/>
+            </a:pPr>
+            <a:endParaRPr lang="es-ES" sz="1400" dirty="0"/>
+          </a:p>
+          <a:p>
+            <a:pPr marL="139700" lvl="0" indent="0" algn="l" rtl="0">
+              <a:spcBef>
+                <a:spcPts val="0"/>
+              </a:spcBef>
+              <a:spcAft>
+                <a:spcPts val="0"/>
+              </a:spcAft>
+              <a:buSzPts val="1400"/>
+              <a:buNone/>
+            </a:pPr>
+            <a:r>
+              <a:rPr lang="es-ES" sz="1400" dirty="0"/>
+              <a:t>Para los </a:t>
+            </a:r>
+            <a:r>
+              <a:rPr lang="es-ES" sz="1400" dirty="0" err="1"/>
+              <a:t>hiperparámetros</a:t>
+            </a:r>
+            <a:r>
+              <a:rPr lang="es-ES" sz="1400" dirty="0"/>
+              <a:t> utilizamos una búsqueda bayesiana para su optimización</a:t>
+            </a:r>
+            <a:endParaRPr sz="1400" dirty="0"/>
+          </a:p>
+        </p:txBody>
+      </p:sp>
+      <p:sp>
+        <p:nvSpPr>
+          <p:cNvPr id="1917" name="Google Shape;1917;p47"/>
+          <p:cNvSpPr txBox="1">
+            <a:spLocks noGrp="1"/>
+          </p:cNvSpPr>
+          <p:nvPr>
+            <p:ph type="title"/>
+          </p:nvPr>
+        </p:nvSpPr>
+        <p:spPr>
+          <a:xfrm>
+            <a:off x="3535106" y="1037337"/>
+            <a:ext cx="1835227" cy="348084"/>
+          </a:xfrm>
+          <a:prstGeom prst="rect">
+            <a:avLst/>
+          </a:prstGeom>
+        </p:spPr>
+        <p:txBody>
+          <a:bodyPr spcFirstLastPara="1" wrap="square" lIns="91425" tIns="91425" rIns="91425" bIns="91425" anchor="t" anchorCtr="0">
+            <a:noAutofit/>
+          </a:bodyPr>
+          <a:lstStyle/>
+          <a:p>
+            <a:pPr marL="0" lvl="0" indent="0" algn="l" rtl="0">
+              <a:spcBef>
+                <a:spcPts val="0"/>
+              </a:spcBef>
+              <a:spcAft>
+                <a:spcPts val="0"/>
+              </a:spcAft>
+              <a:buNone/>
+            </a:pPr>
+            <a:r>
+              <a:rPr lang="en" sz="1400" dirty="0"/>
+              <a:t>XGBoost</a:t>
+            </a:r>
+            <a:endParaRPr sz="1400" dirty="0"/>
+          </a:p>
+        </p:txBody>
+      </p:sp>
+      <p:sp>
+        <p:nvSpPr>
+          <p:cNvPr id="9" name="Google Shape;1916;p47">
+            <a:extLst>
+              <a:ext uri="{FF2B5EF4-FFF2-40B4-BE49-F238E27FC236}">
+                <a16:creationId xmlns:a16="http://schemas.microsoft.com/office/drawing/2014/main" id="{F0F6D407-A607-6562-C58C-D10785E5F0CB}"/>
+              </a:ext>
+            </a:extLst>
+          </p:cNvPr>
+          <p:cNvSpPr txBox="1">
+            <a:spLocks/>
+          </p:cNvSpPr>
+          <p:nvPr/>
+        </p:nvSpPr>
+        <p:spPr>
+          <a:xfrm>
+            <a:off x="6282614" y="1494295"/>
+            <a:ext cx="2275661" cy="2706199"/>
+          </a:xfrm>
+          <a:prstGeom prst="rect">
+            <a:avLst/>
+          </a:prstGeom>
+          <a:noFill/>
+          <a:ln>
+            <a:noFill/>
+          </a:ln>
+        </p:spPr>
+        <p:txBody>
+          <a:bodyPr spcFirstLastPara="1" wrap="square" lIns="91425" tIns="91425" rIns="91425" bIns="91425" anchor="t" anchorCtr="0">
+            <a:noAutofit/>
+          </a:bodyPr>
+          <a:lstStyle>
+            <a:defPPr marR="0" lvl="0" algn="l" rtl="0">
+              <a:lnSpc>
+                <a:spcPct val="100000"/>
+              </a:lnSpc>
+              <a:spcBef>
+                <a:spcPts val="0"/>
+              </a:spcBef>
+              <a:spcAft>
+                <a:spcPts val="0"/>
+              </a:spcAft>
+            </a:defPPr>
+            <a:lvl1pPr marL="457200" marR="0" lvl="0" indent="-342900" algn="l" rtl="0">
+              <a:lnSpc>
+                <a:spcPct val="100000"/>
+              </a:lnSpc>
+              <a:spcBef>
+                <a:spcPts val="0"/>
+              </a:spcBef>
+              <a:spcAft>
+                <a:spcPts val="0"/>
+              </a:spcAft>
+              <a:buClr>
+                <a:schemeClr val="lt2"/>
+              </a:buClr>
+              <a:buSzPts val="1800"/>
+              <a:buFont typeface="DM Sans"/>
+              <a:buChar char="●"/>
+              <a:defRPr sz="1800" b="0" i="0" u="none" strike="noStrike" cap="none">
+                <a:solidFill>
+                  <a:schemeClr val="lt2"/>
+                </a:solidFill>
+                <a:latin typeface="DM Sans"/>
+                <a:ea typeface="DM Sans"/>
+                <a:cs typeface="DM Sans"/>
+                <a:sym typeface="DM Sans"/>
+              </a:defRPr>
+            </a:lvl1pPr>
+            <a:lvl2pPr marL="914400" marR="0" lvl="1" indent="-317500" algn="l" rtl="0">
+              <a:lnSpc>
+                <a:spcPct val="100000"/>
+              </a:lnSpc>
+              <a:spcBef>
+                <a:spcPts val="1600"/>
+              </a:spcBef>
+              <a:spcAft>
+                <a:spcPts val="0"/>
+              </a:spcAft>
+              <a:buClr>
+                <a:schemeClr val="lt2"/>
+              </a:buClr>
+              <a:buSzPts val="1400"/>
+              <a:buFont typeface="DM Sans"/>
+              <a:buChar char="○"/>
+              <a:defRPr sz="1400" b="0" i="0" u="none" strike="noStrike" cap="none">
+                <a:solidFill>
+                  <a:schemeClr val="lt2"/>
+                </a:solidFill>
+                <a:latin typeface="DM Sans"/>
+                <a:ea typeface="DM Sans"/>
+                <a:cs typeface="DM Sans"/>
+                <a:sym typeface="DM Sans"/>
+              </a:defRPr>
+            </a:lvl2pPr>
+            <a:lvl3pPr marL="1371600" marR="0" lvl="2" indent="-317500" algn="l" rtl="0">
+              <a:lnSpc>
+                <a:spcPct val="100000"/>
+              </a:lnSpc>
+              <a:spcBef>
+                <a:spcPts val="1600"/>
+              </a:spcBef>
+              <a:spcAft>
+                <a:spcPts val="0"/>
+              </a:spcAft>
+              <a:buClr>
+                <a:schemeClr val="lt2"/>
+              </a:buClr>
+              <a:buSzPts val="1400"/>
+              <a:buFont typeface="DM Sans"/>
+              <a:buChar char="■"/>
+              <a:defRPr sz="1400" b="0" i="0" u="none" strike="noStrike" cap="none">
+                <a:solidFill>
+                  <a:schemeClr val="lt2"/>
+                </a:solidFill>
+                <a:latin typeface="DM Sans"/>
+                <a:ea typeface="DM Sans"/>
+                <a:cs typeface="DM Sans"/>
+                <a:sym typeface="DM Sans"/>
+              </a:defRPr>
+            </a:lvl3pPr>
+            <a:lvl4pPr marL="1828800" marR="0" lvl="3" indent="-317500" algn="l" rtl="0">
+              <a:lnSpc>
+                <a:spcPct val="100000"/>
+              </a:lnSpc>
+              <a:spcBef>
+                <a:spcPts val="1600"/>
+              </a:spcBef>
+              <a:spcAft>
+                <a:spcPts val="0"/>
+              </a:spcAft>
+              <a:buClr>
+                <a:schemeClr val="lt2"/>
+              </a:buClr>
+              <a:buSzPts val="1400"/>
+              <a:buFont typeface="DM Sans"/>
+              <a:buChar char="●"/>
+              <a:defRPr sz="1400" b="0" i="0" u="none" strike="noStrike" cap="none">
+                <a:solidFill>
+                  <a:schemeClr val="lt2"/>
+                </a:solidFill>
+                <a:latin typeface="DM Sans"/>
+                <a:ea typeface="DM Sans"/>
+                <a:cs typeface="DM Sans"/>
+                <a:sym typeface="DM Sans"/>
+              </a:defRPr>
+            </a:lvl4pPr>
+            <a:lvl5pPr marL="2286000" marR="0" lvl="4" indent="-317500" algn="l" rtl="0">
+              <a:lnSpc>
+                <a:spcPct val="100000"/>
+              </a:lnSpc>
+              <a:spcBef>
+                <a:spcPts val="1600"/>
+              </a:spcBef>
+              <a:spcAft>
+                <a:spcPts val="0"/>
+              </a:spcAft>
+              <a:buClr>
+                <a:schemeClr val="lt2"/>
+              </a:buClr>
+              <a:buSzPts val="1400"/>
+              <a:buFont typeface="DM Sans"/>
+              <a:buChar char="○"/>
+              <a:defRPr sz="1400" b="0" i="0" u="none" strike="noStrike" cap="none">
+                <a:solidFill>
+                  <a:schemeClr val="lt2"/>
+                </a:solidFill>
+                <a:latin typeface="DM Sans"/>
+                <a:ea typeface="DM Sans"/>
+                <a:cs typeface="DM Sans"/>
+                <a:sym typeface="DM Sans"/>
+              </a:defRPr>
+            </a:lvl5pPr>
+            <a:lvl6pPr marL="2743200" marR="0" lvl="5" indent="-317500" algn="l" rtl="0">
+              <a:lnSpc>
+                <a:spcPct val="100000"/>
+              </a:lnSpc>
+              <a:spcBef>
+                <a:spcPts val="1600"/>
+              </a:spcBef>
+              <a:spcAft>
+                <a:spcPts val="0"/>
+              </a:spcAft>
+              <a:buClr>
+                <a:schemeClr val="lt2"/>
+              </a:buClr>
+              <a:buSzPts val="1400"/>
+              <a:buFont typeface="DM Sans"/>
+              <a:buChar char="■"/>
+              <a:defRPr sz="1400" b="0" i="0" u="none" strike="noStrike" cap="none">
+                <a:solidFill>
+                  <a:schemeClr val="lt2"/>
+                </a:solidFill>
+                <a:latin typeface="DM Sans"/>
+                <a:ea typeface="DM Sans"/>
+                <a:cs typeface="DM Sans"/>
+                <a:sym typeface="DM Sans"/>
+              </a:defRPr>
+            </a:lvl6pPr>
+            <a:lvl7pPr marL="3200400" marR="0" lvl="6" indent="-317500" algn="l" rtl="0">
+              <a:lnSpc>
+                <a:spcPct val="100000"/>
+              </a:lnSpc>
+              <a:spcBef>
+                <a:spcPts val="1600"/>
+              </a:spcBef>
+              <a:spcAft>
+                <a:spcPts val="0"/>
+              </a:spcAft>
+              <a:buClr>
+                <a:schemeClr val="lt2"/>
+              </a:buClr>
+              <a:buSzPts val="1400"/>
+              <a:buFont typeface="DM Sans"/>
+              <a:buChar char="●"/>
+              <a:defRPr sz="1400" b="0" i="0" u="none" strike="noStrike" cap="none">
+                <a:solidFill>
+                  <a:schemeClr val="lt2"/>
+                </a:solidFill>
+                <a:latin typeface="DM Sans"/>
+                <a:ea typeface="DM Sans"/>
+                <a:cs typeface="DM Sans"/>
+                <a:sym typeface="DM Sans"/>
+              </a:defRPr>
+            </a:lvl7pPr>
+            <a:lvl8pPr marL="3657600" marR="0" lvl="7" indent="-317500" algn="l" rtl="0">
+              <a:lnSpc>
+                <a:spcPct val="100000"/>
+              </a:lnSpc>
+              <a:spcBef>
+                <a:spcPts val="1600"/>
+              </a:spcBef>
+              <a:spcAft>
+                <a:spcPts val="0"/>
+              </a:spcAft>
+              <a:buClr>
+                <a:schemeClr val="lt2"/>
+              </a:buClr>
+              <a:buSzPts val="1400"/>
+              <a:buFont typeface="DM Sans"/>
+              <a:buChar char="○"/>
+              <a:defRPr sz="1400" b="0" i="0" u="none" strike="noStrike" cap="none">
+                <a:solidFill>
+                  <a:schemeClr val="lt2"/>
+                </a:solidFill>
+                <a:latin typeface="DM Sans"/>
+                <a:ea typeface="DM Sans"/>
+                <a:cs typeface="DM Sans"/>
+                <a:sym typeface="DM Sans"/>
+              </a:defRPr>
+            </a:lvl8pPr>
+            <a:lvl9pPr marL="4114800" marR="0" lvl="8" indent="-317500" algn="l" rtl="0">
+              <a:lnSpc>
+                <a:spcPct val="100000"/>
+              </a:lnSpc>
+              <a:spcBef>
+                <a:spcPts val="1600"/>
+              </a:spcBef>
+              <a:spcAft>
+                <a:spcPts val="1600"/>
+              </a:spcAft>
+              <a:buClr>
+                <a:schemeClr val="lt2"/>
+              </a:buClr>
+              <a:buSzPts val="1400"/>
+              <a:buFont typeface="DM Sans"/>
+              <a:buChar char="■"/>
+              <a:defRPr sz="1400" b="0" i="0" u="none" strike="noStrike" cap="none">
+                <a:solidFill>
+                  <a:schemeClr val="lt2"/>
+                </a:solidFill>
+                <a:latin typeface="DM Sans"/>
+                <a:ea typeface="DM Sans"/>
+                <a:cs typeface="DM Sans"/>
+                <a:sym typeface="DM Sans"/>
+              </a:defRPr>
+            </a:lvl9pPr>
+          </a:lstStyle>
+          <a:p>
+            <a:pPr marL="139700" indent="0">
+              <a:buSzPts val="1400"/>
+              <a:buFont typeface="DM Sans"/>
+              <a:buNone/>
+            </a:pPr>
+            <a:r>
+              <a:rPr lang="es-ES" sz="1400" dirty="0"/>
+              <a:t>Empleamos </a:t>
+            </a:r>
+            <a:r>
+              <a:rPr lang="es-ES" sz="1400" dirty="0" err="1"/>
+              <a:t>skip</a:t>
+            </a:r>
+            <a:r>
+              <a:rPr lang="es-ES" sz="1400" dirty="0"/>
+              <a:t> </a:t>
+            </a:r>
+            <a:r>
+              <a:rPr lang="es-ES" sz="1400" dirty="0" err="1"/>
+              <a:t>connections</a:t>
+            </a:r>
+            <a:r>
+              <a:rPr lang="es-ES" sz="1400" dirty="0"/>
+              <a:t> para poder entrenar una red neuronal más profunda. </a:t>
+            </a:r>
+          </a:p>
+          <a:p>
+            <a:pPr marL="139700" indent="0">
+              <a:buSzPts val="1400"/>
+              <a:buFont typeface="DM Sans"/>
+              <a:buNone/>
+            </a:pPr>
+            <a:endParaRPr lang="es-ES" sz="1400" dirty="0"/>
+          </a:p>
+          <a:p>
+            <a:pPr marL="139700" indent="0">
+              <a:buSzPts val="1400"/>
+              <a:buFont typeface="DM Sans"/>
+              <a:buNone/>
+            </a:pPr>
+            <a:r>
+              <a:rPr lang="es-ES" sz="1400" dirty="0"/>
+              <a:t>Esto disminuye el coste computacional y evita problemas de explosión de </a:t>
+            </a:r>
+            <a:r>
+              <a:rPr lang="es-ES" sz="1400" dirty="0" err="1"/>
+              <a:t>gradiante</a:t>
+            </a:r>
+            <a:r>
+              <a:rPr lang="es-ES" sz="1400" dirty="0"/>
+              <a:t>.</a:t>
+            </a:r>
+          </a:p>
+        </p:txBody>
+      </p:sp>
+      <p:sp>
+        <p:nvSpPr>
+          <p:cNvPr id="10" name="Google Shape;1917;p47">
+            <a:extLst>
+              <a:ext uri="{FF2B5EF4-FFF2-40B4-BE49-F238E27FC236}">
+                <a16:creationId xmlns:a16="http://schemas.microsoft.com/office/drawing/2014/main" id="{CEC967E9-8595-0E9E-72D8-3FFF291B02BC}"/>
+              </a:ext>
+            </a:extLst>
+          </p:cNvPr>
+          <p:cNvSpPr txBox="1">
+            <a:spLocks/>
+          </p:cNvSpPr>
+          <p:nvPr/>
+        </p:nvSpPr>
+        <p:spPr>
+          <a:xfrm>
+            <a:off x="6428333" y="1063789"/>
+            <a:ext cx="2351333" cy="377700"/>
+          </a:xfrm>
+          <a:prstGeom prst="rect">
+            <a:avLst/>
+          </a:prstGeom>
+          <a:noFill/>
+          <a:ln>
+            <a:noFill/>
+          </a:ln>
+        </p:spPr>
+        <p:txBody>
+          <a:bodyPr spcFirstLastPara="1" wrap="square" lIns="91425" tIns="91425" rIns="91425" bIns="91425" anchor="t" anchorCtr="0">
+            <a:noAutofit/>
+          </a:bodyPr>
+          <a:lstStyle>
+            <a:defPPr marR="0" lvl="0" algn="l" rtl="0">
+              <a:lnSpc>
+                <a:spcPct val="100000"/>
+              </a:lnSpc>
+              <a:spcBef>
+                <a:spcPts val="0"/>
+              </a:spcBef>
+              <a:spcAft>
+                <a:spcPts val="0"/>
+              </a:spcAft>
+            </a:defPPr>
+            <a:lvl1pPr marR="0" lvl="0" algn="l" rtl="0">
+              <a:lnSpc>
+                <a:spcPct val="100000"/>
+              </a:lnSpc>
+              <a:spcBef>
+                <a:spcPts val="0"/>
+              </a:spcBef>
+              <a:spcAft>
+                <a:spcPts val="0"/>
+              </a:spcAft>
+              <a:buClr>
+                <a:schemeClr val="lt2"/>
+              </a:buClr>
+              <a:buSzPts val="2400"/>
+              <a:buFont typeface="Viga"/>
+              <a:buNone/>
+              <a:defRPr sz="2400" b="0" i="0" u="none" strike="noStrike" cap="none">
+                <a:solidFill>
+                  <a:schemeClr val="lt2"/>
+                </a:solidFill>
+                <a:latin typeface="Viga"/>
+                <a:ea typeface="Viga"/>
+                <a:cs typeface="Viga"/>
+                <a:sym typeface="Viga"/>
+              </a:defRPr>
+            </a:lvl1pPr>
+            <a:lvl2pPr marR="0" lvl="1" algn="l" rtl="0">
+              <a:lnSpc>
+                <a:spcPct val="100000"/>
+              </a:lnSpc>
+              <a:spcBef>
+                <a:spcPts val="0"/>
+              </a:spcBef>
+              <a:spcAft>
+                <a:spcPts val="0"/>
+              </a:spcAft>
+              <a:buClr>
+                <a:schemeClr val="lt2"/>
+              </a:buClr>
+              <a:buSzPts val="2400"/>
+              <a:buFont typeface="Arial"/>
+              <a:buNone/>
+              <a:defRPr sz="2400" b="0" i="0" u="none" strike="noStrike" cap="none">
+                <a:solidFill>
+                  <a:schemeClr val="lt2"/>
+                </a:solidFill>
+                <a:latin typeface="Arial"/>
+                <a:ea typeface="Arial"/>
+                <a:cs typeface="Arial"/>
+                <a:sym typeface="Arial"/>
+              </a:defRPr>
+            </a:lvl2pPr>
+            <a:lvl3pPr marR="0" lvl="2" algn="l" rtl="0">
+              <a:lnSpc>
+                <a:spcPct val="100000"/>
+              </a:lnSpc>
+              <a:spcBef>
+                <a:spcPts val="0"/>
+              </a:spcBef>
+              <a:spcAft>
+                <a:spcPts val="0"/>
+              </a:spcAft>
+              <a:buClr>
+                <a:schemeClr val="lt2"/>
+              </a:buClr>
+              <a:buSzPts val="2400"/>
+              <a:buFont typeface="Arial"/>
+              <a:buNone/>
+              <a:defRPr sz="2400" b="0" i="0" u="none" strike="noStrike" cap="none">
+                <a:solidFill>
+                  <a:schemeClr val="lt2"/>
+                </a:solidFill>
+                <a:latin typeface="Arial"/>
+                <a:ea typeface="Arial"/>
+                <a:cs typeface="Arial"/>
+                <a:sym typeface="Arial"/>
+              </a:defRPr>
+            </a:lvl3pPr>
+            <a:lvl4pPr marR="0" lvl="3" algn="l" rtl="0">
+              <a:lnSpc>
+                <a:spcPct val="100000"/>
+              </a:lnSpc>
+              <a:spcBef>
+                <a:spcPts val="0"/>
+              </a:spcBef>
+              <a:spcAft>
+                <a:spcPts val="0"/>
+              </a:spcAft>
+              <a:buClr>
+                <a:schemeClr val="lt2"/>
+              </a:buClr>
+              <a:buSzPts val="2400"/>
+              <a:buFont typeface="Arial"/>
+              <a:buNone/>
+              <a:defRPr sz="2400" b="0" i="0" u="none" strike="noStrike" cap="none">
+                <a:solidFill>
+                  <a:schemeClr val="lt2"/>
+                </a:solidFill>
+                <a:latin typeface="Arial"/>
+                <a:ea typeface="Arial"/>
+                <a:cs typeface="Arial"/>
+                <a:sym typeface="Arial"/>
+              </a:defRPr>
+            </a:lvl4pPr>
+            <a:lvl5pPr marR="0" lvl="4" algn="l" rtl="0">
+              <a:lnSpc>
+                <a:spcPct val="100000"/>
+              </a:lnSpc>
+              <a:spcBef>
+                <a:spcPts val="0"/>
+              </a:spcBef>
+              <a:spcAft>
+                <a:spcPts val="0"/>
+              </a:spcAft>
+              <a:buClr>
+                <a:schemeClr val="lt2"/>
+              </a:buClr>
+              <a:buSzPts val="2400"/>
+              <a:buFont typeface="Arial"/>
+              <a:buNone/>
+              <a:defRPr sz="2400" b="0" i="0" u="none" strike="noStrike" cap="none">
+                <a:solidFill>
+                  <a:schemeClr val="lt2"/>
+                </a:solidFill>
+                <a:latin typeface="Arial"/>
+                <a:ea typeface="Arial"/>
+                <a:cs typeface="Arial"/>
+                <a:sym typeface="Arial"/>
+              </a:defRPr>
+            </a:lvl5pPr>
+            <a:lvl6pPr marR="0" lvl="5" algn="l" rtl="0">
+              <a:lnSpc>
+                <a:spcPct val="100000"/>
+              </a:lnSpc>
+              <a:spcBef>
+                <a:spcPts val="0"/>
+              </a:spcBef>
+              <a:spcAft>
+                <a:spcPts val="0"/>
+              </a:spcAft>
+              <a:buClr>
+                <a:schemeClr val="lt2"/>
+              </a:buClr>
+              <a:buSzPts val="2400"/>
+              <a:buFont typeface="Arial"/>
+              <a:buNone/>
+              <a:defRPr sz="2400" b="0" i="0" u="none" strike="noStrike" cap="none">
+                <a:solidFill>
+                  <a:schemeClr val="lt2"/>
+                </a:solidFill>
+                <a:latin typeface="Arial"/>
+                <a:ea typeface="Arial"/>
+                <a:cs typeface="Arial"/>
+                <a:sym typeface="Arial"/>
+              </a:defRPr>
+            </a:lvl6pPr>
+            <a:lvl7pPr marR="0" lvl="6" algn="l" rtl="0">
+              <a:lnSpc>
+                <a:spcPct val="100000"/>
+              </a:lnSpc>
+              <a:spcBef>
+                <a:spcPts val="0"/>
+              </a:spcBef>
+              <a:spcAft>
+                <a:spcPts val="0"/>
+              </a:spcAft>
+              <a:buClr>
+                <a:schemeClr val="lt2"/>
+              </a:buClr>
+              <a:buSzPts val="2400"/>
+              <a:buFont typeface="Arial"/>
+              <a:buNone/>
+              <a:defRPr sz="2400" b="0" i="0" u="none" strike="noStrike" cap="none">
+                <a:solidFill>
+                  <a:schemeClr val="lt2"/>
+                </a:solidFill>
+                <a:latin typeface="Arial"/>
+                <a:ea typeface="Arial"/>
+                <a:cs typeface="Arial"/>
+                <a:sym typeface="Arial"/>
+              </a:defRPr>
+            </a:lvl7pPr>
+            <a:lvl8pPr marR="0" lvl="7" algn="l" rtl="0">
+              <a:lnSpc>
+                <a:spcPct val="100000"/>
+              </a:lnSpc>
+              <a:spcBef>
+                <a:spcPts val="0"/>
+              </a:spcBef>
+              <a:spcAft>
+                <a:spcPts val="0"/>
+              </a:spcAft>
+              <a:buClr>
+                <a:schemeClr val="lt2"/>
+              </a:buClr>
+              <a:buSzPts val="2400"/>
+              <a:buFont typeface="Arial"/>
+              <a:buNone/>
+              <a:defRPr sz="2400" b="0" i="0" u="none" strike="noStrike" cap="none">
+                <a:solidFill>
+                  <a:schemeClr val="lt2"/>
+                </a:solidFill>
+                <a:latin typeface="Arial"/>
+                <a:ea typeface="Arial"/>
+                <a:cs typeface="Arial"/>
+                <a:sym typeface="Arial"/>
+              </a:defRPr>
+            </a:lvl8pPr>
+            <a:lvl9pPr marR="0" lvl="8" algn="l" rtl="0">
+              <a:lnSpc>
+                <a:spcPct val="100000"/>
+              </a:lnSpc>
+              <a:spcBef>
+                <a:spcPts val="0"/>
+              </a:spcBef>
+              <a:spcAft>
+                <a:spcPts val="0"/>
+              </a:spcAft>
+              <a:buClr>
+                <a:schemeClr val="lt2"/>
+              </a:buClr>
+              <a:buSzPts val="2400"/>
+              <a:buFont typeface="Arial"/>
+              <a:buNone/>
+              <a:defRPr sz="2400" b="0" i="0" u="none" strike="noStrike" cap="none">
+                <a:solidFill>
+                  <a:schemeClr val="lt2"/>
+                </a:solidFill>
+                <a:latin typeface="Arial"/>
+                <a:ea typeface="Arial"/>
+                <a:cs typeface="Arial"/>
+                <a:sym typeface="Arial"/>
+              </a:defRPr>
+            </a:lvl9pPr>
+          </a:lstStyle>
+          <a:p>
+            <a:r>
+              <a:rPr lang="es-ES" sz="1400" dirty="0"/>
+              <a:t>Residual LNN</a:t>
+            </a:r>
+          </a:p>
+        </p:txBody>
+      </p:sp>
+      <p:sp>
+        <p:nvSpPr>
+          <p:cNvPr id="5" name="Google Shape;1916;p47">
+            <a:extLst>
+              <a:ext uri="{FF2B5EF4-FFF2-40B4-BE49-F238E27FC236}">
+                <a16:creationId xmlns:a16="http://schemas.microsoft.com/office/drawing/2014/main" id="{6D84C36F-C60E-EC12-5D36-857354411E39}"/>
+              </a:ext>
+            </a:extLst>
+          </p:cNvPr>
+          <p:cNvSpPr txBox="1">
+            <a:spLocks/>
+          </p:cNvSpPr>
+          <p:nvPr/>
+        </p:nvSpPr>
+        <p:spPr>
+          <a:xfrm>
+            <a:off x="320955" y="1494295"/>
+            <a:ext cx="2513769" cy="2900740"/>
+          </a:xfrm>
+          <a:prstGeom prst="rect">
+            <a:avLst/>
+          </a:prstGeom>
+          <a:noFill/>
+          <a:ln>
+            <a:noFill/>
+          </a:ln>
+        </p:spPr>
+        <p:txBody>
+          <a:bodyPr spcFirstLastPara="1" wrap="square" lIns="91425" tIns="91425" rIns="91425" bIns="91425" anchor="t" anchorCtr="0">
+            <a:noAutofit/>
+          </a:bodyPr>
+          <a:lstStyle>
+            <a:defPPr marR="0" lvl="0" algn="l" rtl="0">
+              <a:lnSpc>
+                <a:spcPct val="100000"/>
+              </a:lnSpc>
+              <a:spcBef>
+                <a:spcPts val="0"/>
+              </a:spcBef>
+              <a:spcAft>
+                <a:spcPts val="0"/>
+              </a:spcAft>
+            </a:defPPr>
+            <a:lvl1pPr marL="457200" marR="0" lvl="0" indent="-342900" algn="l" rtl="0">
+              <a:lnSpc>
+                <a:spcPct val="100000"/>
+              </a:lnSpc>
+              <a:spcBef>
+                <a:spcPts val="0"/>
+              </a:spcBef>
+              <a:spcAft>
+                <a:spcPts val="0"/>
+              </a:spcAft>
+              <a:buClr>
+                <a:schemeClr val="lt2"/>
+              </a:buClr>
+              <a:buSzPts val="1800"/>
+              <a:buFont typeface="DM Sans"/>
+              <a:buChar char="●"/>
+              <a:defRPr sz="1800" b="0" i="0" u="none" strike="noStrike" cap="none">
+                <a:solidFill>
+                  <a:schemeClr val="lt2"/>
+                </a:solidFill>
+                <a:latin typeface="DM Sans"/>
+                <a:ea typeface="DM Sans"/>
+                <a:cs typeface="DM Sans"/>
+                <a:sym typeface="DM Sans"/>
+              </a:defRPr>
+            </a:lvl1pPr>
+            <a:lvl2pPr marL="914400" marR="0" lvl="1" indent="-317500" algn="l" rtl="0">
+              <a:lnSpc>
+                <a:spcPct val="100000"/>
+              </a:lnSpc>
+              <a:spcBef>
+                <a:spcPts val="1600"/>
+              </a:spcBef>
+              <a:spcAft>
+                <a:spcPts val="0"/>
+              </a:spcAft>
+              <a:buClr>
+                <a:schemeClr val="lt2"/>
+              </a:buClr>
+              <a:buSzPts val="1400"/>
+              <a:buFont typeface="DM Sans"/>
+              <a:buChar char="○"/>
+              <a:defRPr sz="1400" b="0" i="0" u="none" strike="noStrike" cap="none">
+                <a:solidFill>
+                  <a:schemeClr val="lt2"/>
+                </a:solidFill>
+                <a:latin typeface="DM Sans"/>
+                <a:ea typeface="DM Sans"/>
+                <a:cs typeface="DM Sans"/>
+                <a:sym typeface="DM Sans"/>
+              </a:defRPr>
+            </a:lvl2pPr>
+            <a:lvl3pPr marL="1371600" marR="0" lvl="2" indent="-317500" algn="l" rtl="0">
+              <a:lnSpc>
+                <a:spcPct val="100000"/>
+              </a:lnSpc>
+              <a:spcBef>
+                <a:spcPts val="1600"/>
+              </a:spcBef>
+              <a:spcAft>
+                <a:spcPts val="0"/>
+              </a:spcAft>
+              <a:buClr>
+                <a:schemeClr val="lt2"/>
+              </a:buClr>
+              <a:buSzPts val="1400"/>
+              <a:buFont typeface="DM Sans"/>
+              <a:buChar char="■"/>
+              <a:defRPr sz="1400" b="0" i="0" u="none" strike="noStrike" cap="none">
+                <a:solidFill>
+                  <a:schemeClr val="lt2"/>
+                </a:solidFill>
+                <a:latin typeface="DM Sans"/>
+                <a:ea typeface="DM Sans"/>
+                <a:cs typeface="DM Sans"/>
+                <a:sym typeface="DM Sans"/>
+              </a:defRPr>
+            </a:lvl3pPr>
+            <a:lvl4pPr marL="1828800" marR="0" lvl="3" indent="-317500" algn="l" rtl="0">
+              <a:lnSpc>
+                <a:spcPct val="100000"/>
+              </a:lnSpc>
+              <a:spcBef>
+                <a:spcPts val="1600"/>
+              </a:spcBef>
+              <a:spcAft>
+                <a:spcPts val="0"/>
+              </a:spcAft>
+              <a:buClr>
+                <a:schemeClr val="lt2"/>
+              </a:buClr>
+              <a:buSzPts val="1400"/>
+              <a:buFont typeface="DM Sans"/>
+              <a:buChar char="●"/>
+              <a:defRPr sz="1400" b="0" i="0" u="none" strike="noStrike" cap="none">
+                <a:solidFill>
+                  <a:schemeClr val="lt2"/>
+                </a:solidFill>
+                <a:latin typeface="DM Sans"/>
+                <a:ea typeface="DM Sans"/>
+                <a:cs typeface="DM Sans"/>
+                <a:sym typeface="DM Sans"/>
+              </a:defRPr>
+            </a:lvl4pPr>
+            <a:lvl5pPr marL="2286000" marR="0" lvl="4" indent="-317500" algn="l" rtl="0">
+              <a:lnSpc>
+                <a:spcPct val="100000"/>
+              </a:lnSpc>
+              <a:spcBef>
+                <a:spcPts val="1600"/>
+              </a:spcBef>
+              <a:spcAft>
+                <a:spcPts val="0"/>
+              </a:spcAft>
+              <a:buClr>
+                <a:schemeClr val="lt2"/>
+              </a:buClr>
+              <a:buSzPts val="1400"/>
+              <a:buFont typeface="DM Sans"/>
+              <a:buChar char="○"/>
+              <a:defRPr sz="1400" b="0" i="0" u="none" strike="noStrike" cap="none">
+                <a:solidFill>
+                  <a:schemeClr val="lt2"/>
+                </a:solidFill>
+                <a:latin typeface="DM Sans"/>
+                <a:ea typeface="DM Sans"/>
+                <a:cs typeface="DM Sans"/>
+                <a:sym typeface="DM Sans"/>
+              </a:defRPr>
+            </a:lvl5pPr>
+            <a:lvl6pPr marL="2743200" marR="0" lvl="5" indent="-317500" algn="l" rtl="0">
+              <a:lnSpc>
+                <a:spcPct val="100000"/>
+              </a:lnSpc>
+              <a:spcBef>
+                <a:spcPts val="1600"/>
+              </a:spcBef>
+              <a:spcAft>
+                <a:spcPts val="0"/>
+              </a:spcAft>
+              <a:buClr>
+                <a:schemeClr val="lt2"/>
+              </a:buClr>
+              <a:buSzPts val="1400"/>
+              <a:buFont typeface="DM Sans"/>
+              <a:buChar char="■"/>
+              <a:defRPr sz="1400" b="0" i="0" u="none" strike="noStrike" cap="none">
+                <a:solidFill>
+                  <a:schemeClr val="lt2"/>
+                </a:solidFill>
+                <a:latin typeface="DM Sans"/>
+                <a:ea typeface="DM Sans"/>
+                <a:cs typeface="DM Sans"/>
+                <a:sym typeface="DM Sans"/>
+              </a:defRPr>
+            </a:lvl6pPr>
+            <a:lvl7pPr marL="3200400" marR="0" lvl="6" indent="-317500" algn="l" rtl="0">
+              <a:lnSpc>
+                <a:spcPct val="100000"/>
+              </a:lnSpc>
+              <a:spcBef>
+                <a:spcPts val="1600"/>
+              </a:spcBef>
+              <a:spcAft>
+                <a:spcPts val="0"/>
+              </a:spcAft>
+              <a:buClr>
+                <a:schemeClr val="lt2"/>
+              </a:buClr>
+              <a:buSzPts val="1400"/>
+              <a:buFont typeface="DM Sans"/>
+              <a:buChar char="●"/>
+              <a:defRPr sz="1400" b="0" i="0" u="none" strike="noStrike" cap="none">
+                <a:solidFill>
+                  <a:schemeClr val="lt2"/>
+                </a:solidFill>
+                <a:latin typeface="DM Sans"/>
+                <a:ea typeface="DM Sans"/>
+                <a:cs typeface="DM Sans"/>
+                <a:sym typeface="DM Sans"/>
+              </a:defRPr>
+            </a:lvl7pPr>
+            <a:lvl8pPr marL="3657600" marR="0" lvl="7" indent="-317500" algn="l" rtl="0">
+              <a:lnSpc>
+                <a:spcPct val="100000"/>
+              </a:lnSpc>
+              <a:spcBef>
+                <a:spcPts val="1600"/>
+              </a:spcBef>
+              <a:spcAft>
+                <a:spcPts val="0"/>
+              </a:spcAft>
+              <a:buClr>
+                <a:schemeClr val="lt2"/>
+              </a:buClr>
+              <a:buSzPts val="1400"/>
+              <a:buFont typeface="DM Sans"/>
+              <a:buChar char="○"/>
+              <a:defRPr sz="1400" b="0" i="0" u="none" strike="noStrike" cap="none">
+                <a:solidFill>
+                  <a:schemeClr val="lt2"/>
+                </a:solidFill>
+                <a:latin typeface="DM Sans"/>
+                <a:ea typeface="DM Sans"/>
+                <a:cs typeface="DM Sans"/>
+                <a:sym typeface="DM Sans"/>
+              </a:defRPr>
+            </a:lvl8pPr>
+            <a:lvl9pPr marL="4114800" marR="0" lvl="8" indent="-317500" algn="l" rtl="0">
+              <a:lnSpc>
+                <a:spcPct val="100000"/>
+              </a:lnSpc>
+              <a:spcBef>
+                <a:spcPts val="1600"/>
+              </a:spcBef>
+              <a:spcAft>
+                <a:spcPts val="1600"/>
+              </a:spcAft>
+              <a:buClr>
+                <a:schemeClr val="lt2"/>
+              </a:buClr>
+              <a:buSzPts val="1400"/>
+              <a:buFont typeface="DM Sans"/>
+              <a:buChar char="■"/>
+              <a:defRPr sz="1400" b="0" i="0" u="none" strike="noStrike" cap="none">
+                <a:solidFill>
+                  <a:schemeClr val="lt2"/>
+                </a:solidFill>
+                <a:latin typeface="DM Sans"/>
+                <a:ea typeface="DM Sans"/>
+                <a:cs typeface="DM Sans"/>
+                <a:sym typeface="DM Sans"/>
+              </a:defRPr>
+            </a:lvl9pPr>
+          </a:lstStyle>
+          <a:p>
+            <a:pPr marL="139700" indent="0">
+              <a:buSzPts val="1400"/>
+              <a:buFont typeface="DM Sans"/>
+              <a:buNone/>
+            </a:pPr>
+            <a:r>
+              <a:rPr lang="es-ES" sz="1400" dirty="0"/>
+              <a:t>Finalmente tenemos un </a:t>
+            </a:r>
+            <a:r>
+              <a:rPr lang="es-ES" sz="1400" dirty="0" err="1"/>
+              <a:t>dataset</a:t>
+            </a:r>
+            <a:r>
+              <a:rPr lang="es-ES" sz="1400" dirty="0"/>
+              <a:t> con 6 columnas numéricas y 1 categórica para la </a:t>
+            </a:r>
+            <a:r>
+              <a:rPr lang="es-ES" sz="1400" dirty="0" err="1"/>
+              <a:t>label</a:t>
+            </a:r>
+            <a:r>
+              <a:rPr lang="es-ES" sz="1400" dirty="0"/>
+              <a:t>.</a:t>
+            </a:r>
+          </a:p>
+          <a:p>
+            <a:pPr marL="139700" indent="0">
+              <a:buSzPts val="1400"/>
+              <a:buFont typeface="DM Sans"/>
+              <a:buNone/>
+            </a:pPr>
+            <a:endParaRPr lang="es-ES" sz="1400" dirty="0"/>
+          </a:p>
+          <a:p>
+            <a:pPr marL="139700" indent="0">
+              <a:buSzPts val="1400"/>
+              <a:buFont typeface="DM Sans"/>
+              <a:buNone/>
+            </a:pPr>
+            <a:r>
+              <a:rPr lang="es-ES" sz="1400" dirty="0"/>
+              <a:t>Dividimos el </a:t>
+            </a:r>
+            <a:r>
+              <a:rPr lang="es-ES" sz="1400" dirty="0" err="1"/>
+              <a:t>dataset</a:t>
+            </a:r>
+            <a:r>
+              <a:rPr lang="es-ES" sz="1400" dirty="0"/>
+              <a:t> de forma estratificada en un porcentaje 85% - 15% de entreno y testeo respectivamente</a:t>
+            </a:r>
+          </a:p>
+        </p:txBody>
+      </p:sp>
+      <p:sp>
+        <p:nvSpPr>
+          <p:cNvPr id="6" name="Google Shape;1917;p47">
+            <a:extLst>
+              <a:ext uri="{FF2B5EF4-FFF2-40B4-BE49-F238E27FC236}">
+                <a16:creationId xmlns:a16="http://schemas.microsoft.com/office/drawing/2014/main" id="{7854D81E-FE79-0A71-6BCE-BA48FC3679E7}"/>
+              </a:ext>
+            </a:extLst>
+          </p:cNvPr>
+          <p:cNvSpPr txBox="1">
+            <a:spLocks/>
+          </p:cNvSpPr>
+          <p:nvPr/>
+        </p:nvSpPr>
+        <p:spPr>
+          <a:xfrm>
+            <a:off x="456453" y="1074865"/>
+            <a:ext cx="1793784" cy="313948"/>
+          </a:xfrm>
+          <a:prstGeom prst="rect">
+            <a:avLst/>
+          </a:prstGeom>
+          <a:noFill/>
+          <a:ln>
+            <a:noFill/>
+          </a:ln>
+        </p:spPr>
+        <p:txBody>
+          <a:bodyPr spcFirstLastPara="1" wrap="square" lIns="91425" tIns="91425" rIns="91425" bIns="91425" anchor="t" anchorCtr="0">
+            <a:noAutofit/>
+          </a:bodyPr>
+          <a:lstStyle>
+            <a:defPPr marR="0" lvl="0" algn="l" rtl="0">
+              <a:lnSpc>
+                <a:spcPct val="100000"/>
+              </a:lnSpc>
+              <a:spcBef>
+                <a:spcPts val="0"/>
+              </a:spcBef>
+              <a:spcAft>
+                <a:spcPts val="0"/>
+              </a:spcAft>
+            </a:defPPr>
+            <a:lvl1pPr marR="0" lvl="0" algn="l" rtl="0">
+              <a:lnSpc>
+                <a:spcPct val="100000"/>
+              </a:lnSpc>
+              <a:spcBef>
+                <a:spcPts val="0"/>
+              </a:spcBef>
+              <a:spcAft>
+                <a:spcPts val="0"/>
+              </a:spcAft>
+              <a:buClr>
+                <a:schemeClr val="lt2"/>
+              </a:buClr>
+              <a:buSzPts val="2400"/>
+              <a:buFont typeface="Viga"/>
+              <a:buNone/>
+              <a:defRPr sz="2400" b="0" i="0" u="none" strike="noStrike" cap="none">
+                <a:solidFill>
+                  <a:schemeClr val="lt2"/>
+                </a:solidFill>
+                <a:latin typeface="Viga"/>
+                <a:ea typeface="Viga"/>
+                <a:cs typeface="Viga"/>
+                <a:sym typeface="Viga"/>
+              </a:defRPr>
+            </a:lvl1pPr>
+            <a:lvl2pPr marR="0" lvl="1" algn="l" rtl="0">
+              <a:lnSpc>
+                <a:spcPct val="100000"/>
+              </a:lnSpc>
+              <a:spcBef>
+                <a:spcPts val="0"/>
+              </a:spcBef>
+              <a:spcAft>
+                <a:spcPts val="0"/>
+              </a:spcAft>
+              <a:buClr>
+                <a:schemeClr val="lt2"/>
+              </a:buClr>
+              <a:buSzPts val="2400"/>
+              <a:buFont typeface="Arial"/>
+              <a:buNone/>
+              <a:defRPr sz="2400" b="0" i="0" u="none" strike="noStrike" cap="none">
+                <a:solidFill>
+                  <a:schemeClr val="lt2"/>
+                </a:solidFill>
+                <a:latin typeface="Arial"/>
+                <a:ea typeface="Arial"/>
+                <a:cs typeface="Arial"/>
+                <a:sym typeface="Arial"/>
+              </a:defRPr>
+            </a:lvl2pPr>
+            <a:lvl3pPr marR="0" lvl="2" algn="l" rtl="0">
+              <a:lnSpc>
+                <a:spcPct val="100000"/>
+              </a:lnSpc>
+              <a:spcBef>
+                <a:spcPts val="0"/>
+              </a:spcBef>
+              <a:spcAft>
+                <a:spcPts val="0"/>
+              </a:spcAft>
+              <a:buClr>
+                <a:schemeClr val="lt2"/>
+              </a:buClr>
+              <a:buSzPts val="2400"/>
+              <a:buFont typeface="Arial"/>
+              <a:buNone/>
+              <a:defRPr sz="2400" b="0" i="0" u="none" strike="noStrike" cap="none">
+                <a:solidFill>
+                  <a:schemeClr val="lt2"/>
+                </a:solidFill>
+                <a:latin typeface="Arial"/>
+                <a:ea typeface="Arial"/>
+                <a:cs typeface="Arial"/>
+                <a:sym typeface="Arial"/>
+              </a:defRPr>
+            </a:lvl3pPr>
+            <a:lvl4pPr marR="0" lvl="3" algn="l" rtl="0">
+              <a:lnSpc>
+                <a:spcPct val="100000"/>
+              </a:lnSpc>
+              <a:spcBef>
+                <a:spcPts val="0"/>
+              </a:spcBef>
+              <a:spcAft>
+                <a:spcPts val="0"/>
+              </a:spcAft>
+              <a:buClr>
+                <a:schemeClr val="lt2"/>
+              </a:buClr>
+              <a:buSzPts val="2400"/>
+              <a:buFont typeface="Arial"/>
+              <a:buNone/>
+              <a:defRPr sz="2400" b="0" i="0" u="none" strike="noStrike" cap="none">
+                <a:solidFill>
+                  <a:schemeClr val="lt2"/>
+                </a:solidFill>
+                <a:latin typeface="Arial"/>
+                <a:ea typeface="Arial"/>
+                <a:cs typeface="Arial"/>
+                <a:sym typeface="Arial"/>
+              </a:defRPr>
+            </a:lvl4pPr>
+            <a:lvl5pPr marR="0" lvl="4" algn="l" rtl="0">
+              <a:lnSpc>
+                <a:spcPct val="100000"/>
+              </a:lnSpc>
+              <a:spcBef>
+                <a:spcPts val="0"/>
+              </a:spcBef>
+              <a:spcAft>
+                <a:spcPts val="0"/>
+              </a:spcAft>
+              <a:buClr>
+                <a:schemeClr val="lt2"/>
+              </a:buClr>
+              <a:buSzPts val="2400"/>
+              <a:buFont typeface="Arial"/>
+              <a:buNone/>
+              <a:defRPr sz="2400" b="0" i="0" u="none" strike="noStrike" cap="none">
+                <a:solidFill>
+                  <a:schemeClr val="lt2"/>
+                </a:solidFill>
+                <a:latin typeface="Arial"/>
+                <a:ea typeface="Arial"/>
+                <a:cs typeface="Arial"/>
+                <a:sym typeface="Arial"/>
+              </a:defRPr>
+            </a:lvl5pPr>
+            <a:lvl6pPr marR="0" lvl="5" algn="l" rtl="0">
+              <a:lnSpc>
+                <a:spcPct val="100000"/>
+              </a:lnSpc>
+              <a:spcBef>
+                <a:spcPts val="0"/>
+              </a:spcBef>
+              <a:spcAft>
+                <a:spcPts val="0"/>
+              </a:spcAft>
+              <a:buClr>
+                <a:schemeClr val="lt2"/>
+              </a:buClr>
+              <a:buSzPts val="2400"/>
+              <a:buFont typeface="Arial"/>
+              <a:buNone/>
+              <a:defRPr sz="2400" b="0" i="0" u="none" strike="noStrike" cap="none">
+                <a:solidFill>
+                  <a:schemeClr val="lt2"/>
+                </a:solidFill>
+                <a:latin typeface="Arial"/>
+                <a:ea typeface="Arial"/>
+                <a:cs typeface="Arial"/>
+                <a:sym typeface="Arial"/>
+              </a:defRPr>
+            </a:lvl6pPr>
+            <a:lvl7pPr marR="0" lvl="6" algn="l" rtl="0">
+              <a:lnSpc>
+                <a:spcPct val="100000"/>
+              </a:lnSpc>
+              <a:spcBef>
+                <a:spcPts val="0"/>
+              </a:spcBef>
+              <a:spcAft>
+                <a:spcPts val="0"/>
+              </a:spcAft>
+              <a:buClr>
+                <a:schemeClr val="lt2"/>
+              </a:buClr>
+              <a:buSzPts val="2400"/>
+              <a:buFont typeface="Arial"/>
+              <a:buNone/>
+              <a:defRPr sz="2400" b="0" i="0" u="none" strike="noStrike" cap="none">
+                <a:solidFill>
+                  <a:schemeClr val="lt2"/>
+                </a:solidFill>
+                <a:latin typeface="Arial"/>
+                <a:ea typeface="Arial"/>
+                <a:cs typeface="Arial"/>
+                <a:sym typeface="Arial"/>
+              </a:defRPr>
+            </a:lvl7pPr>
+            <a:lvl8pPr marR="0" lvl="7" algn="l" rtl="0">
+              <a:lnSpc>
+                <a:spcPct val="100000"/>
+              </a:lnSpc>
+              <a:spcBef>
+                <a:spcPts val="0"/>
+              </a:spcBef>
+              <a:spcAft>
+                <a:spcPts val="0"/>
+              </a:spcAft>
+              <a:buClr>
+                <a:schemeClr val="lt2"/>
+              </a:buClr>
+              <a:buSzPts val="2400"/>
+              <a:buFont typeface="Arial"/>
+              <a:buNone/>
+              <a:defRPr sz="2400" b="0" i="0" u="none" strike="noStrike" cap="none">
+                <a:solidFill>
+                  <a:schemeClr val="lt2"/>
+                </a:solidFill>
+                <a:latin typeface="Arial"/>
+                <a:ea typeface="Arial"/>
+                <a:cs typeface="Arial"/>
+                <a:sym typeface="Arial"/>
+              </a:defRPr>
+            </a:lvl8pPr>
+            <a:lvl9pPr marR="0" lvl="8" algn="l" rtl="0">
+              <a:lnSpc>
+                <a:spcPct val="100000"/>
+              </a:lnSpc>
+              <a:spcBef>
+                <a:spcPts val="0"/>
+              </a:spcBef>
+              <a:spcAft>
+                <a:spcPts val="0"/>
+              </a:spcAft>
+              <a:buClr>
+                <a:schemeClr val="lt2"/>
+              </a:buClr>
+              <a:buSzPts val="2400"/>
+              <a:buFont typeface="Arial"/>
+              <a:buNone/>
+              <a:defRPr sz="2400" b="0" i="0" u="none" strike="noStrike" cap="none">
+                <a:solidFill>
+                  <a:schemeClr val="lt2"/>
+                </a:solidFill>
+                <a:latin typeface="Arial"/>
+                <a:ea typeface="Arial"/>
+                <a:cs typeface="Arial"/>
+                <a:sym typeface="Arial"/>
+              </a:defRPr>
+            </a:lvl9pPr>
+          </a:lstStyle>
+          <a:p>
+            <a:r>
+              <a:rPr lang="es-ES" sz="1400" dirty="0"/>
+              <a:t>Set de datos</a:t>
+            </a:r>
+          </a:p>
+        </p:txBody>
+      </p:sp>
+    </p:spTree>
+    <p:extLst>
+      <p:ext uri="{BB962C8B-B14F-4D97-AF65-F5344CB8AC3E}">
+        <p14:creationId xmlns:p14="http://schemas.microsoft.com/office/powerpoint/2010/main" val="4023519175"/>
+      </p:ext>
+    </p:extLst>
+  </p:cSld>
+  <p:clrMapOvr>
+    <a:masterClrMapping/>
+  </p:clrMapOvr>
+</p:sld>
+</file>
+
+<file path=ppt/slides/slide11.xml><?xml version="1.0" encoding="utf-8"?>
+<p:sld xmlns:a="http://schemas.openxmlformats.org/drawingml/2006/main" xmlns:r="http://schemas.openxmlformats.org/officeDocument/2006/relationships" xmlns:p="http://schemas.openxmlformats.org/presentationml/2006/main">
+  <p:cSld>
+    <p:spTree>
+      <p:nvGrpSpPr>
         <p:cNvPr id="1" name="Shape 873"/>
         <p:cNvGrpSpPr/>
         <p:nvPr/>
@@ -21824,10 +25254,10 @@
       </p:sp>
       <p:pic>
         <p:nvPicPr>
-          <p:cNvPr id="31" name="Imagen 30">
+          <p:cNvPr id="9" name="Imagen 8">
             <a:extLst>
               <a:ext uri="{FF2B5EF4-FFF2-40B4-BE49-F238E27FC236}">
-                <a16:creationId xmlns:a16="http://schemas.microsoft.com/office/drawing/2014/main" id="{7D12ADBB-DB21-4EF5-53E6-A67E74B9A458}"/>
+                <a16:creationId xmlns:a16="http://schemas.microsoft.com/office/drawing/2014/main" id="{EB87B62F-FA33-EC82-0006-A0F5072A9D9F}"/>
               </a:ext>
             </a:extLst>
           </p:cNvPr>
@@ -21844,8 +25274,8 @@
         </p:blipFill>
         <p:spPr>
           <a:xfrm>
-            <a:off x="722298" y="2197778"/>
-            <a:ext cx="3233537" cy="2838745"/>
+            <a:off x="971295" y="2318933"/>
+            <a:ext cx="2735541" cy="2401551"/>
           </a:xfrm>
           <a:prstGeom prst="rect">
             <a:avLst/>
@@ -23099,6 +26529,451 @@
 </file>
 
 <file path=ppt/slides/slide4.xml><?xml version="1.0" encoding="utf-8"?>
+<p:sld xmlns:a="http://schemas.openxmlformats.org/drawingml/2006/main" xmlns:r="http://schemas.openxmlformats.org/officeDocument/2006/relationships" xmlns:p="http://schemas.openxmlformats.org/presentationml/2006/main">
+  <p:cSld>
+    <p:spTree>
+      <p:nvGrpSpPr>
+        <p:cNvPr id="1" name="Shape 2683"/>
+        <p:cNvGrpSpPr/>
+        <p:nvPr/>
+      </p:nvGrpSpPr>
+      <p:grpSpPr>
+        <a:xfrm>
+          <a:off x="0" y="0"/>
+          <a:ext cx="0" cy="0"/>
+          <a:chOff x="0" y="0"/>
+          <a:chExt cx="0" cy="0"/>
+        </a:xfrm>
+      </p:grpSpPr>
+      <p:sp>
+        <p:nvSpPr>
+          <p:cNvPr id="15" name="Google Shape;1761;p44">
+            <a:extLst>
+              <a:ext uri="{FF2B5EF4-FFF2-40B4-BE49-F238E27FC236}">
+                <a16:creationId xmlns:a16="http://schemas.microsoft.com/office/drawing/2014/main" id="{9A1192CC-E183-C6FD-11A7-F7CC2A98DF70}"/>
+              </a:ext>
+            </a:extLst>
+          </p:cNvPr>
+          <p:cNvSpPr/>
+          <p:nvPr/>
+        </p:nvSpPr>
+        <p:spPr>
+          <a:xfrm rot="1857875">
+            <a:off x="-745847" y="4149052"/>
+            <a:ext cx="5471485" cy="3962468"/>
+          </a:xfrm>
+          <a:custGeom>
+            <a:avLst/>
+            <a:gdLst/>
+            <a:ahLst/>
+            <a:cxnLst/>
+            <a:rect l="l" t="t" r="r" b="b"/>
+            <a:pathLst>
+              <a:path w="289091" h="209526" extrusionOk="0">
+                <a:moveTo>
+                  <a:pt x="148837" y="1"/>
+                </a:moveTo>
+                <a:cubicBezTo>
+                  <a:pt x="141742" y="1"/>
+                  <a:pt x="134604" y="788"/>
+                  <a:pt x="127468" y="2165"/>
+                </a:cubicBezTo>
+                <a:cubicBezTo>
+                  <a:pt x="112941" y="4965"/>
+                  <a:pt x="100810" y="16680"/>
+                  <a:pt x="91728" y="27934"/>
+                </a:cubicBezTo>
+                <a:cubicBezTo>
+                  <a:pt x="77946" y="45017"/>
+                  <a:pt x="69297" y="65455"/>
+                  <a:pt x="55729" y="82687"/>
+                </a:cubicBezTo>
+                <a:cubicBezTo>
+                  <a:pt x="35648" y="108197"/>
+                  <a:pt x="0" y="136526"/>
+                  <a:pt x="13426" y="173189"/>
+                </a:cubicBezTo>
+                <a:cubicBezTo>
+                  <a:pt x="24129" y="202416"/>
+                  <a:pt x="56798" y="208751"/>
+                  <a:pt x="84363" y="209495"/>
+                </a:cubicBezTo>
+                <a:cubicBezTo>
+                  <a:pt x="85120" y="209515"/>
+                  <a:pt x="85871" y="209525"/>
+                  <a:pt x="86617" y="209525"/>
+                </a:cubicBezTo>
+                <a:cubicBezTo>
+                  <a:pt x="123140" y="209525"/>
+                  <a:pt x="146099" y="185464"/>
+                  <a:pt x="164640" y="185464"/>
+                </a:cubicBezTo>
+                <a:cubicBezTo>
+                  <a:pt x="178412" y="185464"/>
+                  <a:pt x="192554" y="194152"/>
+                  <a:pt x="205277" y="198540"/>
+                </a:cubicBezTo>
+                <a:cubicBezTo>
+                  <a:pt x="215369" y="202020"/>
+                  <a:pt x="226687" y="204611"/>
+                  <a:pt x="237542" y="204611"/>
+                </a:cubicBezTo>
+                <a:cubicBezTo>
+                  <a:pt x="252904" y="204611"/>
+                  <a:pt x="267337" y="199421"/>
+                  <a:pt x="276053" y="184216"/>
+                </a:cubicBezTo>
+                <a:cubicBezTo>
+                  <a:pt x="289091" y="161471"/>
+                  <a:pt x="284279" y="132895"/>
+                  <a:pt x="269440" y="112377"/>
+                </a:cubicBezTo>
+                <a:cubicBezTo>
+                  <a:pt x="253335" y="90105"/>
+                  <a:pt x="230389" y="73540"/>
+                  <a:pt x="218820" y="47928"/>
+                </a:cubicBezTo>
+                <a:cubicBezTo>
+                  <a:pt x="209910" y="28205"/>
+                  <a:pt x="199143" y="13000"/>
+                  <a:pt x="178149" y="5133"/>
+                </a:cubicBezTo>
+                <a:cubicBezTo>
+                  <a:pt x="168540" y="1532"/>
+                  <a:pt x="158730" y="1"/>
+                  <a:pt x="148837" y="1"/>
+                </a:cubicBezTo>
+                <a:close/>
+              </a:path>
+            </a:pathLst>
+          </a:custGeom>
+          <a:solidFill>
+            <a:schemeClr val="accent4"/>
+          </a:solidFill>
+          <a:ln>
+            <a:noFill/>
+          </a:ln>
+        </p:spPr>
+        <p:txBody>
+          <a:bodyPr spcFirstLastPara="1" wrap="square" lIns="91425" tIns="91425" rIns="91425" bIns="91425" anchor="ctr" anchorCtr="0">
+            <a:noAutofit/>
+          </a:bodyPr>
+          <a:lstStyle/>
+          <a:p>
+            <a:pPr marL="0" lvl="0" indent="0" algn="l" rtl="0">
+              <a:spcBef>
+                <a:spcPts val="0"/>
+              </a:spcBef>
+              <a:spcAft>
+                <a:spcPts val="0"/>
+              </a:spcAft>
+              <a:buNone/>
+            </a:pPr>
+            <a:endParaRPr/>
+          </a:p>
+        </p:txBody>
+      </p:sp>
+      <p:sp>
+        <p:nvSpPr>
+          <p:cNvPr id="2684" name="Google Shape;2684;p56"/>
+          <p:cNvSpPr txBox="1">
+            <a:spLocks noGrp="1"/>
+          </p:cNvSpPr>
+          <p:nvPr>
+            <p:ph type="title"/>
+          </p:nvPr>
+        </p:nvSpPr>
+        <p:spPr>
+          <a:xfrm>
+            <a:off x="267496" y="402381"/>
+            <a:ext cx="4865680" cy="682067"/>
+          </a:xfrm>
+          <a:prstGeom prst="rect">
+            <a:avLst/>
+          </a:prstGeom>
+        </p:spPr>
+        <p:txBody>
+          <a:bodyPr spcFirstLastPara="1" wrap="square" lIns="91425" tIns="91425" rIns="91425" bIns="91425" anchor="ctr" anchorCtr="0">
+            <a:noAutofit/>
+          </a:bodyPr>
+          <a:lstStyle/>
+          <a:p>
+            <a:pPr marL="0" lvl="0" indent="0" algn="r" rtl="0">
+              <a:spcBef>
+                <a:spcPts val="0"/>
+              </a:spcBef>
+              <a:spcAft>
+                <a:spcPts val="0"/>
+              </a:spcAft>
+              <a:buNone/>
+            </a:pPr>
+            <a:r>
+              <a:rPr lang="en" dirty="0"/>
+              <a:t>Modelo de datos</a:t>
+            </a:r>
+            <a:endParaRPr dirty="0"/>
+          </a:p>
+        </p:txBody>
+      </p:sp>
+      <p:sp>
+        <p:nvSpPr>
+          <p:cNvPr id="2685" name="Google Shape;2685;p56"/>
+          <p:cNvSpPr txBox="1">
+            <a:spLocks noGrp="1"/>
+          </p:cNvSpPr>
+          <p:nvPr>
+            <p:ph type="subTitle" idx="1"/>
+          </p:nvPr>
+        </p:nvSpPr>
+        <p:spPr>
+          <a:xfrm>
+            <a:off x="5940113" y="2188426"/>
+            <a:ext cx="3073233" cy="1167921"/>
+          </a:xfrm>
+          <a:prstGeom prst="rect">
+            <a:avLst/>
+          </a:prstGeom>
+        </p:spPr>
+        <p:txBody>
+          <a:bodyPr spcFirstLastPara="1" wrap="square" lIns="91425" tIns="91425" rIns="91425" bIns="91425" anchor="t" anchorCtr="0">
+            <a:noAutofit/>
+          </a:bodyPr>
+          <a:lstStyle/>
+          <a:p>
+            <a:pPr marL="285750" lvl="0" indent="-285750" algn="l" rtl="0">
+              <a:spcBef>
+                <a:spcPts val="0"/>
+              </a:spcBef>
+              <a:spcAft>
+                <a:spcPts val="0"/>
+              </a:spcAft>
+              <a:buFont typeface="Arial" panose="020B0604020202020204" pitchFamily="34" charset="0"/>
+              <a:buChar char="•"/>
+            </a:pPr>
+            <a:r>
+              <a:rPr lang="es-ES" dirty="0"/>
+              <a:t>Modelo en estrella</a:t>
+            </a:r>
+          </a:p>
+          <a:p>
+            <a:pPr marL="285750" lvl="0" indent="-285750" algn="l" rtl="0">
+              <a:spcBef>
+                <a:spcPts val="0"/>
+              </a:spcBef>
+              <a:spcAft>
+                <a:spcPts val="0"/>
+              </a:spcAft>
+              <a:buFont typeface="Arial" panose="020B0604020202020204" pitchFamily="34" charset="0"/>
+              <a:buChar char="•"/>
+            </a:pPr>
+            <a:r>
+              <a:rPr lang="es-ES" dirty="0"/>
+              <a:t>1 Tabla de </a:t>
+            </a:r>
+            <a:r>
+              <a:rPr lang="es-ES" dirty="0" err="1"/>
+              <a:t>facts</a:t>
+            </a:r>
+            <a:endParaRPr lang="es-ES" dirty="0"/>
+          </a:p>
+          <a:p>
+            <a:pPr marL="285750" lvl="0" indent="-285750" algn="l" rtl="0">
+              <a:spcBef>
+                <a:spcPts val="0"/>
+              </a:spcBef>
+              <a:spcAft>
+                <a:spcPts val="0"/>
+              </a:spcAft>
+              <a:buFont typeface="Arial" panose="020B0604020202020204" pitchFamily="34" charset="0"/>
+              <a:buChar char="•"/>
+            </a:pPr>
+            <a:r>
+              <a:rPr lang="es-ES" dirty="0"/>
+              <a:t>4 Tabla de dimensiones</a:t>
+            </a:r>
+            <a:endParaRPr dirty="0"/>
+          </a:p>
+          <a:p>
+            <a:pPr marL="0" lvl="0" indent="0" algn="r" rtl="0">
+              <a:spcBef>
+                <a:spcPts val="0"/>
+              </a:spcBef>
+              <a:spcAft>
+                <a:spcPts val="0"/>
+              </a:spcAft>
+              <a:buNone/>
+            </a:pPr>
+            <a:endParaRPr dirty="0"/>
+          </a:p>
+        </p:txBody>
+      </p:sp>
+      <p:pic>
+        <p:nvPicPr>
+          <p:cNvPr id="14" name="Imagen 13" descr="Interfaz de usuario gráfica, Aplicación, Teams&#10;&#10;Descripción generada automáticamente">
+            <a:extLst>
+              <a:ext uri="{FF2B5EF4-FFF2-40B4-BE49-F238E27FC236}">
+                <a16:creationId xmlns:a16="http://schemas.microsoft.com/office/drawing/2014/main" id="{DB23502E-4D10-1B64-EE52-5E5D61694412}"/>
+              </a:ext>
+            </a:extLst>
+          </p:cNvPr>
+          <p:cNvPicPr>
+            <a:picLocks noChangeAspect="1"/>
+          </p:cNvPicPr>
+          <p:nvPr/>
+        </p:nvPicPr>
+        <p:blipFill>
+          <a:blip r:embed="rId3"/>
+          <a:stretch>
+            <a:fillRect/>
+          </a:stretch>
+        </p:blipFill>
+        <p:spPr>
+          <a:xfrm>
+            <a:off x="267496" y="1362986"/>
+            <a:ext cx="5870737" cy="3378133"/>
+          </a:xfrm>
+          <a:prstGeom prst="rect">
+            <a:avLst/>
+          </a:prstGeom>
+        </p:spPr>
+      </p:pic>
+      <p:sp>
+        <p:nvSpPr>
+          <p:cNvPr id="17" name="Google Shape;1761;p44">
+            <a:extLst>
+              <a:ext uri="{FF2B5EF4-FFF2-40B4-BE49-F238E27FC236}">
+                <a16:creationId xmlns:a16="http://schemas.microsoft.com/office/drawing/2014/main" id="{31FE67A1-8409-3B08-8DE7-93AF3D09EFDB}"/>
+              </a:ext>
+            </a:extLst>
+          </p:cNvPr>
+          <p:cNvSpPr/>
+          <p:nvPr/>
+        </p:nvSpPr>
+        <p:spPr>
+          <a:xfrm rot="1857875">
+            <a:off x="5201479" y="-2147989"/>
+            <a:ext cx="5471485" cy="3962468"/>
+          </a:xfrm>
+          <a:custGeom>
+            <a:avLst/>
+            <a:gdLst/>
+            <a:ahLst/>
+            <a:cxnLst/>
+            <a:rect l="l" t="t" r="r" b="b"/>
+            <a:pathLst>
+              <a:path w="289091" h="209526" extrusionOk="0">
+                <a:moveTo>
+                  <a:pt x="148837" y="1"/>
+                </a:moveTo>
+                <a:cubicBezTo>
+                  <a:pt x="141742" y="1"/>
+                  <a:pt x="134604" y="788"/>
+                  <a:pt x="127468" y="2165"/>
+                </a:cubicBezTo>
+                <a:cubicBezTo>
+                  <a:pt x="112941" y="4965"/>
+                  <a:pt x="100810" y="16680"/>
+                  <a:pt x="91728" y="27934"/>
+                </a:cubicBezTo>
+                <a:cubicBezTo>
+                  <a:pt x="77946" y="45017"/>
+                  <a:pt x="69297" y="65455"/>
+                  <a:pt x="55729" y="82687"/>
+                </a:cubicBezTo>
+                <a:cubicBezTo>
+                  <a:pt x="35648" y="108197"/>
+                  <a:pt x="0" y="136526"/>
+                  <a:pt x="13426" y="173189"/>
+                </a:cubicBezTo>
+                <a:cubicBezTo>
+                  <a:pt x="24129" y="202416"/>
+                  <a:pt x="56798" y="208751"/>
+                  <a:pt x="84363" y="209495"/>
+                </a:cubicBezTo>
+                <a:cubicBezTo>
+                  <a:pt x="85120" y="209515"/>
+                  <a:pt x="85871" y="209525"/>
+                  <a:pt x="86617" y="209525"/>
+                </a:cubicBezTo>
+                <a:cubicBezTo>
+                  <a:pt x="123140" y="209525"/>
+                  <a:pt x="146099" y="185464"/>
+                  <a:pt x="164640" y="185464"/>
+                </a:cubicBezTo>
+                <a:cubicBezTo>
+                  <a:pt x="178412" y="185464"/>
+                  <a:pt x="192554" y="194152"/>
+                  <a:pt x="205277" y="198540"/>
+                </a:cubicBezTo>
+                <a:cubicBezTo>
+                  <a:pt x="215369" y="202020"/>
+                  <a:pt x="226687" y="204611"/>
+                  <a:pt x="237542" y="204611"/>
+                </a:cubicBezTo>
+                <a:cubicBezTo>
+                  <a:pt x="252904" y="204611"/>
+                  <a:pt x="267337" y="199421"/>
+                  <a:pt x="276053" y="184216"/>
+                </a:cubicBezTo>
+                <a:cubicBezTo>
+                  <a:pt x="289091" y="161471"/>
+                  <a:pt x="284279" y="132895"/>
+                  <a:pt x="269440" y="112377"/>
+                </a:cubicBezTo>
+                <a:cubicBezTo>
+                  <a:pt x="253335" y="90105"/>
+                  <a:pt x="230389" y="73540"/>
+                  <a:pt x="218820" y="47928"/>
+                </a:cubicBezTo>
+                <a:cubicBezTo>
+                  <a:pt x="209910" y="28205"/>
+                  <a:pt x="199143" y="13000"/>
+                  <a:pt x="178149" y="5133"/>
+                </a:cubicBezTo>
+                <a:cubicBezTo>
+                  <a:pt x="168540" y="1532"/>
+                  <a:pt x="158730" y="1"/>
+                  <a:pt x="148837" y="1"/>
+                </a:cubicBezTo>
+                <a:close/>
+              </a:path>
+            </a:pathLst>
+          </a:custGeom>
+          <a:solidFill>
+            <a:schemeClr val="accent4"/>
+          </a:solidFill>
+          <a:ln>
+            <a:noFill/>
+          </a:ln>
+        </p:spPr>
+        <p:txBody>
+          <a:bodyPr spcFirstLastPara="1" wrap="square" lIns="91425" tIns="91425" rIns="91425" bIns="91425" anchor="ctr" anchorCtr="0">
+            <a:noAutofit/>
+          </a:bodyPr>
+          <a:lstStyle/>
+          <a:p>
+            <a:pPr marL="0" lvl="0" indent="0" algn="l" rtl="0">
+              <a:spcBef>
+                <a:spcPts val="0"/>
+              </a:spcBef>
+              <a:spcAft>
+                <a:spcPts val="0"/>
+              </a:spcAft>
+              <a:buNone/>
+            </a:pPr>
+            <a:endParaRPr/>
+          </a:p>
+        </p:txBody>
+      </p:sp>
+    </p:spTree>
+  </p:cSld>
+  <p:clrMapOvr>
+    <a:masterClrMapping/>
+  </p:clrMapOvr>
+</p:sld>
+</file>
+
+<file path=ppt/slides/slide5.xml><?xml version="1.0" encoding="utf-8"?>
 <p:sld xmlns:a="http://schemas.openxmlformats.org/drawingml/2006/main" xmlns:r="http://schemas.openxmlformats.org/officeDocument/2006/relationships" xmlns:p="http://schemas.openxmlformats.org/presentationml/2006/main">
   <p:cSld>
     <p:spTree>
@@ -24533,7 +28408,7 @@
 </p:sld>
 </file>
 
-<file path=ppt/slides/slide5.xml><?xml version="1.0" encoding="utf-8"?>
+<file path=ppt/slides/slide6.xml><?xml version="1.0" encoding="utf-8"?>
 <p:sld xmlns:a="http://schemas.openxmlformats.org/drawingml/2006/main" xmlns:r="http://schemas.openxmlformats.org/officeDocument/2006/relationships" xmlns:p="http://schemas.openxmlformats.org/presentationml/2006/main">
   <p:cSld>
     <p:spTree>
@@ -27577,7 +31452,7 @@
 </p:sld>
 </file>
 
-<file path=ppt/slides/slide6.xml><?xml version="1.0" encoding="utf-8"?>
+<file path=ppt/slides/slide7.xml><?xml version="1.0" encoding="utf-8"?>
 <p:sld xmlns:a="http://schemas.openxmlformats.org/drawingml/2006/main" xmlns:r="http://schemas.openxmlformats.org/officeDocument/2006/relationships" xmlns:p="http://schemas.openxmlformats.org/presentationml/2006/main">
   <p:cSld>
     <p:spTree>
@@ -30481,7 +34356,7 @@
 </p:sld>
 </file>
 
-<file path=ppt/slides/slide7.xml><?xml version="1.0" encoding="utf-8"?>
+<file path=ppt/slides/slide8.xml><?xml version="1.0" encoding="utf-8"?>
 <p:sld xmlns:a="http://schemas.openxmlformats.org/drawingml/2006/main" xmlns:r="http://schemas.openxmlformats.org/officeDocument/2006/relationships" xmlns:p="http://schemas.openxmlformats.org/presentationml/2006/main">
   <p:cSld>
     <p:spTree>
@@ -43319,7 +47194,7 @@
         </p:nvSpPr>
         <p:spPr>
           <a:xfrm>
-            <a:off x="6957950" y="2661975"/>
+            <a:off x="7091899" y="1251699"/>
             <a:ext cx="1471800" cy="1055490"/>
           </a:xfrm>
           <a:prstGeom prst="rect">
@@ -43377,7 +47252,7 @@
         </p:nvSpPr>
         <p:spPr>
           <a:xfrm>
-            <a:off x="6957954" y="2297475"/>
+            <a:off x="7091903" y="887199"/>
             <a:ext cx="1808400" cy="539700"/>
           </a:xfrm>
           <a:prstGeom prst="rect">
@@ -43478,14 +47353,13 @@
           <p:nvPr/>
         </p:nvCxnSpPr>
         <p:spPr>
-          <a:xfrm flipH="1">
-            <a:off x="5471754" y="2567325"/>
-            <a:ext cx="1486200" cy="556800"/>
+          <a:xfrm rot="10800000" flipV="1">
+            <a:off x="5458061" y="1157048"/>
+            <a:ext cx="1633842" cy="1584453"/>
           </a:xfrm>
-          <a:prstGeom prst="bentConnector4">
+          <a:prstGeom prst="bentConnector3">
             <a:avLst>
-              <a:gd name="adj1" fmla="val 35690"/>
-              <a:gd name="adj2" fmla="val 99915"/>
+              <a:gd name="adj1" fmla="val 50000"/>
             </a:avLst>
           </a:prstGeom>
           <a:noFill/>
@@ -43500,332 +47374,48 @@
           </a:ln>
         </p:spPr>
       </p:cxnSp>
-    </p:spTree>
-  </p:cSld>
-  <p:clrMapOvr>
-    <a:masterClrMapping/>
-  </p:clrMapOvr>
-</p:sld>
-</file>
-
-<file path=ppt/slides/slide8.xml><?xml version="1.0" encoding="utf-8"?>
-<p:sld xmlns:a="http://schemas.openxmlformats.org/drawingml/2006/main" xmlns:r="http://schemas.openxmlformats.org/officeDocument/2006/relationships" xmlns:p="http://schemas.openxmlformats.org/presentationml/2006/main">
-  <p:cSld>
-    <p:spTree>
-      <p:nvGrpSpPr>
-        <p:cNvPr id="1" name="Shape 1905"/>
-        <p:cNvGrpSpPr/>
-        <p:nvPr/>
-      </p:nvGrpSpPr>
-      <p:grpSpPr>
-        <a:xfrm>
-          <a:off x="0" y="0"/>
-          <a:ext cx="0" cy="0"/>
-          <a:chOff x="0" y="0"/>
-          <a:chExt cx="0" cy="0"/>
-        </a:xfrm>
-      </p:grpSpPr>
-      <p:sp>
-        <p:nvSpPr>
-          <p:cNvPr id="1906" name="Google Shape;1906;p47"/>
-          <p:cNvSpPr txBox="1">
-            <a:spLocks noGrp="1"/>
-          </p:cNvSpPr>
-          <p:nvPr>
-            <p:ph type="title"/>
-          </p:nvPr>
-        </p:nvSpPr>
-        <p:spPr>
-          <a:xfrm>
-            <a:off x="626625" y="338175"/>
-            <a:ext cx="6084000" cy="539700"/>
-          </a:xfrm>
-          <a:prstGeom prst="rect">
-            <a:avLst/>
-          </a:prstGeom>
-        </p:spPr>
-        <p:txBody>
-          <a:bodyPr spcFirstLastPara="1" wrap="square" lIns="91425" tIns="91425" rIns="91425" bIns="91425" anchor="t" anchorCtr="0">
-            <a:noAutofit/>
-          </a:bodyPr>
-          <a:lstStyle/>
-          <a:p>
-            <a:pPr marL="0" lvl="0" indent="0" algn="l" rtl="0">
-              <a:spcBef>
-                <a:spcPts val="0"/>
-              </a:spcBef>
-              <a:spcAft>
-                <a:spcPts val="0"/>
-              </a:spcAft>
-              <a:buNone/>
-            </a:pPr>
-            <a:r>
-              <a:rPr lang="en" dirty="0"/>
-              <a:t>Pre entreno</a:t>
-            </a:r>
-            <a:endParaRPr dirty="0"/>
-          </a:p>
-        </p:txBody>
-      </p:sp>
-      <p:sp>
-        <p:nvSpPr>
-          <p:cNvPr id="1913" name="Google Shape;1913;p47"/>
-          <p:cNvSpPr/>
-          <p:nvPr/>
-        </p:nvSpPr>
-        <p:spPr>
-          <a:xfrm>
-            <a:off x="626625" y="1150924"/>
-            <a:ext cx="3608945" cy="3654401"/>
-          </a:xfrm>
-          <a:prstGeom prst="rect">
-            <a:avLst/>
-          </a:prstGeom>
-          <a:gradFill>
-            <a:gsLst>
-              <a:gs pos="0">
-                <a:srgbClr val="8BE3FF"/>
-              </a:gs>
-              <a:gs pos="100000">
-                <a:srgbClr val="ACFFD9"/>
-              </a:gs>
-            </a:gsLst>
-            <a:lin ang="5400700" scaled="0"/>
-          </a:gradFill>
-          <a:ln>
-            <a:noFill/>
-          </a:ln>
-        </p:spPr>
-        <p:txBody>
-          <a:bodyPr spcFirstLastPara="1" wrap="square" lIns="91425" tIns="91425" rIns="91425" bIns="91425" anchor="ctr" anchorCtr="0">
-            <a:noAutofit/>
-          </a:bodyPr>
-          <a:lstStyle/>
-          <a:p>
-            <a:pPr marL="0" lvl="0" indent="0" algn="l" rtl="0">
-              <a:spcBef>
-                <a:spcPts val="0"/>
-              </a:spcBef>
-              <a:spcAft>
-                <a:spcPts val="0"/>
-              </a:spcAft>
-              <a:buNone/>
-            </a:pPr>
-            <a:endParaRPr dirty="0"/>
-          </a:p>
-        </p:txBody>
-      </p:sp>
-      <p:sp>
-        <p:nvSpPr>
-          <p:cNvPr id="1916" name="Google Shape;1916;p47"/>
-          <p:cNvSpPr txBox="1">
-            <a:spLocks noGrp="1"/>
-          </p:cNvSpPr>
-          <p:nvPr>
-            <p:ph type="body" idx="4294967295"/>
-          </p:nvPr>
-        </p:nvSpPr>
-        <p:spPr>
-          <a:xfrm>
-            <a:off x="783544" y="1904973"/>
-            <a:ext cx="3295106" cy="2767620"/>
-          </a:xfrm>
-          <a:prstGeom prst="rect">
-            <a:avLst/>
-          </a:prstGeom>
-        </p:spPr>
-        <p:txBody>
-          <a:bodyPr spcFirstLastPara="1" wrap="square" lIns="91425" tIns="91425" rIns="91425" bIns="91425" anchor="t" anchorCtr="0">
-            <a:noAutofit/>
-          </a:bodyPr>
-          <a:lstStyle/>
-          <a:p>
-            <a:pPr marL="139700" lvl="0" indent="0" algn="l" rtl="0">
-              <a:spcBef>
-                <a:spcPts val="0"/>
-              </a:spcBef>
-              <a:spcAft>
-                <a:spcPts val="0"/>
-              </a:spcAft>
-              <a:buSzPts val="1400"/>
-              <a:buNone/>
-            </a:pPr>
-            <a:r>
-              <a:rPr lang="es-ES" sz="1400" dirty="0"/>
-              <a:t>Para el escalado usamos el algoritmo </a:t>
-            </a:r>
-            <a:r>
-              <a:rPr lang="es-ES" sz="1400" dirty="0" err="1"/>
-              <a:t>MinMaxScaler</a:t>
-            </a:r>
-            <a:r>
-              <a:rPr lang="es-ES" sz="1400" dirty="0"/>
-              <a:t>.</a:t>
-            </a:r>
-          </a:p>
-          <a:p>
-            <a:pPr marL="139700" lvl="0" indent="0" algn="l" rtl="0">
-              <a:spcBef>
-                <a:spcPts val="0"/>
-              </a:spcBef>
-              <a:spcAft>
-                <a:spcPts val="0"/>
-              </a:spcAft>
-              <a:buSzPts val="1400"/>
-              <a:buNone/>
-            </a:pPr>
-            <a:endParaRPr lang="es-ES" sz="1400" dirty="0"/>
-          </a:p>
-          <a:p>
-            <a:pPr marL="139700" lvl="0" indent="0" algn="l" rtl="0">
-              <a:spcBef>
-                <a:spcPts val="0"/>
-              </a:spcBef>
-              <a:spcAft>
-                <a:spcPts val="0"/>
-              </a:spcAft>
-              <a:buSzPts val="1400"/>
-              <a:buNone/>
-            </a:pPr>
-            <a:r>
-              <a:rPr lang="es-ES" sz="1400" dirty="0"/>
-              <a:t>Este ajusta los datos para que en cada columna el valor mínimo pase a ser 0 y el máximo a 1.</a:t>
-            </a:r>
-          </a:p>
-          <a:p>
-            <a:pPr marL="139700" lvl="0" indent="0" algn="l" rtl="0">
-              <a:spcBef>
-                <a:spcPts val="0"/>
-              </a:spcBef>
-              <a:spcAft>
-                <a:spcPts val="0"/>
-              </a:spcAft>
-              <a:buSzPts val="1400"/>
-              <a:buNone/>
-            </a:pPr>
-            <a:endParaRPr lang="es-ES" sz="1400" dirty="0"/>
-          </a:p>
-          <a:p>
-            <a:pPr marL="139700" lvl="0" indent="0" algn="l" rtl="0">
-              <a:spcBef>
-                <a:spcPts val="0"/>
-              </a:spcBef>
-              <a:spcAft>
-                <a:spcPts val="0"/>
-              </a:spcAft>
-              <a:buSzPts val="1400"/>
-              <a:buNone/>
-            </a:pPr>
-            <a:r>
-              <a:rPr lang="es-ES" sz="1400" dirty="0"/>
-              <a:t>Usamos este debido a que no tenemos valores negativos ni presentan una distribución gaussiana.</a:t>
-            </a:r>
-            <a:endParaRPr sz="1400" dirty="0"/>
-          </a:p>
-        </p:txBody>
-      </p:sp>
-      <p:sp>
-        <p:nvSpPr>
-          <p:cNvPr id="1917" name="Google Shape;1917;p47"/>
-          <p:cNvSpPr txBox="1">
-            <a:spLocks noGrp="1"/>
-          </p:cNvSpPr>
-          <p:nvPr>
-            <p:ph type="title"/>
-          </p:nvPr>
-        </p:nvSpPr>
-        <p:spPr>
-          <a:xfrm>
-            <a:off x="901800" y="1254225"/>
-            <a:ext cx="2351333" cy="377700"/>
-          </a:xfrm>
-          <a:prstGeom prst="rect">
-            <a:avLst/>
-          </a:prstGeom>
-        </p:spPr>
-        <p:txBody>
-          <a:bodyPr spcFirstLastPara="1" wrap="square" lIns="91425" tIns="91425" rIns="91425" bIns="91425" anchor="t" anchorCtr="0">
-            <a:noAutofit/>
-          </a:bodyPr>
-          <a:lstStyle/>
-          <a:p>
-            <a:pPr marL="0" lvl="0" indent="0" algn="l" rtl="0">
-              <a:spcBef>
-                <a:spcPts val="0"/>
-              </a:spcBef>
-              <a:spcAft>
-                <a:spcPts val="0"/>
-              </a:spcAft>
-              <a:buNone/>
-            </a:pPr>
-            <a:r>
-              <a:rPr lang="en" sz="1400" dirty="0"/>
-              <a:t>Escalado – MinMaxScaler</a:t>
-            </a:r>
-            <a:endParaRPr sz="1400" dirty="0"/>
-          </a:p>
-        </p:txBody>
-      </p:sp>
-      <p:sp>
-        <p:nvSpPr>
-          <p:cNvPr id="8" name="Google Shape;1913;p47">
+      <p:cxnSp>
+        <p:nvCxnSpPr>
+          <p:cNvPr id="7" name="Google Shape;1463;p41">
             <a:extLst>
               <a:ext uri="{FF2B5EF4-FFF2-40B4-BE49-F238E27FC236}">
-                <a16:creationId xmlns:a16="http://schemas.microsoft.com/office/drawing/2014/main" id="{F27C8CFF-FB02-0562-DB3E-B1B966E72F0E}"/>
+                <a16:creationId xmlns:a16="http://schemas.microsoft.com/office/drawing/2014/main" id="{DCD91FBC-79E5-0FB7-CB44-1CF4F74641F0}"/>
               </a:ext>
             </a:extLst>
           </p:cNvPr>
-          <p:cNvSpPr/>
+          <p:cNvCxnSpPr>
+            <a:cxnSpLocks/>
+          </p:cNvCxnSpPr>
           <p:nvPr/>
-        </p:nvSpPr>
+        </p:nvCxnSpPr>
         <p:spPr>
-          <a:xfrm>
-            <a:off x="4908432" y="1150924"/>
-            <a:ext cx="3608945" cy="3654401"/>
+          <a:xfrm rot="10800000">
+            <a:off x="5473904" y="3126915"/>
+            <a:ext cx="1515979" cy="110371"/>
           </a:xfrm>
-          <a:prstGeom prst="rect">
-            <a:avLst/>
+          <a:prstGeom prst="bentConnector3">
+            <a:avLst>
+              <a:gd name="adj1" fmla="val 50000"/>
+            </a:avLst>
           </a:prstGeom>
-          <a:gradFill>
-            <a:gsLst>
-              <a:gs pos="0">
-                <a:srgbClr val="8BE3FF"/>
-              </a:gs>
-              <a:gs pos="100000">
-                <a:srgbClr val="ACFFD9"/>
-              </a:gs>
-            </a:gsLst>
-            <a:lin ang="5400700" scaled="0"/>
-          </a:gradFill>
-          <a:ln>
-            <a:noFill/>
+          <a:noFill/>
+          <a:ln w="19050" cap="flat" cmpd="sng">
+            <a:solidFill>
+              <a:schemeClr val="accent1"/>
+            </a:solidFill>
+            <a:prstDash val="solid"/>
+            <a:round/>
+            <a:headEnd type="oval" w="med" len="med"/>
+            <a:tailEnd type="oval" w="med" len="med"/>
           </a:ln>
         </p:spPr>
-        <p:txBody>
-          <a:bodyPr spcFirstLastPara="1" wrap="square" lIns="91425" tIns="91425" rIns="91425" bIns="91425" anchor="ctr" anchorCtr="0">
-            <a:noAutofit/>
-          </a:bodyPr>
-          <a:lstStyle/>
-          <a:p>
-            <a:pPr marL="0" lvl="0" indent="0" algn="l" rtl="0">
-              <a:spcBef>
-                <a:spcPts val="0"/>
-              </a:spcBef>
-              <a:spcAft>
-                <a:spcPts val="0"/>
-              </a:spcAft>
-              <a:buNone/>
-            </a:pPr>
-            <a:endParaRPr dirty="0"/>
-          </a:p>
-        </p:txBody>
-      </p:sp>
+      </p:cxnSp>
       <p:sp>
         <p:nvSpPr>
-          <p:cNvPr id="9" name="Google Shape;1916;p47">
+          <p:cNvPr id="10" name="Google Shape;1457;p41">
             <a:extLst>
               <a:ext uri="{FF2B5EF4-FFF2-40B4-BE49-F238E27FC236}">
-                <a16:creationId xmlns:a16="http://schemas.microsoft.com/office/drawing/2014/main" id="{F0F6D407-A607-6562-C58C-D10785E5F0CB}"/>
+                <a16:creationId xmlns:a16="http://schemas.microsoft.com/office/drawing/2014/main" id="{9DB2D0D2-E5CC-5089-12D6-4DFE458751F8}"/>
               </a:ext>
             </a:extLst>
           </p:cNvPr>
@@ -43836,8 +47426,8 @@
         </p:nvSpPr>
         <p:spPr>
           <a:xfrm>
-            <a:off x="5065351" y="1904973"/>
-            <a:ext cx="3295106" cy="2767620"/>
+            <a:off x="7165424" y="3416880"/>
+            <a:ext cx="1647920" cy="1055490"/>
           </a:xfrm>
           <a:prstGeom prst="rect">
             <a:avLst/>
@@ -44099,62 +47689,36 @@
             </a:lvl9pPr>
           </a:lstStyle>
           <a:p>
-            <a:pPr marL="139700" indent="0">
-              <a:buSzPts val="1400"/>
+            <a:pPr marL="0" indent="0">
+              <a:spcAft>
+                <a:spcPts val="1600"/>
+              </a:spcAft>
               <a:buFont typeface="DM Sans"/>
               <a:buNone/>
             </a:pPr>
             <a:r>
               <a:rPr lang="es-ES" sz="1400" dirty="0"/>
-              <a:t>Para la reducción de la dimensionalidad usamos el algoritmo LDA.</a:t>
+              <a:t>Confirmar la disponibilidad de las credenciales AWS necesarias </a:t>
             </a:r>
           </a:p>
           <a:p>
-            <a:pPr marL="139700" indent="0">
-              <a:buSzPts val="1400"/>
+            <a:pPr marL="0" indent="0">
+              <a:spcAft>
+                <a:spcPts val="1600"/>
+              </a:spcAft>
               <a:buFont typeface="DM Sans"/>
               <a:buNone/>
             </a:pPr>
-            <a:endParaRPr lang="es-ES" sz="1400" dirty="0"/>
-          </a:p>
-          <a:p>
-            <a:pPr marL="139700" indent="0">
-              <a:buSzPts val="1400"/>
-              <a:buFont typeface="DM Sans"/>
-              <a:buNone/>
-            </a:pPr>
-            <a:r>
-              <a:rPr lang="es-ES" sz="1400" dirty="0"/>
-              <a:t>Redujimos de 72 a 6 columnas, manteniendo el 100% de la información.</a:t>
-            </a:r>
-          </a:p>
-          <a:p>
-            <a:pPr marL="139700" indent="0">
-              <a:buSzPts val="1400"/>
-              <a:buFont typeface="DM Sans"/>
-              <a:buNone/>
-            </a:pPr>
-            <a:endParaRPr lang="es-ES" sz="1400" dirty="0"/>
-          </a:p>
-          <a:p>
-            <a:pPr marL="139700" indent="0">
-              <a:buSzPts val="1400"/>
-              <a:buFont typeface="DM Sans"/>
-              <a:buNone/>
-            </a:pPr>
-            <a:r>
-              <a:rPr lang="es-ES" sz="1400" dirty="0"/>
-              <a:t>Escogimos el LDA debido a que es un algoritmo que se adapta a la clasificación multiclase.</a:t>
-            </a:r>
+            <a:endParaRPr lang="en" sz="1400" dirty="0"/>
           </a:p>
         </p:txBody>
       </p:sp>
       <p:sp>
         <p:nvSpPr>
-          <p:cNvPr id="10" name="Google Shape;1917;p47">
+          <p:cNvPr id="11" name="Google Shape;1458;p41">
             <a:extLst>
               <a:ext uri="{FF2B5EF4-FFF2-40B4-BE49-F238E27FC236}">
-                <a16:creationId xmlns:a16="http://schemas.microsoft.com/office/drawing/2014/main" id="{CEC967E9-8595-0E9E-72D8-3FFF291B02BC}"/>
+                <a16:creationId xmlns:a16="http://schemas.microsoft.com/office/drawing/2014/main" id="{57615246-93DC-3FE1-751B-50B230E87994}"/>
               </a:ext>
             </a:extLst>
           </p:cNvPr>
@@ -44165,8 +47729,8 @@
         </p:nvSpPr>
         <p:spPr>
           <a:xfrm>
-            <a:off x="5183607" y="1254225"/>
-            <a:ext cx="2351333" cy="377700"/>
+            <a:off x="7172764" y="3051907"/>
+            <a:ext cx="1808400" cy="539700"/>
           </a:xfrm>
           <a:prstGeom prst="rect">
             <a:avLst/>
@@ -44205,10 +47769,10 @@
               <a:buClr>
                 <a:schemeClr val="lt2"/>
               </a:buClr>
-              <a:buSzPts val="2400"/>
+              <a:buSzPts val="2800"/>
               <a:buFont typeface="Viga"/>
               <a:buNone/>
-              <a:defRPr sz="2400" b="0" i="0" u="none" strike="noStrike" cap="none">
+              <a:defRPr sz="2800" b="0" i="0" u="none" strike="noStrike" cap="none">
                 <a:solidFill>
                   <a:schemeClr val="lt2"/>
                 </a:solidFill>
@@ -44231,10 +47795,10 @@
               <a:buClr>
                 <a:schemeClr val="lt2"/>
               </a:buClr>
-              <a:buSzPts val="2400"/>
+              <a:buSzPts val="2800"/>
               <a:buFont typeface="Arial"/>
               <a:buNone/>
-              <a:defRPr sz="2400" b="0" i="0" u="none" strike="noStrike" cap="none">
+              <a:defRPr sz="2800" b="0" i="0" u="none" strike="noStrike" cap="none">
                 <a:solidFill>
                   <a:schemeClr val="lt2"/>
                 </a:solidFill>
@@ -44257,10 +47821,10 @@
               <a:buClr>
                 <a:schemeClr val="lt2"/>
               </a:buClr>
-              <a:buSzPts val="2400"/>
+              <a:buSzPts val="2800"/>
               <a:buFont typeface="Arial"/>
               <a:buNone/>
-              <a:defRPr sz="2400" b="0" i="0" u="none" strike="noStrike" cap="none">
+              <a:defRPr sz="2800" b="0" i="0" u="none" strike="noStrike" cap="none">
                 <a:solidFill>
                   <a:schemeClr val="lt2"/>
                 </a:solidFill>
@@ -44283,10 +47847,10 @@
               <a:buClr>
                 <a:schemeClr val="lt2"/>
               </a:buClr>
-              <a:buSzPts val="2400"/>
+              <a:buSzPts val="2800"/>
               <a:buFont typeface="Arial"/>
               <a:buNone/>
-              <a:defRPr sz="2400" b="0" i="0" u="none" strike="noStrike" cap="none">
+              <a:defRPr sz="2800" b="0" i="0" u="none" strike="noStrike" cap="none">
                 <a:solidFill>
                   <a:schemeClr val="lt2"/>
                 </a:solidFill>
@@ -44309,10 +47873,10 @@
               <a:buClr>
                 <a:schemeClr val="lt2"/>
               </a:buClr>
-              <a:buSzPts val="2400"/>
+              <a:buSzPts val="2800"/>
               <a:buFont typeface="Arial"/>
               <a:buNone/>
-              <a:defRPr sz="2400" b="0" i="0" u="none" strike="noStrike" cap="none">
+              <a:defRPr sz="2800" b="0" i="0" u="none" strike="noStrike" cap="none">
                 <a:solidFill>
                   <a:schemeClr val="lt2"/>
                 </a:solidFill>
@@ -44335,10 +47899,10 @@
               <a:buClr>
                 <a:schemeClr val="lt2"/>
               </a:buClr>
-              <a:buSzPts val="2400"/>
+              <a:buSzPts val="2800"/>
               <a:buFont typeface="Arial"/>
               <a:buNone/>
-              <a:defRPr sz="2400" b="0" i="0" u="none" strike="noStrike" cap="none">
+              <a:defRPr sz="2800" b="0" i="0" u="none" strike="noStrike" cap="none">
                 <a:solidFill>
                   <a:schemeClr val="lt2"/>
                 </a:solidFill>
@@ -44361,10 +47925,10 @@
               <a:buClr>
                 <a:schemeClr val="lt2"/>
               </a:buClr>
-              <a:buSzPts val="2400"/>
+              <a:buSzPts val="2800"/>
               <a:buFont typeface="Arial"/>
               <a:buNone/>
-              <a:defRPr sz="2400" b="0" i="0" u="none" strike="noStrike" cap="none">
+              <a:defRPr sz="2800" b="0" i="0" u="none" strike="noStrike" cap="none">
                 <a:solidFill>
                   <a:schemeClr val="lt2"/>
                 </a:solidFill>
@@ -44387,10 +47951,10 @@
               <a:buClr>
                 <a:schemeClr val="lt2"/>
               </a:buClr>
-              <a:buSzPts val="2400"/>
+              <a:buSzPts val="2800"/>
               <a:buFont typeface="Arial"/>
               <a:buNone/>
-              <a:defRPr sz="2400" b="0" i="0" u="none" strike="noStrike" cap="none">
+              <a:defRPr sz="2800" b="0" i="0" u="none" strike="noStrike" cap="none">
                 <a:solidFill>
                   <a:schemeClr val="lt2"/>
                 </a:solidFill>
@@ -44413,10 +47977,10 @@
               <a:buClr>
                 <a:schemeClr val="lt2"/>
               </a:buClr>
-              <a:buSzPts val="2400"/>
+              <a:buSzPts val="2800"/>
               <a:buFont typeface="Arial"/>
               <a:buNone/>
-              <a:defRPr sz="2400" b="0" i="0" u="none" strike="noStrike" cap="none">
+              <a:defRPr sz="2800" b="0" i="0" u="none" strike="noStrike" cap="none">
                 <a:solidFill>
                   <a:schemeClr val="lt2"/>
                 </a:solidFill>
@@ -44429,16 +47993,8 @@
           </a:lstStyle>
           <a:p>
             <a:r>
-              <a:rPr lang="es-ES" sz="1400" dirty="0"/>
-              <a:t>Reducción de </a:t>
-            </a:r>
-            <a:r>
-              <a:rPr lang="es-ES" sz="1400" dirty="0" err="1"/>
-              <a:t>Dim</a:t>
-            </a:r>
-            <a:r>
-              <a:rPr lang="es-ES" sz="1400" dirty="0"/>
-              <a:t>. - LDA</a:t>
+              <a:rPr lang="es-ES" sz="1800" dirty="0"/>
+              <a:t>Credenciales</a:t>
             </a:r>
           </a:p>
         </p:txBody>
@@ -44456,7 +48012,7 @@
   <p:cSld>
     <p:spTree>
       <p:nvGrpSpPr>
-        <p:cNvPr id="1" name="Shape 1905"/>
+        <p:cNvPr id="1" name="Shape 2987"/>
         <p:cNvGrpSpPr/>
         <p:nvPr/>
       </p:nvGrpSpPr>
@@ -44470,115 +48026,7 @@
       </p:grpSpPr>
       <p:sp>
         <p:nvSpPr>
-          <p:cNvPr id="7" name="Google Shape;1913;p47">
-            <a:extLst>
-              <a:ext uri="{FF2B5EF4-FFF2-40B4-BE49-F238E27FC236}">
-                <a16:creationId xmlns:a16="http://schemas.microsoft.com/office/drawing/2014/main" id="{269C1FDB-97F9-E805-0BAF-0F16F67AD702}"/>
-              </a:ext>
-            </a:extLst>
-          </p:cNvPr>
-          <p:cNvSpPr/>
-          <p:nvPr/>
-        </p:nvSpPr>
-        <p:spPr>
-          <a:xfrm>
-            <a:off x="222769" y="877875"/>
-            <a:ext cx="2738512" cy="3969923"/>
-          </a:xfrm>
-          <a:prstGeom prst="rect">
-            <a:avLst/>
-          </a:prstGeom>
-          <a:gradFill>
-            <a:gsLst>
-              <a:gs pos="0">
-                <a:srgbClr val="8BE3FF"/>
-              </a:gs>
-              <a:gs pos="100000">
-                <a:srgbClr val="ACFFD9"/>
-              </a:gs>
-            </a:gsLst>
-            <a:lin ang="5400700" scaled="0"/>
-          </a:gradFill>
-          <a:ln>
-            <a:noFill/>
-          </a:ln>
-        </p:spPr>
-        <p:txBody>
-          <a:bodyPr spcFirstLastPara="1" wrap="square" lIns="91425" tIns="91425" rIns="91425" bIns="91425" anchor="ctr" anchorCtr="0">
-            <a:noAutofit/>
-          </a:bodyPr>
-          <a:lstStyle/>
-          <a:p>
-            <a:pPr marL="0" lvl="0" indent="0" algn="l" rtl="0">
-              <a:spcBef>
-                <a:spcPts val="0"/>
-              </a:spcBef>
-              <a:spcAft>
-                <a:spcPts val="0"/>
-              </a:spcAft>
-              <a:buNone/>
-            </a:pPr>
-            <a:endParaRPr dirty="0"/>
-          </a:p>
-        </p:txBody>
-      </p:sp>
-      <p:sp>
-        <p:nvSpPr>
-          <p:cNvPr id="11" name="Google Shape;1913;p47">
-            <a:extLst>
-              <a:ext uri="{FF2B5EF4-FFF2-40B4-BE49-F238E27FC236}">
-                <a16:creationId xmlns:a16="http://schemas.microsoft.com/office/drawing/2014/main" id="{82F790A1-3E63-B0E3-6A64-8C867276F465}"/>
-              </a:ext>
-            </a:extLst>
-          </p:cNvPr>
-          <p:cNvSpPr/>
-          <p:nvPr/>
-        </p:nvSpPr>
-        <p:spPr>
-          <a:xfrm>
-            <a:off x="6173992" y="877875"/>
-            <a:ext cx="2738512" cy="3969923"/>
-          </a:xfrm>
-          <a:prstGeom prst="rect">
-            <a:avLst/>
-          </a:prstGeom>
-          <a:gradFill>
-            <a:gsLst>
-              <a:gs pos="0">
-                <a:srgbClr val="8BE3FF"/>
-              </a:gs>
-              <a:gs pos="100000">
-                <a:srgbClr val="ACFFD9"/>
-              </a:gs>
-            </a:gsLst>
-            <a:lin ang="5400700" scaled="0"/>
-          </a:gradFill>
-          <a:ln>
-            <a:noFill/>
-          </a:ln>
-        </p:spPr>
-        <p:txBody>
-          <a:bodyPr spcFirstLastPara="1" wrap="square" lIns="91425" tIns="91425" rIns="91425" bIns="91425" anchor="ctr" anchorCtr="0">
-            <a:noAutofit/>
-          </a:bodyPr>
-          <a:lstStyle/>
-          <a:p>
-            <a:pPr marL="0" lvl="0" indent="0" algn="l" rtl="0">
-              <a:spcBef>
-                <a:spcPts val="0"/>
-              </a:spcBef>
-              <a:spcAft>
-                <a:spcPts val="0"/>
-              </a:spcAft>
-              <a:buNone/>
-            </a:pPr>
-            <a:endParaRPr dirty="0"/>
-          </a:p>
-        </p:txBody>
-      </p:sp>
-      <p:sp>
-        <p:nvSpPr>
-          <p:cNvPr id="1906" name="Google Shape;1906;p47"/>
+          <p:cNvPr id="2988" name="Google Shape;2988;p61"/>
           <p:cNvSpPr txBox="1">
             <a:spLocks noGrp="1"/>
           </p:cNvSpPr>
@@ -44591,9 +48039,6 @@
             <a:off x="626625" y="338175"/>
             <a:ext cx="6084000" cy="539700"/>
           </a:xfrm>
-          <a:prstGeom prst="rect">
-            <a:avLst/>
-          </a:prstGeom>
         </p:spPr>
         <p:txBody>
           <a:bodyPr spcFirstLastPara="1" wrap="square" lIns="91425" tIns="91425" rIns="91425" bIns="91425" anchor="t" anchorCtr="0">
@@ -44601,207 +48046,354 @@
           </a:bodyPr>
           <a:lstStyle/>
           <a:p>
-            <a:pPr marL="0" lvl="0" indent="0" algn="l" rtl="0">
-              <a:spcBef>
-                <a:spcPts val="0"/>
-              </a:spcBef>
-              <a:spcAft>
-                <a:spcPts val="0"/>
-              </a:spcAft>
-              <a:buNone/>
-            </a:pPr>
+            <a:pPr lvl="0"/>
             <a:r>
-              <a:rPr lang="en" dirty="0"/>
-              <a:t>Entrenamiento</a:t>
+              <a:rPr lang="es-ES"/>
+              <a:t>BALANCE SHEET</a:t>
             </a:r>
-            <a:endParaRPr dirty="0"/>
           </a:p>
         </p:txBody>
       </p:sp>
+      <p:grpSp>
+        <p:nvGrpSpPr>
+          <p:cNvPr id="24" name="Google Shape;10981;p72">
+            <a:extLst>
+              <a:ext uri="{FF2B5EF4-FFF2-40B4-BE49-F238E27FC236}">
+                <a16:creationId xmlns:a16="http://schemas.microsoft.com/office/drawing/2014/main" id="{1685E059-0D19-1048-B4ED-7E8114894D35}"/>
+              </a:ext>
+            </a:extLst>
+          </p:cNvPr>
+          <p:cNvGrpSpPr/>
+          <p:nvPr/>
+        </p:nvGrpSpPr>
+        <p:grpSpPr>
+          <a:xfrm>
+            <a:off x="1242902" y="1071821"/>
+            <a:ext cx="1459951" cy="1776595"/>
+            <a:chOff x="1285250" y="1617275"/>
+            <a:chExt cx="1090650" cy="1327200"/>
+          </a:xfrm>
+          <a:solidFill>
+            <a:srgbClr val="99E8ED"/>
+          </a:solidFill>
+        </p:grpSpPr>
+        <p:sp>
+          <p:nvSpPr>
+            <p:cNvPr id="25" name="Google Shape;10982;p72">
+              <a:extLst>
+                <a:ext uri="{FF2B5EF4-FFF2-40B4-BE49-F238E27FC236}">
+                  <a16:creationId xmlns:a16="http://schemas.microsoft.com/office/drawing/2014/main" id="{3C22BA1F-E12D-1611-4ED3-58DEB37B8087}"/>
+                </a:ext>
+              </a:extLst>
+            </p:cNvPr>
+            <p:cNvSpPr/>
+            <p:nvPr/>
+          </p:nvSpPr>
+          <p:spPr>
+            <a:xfrm>
+              <a:off x="1460300" y="1792400"/>
+              <a:ext cx="740475" cy="740375"/>
+            </a:xfrm>
+            <a:custGeom>
+              <a:avLst/>
+              <a:gdLst/>
+              <a:ahLst/>
+              <a:cxnLst/>
+              <a:rect l="l" t="t" r="r" b="b"/>
+              <a:pathLst>
+                <a:path w="29619" h="29615" extrusionOk="0">
+                  <a:moveTo>
+                    <a:pt x="14809" y="1"/>
+                  </a:moveTo>
+                  <a:cubicBezTo>
+                    <a:pt x="6631" y="1"/>
+                    <a:pt x="0" y="6631"/>
+                    <a:pt x="0" y="14809"/>
+                  </a:cubicBezTo>
+                  <a:cubicBezTo>
+                    <a:pt x="0" y="22988"/>
+                    <a:pt x="6631" y="29615"/>
+                    <a:pt x="14809" y="29615"/>
+                  </a:cubicBezTo>
+                  <a:cubicBezTo>
+                    <a:pt x="22987" y="29615"/>
+                    <a:pt x="29618" y="22988"/>
+                    <a:pt x="29618" y="14809"/>
+                  </a:cubicBezTo>
+                  <a:cubicBezTo>
+                    <a:pt x="29618" y="6631"/>
+                    <a:pt x="22987" y="1"/>
+                    <a:pt x="14809" y="1"/>
+                  </a:cubicBezTo>
+                  <a:close/>
+                </a:path>
+              </a:pathLst>
+            </a:custGeom>
+            <a:grpFill/>
+            <a:ln w="19050" cap="flat" cmpd="sng">
+              <a:solidFill>
+                <a:srgbClr val="99E8ED"/>
+              </a:solidFill>
+              <a:prstDash val="solid"/>
+              <a:round/>
+              <a:headEnd type="none" w="sm" len="sm"/>
+              <a:tailEnd type="none" w="sm" len="sm"/>
+            </a:ln>
+          </p:spPr>
+          <p:txBody>
+            <a:bodyPr spcFirstLastPara="1" wrap="square" lIns="91425" tIns="91425" rIns="91425" bIns="91425" anchor="ctr" anchorCtr="0">
+              <a:noAutofit/>
+            </a:bodyPr>
+            <a:lstStyle/>
+            <a:p>
+              <a:pPr marL="0" lvl="0" indent="0" algn="l" rtl="0">
+                <a:spcBef>
+                  <a:spcPts val="0"/>
+                </a:spcBef>
+                <a:spcAft>
+                  <a:spcPts val="0"/>
+                </a:spcAft>
+                <a:buNone/>
+              </a:pPr>
+              <a:endParaRPr/>
+            </a:p>
+          </p:txBody>
+        </p:sp>
+        <p:sp>
+          <p:nvSpPr>
+            <p:cNvPr id="26" name="Google Shape;10983;p72">
+              <a:extLst>
+                <a:ext uri="{FF2B5EF4-FFF2-40B4-BE49-F238E27FC236}">
+                  <a16:creationId xmlns:a16="http://schemas.microsoft.com/office/drawing/2014/main" id="{BFB5BEDA-2EB8-B976-AFA7-131779F7474A}"/>
+                </a:ext>
+              </a:extLst>
+            </p:cNvPr>
+            <p:cNvSpPr/>
+            <p:nvPr/>
+          </p:nvSpPr>
+          <p:spPr>
+            <a:xfrm>
+              <a:off x="1285250" y="1617275"/>
+              <a:ext cx="1090650" cy="1273950"/>
+            </a:xfrm>
+            <a:custGeom>
+              <a:avLst/>
+              <a:gdLst/>
+              <a:ahLst/>
+              <a:cxnLst/>
+              <a:rect l="l" t="t" r="r" b="b"/>
+              <a:pathLst>
+                <a:path w="43626" h="50958" extrusionOk="0">
+                  <a:moveTo>
+                    <a:pt x="21811" y="0"/>
+                  </a:moveTo>
+                  <a:cubicBezTo>
+                    <a:pt x="9785" y="0"/>
+                    <a:pt x="0" y="9788"/>
+                    <a:pt x="0" y="21814"/>
+                  </a:cubicBezTo>
+                  <a:cubicBezTo>
+                    <a:pt x="8" y="22289"/>
+                    <a:pt x="401" y="22672"/>
+                    <a:pt x="876" y="22672"/>
+                  </a:cubicBezTo>
+                  <a:cubicBezTo>
+                    <a:pt x="1355" y="22672"/>
+                    <a:pt x="1744" y="22289"/>
+                    <a:pt x="1755" y="21814"/>
+                  </a:cubicBezTo>
+                  <a:cubicBezTo>
+                    <a:pt x="1755" y="10757"/>
+                    <a:pt x="10754" y="1755"/>
+                    <a:pt x="21811" y="1755"/>
+                  </a:cubicBezTo>
+                  <a:cubicBezTo>
+                    <a:pt x="32869" y="1755"/>
+                    <a:pt x="41867" y="10753"/>
+                    <a:pt x="41867" y="21814"/>
+                  </a:cubicBezTo>
+                  <a:cubicBezTo>
+                    <a:pt x="41871" y="32872"/>
+                    <a:pt x="32869" y="41870"/>
+                    <a:pt x="21811" y="41870"/>
+                  </a:cubicBezTo>
+                  <a:cubicBezTo>
+                    <a:pt x="21329" y="41870"/>
+                    <a:pt x="20932" y="42263"/>
+                    <a:pt x="20936" y="42750"/>
+                  </a:cubicBezTo>
+                  <a:lnTo>
+                    <a:pt x="20936" y="50957"/>
+                  </a:lnTo>
+                  <a:lnTo>
+                    <a:pt x="22691" y="50942"/>
+                  </a:lnTo>
+                  <a:lnTo>
+                    <a:pt x="22691" y="43610"/>
+                  </a:lnTo>
+                  <a:cubicBezTo>
+                    <a:pt x="34312" y="43147"/>
+                    <a:pt x="43626" y="33547"/>
+                    <a:pt x="43626" y="21814"/>
+                  </a:cubicBezTo>
+                  <a:cubicBezTo>
+                    <a:pt x="43626" y="9785"/>
+                    <a:pt x="33841" y="0"/>
+                    <a:pt x="21811" y="0"/>
+                  </a:cubicBezTo>
+                  <a:close/>
+                </a:path>
+              </a:pathLst>
+            </a:custGeom>
+            <a:grpFill/>
+            <a:ln>
+              <a:solidFill>
+                <a:srgbClr val="99E8ED"/>
+              </a:solidFill>
+            </a:ln>
+          </p:spPr>
+          <p:txBody>
+            <a:bodyPr spcFirstLastPara="1" wrap="square" lIns="91425" tIns="91425" rIns="91425" bIns="91425" anchor="ctr" anchorCtr="0">
+              <a:noAutofit/>
+            </a:bodyPr>
+            <a:lstStyle/>
+            <a:p>
+              <a:pPr marL="0" lvl="0" indent="0" algn="l" rtl="0">
+                <a:spcBef>
+                  <a:spcPts val="0"/>
+                </a:spcBef>
+                <a:spcAft>
+                  <a:spcPts val="0"/>
+                </a:spcAft>
+                <a:buNone/>
+              </a:pPr>
+              <a:endParaRPr dirty="0"/>
+            </a:p>
+          </p:txBody>
+        </p:sp>
+        <p:sp>
+          <p:nvSpPr>
+            <p:cNvPr id="27" name="Google Shape;10984;p72">
+              <a:extLst>
+                <a:ext uri="{FF2B5EF4-FFF2-40B4-BE49-F238E27FC236}">
+                  <a16:creationId xmlns:a16="http://schemas.microsoft.com/office/drawing/2014/main" id="{D7A3BC31-0D1E-2223-9C01-25F38D8CB08A}"/>
+                </a:ext>
+              </a:extLst>
+            </p:cNvPr>
+            <p:cNvSpPr/>
+            <p:nvPr/>
+          </p:nvSpPr>
+          <p:spPr>
+            <a:xfrm>
+              <a:off x="1680900" y="2771175"/>
+              <a:ext cx="300850" cy="173300"/>
+            </a:xfrm>
+            <a:custGeom>
+              <a:avLst/>
+              <a:gdLst/>
+              <a:ahLst/>
+              <a:cxnLst/>
+              <a:rect l="l" t="t" r="r" b="b"/>
+              <a:pathLst>
+                <a:path w="12034" h="6932" extrusionOk="0">
+                  <a:moveTo>
+                    <a:pt x="11086" y="1"/>
+                  </a:moveTo>
+                  <a:cubicBezTo>
+                    <a:pt x="10860" y="1"/>
+                    <a:pt x="10635" y="87"/>
+                    <a:pt x="10464" y="260"/>
+                  </a:cubicBezTo>
+                  <a:lnTo>
+                    <a:pt x="6865" y="3859"/>
+                  </a:lnTo>
+                  <a:lnTo>
+                    <a:pt x="5978" y="4742"/>
+                  </a:lnTo>
+                  <a:lnTo>
+                    <a:pt x="5110" y="3874"/>
+                  </a:lnTo>
+                  <a:lnTo>
+                    <a:pt x="1495" y="260"/>
+                  </a:lnTo>
+                  <a:cubicBezTo>
+                    <a:pt x="1341" y="153"/>
+                    <a:pt x="1165" y="102"/>
+                    <a:pt x="989" y="102"/>
+                  </a:cubicBezTo>
+                  <a:cubicBezTo>
+                    <a:pt x="730" y="102"/>
+                    <a:pt x="474" y="214"/>
+                    <a:pt x="297" y="427"/>
+                  </a:cubicBezTo>
+                  <a:cubicBezTo>
+                    <a:pt x="0" y="783"/>
+                    <a:pt x="22" y="1306"/>
+                    <a:pt x="349" y="1636"/>
+                  </a:cubicBezTo>
+                  <a:lnTo>
+                    <a:pt x="5388" y="6675"/>
+                  </a:lnTo>
+                  <a:cubicBezTo>
+                    <a:pt x="5559" y="6846"/>
+                    <a:pt x="5783" y="6931"/>
+                    <a:pt x="6008" y="6931"/>
+                  </a:cubicBezTo>
+                  <a:cubicBezTo>
+                    <a:pt x="6233" y="6931"/>
+                    <a:pt x="6458" y="6846"/>
+                    <a:pt x="6631" y="6675"/>
+                  </a:cubicBezTo>
+                  <a:lnTo>
+                    <a:pt x="11666" y="1636"/>
+                  </a:lnTo>
+                  <a:cubicBezTo>
+                    <a:pt x="12015" y="1250"/>
+                    <a:pt x="12034" y="668"/>
+                    <a:pt x="11711" y="260"/>
+                  </a:cubicBezTo>
+                  <a:cubicBezTo>
+                    <a:pt x="11538" y="87"/>
+                    <a:pt x="11312" y="1"/>
+                    <a:pt x="11086" y="1"/>
+                  </a:cubicBezTo>
+                  <a:close/>
+                </a:path>
+              </a:pathLst>
+            </a:custGeom>
+            <a:grpFill/>
+            <a:ln>
+              <a:solidFill>
+                <a:srgbClr val="99E8ED"/>
+              </a:solidFill>
+            </a:ln>
+          </p:spPr>
+          <p:txBody>
+            <a:bodyPr spcFirstLastPara="1" wrap="square" lIns="91425" tIns="91425" rIns="91425" bIns="91425" anchor="ctr" anchorCtr="0">
+              <a:noAutofit/>
+            </a:bodyPr>
+            <a:lstStyle/>
+            <a:p>
+              <a:pPr marL="0" lvl="0" indent="0" algn="l" rtl="0">
+                <a:spcBef>
+                  <a:spcPts val="0"/>
+                </a:spcBef>
+                <a:spcAft>
+                  <a:spcPts val="0"/>
+                </a:spcAft>
+                <a:buNone/>
+              </a:pPr>
+              <a:endParaRPr/>
+            </a:p>
+          </p:txBody>
+        </p:sp>
+      </p:grpSp>
       <p:sp>
         <p:nvSpPr>
-          <p:cNvPr id="1913" name="Google Shape;1913;p47"/>
-          <p:cNvSpPr/>
-          <p:nvPr/>
-        </p:nvSpPr>
-        <p:spPr>
-          <a:xfrm>
-            <a:off x="3202744" y="877875"/>
-            <a:ext cx="2738512" cy="3969923"/>
-          </a:xfrm>
-          <a:prstGeom prst="rect">
-            <a:avLst/>
-          </a:prstGeom>
-          <a:gradFill>
-            <a:gsLst>
-              <a:gs pos="0">
-                <a:srgbClr val="8BE3FF"/>
-              </a:gs>
-              <a:gs pos="100000">
-                <a:srgbClr val="ACFFD9"/>
-              </a:gs>
-            </a:gsLst>
-            <a:lin ang="5400700" scaled="0"/>
-          </a:gradFill>
-          <a:ln>
-            <a:noFill/>
-          </a:ln>
-        </p:spPr>
-        <p:txBody>
-          <a:bodyPr spcFirstLastPara="1" wrap="square" lIns="91425" tIns="91425" rIns="91425" bIns="91425" anchor="ctr" anchorCtr="0">
-            <a:noAutofit/>
-          </a:bodyPr>
-          <a:lstStyle/>
-          <a:p>
-            <a:pPr marL="0" lvl="0" indent="0" algn="l" rtl="0">
-              <a:spcBef>
-                <a:spcPts val="0"/>
-              </a:spcBef>
-              <a:spcAft>
-                <a:spcPts val="0"/>
-              </a:spcAft>
-              <a:buNone/>
-            </a:pPr>
-            <a:endParaRPr dirty="0"/>
-          </a:p>
-        </p:txBody>
-      </p:sp>
-      <p:sp>
-        <p:nvSpPr>
-          <p:cNvPr id="1916" name="Google Shape;1916;p47"/>
-          <p:cNvSpPr txBox="1">
-            <a:spLocks noGrp="1"/>
-          </p:cNvSpPr>
-          <p:nvPr>
-            <p:ph type="body" idx="4294967295"/>
-          </p:nvPr>
-        </p:nvSpPr>
-        <p:spPr>
-          <a:xfrm>
-            <a:off x="3346829" y="1494295"/>
-            <a:ext cx="2571846" cy="1582298"/>
-          </a:xfrm>
-          <a:prstGeom prst="rect">
-            <a:avLst/>
-          </a:prstGeom>
-        </p:spPr>
-        <p:txBody>
-          <a:bodyPr spcFirstLastPara="1" wrap="square" lIns="91425" tIns="91425" rIns="91425" bIns="91425" anchor="t" anchorCtr="0">
-            <a:noAutofit/>
-          </a:bodyPr>
-          <a:lstStyle/>
-          <a:p>
-            <a:pPr marL="139700" lvl="0" indent="0" algn="l" rtl="0">
-              <a:spcBef>
-                <a:spcPts val="0"/>
-              </a:spcBef>
-              <a:spcAft>
-                <a:spcPts val="0"/>
-              </a:spcAft>
-              <a:buSzPts val="1400"/>
-              <a:buNone/>
-            </a:pPr>
-            <a:r>
-              <a:rPr lang="es-ES" sz="1400" dirty="0"/>
-              <a:t>Como opción clásica escogimos un </a:t>
-            </a:r>
-            <a:r>
-              <a:rPr lang="es-ES" sz="1400" dirty="0" err="1"/>
-              <a:t>XGBoost</a:t>
-            </a:r>
-            <a:r>
-              <a:rPr lang="es-ES" sz="1400" dirty="0"/>
-              <a:t> debido a su ligereza y facilidad de entrenamiento.</a:t>
-            </a:r>
-          </a:p>
-          <a:p>
-            <a:pPr marL="139700" lvl="0" indent="0" algn="l" rtl="0">
-              <a:spcBef>
-                <a:spcPts val="0"/>
-              </a:spcBef>
-              <a:spcAft>
-                <a:spcPts val="0"/>
-              </a:spcAft>
-              <a:buSzPts val="1400"/>
-              <a:buNone/>
-            </a:pPr>
-            <a:endParaRPr lang="es-ES" sz="1400" dirty="0"/>
-          </a:p>
-          <a:p>
-            <a:pPr marL="139700" lvl="0" indent="0" algn="l" rtl="0">
-              <a:spcBef>
-                <a:spcPts val="0"/>
-              </a:spcBef>
-              <a:spcAft>
-                <a:spcPts val="0"/>
-              </a:spcAft>
-              <a:buSzPts val="1400"/>
-              <a:buNone/>
-            </a:pPr>
-            <a:r>
-              <a:rPr lang="es-ES" sz="1400" dirty="0"/>
-              <a:t>Además aporta completa </a:t>
-            </a:r>
-            <a:r>
-              <a:rPr lang="es-ES" sz="1400" dirty="0" err="1"/>
-              <a:t>explicabilidad</a:t>
-            </a:r>
-            <a:r>
-              <a:rPr lang="es-ES" sz="1400" dirty="0"/>
-              <a:t> sobre los resultados</a:t>
-            </a:r>
-            <a:endParaRPr sz="1400" dirty="0"/>
-          </a:p>
-        </p:txBody>
-      </p:sp>
-      <p:sp>
-        <p:nvSpPr>
-          <p:cNvPr id="1917" name="Google Shape;1917;p47"/>
-          <p:cNvSpPr txBox="1">
-            <a:spLocks noGrp="1"/>
-          </p:cNvSpPr>
-          <p:nvPr>
-            <p:ph type="title"/>
-          </p:nvPr>
-        </p:nvSpPr>
-        <p:spPr>
-          <a:xfrm>
-            <a:off x="3535106" y="1037337"/>
-            <a:ext cx="1835227" cy="348084"/>
-          </a:xfrm>
-          <a:prstGeom prst="rect">
-            <a:avLst/>
-          </a:prstGeom>
-        </p:spPr>
-        <p:txBody>
-          <a:bodyPr spcFirstLastPara="1" wrap="square" lIns="91425" tIns="91425" rIns="91425" bIns="91425" anchor="t" anchorCtr="0">
-            <a:noAutofit/>
-          </a:bodyPr>
-          <a:lstStyle/>
-          <a:p>
-            <a:pPr marL="0" lvl="0" indent="0" algn="l" rtl="0">
-              <a:spcBef>
-                <a:spcPts val="0"/>
-              </a:spcBef>
-              <a:spcAft>
-                <a:spcPts val="0"/>
-              </a:spcAft>
-              <a:buNone/>
-            </a:pPr>
-            <a:r>
-              <a:rPr lang="en" sz="1400" dirty="0"/>
-              <a:t>XGBoost</a:t>
-            </a:r>
-            <a:endParaRPr sz="1400" dirty="0"/>
-          </a:p>
-        </p:txBody>
-      </p:sp>
-      <p:sp>
-        <p:nvSpPr>
-          <p:cNvPr id="9" name="Google Shape;1916;p47">
+          <p:cNvPr id="32" name="Google Shape;1916;p47">
             <a:extLst>
               <a:ext uri="{FF2B5EF4-FFF2-40B4-BE49-F238E27FC236}">
-                <a16:creationId xmlns:a16="http://schemas.microsoft.com/office/drawing/2014/main" id="{F0F6D407-A607-6562-C58C-D10785E5F0CB}"/>
+                <a16:creationId xmlns:a16="http://schemas.microsoft.com/office/drawing/2014/main" id="{6C407088-CCCF-AEDF-A889-E88E745D1C84}"/>
               </a:ext>
             </a:extLst>
           </p:cNvPr>
@@ -44812,8 +48404,8 @@
         </p:nvSpPr>
         <p:spPr>
           <a:xfrm>
-            <a:off x="6282614" y="1494295"/>
-            <a:ext cx="2275661" cy="2706199"/>
+            <a:off x="584646" y="2920389"/>
+            <a:ext cx="2776361" cy="1415897"/>
           </a:xfrm>
           <a:prstGeom prst="rect">
             <a:avLst/>
@@ -45075,67 +48667,70 @@
             </a:lvl9pPr>
           </a:lstStyle>
           <a:p>
-            <a:pPr marL="139700" indent="0">
+            <a:pPr marL="139700" indent="0" algn="ctr">
               <a:buSzPts val="1400"/>
               <a:buFont typeface="DM Sans"/>
               <a:buNone/>
             </a:pPr>
             <a:r>
-              <a:rPr lang="es-ES" sz="1400" dirty="0"/>
-              <a:t>Empleamos </a:t>
+              <a:rPr lang="es-ES" sz="1100" dirty="0"/>
+              <a:t>Para el escalado usamos el algoritmo </a:t>
             </a:r>
             <a:r>
-              <a:rPr lang="es-ES" sz="1400" dirty="0" err="1"/>
-              <a:t>skip</a:t>
+              <a:rPr lang="es-ES" sz="1100" dirty="0" err="1"/>
+              <a:t>MinMaxScaler</a:t>
             </a:r>
             <a:r>
-              <a:rPr lang="es-ES" sz="1400" dirty="0"/>
-              <a:t> </a:t>
-            </a:r>
-            <a:r>
-              <a:rPr lang="es-ES" sz="1400" dirty="0" err="1"/>
-              <a:t>connections</a:t>
-            </a:r>
-            <a:r>
-              <a:rPr lang="es-ES" sz="1400" dirty="0"/>
-              <a:t> para poder entrenar una red neuronal más profunda. </a:t>
+              <a:rPr lang="es-ES" sz="1100" dirty="0"/>
+              <a:t>.</a:t>
             </a:r>
           </a:p>
           <a:p>
-            <a:pPr marL="139700" indent="0">
+            <a:pPr marL="139700" indent="0" algn="ctr">
               <a:buSzPts val="1400"/>
               <a:buFont typeface="DM Sans"/>
               <a:buNone/>
             </a:pPr>
-            <a:endParaRPr lang="es-ES" sz="1400" dirty="0"/>
+            <a:endParaRPr lang="es-ES" sz="1100" dirty="0"/>
           </a:p>
           <a:p>
-            <a:pPr marL="139700" indent="0">
+            <a:pPr marL="139700" indent="0" algn="ctr">
               <a:buSzPts val="1400"/>
               <a:buFont typeface="DM Sans"/>
               <a:buNone/>
             </a:pPr>
             <a:r>
-              <a:rPr lang="es-ES" sz="1400" dirty="0"/>
-              <a:t>Esto disminuye el coste computacional y evita problemas de explosión de </a:t>
+              <a:rPr lang="es-ES" sz="1100" dirty="0"/>
+              <a:t>Este ajusta los datos para que en cada columna el valor mínimo pase a ser 0 y el máximo a 1.</a:t>
             </a:r>
+          </a:p>
+          <a:p>
+            <a:pPr marL="139700" indent="0" algn="ctr">
+              <a:buSzPts val="1400"/>
+              <a:buFont typeface="DM Sans"/>
+              <a:buNone/>
+            </a:pPr>
+            <a:endParaRPr lang="es-ES" sz="1100" dirty="0"/>
+          </a:p>
+          <a:p>
+            <a:pPr marL="139700" indent="0" algn="ctr">
+              <a:buSzPts val="1400"/>
+              <a:buFont typeface="DM Sans"/>
+              <a:buNone/>
+            </a:pPr>
             <a:r>
-              <a:rPr lang="es-ES" sz="1400" dirty="0" err="1"/>
-              <a:t>gradiante</a:t>
-            </a:r>
-            <a:r>
-              <a:rPr lang="es-ES" sz="1400" dirty="0"/>
-              <a:t>.</a:t>
+              <a:rPr lang="es-ES" sz="1100" dirty="0"/>
+              <a:t>Usamos este debido a que no tenemos valores negativos ni presentan una distribución gaussiana.</a:t>
             </a:r>
           </a:p>
         </p:txBody>
       </p:sp>
       <p:sp>
         <p:nvSpPr>
-          <p:cNvPr id="10" name="Google Shape;1917;p47">
+          <p:cNvPr id="33" name="Google Shape;1917;p47">
             <a:extLst>
               <a:ext uri="{FF2B5EF4-FFF2-40B4-BE49-F238E27FC236}">
-                <a16:creationId xmlns:a16="http://schemas.microsoft.com/office/drawing/2014/main" id="{CEC967E9-8595-0E9E-72D8-3FFF291B02BC}"/>
+                <a16:creationId xmlns:a16="http://schemas.microsoft.com/office/drawing/2014/main" id="{3371F416-F341-3705-837A-D049BB123CB1}"/>
               </a:ext>
             </a:extLst>
           </p:cNvPr>
@@ -45146,7 +48741,7 @@
         </p:nvSpPr>
         <p:spPr>
           <a:xfrm>
-            <a:off x="6428333" y="1063789"/>
+            <a:off x="797212" y="1521488"/>
             <a:ext cx="2351333" cy="377700"/>
           </a:xfrm>
           <a:prstGeom prst="rect">
@@ -45409,19 +49004,363 @@
             </a:lvl9pPr>
           </a:lstStyle>
           <a:p>
+            <a:pPr algn="ctr"/>
             <a:r>
-              <a:rPr lang="es-ES" sz="1400" dirty="0"/>
-              <a:t>Residual LNN</a:t>
+              <a:rPr lang="es-ES" sz="1400" dirty="0" err="1"/>
+              <a:t>MinMax</a:t>
             </a:r>
+            <a:endParaRPr lang="es-ES" sz="1400" dirty="0"/>
+          </a:p>
+          <a:p>
+            <a:pPr algn="ctr"/>
+            <a:r>
+              <a:rPr lang="es-ES" sz="1400" dirty="0" err="1"/>
+              <a:t>Scaler</a:t>
+            </a:r>
+            <a:endParaRPr lang="es-ES" sz="1400" dirty="0"/>
           </a:p>
         </p:txBody>
       </p:sp>
+      <p:grpSp>
+        <p:nvGrpSpPr>
+          <p:cNvPr id="34" name="Google Shape;10981;p72">
+            <a:extLst>
+              <a:ext uri="{FF2B5EF4-FFF2-40B4-BE49-F238E27FC236}">
+                <a16:creationId xmlns:a16="http://schemas.microsoft.com/office/drawing/2014/main" id="{27A4C5F1-F4E8-B97C-1798-5CF6503F6F51}"/>
+              </a:ext>
+            </a:extLst>
+          </p:cNvPr>
+          <p:cNvGrpSpPr/>
+          <p:nvPr/>
+        </p:nvGrpSpPr>
+        <p:grpSpPr>
+          <a:xfrm>
+            <a:off x="6710625" y="1071821"/>
+            <a:ext cx="1459951" cy="1776595"/>
+            <a:chOff x="1285250" y="1617275"/>
+            <a:chExt cx="1090650" cy="1327200"/>
+          </a:xfrm>
+          <a:solidFill>
+            <a:srgbClr val="99E8ED"/>
+          </a:solidFill>
+        </p:grpSpPr>
+        <p:sp>
+          <p:nvSpPr>
+            <p:cNvPr id="35" name="Google Shape;10982;p72">
+              <a:extLst>
+                <a:ext uri="{FF2B5EF4-FFF2-40B4-BE49-F238E27FC236}">
+                  <a16:creationId xmlns:a16="http://schemas.microsoft.com/office/drawing/2014/main" id="{6FE06C2E-5B52-64B2-D2D5-C784AC243B46}"/>
+                </a:ext>
+              </a:extLst>
+            </p:cNvPr>
+            <p:cNvSpPr/>
+            <p:nvPr/>
+          </p:nvSpPr>
+          <p:spPr>
+            <a:xfrm>
+              <a:off x="1460300" y="1792400"/>
+              <a:ext cx="740475" cy="740375"/>
+            </a:xfrm>
+            <a:custGeom>
+              <a:avLst/>
+              <a:gdLst/>
+              <a:ahLst/>
+              <a:cxnLst/>
+              <a:rect l="l" t="t" r="r" b="b"/>
+              <a:pathLst>
+                <a:path w="29619" h="29615" extrusionOk="0">
+                  <a:moveTo>
+                    <a:pt x="14809" y="1"/>
+                  </a:moveTo>
+                  <a:cubicBezTo>
+                    <a:pt x="6631" y="1"/>
+                    <a:pt x="0" y="6631"/>
+                    <a:pt x="0" y="14809"/>
+                  </a:cubicBezTo>
+                  <a:cubicBezTo>
+                    <a:pt x="0" y="22988"/>
+                    <a:pt x="6631" y="29615"/>
+                    <a:pt x="14809" y="29615"/>
+                  </a:cubicBezTo>
+                  <a:cubicBezTo>
+                    <a:pt x="22987" y="29615"/>
+                    <a:pt x="29618" y="22988"/>
+                    <a:pt x="29618" y="14809"/>
+                  </a:cubicBezTo>
+                  <a:cubicBezTo>
+                    <a:pt x="29618" y="6631"/>
+                    <a:pt x="22987" y="1"/>
+                    <a:pt x="14809" y="1"/>
+                  </a:cubicBezTo>
+                  <a:close/>
+                </a:path>
+              </a:pathLst>
+            </a:custGeom>
+            <a:grpFill/>
+            <a:ln w="19050" cap="flat" cmpd="sng">
+              <a:solidFill>
+                <a:srgbClr val="99E8ED"/>
+              </a:solidFill>
+              <a:prstDash val="solid"/>
+              <a:round/>
+              <a:headEnd type="none" w="sm" len="sm"/>
+              <a:tailEnd type="none" w="sm" len="sm"/>
+            </a:ln>
+          </p:spPr>
+          <p:txBody>
+            <a:bodyPr spcFirstLastPara="1" wrap="square" lIns="91425" tIns="91425" rIns="91425" bIns="91425" anchor="ctr" anchorCtr="0">
+              <a:noAutofit/>
+            </a:bodyPr>
+            <a:lstStyle/>
+            <a:p>
+              <a:pPr marL="0" lvl="0" indent="0" algn="l" rtl="0">
+                <a:spcBef>
+                  <a:spcPts val="0"/>
+                </a:spcBef>
+                <a:spcAft>
+                  <a:spcPts val="0"/>
+                </a:spcAft>
+                <a:buNone/>
+              </a:pPr>
+              <a:endParaRPr/>
+            </a:p>
+          </p:txBody>
+        </p:sp>
+        <p:sp>
+          <p:nvSpPr>
+            <p:cNvPr id="36" name="Google Shape;10983;p72">
+              <a:extLst>
+                <a:ext uri="{FF2B5EF4-FFF2-40B4-BE49-F238E27FC236}">
+                  <a16:creationId xmlns:a16="http://schemas.microsoft.com/office/drawing/2014/main" id="{60A95337-8AB3-8E5E-A562-5ABBB72DA2AC}"/>
+                </a:ext>
+              </a:extLst>
+            </p:cNvPr>
+            <p:cNvSpPr/>
+            <p:nvPr/>
+          </p:nvSpPr>
+          <p:spPr>
+            <a:xfrm>
+              <a:off x="1285250" y="1617275"/>
+              <a:ext cx="1090650" cy="1273950"/>
+            </a:xfrm>
+            <a:custGeom>
+              <a:avLst/>
+              <a:gdLst/>
+              <a:ahLst/>
+              <a:cxnLst/>
+              <a:rect l="l" t="t" r="r" b="b"/>
+              <a:pathLst>
+                <a:path w="43626" h="50958" extrusionOk="0">
+                  <a:moveTo>
+                    <a:pt x="21811" y="0"/>
+                  </a:moveTo>
+                  <a:cubicBezTo>
+                    <a:pt x="9785" y="0"/>
+                    <a:pt x="0" y="9788"/>
+                    <a:pt x="0" y="21814"/>
+                  </a:cubicBezTo>
+                  <a:cubicBezTo>
+                    <a:pt x="8" y="22289"/>
+                    <a:pt x="401" y="22672"/>
+                    <a:pt x="876" y="22672"/>
+                  </a:cubicBezTo>
+                  <a:cubicBezTo>
+                    <a:pt x="1355" y="22672"/>
+                    <a:pt x="1744" y="22289"/>
+                    <a:pt x="1755" y="21814"/>
+                  </a:cubicBezTo>
+                  <a:cubicBezTo>
+                    <a:pt x="1755" y="10757"/>
+                    <a:pt x="10754" y="1755"/>
+                    <a:pt x="21811" y="1755"/>
+                  </a:cubicBezTo>
+                  <a:cubicBezTo>
+                    <a:pt x="32869" y="1755"/>
+                    <a:pt x="41867" y="10753"/>
+                    <a:pt x="41867" y="21814"/>
+                  </a:cubicBezTo>
+                  <a:cubicBezTo>
+                    <a:pt x="41871" y="32872"/>
+                    <a:pt x="32869" y="41870"/>
+                    <a:pt x="21811" y="41870"/>
+                  </a:cubicBezTo>
+                  <a:cubicBezTo>
+                    <a:pt x="21329" y="41870"/>
+                    <a:pt x="20932" y="42263"/>
+                    <a:pt x="20936" y="42750"/>
+                  </a:cubicBezTo>
+                  <a:lnTo>
+                    <a:pt x="20936" y="50957"/>
+                  </a:lnTo>
+                  <a:lnTo>
+                    <a:pt x="22691" y="50942"/>
+                  </a:lnTo>
+                  <a:lnTo>
+                    <a:pt x="22691" y="43610"/>
+                  </a:lnTo>
+                  <a:cubicBezTo>
+                    <a:pt x="34312" y="43147"/>
+                    <a:pt x="43626" y="33547"/>
+                    <a:pt x="43626" y="21814"/>
+                  </a:cubicBezTo>
+                  <a:cubicBezTo>
+                    <a:pt x="43626" y="9785"/>
+                    <a:pt x="33841" y="0"/>
+                    <a:pt x="21811" y="0"/>
+                  </a:cubicBezTo>
+                  <a:close/>
+                </a:path>
+              </a:pathLst>
+            </a:custGeom>
+            <a:grpFill/>
+            <a:ln>
+              <a:solidFill>
+                <a:srgbClr val="99E8ED"/>
+              </a:solidFill>
+            </a:ln>
+          </p:spPr>
+          <p:txBody>
+            <a:bodyPr spcFirstLastPara="1" wrap="square" lIns="91425" tIns="91425" rIns="91425" bIns="91425" anchor="ctr" anchorCtr="0">
+              <a:noAutofit/>
+            </a:bodyPr>
+            <a:lstStyle/>
+            <a:p>
+              <a:pPr marL="0" lvl="0" indent="0" algn="l" rtl="0">
+                <a:spcBef>
+                  <a:spcPts val="0"/>
+                </a:spcBef>
+                <a:spcAft>
+                  <a:spcPts val="0"/>
+                </a:spcAft>
+                <a:buNone/>
+              </a:pPr>
+              <a:endParaRPr dirty="0"/>
+            </a:p>
+          </p:txBody>
+        </p:sp>
+        <p:sp>
+          <p:nvSpPr>
+            <p:cNvPr id="37" name="Google Shape;10984;p72">
+              <a:extLst>
+                <a:ext uri="{FF2B5EF4-FFF2-40B4-BE49-F238E27FC236}">
+                  <a16:creationId xmlns:a16="http://schemas.microsoft.com/office/drawing/2014/main" id="{35BA0809-0E58-8B0B-A06E-FD1AFC7467DE}"/>
+                </a:ext>
+              </a:extLst>
+            </p:cNvPr>
+            <p:cNvSpPr/>
+            <p:nvPr/>
+          </p:nvSpPr>
+          <p:spPr>
+            <a:xfrm>
+              <a:off x="1680900" y="2771175"/>
+              <a:ext cx="300850" cy="173300"/>
+            </a:xfrm>
+            <a:custGeom>
+              <a:avLst/>
+              <a:gdLst/>
+              <a:ahLst/>
+              <a:cxnLst/>
+              <a:rect l="l" t="t" r="r" b="b"/>
+              <a:pathLst>
+                <a:path w="12034" h="6932" extrusionOk="0">
+                  <a:moveTo>
+                    <a:pt x="11086" y="1"/>
+                  </a:moveTo>
+                  <a:cubicBezTo>
+                    <a:pt x="10860" y="1"/>
+                    <a:pt x="10635" y="87"/>
+                    <a:pt x="10464" y="260"/>
+                  </a:cubicBezTo>
+                  <a:lnTo>
+                    <a:pt x="6865" y="3859"/>
+                  </a:lnTo>
+                  <a:lnTo>
+                    <a:pt x="5978" y="4742"/>
+                  </a:lnTo>
+                  <a:lnTo>
+                    <a:pt x="5110" y="3874"/>
+                  </a:lnTo>
+                  <a:lnTo>
+                    <a:pt x="1495" y="260"/>
+                  </a:lnTo>
+                  <a:cubicBezTo>
+                    <a:pt x="1341" y="153"/>
+                    <a:pt x="1165" y="102"/>
+                    <a:pt x="989" y="102"/>
+                  </a:cubicBezTo>
+                  <a:cubicBezTo>
+                    <a:pt x="730" y="102"/>
+                    <a:pt x="474" y="214"/>
+                    <a:pt x="297" y="427"/>
+                  </a:cubicBezTo>
+                  <a:cubicBezTo>
+                    <a:pt x="0" y="783"/>
+                    <a:pt x="22" y="1306"/>
+                    <a:pt x="349" y="1636"/>
+                  </a:cubicBezTo>
+                  <a:lnTo>
+                    <a:pt x="5388" y="6675"/>
+                  </a:lnTo>
+                  <a:cubicBezTo>
+                    <a:pt x="5559" y="6846"/>
+                    <a:pt x="5783" y="6931"/>
+                    <a:pt x="6008" y="6931"/>
+                  </a:cubicBezTo>
+                  <a:cubicBezTo>
+                    <a:pt x="6233" y="6931"/>
+                    <a:pt x="6458" y="6846"/>
+                    <a:pt x="6631" y="6675"/>
+                  </a:cubicBezTo>
+                  <a:lnTo>
+                    <a:pt x="11666" y="1636"/>
+                  </a:lnTo>
+                  <a:cubicBezTo>
+                    <a:pt x="12015" y="1250"/>
+                    <a:pt x="12034" y="668"/>
+                    <a:pt x="11711" y="260"/>
+                  </a:cubicBezTo>
+                  <a:cubicBezTo>
+                    <a:pt x="11538" y="87"/>
+                    <a:pt x="11312" y="1"/>
+                    <a:pt x="11086" y="1"/>
+                  </a:cubicBezTo>
+                  <a:close/>
+                </a:path>
+              </a:pathLst>
+            </a:custGeom>
+            <a:grpFill/>
+            <a:ln>
+              <a:solidFill>
+                <a:srgbClr val="99E8ED"/>
+              </a:solidFill>
+            </a:ln>
+          </p:spPr>
+          <p:txBody>
+            <a:bodyPr spcFirstLastPara="1" wrap="square" lIns="91425" tIns="91425" rIns="91425" bIns="91425" anchor="ctr" anchorCtr="0">
+              <a:noAutofit/>
+            </a:bodyPr>
+            <a:lstStyle/>
+            <a:p>
+              <a:pPr marL="0" lvl="0" indent="0" algn="l" rtl="0">
+                <a:spcBef>
+                  <a:spcPts val="0"/>
+                </a:spcBef>
+                <a:spcAft>
+                  <a:spcPts val="0"/>
+                </a:spcAft>
+                <a:buNone/>
+              </a:pPr>
+              <a:endParaRPr/>
+            </a:p>
+          </p:txBody>
+        </p:sp>
+      </p:grpSp>
       <p:sp>
         <p:nvSpPr>
-          <p:cNvPr id="5" name="Google Shape;1916;p47">
+          <p:cNvPr id="38" name="Google Shape;1916;p47">
             <a:extLst>
               <a:ext uri="{FF2B5EF4-FFF2-40B4-BE49-F238E27FC236}">
-                <a16:creationId xmlns:a16="http://schemas.microsoft.com/office/drawing/2014/main" id="{6D84C36F-C60E-EC12-5D36-857354411E39}"/>
+                <a16:creationId xmlns:a16="http://schemas.microsoft.com/office/drawing/2014/main" id="{8619EDA3-895A-D0B0-96C9-413FF4F03A81}"/>
               </a:ext>
             </a:extLst>
           </p:cNvPr>
@@ -45432,8 +49371,8 @@
         </p:nvSpPr>
         <p:spPr>
           <a:xfrm>
-            <a:off x="320955" y="1494295"/>
-            <a:ext cx="2513769" cy="2900740"/>
+            <a:off x="6052369" y="2987296"/>
+            <a:ext cx="2776361" cy="1415897"/>
           </a:xfrm>
           <a:prstGeom prst="rect">
             <a:avLst/>
@@ -45695,56 +49634,56 @@
             </a:lvl9pPr>
           </a:lstStyle>
           <a:p>
-            <a:pPr marL="139700" indent="0">
+            <a:pPr marL="139700" indent="0" algn="ctr">
               <a:buSzPts val="1400"/>
               <a:buFont typeface="DM Sans"/>
               <a:buNone/>
             </a:pPr>
             <a:r>
-              <a:rPr lang="es-ES" sz="1400" dirty="0"/>
+              <a:rPr lang="es-ES" sz="1100" dirty="0"/>
               <a:t>Finalmente tenemos un </a:t>
             </a:r>
             <a:r>
-              <a:rPr lang="es-ES" sz="1400" dirty="0" err="1"/>
+              <a:rPr lang="es-ES" sz="1100" dirty="0" err="1"/>
               <a:t>dataset</a:t>
             </a:r>
             <a:r>
-              <a:rPr lang="es-ES" sz="1400" dirty="0"/>
+              <a:rPr lang="es-ES" sz="1100" dirty="0"/>
               <a:t> con 6 columnas numéricas y 1 categórica para la </a:t>
             </a:r>
             <a:r>
-              <a:rPr lang="es-ES" sz="1400" dirty="0" err="1"/>
+              <a:rPr lang="es-ES" sz="1100" dirty="0" err="1"/>
               <a:t>label</a:t>
             </a:r>
             <a:r>
-              <a:rPr lang="es-ES" sz="1400" dirty="0"/>
+              <a:rPr lang="es-ES" sz="1100" dirty="0"/>
               <a:t>.</a:t>
             </a:r>
           </a:p>
           <a:p>
-            <a:pPr marL="139700" indent="0">
+            <a:pPr marL="139700" indent="0" algn="ctr">
               <a:buSzPts val="1400"/>
               <a:buFont typeface="DM Sans"/>
               <a:buNone/>
             </a:pPr>
-            <a:endParaRPr lang="es-ES" sz="1400" dirty="0"/>
+            <a:endParaRPr lang="es-ES" sz="1100" dirty="0"/>
           </a:p>
           <a:p>
-            <a:pPr marL="139700" indent="0">
+            <a:pPr marL="139700" indent="0" algn="ctr">
               <a:buSzPts val="1400"/>
               <a:buFont typeface="DM Sans"/>
               <a:buNone/>
             </a:pPr>
             <a:r>
-              <a:rPr lang="es-ES" sz="1400" dirty="0"/>
+              <a:rPr lang="es-ES" sz="1100" dirty="0"/>
               <a:t>Dividimos el </a:t>
             </a:r>
             <a:r>
-              <a:rPr lang="es-ES" sz="1400" dirty="0" err="1"/>
+              <a:rPr lang="es-ES" sz="1100" dirty="0" err="1"/>
               <a:t>dataset</a:t>
             </a:r>
             <a:r>
-              <a:rPr lang="es-ES" sz="1400" dirty="0"/>
+              <a:rPr lang="es-ES" sz="1100" dirty="0"/>
               <a:t> de forma estratificada en un porcentaje 85% - 15% de entreno y testeo respectivamente</a:t>
             </a:r>
           </a:p>
@@ -45752,10 +49691,10 @@
       </p:sp>
       <p:sp>
         <p:nvSpPr>
-          <p:cNvPr id="6" name="Google Shape;1917;p47">
+          <p:cNvPr id="39" name="Google Shape;1917;p47">
             <a:extLst>
               <a:ext uri="{FF2B5EF4-FFF2-40B4-BE49-F238E27FC236}">
-                <a16:creationId xmlns:a16="http://schemas.microsoft.com/office/drawing/2014/main" id="{7854D81E-FE79-0A71-6BCE-BA48FC3679E7}"/>
+                <a16:creationId xmlns:a16="http://schemas.microsoft.com/office/drawing/2014/main" id="{A88A2F99-6754-DAFC-2725-ADFD3BCCB55A}"/>
               </a:ext>
             </a:extLst>
           </p:cNvPr>
@@ -45766,8 +49705,8 @@
         </p:nvSpPr>
         <p:spPr>
           <a:xfrm>
-            <a:off x="456453" y="1074865"/>
-            <a:ext cx="1793784" cy="313948"/>
+            <a:off x="6273802" y="1520018"/>
+            <a:ext cx="2351333" cy="377700"/>
           </a:xfrm>
           <a:prstGeom prst="rect">
             <a:avLst/>
@@ -46029,19 +49968,976 @@
             </a:lvl9pPr>
           </a:lstStyle>
           <a:p>
+            <a:pPr algn="ctr"/>
             <a:r>
               <a:rPr lang="es-ES" sz="1400" dirty="0"/>
-              <a:t>Set de datos</a:t>
+              <a:t>Set de </a:t>
+            </a:r>
+          </a:p>
+          <a:p>
+            <a:pPr algn="ctr"/>
+            <a:r>
+              <a:rPr lang="es-ES" sz="1400" dirty="0"/>
+              <a:t>datos</a:t>
             </a:r>
           </a:p>
         </p:txBody>
       </p:sp>
+      <p:grpSp>
+        <p:nvGrpSpPr>
+          <p:cNvPr id="40" name="Google Shape;10981;p72">
+            <a:extLst>
+              <a:ext uri="{FF2B5EF4-FFF2-40B4-BE49-F238E27FC236}">
+                <a16:creationId xmlns:a16="http://schemas.microsoft.com/office/drawing/2014/main" id="{3D25B49E-D77B-DC15-77C4-FA3FD8C6CEBF}"/>
+              </a:ext>
+            </a:extLst>
+          </p:cNvPr>
+          <p:cNvGrpSpPr/>
+          <p:nvPr/>
+        </p:nvGrpSpPr>
+        <p:grpSpPr>
+          <a:xfrm rot="10800000">
+            <a:off x="3973256" y="3137020"/>
+            <a:ext cx="1459951" cy="1776595"/>
+            <a:chOff x="1285250" y="1617275"/>
+            <a:chExt cx="1090650" cy="1327200"/>
+          </a:xfrm>
+          <a:solidFill>
+            <a:srgbClr val="99E8ED"/>
+          </a:solidFill>
+        </p:grpSpPr>
+        <p:sp>
+          <p:nvSpPr>
+            <p:cNvPr id="41" name="Google Shape;10982;p72">
+              <a:extLst>
+                <a:ext uri="{FF2B5EF4-FFF2-40B4-BE49-F238E27FC236}">
+                  <a16:creationId xmlns:a16="http://schemas.microsoft.com/office/drawing/2014/main" id="{71BF3FE2-E959-88CC-3C17-128E16344D4B}"/>
+                </a:ext>
+              </a:extLst>
+            </p:cNvPr>
+            <p:cNvSpPr/>
+            <p:nvPr/>
+          </p:nvSpPr>
+          <p:spPr>
+            <a:xfrm>
+              <a:off x="1460300" y="1792400"/>
+              <a:ext cx="740475" cy="740375"/>
+            </a:xfrm>
+            <a:custGeom>
+              <a:avLst/>
+              <a:gdLst/>
+              <a:ahLst/>
+              <a:cxnLst/>
+              <a:rect l="l" t="t" r="r" b="b"/>
+              <a:pathLst>
+                <a:path w="29619" h="29615" extrusionOk="0">
+                  <a:moveTo>
+                    <a:pt x="14809" y="1"/>
+                  </a:moveTo>
+                  <a:cubicBezTo>
+                    <a:pt x="6631" y="1"/>
+                    <a:pt x="0" y="6631"/>
+                    <a:pt x="0" y="14809"/>
+                  </a:cubicBezTo>
+                  <a:cubicBezTo>
+                    <a:pt x="0" y="22988"/>
+                    <a:pt x="6631" y="29615"/>
+                    <a:pt x="14809" y="29615"/>
+                  </a:cubicBezTo>
+                  <a:cubicBezTo>
+                    <a:pt x="22987" y="29615"/>
+                    <a:pt x="29618" y="22988"/>
+                    <a:pt x="29618" y="14809"/>
+                  </a:cubicBezTo>
+                  <a:cubicBezTo>
+                    <a:pt x="29618" y="6631"/>
+                    <a:pt x="22987" y="1"/>
+                    <a:pt x="14809" y="1"/>
+                  </a:cubicBezTo>
+                  <a:close/>
+                </a:path>
+              </a:pathLst>
+            </a:custGeom>
+            <a:grpFill/>
+            <a:ln w="19050" cap="flat" cmpd="sng">
+              <a:solidFill>
+                <a:srgbClr val="99E8ED"/>
+              </a:solidFill>
+              <a:prstDash val="solid"/>
+              <a:round/>
+              <a:headEnd type="none" w="sm" len="sm"/>
+              <a:tailEnd type="none" w="sm" len="sm"/>
+            </a:ln>
+          </p:spPr>
+          <p:txBody>
+            <a:bodyPr spcFirstLastPara="1" wrap="square" lIns="91425" tIns="91425" rIns="91425" bIns="91425" anchor="ctr" anchorCtr="0">
+              <a:noAutofit/>
+            </a:bodyPr>
+            <a:lstStyle/>
+            <a:p>
+              <a:pPr marL="0" lvl="0" indent="0" algn="l" rtl="0">
+                <a:spcBef>
+                  <a:spcPts val="0"/>
+                </a:spcBef>
+                <a:spcAft>
+                  <a:spcPts val="0"/>
+                </a:spcAft>
+                <a:buNone/>
+              </a:pPr>
+              <a:endParaRPr/>
+            </a:p>
+          </p:txBody>
+        </p:sp>
+        <p:sp>
+          <p:nvSpPr>
+            <p:cNvPr id="42" name="Google Shape;10983;p72">
+              <a:extLst>
+                <a:ext uri="{FF2B5EF4-FFF2-40B4-BE49-F238E27FC236}">
+                  <a16:creationId xmlns:a16="http://schemas.microsoft.com/office/drawing/2014/main" id="{A871A925-32D2-7870-9417-419BCC471FF1}"/>
+                </a:ext>
+              </a:extLst>
+            </p:cNvPr>
+            <p:cNvSpPr/>
+            <p:nvPr/>
+          </p:nvSpPr>
+          <p:spPr>
+            <a:xfrm>
+              <a:off x="1285250" y="1617275"/>
+              <a:ext cx="1090650" cy="1273950"/>
+            </a:xfrm>
+            <a:custGeom>
+              <a:avLst/>
+              <a:gdLst/>
+              <a:ahLst/>
+              <a:cxnLst/>
+              <a:rect l="l" t="t" r="r" b="b"/>
+              <a:pathLst>
+                <a:path w="43626" h="50958" extrusionOk="0">
+                  <a:moveTo>
+                    <a:pt x="21811" y="0"/>
+                  </a:moveTo>
+                  <a:cubicBezTo>
+                    <a:pt x="9785" y="0"/>
+                    <a:pt x="0" y="9788"/>
+                    <a:pt x="0" y="21814"/>
+                  </a:cubicBezTo>
+                  <a:cubicBezTo>
+                    <a:pt x="8" y="22289"/>
+                    <a:pt x="401" y="22672"/>
+                    <a:pt x="876" y="22672"/>
+                  </a:cubicBezTo>
+                  <a:cubicBezTo>
+                    <a:pt x="1355" y="22672"/>
+                    <a:pt x="1744" y="22289"/>
+                    <a:pt x="1755" y="21814"/>
+                  </a:cubicBezTo>
+                  <a:cubicBezTo>
+                    <a:pt x="1755" y="10757"/>
+                    <a:pt x="10754" y="1755"/>
+                    <a:pt x="21811" y="1755"/>
+                  </a:cubicBezTo>
+                  <a:cubicBezTo>
+                    <a:pt x="32869" y="1755"/>
+                    <a:pt x="41867" y="10753"/>
+                    <a:pt x="41867" y="21814"/>
+                  </a:cubicBezTo>
+                  <a:cubicBezTo>
+                    <a:pt x="41871" y="32872"/>
+                    <a:pt x="32869" y="41870"/>
+                    <a:pt x="21811" y="41870"/>
+                  </a:cubicBezTo>
+                  <a:cubicBezTo>
+                    <a:pt x="21329" y="41870"/>
+                    <a:pt x="20932" y="42263"/>
+                    <a:pt x="20936" y="42750"/>
+                  </a:cubicBezTo>
+                  <a:lnTo>
+                    <a:pt x="20936" y="50957"/>
+                  </a:lnTo>
+                  <a:lnTo>
+                    <a:pt x="22691" y="50942"/>
+                  </a:lnTo>
+                  <a:lnTo>
+                    <a:pt x="22691" y="43610"/>
+                  </a:lnTo>
+                  <a:cubicBezTo>
+                    <a:pt x="34312" y="43147"/>
+                    <a:pt x="43626" y="33547"/>
+                    <a:pt x="43626" y="21814"/>
+                  </a:cubicBezTo>
+                  <a:cubicBezTo>
+                    <a:pt x="43626" y="9785"/>
+                    <a:pt x="33841" y="0"/>
+                    <a:pt x="21811" y="0"/>
+                  </a:cubicBezTo>
+                  <a:close/>
+                </a:path>
+              </a:pathLst>
+            </a:custGeom>
+            <a:grpFill/>
+            <a:ln>
+              <a:solidFill>
+                <a:srgbClr val="99E8ED"/>
+              </a:solidFill>
+            </a:ln>
+          </p:spPr>
+          <p:txBody>
+            <a:bodyPr spcFirstLastPara="1" wrap="square" lIns="91425" tIns="91425" rIns="91425" bIns="91425" anchor="ctr" anchorCtr="0">
+              <a:noAutofit/>
+            </a:bodyPr>
+            <a:lstStyle/>
+            <a:p>
+              <a:pPr marL="0" lvl="0" indent="0" algn="l" rtl="0">
+                <a:spcBef>
+                  <a:spcPts val="0"/>
+                </a:spcBef>
+                <a:spcAft>
+                  <a:spcPts val="0"/>
+                </a:spcAft>
+                <a:buNone/>
+              </a:pPr>
+              <a:endParaRPr dirty="0"/>
+            </a:p>
+          </p:txBody>
+        </p:sp>
+        <p:sp>
+          <p:nvSpPr>
+            <p:cNvPr id="43" name="Google Shape;10984;p72">
+              <a:extLst>
+                <a:ext uri="{FF2B5EF4-FFF2-40B4-BE49-F238E27FC236}">
+                  <a16:creationId xmlns:a16="http://schemas.microsoft.com/office/drawing/2014/main" id="{B4A9FE09-7983-647C-A84B-E7196C94BA20}"/>
+                </a:ext>
+              </a:extLst>
+            </p:cNvPr>
+            <p:cNvSpPr/>
+            <p:nvPr/>
+          </p:nvSpPr>
+          <p:spPr>
+            <a:xfrm>
+              <a:off x="1680900" y="2771175"/>
+              <a:ext cx="300850" cy="173300"/>
+            </a:xfrm>
+            <a:custGeom>
+              <a:avLst/>
+              <a:gdLst/>
+              <a:ahLst/>
+              <a:cxnLst/>
+              <a:rect l="l" t="t" r="r" b="b"/>
+              <a:pathLst>
+                <a:path w="12034" h="6932" extrusionOk="0">
+                  <a:moveTo>
+                    <a:pt x="11086" y="1"/>
+                  </a:moveTo>
+                  <a:cubicBezTo>
+                    <a:pt x="10860" y="1"/>
+                    <a:pt x="10635" y="87"/>
+                    <a:pt x="10464" y="260"/>
+                  </a:cubicBezTo>
+                  <a:lnTo>
+                    <a:pt x="6865" y="3859"/>
+                  </a:lnTo>
+                  <a:lnTo>
+                    <a:pt x="5978" y="4742"/>
+                  </a:lnTo>
+                  <a:lnTo>
+                    <a:pt x="5110" y="3874"/>
+                  </a:lnTo>
+                  <a:lnTo>
+                    <a:pt x="1495" y="260"/>
+                  </a:lnTo>
+                  <a:cubicBezTo>
+                    <a:pt x="1341" y="153"/>
+                    <a:pt x="1165" y="102"/>
+                    <a:pt x="989" y="102"/>
+                  </a:cubicBezTo>
+                  <a:cubicBezTo>
+                    <a:pt x="730" y="102"/>
+                    <a:pt x="474" y="214"/>
+                    <a:pt x="297" y="427"/>
+                  </a:cubicBezTo>
+                  <a:cubicBezTo>
+                    <a:pt x="0" y="783"/>
+                    <a:pt x="22" y="1306"/>
+                    <a:pt x="349" y="1636"/>
+                  </a:cubicBezTo>
+                  <a:lnTo>
+                    <a:pt x="5388" y="6675"/>
+                  </a:lnTo>
+                  <a:cubicBezTo>
+                    <a:pt x="5559" y="6846"/>
+                    <a:pt x="5783" y="6931"/>
+                    <a:pt x="6008" y="6931"/>
+                  </a:cubicBezTo>
+                  <a:cubicBezTo>
+                    <a:pt x="6233" y="6931"/>
+                    <a:pt x="6458" y="6846"/>
+                    <a:pt x="6631" y="6675"/>
+                  </a:cubicBezTo>
+                  <a:lnTo>
+                    <a:pt x="11666" y="1636"/>
+                  </a:lnTo>
+                  <a:cubicBezTo>
+                    <a:pt x="12015" y="1250"/>
+                    <a:pt x="12034" y="668"/>
+                    <a:pt x="11711" y="260"/>
+                  </a:cubicBezTo>
+                  <a:cubicBezTo>
+                    <a:pt x="11538" y="87"/>
+                    <a:pt x="11312" y="1"/>
+                    <a:pt x="11086" y="1"/>
+                  </a:cubicBezTo>
+                  <a:close/>
+                </a:path>
+              </a:pathLst>
+            </a:custGeom>
+            <a:grpFill/>
+            <a:ln>
+              <a:solidFill>
+                <a:srgbClr val="99E8ED"/>
+              </a:solidFill>
+            </a:ln>
+          </p:spPr>
+          <p:txBody>
+            <a:bodyPr spcFirstLastPara="1" wrap="square" lIns="91425" tIns="91425" rIns="91425" bIns="91425" anchor="ctr" anchorCtr="0">
+              <a:noAutofit/>
+            </a:bodyPr>
+            <a:lstStyle/>
+            <a:p>
+              <a:pPr marL="0" lvl="0" indent="0" algn="l" rtl="0">
+                <a:spcBef>
+                  <a:spcPts val="0"/>
+                </a:spcBef>
+                <a:spcAft>
+                  <a:spcPts val="0"/>
+                </a:spcAft>
+                <a:buNone/>
+              </a:pPr>
+              <a:endParaRPr/>
+            </a:p>
+          </p:txBody>
+        </p:sp>
+      </p:grpSp>
+      <p:sp>
+        <p:nvSpPr>
+          <p:cNvPr id="44" name="Google Shape;1916;p47">
+            <a:extLst>
+              <a:ext uri="{FF2B5EF4-FFF2-40B4-BE49-F238E27FC236}">
+                <a16:creationId xmlns:a16="http://schemas.microsoft.com/office/drawing/2014/main" id="{5BF9574C-F113-2D1E-5412-300EEF0AA9D1}"/>
+              </a:ext>
+            </a:extLst>
+          </p:cNvPr>
+          <p:cNvSpPr txBox="1">
+            <a:spLocks/>
+          </p:cNvSpPr>
+          <p:nvPr/>
+        </p:nvSpPr>
+        <p:spPr>
+          <a:xfrm>
+            <a:off x="3199190" y="904235"/>
+            <a:ext cx="2776361" cy="1415897"/>
+          </a:xfrm>
+          <a:prstGeom prst="rect">
+            <a:avLst/>
+          </a:prstGeom>
+          <a:noFill/>
+          <a:ln>
+            <a:noFill/>
+          </a:ln>
+        </p:spPr>
+        <p:txBody>
+          <a:bodyPr spcFirstLastPara="1" wrap="square" lIns="91425" tIns="91425" rIns="91425" bIns="91425" anchor="t" anchorCtr="0">
+            <a:noAutofit/>
+          </a:bodyPr>
+          <a:lstStyle>
+            <a:defPPr marR="0" lvl="0" algn="l" rtl="0">
+              <a:lnSpc>
+                <a:spcPct val="100000"/>
+              </a:lnSpc>
+              <a:spcBef>
+                <a:spcPts val="0"/>
+              </a:spcBef>
+              <a:spcAft>
+                <a:spcPts val="0"/>
+              </a:spcAft>
+            </a:defPPr>
+            <a:lvl1pPr marL="457200" marR="0" lvl="0" indent="-342900" algn="l" rtl="0">
+              <a:lnSpc>
+                <a:spcPct val="100000"/>
+              </a:lnSpc>
+              <a:spcBef>
+                <a:spcPts val="0"/>
+              </a:spcBef>
+              <a:spcAft>
+                <a:spcPts val="0"/>
+              </a:spcAft>
+              <a:buClr>
+                <a:schemeClr val="lt2"/>
+              </a:buClr>
+              <a:buSzPts val="1800"/>
+              <a:buFont typeface="DM Sans"/>
+              <a:buChar char="●"/>
+              <a:defRPr sz="1800" b="0" i="0" u="none" strike="noStrike" cap="none">
+                <a:solidFill>
+                  <a:schemeClr val="lt2"/>
+                </a:solidFill>
+                <a:latin typeface="DM Sans"/>
+                <a:ea typeface="DM Sans"/>
+                <a:cs typeface="DM Sans"/>
+                <a:sym typeface="DM Sans"/>
+              </a:defRPr>
+            </a:lvl1pPr>
+            <a:lvl2pPr marL="914400" marR="0" lvl="1" indent="-317500" algn="l" rtl="0">
+              <a:lnSpc>
+                <a:spcPct val="100000"/>
+              </a:lnSpc>
+              <a:spcBef>
+                <a:spcPts val="1600"/>
+              </a:spcBef>
+              <a:spcAft>
+                <a:spcPts val="0"/>
+              </a:spcAft>
+              <a:buClr>
+                <a:schemeClr val="lt2"/>
+              </a:buClr>
+              <a:buSzPts val="1400"/>
+              <a:buFont typeface="DM Sans"/>
+              <a:buChar char="○"/>
+              <a:defRPr sz="1400" b="0" i="0" u="none" strike="noStrike" cap="none">
+                <a:solidFill>
+                  <a:schemeClr val="lt2"/>
+                </a:solidFill>
+                <a:latin typeface="DM Sans"/>
+                <a:ea typeface="DM Sans"/>
+                <a:cs typeface="DM Sans"/>
+                <a:sym typeface="DM Sans"/>
+              </a:defRPr>
+            </a:lvl2pPr>
+            <a:lvl3pPr marL="1371600" marR="0" lvl="2" indent="-317500" algn="l" rtl="0">
+              <a:lnSpc>
+                <a:spcPct val="100000"/>
+              </a:lnSpc>
+              <a:spcBef>
+                <a:spcPts val="1600"/>
+              </a:spcBef>
+              <a:spcAft>
+                <a:spcPts val="0"/>
+              </a:spcAft>
+              <a:buClr>
+                <a:schemeClr val="lt2"/>
+              </a:buClr>
+              <a:buSzPts val="1400"/>
+              <a:buFont typeface="DM Sans"/>
+              <a:buChar char="■"/>
+              <a:defRPr sz="1400" b="0" i="0" u="none" strike="noStrike" cap="none">
+                <a:solidFill>
+                  <a:schemeClr val="lt2"/>
+                </a:solidFill>
+                <a:latin typeface="DM Sans"/>
+                <a:ea typeface="DM Sans"/>
+                <a:cs typeface="DM Sans"/>
+                <a:sym typeface="DM Sans"/>
+              </a:defRPr>
+            </a:lvl3pPr>
+            <a:lvl4pPr marL="1828800" marR="0" lvl="3" indent="-317500" algn="l" rtl="0">
+              <a:lnSpc>
+                <a:spcPct val="100000"/>
+              </a:lnSpc>
+              <a:spcBef>
+                <a:spcPts val="1600"/>
+              </a:spcBef>
+              <a:spcAft>
+                <a:spcPts val="0"/>
+              </a:spcAft>
+              <a:buClr>
+                <a:schemeClr val="lt2"/>
+              </a:buClr>
+              <a:buSzPts val="1400"/>
+              <a:buFont typeface="DM Sans"/>
+              <a:buChar char="●"/>
+              <a:defRPr sz="1400" b="0" i="0" u="none" strike="noStrike" cap="none">
+                <a:solidFill>
+                  <a:schemeClr val="lt2"/>
+                </a:solidFill>
+                <a:latin typeface="DM Sans"/>
+                <a:ea typeface="DM Sans"/>
+                <a:cs typeface="DM Sans"/>
+                <a:sym typeface="DM Sans"/>
+              </a:defRPr>
+            </a:lvl4pPr>
+            <a:lvl5pPr marL="2286000" marR="0" lvl="4" indent="-317500" algn="l" rtl="0">
+              <a:lnSpc>
+                <a:spcPct val="100000"/>
+              </a:lnSpc>
+              <a:spcBef>
+                <a:spcPts val="1600"/>
+              </a:spcBef>
+              <a:spcAft>
+                <a:spcPts val="0"/>
+              </a:spcAft>
+              <a:buClr>
+                <a:schemeClr val="lt2"/>
+              </a:buClr>
+              <a:buSzPts val="1400"/>
+              <a:buFont typeface="DM Sans"/>
+              <a:buChar char="○"/>
+              <a:defRPr sz="1400" b="0" i="0" u="none" strike="noStrike" cap="none">
+                <a:solidFill>
+                  <a:schemeClr val="lt2"/>
+                </a:solidFill>
+                <a:latin typeface="DM Sans"/>
+                <a:ea typeface="DM Sans"/>
+                <a:cs typeface="DM Sans"/>
+                <a:sym typeface="DM Sans"/>
+              </a:defRPr>
+            </a:lvl5pPr>
+            <a:lvl6pPr marL="2743200" marR="0" lvl="5" indent="-317500" algn="l" rtl="0">
+              <a:lnSpc>
+                <a:spcPct val="100000"/>
+              </a:lnSpc>
+              <a:spcBef>
+                <a:spcPts val="1600"/>
+              </a:spcBef>
+              <a:spcAft>
+                <a:spcPts val="0"/>
+              </a:spcAft>
+              <a:buClr>
+                <a:schemeClr val="lt2"/>
+              </a:buClr>
+              <a:buSzPts val="1400"/>
+              <a:buFont typeface="DM Sans"/>
+              <a:buChar char="■"/>
+              <a:defRPr sz="1400" b="0" i="0" u="none" strike="noStrike" cap="none">
+                <a:solidFill>
+                  <a:schemeClr val="lt2"/>
+                </a:solidFill>
+                <a:latin typeface="DM Sans"/>
+                <a:ea typeface="DM Sans"/>
+                <a:cs typeface="DM Sans"/>
+                <a:sym typeface="DM Sans"/>
+              </a:defRPr>
+            </a:lvl6pPr>
+            <a:lvl7pPr marL="3200400" marR="0" lvl="6" indent="-317500" algn="l" rtl="0">
+              <a:lnSpc>
+                <a:spcPct val="100000"/>
+              </a:lnSpc>
+              <a:spcBef>
+                <a:spcPts val="1600"/>
+              </a:spcBef>
+              <a:spcAft>
+                <a:spcPts val="0"/>
+              </a:spcAft>
+              <a:buClr>
+                <a:schemeClr val="lt2"/>
+              </a:buClr>
+              <a:buSzPts val="1400"/>
+              <a:buFont typeface="DM Sans"/>
+              <a:buChar char="●"/>
+              <a:defRPr sz="1400" b="0" i="0" u="none" strike="noStrike" cap="none">
+                <a:solidFill>
+                  <a:schemeClr val="lt2"/>
+                </a:solidFill>
+                <a:latin typeface="DM Sans"/>
+                <a:ea typeface="DM Sans"/>
+                <a:cs typeface="DM Sans"/>
+                <a:sym typeface="DM Sans"/>
+              </a:defRPr>
+            </a:lvl7pPr>
+            <a:lvl8pPr marL="3657600" marR="0" lvl="7" indent="-317500" algn="l" rtl="0">
+              <a:lnSpc>
+                <a:spcPct val="100000"/>
+              </a:lnSpc>
+              <a:spcBef>
+                <a:spcPts val="1600"/>
+              </a:spcBef>
+              <a:spcAft>
+                <a:spcPts val="0"/>
+              </a:spcAft>
+              <a:buClr>
+                <a:schemeClr val="lt2"/>
+              </a:buClr>
+              <a:buSzPts val="1400"/>
+              <a:buFont typeface="DM Sans"/>
+              <a:buChar char="○"/>
+              <a:defRPr sz="1400" b="0" i="0" u="none" strike="noStrike" cap="none">
+                <a:solidFill>
+                  <a:schemeClr val="lt2"/>
+                </a:solidFill>
+                <a:latin typeface="DM Sans"/>
+                <a:ea typeface="DM Sans"/>
+                <a:cs typeface="DM Sans"/>
+                <a:sym typeface="DM Sans"/>
+              </a:defRPr>
+            </a:lvl8pPr>
+            <a:lvl9pPr marL="4114800" marR="0" lvl="8" indent="-317500" algn="l" rtl="0">
+              <a:lnSpc>
+                <a:spcPct val="100000"/>
+              </a:lnSpc>
+              <a:spcBef>
+                <a:spcPts val="1600"/>
+              </a:spcBef>
+              <a:spcAft>
+                <a:spcPts val="1600"/>
+              </a:spcAft>
+              <a:buClr>
+                <a:schemeClr val="lt2"/>
+              </a:buClr>
+              <a:buSzPts val="1400"/>
+              <a:buFont typeface="DM Sans"/>
+              <a:buChar char="■"/>
+              <a:defRPr sz="1400" b="0" i="0" u="none" strike="noStrike" cap="none">
+                <a:solidFill>
+                  <a:schemeClr val="lt2"/>
+                </a:solidFill>
+                <a:latin typeface="DM Sans"/>
+                <a:ea typeface="DM Sans"/>
+                <a:cs typeface="DM Sans"/>
+                <a:sym typeface="DM Sans"/>
+              </a:defRPr>
+            </a:lvl9pPr>
+          </a:lstStyle>
+          <a:p>
+            <a:pPr marL="139700" indent="0" algn="ctr">
+              <a:buSzPts val="1400"/>
+              <a:buFont typeface="DM Sans"/>
+              <a:buNone/>
+            </a:pPr>
+            <a:r>
+              <a:rPr lang="es-ES" sz="1100" dirty="0"/>
+              <a:t>Para la reducción de la dimensionalidad usamos el algoritmo LDA.</a:t>
+            </a:r>
+          </a:p>
+          <a:p>
+            <a:pPr marL="139700" indent="0" algn="ctr">
+              <a:buSzPts val="1400"/>
+              <a:buFont typeface="DM Sans"/>
+              <a:buNone/>
+            </a:pPr>
+            <a:endParaRPr lang="es-ES" sz="1100" dirty="0"/>
+          </a:p>
+          <a:p>
+            <a:pPr marL="139700" indent="0" algn="ctr">
+              <a:buSzPts val="1400"/>
+              <a:buFont typeface="DM Sans"/>
+              <a:buNone/>
+            </a:pPr>
+            <a:r>
+              <a:rPr lang="es-ES" sz="1100" dirty="0"/>
+              <a:t>Redujimos de 72 a 6 columnas, manteniendo el 100% de la información.</a:t>
+            </a:r>
+          </a:p>
+          <a:p>
+            <a:pPr marL="139700" indent="0" algn="ctr">
+              <a:buSzPts val="1400"/>
+              <a:buFont typeface="DM Sans"/>
+              <a:buNone/>
+            </a:pPr>
+            <a:endParaRPr lang="es-ES" sz="1100" dirty="0"/>
+          </a:p>
+          <a:p>
+            <a:pPr marL="139700" indent="0" algn="ctr">
+              <a:buSzPts val="1400"/>
+              <a:buFont typeface="DM Sans"/>
+              <a:buNone/>
+            </a:pPr>
+            <a:r>
+              <a:rPr lang="es-ES" sz="1100" dirty="0"/>
+              <a:t>Escogimos el LDA debido a que es un algoritmo que se adapta a la clasificación multiclase.</a:t>
+            </a:r>
+          </a:p>
+        </p:txBody>
+      </p:sp>
+      <p:sp>
+        <p:nvSpPr>
+          <p:cNvPr id="45" name="Google Shape;1917;p47">
+            <a:extLst>
+              <a:ext uri="{FF2B5EF4-FFF2-40B4-BE49-F238E27FC236}">
+                <a16:creationId xmlns:a16="http://schemas.microsoft.com/office/drawing/2014/main" id="{286AFB17-92FB-63F4-BDDF-F057B6F04371}"/>
+              </a:ext>
+            </a:extLst>
+          </p:cNvPr>
+          <p:cNvSpPr txBox="1">
+            <a:spLocks/>
+          </p:cNvSpPr>
+          <p:nvPr/>
+        </p:nvSpPr>
+        <p:spPr>
+          <a:xfrm>
+            <a:off x="3535481" y="4019341"/>
+            <a:ext cx="2351333" cy="377700"/>
+          </a:xfrm>
+          <a:prstGeom prst="rect">
+            <a:avLst/>
+          </a:prstGeom>
+          <a:noFill/>
+          <a:ln>
+            <a:noFill/>
+          </a:ln>
+        </p:spPr>
+        <p:txBody>
+          <a:bodyPr spcFirstLastPara="1" wrap="square" lIns="91425" tIns="91425" rIns="91425" bIns="91425" anchor="t" anchorCtr="0">
+            <a:noAutofit/>
+          </a:bodyPr>
+          <a:lstStyle>
+            <a:defPPr marR="0" lvl="0" algn="l" rtl="0">
+              <a:lnSpc>
+                <a:spcPct val="100000"/>
+              </a:lnSpc>
+              <a:spcBef>
+                <a:spcPts val="0"/>
+              </a:spcBef>
+              <a:spcAft>
+                <a:spcPts val="0"/>
+              </a:spcAft>
+            </a:defPPr>
+            <a:lvl1pPr marR="0" lvl="0" algn="l" rtl="0">
+              <a:lnSpc>
+                <a:spcPct val="100000"/>
+              </a:lnSpc>
+              <a:spcBef>
+                <a:spcPts val="0"/>
+              </a:spcBef>
+              <a:spcAft>
+                <a:spcPts val="0"/>
+              </a:spcAft>
+              <a:buClr>
+                <a:schemeClr val="lt2"/>
+              </a:buClr>
+              <a:buSzPts val="2400"/>
+              <a:buFont typeface="Viga"/>
+              <a:buNone/>
+              <a:defRPr sz="2400" b="0" i="0" u="none" strike="noStrike" cap="none">
+                <a:solidFill>
+                  <a:schemeClr val="lt2"/>
+                </a:solidFill>
+                <a:latin typeface="Viga"/>
+                <a:ea typeface="Viga"/>
+                <a:cs typeface="Viga"/>
+                <a:sym typeface="Viga"/>
+              </a:defRPr>
+            </a:lvl1pPr>
+            <a:lvl2pPr marR="0" lvl="1" algn="l" rtl="0">
+              <a:lnSpc>
+                <a:spcPct val="100000"/>
+              </a:lnSpc>
+              <a:spcBef>
+                <a:spcPts val="0"/>
+              </a:spcBef>
+              <a:spcAft>
+                <a:spcPts val="0"/>
+              </a:spcAft>
+              <a:buClr>
+                <a:schemeClr val="lt2"/>
+              </a:buClr>
+              <a:buSzPts val="2400"/>
+              <a:buFont typeface="Arial"/>
+              <a:buNone/>
+              <a:defRPr sz="2400" b="0" i="0" u="none" strike="noStrike" cap="none">
+                <a:solidFill>
+                  <a:schemeClr val="lt2"/>
+                </a:solidFill>
+                <a:latin typeface="Arial"/>
+                <a:ea typeface="Arial"/>
+                <a:cs typeface="Arial"/>
+                <a:sym typeface="Arial"/>
+              </a:defRPr>
+            </a:lvl2pPr>
+            <a:lvl3pPr marR="0" lvl="2" algn="l" rtl="0">
+              <a:lnSpc>
+                <a:spcPct val="100000"/>
+              </a:lnSpc>
+              <a:spcBef>
+                <a:spcPts val="0"/>
+              </a:spcBef>
+              <a:spcAft>
+                <a:spcPts val="0"/>
+              </a:spcAft>
+              <a:buClr>
+                <a:schemeClr val="lt2"/>
+              </a:buClr>
+              <a:buSzPts val="2400"/>
+              <a:buFont typeface="Arial"/>
+              <a:buNone/>
+              <a:defRPr sz="2400" b="0" i="0" u="none" strike="noStrike" cap="none">
+                <a:solidFill>
+                  <a:schemeClr val="lt2"/>
+                </a:solidFill>
+                <a:latin typeface="Arial"/>
+                <a:ea typeface="Arial"/>
+                <a:cs typeface="Arial"/>
+                <a:sym typeface="Arial"/>
+              </a:defRPr>
+            </a:lvl3pPr>
+            <a:lvl4pPr marR="0" lvl="3" algn="l" rtl="0">
+              <a:lnSpc>
+                <a:spcPct val="100000"/>
+              </a:lnSpc>
+              <a:spcBef>
+                <a:spcPts val="0"/>
+              </a:spcBef>
+              <a:spcAft>
+                <a:spcPts val="0"/>
+              </a:spcAft>
+              <a:buClr>
+                <a:schemeClr val="lt2"/>
+              </a:buClr>
+              <a:buSzPts val="2400"/>
+              <a:buFont typeface="Arial"/>
+              <a:buNone/>
+              <a:defRPr sz="2400" b="0" i="0" u="none" strike="noStrike" cap="none">
+                <a:solidFill>
+                  <a:schemeClr val="lt2"/>
+                </a:solidFill>
+                <a:latin typeface="Arial"/>
+                <a:ea typeface="Arial"/>
+                <a:cs typeface="Arial"/>
+                <a:sym typeface="Arial"/>
+              </a:defRPr>
+            </a:lvl4pPr>
+            <a:lvl5pPr marR="0" lvl="4" algn="l" rtl="0">
+              <a:lnSpc>
+                <a:spcPct val="100000"/>
+              </a:lnSpc>
+              <a:spcBef>
+                <a:spcPts val="0"/>
+              </a:spcBef>
+              <a:spcAft>
+                <a:spcPts val="0"/>
+              </a:spcAft>
+              <a:buClr>
+                <a:schemeClr val="lt2"/>
+              </a:buClr>
+              <a:buSzPts val="2400"/>
+              <a:buFont typeface="Arial"/>
+              <a:buNone/>
+              <a:defRPr sz="2400" b="0" i="0" u="none" strike="noStrike" cap="none">
+                <a:solidFill>
+                  <a:schemeClr val="lt2"/>
+                </a:solidFill>
+                <a:latin typeface="Arial"/>
+                <a:ea typeface="Arial"/>
+                <a:cs typeface="Arial"/>
+                <a:sym typeface="Arial"/>
+              </a:defRPr>
+            </a:lvl5pPr>
+            <a:lvl6pPr marR="0" lvl="5" algn="l" rtl="0">
+              <a:lnSpc>
+                <a:spcPct val="100000"/>
+              </a:lnSpc>
+              <a:spcBef>
+                <a:spcPts val="0"/>
+              </a:spcBef>
+              <a:spcAft>
+                <a:spcPts val="0"/>
+              </a:spcAft>
+              <a:buClr>
+                <a:schemeClr val="lt2"/>
+              </a:buClr>
+              <a:buSzPts val="2400"/>
+              <a:buFont typeface="Arial"/>
+              <a:buNone/>
+              <a:defRPr sz="2400" b="0" i="0" u="none" strike="noStrike" cap="none">
+                <a:solidFill>
+                  <a:schemeClr val="lt2"/>
+                </a:solidFill>
+                <a:latin typeface="Arial"/>
+                <a:ea typeface="Arial"/>
+                <a:cs typeface="Arial"/>
+                <a:sym typeface="Arial"/>
+              </a:defRPr>
+            </a:lvl6pPr>
+            <a:lvl7pPr marR="0" lvl="6" algn="l" rtl="0">
+              <a:lnSpc>
+                <a:spcPct val="100000"/>
+              </a:lnSpc>
+              <a:spcBef>
+                <a:spcPts val="0"/>
+              </a:spcBef>
+              <a:spcAft>
+                <a:spcPts val="0"/>
+              </a:spcAft>
+              <a:buClr>
+                <a:schemeClr val="lt2"/>
+              </a:buClr>
+              <a:buSzPts val="2400"/>
+              <a:buFont typeface="Arial"/>
+              <a:buNone/>
+              <a:defRPr sz="2400" b="0" i="0" u="none" strike="noStrike" cap="none">
+                <a:solidFill>
+                  <a:schemeClr val="lt2"/>
+                </a:solidFill>
+                <a:latin typeface="Arial"/>
+                <a:ea typeface="Arial"/>
+                <a:cs typeface="Arial"/>
+                <a:sym typeface="Arial"/>
+              </a:defRPr>
+            </a:lvl7pPr>
+            <a:lvl8pPr marR="0" lvl="7" algn="l" rtl="0">
+              <a:lnSpc>
+                <a:spcPct val="100000"/>
+              </a:lnSpc>
+              <a:spcBef>
+                <a:spcPts val="0"/>
+              </a:spcBef>
+              <a:spcAft>
+                <a:spcPts val="0"/>
+              </a:spcAft>
+              <a:buClr>
+                <a:schemeClr val="lt2"/>
+              </a:buClr>
+              <a:buSzPts val="2400"/>
+              <a:buFont typeface="Arial"/>
+              <a:buNone/>
+              <a:defRPr sz="2400" b="0" i="0" u="none" strike="noStrike" cap="none">
+                <a:solidFill>
+                  <a:schemeClr val="lt2"/>
+                </a:solidFill>
+                <a:latin typeface="Arial"/>
+                <a:ea typeface="Arial"/>
+                <a:cs typeface="Arial"/>
+                <a:sym typeface="Arial"/>
+              </a:defRPr>
+            </a:lvl8pPr>
+            <a:lvl9pPr marR="0" lvl="8" algn="l" rtl="0">
+              <a:lnSpc>
+                <a:spcPct val="100000"/>
+              </a:lnSpc>
+              <a:spcBef>
+                <a:spcPts val="0"/>
+              </a:spcBef>
+              <a:spcAft>
+                <a:spcPts val="0"/>
+              </a:spcAft>
+              <a:buClr>
+                <a:schemeClr val="lt2"/>
+              </a:buClr>
+              <a:buSzPts val="2400"/>
+              <a:buFont typeface="Arial"/>
+              <a:buNone/>
+              <a:defRPr sz="2400" b="0" i="0" u="none" strike="noStrike" cap="none">
+                <a:solidFill>
+                  <a:schemeClr val="lt2"/>
+                </a:solidFill>
+                <a:latin typeface="Arial"/>
+                <a:ea typeface="Arial"/>
+                <a:cs typeface="Arial"/>
+                <a:sym typeface="Arial"/>
+              </a:defRPr>
+            </a:lvl9pPr>
+          </a:lstStyle>
+          <a:p>
+            <a:pPr algn="ctr"/>
+            <a:r>
+              <a:rPr lang="es-ES" sz="1400" dirty="0"/>
+              <a:t>LDA</a:t>
+            </a:r>
+          </a:p>
+          <a:p>
+            <a:pPr algn="ctr"/>
+            <a:endParaRPr lang="es-ES" sz="1400" dirty="0"/>
+          </a:p>
+        </p:txBody>
+      </p:sp>
     </p:spTree>
-    <p:extLst>
-      <p:ext uri="{BB962C8B-B14F-4D97-AF65-F5344CB8AC3E}">
-        <p14:creationId xmlns:p14="http://schemas.microsoft.com/office/powerpoint/2010/main" val="4023519175"/>
-      </p:ext>
-    </p:extLst>
   </p:cSld>
   <p:clrMapOvr>
     <a:masterClrMapping/>

--- a/Documentación/Presentacion de proyecto.pptx
+++ b/Documentación/Presentacion de proyecto.pptx
@@ -5,34 +5,33 @@
     <p:sldMasterId id="2147483674" r:id="rId1"/>
   </p:sldMasterIdLst>
   <p:notesMasterIdLst>
-    <p:notesMasterId r:id="rId13"/>
+    <p:notesMasterId r:id="rId12"/>
   </p:notesMasterIdLst>
   <p:sldIdLst>
     <p:sldId id="256" r:id="rId2"/>
     <p:sldId id="258" r:id="rId3"/>
     <p:sldId id="262" r:id="rId4"/>
-    <p:sldId id="283" r:id="rId5"/>
-    <p:sldId id="263" r:id="rId6"/>
-    <p:sldId id="264" r:id="rId7"/>
-    <p:sldId id="267" r:id="rId8"/>
-    <p:sldId id="268" r:id="rId9"/>
-    <p:sldId id="288" r:id="rId10"/>
-    <p:sldId id="275" r:id="rId11"/>
-    <p:sldId id="277" r:id="rId12"/>
+    <p:sldId id="263" r:id="rId5"/>
+    <p:sldId id="264" r:id="rId6"/>
+    <p:sldId id="267" r:id="rId7"/>
+    <p:sldId id="268" r:id="rId8"/>
+    <p:sldId id="274" r:id="rId9"/>
+    <p:sldId id="275" r:id="rId10"/>
+    <p:sldId id="277" r:id="rId11"/>
   </p:sldIdLst>
   <p:sldSz cx="9144000" cy="5143500" type="screen16x9"/>
   <p:notesSz cx="6858000" cy="9144000"/>
   <p:embeddedFontLst>
     <p:embeddedFont>
       <p:font typeface="DM Sans" pitchFamily="2" charset="0"/>
-      <p:regular r:id="rId14"/>
-      <p:bold r:id="rId15"/>
-      <p:italic r:id="rId16"/>
-      <p:boldItalic r:id="rId17"/>
+      <p:regular r:id="rId13"/>
+      <p:bold r:id="rId14"/>
+      <p:italic r:id="rId15"/>
+      <p:boldItalic r:id="rId16"/>
     </p:embeddedFont>
     <p:embeddedFont>
       <p:font typeface="Viga" panose="020B0604020202020204" charset="0"/>
-      <p:regular r:id="rId18"/>
+      <p:regular r:id="rId17"/>
     </p:embeddedFont>
   </p:embeddedFontLst>
   <p:defaultTextStyle>
@@ -302,7 +301,7 @@
 <p1510:revInfo xmlns:a="http://schemas.openxmlformats.org/drawingml/2006/main" xmlns:r="http://schemas.openxmlformats.org/officeDocument/2006/relationships" xmlns:p1510="http://schemas.microsoft.com/office/powerpoint/2015/10/main">
   <p1510:revLst>
     <p1510:client id="{97E500B9-40A3-490F-949E-E8FE3E56DB41}" v="22" dt="2024-06-16T21:35:10.579"/>
-    <p1510:client id="{E943E5C1-95CE-486C-92D7-129C80AE65D4}" v="92" dt="2024-06-17T16:35:03.597"/>
+    <p1510:client id="{E943E5C1-95CE-486C-92D7-129C80AE65D4}" v="22" dt="2024-06-17T01:44:36.228"/>
   </p1510:revLst>
 </p1510:revInfo>
 </file>
@@ -382,8 +381,8 @@
   </pc:docChgLst>
   <pc:docChgLst>
     <pc:chgData name="Anxo Casal Rodriguez" userId="4252bde8-bc8f-41dd-83f3-a4e65c95fbdf" providerId="ADAL" clId="{E943E5C1-95CE-486C-92D7-129C80AE65D4}"/>
-    <pc:docChg chg="undo redo custSel addSld delSld modSld sldOrd delMainMaster">
-      <pc:chgData name="Anxo Casal Rodriguez" userId="4252bde8-bc8f-41dd-83f3-a4e65c95fbdf" providerId="ADAL" clId="{E943E5C1-95CE-486C-92D7-129C80AE65D4}" dt="2024-06-17T16:38:40.164" v="3099" actId="478"/>
+    <pc:docChg chg="undo custSel addSld delSld modSld sldOrd delMainMaster">
+      <pc:chgData name="Anxo Casal Rodriguez" userId="4252bde8-bc8f-41dd-83f3-a4e65c95fbdf" providerId="ADAL" clId="{E943E5C1-95CE-486C-92D7-129C80AE65D4}" dt="2024-06-17T01:46:56.634" v="1804" actId="1076"/>
       <pc:docMkLst>
         <pc:docMk/>
       </pc:docMkLst>
@@ -416,69 +415,6 @@
           <pc:sldMk cId="0" sldId="266"/>
         </pc:sldMkLst>
       </pc:sldChg>
-      <pc:sldChg chg="addSp modSp mod">
-        <pc:chgData name="Anxo Casal Rodriguez" userId="4252bde8-bc8f-41dd-83f3-a4e65c95fbdf" providerId="ADAL" clId="{E943E5C1-95CE-486C-92D7-129C80AE65D4}" dt="2024-06-17T15:52:24.397" v="1921" actId="1076"/>
-        <pc:sldMkLst>
-          <pc:docMk/>
-          <pc:sldMk cId="0" sldId="268"/>
-        </pc:sldMkLst>
-        <pc:spChg chg="add mod">
-          <ac:chgData name="Anxo Casal Rodriguez" userId="4252bde8-bc8f-41dd-83f3-a4e65c95fbdf" providerId="ADAL" clId="{E943E5C1-95CE-486C-92D7-129C80AE65D4}" dt="2024-06-17T15:52:24.397" v="1921" actId="1076"/>
-          <ac:spMkLst>
-            <pc:docMk/>
-            <pc:sldMk cId="0" sldId="268"/>
-            <ac:spMk id="10" creationId="{9DB2D0D2-E5CC-5089-12D6-4DFE458751F8}"/>
-          </ac:spMkLst>
-        </pc:spChg>
-        <pc:spChg chg="add mod">
-          <ac:chgData name="Anxo Casal Rodriguez" userId="4252bde8-bc8f-41dd-83f3-a4e65c95fbdf" providerId="ADAL" clId="{E943E5C1-95CE-486C-92D7-129C80AE65D4}" dt="2024-06-17T15:50:57.530" v="1841" actId="20577"/>
-          <ac:spMkLst>
-            <pc:docMk/>
-            <pc:sldMk cId="0" sldId="268"/>
-            <ac:spMk id="11" creationId="{57615246-93DC-3FE1-751B-50B230E87994}"/>
-          </ac:spMkLst>
-        </pc:spChg>
-        <pc:spChg chg="mod">
-          <ac:chgData name="Anxo Casal Rodriguez" userId="4252bde8-bc8f-41dd-83f3-a4e65c95fbdf" providerId="ADAL" clId="{E943E5C1-95CE-486C-92D7-129C80AE65D4}" dt="2024-06-17T15:49:22.119" v="1817" actId="1076"/>
-          <ac:spMkLst>
-            <pc:docMk/>
-            <pc:sldMk cId="0" sldId="268"/>
-            <ac:spMk id="1457" creationId="{00000000-0000-0000-0000-000000000000}"/>
-          </ac:spMkLst>
-        </pc:spChg>
-        <pc:spChg chg="mod">
-          <ac:chgData name="Anxo Casal Rodriguez" userId="4252bde8-bc8f-41dd-83f3-a4e65c95fbdf" providerId="ADAL" clId="{E943E5C1-95CE-486C-92D7-129C80AE65D4}" dt="2024-06-17T15:49:22.119" v="1817" actId="1076"/>
-          <ac:spMkLst>
-            <pc:docMk/>
-            <pc:sldMk cId="0" sldId="268"/>
-            <ac:spMk id="1458" creationId="{00000000-0000-0000-0000-000000000000}"/>
-          </ac:spMkLst>
-        </pc:spChg>
-        <pc:cxnChg chg="add mod">
-          <ac:chgData name="Anxo Casal Rodriguez" userId="4252bde8-bc8f-41dd-83f3-a4e65c95fbdf" providerId="ADAL" clId="{E943E5C1-95CE-486C-92D7-129C80AE65D4}" dt="2024-06-17T15:50:46.789" v="1824" actId="14100"/>
-          <ac:cxnSpMkLst>
-            <pc:docMk/>
-            <pc:sldMk cId="0" sldId="268"/>
-            <ac:cxnSpMk id="7" creationId="{DCD91FBC-79E5-0FB7-CB44-1CF4F74641F0}"/>
-          </ac:cxnSpMkLst>
-        </pc:cxnChg>
-        <pc:cxnChg chg="mod">
-          <ac:chgData name="Anxo Casal Rodriguez" userId="4252bde8-bc8f-41dd-83f3-a4e65c95fbdf" providerId="ADAL" clId="{E943E5C1-95CE-486C-92D7-129C80AE65D4}" dt="2024-06-17T15:49:14.837" v="1816" actId="14100"/>
-          <ac:cxnSpMkLst>
-            <pc:docMk/>
-            <pc:sldMk cId="0" sldId="268"/>
-            <ac:cxnSpMk id="1463" creationId="{00000000-0000-0000-0000-000000000000}"/>
-          </ac:cxnSpMkLst>
-        </pc:cxnChg>
-        <pc:cxnChg chg="mod">
-          <ac:chgData name="Anxo Casal Rodriguez" userId="4252bde8-bc8f-41dd-83f3-a4e65c95fbdf" providerId="ADAL" clId="{E943E5C1-95CE-486C-92D7-129C80AE65D4}" dt="2024-06-17T15:49:31.054" v="1818" actId="14100"/>
-          <ac:cxnSpMkLst>
-            <pc:docMk/>
-            <pc:sldMk cId="0" sldId="268"/>
-            <ac:cxnSpMk id="1464" creationId="{00000000-0000-0000-0000-000000000000}"/>
-          </ac:cxnSpMkLst>
-        </pc:cxnChg>
-      </pc:sldChg>
       <pc:sldChg chg="del">
         <pc:chgData name="Anxo Casal Rodriguez" userId="4252bde8-bc8f-41dd-83f3-a4e65c95fbdf" providerId="ADAL" clId="{E943E5C1-95CE-486C-92D7-129C80AE65D4}" dt="2024-06-17T01:15:56.026" v="710" actId="47"/>
         <pc:sldMkLst>
@@ -507,247 +443,15 @@
           <pc:sldMk cId="0" sldId="272"/>
         </pc:sldMkLst>
       </pc:sldChg>
-      <pc:sldChg chg="addSp delSp modSp add del mod">
-        <pc:chgData name="Anxo Casal Rodriguez" userId="4252bde8-bc8f-41dd-83f3-a4e65c95fbdf" providerId="ADAL" clId="{E943E5C1-95CE-486C-92D7-129C80AE65D4}" dt="2024-06-17T16:21:56.012" v="2506" actId="47"/>
+      <pc:sldChg chg="del">
+        <pc:chgData name="Anxo Casal Rodriguez" userId="4252bde8-bc8f-41dd-83f3-a4e65c95fbdf" providerId="ADAL" clId="{E943E5C1-95CE-486C-92D7-129C80AE65D4}" dt="2024-06-17T01:15:56.026" v="710" actId="47"/>
         <pc:sldMkLst>
           <pc:docMk/>
           <pc:sldMk cId="0" sldId="273"/>
         </pc:sldMkLst>
-        <pc:spChg chg="add mod">
-          <ac:chgData name="Anxo Casal Rodriguez" userId="4252bde8-bc8f-41dd-83f3-a4e65c95fbdf" providerId="ADAL" clId="{E943E5C1-95CE-486C-92D7-129C80AE65D4}" dt="2024-06-17T16:14:42.793" v="2420"/>
-          <ac:spMkLst>
-            <pc:docMk/>
-            <pc:sldMk cId="0" sldId="273"/>
-            <ac:spMk id="2" creationId="{E4FB5296-B811-8800-813B-14EAFE9D9E07}"/>
-          </ac:spMkLst>
-        </pc:spChg>
-        <pc:spChg chg="add mod">
-          <ac:chgData name="Anxo Casal Rodriguez" userId="4252bde8-bc8f-41dd-83f3-a4e65c95fbdf" providerId="ADAL" clId="{E943E5C1-95CE-486C-92D7-129C80AE65D4}" dt="2024-06-17T16:14:42.793" v="2420"/>
-          <ac:spMkLst>
-            <pc:docMk/>
-            <pc:sldMk cId="0" sldId="273"/>
-            <ac:spMk id="3" creationId="{D08EB911-C0DC-CDD4-DA34-7FD8FCA5265C}"/>
-          </ac:spMkLst>
-        </pc:spChg>
-        <pc:spChg chg="add mod">
-          <ac:chgData name="Anxo Casal Rodriguez" userId="4252bde8-bc8f-41dd-83f3-a4e65c95fbdf" providerId="ADAL" clId="{E943E5C1-95CE-486C-92D7-129C80AE65D4}" dt="2024-06-17T16:15:21.730" v="2428"/>
-          <ac:spMkLst>
-            <pc:docMk/>
-            <pc:sldMk cId="0" sldId="273"/>
-            <ac:spMk id="4" creationId="{6CCC1E03-44D4-FD83-8EBB-97E5C01187F3}"/>
-          </ac:spMkLst>
-        </pc:spChg>
-        <pc:spChg chg="add mod">
-          <ac:chgData name="Anxo Casal Rodriguez" userId="4252bde8-bc8f-41dd-83f3-a4e65c95fbdf" providerId="ADAL" clId="{E943E5C1-95CE-486C-92D7-129C80AE65D4}" dt="2024-06-17T16:15:21.730" v="2428"/>
-          <ac:spMkLst>
-            <pc:docMk/>
-            <pc:sldMk cId="0" sldId="273"/>
-            <ac:spMk id="5" creationId="{5E470C18-F72D-756F-85FB-FCB6D9E2B876}"/>
-          </ac:spMkLst>
-        </pc:spChg>
-        <pc:spChg chg="add mod">
-          <ac:chgData name="Anxo Casal Rodriguez" userId="4252bde8-bc8f-41dd-83f3-a4e65c95fbdf" providerId="ADAL" clId="{E943E5C1-95CE-486C-92D7-129C80AE65D4}" dt="2024-06-17T16:15:25.246" v="2430"/>
-          <ac:spMkLst>
-            <pc:docMk/>
-            <pc:sldMk cId="0" sldId="273"/>
-            <ac:spMk id="6" creationId="{9592EBA0-D3E5-0CAC-6BC2-E4CD6FB6455E}"/>
-          </ac:spMkLst>
-        </pc:spChg>
-        <pc:spChg chg="add mod">
-          <ac:chgData name="Anxo Casal Rodriguez" userId="4252bde8-bc8f-41dd-83f3-a4e65c95fbdf" providerId="ADAL" clId="{E943E5C1-95CE-486C-92D7-129C80AE65D4}" dt="2024-06-17T16:15:25.246" v="2430"/>
-          <ac:spMkLst>
-            <pc:docMk/>
-            <pc:sldMk cId="0" sldId="273"/>
-            <ac:spMk id="7" creationId="{34E4E489-E0BB-1C24-FB99-CDC700C25333}"/>
-          </ac:spMkLst>
-        </pc:spChg>
-        <pc:spChg chg="add mod">
-          <ac:chgData name="Anxo Casal Rodriguez" userId="4252bde8-bc8f-41dd-83f3-a4e65c95fbdf" providerId="ADAL" clId="{E943E5C1-95CE-486C-92D7-129C80AE65D4}" dt="2024-06-17T16:21:53.530" v="2505" actId="1076"/>
-          <ac:spMkLst>
-            <pc:docMk/>
-            <pc:sldMk cId="0" sldId="273"/>
-            <ac:spMk id="8" creationId="{9C526A90-9B45-C721-A37F-C8F46C5E72AA}"/>
-          </ac:spMkLst>
-        </pc:spChg>
-        <pc:spChg chg="add mod">
-          <ac:chgData name="Anxo Casal Rodriguez" userId="4252bde8-bc8f-41dd-83f3-a4e65c95fbdf" providerId="ADAL" clId="{E943E5C1-95CE-486C-92D7-129C80AE65D4}" dt="2024-06-17T16:21:53.530" v="2505" actId="1076"/>
-          <ac:spMkLst>
-            <pc:docMk/>
-            <pc:sldMk cId="0" sldId="273"/>
-            <ac:spMk id="9" creationId="{1CF8C195-B65F-A870-797D-6153B048F876}"/>
-          </ac:spMkLst>
-        </pc:spChg>
-        <pc:spChg chg="add del mod">
-          <ac:chgData name="Anxo Casal Rodriguez" userId="4252bde8-bc8f-41dd-83f3-a4e65c95fbdf" providerId="ADAL" clId="{E943E5C1-95CE-486C-92D7-129C80AE65D4}" dt="2024-06-17T16:17:48.190" v="2461" actId="478"/>
-          <ac:spMkLst>
-            <pc:docMk/>
-            <pc:sldMk cId="0" sldId="273"/>
-            <ac:spMk id="10" creationId="{EC1E2888-EC3A-9D3E-6A72-5086097F601B}"/>
-          </ac:spMkLst>
-        </pc:spChg>
-        <pc:spChg chg="add del mod">
-          <ac:chgData name="Anxo Casal Rodriguez" userId="4252bde8-bc8f-41dd-83f3-a4e65c95fbdf" providerId="ADAL" clId="{E943E5C1-95CE-486C-92D7-129C80AE65D4}" dt="2024-06-17T16:17:48.190" v="2461" actId="478"/>
-          <ac:spMkLst>
-            <pc:docMk/>
-            <pc:sldMk cId="0" sldId="273"/>
-            <ac:spMk id="11" creationId="{4EF57882-6E0A-24AF-A0D8-9E5972FADCA4}"/>
-          </ac:spMkLst>
-        </pc:spChg>
-        <pc:spChg chg="add mod">
-          <ac:chgData name="Anxo Casal Rodriguez" userId="4252bde8-bc8f-41dd-83f3-a4e65c95fbdf" providerId="ADAL" clId="{E943E5C1-95CE-486C-92D7-129C80AE65D4}" dt="2024-06-17T16:21:52.217" v="2502" actId="1076"/>
-          <ac:spMkLst>
-            <pc:docMk/>
-            <pc:sldMk cId="0" sldId="273"/>
-            <ac:spMk id="12" creationId="{819EA374-FC90-970F-19A2-CC1E9F172C1E}"/>
-          </ac:spMkLst>
-        </pc:spChg>
-        <pc:spChg chg="add mod">
-          <ac:chgData name="Anxo Casal Rodriguez" userId="4252bde8-bc8f-41dd-83f3-a4e65c95fbdf" providerId="ADAL" clId="{E943E5C1-95CE-486C-92D7-129C80AE65D4}" dt="2024-06-17T16:21:52.217" v="2502" actId="1076"/>
-          <ac:spMkLst>
-            <pc:docMk/>
-            <pc:sldMk cId="0" sldId="273"/>
-            <ac:spMk id="13" creationId="{D4D90B77-E90F-0779-6A3A-D99BC0F02642}"/>
-          </ac:spMkLst>
-        </pc:spChg>
-        <pc:spChg chg="mod">
-          <ac:chgData name="Anxo Casal Rodriguez" userId="4252bde8-bc8f-41dd-83f3-a4e65c95fbdf" providerId="ADAL" clId="{E943E5C1-95CE-486C-92D7-129C80AE65D4}" dt="2024-06-17T16:14:22.655" v="2417" actId="20577"/>
-          <ac:spMkLst>
-            <pc:docMk/>
-            <pc:sldMk cId="0" sldId="273"/>
-            <ac:spMk id="1869" creationId="{00000000-0000-0000-0000-000000000000}"/>
-          </ac:spMkLst>
-        </pc:spChg>
-        <pc:spChg chg="mod">
-          <ac:chgData name="Anxo Casal Rodriguez" userId="4252bde8-bc8f-41dd-83f3-a4e65c95fbdf" providerId="ADAL" clId="{E943E5C1-95CE-486C-92D7-129C80AE65D4}" dt="2024-06-17T16:19:31.350" v="2471" actId="1076"/>
-          <ac:spMkLst>
-            <pc:docMk/>
-            <pc:sldMk cId="0" sldId="273"/>
-            <ac:spMk id="1876" creationId="{00000000-0000-0000-0000-000000000000}"/>
-          </ac:spMkLst>
-        </pc:spChg>
-        <pc:spChg chg="del mod">
-          <ac:chgData name="Anxo Casal Rodriguez" userId="4252bde8-bc8f-41dd-83f3-a4e65c95fbdf" providerId="ADAL" clId="{E943E5C1-95CE-486C-92D7-129C80AE65D4}" dt="2024-06-17T16:15:27.621" v="2431" actId="478"/>
-          <ac:spMkLst>
-            <pc:docMk/>
-            <pc:sldMk cId="0" sldId="273"/>
-            <ac:spMk id="1892" creationId="{00000000-0000-0000-0000-000000000000}"/>
-          </ac:spMkLst>
-        </pc:spChg>
-        <pc:spChg chg="del mod">
-          <ac:chgData name="Anxo Casal Rodriguez" userId="4252bde8-bc8f-41dd-83f3-a4e65c95fbdf" providerId="ADAL" clId="{E943E5C1-95CE-486C-92D7-129C80AE65D4}" dt="2024-06-17T16:15:27.621" v="2431" actId="478"/>
-          <ac:spMkLst>
-            <pc:docMk/>
-            <pc:sldMk cId="0" sldId="273"/>
-            <ac:spMk id="1893" creationId="{00000000-0000-0000-0000-000000000000}"/>
-          </ac:spMkLst>
-        </pc:spChg>
-        <pc:spChg chg="del">
-          <ac:chgData name="Anxo Casal Rodriguez" userId="4252bde8-bc8f-41dd-83f3-a4e65c95fbdf" providerId="ADAL" clId="{E943E5C1-95CE-486C-92D7-129C80AE65D4}" dt="2024-06-17T16:15:01.964" v="2424" actId="478"/>
-          <ac:spMkLst>
-            <pc:docMk/>
-            <pc:sldMk cId="0" sldId="273"/>
-            <ac:spMk id="1894" creationId="{00000000-0000-0000-0000-000000000000}"/>
-          </ac:spMkLst>
-        </pc:spChg>
-        <pc:spChg chg="del mod">
-          <ac:chgData name="Anxo Casal Rodriguez" userId="4252bde8-bc8f-41dd-83f3-a4e65c95fbdf" providerId="ADAL" clId="{E943E5C1-95CE-486C-92D7-129C80AE65D4}" dt="2024-06-17T16:15:03.528" v="2425" actId="478"/>
-          <ac:spMkLst>
-            <pc:docMk/>
-            <pc:sldMk cId="0" sldId="273"/>
-            <ac:spMk id="1895" creationId="{00000000-0000-0000-0000-000000000000}"/>
-          </ac:spMkLst>
-        </pc:spChg>
-        <pc:spChg chg="del">
-          <ac:chgData name="Anxo Casal Rodriguez" userId="4252bde8-bc8f-41dd-83f3-a4e65c95fbdf" providerId="ADAL" clId="{E943E5C1-95CE-486C-92D7-129C80AE65D4}" dt="2024-06-17T16:15:03.528" v="2425" actId="478"/>
-          <ac:spMkLst>
-            <pc:docMk/>
-            <pc:sldMk cId="0" sldId="273"/>
-            <ac:spMk id="1896" creationId="{00000000-0000-0000-0000-000000000000}"/>
-          </ac:spMkLst>
-        </pc:spChg>
-        <pc:spChg chg="del">
-          <ac:chgData name="Anxo Casal Rodriguez" userId="4252bde8-bc8f-41dd-83f3-a4e65c95fbdf" providerId="ADAL" clId="{E943E5C1-95CE-486C-92D7-129C80AE65D4}" dt="2024-06-17T16:15:03.528" v="2425" actId="478"/>
-          <ac:spMkLst>
-            <pc:docMk/>
-            <pc:sldMk cId="0" sldId="273"/>
-            <ac:spMk id="1897" creationId="{00000000-0000-0000-0000-000000000000}"/>
-          </ac:spMkLst>
-        </pc:spChg>
-        <pc:spChg chg="del mod">
-          <ac:chgData name="Anxo Casal Rodriguez" userId="4252bde8-bc8f-41dd-83f3-a4e65c95fbdf" providerId="ADAL" clId="{E943E5C1-95CE-486C-92D7-129C80AE65D4}" dt="2024-06-17T16:16:15.568" v="2442" actId="478"/>
-          <ac:spMkLst>
-            <pc:docMk/>
-            <pc:sldMk cId="0" sldId="273"/>
-            <ac:spMk id="1898" creationId="{00000000-0000-0000-0000-000000000000}"/>
-          </ac:spMkLst>
-        </pc:spChg>
-        <pc:spChg chg="del mod">
-          <ac:chgData name="Anxo Casal Rodriguez" userId="4252bde8-bc8f-41dd-83f3-a4e65c95fbdf" providerId="ADAL" clId="{E943E5C1-95CE-486C-92D7-129C80AE65D4}" dt="2024-06-17T16:16:15.568" v="2442" actId="478"/>
-          <ac:spMkLst>
-            <pc:docMk/>
-            <pc:sldMk cId="0" sldId="273"/>
-            <ac:spMk id="1899" creationId="{00000000-0000-0000-0000-000000000000}"/>
-          </ac:spMkLst>
-        </pc:spChg>
-        <pc:spChg chg="del mod">
-          <ac:chgData name="Anxo Casal Rodriguez" userId="4252bde8-bc8f-41dd-83f3-a4e65c95fbdf" providerId="ADAL" clId="{E943E5C1-95CE-486C-92D7-129C80AE65D4}" dt="2024-06-17T16:16:20.889" v="2444" actId="478"/>
-          <ac:spMkLst>
-            <pc:docMk/>
-            <pc:sldMk cId="0" sldId="273"/>
-            <ac:spMk id="1900" creationId="{00000000-0000-0000-0000-000000000000}"/>
-          </ac:spMkLst>
-        </pc:spChg>
-        <pc:spChg chg="del mod">
-          <ac:chgData name="Anxo Casal Rodriguez" userId="4252bde8-bc8f-41dd-83f3-a4e65c95fbdf" providerId="ADAL" clId="{E943E5C1-95CE-486C-92D7-129C80AE65D4}" dt="2024-06-17T16:16:20.889" v="2444" actId="478"/>
-          <ac:spMkLst>
-            <pc:docMk/>
-            <pc:sldMk cId="0" sldId="273"/>
-            <ac:spMk id="1901" creationId="{00000000-0000-0000-0000-000000000000}"/>
-          </ac:spMkLst>
-        </pc:spChg>
-        <pc:grpChg chg="mod">
-          <ac:chgData name="Anxo Casal Rodriguez" userId="4252bde8-bc8f-41dd-83f3-a4e65c95fbdf" providerId="ADAL" clId="{E943E5C1-95CE-486C-92D7-129C80AE65D4}" dt="2024-06-17T16:19:31.350" v="2471" actId="1076"/>
-          <ac:grpSpMkLst>
-            <pc:docMk/>
-            <pc:sldMk cId="0" sldId="273"/>
-            <ac:grpSpMk id="1870" creationId="{00000000-0000-0000-0000-000000000000}"/>
-          </ac:grpSpMkLst>
-        </pc:grpChg>
-        <pc:grpChg chg="mod">
-          <ac:chgData name="Anxo Casal Rodriguez" userId="4252bde8-bc8f-41dd-83f3-a4e65c95fbdf" providerId="ADAL" clId="{E943E5C1-95CE-486C-92D7-129C80AE65D4}" dt="2024-06-17T16:21:44.581" v="2498" actId="688"/>
-          <ac:grpSpMkLst>
-            <pc:docMk/>
-            <pc:sldMk cId="0" sldId="273"/>
-            <ac:grpSpMk id="1877" creationId="{00000000-0000-0000-0000-000000000000}"/>
-          </ac:grpSpMkLst>
-        </pc:grpChg>
-        <pc:grpChg chg="add del mod">
-          <ac:chgData name="Anxo Casal Rodriguez" userId="4252bde8-bc8f-41dd-83f3-a4e65c95fbdf" providerId="ADAL" clId="{E943E5C1-95CE-486C-92D7-129C80AE65D4}" dt="2024-06-17T16:21:44.581" v="2498" actId="688"/>
-          <ac:grpSpMkLst>
-            <pc:docMk/>
-            <pc:sldMk cId="0" sldId="273"/>
-            <ac:grpSpMk id="1882" creationId="{00000000-0000-0000-0000-000000000000}"/>
-          </ac:grpSpMkLst>
-        </pc:grpChg>
-        <pc:grpChg chg="mod">
-          <ac:chgData name="Anxo Casal Rodriguez" userId="4252bde8-bc8f-41dd-83f3-a4e65c95fbdf" providerId="ADAL" clId="{E943E5C1-95CE-486C-92D7-129C80AE65D4}" dt="2024-06-17T16:21:17.269" v="2484" actId="1076"/>
-          <ac:grpSpMkLst>
-            <pc:docMk/>
-            <pc:sldMk cId="0" sldId="273"/>
-            <ac:grpSpMk id="1887" creationId="{00000000-0000-0000-0000-000000000000}"/>
-          </ac:grpSpMkLst>
-        </pc:grpChg>
-        <pc:cxnChg chg="mod">
-          <ac:chgData name="Anxo Casal Rodriguez" userId="4252bde8-bc8f-41dd-83f3-a4e65c95fbdf" providerId="ADAL" clId="{E943E5C1-95CE-486C-92D7-129C80AE65D4}" dt="2024-06-17T16:19:31.350" v="2471" actId="1076"/>
-          <ac:cxnSpMkLst>
-            <pc:docMk/>
-            <pc:sldMk cId="0" sldId="273"/>
-            <ac:cxnSpMk id="1875" creationId="{00000000-0000-0000-0000-000000000000}"/>
-          </ac:cxnSpMkLst>
-        </pc:cxnChg>
       </pc:sldChg>
-      <pc:sldChg chg="addSp delSp modSp del mod ord">
-        <pc:chgData name="Anxo Casal Rodriguez" userId="4252bde8-bc8f-41dd-83f3-a4e65c95fbdf" providerId="ADAL" clId="{E943E5C1-95CE-486C-92D7-129C80AE65D4}" dt="2024-06-17T16:37:18.150" v="3091" actId="47"/>
+      <pc:sldChg chg="addSp delSp modSp mod ord">
+        <pc:chgData name="Anxo Casal Rodriguez" userId="4252bde8-bc8f-41dd-83f3-a4e65c95fbdf" providerId="ADAL" clId="{E943E5C1-95CE-486C-92D7-129C80AE65D4}" dt="2024-06-17T01:28:14.195" v="712" actId="22"/>
         <pc:sldMkLst>
           <pc:docMk/>
           <pc:sldMk cId="0" sldId="274"/>
@@ -969,6 +673,13 @@
           </ac:spMkLst>
         </pc:spChg>
       </pc:sldChg>
+      <pc:sldChg chg="del">
+        <pc:chgData name="Anxo Casal Rodriguez" userId="4252bde8-bc8f-41dd-83f3-a4e65c95fbdf" providerId="ADAL" clId="{E943E5C1-95CE-486C-92D7-129C80AE65D4}" dt="2024-06-17T01:15:56.026" v="710" actId="47"/>
+        <pc:sldMkLst>
+          <pc:docMk/>
+          <pc:sldMk cId="0" sldId="275"/>
+        </pc:sldMkLst>
+      </pc:sldChg>
       <pc:sldChg chg="addSp delSp modSp add mod">
         <pc:chgData name="Anxo Casal Rodriguez" userId="4252bde8-bc8f-41dd-83f3-a4e65c95fbdf" providerId="ADAL" clId="{E943E5C1-95CE-486C-92D7-129C80AE65D4}" dt="2024-06-17T01:42:15.730" v="1642" actId="1076"/>
         <pc:sldMkLst>
@@ -1088,85 +799,6 @@
           </ac:spMkLst>
         </pc:spChg>
       </pc:sldChg>
-      <pc:sldChg chg="addSp delSp modSp del mod">
-        <pc:chgData name="Anxo Casal Rodriguez" userId="4252bde8-bc8f-41dd-83f3-a4e65c95fbdf" providerId="ADAL" clId="{E943E5C1-95CE-486C-92D7-129C80AE65D4}" dt="2024-06-17T16:38:40.164" v="3099" actId="478"/>
-        <pc:sldMkLst>
-          <pc:docMk/>
-          <pc:sldMk cId="4023519175" sldId="275"/>
-        </pc:sldMkLst>
-        <pc:spChg chg="add del">
-          <ac:chgData name="Anxo Casal Rodriguez" userId="4252bde8-bc8f-41dd-83f3-a4e65c95fbdf" providerId="ADAL" clId="{E943E5C1-95CE-486C-92D7-129C80AE65D4}" dt="2024-06-17T16:38:40.164" v="3099" actId="478"/>
-          <ac:spMkLst>
-            <pc:docMk/>
-            <pc:sldMk cId="4023519175" sldId="275"/>
-            <ac:spMk id="5" creationId="{6D84C36F-C60E-EC12-5D36-857354411E39}"/>
-          </ac:spMkLst>
-        </pc:spChg>
-        <pc:spChg chg="add del">
-          <ac:chgData name="Anxo Casal Rodriguez" userId="4252bde8-bc8f-41dd-83f3-a4e65c95fbdf" providerId="ADAL" clId="{E943E5C1-95CE-486C-92D7-129C80AE65D4}" dt="2024-06-17T16:38:40.164" v="3099" actId="478"/>
-          <ac:spMkLst>
-            <pc:docMk/>
-            <pc:sldMk cId="4023519175" sldId="275"/>
-            <ac:spMk id="6" creationId="{7854D81E-FE79-0A71-6BCE-BA48FC3679E7}"/>
-          </ac:spMkLst>
-        </pc:spChg>
-        <pc:spChg chg="add del">
-          <ac:chgData name="Anxo Casal Rodriguez" userId="4252bde8-bc8f-41dd-83f3-a4e65c95fbdf" providerId="ADAL" clId="{E943E5C1-95CE-486C-92D7-129C80AE65D4}" dt="2024-06-17T16:38:40.164" v="3099" actId="478"/>
-          <ac:spMkLst>
-            <pc:docMk/>
-            <pc:sldMk cId="4023519175" sldId="275"/>
-            <ac:spMk id="7" creationId="{269C1FDB-97F9-E805-0BAF-0F16F67AD702}"/>
-          </ac:spMkLst>
-        </pc:spChg>
-        <pc:spChg chg="mod">
-          <ac:chgData name="Anxo Casal Rodriguez" userId="4252bde8-bc8f-41dd-83f3-a4e65c95fbdf" providerId="ADAL" clId="{E943E5C1-95CE-486C-92D7-129C80AE65D4}" dt="2024-06-17T16:38:39.783" v="3097" actId="1076"/>
-          <ac:spMkLst>
-            <pc:docMk/>
-            <pc:sldMk cId="4023519175" sldId="275"/>
-            <ac:spMk id="9" creationId="{F0F6D407-A607-6562-C58C-D10785E5F0CB}"/>
-          </ac:spMkLst>
-        </pc:spChg>
-        <pc:spChg chg="mod">
-          <ac:chgData name="Anxo Casal Rodriguez" userId="4252bde8-bc8f-41dd-83f3-a4e65c95fbdf" providerId="ADAL" clId="{E943E5C1-95CE-486C-92D7-129C80AE65D4}" dt="2024-06-17T16:38:39.783" v="3097" actId="1076"/>
-          <ac:spMkLst>
-            <pc:docMk/>
-            <pc:sldMk cId="4023519175" sldId="275"/>
-            <ac:spMk id="10" creationId="{CEC967E9-8595-0E9E-72D8-3FFF291B02BC}"/>
-          </ac:spMkLst>
-        </pc:spChg>
-        <pc:spChg chg="mod">
-          <ac:chgData name="Anxo Casal Rodriguez" userId="4252bde8-bc8f-41dd-83f3-a4e65c95fbdf" providerId="ADAL" clId="{E943E5C1-95CE-486C-92D7-129C80AE65D4}" dt="2024-06-17T16:38:39.783" v="3097" actId="1076"/>
-          <ac:spMkLst>
-            <pc:docMk/>
-            <pc:sldMk cId="4023519175" sldId="275"/>
-            <ac:spMk id="11" creationId="{82F790A1-3E63-B0E3-6A64-8C867276F465}"/>
-          </ac:spMkLst>
-        </pc:spChg>
-        <pc:spChg chg="mod">
-          <ac:chgData name="Anxo Casal Rodriguez" userId="4252bde8-bc8f-41dd-83f3-a4e65c95fbdf" providerId="ADAL" clId="{E943E5C1-95CE-486C-92D7-129C80AE65D4}" dt="2024-06-17T16:38:39.971" v="3098" actId="1076"/>
-          <ac:spMkLst>
-            <pc:docMk/>
-            <pc:sldMk cId="4023519175" sldId="275"/>
-            <ac:spMk id="1913" creationId="{00000000-0000-0000-0000-000000000000}"/>
-          </ac:spMkLst>
-        </pc:spChg>
-        <pc:spChg chg="mod">
-          <ac:chgData name="Anxo Casal Rodriguez" userId="4252bde8-bc8f-41dd-83f3-a4e65c95fbdf" providerId="ADAL" clId="{E943E5C1-95CE-486C-92D7-129C80AE65D4}" dt="2024-06-17T16:38:39.971" v="3098" actId="1076"/>
-          <ac:spMkLst>
-            <pc:docMk/>
-            <pc:sldMk cId="4023519175" sldId="275"/>
-            <ac:spMk id="1916" creationId="{00000000-0000-0000-0000-000000000000}"/>
-          </ac:spMkLst>
-        </pc:spChg>
-        <pc:spChg chg="mod">
-          <ac:chgData name="Anxo Casal Rodriguez" userId="4252bde8-bc8f-41dd-83f3-a4e65c95fbdf" providerId="ADAL" clId="{E943E5C1-95CE-486C-92D7-129C80AE65D4}" dt="2024-06-17T16:38:39.971" v="3098" actId="1076"/>
-          <ac:spMkLst>
-            <pc:docMk/>
-            <pc:sldMk cId="4023519175" sldId="275"/>
-            <ac:spMk id="1917" creationId="{00000000-0000-0000-0000-000000000000}"/>
-          </ac:spMkLst>
-        </pc:spChg>
-      </pc:sldChg>
       <pc:sldChg chg="del">
         <pc:chgData name="Anxo Casal Rodriguez" userId="4252bde8-bc8f-41dd-83f3-a4e65c95fbdf" providerId="ADAL" clId="{E943E5C1-95CE-486C-92D7-129C80AE65D4}" dt="2024-06-17T01:00:30.532" v="5" actId="47"/>
         <pc:sldMkLst>
@@ -1205,52 +837,12 @@
           </ac:spMkLst>
         </pc:spChg>
       </pc:sldChg>
-      <pc:sldChg chg="addSp delSp modSp del mod ord">
-        <pc:chgData name="Anxo Casal Rodriguez" userId="4252bde8-bc8f-41dd-83f3-a4e65c95fbdf" providerId="ADAL" clId="{E943E5C1-95CE-486C-92D7-129C80AE65D4}" dt="2024-06-17T15:54:54.117" v="2057" actId="1076"/>
+      <pc:sldChg chg="del">
+        <pc:chgData name="Anxo Casal Rodriguez" userId="4252bde8-bc8f-41dd-83f3-a4e65c95fbdf" providerId="ADAL" clId="{E943E5C1-95CE-486C-92D7-129C80AE65D4}" dt="2024-06-17T01:15:56.026" v="710" actId="47"/>
         <pc:sldMkLst>
           <pc:docMk/>
-          <pc:sldMk cId="2446339325" sldId="277"/>
+          <pc:sldMk cId="0" sldId="277"/>
         </pc:sldMkLst>
-        <pc:picChg chg="add del">
-          <ac:chgData name="Anxo Casal Rodriguez" userId="4252bde8-bc8f-41dd-83f3-a4e65c95fbdf" providerId="ADAL" clId="{E943E5C1-95CE-486C-92D7-129C80AE65D4}" dt="2024-06-17T15:54:11.983" v="2048" actId="22"/>
-          <ac:picMkLst>
-            <pc:docMk/>
-            <pc:sldMk cId="2446339325" sldId="277"/>
-            <ac:picMk id="3" creationId="{1A821663-7B17-BDBE-75CE-DC99E29FFE5D}"/>
-          </ac:picMkLst>
-        </pc:picChg>
-        <pc:picChg chg="add del">
-          <ac:chgData name="Anxo Casal Rodriguez" userId="4252bde8-bc8f-41dd-83f3-a4e65c95fbdf" providerId="ADAL" clId="{E943E5C1-95CE-486C-92D7-129C80AE65D4}" dt="2024-06-17T15:54:12.975" v="2050" actId="22"/>
-          <ac:picMkLst>
-            <pc:docMk/>
-            <pc:sldMk cId="2446339325" sldId="277"/>
-            <ac:picMk id="5" creationId="{1C26449A-CA1D-957D-2BFD-9C66AAA0B217}"/>
-          </ac:picMkLst>
-        </pc:picChg>
-        <pc:picChg chg="add del">
-          <ac:chgData name="Anxo Casal Rodriguez" userId="4252bde8-bc8f-41dd-83f3-a4e65c95fbdf" providerId="ADAL" clId="{E943E5C1-95CE-486C-92D7-129C80AE65D4}" dt="2024-06-17T15:54:14.176" v="2052" actId="22"/>
-          <ac:picMkLst>
-            <pc:docMk/>
-            <pc:sldMk cId="2446339325" sldId="277"/>
-            <ac:picMk id="7" creationId="{4F0A9DCB-0CC5-5227-72B2-4B3A1178BD5C}"/>
-          </ac:picMkLst>
-        </pc:picChg>
-        <pc:picChg chg="add mod">
-          <ac:chgData name="Anxo Casal Rodriguez" userId="4252bde8-bc8f-41dd-83f3-a4e65c95fbdf" providerId="ADAL" clId="{E943E5C1-95CE-486C-92D7-129C80AE65D4}" dt="2024-06-17T15:54:54.117" v="2057" actId="1076"/>
-          <ac:picMkLst>
-            <pc:docMk/>
-            <pc:sldMk cId="2446339325" sldId="277"/>
-            <ac:picMk id="9" creationId="{EB87B62F-FA33-EC82-0006-A0F5072A9D9F}"/>
-          </ac:picMkLst>
-        </pc:picChg>
-        <pc:picChg chg="del">
-          <ac:chgData name="Anxo Casal Rodriguez" userId="4252bde8-bc8f-41dd-83f3-a4e65c95fbdf" providerId="ADAL" clId="{E943E5C1-95CE-486C-92D7-129C80AE65D4}" dt="2024-06-17T15:54:15.577" v="2053" actId="478"/>
-          <ac:picMkLst>
-            <pc:docMk/>
-            <pc:sldMk cId="2446339325" sldId="277"/>
-            <ac:picMk id="31" creationId="{7D12ADBB-DB21-4EF5-53E6-A67E74B9A458}"/>
-          </ac:picMkLst>
-        </pc:picChg>
       </pc:sldChg>
       <pc:sldChg chg="addSp delSp modSp add mod">
         <pc:chgData name="Anxo Casal Rodriguez" userId="4252bde8-bc8f-41dd-83f3-a4e65c95fbdf" providerId="ADAL" clId="{E943E5C1-95CE-486C-92D7-129C80AE65D4}" dt="2024-06-17T01:46:56.634" v="1804" actId="1076"/>
@@ -1426,72 +1018,11 @@
           <pc:sldMk cId="0" sldId="278"/>
         </pc:sldMkLst>
       </pc:sldChg>
-      <pc:sldChg chg="addSp delSp modSp add del mod">
-        <pc:chgData name="Anxo Casal Rodriguez" userId="4252bde8-bc8f-41dd-83f3-a4e65c95fbdf" providerId="ADAL" clId="{E943E5C1-95CE-486C-92D7-129C80AE65D4}" dt="2024-06-17T16:10:10.376" v="2383" actId="47"/>
-        <pc:sldMkLst>
-          <pc:docMk/>
-          <pc:sldMk cId="428229396" sldId="278"/>
-        </pc:sldMkLst>
-        <pc:spChg chg="add del mod">
-          <ac:chgData name="Anxo Casal Rodriguez" userId="4252bde8-bc8f-41dd-83f3-a4e65c95fbdf" providerId="ADAL" clId="{E943E5C1-95CE-486C-92D7-129C80AE65D4}" dt="2024-06-17T15:56:47.671" v="2066" actId="478"/>
-          <ac:spMkLst>
-            <pc:docMk/>
-            <pc:sldMk cId="428229396" sldId="278"/>
-            <ac:spMk id="4" creationId="{4C0B6DD0-7778-C98F-6192-5EA13F2A7719}"/>
-          </ac:spMkLst>
-        </pc:spChg>
-        <pc:spChg chg="del mod">
-          <ac:chgData name="Anxo Casal Rodriguez" userId="4252bde8-bc8f-41dd-83f3-a4e65c95fbdf" providerId="ADAL" clId="{E943E5C1-95CE-486C-92D7-129C80AE65D4}" dt="2024-06-17T15:56:46.154" v="2065" actId="478"/>
-          <ac:spMkLst>
-            <pc:docMk/>
-            <pc:sldMk cId="428229396" sldId="278"/>
-            <ac:spMk id="9" creationId="{0E901B9B-A59D-FE82-5450-42A631183763}"/>
-          </ac:spMkLst>
-        </pc:spChg>
-        <pc:spChg chg="mod">
-          <ac:chgData name="Anxo Casal Rodriguez" userId="4252bde8-bc8f-41dd-83f3-a4e65c95fbdf" providerId="ADAL" clId="{E943E5C1-95CE-486C-92D7-129C80AE65D4}" dt="2024-06-17T15:57:02.546" v="2086" actId="20577"/>
-          <ac:spMkLst>
-            <pc:docMk/>
-            <pc:sldMk cId="428229396" sldId="278"/>
-            <ac:spMk id="612" creationId="{00000000-0000-0000-0000-000000000000}"/>
-          </ac:spMkLst>
-        </pc:spChg>
-        <pc:picChg chg="del">
-          <ac:chgData name="Anxo Casal Rodriguez" userId="4252bde8-bc8f-41dd-83f3-a4e65c95fbdf" providerId="ADAL" clId="{E943E5C1-95CE-486C-92D7-129C80AE65D4}" dt="2024-06-17T15:56:43.767" v="2063" actId="478"/>
-          <ac:picMkLst>
-            <pc:docMk/>
-            <pc:sldMk cId="428229396" sldId="278"/>
-            <ac:picMk id="3" creationId="{F9C2BF21-8C91-23E4-4200-F4F7941A6036}"/>
-          </ac:picMkLst>
-        </pc:picChg>
-        <pc:picChg chg="add mod">
-          <ac:chgData name="Anxo Casal Rodriguez" userId="4252bde8-bc8f-41dd-83f3-a4e65c95fbdf" providerId="ADAL" clId="{E943E5C1-95CE-486C-92D7-129C80AE65D4}" dt="2024-06-17T15:57:06.228" v="2087" actId="1076"/>
-          <ac:picMkLst>
-            <pc:docMk/>
-            <pc:sldMk cId="428229396" sldId="278"/>
-            <ac:picMk id="1026" creationId="{9F67A87E-90FF-71A7-E919-C026C7728555}"/>
-          </ac:picMkLst>
-        </pc:picChg>
-      </pc:sldChg>
       <pc:sldChg chg="del">
         <pc:chgData name="Anxo Casal Rodriguez" userId="4252bde8-bc8f-41dd-83f3-a4e65c95fbdf" providerId="ADAL" clId="{E943E5C1-95CE-486C-92D7-129C80AE65D4}" dt="2024-06-17T01:15:56.026" v="710" actId="47"/>
         <pc:sldMkLst>
           <pc:docMk/>
           <pc:sldMk cId="0" sldId="279"/>
-        </pc:sldMkLst>
-      </pc:sldChg>
-      <pc:sldChg chg="add del">
-        <pc:chgData name="Anxo Casal Rodriguez" userId="4252bde8-bc8f-41dd-83f3-a4e65c95fbdf" providerId="ADAL" clId="{E943E5C1-95CE-486C-92D7-129C80AE65D4}" dt="2024-06-17T15:56:40.790" v="2062"/>
-        <pc:sldMkLst>
-          <pc:docMk/>
-          <pc:sldMk cId="44410923" sldId="279"/>
-        </pc:sldMkLst>
-      </pc:sldChg>
-      <pc:sldChg chg="add del">
-        <pc:chgData name="Anxo Casal Rodriguez" userId="4252bde8-bc8f-41dd-83f3-a4e65c95fbdf" providerId="ADAL" clId="{E943E5C1-95CE-486C-92D7-129C80AE65D4}" dt="2024-06-17T15:56:39.272" v="2060"/>
-        <pc:sldMkLst>
-          <pc:docMk/>
-          <pc:sldMk cId="365749177" sldId="279"/>
         </pc:sldMkLst>
       </pc:sldChg>
       <pc:sldChg chg="del">
@@ -1515,148 +1046,12 @@
           <pc:sldMk cId="0" sldId="282"/>
         </pc:sldMkLst>
       </pc:sldChg>
-      <pc:sldChg chg="addSp delSp modSp add del mod">
-        <pc:chgData name="Anxo Casal Rodriguez" userId="4252bde8-bc8f-41dd-83f3-a4e65c95fbdf" providerId="ADAL" clId="{E943E5C1-95CE-486C-92D7-129C80AE65D4}" dt="2024-06-17T16:12:29.581" v="2404" actId="1076"/>
+      <pc:sldChg chg="del">
+        <pc:chgData name="Anxo Casal Rodriguez" userId="4252bde8-bc8f-41dd-83f3-a4e65c95fbdf" providerId="ADAL" clId="{E943E5C1-95CE-486C-92D7-129C80AE65D4}" dt="2024-06-17T01:15:56.026" v="710" actId="47"/>
         <pc:sldMkLst>
           <pc:docMk/>
           <pc:sldMk cId="0" sldId="283"/>
         </pc:sldMkLst>
-        <pc:spChg chg="add del mod">
-          <ac:chgData name="Anxo Casal Rodriguez" userId="4252bde8-bc8f-41dd-83f3-a4e65c95fbdf" providerId="ADAL" clId="{E943E5C1-95CE-486C-92D7-129C80AE65D4}" dt="2024-06-17T16:05:32.634" v="2188" actId="478"/>
-          <ac:spMkLst>
-            <pc:docMk/>
-            <pc:sldMk cId="0" sldId="283"/>
-            <ac:spMk id="3" creationId="{ABE0E626-329A-DD59-C454-B5D230F3841B}"/>
-          </ac:spMkLst>
-        </pc:spChg>
-        <pc:spChg chg="add mod">
-          <ac:chgData name="Anxo Casal Rodriguez" userId="4252bde8-bc8f-41dd-83f3-a4e65c95fbdf" providerId="ADAL" clId="{E943E5C1-95CE-486C-92D7-129C80AE65D4}" dt="2024-06-17T16:05:24.920" v="2177"/>
-          <ac:spMkLst>
-            <pc:docMk/>
-            <pc:sldMk cId="0" sldId="283"/>
-            <ac:spMk id="4" creationId="{00000000-0000-0000-0000-000000000000}"/>
-          </ac:spMkLst>
-        </pc:spChg>
-        <pc:spChg chg="add del mod ord">
-          <ac:chgData name="Anxo Casal Rodriguez" userId="4252bde8-bc8f-41dd-83f3-a4e65c95fbdf" providerId="ADAL" clId="{E943E5C1-95CE-486C-92D7-129C80AE65D4}" dt="2024-06-17T16:10:13.204" v="2384" actId="478"/>
-          <ac:spMkLst>
-            <pc:docMk/>
-            <pc:sldMk cId="0" sldId="283"/>
-            <ac:spMk id="7" creationId="{00000000-0000-0000-0000-000000000000}"/>
-          </ac:spMkLst>
-        </pc:spChg>
-        <pc:spChg chg="add del mod">
-          <ac:chgData name="Anxo Casal Rodriguez" userId="4252bde8-bc8f-41dd-83f3-a4e65c95fbdf" providerId="ADAL" clId="{E943E5C1-95CE-486C-92D7-129C80AE65D4}" dt="2024-06-17T16:06:09.641" v="2235" actId="478"/>
-          <ac:spMkLst>
-            <pc:docMk/>
-            <pc:sldMk cId="0" sldId="283"/>
-            <ac:spMk id="9" creationId="{2D1A5E57-DF51-418A-4728-819DF2F53291}"/>
-          </ac:spMkLst>
-        </pc:spChg>
-        <pc:spChg chg="add mod ord">
-          <ac:chgData name="Anxo Casal Rodriguez" userId="4252bde8-bc8f-41dd-83f3-a4e65c95fbdf" providerId="ADAL" clId="{E943E5C1-95CE-486C-92D7-129C80AE65D4}" dt="2024-06-17T16:12:13.212" v="2403" actId="1076"/>
-          <ac:spMkLst>
-            <pc:docMk/>
-            <pc:sldMk cId="0" sldId="283"/>
-            <ac:spMk id="15" creationId="{9A1192CC-E183-C6FD-11A7-F7CC2A98DF70}"/>
-          </ac:spMkLst>
-        </pc:spChg>
-        <pc:spChg chg="add del mod ord">
-          <ac:chgData name="Anxo Casal Rodriguez" userId="4252bde8-bc8f-41dd-83f3-a4e65c95fbdf" providerId="ADAL" clId="{E943E5C1-95CE-486C-92D7-129C80AE65D4}" dt="2024-06-17T16:11:17.291" v="2390" actId="478"/>
-          <ac:spMkLst>
-            <pc:docMk/>
-            <pc:sldMk cId="0" sldId="283"/>
-            <ac:spMk id="16" creationId="{31E7B98D-0544-61C3-B276-5BE5D7A9B525}"/>
-          </ac:spMkLst>
-        </pc:spChg>
-        <pc:spChg chg="add mod">
-          <ac:chgData name="Anxo Casal Rodriguez" userId="4252bde8-bc8f-41dd-83f3-a4e65c95fbdf" providerId="ADAL" clId="{E943E5C1-95CE-486C-92D7-129C80AE65D4}" dt="2024-06-17T16:12:08.261" v="2402" actId="1076"/>
-          <ac:spMkLst>
-            <pc:docMk/>
-            <pc:sldMk cId="0" sldId="283"/>
-            <ac:spMk id="17" creationId="{31FE67A1-8409-3B08-8DE7-93AF3D09EFDB}"/>
-          </ac:spMkLst>
-        </pc:spChg>
-        <pc:spChg chg="mod">
-          <ac:chgData name="Anxo Casal Rodriguez" userId="4252bde8-bc8f-41dd-83f3-a4e65c95fbdf" providerId="ADAL" clId="{E943E5C1-95CE-486C-92D7-129C80AE65D4}" dt="2024-06-17T16:06:36.550" v="2245" actId="1076"/>
-          <ac:spMkLst>
-            <pc:docMk/>
-            <pc:sldMk cId="0" sldId="283"/>
-            <ac:spMk id="2684" creationId="{00000000-0000-0000-0000-000000000000}"/>
-          </ac:spMkLst>
-        </pc:spChg>
-        <pc:spChg chg="mod">
-          <ac:chgData name="Anxo Casal Rodriguez" userId="4252bde8-bc8f-41dd-83f3-a4e65c95fbdf" providerId="ADAL" clId="{E943E5C1-95CE-486C-92D7-129C80AE65D4}" dt="2024-06-17T16:12:29.581" v="2404" actId="1076"/>
-          <ac:spMkLst>
-            <pc:docMk/>
-            <pc:sldMk cId="0" sldId="283"/>
-            <ac:spMk id="2685" creationId="{00000000-0000-0000-0000-000000000000}"/>
-          </ac:spMkLst>
-        </pc:spChg>
-        <pc:spChg chg="add del">
-          <ac:chgData name="Anxo Casal Rodriguez" userId="4252bde8-bc8f-41dd-83f3-a4e65c95fbdf" providerId="ADAL" clId="{E943E5C1-95CE-486C-92D7-129C80AE65D4}" dt="2024-06-17T16:06:08.382" v="2234" actId="478"/>
-          <ac:spMkLst>
-            <pc:docMk/>
-            <pc:sldMk cId="0" sldId="283"/>
-            <ac:spMk id="2686" creationId="{00000000-0000-0000-0000-000000000000}"/>
-          </ac:spMkLst>
-        </pc:spChg>
-        <pc:spChg chg="add del mod">
-          <ac:chgData name="Anxo Casal Rodriguez" userId="4252bde8-bc8f-41dd-83f3-a4e65c95fbdf" providerId="ADAL" clId="{E943E5C1-95CE-486C-92D7-129C80AE65D4}" dt="2024-06-17T16:05:41.873" v="2203" actId="21"/>
-          <ac:spMkLst>
-            <pc:docMk/>
-            <pc:sldMk cId="0" sldId="283"/>
-            <ac:spMk id="2689" creationId="{00000000-0000-0000-0000-000000000000}"/>
-          </ac:spMkLst>
-        </pc:spChg>
-        <pc:grpChg chg="add del">
-          <ac:chgData name="Anxo Casal Rodriguez" userId="4252bde8-bc8f-41dd-83f3-a4e65c95fbdf" providerId="ADAL" clId="{E943E5C1-95CE-486C-92D7-129C80AE65D4}" dt="2024-06-17T16:05:48.450" v="2204" actId="478"/>
-          <ac:grpSpMkLst>
-            <pc:docMk/>
-            <pc:sldMk cId="0" sldId="283"/>
-            <ac:grpSpMk id="2687" creationId="{00000000-0000-0000-0000-000000000000}"/>
-          </ac:grpSpMkLst>
-        </pc:grpChg>
-        <pc:picChg chg="add mod">
-          <ac:chgData name="Anxo Casal Rodriguez" userId="4252bde8-bc8f-41dd-83f3-a4e65c95fbdf" providerId="ADAL" clId="{E943E5C1-95CE-486C-92D7-129C80AE65D4}" dt="2024-06-17T16:05:27.806" v="2178"/>
-          <ac:picMkLst>
-            <pc:docMk/>
-            <pc:sldMk cId="0" sldId="283"/>
-            <ac:picMk id="5" creationId="{3C96F42D-E830-2F9E-989A-35D4EF1FF06B}"/>
-          </ac:picMkLst>
-        </pc:picChg>
-        <pc:picChg chg="add mod">
-          <ac:chgData name="Anxo Casal Rodriguez" userId="4252bde8-bc8f-41dd-83f3-a4e65c95fbdf" providerId="ADAL" clId="{E943E5C1-95CE-486C-92D7-129C80AE65D4}" dt="2024-06-17T16:05:30.912" v="2182"/>
-          <ac:picMkLst>
-            <pc:docMk/>
-            <pc:sldMk cId="0" sldId="283"/>
-            <ac:picMk id="6" creationId="{8F5F1926-3CF1-62C3-C606-63D46DFA2617}"/>
-          </ac:picMkLst>
-        </pc:picChg>
-        <pc:picChg chg="add del mod">
-          <ac:chgData name="Anxo Casal Rodriguez" userId="4252bde8-bc8f-41dd-83f3-a4e65c95fbdf" providerId="ADAL" clId="{E943E5C1-95CE-486C-92D7-129C80AE65D4}" dt="2024-06-17T16:07:43.567" v="2251" actId="478"/>
-          <ac:picMkLst>
-            <pc:docMk/>
-            <pc:sldMk cId="0" sldId="283"/>
-            <ac:picMk id="10" creationId="{FC40AC92-8F0E-C106-6339-11D36C989EA9}"/>
-          </ac:picMkLst>
-        </pc:picChg>
-        <pc:picChg chg="add del mod">
-          <ac:chgData name="Anxo Casal Rodriguez" userId="4252bde8-bc8f-41dd-83f3-a4e65c95fbdf" providerId="ADAL" clId="{E943E5C1-95CE-486C-92D7-129C80AE65D4}" dt="2024-06-17T16:08:27.524" v="2257" actId="478"/>
-          <ac:picMkLst>
-            <pc:docMk/>
-            <pc:sldMk cId="0" sldId="283"/>
-            <ac:picMk id="12" creationId="{9C3BE7DC-DD46-6773-4E35-48F70F638CE1}"/>
-          </ac:picMkLst>
-        </pc:picChg>
-        <pc:picChg chg="add mod">
-          <ac:chgData name="Anxo Casal Rodriguez" userId="4252bde8-bc8f-41dd-83f3-a4e65c95fbdf" providerId="ADAL" clId="{E943E5C1-95CE-486C-92D7-129C80AE65D4}" dt="2024-06-17T16:11:31.542" v="2397" actId="1076"/>
-          <ac:picMkLst>
-            <pc:docMk/>
-            <pc:sldMk cId="0" sldId="283"/>
-            <ac:picMk id="14" creationId="{DB23502E-4D10-1B64-EE52-5E5D61694412}"/>
-          </ac:picMkLst>
-        </pc:picChg>
       </pc:sldChg>
       <pc:sldChg chg="del">
         <pc:chgData name="Anxo Casal Rodriguez" userId="4252bde8-bc8f-41dd-83f3-a4e65c95fbdf" providerId="ADAL" clId="{E943E5C1-95CE-486C-92D7-129C80AE65D4}" dt="2024-06-17T01:15:56.026" v="710" actId="47"/>
@@ -1686,460 +1081,12 @@
           <pc:sldMk cId="0" sldId="287"/>
         </pc:sldMkLst>
       </pc:sldChg>
-      <pc:sldChg chg="addSp delSp modSp add del mod chgLayout">
-        <pc:chgData name="Anxo Casal Rodriguez" userId="4252bde8-bc8f-41dd-83f3-a4e65c95fbdf" providerId="ADAL" clId="{E943E5C1-95CE-486C-92D7-129C80AE65D4}" dt="2024-06-17T16:36:50.649" v="3090" actId="1036"/>
+      <pc:sldChg chg="del">
+        <pc:chgData name="Anxo Casal Rodriguez" userId="4252bde8-bc8f-41dd-83f3-a4e65c95fbdf" providerId="ADAL" clId="{E943E5C1-95CE-486C-92D7-129C80AE65D4}" dt="2024-06-17T01:15:56.026" v="710" actId="47"/>
         <pc:sldMkLst>
           <pc:docMk/>
           <pc:sldMk cId="0" sldId="288"/>
         </pc:sldMkLst>
-        <pc:spChg chg="add del mod">
-          <ac:chgData name="Anxo Casal Rodriguez" userId="4252bde8-bc8f-41dd-83f3-a4e65c95fbdf" providerId="ADAL" clId="{E943E5C1-95CE-486C-92D7-129C80AE65D4}" dt="2024-06-17T16:27:35.399" v="2575" actId="478"/>
-          <ac:spMkLst>
-            <pc:docMk/>
-            <pc:sldMk cId="0" sldId="288"/>
-            <ac:spMk id="5" creationId="{E5A1DE33-E7ED-89C3-B57A-35A248A7FBFA}"/>
-          </ac:spMkLst>
-        </pc:spChg>
-        <pc:spChg chg="add del mod">
-          <ac:chgData name="Anxo Casal Rodriguez" userId="4252bde8-bc8f-41dd-83f3-a4e65c95fbdf" providerId="ADAL" clId="{E943E5C1-95CE-486C-92D7-129C80AE65D4}" dt="2024-06-17T16:27:30.560" v="2573" actId="478"/>
-          <ac:spMkLst>
-            <pc:docMk/>
-            <pc:sldMk cId="0" sldId="288"/>
-            <ac:spMk id="6" creationId="{A4AF3C16-2A63-B82A-64FB-F8E37EDECB01}"/>
-          </ac:spMkLst>
-        </pc:spChg>
-        <pc:spChg chg="del mod">
-          <ac:chgData name="Anxo Casal Rodriguez" userId="4252bde8-bc8f-41dd-83f3-a4e65c95fbdf" providerId="ADAL" clId="{E943E5C1-95CE-486C-92D7-129C80AE65D4}" dt="2024-06-17T16:28:05.668" v="2585" actId="21"/>
-          <ac:spMkLst>
-            <pc:docMk/>
-            <pc:sldMk cId="0" sldId="288"/>
-            <ac:spMk id="12" creationId="{67346C96-A06F-7474-30D3-609F409A3DAC}"/>
-          </ac:spMkLst>
-        </pc:spChg>
-        <pc:spChg chg="del mod">
-          <ac:chgData name="Anxo Casal Rodriguez" userId="4252bde8-bc8f-41dd-83f3-a4e65c95fbdf" providerId="ADAL" clId="{E943E5C1-95CE-486C-92D7-129C80AE65D4}" dt="2024-06-17T16:28:05.668" v="2585" actId="21"/>
-          <ac:spMkLst>
-            <pc:docMk/>
-            <pc:sldMk cId="0" sldId="288"/>
-            <ac:spMk id="13" creationId="{871F6752-CD6D-D7F0-581A-47080FC0FF82}"/>
-          </ac:spMkLst>
-        </pc:spChg>
-        <pc:spChg chg="del mod">
-          <ac:chgData name="Anxo Casal Rodriguez" userId="4252bde8-bc8f-41dd-83f3-a4e65c95fbdf" providerId="ADAL" clId="{E943E5C1-95CE-486C-92D7-129C80AE65D4}" dt="2024-06-17T16:28:10.967" v="2588" actId="478"/>
-          <ac:spMkLst>
-            <pc:docMk/>
-            <pc:sldMk cId="0" sldId="288"/>
-            <ac:spMk id="14" creationId="{BD782F28-FA6E-DE5F-A887-2F0B14D06FFE}"/>
-          </ac:spMkLst>
-        </pc:spChg>
-        <pc:spChg chg="mod">
-          <ac:chgData name="Anxo Casal Rodriguez" userId="4252bde8-bc8f-41dd-83f3-a4e65c95fbdf" providerId="ADAL" clId="{E943E5C1-95CE-486C-92D7-129C80AE65D4}" dt="2024-06-17T16:27:54.952" v="2584" actId="207"/>
-          <ac:spMkLst>
-            <pc:docMk/>
-            <pc:sldMk cId="0" sldId="288"/>
-            <ac:spMk id="15" creationId="{9D9F8268-6D62-CC37-12AF-D06C518571F1}"/>
-          </ac:spMkLst>
-        </pc:spChg>
-        <pc:spChg chg="mod">
-          <ac:chgData name="Anxo Casal Rodriguez" userId="4252bde8-bc8f-41dd-83f3-a4e65c95fbdf" providerId="ADAL" clId="{E943E5C1-95CE-486C-92D7-129C80AE65D4}" dt="2024-06-17T16:27:54.952" v="2584" actId="207"/>
-          <ac:spMkLst>
-            <pc:docMk/>
-            <pc:sldMk cId="0" sldId="288"/>
-            <ac:spMk id="16" creationId="{D3DF4DC2-BD3E-310F-8EFA-F8E1FFD5B17E}"/>
-          </ac:spMkLst>
-        </pc:spChg>
-        <pc:spChg chg="mod">
-          <ac:chgData name="Anxo Casal Rodriguez" userId="4252bde8-bc8f-41dd-83f3-a4e65c95fbdf" providerId="ADAL" clId="{E943E5C1-95CE-486C-92D7-129C80AE65D4}" dt="2024-06-17T16:27:54.952" v="2584" actId="207"/>
-          <ac:spMkLst>
-            <pc:docMk/>
-            <pc:sldMk cId="0" sldId="288"/>
-            <ac:spMk id="17" creationId="{D7B21BE2-D2D1-86D5-8006-5564960CE77D}"/>
-          </ac:spMkLst>
-        </pc:spChg>
-        <pc:spChg chg="del mod">
-          <ac:chgData name="Anxo Casal Rodriguez" userId="4252bde8-bc8f-41dd-83f3-a4e65c95fbdf" providerId="ADAL" clId="{E943E5C1-95CE-486C-92D7-129C80AE65D4}" dt="2024-06-17T16:28:13.514" v="2589" actId="478"/>
-          <ac:spMkLst>
-            <pc:docMk/>
-            <pc:sldMk cId="0" sldId="288"/>
-            <ac:spMk id="18" creationId="{74DBE5D5-1028-8B6F-2890-D8C7EE1D0358}"/>
-          </ac:spMkLst>
-        </pc:spChg>
-        <pc:spChg chg="del mod">
-          <ac:chgData name="Anxo Casal Rodriguez" userId="4252bde8-bc8f-41dd-83f3-a4e65c95fbdf" providerId="ADAL" clId="{E943E5C1-95CE-486C-92D7-129C80AE65D4}" dt="2024-06-17T16:28:15.019" v="2590" actId="478"/>
-          <ac:spMkLst>
-            <pc:docMk/>
-            <pc:sldMk cId="0" sldId="288"/>
-            <ac:spMk id="19" creationId="{ADCF0818-D82F-F73A-D98D-2F1D924FE8C8}"/>
-          </ac:spMkLst>
-        </pc:spChg>
-        <pc:spChg chg="del mod topLvl">
-          <ac:chgData name="Anxo Casal Rodriguez" userId="4252bde8-bc8f-41dd-83f3-a4e65c95fbdf" providerId="ADAL" clId="{E943E5C1-95CE-486C-92D7-129C80AE65D4}" dt="2024-06-17T16:28:16.282" v="2591" actId="478"/>
-          <ac:spMkLst>
-            <pc:docMk/>
-            <pc:sldMk cId="0" sldId="288"/>
-            <ac:spMk id="20" creationId="{F0DEF28D-4263-42FC-E6A0-E6DDC067C133}"/>
-          </ac:spMkLst>
-        </pc:spChg>
-        <pc:spChg chg="del mod">
-          <ac:chgData name="Anxo Casal Rodriguez" userId="4252bde8-bc8f-41dd-83f3-a4e65c95fbdf" providerId="ADAL" clId="{E943E5C1-95CE-486C-92D7-129C80AE65D4}" dt="2024-06-17T16:27:04.851" v="2565" actId="478"/>
-          <ac:spMkLst>
-            <pc:docMk/>
-            <pc:sldMk cId="0" sldId="288"/>
-            <ac:spMk id="21" creationId="{BD908921-289D-110F-218C-CB0E4CA2564D}"/>
-          </ac:spMkLst>
-        </pc:spChg>
-        <pc:spChg chg="del mod">
-          <ac:chgData name="Anxo Casal Rodriguez" userId="4252bde8-bc8f-41dd-83f3-a4e65c95fbdf" providerId="ADAL" clId="{E943E5C1-95CE-486C-92D7-129C80AE65D4}" dt="2024-06-17T16:27:06.599" v="2566" actId="478"/>
-          <ac:spMkLst>
-            <pc:docMk/>
-            <pc:sldMk cId="0" sldId="288"/>
-            <ac:spMk id="22" creationId="{F7D9FD74-992D-FB74-9D7D-F0B2E170FB67}"/>
-          </ac:spMkLst>
-        </pc:spChg>
-        <pc:spChg chg="del mod">
-          <ac:chgData name="Anxo Casal Rodriguez" userId="4252bde8-bc8f-41dd-83f3-a4e65c95fbdf" providerId="ADAL" clId="{E943E5C1-95CE-486C-92D7-129C80AE65D4}" dt="2024-06-17T16:27:09.445" v="2567" actId="478"/>
-          <ac:spMkLst>
-            <pc:docMk/>
-            <pc:sldMk cId="0" sldId="288"/>
-            <ac:spMk id="23" creationId="{E2A3AC07-F949-EEA9-F251-31DE99864EE4}"/>
-          </ac:spMkLst>
-        </pc:spChg>
-        <pc:spChg chg="mod">
-          <ac:chgData name="Anxo Casal Rodriguez" userId="4252bde8-bc8f-41dd-83f3-a4e65c95fbdf" providerId="ADAL" clId="{E943E5C1-95CE-486C-92D7-129C80AE65D4}" dt="2024-06-17T16:28:18.524" v="2592"/>
-          <ac:spMkLst>
-            <pc:docMk/>
-            <pc:sldMk cId="0" sldId="288"/>
-            <ac:spMk id="25" creationId="{3C22BA1F-E12D-1611-4ED3-58DEB37B8087}"/>
-          </ac:spMkLst>
-        </pc:spChg>
-        <pc:spChg chg="mod">
-          <ac:chgData name="Anxo Casal Rodriguez" userId="4252bde8-bc8f-41dd-83f3-a4e65c95fbdf" providerId="ADAL" clId="{E943E5C1-95CE-486C-92D7-129C80AE65D4}" dt="2024-06-17T16:28:18.524" v="2592"/>
-          <ac:spMkLst>
-            <pc:docMk/>
-            <pc:sldMk cId="0" sldId="288"/>
-            <ac:spMk id="26" creationId="{BFB5BEDA-2EB8-B976-AFA7-131779F7474A}"/>
-          </ac:spMkLst>
-        </pc:spChg>
-        <pc:spChg chg="mod">
-          <ac:chgData name="Anxo Casal Rodriguez" userId="4252bde8-bc8f-41dd-83f3-a4e65c95fbdf" providerId="ADAL" clId="{E943E5C1-95CE-486C-92D7-129C80AE65D4}" dt="2024-06-17T16:28:18.524" v="2592"/>
-          <ac:spMkLst>
-            <pc:docMk/>
-            <pc:sldMk cId="0" sldId="288"/>
-            <ac:spMk id="27" creationId="{D7A3BC31-0D1E-2223-9C01-25F38D8CB08A}"/>
-          </ac:spMkLst>
-        </pc:spChg>
-        <pc:spChg chg="mod">
-          <ac:chgData name="Anxo Casal Rodriguez" userId="4252bde8-bc8f-41dd-83f3-a4e65c95fbdf" providerId="ADAL" clId="{E943E5C1-95CE-486C-92D7-129C80AE65D4}" dt="2024-06-17T16:28:18.698" v="2593"/>
-          <ac:spMkLst>
-            <pc:docMk/>
-            <pc:sldMk cId="0" sldId="288"/>
-            <ac:spMk id="29" creationId="{D13E14EB-20CD-FE3E-EADB-780D4CF78A10}"/>
-          </ac:spMkLst>
-        </pc:spChg>
-        <pc:spChg chg="mod">
-          <ac:chgData name="Anxo Casal Rodriguez" userId="4252bde8-bc8f-41dd-83f3-a4e65c95fbdf" providerId="ADAL" clId="{E943E5C1-95CE-486C-92D7-129C80AE65D4}" dt="2024-06-17T16:28:18.698" v="2593"/>
-          <ac:spMkLst>
-            <pc:docMk/>
-            <pc:sldMk cId="0" sldId="288"/>
-            <ac:spMk id="30" creationId="{1BC5130D-807C-71FC-8CD5-378868084429}"/>
-          </ac:spMkLst>
-        </pc:spChg>
-        <pc:spChg chg="mod">
-          <ac:chgData name="Anxo Casal Rodriguez" userId="4252bde8-bc8f-41dd-83f3-a4e65c95fbdf" providerId="ADAL" clId="{E943E5C1-95CE-486C-92D7-129C80AE65D4}" dt="2024-06-17T16:28:18.698" v="2593"/>
-          <ac:spMkLst>
-            <pc:docMk/>
-            <pc:sldMk cId="0" sldId="288"/>
-            <ac:spMk id="31" creationId="{15507C3C-6468-F2D0-14B9-213C2BBF3656}"/>
-          </ac:spMkLst>
-        </pc:spChg>
-        <pc:spChg chg="add mod">
-          <ac:chgData name="Anxo Casal Rodriguez" userId="4252bde8-bc8f-41dd-83f3-a4e65c95fbdf" providerId="ADAL" clId="{E943E5C1-95CE-486C-92D7-129C80AE65D4}" dt="2024-06-17T16:36:50.649" v="3090" actId="1036"/>
-          <ac:spMkLst>
-            <pc:docMk/>
-            <pc:sldMk cId="0" sldId="288"/>
-            <ac:spMk id="32" creationId="{6C407088-CCCF-AEDF-A889-E88E745D1C84}"/>
-          </ac:spMkLst>
-        </pc:spChg>
-        <pc:spChg chg="add mod">
-          <ac:chgData name="Anxo Casal Rodriguez" userId="4252bde8-bc8f-41dd-83f3-a4e65c95fbdf" providerId="ADAL" clId="{E943E5C1-95CE-486C-92D7-129C80AE65D4}" dt="2024-06-17T16:36:26.249" v="3048" actId="1036"/>
-          <ac:spMkLst>
-            <pc:docMk/>
-            <pc:sldMk cId="0" sldId="288"/>
-            <ac:spMk id="33" creationId="{3371F416-F341-3705-837A-D049BB123CB1}"/>
-          </ac:spMkLst>
-        </pc:spChg>
-        <pc:spChg chg="mod">
-          <ac:chgData name="Anxo Casal Rodriguez" userId="4252bde8-bc8f-41dd-83f3-a4e65c95fbdf" providerId="ADAL" clId="{E943E5C1-95CE-486C-92D7-129C80AE65D4}" dt="2024-06-17T16:30:02.731" v="2627"/>
-          <ac:spMkLst>
-            <pc:docMk/>
-            <pc:sldMk cId="0" sldId="288"/>
-            <ac:spMk id="35" creationId="{6FE06C2E-5B52-64B2-D2D5-C784AC243B46}"/>
-          </ac:spMkLst>
-        </pc:spChg>
-        <pc:spChg chg="mod">
-          <ac:chgData name="Anxo Casal Rodriguez" userId="4252bde8-bc8f-41dd-83f3-a4e65c95fbdf" providerId="ADAL" clId="{E943E5C1-95CE-486C-92D7-129C80AE65D4}" dt="2024-06-17T16:30:02.731" v="2627"/>
-          <ac:spMkLst>
-            <pc:docMk/>
-            <pc:sldMk cId="0" sldId="288"/>
-            <ac:spMk id="36" creationId="{60A95337-8AB3-8E5E-A562-5ABBB72DA2AC}"/>
-          </ac:spMkLst>
-        </pc:spChg>
-        <pc:spChg chg="mod">
-          <ac:chgData name="Anxo Casal Rodriguez" userId="4252bde8-bc8f-41dd-83f3-a4e65c95fbdf" providerId="ADAL" clId="{E943E5C1-95CE-486C-92D7-129C80AE65D4}" dt="2024-06-17T16:30:02.731" v="2627"/>
-          <ac:spMkLst>
-            <pc:docMk/>
-            <pc:sldMk cId="0" sldId="288"/>
-            <ac:spMk id="37" creationId="{35BA0809-0E58-8B0B-A06E-FD1AFC7467DE}"/>
-          </ac:spMkLst>
-        </pc:spChg>
-        <pc:spChg chg="add mod">
-          <ac:chgData name="Anxo Casal Rodriguez" userId="4252bde8-bc8f-41dd-83f3-a4e65c95fbdf" providerId="ADAL" clId="{E943E5C1-95CE-486C-92D7-129C80AE65D4}" dt="2024-06-17T16:36:50.649" v="3090" actId="1036"/>
-          <ac:spMkLst>
-            <pc:docMk/>
-            <pc:sldMk cId="0" sldId="288"/>
-            <ac:spMk id="38" creationId="{8619EDA3-895A-D0B0-96C9-413FF4F03A81}"/>
-          </ac:spMkLst>
-        </pc:spChg>
-        <pc:spChg chg="add mod">
-          <ac:chgData name="Anxo Casal Rodriguez" userId="4252bde8-bc8f-41dd-83f3-a4e65c95fbdf" providerId="ADAL" clId="{E943E5C1-95CE-486C-92D7-129C80AE65D4}" dt="2024-06-17T16:36:12.774" v="2991" actId="1036"/>
-          <ac:spMkLst>
-            <pc:docMk/>
-            <pc:sldMk cId="0" sldId="288"/>
-            <ac:spMk id="39" creationId="{A88A2F99-6754-DAFC-2725-ADFD3BCCB55A}"/>
-          </ac:spMkLst>
-        </pc:spChg>
-        <pc:spChg chg="mod">
-          <ac:chgData name="Anxo Casal Rodriguez" userId="4252bde8-bc8f-41dd-83f3-a4e65c95fbdf" providerId="ADAL" clId="{E943E5C1-95CE-486C-92D7-129C80AE65D4}" dt="2024-06-17T16:30:18.069" v="2629"/>
-          <ac:spMkLst>
-            <pc:docMk/>
-            <pc:sldMk cId="0" sldId="288"/>
-            <ac:spMk id="41" creationId="{71BF3FE2-E959-88CC-3C17-128E16344D4B}"/>
-          </ac:spMkLst>
-        </pc:spChg>
-        <pc:spChg chg="mod">
-          <ac:chgData name="Anxo Casal Rodriguez" userId="4252bde8-bc8f-41dd-83f3-a4e65c95fbdf" providerId="ADAL" clId="{E943E5C1-95CE-486C-92D7-129C80AE65D4}" dt="2024-06-17T16:30:18.069" v="2629"/>
-          <ac:spMkLst>
-            <pc:docMk/>
-            <pc:sldMk cId="0" sldId="288"/>
-            <ac:spMk id="42" creationId="{A871A925-32D2-7870-9417-419BCC471FF1}"/>
-          </ac:spMkLst>
-        </pc:spChg>
-        <pc:spChg chg="mod">
-          <ac:chgData name="Anxo Casal Rodriguez" userId="4252bde8-bc8f-41dd-83f3-a4e65c95fbdf" providerId="ADAL" clId="{E943E5C1-95CE-486C-92D7-129C80AE65D4}" dt="2024-06-17T16:30:18.069" v="2629"/>
-          <ac:spMkLst>
-            <pc:docMk/>
-            <pc:sldMk cId="0" sldId="288"/>
-            <ac:spMk id="43" creationId="{B4A9FE09-7983-647C-A84B-E7196C94BA20}"/>
-          </ac:spMkLst>
-        </pc:spChg>
-        <pc:spChg chg="add mod">
-          <ac:chgData name="Anxo Casal Rodriguez" userId="4252bde8-bc8f-41dd-83f3-a4e65c95fbdf" providerId="ADAL" clId="{E943E5C1-95CE-486C-92D7-129C80AE65D4}" dt="2024-06-17T16:35:18.137" v="2788" actId="1035"/>
-          <ac:spMkLst>
-            <pc:docMk/>
-            <pc:sldMk cId="0" sldId="288"/>
-            <ac:spMk id="44" creationId="{5BF9574C-F113-2D1E-5412-300EEF0AA9D1}"/>
-          </ac:spMkLst>
-        </pc:spChg>
-        <pc:spChg chg="add mod">
-          <ac:chgData name="Anxo Casal Rodriguez" userId="4252bde8-bc8f-41dd-83f3-a4e65c95fbdf" providerId="ADAL" clId="{E943E5C1-95CE-486C-92D7-129C80AE65D4}" dt="2024-06-17T16:36:20.274" v="3014" actId="1036"/>
-          <ac:spMkLst>
-            <pc:docMk/>
-            <pc:sldMk cId="0" sldId="288"/>
-            <ac:spMk id="45" creationId="{286AFB17-92FB-63F4-BDDF-F057B6F04371}"/>
-          </ac:spMkLst>
-        </pc:spChg>
-        <pc:spChg chg="add del mod">
-          <ac:chgData name="Anxo Casal Rodriguez" userId="4252bde8-bc8f-41dd-83f3-a4e65c95fbdf" providerId="ADAL" clId="{E943E5C1-95CE-486C-92D7-129C80AE65D4}" dt="2024-06-17T16:33:30.865" v="2671" actId="6264"/>
-          <ac:spMkLst>
-            <pc:docMk/>
-            <pc:sldMk cId="0" sldId="288"/>
-            <ac:spMk id="46" creationId="{C089DDE5-B5C1-B6F0-D220-AB27693E9781}"/>
-          </ac:spMkLst>
-        </pc:spChg>
-        <pc:spChg chg="add mod">
-          <ac:chgData name="Anxo Casal Rodriguez" userId="4252bde8-bc8f-41dd-83f3-a4e65c95fbdf" providerId="ADAL" clId="{E943E5C1-95CE-486C-92D7-129C80AE65D4}" dt="2024-06-17T16:35:03.597" v="2682" actId="571"/>
-          <ac:spMkLst>
-            <pc:docMk/>
-            <pc:sldMk cId="0" sldId="288"/>
-            <ac:spMk id="47" creationId="{C13D83FF-A843-4FD6-641E-6D6881B7ED01}"/>
-          </ac:spMkLst>
-        </pc:spChg>
-        <pc:spChg chg="mod ord">
-          <ac:chgData name="Anxo Casal Rodriguez" userId="4252bde8-bc8f-41dd-83f3-a4e65c95fbdf" providerId="ADAL" clId="{E943E5C1-95CE-486C-92D7-129C80AE65D4}" dt="2024-06-17T16:33:30.865" v="2671" actId="6264"/>
-          <ac:spMkLst>
-            <pc:docMk/>
-            <pc:sldMk cId="0" sldId="288"/>
-            <ac:spMk id="2988" creationId="{00000000-0000-0000-0000-000000000000}"/>
-          </ac:spMkLst>
-        </pc:spChg>
-        <pc:spChg chg="del mod">
-          <ac:chgData name="Anxo Casal Rodriguez" userId="4252bde8-bc8f-41dd-83f3-a4e65c95fbdf" providerId="ADAL" clId="{E943E5C1-95CE-486C-92D7-129C80AE65D4}" dt="2024-06-17T16:27:35.399" v="2575" actId="478"/>
-          <ac:spMkLst>
-            <pc:docMk/>
-            <pc:sldMk cId="0" sldId="288"/>
-            <ac:spMk id="2989" creationId="{00000000-0000-0000-0000-000000000000}"/>
-          </ac:spMkLst>
-        </pc:spChg>
-        <pc:spChg chg="del">
-          <ac:chgData name="Anxo Casal Rodriguez" userId="4252bde8-bc8f-41dd-83f3-a4e65c95fbdf" providerId="ADAL" clId="{E943E5C1-95CE-486C-92D7-129C80AE65D4}" dt="2024-06-17T16:27:35.399" v="2575" actId="478"/>
-          <ac:spMkLst>
-            <pc:docMk/>
-            <pc:sldMk cId="0" sldId="288"/>
-            <ac:spMk id="2990" creationId="{00000000-0000-0000-0000-000000000000}"/>
-          </ac:spMkLst>
-        </pc:spChg>
-        <pc:spChg chg="del mod">
-          <ac:chgData name="Anxo Casal Rodriguez" userId="4252bde8-bc8f-41dd-83f3-a4e65c95fbdf" providerId="ADAL" clId="{E943E5C1-95CE-486C-92D7-129C80AE65D4}" dt="2024-06-17T16:27:35.399" v="2575" actId="478"/>
-          <ac:spMkLst>
-            <pc:docMk/>
-            <pc:sldMk cId="0" sldId="288"/>
-            <ac:spMk id="2991" creationId="{00000000-0000-0000-0000-000000000000}"/>
-          </ac:spMkLst>
-        </pc:spChg>
-        <pc:spChg chg="del">
-          <ac:chgData name="Anxo Casal Rodriguez" userId="4252bde8-bc8f-41dd-83f3-a4e65c95fbdf" providerId="ADAL" clId="{E943E5C1-95CE-486C-92D7-129C80AE65D4}" dt="2024-06-17T16:27:35.399" v="2575" actId="478"/>
-          <ac:spMkLst>
-            <pc:docMk/>
-            <pc:sldMk cId="0" sldId="288"/>
-            <ac:spMk id="2992" creationId="{00000000-0000-0000-0000-000000000000}"/>
-          </ac:spMkLst>
-        </pc:spChg>
-        <pc:spChg chg="del">
-          <ac:chgData name="Anxo Casal Rodriguez" userId="4252bde8-bc8f-41dd-83f3-a4e65c95fbdf" providerId="ADAL" clId="{E943E5C1-95CE-486C-92D7-129C80AE65D4}" dt="2024-06-17T16:27:35.399" v="2575" actId="478"/>
-          <ac:spMkLst>
-            <pc:docMk/>
-            <pc:sldMk cId="0" sldId="288"/>
-            <ac:spMk id="2993" creationId="{00000000-0000-0000-0000-000000000000}"/>
-          </ac:spMkLst>
-        </pc:spChg>
-        <pc:spChg chg="del">
-          <ac:chgData name="Anxo Casal Rodriguez" userId="4252bde8-bc8f-41dd-83f3-a4e65c95fbdf" providerId="ADAL" clId="{E943E5C1-95CE-486C-92D7-129C80AE65D4}" dt="2024-06-17T16:27:35.399" v="2575" actId="478"/>
-          <ac:spMkLst>
-            <pc:docMk/>
-            <pc:sldMk cId="0" sldId="288"/>
-            <ac:spMk id="2994" creationId="{00000000-0000-0000-0000-000000000000}"/>
-          </ac:spMkLst>
-        </pc:spChg>
-        <pc:spChg chg="del">
-          <ac:chgData name="Anxo Casal Rodriguez" userId="4252bde8-bc8f-41dd-83f3-a4e65c95fbdf" providerId="ADAL" clId="{E943E5C1-95CE-486C-92D7-129C80AE65D4}" dt="2024-06-17T16:27:36.360" v="2576" actId="478"/>
-          <ac:spMkLst>
-            <pc:docMk/>
-            <pc:sldMk cId="0" sldId="288"/>
-            <ac:spMk id="2995" creationId="{00000000-0000-0000-0000-000000000000}"/>
-          </ac:spMkLst>
-        </pc:spChg>
-        <pc:spChg chg="del mod">
-          <ac:chgData name="Anxo Casal Rodriguez" userId="4252bde8-bc8f-41dd-83f3-a4e65c95fbdf" providerId="ADAL" clId="{E943E5C1-95CE-486C-92D7-129C80AE65D4}" dt="2024-06-17T16:27:40.559" v="2581" actId="478"/>
-          <ac:spMkLst>
-            <pc:docMk/>
-            <pc:sldMk cId="0" sldId="288"/>
-            <ac:spMk id="2996" creationId="{00000000-0000-0000-0000-000000000000}"/>
-          </ac:spMkLst>
-        </pc:spChg>
-        <pc:spChg chg="del mod">
-          <ac:chgData name="Anxo Casal Rodriguez" userId="4252bde8-bc8f-41dd-83f3-a4e65c95fbdf" providerId="ADAL" clId="{E943E5C1-95CE-486C-92D7-129C80AE65D4}" dt="2024-06-17T16:27:39.436" v="2580" actId="478"/>
-          <ac:spMkLst>
-            <pc:docMk/>
-            <pc:sldMk cId="0" sldId="288"/>
-            <ac:spMk id="2997" creationId="{00000000-0000-0000-0000-000000000000}"/>
-          </ac:spMkLst>
-        </pc:spChg>
-        <pc:grpChg chg="add del mod">
-          <ac:chgData name="Anxo Casal Rodriguez" userId="4252bde8-bc8f-41dd-83f3-a4e65c95fbdf" providerId="ADAL" clId="{E943E5C1-95CE-486C-92D7-129C80AE65D4}" dt="2024-06-17T16:28:16.282" v="2591" actId="478"/>
-          <ac:grpSpMkLst>
-            <pc:docMk/>
-            <pc:sldMk cId="0" sldId="288"/>
-            <ac:grpSpMk id="7" creationId="{C3380644-F577-AB84-1E1A-623E3B8A3B6A}"/>
-          </ac:grpSpMkLst>
-        </pc:grpChg>
-        <pc:grpChg chg="del mod">
-          <ac:chgData name="Anxo Casal Rodriguez" userId="4252bde8-bc8f-41dd-83f3-a4e65c95fbdf" providerId="ADAL" clId="{E943E5C1-95CE-486C-92D7-129C80AE65D4}" dt="2024-06-17T16:27:06.599" v="2566" actId="478"/>
-          <ac:grpSpMkLst>
-            <pc:docMk/>
-            <pc:sldMk cId="0" sldId="288"/>
-            <ac:grpSpMk id="8" creationId="{8EFC99CF-88E0-FE7B-A907-BCD5096891C0}"/>
-          </ac:grpSpMkLst>
-        </pc:grpChg>
-        <pc:grpChg chg="del mod">
-          <ac:chgData name="Anxo Casal Rodriguez" userId="4252bde8-bc8f-41dd-83f3-a4e65c95fbdf" providerId="ADAL" clId="{E943E5C1-95CE-486C-92D7-129C80AE65D4}" dt="2024-06-17T16:28:15.019" v="2590" actId="478"/>
-          <ac:grpSpMkLst>
-            <pc:docMk/>
-            <pc:sldMk cId="0" sldId="288"/>
-            <ac:grpSpMk id="9" creationId="{F4E0B167-DDED-5E68-6A23-ACFE4D986B2C}"/>
-          </ac:grpSpMkLst>
-        </pc:grpChg>
-        <pc:grpChg chg="del mod topLvl">
-          <ac:chgData name="Anxo Casal Rodriguez" userId="4252bde8-bc8f-41dd-83f3-a4e65c95fbdf" providerId="ADAL" clId="{E943E5C1-95CE-486C-92D7-129C80AE65D4}" dt="2024-06-17T16:28:34.881" v="2602" actId="21"/>
-          <ac:grpSpMkLst>
-            <pc:docMk/>
-            <pc:sldMk cId="0" sldId="288"/>
-            <ac:grpSpMk id="10" creationId="{8616DFE9-269B-E442-66FD-E107BC88E88C}"/>
-          </ac:grpSpMkLst>
-        </pc:grpChg>
-        <pc:grpChg chg="del mod">
-          <ac:chgData name="Anxo Casal Rodriguez" userId="4252bde8-bc8f-41dd-83f3-a4e65c95fbdf" providerId="ADAL" clId="{E943E5C1-95CE-486C-92D7-129C80AE65D4}" dt="2024-06-17T16:28:05.668" v="2585" actId="21"/>
-          <ac:grpSpMkLst>
-            <pc:docMk/>
-            <pc:sldMk cId="0" sldId="288"/>
-            <ac:grpSpMk id="11" creationId="{6F70B878-77CF-3B78-CDAE-F76FE858043F}"/>
-          </ac:grpSpMkLst>
-        </pc:grpChg>
-        <pc:grpChg chg="add mod">
-          <ac:chgData name="Anxo Casal Rodriguez" userId="4252bde8-bc8f-41dd-83f3-a4e65c95fbdf" providerId="ADAL" clId="{E943E5C1-95CE-486C-92D7-129C80AE65D4}" dt="2024-06-17T16:35:59.677" v="2974" actId="1035"/>
-          <ac:grpSpMkLst>
-            <pc:docMk/>
-            <pc:sldMk cId="0" sldId="288"/>
-            <ac:grpSpMk id="24" creationId="{1685E059-0D19-1048-B4ED-7E8114894D35}"/>
-          </ac:grpSpMkLst>
-        </pc:grpChg>
-        <pc:grpChg chg="add del mod">
-          <ac:chgData name="Anxo Casal Rodriguez" userId="4252bde8-bc8f-41dd-83f3-a4e65c95fbdf" providerId="ADAL" clId="{E943E5C1-95CE-486C-92D7-129C80AE65D4}" dt="2024-06-17T16:28:33.781" v="2601" actId="21"/>
-          <ac:grpSpMkLst>
-            <pc:docMk/>
-            <pc:sldMk cId="0" sldId="288"/>
-            <ac:grpSpMk id="28" creationId="{DD426D5A-0BE9-7D0B-93DE-8E51CD4C41B8}"/>
-          </ac:grpSpMkLst>
-        </pc:grpChg>
-        <pc:grpChg chg="add mod">
-          <ac:chgData name="Anxo Casal Rodriguez" userId="4252bde8-bc8f-41dd-83f3-a4e65c95fbdf" providerId="ADAL" clId="{E943E5C1-95CE-486C-92D7-129C80AE65D4}" dt="2024-06-17T16:35:59.677" v="2974" actId="1035"/>
-          <ac:grpSpMkLst>
-            <pc:docMk/>
-            <pc:sldMk cId="0" sldId="288"/>
-            <ac:grpSpMk id="34" creationId="{27A4C5F1-F4E8-B97C-1798-5CF6503F6F51}"/>
-          </ac:grpSpMkLst>
-        </pc:grpChg>
-        <pc:grpChg chg="add mod">
-          <ac:chgData name="Anxo Casal Rodriguez" userId="4252bde8-bc8f-41dd-83f3-a4e65c95fbdf" providerId="ADAL" clId="{E943E5C1-95CE-486C-92D7-129C80AE65D4}" dt="2024-06-17T16:35:30.636" v="2848" actId="1035"/>
-          <ac:grpSpMkLst>
-            <pc:docMk/>
-            <pc:sldMk cId="0" sldId="288"/>
-            <ac:grpSpMk id="40" creationId="{3D25B49E-D77B-DC15-77C4-FA3FD8C6CEBF}"/>
-          </ac:grpSpMkLst>
-        </pc:grpChg>
-        <pc:cxnChg chg="del mod">
-          <ac:chgData name="Anxo Casal Rodriguez" userId="4252bde8-bc8f-41dd-83f3-a4e65c95fbdf" providerId="ADAL" clId="{E943E5C1-95CE-486C-92D7-129C80AE65D4}" dt="2024-06-17T16:27:35.399" v="2575" actId="478"/>
-          <ac:cxnSpMkLst>
-            <pc:docMk/>
-            <pc:sldMk cId="0" sldId="288"/>
-            <ac:cxnSpMk id="2998" creationId="{00000000-0000-0000-0000-000000000000}"/>
-          </ac:cxnSpMkLst>
-        </pc:cxnChg>
-        <pc:cxnChg chg="del mod">
-          <ac:chgData name="Anxo Casal Rodriguez" userId="4252bde8-bc8f-41dd-83f3-a4e65c95fbdf" providerId="ADAL" clId="{E943E5C1-95CE-486C-92D7-129C80AE65D4}" dt="2024-06-17T16:27:35.399" v="2575" actId="478"/>
-          <ac:cxnSpMkLst>
-            <pc:docMk/>
-            <pc:sldMk cId="0" sldId="288"/>
-            <ac:cxnSpMk id="2999" creationId="{00000000-0000-0000-0000-000000000000}"/>
-          </ac:cxnSpMkLst>
-        </pc:cxnChg>
-        <pc:cxnChg chg="del mod">
-          <ac:chgData name="Anxo Casal Rodriguez" userId="4252bde8-bc8f-41dd-83f3-a4e65c95fbdf" providerId="ADAL" clId="{E943E5C1-95CE-486C-92D7-129C80AE65D4}" dt="2024-06-17T16:27:37.042" v="2577" actId="478"/>
-          <ac:cxnSpMkLst>
-            <pc:docMk/>
-            <pc:sldMk cId="0" sldId="288"/>
-            <ac:cxnSpMk id="3000" creationId="{00000000-0000-0000-0000-000000000000}"/>
-          </ac:cxnSpMkLst>
-        </pc:cxnChg>
       </pc:sldChg>
       <pc:sldChg chg="del">
         <pc:chgData name="Anxo Casal Rodriguez" userId="4252bde8-bc8f-41dd-83f3-a4e65c95fbdf" providerId="ADAL" clId="{E943E5C1-95CE-486C-92D7-129C80AE65D4}" dt="2024-06-17T01:15:56.026" v="710" actId="47"/>
@@ -2148,116 +1095,12 @@
           <pc:sldMk cId="0" sldId="289"/>
         </pc:sldMkLst>
       </pc:sldChg>
-      <pc:sldChg chg="addSp delSp modSp add del mod">
-        <pc:chgData name="Anxo Casal Rodriguez" userId="4252bde8-bc8f-41dd-83f3-a4e65c95fbdf" providerId="ADAL" clId="{E943E5C1-95CE-486C-92D7-129C80AE65D4}" dt="2024-06-17T16:05:40.452" v="2200" actId="47"/>
+      <pc:sldChg chg="del">
+        <pc:chgData name="Anxo Casal Rodriguez" userId="4252bde8-bc8f-41dd-83f3-a4e65c95fbdf" providerId="ADAL" clId="{E943E5C1-95CE-486C-92D7-129C80AE65D4}" dt="2024-06-17T01:15:56.026" v="710" actId="47"/>
         <pc:sldMkLst>
           <pc:docMk/>
           <pc:sldMk cId="0" sldId="290"/>
         </pc:sldMkLst>
-        <pc:spChg chg="add mod">
-          <ac:chgData name="Anxo Casal Rodriguez" userId="4252bde8-bc8f-41dd-83f3-a4e65c95fbdf" providerId="ADAL" clId="{E943E5C1-95CE-486C-92D7-129C80AE65D4}" dt="2024-06-17T16:03:16.277" v="2101" actId="1076"/>
-          <ac:spMkLst>
-            <pc:docMk/>
-            <pc:sldMk cId="0" sldId="290"/>
-            <ac:spMk id="2" creationId="{00000000-0000-0000-0000-000000000000}"/>
-          </ac:spMkLst>
-        </pc:spChg>
-        <pc:spChg chg="add del mod">
-          <ac:chgData name="Anxo Casal Rodriguez" userId="4252bde8-bc8f-41dd-83f3-a4e65c95fbdf" providerId="ADAL" clId="{E943E5C1-95CE-486C-92D7-129C80AE65D4}" dt="2024-06-17T16:04:06.815" v="2144" actId="478"/>
-          <ac:spMkLst>
-            <pc:docMk/>
-            <pc:sldMk cId="0" sldId="290"/>
-            <ac:spMk id="5" creationId="{F867EAD9-016A-3734-0BD0-58A109E4C9C8}"/>
-          </ac:spMkLst>
-        </pc:spChg>
-        <pc:spChg chg="mod">
-          <ac:chgData name="Anxo Casal Rodriguez" userId="4252bde8-bc8f-41dd-83f3-a4e65c95fbdf" providerId="ADAL" clId="{E943E5C1-95CE-486C-92D7-129C80AE65D4}" dt="2024-06-17T16:04:03.780" v="2143" actId="1076"/>
-          <ac:spMkLst>
-            <pc:docMk/>
-            <pc:sldMk cId="0" sldId="290"/>
-            <ac:spMk id="3012" creationId="{00000000-0000-0000-0000-000000000000}"/>
-          </ac:spMkLst>
-        </pc:spChg>
-        <pc:spChg chg="del mod">
-          <ac:chgData name="Anxo Casal Rodriguez" userId="4252bde8-bc8f-41dd-83f3-a4e65c95fbdf" providerId="ADAL" clId="{E943E5C1-95CE-486C-92D7-129C80AE65D4}" dt="2024-06-17T16:03:46.431" v="2113" actId="478"/>
-          <ac:spMkLst>
-            <pc:docMk/>
-            <pc:sldMk cId="0" sldId="290"/>
-            <ac:spMk id="3013" creationId="{00000000-0000-0000-0000-000000000000}"/>
-          </ac:spMkLst>
-        </pc:spChg>
-        <pc:spChg chg="del mod">
-          <ac:chgData name="Anxo Casal Rodriguez" userId="4252bde8-bc8f-41dd-83f3-a4e65c95fbdf" providerId="ADAL" clId="{E943E5C1-95CE-486C-92D7-129C80AE65D4}" dt="2024-06-17T16:03:08.387" v="2098" actId="21"/>
-          <ac:spMkLst>
-            <pc:docMk/>
-            <pc:sldMk cId="0" sldId="290"/>
-            <ac:spMk id="3015" creationId="{00000000-0000-0000-0000-000000000000}"/>
-          </ac:spMkLst>
-        </pc:spChg>
-        <pc:spChg chg="del">
-          <ac:chgData name="Anxo Casal Rodriguez" userId="4252bde8-bc8f-41dd-83f3-a4e65c95fbdf" providerId="ADAL" clId="{E943E5C1-95CE-486C-92D7-129C80AE65D4}" dt="2024-06-17T16:02:43.073" v="2091" actId="478"/>
-          <ac:spMkLst>
-            <pc:docMk/>
-            <pc:sldMk cId="0" sldId="290"/>
-            <ac:spMk id="3017" creationId="{00000000-0000-0000-0000-000000000000}"/>
-          </ac:spMkLst>
-        </pc:spChg>
-        <pc:spChg chg="del mod">
-          <ac:chgData name="Anxo Casal Rodriguez" userId="4252bde8-bc8f-41dd-83f3-a4e65c95fbdf" providerId="ADAL" clId="{E943E5C1-95CE-486C-92D7-129C80AE65D4}" dt="2024-06-17T16:02:57.597" v="2093" actId="478"/>
-          <ac:spMkLst>
-            <pc:docMk/>
-            <pc:sldMk cId="0" sldId="290"/>
-            <ac:spMk id="3023" creationId="{00000000-0000-0000-0000-000000000000}"/>
-          </ac:spMkLst>
-        </pc:spChg>
-        <pc:spChg chg="del">
-          <ac:chgData name="Anxo Casal Rodriguez" userId="4252bde8-bc8f-41dd-83f3-a4e65c95fbdf" providerId="ADAL" clId="{E943E5C1-95CE-486C-92D7-129C80AE65D4}" dt="2024-06-17T16:03:31.459" v="2108" actId="478"/>
-          <ac:spMkLst>
-            <pc:docMk/>
-            <pc:sldMk cId="0" sldId="290"/>
-            <ac:spMk id="3064" creationId="{00000000-0000-0000-0000-000000000000}"/>
-          </ac:spMkLst>
-        </pc:spChg>
-        <pc:spChg chg="del">
-          <ac:chgData name="Anxo Casal Rodriguez" userId="4252bde8-bc8f-41dd-83f3-a4e65c95fbdf" providerId="ADAL" clId="{E943E5C1-95CE-486C-92D7-129C80AE65D4}" dt="2024-06-17T16:03:34.115" v="2109" actId="478"/>
-          <ac:spMkLst>
-            <pc:docMk/>
-            <pc:sldMk cId="0" sldId="290"/>
-            <ac:spMk id="3075" creationId="{00000000-0000-0000-0000-000000000000}"/>
-          </ac:spMkLst>
-        </pc:spChg>
-        <pc:grpChg chg="add del mod">
-          <ac:chgData name="Anxo Casal Rodriguez" userId="4252bde8-bc8f-41dd-83f3-a4e65c95fbdf" providerId="ADAL" clId="{E943E5C1-95CE-486C-92D7-129C80AE65D4}" dt="2024-06-17T16:03:13.276" v="2099" actId="478"/>
-          <ac:grpSpMkLst>
-            <pc:docMk/>
-            <pc:sldMk cId="0" sldId="290"/>
-            <ac:grpSpMk id="3014" creationId="{00000000-0000-0000-0000-000000000000}"/>
-          </ac:grpSpMkLst>
-        </pc:grpChg>
-        <pc:grpChg chg="del">
-          <ac:chgData name="Anxo Casal Rodriguez" userId="4252bde8-bc8f-41dd-83f3-a4e65c95fbdf" providerId="ADAL" clId="{E943E5C1-95CE-486C-92D7-129C80AE65D4}" dt="2024-06-17T16:03:31.459" v="2108" actId="478"/>
-          <ac:grpSpMkLst>
-            <pc:docMk/>
-            <pc:sldMk cId="0" sldId="290"/>
-            <ac:grpSpMk id="3065" creationId="{00000000-0000-0000-0000-000000000000}"/>
-          </ac:grpSpMkLst>
-        </pc:grpChg>
-        <pc:grpChg chg="del">
-          <ac:chgData name="Anxo Casal Rodriguez" userId="4252bde8-bc8f-41dd-83f3-a4e65c95fbdf" providerId="ADAL" clId="{E943E5C1-95CE-486C-92D7-129C80AE65D4}" dt="2024-06-17T16:03:28.874" v="2106" actId="478"/>
-          <ac:grpSpMkLst>
-            <pc:docMk/>
-            <pc:sldMk cId="0" sldId="290"/>
-            <ac:grpSpMk id="3070" creationId="{00000000-0000-0000-0000-000000000000}"/>
-          </ac:grpSpMkLst>
-        </pc:grpChg>
-        <pc:picChg chg="add mod">
-          <ac:chgData name="Anxo Casal Rodriguez" userId="4252bde8-bc8f-41dd-83f3-a4e65c95fbdf" providerId="ADAL" clId="{E943E5C1-95CE-486C-92D7-129C80AE65D4}" dt="2024-06-17T16:04:25.964" v="2146" actId="1076"/>
-          <ac:picMkLst>
-            <pc:docMk/>
-            <pc:sldMk cId="0" sldId="290"/>
-            <ac:picMk id="3" creationId="{E099D95C-D0EE-C4B8-077D-14ABC6FA48A6}"/>
-          </ac:picMkLst>
-        </pc:picChg>
       </pc:sldChg>
       <pc:sldChg chg="del">
         <pc:chgData name="Anxo Casal Rodriguez" userId="4252bde8-bc8f-41dd-83f3-a4e65c95fbdf" providerId="ADAL" clId="{E943E5C1-95CE-486C-92D7-129C80AE65D4}" dt="2024-06-17T01:15:56.026" v="710" actId="47"/>
@@ -2478,8 +1321,8 @@
           </ac:cxnSpMkLst>
         </pc:cxnChg>
       </pc:sldChg>
-      <pc:sldMasterChg chg="addSldLayout delSldLayout">
-        <pc:chgData name="Anxo Casal Rodriguez" userId="4252bde8-bc8f-41dd-83f3-a4e65c95fbdf" providerId="ADAL" clId="{E943E5C1-95CE-486C-92D7-129C80AE65D4}" dt="2024-06-17T16:05:40.452" v="2200" actId="47"/>
+      <pc:sldMasterChg chg="delSldLayout">
+        <pc:chgData name="Anxo Casal Rodriguez" userId="4252bde8-bc8f-41dd-83f3-a4e65c95fbdf" providerId="ADAL" clId="{E943E5C1-95CE-486C-92D7-129C80AE65D4}" dt="2024-06-17T01:15:56.026" v="710" actId="47"/>
         <pc:sldMasterMkLst>
           <pc:docMk/>
           <pc:sldMasterMk cId="0" sldId="2147483674"/>
@@ -2594,14 +1437,6 @@
             <pc:docMk/>
             <pc:sldMasterMk cId="0" sldId="2147483674"/>
             <pc:sldLayoutMk cId="0" sldId="2147483672"/>
-          </pc:sldLayoutMkLst>
-        </pc:sldLayoutChg>
-        <pc:sldLayoutChg chg="add del">
-          <pc:chgData name="Anxo Casal Rodriguez" userId="4252bde8-bc8f-41dd-83f3-a4e65c95fbdf" providerId="ADAL" clId="{E943E5C1-95CE-486C-92D7-129C80AE65D4}" dt="2024-06-17T16:05:40.452" v="2200" actId="47"/>
-          <pc:sldLayoutMkLst>
-            <pc:docMk/>
-            <pc:sldMasterMk cId="0" sldId="2147483674"/>
-            <pc:sldLayoutMk cId="998791618" sldId="2147483675"/>
           </pc:sldLayoutMkLst>
         </pc:sldLayoutChg>
       </pc:sldMasterChg>
@@ -3175,115 +2010,6 @@
   <p:cSld>
     <p:spTree>
       <p:nvGrpSpPr>
-        <p:cNvPr id="1" name="Shape 1902"/>
-        <p:cNvGrpSpPr/>
-        <p:nvPr/>
-      </p:nvGrpSpPr>
-      <p:grpSpPr>
-        <a:xfrm>
-          <a:off x="0" y="0"/>
-          <a:ext cx="0" cy="0"/>
-          <a:chOff x="0" y="0"/>
-          <a:chExt cx="0" cy="0"/>
-        </a:xfrm>
-      </p:grpSpPr>
-      <p:sp>
-        <p:nvSpPr>
-          <p:cNvPr id="1903" name="Google Shape;1903;g6bdca54fc3_0_26091:notes"/>
-          <p:cNvSpPr>
-            <a:spLocks noGrp="1" noRot="1" noChangeAspect="1"/>
-          </p:cNvSpPr>
-          <p:nvPr>
-            <p:ph type="sldImg" idx="2"/>
-          </p:nvPr>
-        </p:nvSpPr>
-        <p:spPr>
-          <a:xfrm>
-            <a:off x="381000" y="685800"/>
-            <a:ext cx="6096000" cy="3429000"/>
-          </a:xfrm>
-          <a:custGeom>
-            <a:avLst/>
-            <a:gdLst/>
-            <a:ahLst/>
-            <a:cxnLst/>
-            <a:rect l="l" t="t" r="r" b="b"/>
-            <a:pathLst>
-              <a:path w="120000" h="120000" extrusionOk="0">
-                <a:moveTo>
-                  <a:pt x="0" y="0"/>
-                </a:moveTo>
-                <a:lnTo>
-                  <a:pt x="120000" y="0"/>
-                </a:lnTo>
-                <a:lnTo>
-                  <a:pt x="120000" y="120000"/>
-                </a:lnTo>
-                <a:lnTo>
-                  <a:pt x="0" y="120000"/>
-                </a:lnTo>
-                <a:close/>
-              </a:path>
-            </a:pathLst>
-          </a:custGeom>
-        </p:spPr>
-      </p:sp>
-      <p:sp>
-        <p:nvSpPr>
-          <p:cNvPr id="1904" name="Google Shape;1904;g6bdca54fc3_0_26091:notes"/>
-          <p:cNvSpPr txBox="1">
-            <a:spLocks noGrp="1"/>
-          </p:cNvSpPr>
-          <p:nvPr>
-            <p:ph type="body" idx="1"/>
-          </p:nvPr>
-        </p:nvSpPr>
-        <p:spPr>
-          <a:xfrm>
-            <a:off x="685800" y="4343400"/>
-            <a:ext cx="5486400" cy="4114800"/>
-          </a:xfrm>
-          <a:prstGeom prst="rect">
-            <a:avLst/>
-          </a:prstGeom>
-        </p:spPr>
-        <p:txBody>
-          <a:bodyPr spcFirstLastPara="1" wrap="square" lIns="91425" tIns="91425" rIns="91425" bIns="91425" anchor="t" anchorCtr="0">
-            <a:noAutofit/>
-          </a:bodyPr>
-          <a:lstStyle/>
-          <a:p>
-            <a:pPr marL="0" lvl="0" indent="0" algn="l" rtl="0">
-              <a:spcBef>
-                <a:spcPts val="0"/>
-              </a:spcBef>
-              <a:spcAft>
-                <a:spcPts val="0"/>
-              </a:spcAft>
-              <a:buNone/>
-            </a:pPr>
-            <a:endParaRPr dirty="0"/>
-          </a:p>
-        </p:txBody>
-      </p:sp>
-    </p:spTree>
-    <p:extLst>
-      <p:ext uri="{BB962C8B-B14F-4D97-AF65-F5344CB8AC3E}">
-        <p14:creationId xmlns:p14="http://schemas.microsoft.com/office/powerpoint/2010/main" val="3666541718"/>
-      </p:ext>
-    </p:extLst>
-  </p:cSld>
-  <p:clrMapOvr>
-    <a:masterClrMapping/>
-  </p:clrMapOvr>
-</p:notes>
-</file>
-
-<file path=ppt/notesSlides/notesSlide11.xml><?xml version="1.0" encoding="utf-8"?>
-<p:notes xmlns:a="http://schemas.openxmlformats.org/drawingml/2006/main" xmlns:r="http://schemas.openxmlformats.org/officeDocument/2006/relationships" xmlns:p="http://schemas.openxmlformats.org/presentationml/2006/main" showMasterSp="0" showMasterPhAnim="0">
-  <p:cSld>
-    <p:spTree>
-      <p:nvGrpSpPr>
         <p:cNvPr id="1" name="Shape 870"/>
         <p:cNvGrpSpPr/>
         <p:nvPr/>
@@ -3601,110 +2327,6 @@
   <p:cSld>
     <p:spTree>
       <p:nvGrpSpPr>
-        <p:cNvPr id="1" name="Shape 2680"/>
-        <p:cNvGrpSpPr/>
-        <p:nvPr/>
-      </p:nvGrpSpPr>
-      <p:grpSpPr>
-        <a:xfrm>
-          <a:off x="0" y="0"/>
-          <a:ext cx="0" cy="0"/>
-          <a:chOff x="0" y="0"/>
-          <a:chExt cx="0" cy="0"/>
-        </a:xfrm>
-      </p:grpSpPr>
-      <p:sp>
-        <p:nvSpPr>
-          <p:cNvPr id="2681" name="Google Shape;2681;g6bdca54fc3_0_26784:notes"/>
-          <p:cNvSpPr>
-            <a:spLocks noGrp="1" noRot="1" noChangeAspect="1"/>
-          </p:cNvSpPr>
-          <p:nvPr>
-            <p:ph type="sldImg" idx="2"/>
-          </p:nvPr>
-        </p:nvSpPr>
-        <p:spPr>
-          <a:xfrm>
-            <a:off x="381000" y="685800"/>
-            <a:ext cx="6096000" cy="3429000"/>
-          </a:xfrm>
-          <a:custGeom>
-            <a:avLst/>
-            <a:gdLst/>
-            <a:ahLst/>
-            <a:cxnLst/>
-            <a:rect l="l" t="t" r="r" b="b"/>
-            <a:pathLst>
-              <a:path w="120000" h="120000" extrusionOk="0">
-                <a:moveTo>
-                  <a:pt x="0" y="0"/>
-                </a:moveTo>
-                <a:lnTo>
-                  <a:pt x="120000" y="0"/>
-                </a:lnTo>
-                <a:lnTo>
-                  <a:pt x="120000" y="120000"/>
-                </a:lnTo>
-                <a:lnTo>
-                  <a:pt x="0" y="120000"/>
-                </a:lnTo>
-                <a:close/>
-              </a:path>
-            </a:pathLst>
-          </a:custGeom>
-        </p:spPr>
-      </p:sp>
-      <p:sp>
-        <p:nvSpPr>
-          <p:cNvPr id="2682" name="Google Shape;2682;g6bdca54fc3_0_26784:notes"/>
-          <p:cNvSpPr txBox="1">
-            <a:spLocks noGrp="1"/>
-          </p:cNvSpPr>
-          <p:nvPr>
-            <p:ph type="body" idx="1"/>
-          </p:nvPr>
-        </p:nvSpPr>
-        <p:spPr>
-          <a:xfrm>
-            <a:off x="685800" y="4343400"/>
-            <a:ext cx="5486400" cy="4114800"/>
-          </a:xfrm>
-          <a:prstGeom prst="rect">
-            <a:avLst/>
-          </a:prstGeom>
-        </p:spPr>
-        <p:txBody>
-          <a:bodyPr spcFirstLastPara="1" wrap="square" lIns="91425" tIns="91425" rIns="91425" bIns="91425" anchor="t" anchorCtr="0">
-            <a:noAutofit/>
-          </a:bodyPr>
-          <a:lstStyle/>
-          <a:p>
-            <a:pPr marL="0" lvl="0" indent="0" algn="l" rtl="0">
-              <a:spcBef>
-                <a:spcPts val="0"/>
-              </a:spcBef>
-              <a:spcAft>
-                <a:spcPts val="0"/>
-              </a:spcAft>
-              <a:buNone/>
-            </a:pPr>
-            <a:endParaRPr/>
-          </a:p>
-        </p:txBody>
-      </p:sp>
-    </p:spTree>
-  </p:cSld>
-  <p:clrMapOvr>
-    <a:masterClrMapping/>
-  </p:clrMapOvr>
-</p:notes>
-</file>
-
-<file path=ppt/notesSlides/notesSlide5.xml><?xml version="1.0" encoding="utf-8"?>
-<p:notes xmlns:a="http://schemas.openxmlformats.org/drawingml/2006/main" xmlns:r="http://schemas.openxmlformats.org/officeDocument/2006/relationships" xmlns:p="http://schemas.openxmlformats.org/presentationml/2006/main" showMasterSp="0" showMasterPhAnim="0">
-  <p:cSld>
-    <p:spTree>
-      <p:nvGrpSpPr>
         <p:cNvPr id="1" name="Shape 622"/>
         <p:cNvGrpSpPr/>
         <p:nvPr/>
@@ -3804,7 +2426,7 @@
 </p:notes>
 </file>
 
-<file path=ppt/notesSlides/notesSlide6.xml><?xml version="1.0" encoding="utf-8"?>
+<file path=ppt/notesSlides/notesSlide5.xml><?xml version="1.0" encoding="utf-8"?>
 <p:notes xmlns:a="http://schemas.openxmlformats.org/drawingml/2006/main" xmlns:r="http://schemas.openxmlformats.org/officeDocument/2006/relationships" xmlns:p="http://schemas.openxmlformats.org/presentationml/2006/main" showMasterSp="0" showMasterPhAnim="0">
   <p:cSld>
     <p:spTree>
@@ -3908,7 +2530,7 @@
 </p:notes>
 </file>
 
-<file path=ppt/notesSlides/notesSlide7.xml><?xml version="1.0" encoding="utf-8"?>
+<file path=ppt/notesSlides/notesSlide6.xml><?xml version="1.0" encoding="utf-8"?>
 <p:notes xmlns:a="http://schemas.openxmlformats.org/drawingml/2006/main" xmlns:r="http://schemas.openxmlformats.org/officeDocument/2006/relationships" xmlns:p="http://schemas.openxmlformats.org/presentationml/2006/main" showMasterSp="0" showMasterPhAnim="0">
   <p:cSld>
     <p:spTree>
@@ -4012,7 +2634,7 @@
 </p:notes>
 </file>
 
-<file path=ppt/notesSlides/notesSlide8.xml><?xml version="1.0" encoding="utf-8"?>
+<file path=ppt/notesSlides/notesSlide7.xml><?xml version="1.0" encoding="utf-8"?>
 <p:notes xmlns:a="http://schemas.openxmlformats.org/drawingml/2006/main" xmlns:r="http://schemas.openxmlformats.org/officeDocument/2006/relationships" xmlns:p="http://schemas.openxmlformats.org/presentationml/2006/main" showMasterSp="0" showMasterPhAnim="0">
   <p:cSld>
     <p:spTree>
@@ -4116,12 +2738,12 @@
 </p:notes>
 </file>
 
-<file path=ppt/notesSlides/notesSlide9.xml><?xml version="1.0" encoding="utf-8"?>
+<file path=ppt/notesSlides/notesSlide8.xml><?xml version="1.0" encoding="utf-8"?>
 <p:notes xmlns:a="http://schemas.openxmlformats.org/drawingml/2006/main" xmlns:r="http://schemas.openxmlformats.org/officeDocument/2006/relationships" xmlns:p="http://schemas.openxmlformats.org/presentationml/2006/main" showMasterSp="0" showMasterPhAnim="0">
   <p:cSld>
     <p:spTree>
       <p:nvGrpSpPr>
-        <p:cNvPr id="1" name="Shape 2984"/>
+        <p:cNvPr id="1" name="Shape 1902"/>
         <p:cNvGrpSpPr/>
         <p:nvPr/>
       </p:nvGrpSpPr>
@@ -4135,7 +2757,7 @@
       </p:grpSpPr>
       <p:sp>
         <p:nvSpPr>
-          <p:cNvPr id="2985" name="Google Shape;2985;g6bdca54fc3_0_27239:notes"/>
+          <p:cNvPr id="1903" name="Google Shape;1903;g6bdca54fc3_0_26091:notes"/>
           <p:cNvSpPr>
             <a:spLocks noGrp="1" noRot="1" noChangeAspect="1"/>
           </p:cNvSpPr>
@@ -4176,7 +2798,7 @@
       </p:sp>
       <p:sp>
         <p:nvSpPr>
-          <p:cNvPr id="2986" name="Google Shape;2986;g6bdca54fc3_0_27239:notes"/>
+          <p:cNvPr id="1904" name="Google Shape;1904;g6bdca54fc3_0_26091:notes"/>
           <p:cNvSpPr txBox="1">
             <a:spLocks noGrp="1"/>
           </p:cNvSpPr>
@@ -4213,6 +2835,115 @@
         </p:txBody>
       </p:sp>
     </p:spTree>
+  </p:cSld>
+  <p:clrMapOvr>
+    <a:masterClrMapping/>
+  </p:clrMapOvr>
+</p:notes>
+</file>
+
+<file path=ppt/notesSlides/notesSlide9.xml><?xml version="1.0" encoding="utf-8"?>
+<p:notes xmlns:a="http://schemas.openxmlformats.org/drawingml/2006/main" xmlns:r="http://schemas.openxmlformats.org/officeDocument/2006/relationships" xmlns:p="http://schemas.openxmlformats.org/presentationml/2006/main" showMasterSp="0" showMasterPhAnim="0">
+  <p:cSld>
+    <p:spTree>
+      <p:nvGrpSpPr>
+        <p:cNvPr id="1" name="Shape 1902"/>
+        <p:cNvGrpSpPr/>
+        <p:nvPr/>
+      </p:nvGrpSpPr>
+      <p:grpSpPr>
+        <a:xfrm>
+          <a:off x="0" y="0"/>
+          <a:ext cx="0" cy="0"/>
+          <a:chOff x="0" y="0"/>
+          <a:chExt cx="0" cy="0"/>
+        </a:xfrm>
+      </p:grpSpPr>
+      <p:sp>
+        <p:nvSpPr>
+          <p:cNvPr id="1903" name="Google Shape;1903;g6bdca54fc3_0_26091:notes"/>
+          <p:cNvSpPr>
+            <a:spLocks noGrp="1" noRot="1" noChangeAspect="1"/>
+          </p:cNvSpPr>
+          <p:nvPr>
+            <p:ph type="sldImg" idx="2"/>
+          </p:nvPr>
+        </p:nvSpPr>
+        <p:spPr>
+          <a:xfrm>
+            <a:off x="381000" y="685800"/>
+            <a:ext cx="6096000" cy="3429000"/>
+          </a:xfrm>
+          <a:custGeom>
+            <a:avLst/>
+            <a:gdLst/>
+            <a:ahLst/>
+            <a:cxnLst/>
+            <a:rect l="l" t="t" r="r" b="b"/>
+            <a:pathLst>
+              <a:path w="120000" h="120000" extrusionOk="0">
+                <a:moveTo>
+                  <a:pt x="0" y="0"/>
+                </a:moveTo>
+                <a:lnTo>
+                  <a:pt x="120000" y="0"/>
+                </a:lnTo>
+                <a:lnTo>
+                  <a:pt x="120000" y="120000"/>
+                </a:lnTo>
+                <a:lnTo>
+                  <a:pt x="0" y="120000"/>
+                </a:lnTo>
+                <a:close/>
+              </a:path>
+            </a:pathLst>
+          </a:custGeom>
+        </p:spPr>
+      </p:sp>
+      <p:sp>
+        <p:nvSpPr>
+          <p:cNvPr id="1904" name="Google Shape;1904;g6bdca54fc3_0_26091:notes"/>
+          <p:cNvSpPr txBox="1">
+            <a:spLocks noGrp="1"/>
+          </p:cNvSpPr>
+          <p:nvPr>
+            <p:ph type="body" idx="1"/>
+          </p:nvPr>
+        </p:nvSpPr>
+        <p:spPr>
+          <a:xfrm>
+            <a:off x="685800" y="4343400"/>
+            <a:ext cx="5486400" cy="4114800"/>
+          </a:xfrm>
+          <a:prstGeom prst="rect">
+            <a:avLst/>
+          </a:prstGeom>
+        </p:spPr>
+        <p:txBody>
+          <a:bodyPr spcFirstLastPara="1" wrap="square" lIns="91425" tIns="91425" rIns="91425" bIns="91425" anchor="t" anchorCtr="0">
+            <a:noAutofit/>
+          </a:bodyPr>
+          <a:lstStyle/>
+          <a:p>
+            <a:pPr marL="0" lvl="0" indent="0" algn="l" rtl="0">
+              <a:spcBef>
+                <a:spcPts val="0"/>
+              </a:spcBef>
+              <a:spcAft>
+                <a:spcPts val="0"/>
+              </a:spcAft>
+              <a:buNone/>
+            </a:pPr>
+            <a:endParaRPr/>
+          </a:p>
+        </p:txBody>
+      </p:sp>
+    </p:spTree>
+    <p:extLst>
+      <p:ext uri="{BB962C8B-B14F-4D97-AF65-F5344CB8AC3E}">
+        <p14:creationId xmlns:p14="http://schemas.microsoft.com/office/powerpoint/2010/main" val="3666541718"/>
+      </p:ext>
+    </p:extLst>
   </p:cSld>
   <p:clrMapOvr>
     <a:masterClrMapping/>
@@ -10454,531 +9185,6 @@
 </p:sldLayout>
 </file>
 
-<file path=ppt/slideLayouts/slideLayout9.xml><?xml version="1.0" encoding="utf-8"?>
-<p:sldLayout xmlns:a="http://schemas.openxmlformats.org/drawingml/2006/main" xmlns:r="http://schemas.openxmlformats.org/officeDocument/2006/relationships" xmlns:p="http://schemas.openxmlformats.org/presentationml/2006/main" matchingName="Section 1">
-  <p:cSld name="Section 1">
-    <p:bg>
-      <p:bgPr>
-        <a:gradFill>
-          <a:gsLst>
-            <a:gs pos="0">
-              <a:srgbClr val="8BE3FF"/>
-            </a:gs>
-            <a:gs pos="100000">
-              <a:srgbClr val="ACFFD9"/>
-            </a:gs>
-          </a:gsLst>
-          <a:lin ang="5400012" scaled="0"/>
-        </a:gradFill>
-        <a:effectLst/>
-      </p:bgPr>
-    </p:bg>
-    <p:spTree>
-      <p:nvGrpSpPr>
-        <p:cNvPr id="1" name="Shape 96"/>
-        <p:cNvGrpSpPr/>
-        <p:nvPr/>
-      </p:nvGrpSpPr>
-      <p:grpSpPr>
-        <a:xfrm>
-          <a:off x="0" y="0"/>
-          <a:ext cx="0" cy="0"/>
-          <a:chOff x="0" y="0"/>
-          <a:chExt cx="0" cy="0"/>
-        </a:xfrm>
-      </p:grpSpPr>
-      <p:sp>
-        <p:nvSpPr>
-          <p:cNvPr id="97" name="Google Shape;97;p19"/>
-          <p:cNvSpPr txBox="1">
-            <a:spLocks noGrp="1"/>
-          </p:cNvSpPr>
-          <p:nvPr>
-            <p:ph type="title"/>
-          </p:nvPr>
-        </p:nvSpPr>
-        <p:spPr>
-          <a:xfrm>
-            <a:off x="4288151" y="1458975"/>
-            <a:ext cx="3967500" cy="1671900"/>
-          </a:xfrm>
-          <a:prstGeom prst="rect">
-            <a:avLst/>
-          </a:prstGeom>
-        </p:spPr>
-        <p:txBody>
-          <a:bodyPr spcFirstLastPara="1" wrap="square" lIns="91425" tIns="91425" rIns="91425" bIns="91425" anchor="ctr" anchorCtr="0">
-            <a:noAutofit/>
-          </a:bodyPr>
-          <a:lstStyle>
-            <a:lvl1pPr lvl="0" algn="r" rtl="0">
-              <a:spcBef>
-                <a:spcPts val="0"/>
-              </a:spcBef>
-              <a:spcAft>
-                <a:spcPts val="0"/>
-              </a:spcAft>
-              <a:buSzPts val="4800"/>
-              <a:buNone/>
-              <a:defRPr sz="4800"/>
-            </a:lvl1pPr>
-            <a:lvl2pPr lvl="1" algn="r" rtl="0">
-              <a:spcBef>
-                <a:spcPts val="0"/>
-              </a:spcBef>
-              <a:spcAft>
-                <a:spcPts val="0"/>
-              </a:spcAft>
-              <a:buSzPts val="4800"/>
-              <a:buNone/>
-              <a:defRPr sz="4800"/>
-            </a:lvl2pPr>
-            <a:lvl3pPr lvl="2" algn="r" rtl="0">
-              <a:spcBef>
-                <a:spcPts val="0"/>
-              </a:spcBef>
-              <a:spcAft>
-                <a:spcPts val="0"/>
-              </a:spcAft>
-              <a:buSzPts val="4800"/>
-              <a:buNone/>
-              <a:defRPr sz="4800"/>
-            </a:lvl3pPr>
-            <a:lvl4pPr lvl="3" algn="r" rtl="0">
-              <a:spcBef>
-                <a:spcPts val="0"/>
-              </a:spcBef>
-              <a:spcAft>
-                <a:spcPts val="0"/>
-              </a:spcAft>
-              <a:buSzPts val="4800"/>
-              <a:buNone/>
-              <a:defRPr sz="4800"/>
-            </a:lvl4pPr>
-            <a:lvl5pPr lvl="4" algn="r" rtl="0">
-              <a:spcBef>
-                <a:spcPts val="0"/>
-              </a:spcBef>
-              <a:spcAft>
-                <a:spcPts val="0"/>
-              </a:spcAft>
-              <a:buSzPts val="4800"/>
-              <a:buNone/>
-              <a:defRPr sz="4800"/>
-            </a:lvl5pPr>
-            <a:lvl6pPr lvl="5" algn="r" rtl="0">
-              <a:spcBef>
-                <a:spcPts val="0"/>
-              </a:spcBef>
-              <a:spcAft>
-                <a:spcPts val="0"/>
-              </a:spcAft>
-              <a:buSzPts val="4800"/>
-              <a:buNone/>
-              <a:defRPr sz="4800"/>
-            </a:lvl6pPr>
-            <a:lvl7pPr lvl="6" algn="r" rtl="0">
-              <a:spcBef>
-                <a:spcPts val="0"/>
-              </a:spcBef>
-              <a:spcAft>
-                <a:spcPts val="0"/>
-              </a:spcAft>
-              <a:buSzPts val="4800"/>
-              <a:buNone/>
-              <a:defRPr sz="4800"/>
-            </a:lvl7pPr>
-            <a:lvl8pPr lvl="7" algn="r" rtl="0">
-              <a:spcBef>
-                <a:spcPts val="0"/>
-              </a:spcBef>
-              <a:spcAft>
-                <a:spcPts val="0"/>
-              </a:spcAft>
-              <a:buSzPts val="4800"/>
-              <a:buNone/>
-              <a:defRPr sz="4800"/>
-            </a:lvl8pPr>
-            <a:lvl9pPr lvl="8" algn="r" rtl="0">
-              <a:spcBef>
-                <a:spcPts val="0"/>
-              </a:spcBef>
-              <a:spcAft>
-                <a:spcPts val="0"/>
-              </a:spcAft>
-              <a:buSzPts val="4800"/>
-              <a:buNone/>
-              <a:defRPr sz="4800"/>
-            </a:lvl9pPr>
-          </a:lstStyle>
-          <a:p>
-            <a:endParaRPr/>
-          </a:p>
-        </p:txBody>
-      </p:sp>
-      <p:sp>
-        <p:nvSpPr>
-          <p:cNvPr id="98" name="Google Shape;98;p19"/>
-          <p:cNvSpPr txBox="1">
-            <a:spLocks noGrp="1"/>
-          </p:cNvSpPr>
-          <p:nvPr>
-            <p:ph type="subTitle" idx="1"/>
-          </p:nvPr>
-        </p:nvSpPr>
-        <p:spPr>
-          <a:xfrm>
-            <a:off x="5277851" y="3087550"/>
-            <a:ext cx="2977800" cy="792600"/>
-          </a:xfrm>
-          <a:prstGeom prst="rect">
-            <a:avLst/>
-          </a:prstGeom>
-        </p:spPr>
-        <p:txBody>
-          <a:bodyPr spcFirstLastPara="1" wrap="square" lIns="91425" tIns="91425" rIns="91425" bIns="91425" anchor="t" anchorCtr="0">
-            <a:noAutofit/>
-          </a:bodyPr>
-          <a:lstStyle>
-            <a:lvl1pPr lvl="0" algn="r" rtl="0">
-              <a:lnSpc>
-                <a:spcPct val="100000"/>
-              </a:lnSpc>
-              <a:spcBef>
-                <a:spcPts val="0"/>
-              </a:spcBef>
-              <a:spcAft>
-                <a:spcPts val="0"/>
-              </a:spcAft>
-              <a:buClr>
-                <a:srgbClr val="1F1C51"/>
-              </a:buClr>
-              <a:buSzPts val="1800"/>
-              <a:buNone/>
-              <a:defRPr>
-                <a:solidFill>
-                  <a:srgbClr val="1F1C51"/>
-                </a:solidFill>
-              </a:defRPr>
-            </a:lvl1pPr>
-            <a:lvl2pPr lvl="1" algn="r" rtl="0">
-              <a:lnSpc>
-                <a:spcPct val="100000"/>
-              </a:lnSpc>
-              <a:spcBef>
-                <a:spcPts val="0"/>
-              </a:spcBef>
-              <a:spcAft>
-                <a:spcPts val="0"/>
-              </a:spcAft>
-              <a:buClr>
-                <a:srgbClr val="1F1C51"/>
-              </a:buClr>
-              <a:buSzPts val="2800"/>
-              <a:buNone/>
-              <a:defRPr sz="2800">
-                <a:solidFill>
-                  <a:srgbClr val="1F1C51"/>
-                </a:solidFill>
-              </a:defRPr>
-            </a:lvl2pPr>
-            <a:lvl3pPr lvl="2" algn="r" rtl="0">
-              <a:lnSpc>
-                <a:spcPct val="100000"/>
-              </a:lnSpc>
-              <a:spcBef>
-                <a:spcPts val="0"/>
-              </a:spcBef>
-              <a:spcAft>
-                <a:spcPts val="0"/>
-              </a:spcAft>
-              <a:buClr>
-                <a:srgbClr val="1F1C51"/>
-              </a:buClr>
-              <a:buSzPts val="2800"/>
-              <a:buNone/>
-              <a:defRPr sz="2800">
-                <a:solidFill>
-                  <a:srgbClr val="1F1C51"/>
-                </a:solidFill>
-              </a:defRPr>
-            </a:lvl3pPr>
-            <a:lvl4pPr lvl="3" algn="r" rtl="0">
-              <a:lnSpc>
-                <a:spcPct val="100000"/>
-              </a:lnSpc>
-              <a:spcBef>
-                <a:spcPts val="0"/>
-              </a:spcBef>
-              <a:spcAft>
-                <a:spcPts val="0"/>
-              </a:spcAft>
-              <a:buClr>
-                <a:srgbClr val="1F1C51"/>
-              </a:buClr>
-              <a:buSzPts val="2800"/>
-              <a:buNone/>
-              <a:defRPr sz="2800">
-                <a:solidFill>
-                  <a:srgbClr val="1F1C51"/>
-                </a:solidFill>
-              </a:defRPr>
-            </a:lvl4pPr>
-            <a:lvl5pPr lvl="4" algn="r" rtl="0">
-              <a:lnSpc>
-                <a:spcPct val="100000"/>
-              </a:lnSpc>
-              <a:spcBef>
-                <a:spcPts val="0"/>
-              </a:spcBef>
-              <a:spcAft>
-                <a:spcPts val="0"/>
-              </a:spcAft>
-              <a:buClr>
-                <a:srgbClr val="1F1C51"/>
-              </a:buClr>
-              <a:buSzPts val="2800"/>
-              <a:buNone/>
-              <a:defRPr sz="2800">
-                <a:solidFill>
-                  <a:srgbClr val="1F1C51"/>
-                </a:solidFill>
-              </a:defRPr>
-            </a:lvl5pPr>
-            <a:lvl6pPr lvl="5" algn="r" rtl="0">
-              <a:lnSpc>
-                <a:spcPct val="100000"/>
-              </a:lnSpc>
-              <a:spcBef>
-                <a:spcPts val="0"/>
-              </a:spcBef>
-              <a:spcAft>
-                <a:spcPts val="0"/>
-              </a:spcAft>
-              <a:buClr>
-                <a:srgbClr val="1F1C51"/>
-              </a:buClr>
-              <a:buSzPts val="2800"/>
-              <a:buNone/>
-              <a:defRPr sz="2800">
-                <a:solidFill>
-                  <a:srgbClr val="1F1C51"/>
-                </a:solidFill>
-              </a:defRPr>
-            </a:lvl6pPr>
-            <a:lvl7pPr lvl="6" algn="r" rtl="0">
-              <a:lnSpc>
-                <a:spcPct val="100000"/>
-              </a:lnSpc>
-              <a:spcBef>
-                <a:spcPts val="0"/>
-              </a:spcBef>
-              <a:spcAft>
-                <a:spcPts val="0"/>
-              </a:spcAft>
-              <a:buClr>
-                <a:srgbClr val="1F1C51"/>
-              </a:buClr>
-              <a:buSzPts val="2800"/>
-              <a:buNone/>
-              <a:defRPr sz="2800">
-                <a:solidFill>
-                  <a:srgbClr val="1F1C51"/>
-                </a:solidFill>
-              </a:defRPr>
-            </a:lvl7pPr>
-            <a:lvl8pPr lvl="7" algn="r" rtl="0">
-              <a:lnSpc>
-                <a:spcPct val="100000"/>
-              </a:lnSpc>
-              <a:spcBef>
-                <a:spcPts val="0"/>
-              </a:spcBef>
-              <a:spcAft>
-                <a:spcPts val="0"/>
-              </a:spcAft>
-              <a:buClr>
-                <a:srgbClr val="1F1C51"/>
-              </a:buClr>
-              <a:buSzPts val="2800"/>
-              <a:buNone/>
-              <a:defRPr sz="2800">
-                <a:solidFill>
-                  <a:srgbClr val="1F1C51"/>
-                </a:solidFill>
-              </a:defRPr>
-            </a:lvl8pPr>
-            <a:lvl9pPr lvl="8" algn="r" rtl="0">
-              <a:lnSpc>
-                <a:spcPct val="100000"/>
-              </a:lnSpc>
-              <a:spcBef>
-                <a:spcPts val="0"/>
-              </a:spcBef>
-              <a:spcAft>
-                <a:spcPts val="0"/>
-              </a:spcAft>
-              <a:buClr>
-                <a:srgbClr val="1F1C51"/>
-              </a:buClr>
-              <a:buSzPts val="2800"/>
-              <a:buNone/>
-              <a:defRPr sz="2800">
-                <a:solidFill>
-                  <a:srgbClr val="1F1C51"/>
-                </a:solidFill>
-              </a:defRPr>
-            </a:lvl9pPr>
-          </a:lstStyle>
-          <a:p>
-            <a:endParaRPr/>
-          </a:p>
-        </p:txBody>
-      </p:sp>
-      <p:sp>
-        <p:nvSpPr>
-          <p:cNvPr id="99" name="Google Shape;99;p19"/>
-          <p:cNvSpPr txBox="1">
-            <a:spLocks noGrp="1"/>
-          </p:cNvSpPr>
-          <p:nvPr>
-            <p:ph type="title" idx="2" hasCustomPrompt="1"/>
-          </p:nvPr>
-        </p:nvSpPr>
-        <p:spPr>
-          <a:xfrm>
-            <a:off x="5597951" y="792425"/>
-            <a:ext cx="2657700" cy="792600"/>
-          </a:xfrm>
-          <a:prstGeom prst="rect">
-            <a:avLst/>
-          </a:prstGeom>
-        </p:spPr>
-        <p:txBody>
-          <a:bodyPr spcFirstLastPara="1" wrap="square" lIns="91425" tIns="91425" rIns="91425" bIns="91425" anchor="b" anchorCtr="0">
-            <a:noAutofit/>
-          </a:bodyPr>
-          <a:lstStyle>
-            <a:lvl1pPr lvl="0" algn="r" rtl="0">
-              <a:spcBef>
-                <a:spcPts val="0"/>
-              </a:spcBef>
-              <a:spcAft>
-                <a:spcPts val="0"/>
-              </a:spcAft>
-              <a:buSzPts val="4800"/>
-              <a:buNone/>
-              <a:defRPr sz="4800"/>
-            </a:lvl1pPr>
-            <a:lvl2pPr lvl="1" algn="r" rtl="0">
-              <a:spcBef>
-                <a:spcPts val="0"/>
-              </a:spcBef>
-              <a:spcAft>
-                <a:spcPts val="0"/>
-              </a:spcAft>
-              <a:buSzPts val="4800"/>
-              <a:buNone/>
-              <a:defRPr sz="4800"/>
-            </a:lvl2pPr>
-            <a:lvl3pPr lvl="2" algn="r" rtl="0">
-              <a:spcBef>
-                <a:spcPts val="0"/>
-              </a:spcBef>
-              <a:spcAft>
-                <a:spcPts val="0"/>
-              </a:spcAft>
-              <a:buSzPts val="4800"/>
-              <a:buNone/>
-              <a:defRPr sz="4800"/>
-            </a:lvl3pPr>
-            <a:lvl4pPr lvl="3" algn="r" rtl="0">
-              <a:spcBef>
-                <a:spcPts val="0"/>
-              </a:spcBef>
-              <a:spcAft>
-                <a:spcPts val="0"/>
-              </a:spcAft>
-              <a:buSzPts val="4800"/>
-              <a:buNone/>
-              <a:defRPr sz="4800"/>
-            </a:lvl4pPr>
-            <a:lvl5pPr lvl="4" algn="r" rtl="0">
-              <a:spcBef>
-                <a:spcPts val="0"/>
-              </a:spcBef>
-              <a:spcAft>
-                <a:spcPts val="0"/>
-              </a:spcAft>
-              <a:buSzPts val="4800"/>
-              <a:buNone/>
-              <a:defRPr sz="4800"/>
-            </a:lvl5pPr>
-            <a:lvl6pPr lvl="5" algn="r" rtl="0">
-              <a:spcBef>
-                <a:spcPts val="0"/>
-              </a:spcBef>
-              <a:spcAft>
-                <a:spcPts val="0"/>
-              </a:spcAft>
-              <a:buSzPts val="4800"/>
-              <a:buNone/>
-              <a:defRPr sz="4800"/>
-            </a:lvl6pPr>
-            <a:lvl7pPr lvl="6" algn="r" rtl="0">
-              <a:spcBef>
-                <a:spcPts val="0"/>
-              </a:spcBef>
-              <a:spcAft>
-                <a:spcPts val="0"/>
-              </a:spcAft>
-              <a:buSzPts val="4800"/>
-              <a:buNone/>
-              <a:defRPr sz="4800"/>
-            </a:lvl7pPr>
-            <a:lvl8pPr lvl="7" algn="r" rtl="0">
-              <a:spcBef>
-                <a:spcPts val="0"/>
-              </a:spcBef>
-              <a:spcAft>
-                <a:spcPts val="0"/>
-              </a:spcAft>
-              <a:buSzPts val="4800"/>
-              <a:buNone/>
-              <a:defRPr sz="4800"/>
-            </a:lvl8pPr>
-            <a:lvl9pPr lvl="8" algn="r" rtl="0">
-              <a:spcBef>
-                <a:spcPts val="0"/>
-              </a:spcBef>
-              <a:spcAft>
-                <a:spcPts val="0"/>
-              </a:spcAft>
-              <a:buSzPts val="4800"/>
-              <a:buNone/>
-              <a:defRPr sz="4800"/>
-            </a:lvl9pPr>
-          </a:lstStyle>
-          <a:p>
-            <a:r>
-              <a:t>xx%</a:t>
-            </a:r>
-          </a:p>
-        </p:txBody>
-      </p:sp>
-    </p:spTree>
-    <p:extLst>
-      <p:ext uri="{BB962C8B-B14F-4D97-AF65-F5344CB8AC3E}">
-        <p14:creationId xmlns:p14="http://schemas.microsoft.com/office/powerpoint/2010/main" val="2995130546"/>
-      </p:ext>
-    </p:extLst>
-  </p:cSld>
-  <p:clrMapOvr>
-    <a:masterClrMapping/>
-  </p:clrMapOvr>
-</p:sldLayout>
-</file>
-
 <file path=ppt/slideMasters/slideMaster1.xml><?xml version="1.0" encoding="utf-8"?>
 <p:sldMaster xmlns:a="http://schemas.openxmlformats.org/drawingml/2006/main" xmlns:r="http://schemas.openxmlformats.org/officeDocument/2006/relationships" xmlns:p="http://schemas.openxmlformats.org/presentationml/2006/main">
   <p:cSld name="simple-light-2">
@@ -11485,7 +9691,6 @@
     <p:sldLayoutId id="2147483662" r:id="rId6"/>
     <p:sldLayoutId id="2147483663" r:id="rId7"/>
     <p:sldLayoutId id="2147483666" r:id="rId8"/>
-    <p:sldLayoutId id="2147483675" r:id="rId9"/>
   </p:sldLayoutIdLst>
   <p:hf sldNum="0" hdr="0" ftr="0" dt="0"/>
   <p:txStyles>
@@ -23409,1641 +21614,6 @@
   <p:cSld>
     <p:spTree>
       <p:nvGrpSpPr>
-        <p:cNvPr id="1" name="Shape 1905"/>
-        <p:cNvGrpSpPr/>
-        <p:nvPr/>
-      </p:nvGrpSpPr>
-      <p:grpSpPr>
-        <a:xfrm>
-          <a:off x="0" y="0"/>
-          <a:ext cx="0" cy="0"/>
-          <a:chOff x="0" y="0"/>
-          <a:chExt cx="0" cy="0"/>
-        </a:xfrm>
-      </p:grpSpPr>
-      <p:sp>
-        <p:nvSpPr>
-          <p:cNvPr id="7" name="Google Shape;1913;p47">
-            <a:extLst>
-              <a:ext uri="{FF2B5EF4-FFF2-40B4-BE49-F238E27FC236}">
-                <a16:creationId xmlns:a16="http://schemas.microsoft.com/office/drawing/2014/main" id="{269C1FDB-97F9-E805-0BAF-0F16F67AD702}"/>
-              </a:ext>
-            </a:extLst>
-          </p:cNvPr>
-          <p:cNvSpPr/>
-          <p:nvPr/>
-        </p:nvSpPr>
-        <p:spPr>
-          <a:xfrm>
-            <a:off x="222769" y="877875"/>
-            <a:ext cx="2738512" cy="3969923"/>
-          </a:xfrm>
-          <a:prstGeom prst="rect">
-            <a:avLst/>
-          </a:prstGeom>
-          <a:gradFill>
-            <a:gsLst>
-              <a:gs pos="0">
-                <a:srgbClr val="8BE3FF"/>
-              </a:gs>
-              <a:gs pos="100000">
-                <a:srgbClr val="ACFFD9"/>
-              </a:gs>
-            </a:gsLst>
-            <a:lin ang="5400700" scaled="0"/>
-          </a:gradFill>
-          <a:ln>
-            <a:noFill/>
-          </a:ln>
-        </p:spPr>
-        <p:txBody>
-          <a:bodyPr spcFirstLastPara="1" wrap="square" lIns="91425" tIns="91425" rIns="91425" bIns="91425" anchor="ctr" anchorCtr="0">
-            <a:noAutofit/>
-          </a:bodyPr>
-          <a:lstStyle/>
-          <a:p>
-            <a:pPr marL="0" lvl="0" indent="0" algn="l" rtl="0">
-              <a:spcBef>
-                <a:spcPts val="0"/>
-              </a:spcBef>
-              <a:spcAft>
-                <a:spcPts val="0"/>
-              </a:spcAft>
-              <a:buNone/>
-            </a:pPr>
-            <a:endParaRPr dirty="0"/>
-          </a:p>
-        </p:txBody>
-      </p:sp>
-      <p:sp>
-        <p:nvSpPr>
-          <p:cNvPr id="11" name="Google Shape;1913;p47">
-            <a:extLst>
-              <a:ext uri="{FF2B5EF4-FFF2-40B4-BE49-F238E27FC236}">
-                <a16:creationId xmlns:a16="http://schemas.microsoft.com/office/drawing/2014/main" id="{82F790A1-3E63-B0E3-6A64-8C867276F465}"/>
-              </a:ext>
-            </a:extLst>
-          </p:cNvPr>
-          <p:cNvSpPr/>
-          <p:nvPr/>
-        </p:nvSpPr>
-        <p:spPr>
-          <a:xfrm>
-            <a:off x="6173992" y="877875"/>
-            <a:ext cx="2738512" cy="3969923"/>
-          </a:xfrm>
-          <a:prstGeom prst="rect">
-            <a:avLst/>
-          </a:prstGeom>
-          <a:gradFill>
-            <a:gsLst>
-              <a:gs pos="0">
-                <a:srgbClr val="8BE3FF"/>
-              </a:gs>
-              <a:gs pos="100000">
-                <a:srgbClr val="ACFFD9"/>
-              </a:gs>
-            </a:gsLst>
-            <a:lin ang="5400700" scaled="0"/>
-          </a:gradFill>
-          <a:ln>
-            <a:noFill/>
-          </a:ln>
-        </p:spPr>
-        <p:txBody>
-          <a:bodyPr spcFirstLastPara="1" wrap="square" lIns="91425" tIns="91425" rIns="91425" bIns="91425" anchor="ctr" anchorCtr="0">
-            <a:noAutofit/>
-          </a:bodyPr>
-          <a:lstStyle/>
-          <a:p>
-            <a:pPr marL="0" lvl="0" indent="0" algn="l" rtl="0">
-              <a:spcBef>
-                <a:spcPts val="0"/>
-              </a:spcBef>
-              <a:spcAft>
-                <a:spcPts val="0"/>
-              </a:spcAft>
-              <a:buNone/>
-            </a:pPr>
-            <a:endParaRPr dirty="0"/>
-          </a:p>
-        </p:txBody>
-      </p:sp>
-      <p:sp>
-        <p:nvSpPr>
-          <p:cNvPr id="1906" name="Google Shape;1906;p47"/>
-          <p:cNvSpPr txBox="1">
-            <a:spLocks noGrp="1"/>
-          </p:cNvSpPr>
-          <p:nvPr>
-            <p:ph type="title"/>
-          </p:nvPr>
-        </p:nvSpPr>
-        <p:spPr>
-          <a:xfrm>
-            <a:off x="626625" y="338175"/>
-            <a:ext cx="6084000" cy="539700"/>
-          </a:xfrm>
-          <a:prstGeom prst="rect">
-            <a:avLst/>
-          </a:prstGeom>
-        </p:spPr>
-        <p:txBody>
-          <a:bodyPr spcFirstLastPara="1" wrap="square" lIns="91425" tIns="91425" rIns="91425" bIns="91425" anchor="t" anchorCtr="0">
-            <a:noAutofit/>
-          </a:bodyPr>
-          <a:lstStyle/>
-          <a:p>
-            <a:pPr marL="0" lvl="0" indent="0" algn="l" rtl="0">
-              <a:spcBef>
-                <a:spcPts val="0"/>
-              </a:spcBef>
-              <a:spcAft>
-                <a:spcPts val="0"/>
-              </a:spcAft>
-              <a:buNone/>
-            </a:pPr>
-            <a:r>
-              <a:rPr lang="en" dirty="0"/>
-              <a:t>Entrenamiento</a:t>
-            </a:r>
-            <a:endParaRPr dirty="0"/>
-          </a:p>
-        </p:txBody>
-      </p:sp>
-      <p:sp>
-        <p:nvSpPr>
-          <p:cNvPr id="1913" name="Google Shape;1913;p47"/>
-          <p:cNvSpPr/>
-          <p:nvPr/>
-        </p:nvSpPr>
-        <p:spPr>
-          <a:xfrm>
-            <a:off x="3202744" y="877875"/>
-            <a:ext cx="2738512" cy="3969923"/>
-          </a:xfrm>
-          <a:prstGeom prst="rect">
-            <a:avLst/>
-          </a:prstGeom>
-          <a:gradFill>
-            <a:gsLst>
-              <a:gs pos="0">
-                <a:srgbClr val="8BE3FF"/>
-              </a:gs>
-              <a:gs pos="100000">
-                <a:srgbClr val="ACFFD9"/>
-              </a:gs>
-            </a:gsLst>
-            <a:lin ang="5400700" scaled="0"/>
-          </a:gradFill>
-          <a:ln>
-            <a:noFill/>
-          </a:ln>
-        </p:spPr>
-        <p:txBody>
-          <a:bodyPr spcFirstLastPara="1" wrap="square" lIns="91425" tIns="91425" rIns="91425" bIns="91425" anchor="ctr" anchorCtr="0">
-            <a:noAutofit/>
-          </a:bodyPr>
-          <a:lstStyle/>
-          <a:p>
-            <a:pPr marL="0" lvl="0" indent="0" algn="l" rtl="0">
-              <a:spcBef>
-                <a:spcPts val="0"/>
-              </a:spcBef>
-              <a:spcAft>
-                <a:spcPts val="0"/>
-              </a:spcAft>
-              <a:buNone/>
-            </a:pPr>
-            <a:endParaRPr dirty="0"/>
-          </a:p>
-        </p:txBody>
-      </p:sp>
-      <p:sp>
-        <p:nvSpPr>
-          <p:cNvPr id="1916" name="Google Shape;1916;p47"/>
-          <p:cNvSpPr txBox="1">
-            <a:spLocks noGrp="1"/>
-          </p:cNvSpPr>
-          <p:nvPr>
-            <p:ph type="body" idx="4294967295"/>
-          </p:nvPr>
-        </p:nvSpPr>
-        <p:spPr>
-          <a:xfrm>
-            <a:off x="3346829" y="1494294"/>
-            <a:ext cx="2571846" cy="3237961"/>
-          </a:xfrm>
-          <a:prstGeom prst="rect">
-            <a:avLst/>
-          </a:prstGeom>
-        </p:spPr>
-        <p:txBody>
-          <a:bodyPr spcFirstLastPara="1" wrap="square" lIns="91425" tIns="91425" rIns="91425" bIns="91425" anchor="t" anchorCtr="0">
-            <a:noAutofit/>
-          </a:bodyPr>
-          <a:lstStyle/>
-          <a:p>
-            <a:pPr marL="139700" lvl="0" indent="0" algn="l" rtl="0">
-              <a:spcBef>
-                <a:spcPts val="0"/>
-              </a:spcBef>
-              <a:spcAft>
-                <a:spcPts val="0"/>
-              </a:spcAft>
-              <a:buSzPts val="1400"/>
-              <a:buNone/>
-            </a:pPr>
-            <a:r>
-              <a:rPr lang="es-ES" sz="1400" dirty="0"/>
-              <a:t>Como opción clásica escogimos un </a:t>
-            </a:r>
-            <a:r>
-              <a:rPr lang="es-ES" sz="1400" dirty="0" err="1"/>
-              <a:t>XGBoost</a:t>
-            </a:r>
-            <a:r>
-              <a:rPr lang="es-ES" sz="1400" dirty="0"/>
-              <a:t> debido a su ligereza y facilidad de entrenamiento.</a:t>
-            </a:r>
-          </a:p>
-          <a:p>
-            <a:pPr marL="139700" lvl="0" indent="0" algn="l" rtl="0">
-              <a:spcBef>
-                <a:spcPts val="0"/>
-              </a:spcBef>
-              <a:spcAft>
-                <a:spcPts val="0"/>
-              </a:spcAft>
-              <a:buSzPts val="1400"/>
-              <a:buNone/>
-            </a:pPr>
-            <a:endParaRPr lang="es-ES" sz="1400" dirty="0"/>
-          </a:p>
-          <a:p>
-            <a:pPr marL="139700" lvl="0" indent="0" algn="l" rtl="0">
-              <a:spcBef>
-                <a:spcPts val="0"/>
-              </a:spcBef>
-              <a:spcAft>
-                <a:spcPts val="0"/>
-              </a:spcAft>
-              <a:buSzPts val="1400"/>
-              <a:buNone/>
-            </a:pPr>
-            <a:r>
-              <a:rPr lang="es-ES" sz="1400" dirty="0"/>
-              <a:t>Además aporta completa </a:t>
-            </a:r>
-            <a:r>
-              <a:rPr lang="es-ES" sz="1400" dirty="0" err="1"/>
-              <a:t>explicabilidad</a:t>
-            </a:r>
-            <a:r>
-              <a:rPr lang="es-ES" sz="1400" dirty="0"/>
-              <a:t> sobre los resultados</a:t>
-            </a:r>
-          </a:p>
-          <a:p>
-            <a:pPr marL="139700" lvl="0" indent="0" algn="l" rtl="0">
-              <a:spcBef>
-                <a:spcPts val="0"/>
-              </a:spcBef>
-              <a:spcAft>
-                <a:spcPts val="0"/>
-              </a:spcAft>
-              <a:buSzPts val="1400"/>
-              <a:buNone/>
-            </a:pPr>
-            <a:endParaRPr lang="es-ES" sz="1400" dirty="0"/>
-          </a:p>
-          <a:p>
-            <a:pPr marL="139700" lvl="0" indent="0" algn="l" rtl="0">
-              <a:spcBef>
-                <a:spcPts val="0"/>
-              </a:spcBef>
-              <a:spcAft>
-                <a:spcPts val="0"/>
-              </a:spcAft>
-              <a:buSzPts val="1400"/>
-              <a:buNone/>
-            </a:pPr>
-            <a:r>
-              <a:rPr lang="es-ES" sz="1400" dirty="0"/>
-              <a:t>Para los </a:t>
-            </a:r>
-            <a:r>
-              <a:rPr lang="es-ES" sz="1400" dirty="0" err="1"/>
-              <a:t>hiperparámetros</a:t>
-            </a:r>
-            <a:r>
-              <a:rPr lang="es-ES" sz="1400" dirty="0"/>
-              <a:t> utilizamos una búsqueda bayesiana para su optimización</a:t>
-            </a:r>
-            <a:endParaRPr sz="1400" dirty="0"/>
-          </a:p>
-        </p:txBody>
-      </p:sp>
-      <p:sp>
-        <p:nvSpPr>
-          <p:cNvPr id="1917" name="Google Shape;1917;p47"/>
-          <p:cNvSpPr txBox="1">
-            <a:spLocks noGrp="1"/>
-          </p:cNvSpPr>
-          <p:nvPr>
-            <p:ph type="title"/>
-          </p:nvPr>
-        </p:nvSpPr>
-        <p:spPr>
-          <a:xfrm>
-            <a:off x="3535106" y="1037337"/>
-            <a:ext cx="1835227" cy="348084"/>
-          </a:xfrm>
-          <a:prstGeom prst="rect">
-            <a:avLst/>
-          </a:prstGeom>
-        </p:spPr>
-        <p:txBody>
-          <a:bodyPr spcFirstLastPara="1" wrap="square" lIns="91425" tIns="91425" rIns="91425" bIns="91425" anchor="t" anchorCtr="0">
-            <a:noAutofit/>
-          </a:bodyPr>
-          <a:lstStyle/>
-          <a:p>
-            <a:pPr marL="0" lvl="0" indent="0" algn="l" rtl="0">
-              <a:spcBef>
-                <a:spcPts val="0"/>
-              </a:spcBef>
-              <a:spcAft>
-                <a:spcPts val="0"/>
-              </a:spcAft>
-              <a:buNone/>
-            </a:pPr>
-            <a:r>
-              <a:rPr lang="en" sz="1400" dirty="0"/>
-              <a:t>XGBoost</a:t>
-            </a:r>
-            <a:endParaRPr sz="1400" dirty="0"/>
-          </a:p>
-        </p:txBody>
-      </p:sp>
-      <p:sp>
-        <p:nvSpPr>
-          <p:cNvPr id="9" name="Google Shape;1916;p47">
-            <a:extLst>
-              <a:ext uri="{FF2B5EF4-FFF2-40B4-BE49-F238E27FC236}">
-                <a16:creationId xmlns:a16="http://schemas.microsoft.com/office/drawing/2014/main" id="{F0F6D407-A607-6562-C58C-D10785E5F0CB}"/>
-              </a:ext>
-            </a:extLst>
-          </p:cNvPr>
-          <p:cNvSpPr txBox="1">
-            <a:spLocks/>
-          </p:cNvSpPr>
-          <p:nvPr/>
-        </p:nvSpPr>
-        <p:spPr>
-          <a:xfrm>
-            <a:off x="6282614" y="1494295"/>
-            <a:ext cx="2275661" cy="2706199"/>
-          </a:xfrm>
-          <a:prstGeom prst="rect">
-            <a:avLst/>
-          </a:prstGeom>
-          <a:noFill/>
-          <a:ln>
-            <a:noFill/>
-          </a:ln>
-        </p:spPr>
-        <p:txBody>
-          <a:bodyPr spcFirstLastPara="1" wrap="square" lIns="91425" tIns="91425" rIns="91425" bIns="91425" anchor="t" anchorCtr="0">
-            <a:noAutofit/>
-          </a:bodyPr>
-          <a:lstStyle>
-            <a:defPPr marR="0" lvl="0" algn="l" rtl="0">
-              <a:lnSpc>
-                <a:spcPct val="100000"/>
-              </a:lnSpc>
-              <a:spcBef>
-                <a:spcPts val="0"/>
-              </a:spcBef>
-              <a:spcAft>
-                <a:spcPts val="0"/>
-              </a:spcAft>
-            </a:defPPr>
-            <a:lvl1pPr marL="457200" marR="0" lvl="0" indent="-342900" algn="l" rtl="0">
-              <a:lnSpc>
-                <a:spcPct val="100000"/>
-              </a:lnSpc>
-              <a:spcBef>
-                <a:spcPts val="0"/>
-              </a:spcBef>
-              <a:spcAft>
-                <a:spcPts val="0"/>
-              </a:spcAft>
-              <a:buClr>
-                <a:schemeClr val="lt2"/>
-              </a:buClr>
-              <a:buSzPts val="1800"/>
-              <a:buFont typeface="DM Sans"/>
-              <a:buChar char="●"/>
-              <a:defRPr sz="1800" b="0" i="0" u="none" strike="noStrike" cap="none">
-                <a:solidFill>
-                  <a:schemeClr val="lt2"/>
-                </a:solidFill>
-                <a:latin typeface="DM Sans"/>
-                <a:ea typeface="DM Sans"/>
-                <a:cs typeface="DM Sans"/>
-                <a:sym typeface="DM Sans"/>
-              </a:defRPr>
-            </a:lvl1pPr>
-            <a:lvl2pPr marL="914400" marR="0" lvl="1" indent="-317500" algn="l" rtl="0">
-              <a:lnSpc>
-                <a:spcPct val="100000"/>
-              </a:lnSpc>
-              <a:spcBef>
-                <a:spcPts val="1600"/>
-              </a:spcBef>
-              <a:spcAft>
-                <a:spcPts val="0"/>
-              </a:spcAft>
-              <a:buClr>
-                <a:schemeClr val="lt2"/>
-              </a:buClr>
-              <a:buSzPts val="1400"/>
-              <a:buFont typeface="DM Sans"/>
-              <a:buChar char="○"/>
-              <a:defRPr sz="1400" b="0" i="0" u="none" strike="noStrike" cap="none">
-                <a:solidFill>
-                  <a:schemeClr val="lt2"/>
-                </a:solidFill>
-                <a:latin typeface="DM Sans"/>
-                <a:ea typeface="DM Sans"/>
-                <a:cs typeface="DM Sans"/>
-                <a:sym typeface="DM Sans"/>
-              </a:defRPr>
-            </a:lvl2pPr>
-            <a:lvl3pPr marL="1371600" marR="0" lvl="2" indent="-317500" algn="l" rtl="0">
-              <a:lnSpc>
-                <a:spcPct val="100000"/>
-              </a:lnSpc>
-              <a:spcBef>
-                <a:spcPts val="1600"/>
-              </a:spcBef>
-              <a:spcAft>
-                <a:spcPts val="0"/>
-              </a:spcAft>
-              <a:buClr>
-                <a:schemeClr val="lt2"/>
-              </a:buClr>
-              <a:buSzPts val="1400"/>
-              <a:buFont typeface="DM Sans"/>
-              <a:buChar char="■"/>
-              <a:defRPr sz="1400" b="0" i="0" u="none" strike="noStrike" cap="none">
-                <a:solidFill>
-                  <a:schemeClr val="lt2"/>
-                </a:solidFill>
-                <a:latin typeface="DM Sans"/>
-                <a:ea typeface="DM Sans"/>
-                <a:cs typeface="DM Sans"/>
-                <a:sym typeface="DM Sans"/>
-              </a:defRPr>
-            </a:lvl3pPr>
-            <a:lvl4pPr marL="1828800" marR="0" lvl="3" indent="-317500" algn="l" rtl="0">
-              <a:lnSpc>
-                <a:spcPct val="100000"/>
-              </a:lnSpc>
-              <a:spcBef>
-                <a:spcPts val="1600"/>
-              </a:spcBef>
-              <a:spcAft>
-                <a:spcPts val="0"/>
-              </a:spcAft>
-              <a:buClr>
-                <a:schemeClr val="lt2"/>
-              </a:buClr>
-              <a:buSzPts val="1400"/>
-              <a:buFont typeface="DM Sans"/>
-              <a:buChar char="●"/>
-              <a:defRPr sz="1400" b="0" i="0" u="none" strike="noStrike" cap="none">
-                <a:solidFill>
-                  <a:schemeClr val="lt2"/>
-                </a:solidFill>
-                <a:latin typeface="DM Sans"/>
-                <a:ea typeface="DM Sans"/>
-                <a:cs typeface="DM Sans"/>
-                <a:sym typeface="DM Sans"/>
-              </a:defRPr>
-            </a:lvl4pPr>
-            <a:lvl5pPr marL="2286000" marR="0" lvl="4" indent="-317500" algn="l" rtl="0">
-              <a:lnSpc>
-                <a:spcPct val="100000"/>
-              </a:lnSpc>
-              <a:spcBef>
-                <a:spcPts val="1600"/>
-              </a:spcBef>
-              <a:spcAft>
-                <a:spcPts val="0"/>
-              </a:spcAft>
-              <a:buClr>
-                <a:schemeClr val="lt2"/>
-              </a:buClr>
-              <a:buSzPts val="1400"/>
-              <a:buFont typeface="DM Sans"/>
-              <a:buChar char="○"/>
-              <a:defRPr sz="1400" b="0" i="0" u="none" strike="noStrike" cap="none">
-                <a:solidFill>
-                  <a:schemeClr val="lt2"/>
-                </a:solidFill>
-                <a:latin typeface="DM Sans"/>
-                <a:ea typeface="DM Sans"/>
-                <a:cs typeface="DM Sans"/>
-                <a:sym typeface="DM Sans"/>
-              </a:defRPr>
-            </a:lvl5pPr>
-            <a:lvl6pPr marL="2743200" marR="0" lvl="5" indent="-317500" algn="l" rtl="0">
-              <a:lnSpc>
-                <a:spcPct val="100000"/>
-              </a:lnSpc>
-              <a:spcBef>
-                <a:spcPts val="1600"/>
-              </a:spcBef>
-              <a:spcAft>
-                <a:spcPts val="0"/>
-              </a:spcAft>
-              <a:buClr>
-                <a:schemeClr val="lt2"/>
-              </a:buClr>
-              <a:buSzPts val="1400"/>
-              <a:buFont typeface="DM Sans"/>
-              <a:buChar char="■"/>
-              <a:defRPr sz="1400" b="0" i="0" u="none" strike="noStrike" cap="none">
-                <a:solidFill>
-                  <a:schemeClr val="lt2"/>
-                </a:solidFill>
-                <a:latin typeface="DM Sans"/>
-                <a:ea typeface="DM Sans"/>
-                <a:cs typeface="DM Sans"/>
-                <a:sym typeface="DM Sans"/>
-              </a:defRPr>
-            </a:lvl6pPr>
-            <a:lvl7pPr marL="3200400" marR="0" lvl="6" indent="-317500" algn="l" rtl="0">
-              <a:lnSpc>
-                <a:spcPct val="100000"/>
-              </a:lnSpc>
-              <a:spcBef>
-                <a:spcPts val="1600"/>
-              </a:spcBef>
-              <a:spcAft>
-                <a:spcPts val="0"/>
-              </a:spcAft>
-              <a:buClr>
-                <a:schemeClr val="lt2"/>
-              </a:buClr>
-              <a:buSzPts val="1400"/>
-              <a:buFont typeface="DM Sans"/>
-              <a:buChar char="●"/>
-              <a:defRPr sz="1400" b="0" i="0" u="none" strike="noStrike" cap="none">
-                <a:solidFill>
-                  <a:schemeClr val="lt2"/>
-                </a:solidFill>
-                <a:latin typeface="DM Sans"/>
-                <a:ea typeface="DM Sans"/>
-                <a:cs typeface="DM Sans"/>
-                <a:sym typeface="DM Sans"/>
-              </a:defRPr>
-            </a:lvl7pPr>
-            <a:lvl8pPr marL="3657600" marR="0" lvl="7" indent="-317500" algn="l" rtl="0">
-              <a:lnSpc>
-                <a:spcPct val="100000"/>
-              </a:lnSpc>
-              <a:spcBef>
-                <a:spcPts val="1600"/>
-              </a:spcBef>
-              <a:spcAft>
-                <a:spcPts val="0"/>
-              </a:spcAft>
-              <a:buClr>
-                <a:schemeClr val="lt2"/>
-              </a:buClr>
-              <a:buSzPts val="1400"/>
-              <a:buFont typeface="DM Sans"/>
-              <a:buChar char="○"/>
-              <a:defRPr sz="1400" b="0" i="0" u="none" strike="noStrike" cap="none">
-                <a:solidFill>
-                  <a:schemeClr val="lt2"/>
-                </a:solidFill>
-                <a:latin typeface="DM Sans"/>
-                <a:ea typeface="DM Sans"/>
-                <a:cs typeface="DM Sans"/>
-                <a:sym typeface="DM Sans"/>
-              </a:defRPr>
-            </a:lvl8pPr>
-            <a:lvl9pPr marL="4114800" marR="0" lvl="8" indent="-317500" algn="l" rtl="0">
-              <a:lnSpc>
-                <a:spcPct val="100000"/>
-              </a:lnSpc>
-              <a:spcBef>
-                <a:spcPts val="1600"/>
-              </a:spcBef>
-              <a:spcAft>
-                <a:spcPts val="1600"/>
-              </a:spcAft>
-              <a:buClr>
-                <a:schemeClr val="lt2"/>
-              </a:buClr>
-              <a:buSzPts val="1400"/>
-              <a:buFont typeface="DM Sans"/>
-              <a:buChar char="■"/>
-              <a:defRPr sz="1400" b="0" i="0" u="none" strike="noStrike" cap="none">
-                <a:solidFill>
-                  <a:schemeClr val="lt2"/>
-                </a:solidFill>
-                <a:latin typeface="DM Sans"/>
-                <a:ea typeface="DM Sans"/>
-                <a:cs typeface="DM Sans"/>
-                <a:sym typeface="DM Sans"/>
-              </a:defRPr>
-            </a:lvl9pPr>
-          </a:lstStyle>
-          <a:p>
-            <a:pPr marL="139700" indent="0">
-              <a:buSzPts val="1400"/>
-              <a:buFont typeface="DM Sans"/>
-              <a:buNone/>
-            </a:pPr>
-            <a:r>
-              <a:rPr lang="es-ES" sz="1400" dirty="0"/>
-              <a:t>Empleamos </a:t>
-            </a:r>
-            <a:r>
-              <a:rPr lang="es-ES" sz="1400" dirty="0" err="1"/>
-              <a:t>skip</a:t>
-            </a:r>
-            <a:r>
-              <a:rPr lang="es-ES" sz="1400" dirty="0"/>
-              <a:t> </a:t>
-            </a:r>
-            <a:r>
-              <a:rPr lang="es-ES" sz="1400" dirty="0" err="1"/>
-              <a:t>connections</a:t>
-            </a:r>
-            <a:r>
-              <a:rPr lang="es-ES" sz="1400" dirty="0"/>
-              <a:t> para poder entrenar una red neuronal más profunda. </a:t>
-            </a:r>
-          </a:p>
-          <a:p>
-            <a:pPr marL="139700" indent="0">
-              <a:buSzPts val="1400"/>
-              <a:buFont typeface="DM Sans"/>
-              <a:buNone/>
-            </a:pPr>
-            <a:endParaRPr lang="es-ES" sz="1400" dirty="0"/>
-          </a:p>
-          <a:p>
-            <a:pPr marL="139700" indent="0">
-              <a:buSzPts val="1400"/>
-              <a:buFont typeface="DM Sans"/>
-              <a:buNone/>
-            </a:pPr>
-            <a:r>
-              <a:rPr lang="es-ES" sz="1400" dirty="0"/>
-              <a:t>Esto disminuye el coste computacional y evita problemas de explosión de </a:t>
-            </a:r>
-            <a:r>
-              <a:rPr lang="es-ES" sz="1400" dirty="0" err="1"/>
-              <a:t>gradiante</a:t>
-            </a:r>
-            <a:r>
-              <a:rPr lang="es-ES" sz="1400" dirty="0"/>
-              <a:t>.</a:t>
-            </a:r>
-          </a:p>
-        </p:txBody>
-      </p:sp>
-      <p:sp>
-        <p:nvSpPr>
-          <p:cNvPr id="10" name="Google Shape;1917;p47">
-            <a:extLst>
-              <a:ext uri="{FF2B5EF4-FFF2-40B4-BE49-F238E27FC236}">
-                <a16:creationId xmlns:a16="http://schemas.microsoft.com/office/drawing/2014/main" id="{CEC967E9-8595-0E9E-72D8-3FFF291B02BC}"/>
-              </a:ext>
-            </a:extLst>
-          </p:cNvPr>
-          <p:cNvSpPr txBox="1">
-            <a:spLocks/>
-          </p:cNvSpPr>
-          <p:nvPr/>
-        </p:nvSpPr>
-        <p:spPr>
-          <a:xfrm>
-            <a:off x="6428333" y="1063789"/>
-            <a:ext cx="2351333" cy="377700"/>
-          </a:xfrm>
-          <a:prstGeom prst="rect">
-            <a:avLst/>
-          </a:prstGeom>
-          <a:noFill/>
-          <a:ln>
-            <a:noFill/>
-          </a:ln>
-        </p:spPr>
-        <p:txBody>
-          <a:bodyPr spcFirstLastPara="1" wrap="square" lIns="91425" tIns="91425" rIns="91425" bIns="91425" anchor="t" anchorCtr="0">
-            <a:noAutofit/>
-          </a:bodyPr>
-          <a:lstStyle>
-            <a:defPPr marR="0" lvl="0" algn="l" rtl="0">
-              <a:lnSpc>
-                <a:spcPct val="100000"/>
-              </a:lnSpc>
-              <a:spcBef>
-                <a:spcPts val="0"/>
-              </a:spcBef>
-              <a:spcAft>
-                <a:spcPts val="0"/>
-              </a:spcAft>
-            </a:defPPr>
-            <a:lvl1pPr marR="0" lvl="0" algn="l" rtl="0">
-              <a:lnSpc>
-                <a:spcPct val="100000"/>
-              </a:lnSpc>
-              <a:spcBef>
-                <a:spcPts val="0"/>
-              </a:spcBef>
-              <a:spcAft>
-                <a:spcPts val="0"/>
-              </a:spcAft>
-              <a:buClr>
-                <a:schemeClr val="lt2"/>
-              </a:buClr>
-              <a:buSzPts val="2400"/>
-              <a:buFont typeface="Viga"/>
-              <a:buNone/>
-              <a:defRPr sz="2400" b="0" i="0" u="none" strike="noStrike" cap="none">
-                <a:solidFill>
-                  <a:schemeClr val="lt2"/>
-                </a:solidFill>
-                <a:latin typeface="Viga"/>
-                <a:ea typeface="Viga"/>
-                <a:cs typeface="Viga"/>
-                <a:sym typeface="Viga"/>
-              </a:defRPr>
-            </a:lvl1pPr>
-            <a:lvl2pPr marR="0" lvl="1" algn="l" rtl="0">
-              <a:lnSpc>
-                <a:spcPct val="100000"/>
-              </a:lnSpc>
-              <a:spcBef>
-                <a:spcPts val="0"/>
-              </a:spcBef>
-              <a:spcAft>
-                <a:spcPts val="0"/>
-              </a:spcAft>
-              <a:buClr>
-                <a:schemeClr val="lt2"/>
-              </a:buClr>
-              <a:buSzPts val="2400"/>
-              <a:buFont typeface="Arial"/>
-              <a:buNone/>
-              <a:defRPr sz="2400" b="0" i="0" u="none" strike="noStrike" cap="none">
-                <a:solidFill>
-                  <a:schemeClr val="lt2"/>
-                </a:solidFill>
-                <a:latin typeface="Arial"/>
-                <a:ea typeface="Arial"/>
-                <a:cs typeface="Arial"/>
-                <a:sym typeface="Arial"/>
-              </a:defRPr>
-            </a:lvl2pPr>
-            <a:lvl3pPr marR="0" lvl="2" algn="l" rtl="0">
-              <a:lnSpc>
-                <a:spcPct val="100000"/>
-              </a:lnSpc>
-              <a:spcBef>
-                <a:spcPts val="0"/>
-              </a:spcBef>
-              <a:spcAft>
-                <a:spcPts val="0"/>
-              </a:spcAft>
-              <a:buClr>
-                <a:schemeClr val="lt2"/>
-              </a:buClr>
-              <a:buSzPts val="2400"/>
-              <a:buFont typeface="Arial"/>
-              <a:buNone/>
-              <a:defRPr sz="2400" b="0" i="0" u="none" strike="noStrike" cap="none">
-                <a:solidFill>
-                  <a:schemeClr val="lt2"/>
-                </a:solidFill>
-                <a:latin typeface="Arial"/>
-                <a:ea typeface="Arial"/>
-                <a:cs typeface="Arial"/>
-                <a:sym typeface="Arial"/>
-              </a:defRPr>
-            </a:lvl3pPr>
-            <a:lvl4pPr marR="0" lvl="3" algn="l" rtl="0">
-              <a:lnSpc>
-                <a:spcPct val="100000"/>
-              </a:lnSpc>
-              <a:spcBef>
-                <a:spcPts val="0"/>
-              </a:spcBef>
-              <a:spcAft>
-                <a:spcPts val="0"/>
-              </a:spcAft>
-              <a:buClr>
-                <a:schemeClr val="lt2"/>
-              </a:buClr>
-              <a:buSzPts val="2400"/>
-              <a:buFont typeface="Arial"/>
-              <a:buNone/>
-              <a:defRPr sz="2400" b="0" i="0" u="none" strike="noStrike" cap="none">
-                <a:solidFill>
-                  <a:schemeClr val="lt2"/>
-                </a:solidFill>
-                <a:latin typeface="Arial"/>
-                <a:ea typeface="Arial"/>
-                <a:cs typeface="Arial"/>
-                <a:sym typeface="Arial"/>
-              </a:defRPr>
-            </a:lvl4pPr>
-            <a:lvl5pPr marR="0" lvl="4" algn="l" rtl="0">
-              <a:lnSpc>
-                <a:spcPct val="100000"/>
-              </a:lnSpc>
-              <a:spcBef>
-                <a:spcPts val="0"/>
-              </a:spcBef>
-              <a:spcAft>
-                <a:spcPts val="0"/>
-              </a:spcAft>
-              <a:buClr>
-                <a:schemeClr val="lt2"/>
-              </a:buClr>
-              <a:buSzPts val="2400"/>
-              <a:buFont typeface="Arial"/>
-              <a:buNone/>
-              <a:defRPr sz="2400" b="0" i="0" u="none" strike="noStrike" cap="none">
-                <a:solidFill>
-                  <a:schemeClr val="lt2"/>
-                </a:solidFill>
-                <a:latin typeface="Arial"/>
-                <a:ea typeface="Arial"/>
-                <a:cs typeface="Arial"/>
-                <a:sym typeface="Arial"/>
-              </a:defRPr>
-            </a:lvl5pPr>
-            <a:lvl6pPr marR="0" lvl="5" algn="l" rtl="0">
-              <a:lnSpc>
-                <a:spcPct val="100000"/>
-              </a:lnSpc>
-              <a:spcBef>
-                <a:spcPts val="0"/>
-              </a:spcBef>
-              <a:spcAft>
-                <a:spcPts val="0"/>
-              </a:spcAft>
-              <a:buClr>
-                <a:schemeClr val="lt2"/>
-              </a:buClr>
-              <a:buSzPts val="2400"/>
-              <a:buFont typeface="Arial"/>
-              <a:buNone/>
-              <a:defRPr sz="2400" b="0" i="0" u="none" strike="noStrike" cap="none">
-                <a:solidFill>
-                  <a:schemeClr val="lt2"/>
-                </a:solidFill>
-                <a:latin typeface="Arial"/>
-                <a:ea typeface="Arial"/>
-                <a:cs typeface="Arial"/>
-                <a:sym typeface="Arial"/>
-              </a:defRPr>
-            </a:lvl6pPr>
-            <a:lvl7pPr marR="0" lvl="6" algn="l" rtl="0">
-              <a:lnSpc>
-                <a:spcPct val="100000"/>
-              </a:lnSpc>
-              <a:spcBef>
-                <a:spcPts val="0"/>
-              </a:spcBef>
-              <a:spcAft>
-                <a:spcPts val="0"/>
-              </a:spcAft>
-              <a:buClr>
-                <a:schemeClr val="lt2"/>
-              </a:buClr>
-              <a:buSzPts val="2400"/>
-              <a:buFont typeface="Arial"/>
-              <a:buNone/>
-              <a:defRPr sz="2400" b="0" i="0" u="none" strike="noStrike" cap="none">
-                <a:solidFill>
-                  <a:schemeClr val="lt2"/>
-                </a:solidFill>
-                <a:latin typeface="Arial"/>
-                <a:ea typeface="Arial"/>
-                <a:cs typeface="Arial"/>
-                <a:sym typeface="Arial"/>
-              </a:defRPr>
-            </a:lvl7pPr>
-            <a:lvl8pPr marR="0" lvl="7" algn="l" rtl="0">
-              <a:lnSpc>
-                <a:spcPct val="100000"/>
-              </a:lnSpc>
-              <a:spcBef>
-                <a:spcPts val="0"/>
-              </a:spcBef>
-              <a:spcAft>
-                <a:spcPts val="0"/>
-              </a:spcAft>
-              <a:buClr>
-                <a:schemeClr val="lt2"/>
-              </a:buClr>
-              <a:buSzPts val="2400"/>
-              <a:buFont typeface="Arial"/>
-              <a:buNone/>
-              <a:defRPr sz="2400" b="0" i="0" u="none" strike="noStrike" cap="none">
-                <a:solidFill>
-                  <a:schemeClr val="lt2"/>
-                </a:solidFill>
-                <a:latin typeface="Arial"/>
-                <a:ea typeface="Arial"/>
-                <a:cs typeface="Arial"/>
-                <a:sym typeface="Arial"/>
-              </a:defRPr>
-            </a:lvl8pPr>
-            <a:lvl9pPr marR="0" lvl="8" algn="l" rtl="0">
-              <a:lnSpc>
-                <a:spcPct val="100000"/>
-              </a:lnSpc>
-              <a:spcBef>
-                <a:spcPts val="0"/>
-              </a:spcBef>
-              <a:spcAft>
-                <a:spcPts val="0"/>
-              </a:spcAft>
-              <a:buClr>
-                <a:schemeClr val="lt2"/>
-              </a:buClr>
-              <a:buSzPts val="2400"/>
-              <a:buFont typeface="Arial"/>
-              <a:buNone/>
-              <a:defRPr sz="2400" b="0" i="0" u="none" strike="noStrike" cap="none">
-                <a:solidFill>
-                  <a:schemeClr val="lt2"/>
-                </a:solidFill>
-                <a:latin typeface="Arial"/>
-                <a:ea typeface="Arial"/>
-                <a:cs typeface="Arial"/>
-                <a:sym typeface="Arial"/>
-              </a:defRPr>
-            </a:lvl9pPr>
-          </a:lstStyle>
-          <a:p>
-            <a:r>
-              <a:rPr lang="es-ES" sz="1400" dirty="0"/>
-              <a:t>Residual LNN</a:t>
-            </a:r>
-          </a:p>
-        </p:txBody>
-      </p:sp>
-      <p:sp>
-        <p:nvSpPr>
-          <p:cNvPr id="5" name="Google Shape;1916;p47">
-            <a:extLst>
-              <a:ext uri="{FF2B5EF4-FFF2-40B4-BE49-F238E27FC236}">
-                <a16:creationId xmlns:a16="http://schemas.microsoft.com/office/drawing/2014/main" id="{6D84C36F-C60E-EC12-5D36-857354411E39}"/>
-              </a:ext>
-            </a:extLst>
-          </p:cNvPr>
-          <p:cNvSpPr txBox="1">
-            <a:spLocks/>
-          </p:cNvSpPr>
-          <p:nvPr/>
-        </p:nvSpPr>
-        <p:spPr>
-          <a:xfrm>
-            <a:off x="320955" y="1494295"/>
-            <a:ext cx="2513769" cy="2900740"/>
-          </a:xfrm>
-          <a:prstGeom prst="rect">
-            <a:avLst/>
-          </a:prstGeom>
-          <a:noFill/>
-          <a:ln>
-            <a:noFill/>
-          </a:ln>
-        </p:spPr>
-        <p:txBody>
-          <a:bodyPr spcFirstLastPara="1" wrap="square" lIns="91425" tIns="91425" rIns="91425" bIns="91425" anchor="t" anchorCtr="0">
-            <a:noAutofit/>
-          </a:bodyPr>
-          <a:lstStyle>
-            <a:defPPr marR="0" lvl="0" algn="l" rtl="0">
-              <a:lnSpc>
-                <a:spcPct val="100000"/>
-              </a:lnSpc>
-              <a:spcBef>
-                <a:spcPts val="0"/>
-              </a:spcBef>
-              <a:spcAft>
-                <a:spcPts val="0"/>
-              </a:spcAft>
-            </a:defPPr>
-            <a:lvl1pPr marL="457200" marR="0" lvl="0" indent="-342900" algn="l" rtl="0">
-              <a:lnSpc>
-                <a:spcPct val="100000"/>
-              </a:lnSpc>
-              <a:spcBef>
-                <a:spcPts val="0"/>
-              </a:spcBef>
-              <a:spcAft>
-                <a:spcPts val="0"/>
-              </a:spcAft>
-              <a:buClr>
-                <a:schemeClr val="lt2"/>
-              </a:buClr>
-              <a:buSzPts val="1800"/>
-              <a:buFont typeface="DM Sans"/>
-              <a:buChar char="●"/>
-              <a:defRPr sz="1800" b="0" i="0" u="none" strike="noStrike" cap="none">
-                <a:solidFill>
-                  <a:schemeClr val="lt2"/>
-                </a:solidFill>
-                <a:latin typeface="DM Sans"/>
-                <a:ea typeface="DM Sans"/>
-                <a:cs typeface="DM Sans"/>
-                <a:sym typeface="DM Sans"/>
-              </a:defRPr>
-            </a:lvl1pPr>
-            <a:lvl2pPr marL="914400" marR="0" lvl="1" indent="-317500" algn="l" rtl="0">
-              <a:lnSpc>
-                <a:spcPct val="100000"/>
-              </a:lnSpc>
-              <a:spcBef>
-                <a:spcPts val="1600"/>
-              </a:spcBef>
-              <a:spcAft>
-                <a:spcPts val="0"/>
-              </a:spcAft>
-              <a:buClr>
-                <a:schemeClr val="lt2"/>
-              </a:buClr>
-              <a:buSzPts val="1400"/>
-              <a:buFont typeface="DM Sans"/>
-              <a:buChar char="○"/>
-              <a:defRPr sz="1400" b="0" i="0" u="none" strike="noStrike" cap="none">
-                <a:solidFill>
-                  <a:schemeClr val="lt2"/>
-                </a:solidFill>
-                <a:latin typeface="DM Sans"/>
-                <a:ea typeface="DM Sans"/>
-                <a:cs typeface="DM Sans"/>
-                <a:sym typeface="DM Sans"/>
-              </a:defRPr>
-            </a:lvl2pPr>
-            <a:lvl3pPr marL="1371600" marR="0" lvl="2" indent="-317500" algn="l" rtl="0">
-              <a:lnSpc>
-                <a:spcPct val="100000"/>
-              </a:lnSpc>
-              <a:spcBef>
-                <a:spcPts val="1600"/>
-              </a:spcBef>
-              <a:spcAft>
-                <a:spcPts val="0"/>
-              </a:spcAft>
-              <a:buClr>
-                <a:schemeClr val="lt2"/>
-              </a:buClr>
-              <a:buSzPts val="1400"/>
-              <a:buFont typeface="DM Sans"/>
-              <a:buChar char="■"/>
-              <a:defRPr sz="1400" b="0" i="0" u="none" strike="noStrike" cap="none">
-                <a:solidFill>
-                  <a:schemeClr val="lt2"/>
-                </a:solidFill>
-                <a:latin typeface="DM Sans"/>
-                <a:ea typeface="DM Sans"/>
-                <a:cs typeface="DM Sans"/>
-                <a:sym typeface="DM Sans"/>
-              </a:defRPr>
-            </a:lvl3pPr>
-            <a:lvl4pPr marL="1828800" marR="0" lvl="3" indent="-317500" algn="l" rtl="0">
-              <a:lnSpc>
-                <a:spcPct val="100000"/>
-              </a:lnSpc>
-              <a:spcBef>
-                <a:spcPts val="1600"/>
-              </a:spcBef>
-              <a:spcAft>
-                <a:spcPts val="0"/>
-              </a:spcAft>
-              <a:buClr>
-                <a:schemeClr val="lt2"/>
-              </a:buClr>
-              <a:buSzPts val="1400"/>
-              <a:buFont typeface="DM Sans"/>
-              <a:buChar char="●"/>
-              <a:defRPr sz="1400" b="0" i="0" u="none" strike="noStrike" cap="none">
-                <a:solidFill>
-                  <a:schemeClr val="lt2"/>
-                </a:solidFill>
-                <a:latin typeface="DM Sans"/>
-                <a:ea typeface="DM Sans"/>
-                <a:cs typeface="DM Sans"/>
-                <a:sym typeface="DM Sans"/>
-              </a:defRPr>
-            </a:lvl4pPr>
-            <a:lvl5pPr marL="2286000" marR="0" lvl="4" indent="-317500" algn="l" rtl="0">
-              <a:lnSpc>
-                <a:spcPct val="100000"/>
-              </a:lnSpc>
-              <a:spcBef>
-                <a:spcPts val="1600"/>
-              </a:spcBef>
-              <a:spcAft>
-                <a:spcPts val="0"/>
-              </a:spcAft>
-              <a:buClr>
-                <a:schemeClr val="lt2"/>
-              </a:buClr>
-              <a:buSzPts val="1400"/>
-              <a:buFont typeface="DM Sans"/>
-              <a:buChar char="○"/>
-              <a:defRPr sz="1400" b="0" i="0" u="none" strike="noStrike" cap="none">
-                <a:solidFill>
-                  <a:schemeClr val="lt2"/>
-                </a:solidFill>
-                <a:latin typeface="DM Sans"/>
-                <a:ea typeface="DM Sans"/>
-                <a:cs typeface="DM Sans"/>
-                <a:sym typeface="DM Sans"/>
-              </a:defRPr>
-            </a:lvl5pPr>
-            <a:lvl6pPr marL="2743200" marR="0" lvl="5" indent="-317500" algn="l" rtl="0">
-              <a:lnSpc>
-                <a:spcPct val="100000"/>
-              </a:lnSpc>
-              <a:spcBef>
-                <a:spcPts val="1600"/>
-              </a:spcBef>
-              <a:spcAft>
-                <a:spcPts val="0"/>
-              </a:spcAft>
-              <a:buClr>
-                <a:schemeClr val="lt2"/>
-              </a:buClr>
-              <a:buSzPts val="1400"/>
-              <a:buFont typeface="DM Sans"/>
-              <a:buChar char="■"/>
-              <a:defRPr sz="1400" b="0" i="0" u="none" strike="noStrike" cap="none">
-                <a:solidFill>
-                  <a:schemeClr val="lt2"/>
-                </a:solidFill>
-                <a:latin typeface="DM Sans"/>
-                <a:ea typeface="DM Sans"/>
-                <a:cs typeface="DM Sans"/>
-                <a:sym typeface="DM Sans"/>
-              </a:defRPr>
-            </a:lvl6pPr>
-            <a:lvl7pPr marL="3200400" marR="0" lvl="6" indent="-317500" algn="l" rtl="0">
-              <a:lnSpc>
-                <a:spcPct val="100000"/>
-              </a:lnSpc>
-              <a:spcBef>
-                <a:spcPts val="1600"/>
-              </a:spcBef>
-              <a:spcAft>
-                <a:spcPts val="0"/>
-              </a:spcAft>
-              <a:buClr>
-                <a:schemeClr val="lt2"/>
-              </a:buClr>
-              <a:buSzPts val="1400"/>
-              <a:buFont typeface="DM Sans"/>
-              <a:buChar char="●"/>
-              <a:defRPr sz="1400" b="0" i="0" u="none" strike="noStrike" cap="none">
-                <a:solidFill>
-                  <a:schemeClr val="lt2"/>
-                </a:solidFill>
-                <a:latin typeface="DM Sans"/>
-                <a:ea typeface="DM Sans"/>
-                <a:cs typeface="DM Sans"/>
-                <a:sym typeface="DM Sans"/>
-              </a:defRPr>
-            </a:lvl7pPr>
-            <a:lvl8pPr marL="3657600" marR="0" lvl="7" indent="-317500" algn="l" rtl="0">
-              <a:lnSpc>
-                <a:spcPct val="100000"/>
-              </a:lnSpc>
-              <a:spcBef>
-                <a:spcPts val="1600"/>
-              </a:spcBef>
-              <a:spcAft>
-                <a:spcPts val="0"/>
-              </a:spcAft>
-              <a:buClr>
-                <a:schemeClr val="lt2"/>
-              </a:buClr>
-              <a:buSzPts val="1400"/>
-              <a:buFont typeface="DM Sans"/>
-              <a:buChar char="○"/>
-              <a:defRPr sz="1400" b="0" i="0" u="none" strike="noStrike" cap="none">
-                <a:solidFill>
-                  <a:schemeClr val="lt2"/>
-                </a:solidFill>
-                <a:latin typeface="DM Sans"/>
-                <a:ea typeface="DM Sans"/>
-                <a:cs typeface="DM Sans"/>
-                <a:sym typeface="DM Sans"/>
-              </a:defRPr>
-            </a:lvl8pPr>
-            <a:lvl9pPr marL="4114800" marR="0" lvl="8" indent="-317500" algn="l" rtl="0">
-              <a:lnSpc>
-                <a:spcPct val="100000"/>
-              </a:lnSpc>
-              <a:spcBef>
-                <a:spcPts val="1600"/>
-              </a:spcBef>
-              <a:spcAft>
-                <a:spcPts val="1600"/>
-              </a:spcAft>
-              <a:buClr>
-                <a:schemeClr val="lt2"/>
-              </a:buClr>
-              <a:buSzPts val="1400"/>
-              <a:buFont typeface="DM Sans"/>
-              <a:buChar char="■"/>
-              <a:defRPr sz="1400" b="0" i="0" u="none" strike="noStrike" cap="none">
-                <a:solidFill>
-                  <a:schemeClr val="lt2"/>
-                </a:solidFill>
-                <a:latin typeface="DM Sans"/>
-                <a:ea typeface="DM Sans"/>
-                <a:cs typeface="DM Sans"/>
-                <a:sym typeface="DM Sans"/>
-              </a:defRPr>
-            </a:lvl9pPr>
-          </a:lstStyle>
-          <a:p>
-            <a:pPr marL="139700" indent="0">
-              <a:buSzPts val="1400"/>
-              <a:buFont typeface="DM Sans"/>
-              <a:buNone/>
-            </a:pPr>
-            <a:r>
-              <a:rPr lang="es-ES" sz="1400" dirty="0"/>
-              <a:t>Finalmente tenemos un </a:t>
-            </a:r>
-            <a:r>
-              <a:rPr lang="es-ES" sz="1400" dirty="0" err="1"/>
-              <a:t>dataset</a:t>
-            </a:r>
-            <a:r>
-              <a:rPr lang="es-ES" sz="1400" dirty="0"/>
-              <a:t> con 6 columnas numéricas y 1 categórica para la </a:t>
-            </a:r>
-            <a:r>
-              <a:rPr lang="es-ES" sz="1400" dirty="0" err="1"/>
-              <a:t>label</a:t>
-            </a:r>
-            <a:r>
-              <a:rPr lang="es-ES" sz="1400" dirty="0"/>
-              <a:t>.</a:t>
-            </a:r>
-          </a:p>
-          <a:p>
-            <a:pPr marL="139700" indent="0">
-              <a:buSzPts val="1400"/>
-              <a:buFont typeface="DM Sans"/>
-              <a:buNone/>
-            </a:pPr>
-            <a:endParaRPr lang="es-ES" sz="1400" dirty="0"/>
-          </a:p>
-          <a:p>
-            <a:pPr marL="139700" indent="0">
-              <a:buSzPts val="1400"/>
-              <a:buFont typeface="DM Sans"/>
-              <a:buNone/>
-            </a:pPr>
-            <a:r>
-              <a:rPr lang="es-ES" sz="1400" dirty="0"/>
-              <a:t>Dividimos el </a:t>
-            </a:r>
-            <a:r>
-              <a:rPr lang="es-ES" sz="1400" dirty="0" err="1"/>
-              <a:t>dataset</a:t>
-            </a:r>
-            <a:r>
-              <a:rPr lang="es-ES" sz="1400" dirty="0"/>
-              <a:t> de forma estratificada en un porcentaje 85% - 15% de entreno y testeo respectivamente</a:t>
-            </a:r>
-          </a:p>
-        </p:txBody>
-      </p:sp>
-      <p:sp>
-        <p:nvSpPr>
-          <p:cNvPr id="6" name="Google Shape;1917;p47">
-            <a:extLst>
-              <a:ext uri="{FF2B5EF4-FFF2-40B4-BE49-F238E27FC236}">
-                <a16:creationId xmlns:a16="http://schemas.microsoft.com/office/drawing/2014/main" id="{7854D81E-FE79-0A71-6BCE-BA48FC3679E7}"/>
-              </a:ext>
-            </a:extLst>
-          </p:cNvPr>
-          <p:cNvSpPr txBox="1">
-            <a:spLocks/>
-          </p:cNvSpPr>
-          <p:nvPr/>
-        </p:nvSpPr>
-        <p:spPr>
-          <a:xfrm>
-            <a:off x="456453" y="1074865"/>
-            <a:ext cx="1793784" cy="313948"/>
-          </a:xfrm>
-          <a:prstGeom prst="rect">
-            <a:avLst/>
-          </a:prstGeom>
-          <a:noFill/>
-          <a:ln>
-            <a:noFill/>
-          </a:ln>
-        </p:spPr>
-        <p:txBody>
-          <a:bodyPr spcFirstLastPara="1" wrap="square" lIns="91425" tIns="91425" rIns="91425" bIns="91425" anchor="t" anchorCtr="0">
-            <a:noAutofit/>
-          </a:bodyPr>
-          <a:lstStyle>
-            <a:defPPr marR="0" lvl="0" algn="l" rtl="0">
-              <a:lnSpc>
-                <a:spcPct val="100000"/>
-              </a:lnSpc>
-              <a:spcBef>
-                <a:spcPts val="0"/>
-              </a:spcBef>
-              <a:spcAft>
-                <a:spcPts val="0"/>
-              </a:spcAft>
-            </a:defPPr>
-            <a:lvl1pPr marR="0" lvl="0" algn="l" rtl="0">
-              <a:lnSpc>
-                <a:spcPct val="100000"/>
-              </a:lnSpc>
-              <a:spcBef>
-                <a:spcPts val="0"/>
-              </a:spcBef>
-              <a:spcAft>
-                <a:spcPts val="0"/>
-              </a:spcAft>
-              <a:buClr>
-                <a:schemeClr val="lt2"/>
-              </a:buClr>
-              <a:buSzPts val="2400"/>
-              <a:buFont typeface="Viga"/>
-              <a:buNone/>
-              <a:defRPr sz="2400" b="0" i="0" u="none" strike="noStrike" cap="none">
-                <a:solidFill>
-                  <a:schemeClr val="lt2"/>
-                </a:solidFill>
-                <a:latin typeface="Viga"/>
-                <a:ea typeface="Viga"/>
-                <a:cs typeface="Viga"/>
-                <a:sym typeface="Viga"/>
-              </a:defRPr>
-            </a:lvl1pPr>
-            <a:lvl2pPr marR="0" lvl="1" algn="l" rtl="0">
-              <a:lnSpc>
-                <a:spcPct val="100000"/>
-              </a:lnSpc>
-              <a:spcBef>
-                <a:spcPts val="0"/>
-              </a:spcBef>
-              <a:spcAft>
-                <a:spcPts val="0"/>
-              </a:spcAft>
-              <a:buClr>
-                <a:schemeClr val="lt2"/>
-              </a:buClr>
-              <a:buSzPts val="2400"/>
-              <a:buFont typeface="Arial"/>
-              <a:buNone/>
-              <a:defRPr sz="2400" b="0" i="0" u="none" strike="noStrike" cap="none">
-                <a:solidFill>
-                  <a:schemeClr val="lt2"/>
-                </a:solidFill>
-                <a:latin typeface="Arial"/>
-                <a:ea typeface="Arial"/>
-                <a:cs typeface="Arial"/>
-                <a:sym typeface="Arial"/>
-              </a:defRPr>
-            </a:lvl2pPr>
-            <a:lvl3pPr marR="0" lvl="2" algn="l" rtl="0">
-              <a:lnSpc>
-                <a:spcPct val="100000"/>
-              </a:lnSpc>
-              <a:spcBef>
-                <a:spcPts val="0"/>
-              </a:spcBef>
-              <a:spcAft>
-                <a:spcPts val="0"/>
-              </a:spcAft>
-              <a:buClr>
-                <a:schemeClr val="lt2"/>
-              </a:buClr>
-              <a:buSzPts val="2400"/>
-              <a:buFont typeface="Arial"/>
-              <a:buNone/>
-              <a:defRPr sz="2400" b="0" i="0" u="none" strike="noStrike" cap="none">
-                <a:solidFill>
-                  <a:schemeClr val="lt2"/>
-                </a:solidFill>
-                <a:latin typeface="Arial"/>
-                <a:ea typeface="Arial"/>
-                <a:cs typeface="Arial"/>
-                <a:sym typeface="Arial"/>
-              </a:defRPr>
-            </a:lvl3pPr>
-            <a:lvl4pPr marR="0" lvl="3" algn="l" rtl="0">
-              <a:lnSpc>
-                <a:spcPct val="100000"/>
-              </a:lnSpc>
-              <a:spcBef>
-                <a:spcPts val="0"/>
-              </a:spcBef>
-              <a:spcAft>
-                <a:spcPts val="0"/>
-              </a:spcAft>
-              <a:buClr>
-                <a:schemeClr val="lt2"/>
-              </a:buClr>
-              <a:buSzPts val="2400"/>
-              <a:buFont typeface="Arial"/>
-              <a:buNone/>
-              <a:defRPr sz="2400" b="0" i="0" u="none" strike="noStrike" cap="none">
-                <a:solidFill>
-                  <a:schemeClr val="lt2"/>
-                </a:solidFill>
-                <a:latin typeface="Arial"/>
-                <a:ea typeface="Arial"/>
-                <a:cs typeface="Arial"/>
-                <a:sym typeface="Arial"/>
-              </a:defRPr>
-            </a:lvl4pPr>
-            <a:lvl5pPr marR="0" lvl="4" algn="l" rtl="0">
-              <a:lnSpc>
-                <a:spcPct val="100000"/>
-              </a:lnSpc>
-              <a:spcBef>
-                <a:spcPts val="0"/>
-              </a:spcBef>
-              <a:spcAft>
-                <a:spcPts val="0"/>
-              </a:spcAft>
-              <a:buClr>
-                <a:schemeClr val="lt2"/>
-              </a:buClr>
-              <a:buSzPts val="2400"/>
-              <a:buFont typeface="Arial"/>
-              <a:buNone/>
-              <a:defRPr sz="2400" b="0" i="0" u="none" strike="noStrike" cap="none">
-                <a:solidFill>
-                  <a:schemeClr val="lt2"/>
-                </a:solidFill>
-                <a:latin typeface="Arial"/>
-                <a:ea typeface="Arial"/>
-                <a:cs typeface="Arial"/>
-                <a:sym typeface="Arial"/>
-              </a:defRPr>
-            </a:lvl5pPr>
-            <a:lvl6pPr marR="0" lvl="5" algn="l" rtl="0">
-              <a:lnSpc>
-                <a:spcPct val="100000"/>
-              </a:lnSpc>
-              <a:spcBef>
-                <a:spcPts val="0"/>
-              </a:spcBef>
-              <a:spcAft>
-                <a:spcPts val="0"/>
-              </a:spcAft>
-              <a:buClr>
-                <a:schemeClr val="lt2"/>
-              </a:buClr>
-              <a:buSzPts val="2400"/>
-              <a:buFont typeface="Arial"/>
-              <a:buNone/>
-              <a:defRPr sz="2400" b="0" i="0" u="none" strike="noStrike" cap="none">
-                <a:solidFill>
-                  <a:schemeClr val="lt2"/>
-                </a:solidFill>
-                <a:latin typeface="Arial"/>
-                <a:ea typeface="Arial"/>
-                <a:cs typeface="Arial"/>
-                <a:sym typeface="Arial"/>
-              </a:defRPr>
-            </a:lvl6pPr>
-            <a:lvl7pPr marR="0" lvl="6" algn="l" rtl="0">
-              <a:lnSpc>
-                <a:spcPct val="100000"/>
-              </a:lnSpc>
-              <a:spcBef>
-                <a:spcPts val="0"/>
-              </a:spcBef>
-              <a:spcAft>
-                <a:spcPts val="0"/>
-              </a:spcAft>
-              <a:buClr>
-                <a:schemeClr val="lt2"/>
-              </a:buClr>
-              <a:buSzPts val="2400"/>
-              <a:buFont typeface="Arial"/>
-              <a:buNone/>
-              <a:defRPr sz="2400" b="0" i="0" u="none" strike="noStrike" cap="none">
-                <a:solidFill>
-                  <a:schemeClr val="lt2"/>
-                </a:solidFill>
-                <a:latin typeface="Arial"/>
-                <a:ea typeface="Arial"/>
-                <a:cs typeface="Arial"/>
-                <a:sym typeface="Arial"/>
-              </a:defRPr>
-            </a:lvl7pPr>
-            <a:lvl8pPr marR="0" lvl="7" algn="l" rtl="0">
-              <a:lnSpc>
-                <a:spcPct val="100000"/>
-              </a:lnSpc>
-              <a:spcBef>
-                <a:spcPts val="0"/>
-              </a:spcBef>
-              <a:spcAft>
-                <a:spcPts val="0"/>
-              </a:spcAft>
-              <a:buClr>
-                <a:schemeClr val="lt2"/>
-              </a:buClr>
-              <a:buSzPts val="2400"/>
-              <a:buFont typeface="Arial"/>
-              <a:buNone/>
-              <a:defRPr sz="2400" b="0" i="0" u="none" strike="noStrike" cap="none">
-                <a:solidFill>
-                  <a:schemeClr val="lt2"/>
-                </a:solidFill>
-                <a:latin typeface="Arial"/>
-                <a:ea typeface="Arial"/>
-                <a:cs typeface="Arial"/>
-                <a:sym typeface="Arial"/>
-              </a:defRPr>
-            </a:lvl8pPr>
-            <a:lvl9pPr marR="0" lvl="8" algn="l" rtl="0">
-              <a:lnSpc>
-                <a:spcPct val="100000"/>
-              </a:lnSpc>
-              <a:spcBef>
-                <a:spcPts val="0"/>
-              </a:spcBef>
-              <a:spcAft>
-                <a:spcPts val="0"/>
-              </a:spcAft>
-              <a:buClr>
-                <a:schemeClr val="lt2"/>
-              </a:buClr>
-              <a:buSzPts val="2400"/>
-              <a:buFont typeface="Arial"/>
-              <a:buNone/>
-              <a:defRPr sz="2400" b="0" i="0" u="none" strike="noStrike" cap="none">
-                <a:solidFill>
-                  <a:schemeClr val="lt2"/>
-                </a:solidFill>
-                <a:latin typeface="Arial"/>
-                <a:ea typeface="Arial"/>
-                <a:cs typeface="Arial"/>
-                <a:sym typeface="Arial"/>
-              </a:defRPr>
-            </a:lvl9pPr>
-          </a:lstStyle>
-          <a:p>
-            <a:r>
-              <a:rPr lang="es-ES" sz="1400" dirty="0"/>
-              <a:t>Set de datos</a:t>
-            </a:r>
-          </a:p>
-        </p:txBody>
-      </p:sp>
-    </p:spTree>
-    <p:extLst>
-      <p:ext uri="{BB962C8B-B14F-4D97-AF65-F5344CB8AC3E}">
-        <p14:creationId xmlns:p14="http://schemas.microsoft.com/office/powerpoint/2010/main" val="4023519175"/>
-      </p:ext>
-    </p:extLst>
-  </p:cSld>
-  <p:clrMapOvr>
-    <a:masterClrMapping/>
-  </p:clrMapOvr>
-</p:sld>
-</file>
-
-<file path=ppt/slides/slide11.xml><?xml version="1.0" encoding="utf-8"?>
-<p:sld xmlns:a="http://schemas.openxmlformats.org/drawingml/2006/main" xmlns:r="http://schemas.openxmlformats.org/officeDocument/2006/relationships" xmlns:p="http://schemas.openxmlformats.org/presentationml/2006/main">
-  <p:cSld>
-    <p:spTree>
-      <p:nvGrpSpPr>
         <p:cNvPr id="1" name="Shape 873"/>
         <p:cNvGrpSpPr/>
         <p:nvPr/>
@@ -25254,10 +21824,10 @@
       </p:sp>
       <p:pic>
         <p:nvPicPr>
-          <p:cNvPr id="9" name="Imagen 8">
+          <p:cNvPr id="31" name="Imagen 30">
             <a:extLst>
               <a:ext uri="{FF2B5EF4-FFF2-40B4-BE49-F238E27FC236}">
-                <a16:creationId xmlns:a16="http://schemas.microsoft.com/office/drawing/2014/main" id="{EB87B62F-FA33-EC82-0006-A0F5072A9D9F}"/>
+                <a16:creationId xmlns:a16="http://schemas.microsoft.com/office/drawing/2014/main" id="{7D12ADBB-DB21-4EF5-53E6-A67E74B9A458}"/>
               </a:ext>
             </a:extLst>
           </p:cNvPr>
@@ -25274,8 +21844,8 @@
         </p:blipFill>
         <p:spPr>
           <a:xfrm>
-            <a:off x="971295" y="2318933"/>
-            <a:ext cx="2735541" cy="2401551"/>
+            <a:off x="722298" y="2197778"/>
+            <a:ext cx="3233537" cy="2838745"/>
           </a:xfrm>
           <a:prstGeom prst="rect">
             <a:avLst/>
@@ -26529,451 +23099,6 @@
 </file>
 
 <file path=ppt/slides/slide4.xml><?xml version="1.0" encoding="utf-8"?>
-<p:sld xmlns:a="http://schemas.openxmlformats.org/drawingml/2006/main" xmlns:r="http://schemas.openxmlformats.org/officeDocument/2006/relationships" xmlns:p="http://schemas.openxmlformats.org/presentationml/2006/main">
-  <p:cSld>
-    <p:spTree>
-      <p:nvGrpSpPr>
-        <p:cNvPr id="1" name="Shape 2683"/>
-        <p:cNvGrpSpPr/>
-        <p:nvPr/>
-      </p:nvGrpSpPr>
-      <p:grpSpPr>
-        <a:xfrm>
-          <a:off x="0" y="0"/>
-          <a:ext cx="0" cy="0"/>
-          <a:chOff x="0" y="0"/>
-          <a:chExt cx="0" cy="0"/>
-        </a:xfrm>
-      </p:grpSpPr>
-      <p:sp>
-        <p:nvSpPr>
-          <p:cNvPr id="15" name="Google Shape;1761;p44">
-            <a:extLst>
-              <a:ext uri="{FF2B5EF4-FFF2-40B4-BE49-F238E27FC236}">
-                <a16:creationId xmlns:a16="http://schemas.microsoft.com/office/drawing/2014/main" id="{9A1192CC-E183-C6FD-11A7-F7CC2A98DF70}"/>
-              </a:ext>
-            </a:extLst>
-          </p:cNvPr>
-          <p:cNvSpPr/>
-          <p:nvPr/>
-        </p:nvSpPr>
-        <p:spPr>
-          <a:xfrm rot="1857875">
-            <a:off x="-745847" y="4149052"/>
-            <a:ext cx="5471485" cy="3962468"/>
-          </a:xfrm>
-          <a:custGeom>
-            <a:avLst/>
-            <a:gdLst/>
-            <a:ahLst/>
-            <a:cxnLst/>
-            <a:rect l="l" t="t" r="r" b="b"/>
-            <a:pathLst>
-              <a:path w="289091" h="209526" extrusionOk="0">
-                <a:moveTo>
-                  <a:pt x="148837" y="1"/>
-                </a:moveTo>
-                <a:cubicBezTo>
-                  <a:pt x="141742" y="1"/>
-                  <a:pt x="134604" y="788"/>
-                  <a:pt x="127468" y="2165"/>
-                </a:cubicBezTo>
-                <a:cubicBezTo>
-                  <a:pt x="112941" y="4965"/>
-                  <a:pt x="100810" y="16680"/>
-                  <a:pt x="91728" y="27934"/>
-                </a:cubicBezTo>
-                <a:cubicBezTo>
-                  <a:pt x="77946" y="45017"/>
-                  <a:pt x="69297" y="65455"/>
-                  <a:pt x="55729" y="82687"/>
-                </a:cubicBezTo>
-                <a:cubicBezTo>
-                  <a:pt x="35648" y="108197"/>
-                  <a:pt x="0" y="136526"/>
-                  <a:pt x="13426" y="173189"/>
-                </a:cubicBezTo>
-                <a:cubicBezTo>
-                  <a:pt x="24129" y="202416"/>
-                  <a:pt x="56798" y="208751"/>
-                  <a:pt x="84363" y="209495"/>
-                </a:cubicBezTo>
-                <a:cubicBezTo>
-                  <a:pt x="85120" y="209515"/>
-                  <a:pt x="85871" y="209525"/>
-                  <a:pt x="86617" y="209525"/>
-                </a:cubicBezTo>
-                <a:cubicBezTo>
-                  <a:pt x="123140" y="209525"/>
-                  <a:pt x="146099" y="185464"/>
-                  <a:pt x="164640" y="185464"/>
-                </a:cubicBezTo>
-                <a:cubicBezTo>
-                  <a:pt x="178412" y="185464"/>
-                  <a:pt x="192554" y="194152"/>
-                  <a:pt x="205277" y="198540"/>
-                </a:cubicBezTo>
-                <a:cubicBezTo>
-                  <a:pt x="215369" y="202020"/>
-                  <a:pt x="226687" y="204611"/>
-                  <a:pt x="237542" y="204611"/>
-                </a:cubicBezTo>
-                <a:cubicBezTo>
-                  <a:pt x="252904" y="204611"/>
-                  <a:pt x="267337" y="199421"/>
-                  <a:pt x="276053" y="184216"/>
-                </a:cubicBezTo>
-                <a:cubicBezTo>
-                  <a:pt x="289091" y="161471"/>
-                  <a:pt x="284279" y="132895"/>
-                  <a:pt x="269440" y="112377"/>
-                </a:cubicBezTo>
-                <a:cubicBezTo>
-                  <a:pt x="253335" y="90105"/>
-                  <a:pt x="230389" y="73540"/>
-                  <a:pt x="218820" y="47928"/>
-                </a:cubicBezTo>
-                <a:cubicBezTo>
-                  <a:pt x="209910" y="28205"/>
-                  <a:pt x="199143" y="13000"/>
-                  <a:pt x="178149" y="5133"/>
-                </a:cubicBezTo>
-                <a:cubicBezTo>
-                  <a:pt x="168540" y="1532"/>
-                  <a:pt x="158730" y="1"/>
-                  <a:pt x="148837" y="1"/>
-                </a:cubicBezTo>
-                <a:close/>
-              </a:path>
-            </a:pathLst>
-          </a:custGeom>
-          <a:solidFill>
-            <a:schemeClr val="accent4"/>
-          </a:solidFill>
-          <a:ln>
-            <a:noFill/>
-          </a:ln>
-        </p:spPr>
-        <p:txBody>
-          <a:bodyPr spcFirstLastPara="1" wrap="square" lIns="91425" tIns="91425" rIns="91425" bIns="91425" anchor="ctr" anchorCtr="0">
-            <a:noAutofit/>
-          </a:bodyPr>
-          <a:lstStyle/>
-          <a:p>
-            <a:pPr marL="0" lvl="0" indent="0" algn="l" rtl="0">
-              <a:spcBef>
-                <a:spcPts val="0"/>
-              </a:spcBef>
-              <a:spcAft>
-                <a:spcPts val="0"/>
-              </a:spcAft>
-              <a:buNone/>
-            </a:pPr>
-            <a:endParaRPr/>
-          </a:p>
-        </p:txBody>
-      </p:sp>
-      <p:sp>
-        <p:nvSpPr>
-          <p:cNvPr id="2684" name="Google Shape;2684;p56"/>
-          <p:cNvSpPr txBox="1">
-            <a:spLocks noGrp="1"/>
-          </p:cNvSpPr>
-          <p:nvPr>
-            <p:ph type="title"/>
-          </p:nvPr>
-        </p:nvSpPr>
-        <p:spPr>
-          <a:xfrm>
-            <a:off x="267496" y="402381"/>
-            <a:ext cx="4865680" cy="682067"/>
-          </a:xfrm>
-          <a:prstGeom prst="rect">
-            <a:avLst/>
-          </a:prstGeom>
-        </p:spPr>
-        <p:txBody>
-          <a:bodyPr spcFirstLastPara="1" wrap="square" lIns="91425" tIns="91425" rIns="91425" bIns="91425" anchor="ctr" anchorCtr="0">
-            <a:noAutofit/>
-          </a:bodyPr>
-          <a:lstStyle/>
-          <a:p>
-            <a:pPr marL="0" lvl="0" indent="0" algn="r" rtl="0">
-              <a:spcBef>
-                <a:spcPts val="0"/>
-              </a:spcBef>
-              <a:spcAft>
-                <a:spcPts val="0"/>
-              </a:spcAft>
-              <a:buNone/>
-            </a:pPr>
-            <a:r>
-              <a:rPr lang="en" dirty="0"/>
-              <a:t>Modelo de datos</a:t>
-            </a:r>
-            <a:endParaRPr dirty="0"/>
-          </a:p>
-        </p:txBody>
-      </p:sp>
-      <p:sp>
-        <p:nvSpPr>
-          <p:cNvPr id="2685" name="Google Shape;2685;p56"/>
-          <p:cNvSpPr txBox="1">
-            <a:spLocks noGrp="1"/>
-          </p:cNvSpPr>
-          <p:nvPr>
-            <p:ph type="subTitle" idx="1"/>
-          </p:nvPr>
-        </p:nvSpPr>
-        <p:spPr>
-          <a:xfrm>
-            <a:off x="5940113" y="2188426"/>
-            <a:ext cx="3073233" cy="1167921"/>
-          </a:xfrm>
-          <a:prstGeom prst="rect">
-            <a:avLst/>
-          </a:prstGeom>
-        </p:spPr>
-        <p:txBody>
-          <a:bodyPr spcFirstLastPara="1" wrap="square" lIns="91425" tIns="91425" rIns="91425" bIns="91425" anchor="t" anchorCtr="0">
-            <a:noAutofit/>
-          </a:bodyPr>
-          <a:lstStyle/>
-          <a:p>
-            <a:pPr marL="285750" lvl="0" indent="-285750" algn="l" rtl="0">
-              <a:spcBef>
-                <a:spcPts val="0"/>
-              </a:spcBef>
-              <a:spcAft>
-                <a:spcPts val="0"/>
-              </a:spcAft>
-              <a:buFont typeface="Arial" panose="020B0604020202020204" pitchFamily="34" charset="0"/>
-              <a:buChar char="•"/>
-            </a:pPr>
-            <a:r>
-              <a:rPr lang="es-ES" dirty="0"/>
-              <a:t>Modelo en estrella</a:t>
-            </a:r>
-          </a:p>
-          <a:p>
-            <a:pPr marL="285750" lvl="0" indent="-285750" algn="l" rtl="0">
-              <a:spcBef>
-                <a:spcPts val="0"/>
-              </a:spcBef>
-              <a:spcAft>
-                <a:spcPts val="0"/>
-              </a:spcAft>
-              <a:buFont typeface="Arial" panose="020B0604020202020204" pitchFamily="34" charset="0"/>
-              <a:buChar char="•"/>
-            </a:pPr>
-            <a:r>
-              <a:rPr lang="es-ES" dirty="0"/>
-              <a:t>1 Tabla de </a:t>
-            </a:r>
-            <a:r>
-              <a:rPr lang="es-ES" dirty="0" err="1"/>
-              <a:t>facts</a:t>
-            </a:r>
-            <a:endParaRPr lang="es-ES" dirty="0"/>
-          </a:p>
-          <a:p>
-            <a:pPr marL="285750" lvl="0" indent="-285750" algn="l" rtl="0">
-              <a:spcBef>
-                <a:spcPts val="0"/>
-              </a:spcBef>
-              <a:spcAft>
-                <a:spcPts val="0"/>
-              </a:spcAft>
-              <a:buFont typeface="Arial" panose="020B0604020202020204" pitchFamily="34" charset="0"/>
-              <a:buChar char="•"/>
-            </a:pPr>
-            <a:r>
-              <a:rPr lang="es-ES" dirty="0"/>
-              <a:t>4 Tabla de dimensiones</a:t>
-            </a:r>
-            <a:endParaRPr dirty="0"/>
-          </a:p>
-          <a:p>
-            <a:pPr marL="0" lvl="0" indent="0" algn="r" rtl="0">
-              <a:spcBef>
-                <a:spcPts val="0"/>
-              </a:spcBef>
-              <a:spcAft>
-                <a:spcPts val="0"/>
-              </a:spcAft>
-              <a:buNone/>
-            </a:pPr>
-            <a:endParaRPr dirty="0"/>
-          </a:p>
-        </p:txBody>
-      </p:sp>
-      <p:pic>
-        <p:nvPicPr>
-          <p:cNvPr id="14" name="Imagen 13" descr="Interfaz de usuario gráfica, Aplicación, Teams&#10;&#10;Descripción generada automáticamente">
-            <a:extLst>
-              <a:ext uri="{FF2B5EF4-FFF2-40B4-BE49-F238E27FC236}">
-                <a16:creationId xmlns:a16="http://schemas.microsoft.com/office/drawing/2014/main" id="{DB23502E-4D10-1B64-EE52-5E5D61694412}"/>
-              </a:ext>
-            </a:extLst>
-          </p:cNvPr>
-          <p:cNvPicPr>
-            <a:picLocks noChangeAspect="1"/>
-          </p:cNvPicPr>
-          <p:nvPr/>
-        </p:nvPicPr>
-        <p:blipFill>
-          <a:blip r:embed="rId3"/>
-          <a:stretch>
-            <a:fillRect/>
-          </a:stretch>
-        </p:blipFill>
-        <p:spPr>
-          <a:xfrm>
-            <a:off x="267496" y="1362986"/>
-            <a:ext cx="5870737" cy="3378133"/>
-          </a:xfrm>
-          <a:prstGeom prst="rect">
-            <a:avLst/>
-          </a:prstGeom>
-        </p:spPr>
-      </p:pic>
-      <p:sp>
-        <p:nvSpPr>
-          <p:cNvPr id="17" name="Google Shape;1761;p44">
-            <a:extLst>
-              <a:ext uri="{FF2B5EF4-FFF2-40B4-BE49-F238E27FC236}">
-                <a16:creationId xmlns:a16="http://schemas.microsoft.com/office/drawing/2014/main" id="{31FE67A1-8409-3B08-8DE7-93AF3D09EFDB}"/>
-              </a:ext>
-            </a:extLst>
-          </p:cNvPr>
-          <p:cNvSpPr/>
-          <p:nvPr/>
-        </p:nvSpPr>
-        <p:spPr>
-          <a:xfrm rot="1857875">
-            <a:off x="5201479" y="-2147989"/>
-            <a:ext cx="5471485" cy="3962468"/>
-          </a:xfrm>
-          <a:custGeom>
-            <a:avLst/>
-            <a:gdLst/>
-            <a:ahLst/>
-            <a:cxnLst/>
-            <a:rect l="l" t="t" r="r" b="b"/>
-            <a:pathLst>
-              <a:path w="289091" h="209526" extrusionOk="0">
-                <a:moveTo>
-                  <a:pt x="148837" y="1"/>
-                </a:moveTo>
-                <a:cubicBezTo>
-                  <a:pt x="141742" y="1"/>
-                  <a:pt x="134604" y="788"/>
-                  <a:pt x="127468" y="2165"/>
-                </a:cubicBezTo>
-                <a:cubicBezTo>
-                  <a:pt x="112941" y="4965"/>
-                  <a:pt x="100810" y="16680"/>
-                  <a:pt x="91728" y="27934"/>
-                </a:cubicBezTo>
-                <a:cubicBezTo>
-                  <a:pt x="77946" y="45017"/>
-                  <a:pt x="69297" y="65455"/>
-                  <a:pt x="55729" y="82687"/>
-                </a:cubicBezTo>
-                <a:cubicBezTo>
-                  <a:pt x="35648" y="108197"/>
-                  <a:pt x="0" y="136526"/>
-                  <a:pt x="13426" y="173189"/>
-                </a:cubicBezTo>
-                <a:cubicBezTo>
-                  <a:pt x="24129" y="202416"/>
-                  <a:pt x="56798" y="208751"/>
-                  <a:pt x="84363" y="209495"/>
-                </a:cubicBezTo>
-                <a:cubicBezTo>
-                  <a:pt x="85120" y="209515"/>
-                  <a:pt x="85871" y="209525"/>
-                  <a:pt x="86617" y="209525"/>
-                </a:cubicBezTo>
-                <a:cubicBezTo>
-                  <a:pt x="123140" y="209525"/>
-                  <a:pt x="146099" y="185464"/>
-                  <a:pt x="164640" y="185464"/>
-                </a:cubicBezTo>
-                <a:cubicBezTo>
-                  <a:pt x="178412" y="185464"/>
-                  <a:pt x="192554" y="194152"/>
-                  <a:pt x="205277" y="198540"/>
-                </a:cubicBezTo>
-                <a:cubicBezTo>
-                  <a:pt x="215369" y="202020"/>
-                  <a:pt x="226687" y="204611"/>
-                  <a:pt x="237542" y="204611"/>
-                </a:cubicBezTo>
-                <a:cubicBezTo>
-                  <a:pt x="252904" y="204611"/>
-                  <a:pt x="267337" y="199421"/>
-                  <a:pt x="276053" y="184216"/>
-                </a:cubicBezTo>
-                <a:cubicBezTo>
-                  <a:pt x="289091" y="161471"/>
-                  <a:pt x="284279" y="132895"/>
-                  <a:pt x="269440" y="112377"/>
-                </a:cubicBezTo>
-                <a:cubicBezTo>
-                  <a:pt x="253335" y="90105"/>
-                  <a:pt x="230389" y="73540"/>
-                  <a:pt x="218820" y="47928"/>
-                </a:cubicBezTo>
-                <a:cubicBezTo>
-                  <a:pt x="209910" y="28205"/>
-                  <a:pt x="199143" y="13000"/>
-                  <a:pt x="178149" y="5133"/>
-                </a:cubicBezTo>
-                <a:cubicBezTo>
-                  <a:pt x="168540" y="1532"/>
-                  <a:pt x="158730" y="1"/>
-                  <a:pt x="148837" y="1"/>
-                </a:cubicBezTo>
-                <a:close/>
-              </a:path>
-            </a:pathLst>
-          </a:custGeom>
-          <a:solidFill>
-            <a:schemeClr val="accent4"/>
-          </a:solidFill>
-          <a:ln>
-            <a:noFill/>
-          </a:ln>
-        </p:spPr>
-        <p:txBody>
-          <a:bodyPr spcFirstLastPara="1" wrap="square" lIns="91425" tIns="91425" rIns="91425" bIns="91425" anchor="ctr" anchorCtr="0">
-            <a:noAutofit/>
-          </a:bodyPr>
-          <a:lstStyle/>
-          <a:p>
-            <a:pPr marL="0" lvl="0" indent="0" algn="l" rtl="0">
-              <a:spcBef>
-                <a:spcPts val="0"/>
-              </a:spcBef>
-              <a:spcAft>
-                <a:spcPts val="0"/>
-              </a:spcAft>
-              <a:buNone/>
-            </a:pPr>
-            <a:endParaRPr/>
-          </a:p>
-        </p:txBody>
-      </p:sp>
-    </p:spTree>
-  </p:cSld>
-  <p:clrMapOvr>
-    <a:masterClrMapping/>
-  </p:clrMapOvr>
-</p:sld>
-</file>
-
-<file path=ppt/slides/slide5.xml><?xml version="1.0" encoding="utf-8"?>
 <p:sld xmlns:a="http://schemas.openxmlformats.org/drawingml/2006/main" xmlns:r="http://schemas.openxmlformats.org/officeDocument/2006/relationships" xmlns:p="http://schemas.openxmlformats.org/presentationml/2006/main">
   <p:cSld>
     <p:spTree>
@@ -28408,7 +24533,7 @@
 </p:sld>
 </file>
 
-<file path=ppt/slides/slide6.xml><?xml version="1.0" encoding="utf-8"?>
+<file path=ppt/slides/slide5.xml><?xml version="1.0" encoding="utf-8"?>
 <p:sld xmlns:a="http://schemas.openxmlformats.org/drawingml/2006/main" xmlns:r="http://schemas.openxmlformats.org/officeDocument/2006/relationships" xmlns:p="http://schemas.openxmlformats.org/presentationml/2006/main">
   <p:cSld>
     <p:spTree>
@@ -31452,7 +27577,7 @@
 </p:sld>
 </file>
 
-<file path=ppt/slides/slide7.xml><?xml version="1.0" encoding="utf-8"?>
+<file path=ppt/slides/slide6.xml><?xml version="1.0" encoding="utf-8"?>
 <p:sld xmlns:a="http://schemas.openxmlformats.org/drawingml/2006/main" xmlns:r="http://schemas.openxmlformats.org/officeDocument/2006/relationships" xmlns:p="http://schemas.openxmlformats.org/presentationml/2006/main">
   <p:cSld>
     <p:spTree>
@@ -34356,7 +30481,7 @@
 </p:sld>
 </file>
 
-<file path=ppt/slides/slide8.xml><?xml version="1.0" encoding="utf-8"?>
+<file path=ppt/slides/slide7.xml><?xml version="1.0" encoding="utf-8"?>
 <p:sld xmlns:a="http://schemas.openxmlformats.org/drawingml/2006/main" xmlns:r="http://schemas.openxmlformats.org/officeDocument/2006/relationships" xmlns:p="http://schemas.openxmlformats.org/presentationml/2006/main">
   <p:cSld>
     <p:spTree>
@@ -47194,7 +43319,7 @@
         </p:nvSpPr>
         <p:spPr>
           <a:xfrm>
-            <a:off x="7091899" y="1251699"/>
+            <a:off x="6957950" y="2661975"/>
             <a:ext cx="1471800" cy="1055490"/>
           </a:xfrm>
           <a:prstGeom prst="rect">
@@ -47252,7 +43377,7 @@
         </p:nvSpPr>
         <p:spPr>
           <a:xfrm>
-            <a:off x="7091903" y="887199"/>
+            <a:off x="6957954" y="2297475"/>
             <a:ext cx="1808400" cy="539700"/>
           </a:xfrm>
           <a:prstGeom prst="rect">
@@ -47353,13 +43478,14 @@
           <p:nvPr/>
         </p:nvCxnSpPr>
         <p:spPr>
-          <a:xfrm rot="10800000" flipV="1">
-            <a:off x="5458061" y="1157048"/>
-            <a:ext cx="1633842" cy="1584453"/>
+          <a:xfrm flipH="1">
+            <a:off x="5471754" y="2567325"/>
+            <a:ext cx="1486200" cy="556800"/>
           </a:xfrm>
-          <a:prstGeom prst="bentConnector3">
+          <a:prstGeom prst="bentConnector4">
             <a:avLst>
-              <a:gd name="adj1" fmla="val 50000"/>
+              <a:gd name="adj1" fmla="val 35690"/>
+              <a:gd name="adj2" fmla="val 99915"/>
             </a:avLst>
           </a:prstGeom>
           <a:noFill/>
@@ -47374,48 +43500,332 @@
           </a:ln>
         </p:spPr>
       </p:cxnSp>
-      <p:cxnSp>
-        <p:nvCxnSpPr>
-          <p:cNvPr id="7" name="Google Shape;1463;p41">
+    </p:spTree>
+  </p:cSld>
+  <p:clrMapOvr>
+    <a:masterClrMapping/>
+  </p:clrMapOvr>
+</p:sld>
+</file>
+
+<file path=ppt/slides/slide8.xml><?xml version="1.0" encoding="utf-8"?>
+<p:sld xmlns:a="http://schemas.openxmlformats.org/drawingml/2006/main" xmlns:r="http://schemas.openxmlformats.org/officeDocument/2006/relationships" xmlns:p="http://schemas.openxmlformats.org/presentationml/2006/main">
+  <p:cSld>
+    <p:spTree>
+      <p:nvGrpSpPr>
+        <p:cNvPr id="1" name="Shape 1905"/>
+        <p:cNvGrpSpPr/>
+        <p:nvPr/>
+      </p:nvGrpSpPr>
+      <p:grpSpPr>
+        <a:xfrm>
+          <a:off x="0" y="0"/>
+          <a:ext cx="0" cy="0"/>
+          <a:chOff x="0" y="0"/>
+          <a:chExt cx="0" cy="0"/>
+        </a:xfrm>
+      </p:grpSpPr>
+      <p:sp>
+        <p:nvSpPr>
+          <p:cNvPr id="1906" name="Google Shape;1906;p47"/>
+          <p:cNvSpPr txBox="1">
+            <a:spLocks noGrp="1"/>
+          </p:cNvSpPr>
+          <p:nvPr>
+            <p:ph type="title"/>
+          </p:nvPr>
+        </p:nvSpPr>
+        <p:spPr>
+          <a:xfrm>
+            <a:off x="626625" y="338175"/>
+            <a:ext cx="6084000" cy="539700"/>
+          </a:xfrm>
+          <a:prstGeom prst="rect">
+            <a:avLst/>
+          </a:prstGeom>
+        </p:spPr>
+        <p:txBody>
+          <a:bodyPr spcFirstLastPara="1" wrap="square" lIns="91425" tIns="91425" rIns="91425" bIns="91425" anchor="t" anchorCtr="0">
+            <a:noAutofit/>
+          </a:bodyPr>
+          <a:lstStyle/>
+          <a:p>
+            <a:pPr marL="0" lvl="0" indent="0" algn="l" rtl="0">
+              <a:spcBef>
+                <a:spcPts val="0"/>
+              </a:spcBef>
+              <a:spcAft>
+                <a:spcPts val="0"/>
+              </a:spcAft>
+              <a:buNone/>
+            </a:pPr>
+            <a:r>
+              <a:rPr lang="en" dirty="0"/>
+              <a:t>Pre entreno</a:t>
+            </a:r>
+            <a:endParaRPr dirty="0"/>
+          </a:p>
+        </p:txBody>
+      </p:sp>
+      <p:sp>
+        <p:nvSpPr>
+          <p:cNvPr id="1913" name="Google Shape;1913;p47"/>
+          <p:cNvSpPr/>
+          <p:nvPr/>
+        </p:nvSpPr>
+        <p:spPr>
+          <a:xfrm>
+            <a:off x="626625" y="1150924"/>
+            <a:ext cx="3608945" cy="3654401"/>
+          </a:xfrm>
+          <a:prstGeom prst="rect">
+            <a:avLst/>
+          </a:prstGeom>
+          <a:gradFill>
+            <a:gsLst>
+              <a:gs pos="0">
+                <a:srgbClr val="8BE3FF"/>
+              </a:gs>
+              <a:gs pos="100000">
+                <a:srgbClr val="ACFFD9"/>
+              </a:gs>
+            </a:gsLst>
+            <a:lin ang="5400700" scaled="0"/>
+          </a:gradFill>
+          <a:ln>
+            <a:noFill/>
+          </a:ln>
+        </p:spPr>
+        <p:txBody>
+          <a:bodyPr spcFirstLastPara="1" wrap="square" lIns="91425" tIns="91425" rIns="91425" bIns="91425" anchor="ctr" anchorCtr="0">
+            <a:noAutofit/>
+          </a:bodyPr>
+          <a:lstStyle/>
+          <a:p>
+            <a:pPr marL="0" lvl="0" indent="0" algn="l" rtl="0">
+              <a:spcBef>
+                <a:spcPts val="0"/>
+              </a:spcBef>
+              <a:spcAft>
+                <a:spcPts val="0"/>
+              </a:spcAft>
+              <a:buNone/>
+            </a:pPr>
+            <a:endParaRPr dirty="0"/>
+          </a:p>
+        </p:txBody>
+      </p:sp>
+      <p:sp>
+        <p:nvSpPr>
+          <p:cNvPr id="1916" name="Google Shape;1916;p47"/>
+          <p:cNvSpPr txBox="1">
+            <a:spLocks noGrp="1"/>
+          </p:cNvSpPr>
+          <p:nvPr>
+            <p:ph type="body" idx="4294967295"/>
+          </p:nvPr>
+        </p:nvSpPr>
+        <p:spPr>
+          <a:xfrm>
+            <a:off x="783544" y="1904973"/>
+            <a:ext cx="3295106" cy="2767620"/>
+          </a:xfrm>
+          <a:prstGeom prst="rect">
+            <a:avLst/>
+          </a:prstGeom>
+        </p:spPr>
+        <p:txBody>
+          <a:bodyPr spcFirstLastPara="1" wrap="square" lIns="91425" tIns="91425" rIns="91425" bIns="91425" anchor="t" anchorCtr="0">
+            <a:noAutofit/>
+          </a:bodyPr>
+          <a:lstStyle/>
+          <a:p>
+            <a:pPr marL="139700" lvl="0" indent="0" algn="l" rtl="0">
+              <a:spcBef>
+                <a:spcPts val="0"/>
+              </a:spcBef>
+              <a:spcAft>
+                <a:spcPts val="0"/>
+              </a:spcAft>
+              <a:buSzPts val="1400"/>
+              <a:buNone/>
+            </a:pPr>
+            <a:r>
+              <a:rPr lang="es-ES" sz="1400" dirty="0"/>
+              <a:t>Para el escalado usamos el algoritmo </a:t>
+            </a:r>
+            <a:r>
+              <a:rPr lang="es-ES" sz="1400" dirty="0" err="1"/>
+              <a:t>MinMaxScaler</a:t>
+            </a:r>
+            <a:r>
+              <a:rPr lang="es-ES" sz="1400" dirty="0"/>
+              <a:t>.</a:t>
+            </a:r>
+          </a:p>
+          <a:p>
+            <a:pPr marL="139700" lvl="0" indent="0" algn="l" rtl="0">
+              <a:spcBef>
+                <a:spcPts val="0"/>
+              </a:spcBef>
+              <a:spcAft>
+                <a:spcPts val="0"/>
+              </a:spcAft>
+              <a:buSzPts val="1400"/>
+              <a:buNone/>
+            </a:pPr>
+            <a:endParaRPr lang="es-ES" sz="1400" dirty="0"/>
+          </a:p>
+          <a:p>
+            <a:pPr marL="139700" lvl="0" indent="0" algn="l" rtl="0">
+              <a:spcBef>
+                <a:spcPts val="0"/>
+              </a:spcBef>
+              <a:spcAft>
+                <a:spcPts val="0"/>
+              </a:spcAft>
+              <a:buSzPts val="1400"/>
+              <a:buNone/>
+            </a:pPr>
+            <a:r>
+              <a:rPr lang="es-ES" sz="1400" dirty="0"/>
+              <a:t>Este ajusta los datos para que en cada columna el valor mínimo pase a ser 0 y el máximo a 1.</a:t>
+            </a:r>
+          </a:p>
+          <a:p>
+            <a:pPr marL="139700" lvl="0" indent="0" algn="l" rtl="0">
+              <a:spcBef>
+                <a:spcPts val="0"/>
+              </a:spcBef>
+              <a:spcAft>
+                <a:spcPts val="0"/>
+              </a:spcAft>
+              <a:buSzPts val="1400"/>
+              <a:buNone/>
+            </a:pPr>
+            <a:endParaRPr lang="es-ES" sz="1400" dirty="0"/>
+          </a:p>
+          <a:p>
+            <a:pPr marL="139700" lvl="0" indent="0" algn="l" rtl="0">
+              <a:spcBef>
+                <a:spcPts val="0"/>
+              </a:spcBef>
+              <a:spcAft>
+                <a:spcPts val="0"/>
+              </a:spcAft>
+              <a:buSzPts val="1400"/>
+              <a:buNone/>
+            </a:pPr>
+            <a:r>
+              <a:rPr lang="es-ES" sz="1400" dirty="0"/>
+              <a:t>Usamos este debido a que no tenemos valores negativos ni presentan una distribución gaussiana.</a:t>
+            </a:r>
+            <a:endParaRPr sz="1400" dirty="0"/>
+          </a:p>
+        </p:txBody>
+      </p:sp>
+      <p:sp>
+        <p:nvSpPr>
+          <p:cNvPr id="1917" name="Google Shape;1917;p47"/>
+          <p:cNvSpPr txBox="1">
+            <a:spLocks noGrp="1"/>
+          </p:cNvSpPr>
+          <p:nvPr>
+            <p:ph type="title"/>
+          </p:nvPr>
+        </p:nvSpPr>
+        <p:spPr>
+          <a:xfrm>
+            <a:off x="901800" y="1254225"/>
+            <a:ext cx="2351333" cy="377700"/>
+          </a:xfrm>
+          <a:prstGeom prst="rect">
+            <a:avLst/>
+          </a:prstGeom>
+        </p:spPr>
+        <p:txBody>
+          <a:bodyPr spcFirstLastPara="1" wrap="square" lIns="91425" tIns="91425" rIns="91425" bIns="91425" anchor="t" anchorCtr="0">
+            <a:noAutofit/>
+          </a:bodyPr>
+          <a:lstStyle/>
+          <a:p>
+            <a:pPr marL="0" lvl="0" indent="0" algn="l" rtl="0">
+              <a:spcBef>
+                <a:spcPts val="0"/>
+              </a:spcBef>
+              <a:spcAft>
+                <a:spcPts val="0"/>
+              </a:spcAft>
+              <a:buNone/>
+            </a:pPr>
+            <a:r>
+              <a:rPr lang="en" sz="1400" dirty="0"/>
+              <a:t>Escalado – MinMaxScaler</a:t>
+            </a:r>
+            <a:endParaRPr sz="1400" dirty="0"/>
+          </a:p>
+        </p:txBody>
+      </p:sp>
+      <p:sp>
+        <p:nvSpPr>
+          <p:cNvPr id="8" name="Google Shape;1913;p47">
             <a:extLst>
               <a:ext uri="{FF2B5EF4-FFF2-40B4-BE49-F238E27FC236}">
-                <a16:creationId xmlns:a16="http://schemas.microsoft.com/office/drawing/2014/main" id="{DCD91FBC-79E5-0FB7-CB44-1CF4F74641F0}"/>
+                <a16:creationId xmlns:a16="http://schemas.microsoft.com/office/drawing/2014/main" id="{F27C8CFF-FB02-0562-DB3E-B1B966E72F0E}"/>
               </a:ext>
             </a:extLst>
           </p:cNvPr>
-          <p:cNvCxnSpPr>
-            <a:cxnSpLocks/>
-          </p:cNvCxnSpPr>
+          <p:cNvSpPr/>
           <p:nvPr/>
-        </p:nvCxnSpPr>
+        </p:nvSpPr>
         <p:spPr>
-          <a:xfrm rot="10800000">
-            <a:off x="5473904" y="3126915"/>
-            <a:ext cx="1515979" cy="110371"/>
+          <a:xfrm>
+            <a:off x="4908432" y="1150924"/>
+            <a:ext cx="3608945" cy="3654401"/>
           </a:xfrm>
-          <a:prstGeom prst="bentConnector3">
-            <a:avLst>
-              <a:gd name="adj1" fmla="val 50000"/>
-            </a:avLst>
+          <a:prstGeom prst="rect">
+            <a:avLst/>
           </a:prstGeom>
-          <a:noFill/>
-          <a:ln w="19050" cap="flat" cmpd="sng">
-            <a:solidFill>
-              <a:schemeClr val="accent1"/>
-            </a:solidFill>
-            <a:prstDash val="solid"/>
-            <a:round/>
-            <a:headEnd type="oval" w="med" len="med"/>
-            <a:tailEnd type="oval" w="med" len="med"/>
+          <a:gradFill>
+            <a:gsLst>
+              <a:gs pos="0">
+                <a:srgbClr val="8BE3FF"/>
+              </a:gs>
+              <a:gs pos="100000">
+                <a:srgbClr val="ACFFD9"/>
+              </a:gs>
+            </a:gsLst>
+            <a:lin ang="5400700" scaled="0"/>
+          </a:gradFill>
+          <a:ln>
+            <a:noFill/>
           </a:ln>
         </p:spPr>
-      </p:cxnSp>
+        <p:txBody>
+          <a:bodyPr spcFirstLastPara="1" wrap="square" lIns="91425" tIns="91425" rIns="91425" bIns="91425" anchor="ctr" anchorCtr="0">
+            <a:noAutofit/>
+          </a:bodyPr>
+          <a:lstStyle/>
+          <a:p>
+            <a:pPr marL="0" lvl="0" indent="0" algn="l" rtl="0">
+              <a:spcBef>
+                <a:spcPts val="0"/>
+              </a:spcBef>
+              <a:spcAft>
+                <a:spcPts val="0"/>
+              </a:spcAft>
+              <a:buNone/>
+            </a:pPr>
+            <a:endParaRPr dirty="0"/>
+          </a:p>
+        </p:txBody>
+      </p:sp>
       <p:sp>
         <p:nvSpPr>
-          <p:cNvPr id="10" name="Google Shape;1457;p41">
+          <p:cNvPr id="9" name="Google Shape;1916;p47">
             <a:extLst>
               <a:ext uri="{FF2B5EF4-FFF2-40B4-BE49-F238E27FC236}">
-                <a16:creationId xmlns:a16="http://schemas.microsoft.com/office/drawing/2014/main" id="{9DB2D0D2-E5CC-5089-12D6-4DFE458751F8}"/>
+                <a16:creationId xmlns:a16="http://schemas.microsoft.com/office/drawing/2014/main" id="{F0F6D407-A607-6562-C58C-D10785E5F0CB}"/>
               </a:ext>
             </a:extLst>
           </p:cNvPr>
@@ -47426,8 +43836,8 @@
         </p:nvSpPr>
         <p:spPr>
           <a:xfrm>
-            <a:off x="7165424" y="3416880"/>
-            <a:ext cx="1647920" cy="1055490"/>
+            <a:off x="5065351" y="1904973"/>
+            <a:ext cx="3295106" cy="2767620"/>
           </a:xfrm>
           <a:prstGeom prst="rect">
             <a:avLst/>
@@ -47689,36 +44099,62 @@
             </a:lvl9pPr>
           </a:lstStyle>
           <a:p>
-            <a:pPr marL="0" indent="0">
-              <a:spcAft>
-                <a:spcPts val="1600"/>
-              </a:spcAft>
+            <a:pPr marL="139700" indent="0">
+              <a:buSzPts val="1400"/>
               <a:buFont typeface="DM Sans"/>
               <a:buNone/>
             </a:pPr>
             <a:r>
               <a:rPr lang="es-ES" sz="1400" dirty="0"/>
-              <a:t>Confirmar la disponibilidad de las credenciales AWS necesarias </a:t>
+              <a:t>Para la reducción de la dimensionalidad usamos el algoritmo LDA.</a:t>
             </a:r>
           </a:p>
           <a:p>
-            <a:pPr marL="0" indent="0">
-              <a:spcAft>
-                <a:spcPts val="1600"/>
-              </a:spcAft>
+            <a:pPr marL="139700" indent="0">
+              <a:buSzPts val="1400"/>
               <a:buFont typeface="DM Sans"/>
               <a:buNone/>
             </a:pPr>
-            <a:endParaRPr lang="en" sz="1400" dirty="0"/>
+            <a:endParaRPr lang="es-ES" sz="1400" dirty="0"/>
+          </a:p>
+          <a:p>
+            <a:pPr marL="139700" indent="0">
+              <a:buSzPts val="1400"/>
+              <a:buFont typeface="DM Sans"/>
+              <a:buNone/>
+            </a:pPr>
+            <a:r>
+              <a:rPr lang="es-ES" sz="1400" dirty="0"/>
+              <a:t>Redujimos de 72 a 6 columnas, manteniendo el 100% de la información.</a:t>
+            </a:r>
+          </a:p>
+          <a:p>
+            <a:pPr marL="139700" indent="0">
+              <a:buSzPts val="1400"/>
+              <a:buFont typeface="DM Sans"/>
+              <a:buNone/>
+            </a:pPr>
+            <a:endParaRPr lang="es-ES" sz="1400" dirty="0"/>
+          </a:p>
+          <a:p>
+            <a:pPr marL="139700" indent="0">
+              <a:buSzPts val="1400"/>
+              <a:buFont typeface="DM Sans"/>
+              <a:buNone/>
+            </a:pPr>
+            <a:r>
+              <a:rPr lang="es-ES" sz="1400" dirty="0"/>
+              <a:t>Escogimos el LDA debido a que es un algoritmo que se adapta a la clasificación multiclase.</a:t>
+            </a:r>
           </a:p>
         </p:txBody>
       </p:sp>
       <p:sp>
         <p:nvSpPr>
-          <p:cNvPr id="11" name="Google Shape;1458;p41">
+          <p:cNvPr id="10" name="Google Shape;1917;p47">
             <a:extLst>
               <a:ext uri="{FF2B5EF4-FFF2-40B4-BE49-F238E27FC236}">
-                <a16:creationId xmlns:a16="http://schemas.microsoft.com/office/drawing/2014/main" id="{57615246-93DC-3FE1-751B-50B230E87994}"/>
+                <a16:creationId xmlns:a16="http://schemas.microsoft.com/office/drawing/2014/main" id="{CEC967E9-8595-0E9E-72D8-3FFF291B02BC}"/>
               </a:ext>
             </a:extLst>
           </p:cNvPr>
@@ -47729,8 +44165,8 @@
         </p:nvSpPr>
         <p:spPr>
           <a:xfrm>
-            <a:off x="7172764" y="3051907"/>
-            <a:ext cx="1808400" cy="539700"/>
+            <a:off x="5183607" y="1254225"/>
+            <a:ext cx="2351333" cy="377700"/>
           </a:xfrm>
           <a:prstGeom prst="rect">
             <a:avLst/>
@@ -47769,10 +44205,10 @@
               <a:buClr>
                 <a:schemeClr val="lt2"/>
               </a:buClr>
-              <a:buSzPts val="2800"/>
+              <a:buSzPts val="2400"/>
               <a:buFont typeface="Viga"/>
               <a:buNone/>
-              <a:defRPr sz="2800" b="0" i="0" u="none" strike="noStrike" cap="none">
+              <a:defRPr sz="2400" b="0" i="0" u="none" strike="noStrike" cap="none">
                 <a:solidFill>
                   <a:schemeClr val="lt2"/>
                 </a:solidFill>
@@ -47795,10 +44231,10 @@
               <a:buClr>
                 <a:schemeClr val="lt2"/>
               </a:buClr>
-              <a:buSzPts val="2800"/>
+              <a:buSzPts val="2400"/>
               <a:buFont typeface="Arial"/>
               <a:buNone/>
-              <a:defRPr sz="2800" b="0" i="0" u="none" strike="noStrike" cap="none">
+              <a:defRPr sz="2400" b="0" i="0" u="none" strike="noStrike" cap="none">
                 <a:solidFill>
                   <a:schemeClr val="lt2"/>
                 </a:solidFill>
@@ -47821,10 +44257,10 @@
               <a:buClr>
                 <a:schemeClr val="lt2"/>
               </a:buClr>
-              <a:buSzPts val="2800"/>
+              <a:buSzPts val="2400"/>
               <a:buFont typeface="Arial"/>
               <a:buNone/>
-              <a:defRPr sz="2800" b="0" i="0" u="none" strike="noStrike" cap="none">
+              <a:defRPr sz="2400" b="0" i="0" u="none" strike="noStrike" cap="none">
                 <a:solidFill>
                   <a:schemeClr val="lt2"/>
                 </a:solidFill>
@@ -47847,10 +44283,10 @@
               <a:buClr>
                 <a:schemeClr val="lt2"/>
               </a:buClr>
-              <a:buSzPts val="2800"/>
+              <a:buSzPts val="2400"/>
               <a:buFont typeface="Arial"/>
               <a:buNone/>
-              <a:defRPr sz="2800" b="0" i="0" u="none" strike="noStrike" cap="none">
+              <a:defRPr sz="2400" b="0" i="0" u="none" strike="noStrike" cap="none">
                 <a:solidFill>
                   <a:schemeClr val="lt2"/>
                 </a:solidFill>
@@ -47873,10 +44309,10 @@
               <a:buClr>
                 <a:schemeClr val="lt2"/>
               </a:buClr>
-              <a:buSzPts val="2800"/>
+              <a:buSzPts val="2400"/>
               <a:buFont typeface="Arial"/>
               <a:buNone/>
-              <a:defRPr sz="2800" b="0" i="0" u="none" strike="noStrike" cap="none">
+              <a:defRPr sz="2400" b="0" i="0" u="none" strike="noStrike" cap="none">
                 <a:solidFill>
                   <a:schemeClr val="lt2"/>
                 </a:solidFill>
@@ -47899,10 +44335,10 @@
               <a:buClr>
                 <a:schemeClr val="lt2"/>
               </a:buClr>
-              <a:buSzPts val="2800"/>
+              <a:buSzPts val="2400"/>
               <a:buFont typeface="Arial"/>
               <a:buNone/>
-              <a:defRPr sz="2800" b="0" i="0" u="none" strike="noStrike" cap="none">
+              <a:defRPr sz="2400" b="0" i="0" u="none" strike="noStrike" cap="none">
                 <a:solidFill>
                   <a:schemeClr val="lt2"/>
                 </a:solidFill>
@@ -47925,10 +44361,10 @@
               <a:buClr>
                 <a:schemeClr val="lt2"/>
               </a:buClr>
-              <a:buSzPts val="2800"/>
+              <a:buSzPts val="2400"/>
               <a:buFont typeface="Arial"/>
               <a:buNone/>
-              <a:defRPr sz="2800" b="0" i="0" u="none" strike="noStrike" cap="none">
+              <a:defRPr sz="2400" b="0" i="0" u="none" strike="noStrike" cap="none">
                 <a:solidFill>
                   <a:schemeClr val="lt2"/>
                 </a:solidFill>
@@ -47951,10 +44387,10 @@
               <a:buClr>
                 <a:schemeClr val="lt2"/>
               </a:buClr>
-              <a:buSzPts val="2800"/>
+              <a:buSzPts val="2400"/>
               <a:buFont typeface="Arial"/>
               <a:buNone/>
-              <a:defRPr sz="2800" b="0" i="0" u="none" strike="noStrike" cap="none">
+              <a:defRPr sz="2400" b="0" i="0" u="none" strike="noStrike" cap="none">
                 <a:solidFill>
                   <a:schemeClr val="lt2"/>
                 </a:solidFill>
@@ -47977,10 +44413,10 @@
               <a:buClr>
                 <a:schemeClr val="lt2"/>
               </a:buClr>
-              <a:buSzPts val="2800"/>
+              <a:buSzPts val="2400"/>
               <a:buFont typeface="Arial"/>
               <a:buNone/>
-              <a:defRPr sz="2800" b="0" i="0" u="none" strike="noStrike" cap="none">
+              <a:defRPr sz="2400" b="0" i="0" u="none" strike="noStrike" cap="none">
                 <a:solidFill>
                   <a:schemeClr val="lt2"/>
                 </a:solidFill>
@@ -47993,8 +44429,16 @@
           </a:lstStyle>
           <a:p>
             <a:r>
-              <a:rPr lang="es-ES" sz="1800" dirty="0"/>
-              <a:t>Credenciales</a:t>
+              <a:rPr lang="es-ES" sz="1400" dirty="0"/>
+              <a:t>Reducción de </a:t>
+            </a:r>
+            <a:r>
+              <a:rPr lang="es-ES" sz="1400" dirty="0" err="1"/>
+              <a:t>Dim</a:t>
+            </a:r>
+            <a:r>
+              <a:rPr lang="es-ES" sz="1400" dirty="0"/>
+              <a:t>. - LDA</a:t>
             </a:r>
           </a:p>
         </p:txBody>
@@ -48012,7 +44456,7 @@
   <p:cSld>
     <p:spTree>
       <p:nvGrpSpPr>
-        <p:cNvPr id="1" name="Shape 2987"/>
+        <p:cNvPr id="1" name="Shape 1905"/>
         <p:cNvGrpSpPr/>
         <p:nvPr/>
       </p:nvGrpSpPr>
@@ -48026,7 +44470,115 @@
       </p:grpSpPr>
       <p:sp>
         <p:nvSpPr>
-          <p:cNvPr id="2988" name="Google Shape;2988;p61"/>
+          <p:cNvPr id="7" name="Google Shape;1913;p47">
+            <a:extLst>
+              <a:ext uri="{FF2B5EF4-FFF2-40B4-BE49-F238E27FC236}">
+                <a16:creationId xmlns:a16="http://schemas.microsoft.com/office/drawing/2014/main" id="{269C1FDB-97F9-E805-0BAF-0F16F67AD702}"/>
+              </a:ext>
+            </a:extLst>
+          </p:cNvPr>
+          <p:cNvSpPr/>
+          <p:nvPr/>
+        </p:nvSpPr>
+        <p:spPr>
+          <a:xfrm>
+            <a:off x="222769" y="877875"/>
+            <a:ext cx="2738512" cy="3969923"/>
+          </a:xfrm>
+          <a:prstGeom prst="rect">
+            <a:avLst/>
+          </a:prstGeom>
+          <a:gradFill>
+            <a:gsLst>
+              <a:gs pos="0">
+                <a:srgbClr val="8BE3FF"/>
+              </a:gs>
+              <a:gs pos="100000">
+                <a:srgbClr val="ACFFD9"/>
+              </a:gs>
+            </a:gsLst>
+            <a:lin ang="5400700" scaled="0"/>
+          </a:gradFill>
+          <a:ln>
+            <a:noFill/>
+          </a:ln>
+        </p:spPr>
+        <p:txBody>
+          <a:bodyPr spcFirstLastPara="1" wrap="square" lIns="91425" tIns="91425" rIns="91425" bIns="91425" anchor="ctr" anchorCtr="0">
+            <a:noAutofit/>
+          </a:bodyPr>
+          <a:lstStyle/>
+          <a:p>
+            <a:pPr marL="0" lvl="0" indent="0" algn="l" rtl="0">
+              <a:spcBef>
+                <a:spcPts val="0"/>
+              </a:spcBef>
+              <a:spcAft>
+                <a:spcPts val="0"/>
+              </a:spcAft>
+              <a:buNone/>
+            </a:pPr>
+            <a:endParaRPr dirty="0"/>
+          </a:p>
+        </p:txBody>
+      </p:sp>
+      <p:sp>
+        <p:nvSpPr>
+          <p:cNvPr id="11" name="Google Shape;1913;p47">
+            <a:extLst>
+              <a:ext uri="{FF2B5EF4-FFF2-40B4-BE49-F238E27FC236}">
+                <a16:creationId xmlns:a16="http://schemas.microsoft.com/office/drawing/2014/main" id="{82F790A1-3E63-B0E3-6A64-8C867276F465}"/>
+              </a:ext>
+            </a:extLst>
+          </p:cNvPr>
+          <p:cNvSpPr/>
+          <p:nvPr/>
+        </p:nvSpPr>
+        <p:spPr>
+          <a:xfrm>
+            <a:off x="6173992" y="877875"/>
+            <a:ext cx="2738512" cy="3969923"/>
+          </a:xfrm>
+          <a:prstGeom prst="rect">
+            <a:avLst/>
+          </a:prstGeom>
+          <a:gradFill>
+            <a:gsLst>
+              <a:gs pos="0">
+                <a:srgbClr val="8BE3FF"/>
+              </a:gs>
+              <a:gs pos="100000">
+                <a:srgbClr val="ACFFD9"/>
+              </a:gs>
+            </a:gsLst>
+            <a:lin ang="5400700" scaled="0"/>
+          </a:gradFill>
+          <a:ln>
+            <a:noFill/>
+          </a:ln>
+        </p:spPr>
+        <p:txBody>
+          <a:bodyPr spcFirstLastPara="1" wrap="square" lIns="91425" tIns="91425" rIns="91425" bIns="91425" anchor="ctr" anchorCtr="0">
+            <a:noAutofit/>
+          </a:bodyPr>
+          <a:lstStyle/>
+          <a:p>
+            <a:pPr marL="0" lvl="0" indent="0" algn="l" rtl="0">
+              <a:spcBef>
+                <a:spcPts val="0"/>
+              </a:spcBef>
+              <a:spcAft>
+                <a:spcPts val="0"/>
+              </a:spcAft>
+              <a:buNone/>
+            </a:pPr>
+            <a:endParaRPr dirty="0"/>
+          </a:p>
+        </p:txBody>
+      </p:sp>
+      <p:sp>
+        <p:nvSpPr>
+          <p:cNvPr id="1906" name="Google Shape;1906;p47"/>
           <p:cNvSpPr txBox="1">
             <a:spLocks noGrp="1"/>
           </p:cNvSpPr>
@@ -48039,6 +44591,9 @@
             <a:off x="626625" y="338175"/>
             <a:ext cx="6084000" cy="539700"/>
           </a:xfrm>
+          <a:prstGeom prst="rect">
+            <a:avLst/>
+          </a:prstGeom>
         </p:spPr>
         <p:txBody>
           <a:bodyPr spcFirstLastPara="1" wrap="square" lIns="91425" tIns="91425" rIns="91425" bIns="91425" anchor="t" anchorCtr="0">
@@ -48046,354 +44601,207 @@
           </a:bodyPr>
           <a:lstStyle/>
           <a:p>
-            <a:pPr lvl="0"/>
+            <a:pPr marL="0" lvl="0" indent="0" algn="l" rtl="0">
+              <a:spcBef>
+                <a:spcPts val="0"/>
+              </a:spcBef>
+              <a:spcAft>
+                <a:spcPts val="0"/>
+              </a:spcAft>
+              <a:buNone/>
+            </a:pPr>
             <a:r>
-              <a:rPr lang="es-ES"/>
-              <a:t>BALANCE SHEET</a:t>
+              <a:rPr lang="en" dirty="0"/>
+              <a:t>Entrenamiento</a:t>
             </a:r>
+            <a:endParaRPr dirty="0"/>
           </a:p>
         </p:txBody>
       </p:sp>
-      <p:grpSp>
-        <p:nvGrpSpPr>
-          <p:cNvPr id="24" name="Google Shape;10981;p72">
+      <p:sp>
+        <p:nvSpPr>
+          <p:cNvPr id="1913" name="Google Shape;1913;p47"/>
+          <p:cNvSpPr/>
+          <p:nvPr/>
+        </p:nvSpPr>
+        <p:spPr>
+          <a:xfrm>
+            <a:off x="3202744" y="877875"/>
+            <a:ext cx="2738512" cy="3969923"/>
+          </a:xfrm>
+          <a:prstGeom prst="rect">
+            <a:avLst/>
+          </a:prstGeom>
+          <a:gradFill>
+            <a:gsLst>
+              <a:gs pos="0">
+                <a:srgbClr val="8BE3FF"/>
+              </a:gs>
+              <a:gs pos="100000">
+                <a:srgbClr val="ACFFD9"/>
+              </a:gs>
+            </a:gsLst>
+            <a:lin ang="5400700" scaled="0"/>
+          </a:gradFill>
+          <a:ln>
+            <a:noFill/>
+          </a:ln>
+        </p:spPr>
+        <p:txBody>
+          <a:bodyPr spcFirstLastPara="1" wrap="square" lIns="91425" tIns="91425" rIns="91425" bIns="91425" anchor="ctr" anchorCtr="0">
+            <a:noAutofit/>
+          </a:bodyPr>
+          <a:lstStyle/>
+          <a:p>
+            <a:pPr marL="0" lvl="0" indent="0" algn="l" rtl="0">
+              <a:spcBef>
+                <a:spcPts val="0"/>
+              </a:spcBef>
+              <a:spcAft>
+                <a:spcPts val="0"/>
+              </a:spcAft>
+              <a:buNone/>
+            </a:pPr>
+            <a:endParaRPr dirty="0"/>
+          </a:p>
+        </p:txBody>
+      </p:sp>
+      <p:sp>
+        <p:nvSpPr>
+          <p:cNvPr id="1916" name="Google Shape;1916;p47"/>
+          <p:cNvSpPr txBox="1">
+            <a:spLocks noGrp="1"/>
+          </p:cNvSpPr>
+          <p:nvPr>
+            <p:ph type="body" idx="4294967295"/>
+          </p:nvPr>
+        </p:nvSpPr>
+        <p:spPr>
+          <a:xfrm>
+            <a:off x="3346829" y="1494295"/>
+            <a:ext cx="2571846" cy="1582298"/>
+          </a:xfrm>
+          <a:prstGeom prst="rect">
+            <a:avLst/>
+          </a:prstGeom>
+        </p:spPr>
+        <p:txBody>
+          <a:bodyPr spcFirstLastPara="1" wrap="square" lIns="91425" tIns="91425" rIns="91425" bIns="91425" anchor="t" anchorCtr="0">
+            <a:noAutofit/>
+          </a:bodyPr>
+          <a:lstStyle/>
+          <a:p>
+            <a:pPr marL="139700" lvl="0" indent="0" algn="l" rtl="0">
+              <a:spcBef>
+                <a:spcPts val="0"/>
+              </a:spcBef>
+              <a:spcAft>
+                <a:spcPts val="0"/>
+              </a:spcAft>
+              <a:buSzPts val="1400"/>
+              <a:buNone/>
+            </a:pPr>
+            <a:r>
+              <a:rPr lang="es-ES" sz="1400" dirty="0"/>
+              <a:t>Como opción clásica escogimos un </a:t>
+            </a:r>
+            <a:r>
+              <a:rPr lang="es-ES" sz="1400" dirty="0" err="1"/>
+              <a:t>XGBoost</a:t>
+            </a:r>
+            <a:r>
+              <a:rPr lang="es-ES" sz="1400" dirty="0"/>
+              <a:t> debido a su ligereza y facilidad de entrenamiento.</a:t>
+            </a:r>
+          </a:p>
+          <a:p>
+            <a:pPr marL="139700" lvl="0" indent="0" algn="l" rtl="0">
+              <a:spcBef>
+                <a:spcPts val="0"/>
+              </a:spcBef>
+              <a:spcAft>
+                <a:spcPts val="0"/>
+              </a:spcAft>
+              <a:buSzPts val="1400"/>
+              <a:buNone/>
+            </a:pPr>
+            <a:endParaRPr lang="es-ES" sz="1400" dirty="0"/>
+          </a:p>
+          <a:p>
+            <a:pPr marL="139700" lvl="0" indent="0" algn="l" rtl="0">
+              <a:spcBef>
+                <a:spcPts val="0"/>
+              </a:spcBef>
+              <a:spcAft>
+                <a:spcPts val="0"/>
+              </a:spcAft>
+              <a:buSzPts val="1400"/>
+              <a:buNone/>
+            </a:pPr>
+            <a:r>
+              <a:rPr lang="es-ES" sz="1400" dirty="0"/>
+              <a:t>Además aporta completa </a:t>
+            </a:r>
+            <a:r>
+              <a:rPr lang="es-ES" sz="1400" dirty="0" err="1"/>
+              <a:t>explicabilidad</a:t>
+            </a:r>
+            <a:r>
+              <a:rPr lang="es-ES" sz="1400" dirty="0"/>
+              <a:t> sobre los resultados</a:t>
+            </a:r>
+            <a:endParaRPr sz="1400" dirty="0"/>
+          </a:p>
+        </p:txBody>
+      </p:sp>
+      <p:sp>
+        <p:nvSpPr>
+          <p:cNvPr id="1917" name="Google Shape;1917;p47"/>
+          <p:cNvSpPr txBox="1">
+            <a:spLocks noGrp="1"/>
+          </p:cNvSpPr>
+          <p:nvPr>
+            <p:ph type="title"/>
+          </p:nvPr>
+        </p:nvSpPr>
+        <p:spPr>
+          <a:xfrm>
+            <a:off x="3535106" y="1037337"/>
+            <a:ext cx="1835227" cy="348084"/>
+          </a:xfrm>
+          <a:prstGeom prst="rect">
+            <a:avLst/>
+          </a:prstGeom>
+        </p:spPr>
+        <p:txBody>
+          <a:bodyPr spcFirstLastPara="1" wrap="square" lIns="91425" tIns="91425" rIns="91425" bIns="91425" anchor="t" anchorCtr="0">
+            <a:noAutofit/>
+          </a:bodyPr>
+          <a:lstStyle/>
+          <a:p>
+            <a:pPr marL="0" lvl="0" indent="0" algn="l" rtl="0">
+              <a:spcBef>
+                <a:spcPts val="0"/>
+              </a:spcBef>
+              <a:spcAft>
+                <a:spcPts val="0"/>
+              </a:spcAft>
+              <a:buNone/>
+            </a:pPr>
+            <a:r>
+              <a:rPr lang="en" sz="1400" dirty="0"/>
+              <a:t>XGBoost</a:t>
+            </a:r>
+            <a:endParaRPr sz="1400" dirty="0"/>
+          </a:p>
+        </p:txBody>
+      </p:sp>
+      <p:sp>
+        <p:nvSpPr>
+          <p:cNvPr id="9" name="Google Shape;1916;p47">
             <a:extLst>
               <a:ext uri="{FF2B5EF4-FFF2-40B4-BE49-F238E27FC236}">
-                <a16:creationId xmlns:a16="http://schemas.microsoft.com/office/drawing/2014/main" id="{1685E059-0D19-1048-B4ED-7E8114894D35}"/>
-              </a:ext>
-            </a:extLst>
-          </p:cNvPr>
-          <p:cNvGrpSpPr/>
-          <p:nvPr/>
-        </p:nvGrpSpPr>
-        <p:grpSpPr>
-          <a:xfrm>
-            <a:off x="1242902" y="1071821"/>
-            <a:ext cx="1459951" cy="1776595"/>
-            <a:chOff x="1285250" y="1617275"/>
-            <a:chExt cx="1090650" cy="1327200"/>
-          </a:xfrm>
-          <a:solidFill>
-            <a:srgbClr val="99E8ED"/>
-          </a:solidFill>
-        </p:grpSpPr>
-        <p:sp>
-          <p:nvSpPr>
-            <p:cNvPr id="25" name="Google Shape;10982;p72">
-              <a:extLst>
-                <a:ext uri="{FF2B5EF4-FFF2-40B4-BE49-F238E27FC236}">
-                  <a16:creationId xmlns:a16="http://schemas.microsoft.com/office/drawing/2014/main" id="{3C22BA1F-E12D-1611-4ED3-58DEB37B8087}"/>
-                </a:ext>
-              </a:extLst>
-            </p:cNvPr>
-            <p:cNvSpPr/>
-            <p:nvPr/>
-          </p:nvSpPr>
-          <p:spPr>
-            <a:xfrm>
-              <a:off x="1460300" y="1792400"/>
-              <a:ext cx="740475" cy="740375"/>
-            </a:xfrm>
-            <a:custGeom>
-              <a:avLst/>
-              <a:gdLst/>
-              <a:ahLst/>
-              <a:cxnLst/>
-              <a:rect l="l" t="t" r="r" b="b"/>
-              <a:pathLst>
-                <a:path w="29619" h="29615" extrusionOk="0">
-                  <a:moveTo>
-                    <a:pt x="14809" y="1"/>
-                  </a:moveTo>
-                  <a:cubicBezTo>
-                    <a:pt x="6631" y="1"/>
-                    <a:pt x="0" y="6631"/>
-                    <a:pt x="0" y="14809"/>
-                  </a:cubicBezTo>
-                  <a:cubicBezTo>
-                    <a:pt x="0" y="22988"/>
-                    <a:pt x="6631" y="29615"/>
-                    <a:pt x="14809" y="29615"/>
-                  </a:cubicBezTo>
-                  <a:cubicBezTo>
-                    <a:pt x="22987" y="29615"/>
-                    <a:pt x="29618" y="22988"/>
-                    <a:pt x="29618" y="14809"/>
-                  </a:cubicBezTo>
-                  <a:cubicBezTo>
-                    <a:pt x="29618" y="6631"/>
-                    <a:pt x="22987" y="1"/>
-                    <a:pt x="14809" y="1"/>
-                  </a:cubicBezTo>
-                  <a:close/>
-                </a:path>
-              </a:pathLst>
-            </a:custGeom>
-            <a:grpFill/>
-            <a:ln w="19050" cap="flat" cmpd="sng">
-              <a:solidFill>
-                <a:srgbClr val="99E8ED"/>
-              </a:solidFill>
-              <a:prstDash val="solid"/>
-              <a:round/>
-              <a:headEnd type="none" w="sm" len="sm"/>
-              <a:tailEnd type="none" w="sm" len="sm"/>
-            </a:ln>
-          </p:spPr>
-          <p:txBody>
-            <a:bodyPr spcFirstLastPara="1" wrap="square" lIns="91425" tIns="91425" rIns="91425" bIns="91425" anchor="ctr" anchorCtr="0">
-              <a:noAutofit/>
-            </a:bodyPr>
-            <a:lstStyle/>
-            <a:p>
-              <a:pPr marL="0" lvl="0" indent="0" algn="l" rtl="0">
-                <a:spcBef>
-                  <a:spcPts val="0"/>
-                </a:spcBef>
-                <a:spcAft>
-                  <a:spcPts val="0"/>
-                </a:spcAft>
-                <a:buNone/>
-              </a:pPr>
-              <a:endParaRPr/>
-            </a:p>
-          </p:txBody>
-        </p:sp>
-        <p:sp>
-          <p:nvSpPr>
-            <p:cNvPr id="26" name="Google Shape;10983;p72">
-              <a:extLst>
-                <a:ext uri="{FF2B5EF4-FFF2-40B4-BE49-F238E27FC236}">
-                  <a16:creationId xmlns:a16="http://schemas.microsoft.com/office/drawing/2014/main" id="{BFB5BEDA-2EB8-B976-AFA7-131779F7474A}"/>
-                </a:ext>
-              </a:extLst>
-            </p:cNvPr>
-            <p:cNvSpPr/>
-            <p:nvPr/>
-          </p:nvSpPr>
-          <p:spPr>
-            <a:xfrm>
-              <a:off x="1285250" y="1617275"/>
-              <a:ext cx="1090650" cy="1273950"/>
-            </a:xfrm>
-            <a:custGeom>
-              <a:avLst/>
-              <a:gdLst/>
-              <a:ahLst/>
-              <a:cxnLst/>
-              <a:rect l="l" t="t" r="r" b="b"/>
-              <a:pathLst>
-                <a:path w="43626" h="50958" extrusionOk="0">
-                  <a:moveTo>
-                    <a:pt x="21811" y="0"/>
-                  </a:moveTo>
-                  <a:cubicBezTo>
-                    <a:pt x="9785" y="0"/>
-                    <a:pt x="0" y="9788"/>
-                    <a:pt x="0" y="21814"/>
-                  </a:cubicBezTo>
-                  <a:cubicBezTo>
-                    <a:pt x="8" y="22289"/>
-                    <a:pt x="401" y="22672"/>
-                    <a:pt x="876" y="22672"/>
-                  </a:cubicBezTo>
-                  <a:cubicBezTo>
-                    <a:pt x="1355" y="22672"/>
-                    <a:pt x="1744" y="22289"/>
-                    <a:pt x="1755" y="21814"/>
-                  </a:cubicBezTo>
-                  <a:cubicBezTo>
-                    <a:pt x="1755" y="10757"/>
-                    <a:pt x="10754" y="1755"/>
-                    <a:pt x="21811" y="1755"/>
-                  </a:cubicBezTo>
-                  <a:cubicBezTo>
-                    <a:pt x="32869" y="1755"/>
-                    <a:pt x="41867" y="10753"/>
-                    <a:pt x="41867" y="21814"/>
-                  </a:cubicBezTo>
-                  <a:cubicBezTo>
-                    <a:pt x="41871" y="32872"/>
-                    <a:pt x="32869" y="41870"/>
-                    <a:pt x="21811" y="41870"/>
-                  </a:cubicBezTo>
-                  <a:cubicBezTo>
-                    <a:pt x="21329" y="41870"/>
-                    <a:pt x="20932" y="42263"/>
-                    <a:pt x="20936" y="42750"/>
-                  </a:cubicBezTo>
-                  <a:lnTo>
-                    <a:pt x="20936" y="50957"/>
-                  </a:lnTo>
-                  <a:lnTo>
-                    <a:pt x="22691" y="50942"/>
-                  </a:lnTo>
-                  <a:lnTo>
-                    <a:pt x="22691" y="43610"/>
-                  </a:lnTo>
-                  <a:cubicBezTo>
-                    <a:pt x="34312" y="43147"/>
-                    <a:pt x="43626" y="33547"/>
-                    <a:pt x="43626" y="21814"/>
-                  </a:cubicBezTo>
-                  <a:cubicBezTo>
-                    <a:pt x="43626" y="9785"/>
-                    <a:pt x="33841" y="0"/>
-                    <a:pt x="21811" y="0"/>
-                  </a:cubicBezTo>
-                  <a:close/>
-                </a:path>
-              </a:pathLst>
-            </a:custGeom>
-            <a:grpFill/>
-            <a:ln>
-              <a:solidFill>
-                <a:srgbClr val="99E8ED"/>
-              </a:solidFill>
-            </a:ln>
-          </p:spPr>
-          <p:txBody>
-            <a:bodyPr spcFirstLastPara="1" wrap="square" lIns="91425" tIns="91425" rIns="91425" bIns="91425" anchor="ctr" anchorCtr="0">
-              <a:noAutofit/>
-            </a:bodyPr>
-            <a:lstStyle/>
-            <a:p>
-              <a:pPr marL="0" lvl="0" indent="0" algn="l" rtl="0">
-                <a:spcBef>
-                  <a:spcPts val="0"/>
-                </a:spcBef>
-                <a:spcAft>
-                  <a:spcPts val="0"/>
-                </a:spcAft>
-                <a:buNone/>
-              </a:pPr>
-              <a:endParaRPr dirty="0"/>
-            </a:p>
-          </p:txBody>
-        </p:sp>
-        <p:sp>
-          <p:nvSpPr>
-            <p:cNvPr id="27" name="Google Shape;10984;p72">
-              <a:extLst>
-                <a:ext uri="{FF2B5EF4-FFF2-40B4-BE49-F238E27FC236}">
-                  <a16:creationId xmlns:a16="http://schemas.microsoft.com/office/drawing/2014/main" id="{D7A3BC31-0D1E-2223-9C01-25F38D8CB08A}"/>
-                </a:ext>
-              </a:extLst>
-            </p:cNvPr>
-            <p:cNvSpPr/>
-            <p:nvPr/>
-          </p:nvSpPr>
-          <p:spPr>
-            <a:xfrm>
-              <a:off x="1680900" y="2771175"/>
-              <a:ext cx="300850" cy="173300"/>
-            </a:xfrm>
-            <a:custGeom>
-              <a:avLst/>
-              <a:gdLst/>
-              <a:ahLst/>
-              <a:cxnLst/>
-              <a:rect l="l" t="t" r="r" b="b"/>
-              <a:pathLst>
-                <a:path w="12034" h="6932" extrusionOk="0">
-                  <a:moveTo>
-                    <a:pt x="11086" y="1"/>
-                  </a:moveTo>
-                  <a:cubicBezTo>
-                    <a:pt x="10860" y="1"/>
-                    <a:pt x="10635" y="87"/>
-                    <a:pt x="10464" y="260"/>
-                  </a:cubicBezTo>
-                  <a:lnTo>
-                    <a:pt x="6865" y="3859"/>
-                  </a:lnTo>
-                  <a:lnTo>
-                    <a:pt x="5978" y="4742"/>
-                  </a:lnTo>
-                  <a:lnTo>
-                    <a:pt x="5110" y="3874"/>
-                  </a:lnTo>
-                  <a:lnTo>
-                    <a:pt x="1495" y="260"/>
-                  </a:lnTo>
-                  <a:cubicBezTo>
-                    <a:pt x="1341" y="153"/>
-                    <a:pt x="1165" y="102"/>
-                    <a:pt x="989" y="102"/>
-                  </a:cubicBezTo>
-                  <a:cubicBezTo>
-                    <a:pt x="730" y="102"/>
-                    <a:pt x="474" y="214"/>
-                    <a:pt x="297" y="427"/>
-                  </a:cubicBezTo>
-                  <a:cubicBezTo>
-                    <a:pt x="0" y="783"/>
-                    <a:pt x="22" y="1306"/>
-                    <a:pt x="349" y="1636"/>
-                  </a:cubicBezTo>
-                  <a:lnTo>
-                    <a:pt x="5388" y="6675"/>
-                  </a:lnTo>
-                  <a:cubicBezTo>
-                    <a:pt x="5559" y="6846"/>
-                    <a:pt x="5783" y="6931"/>
-                    <a:pt x="6008" y="6931"/>
-                  </a:cubicBezTo>
-                  <a:cubicBezTo>
-                    <a:pt x="6233" y="6931"/>
-                    <a:pt x="6458" y="6846"/>
-                    <a:pt x="6631" y="6675"/>
-                  </a:cubicBezTo>
-                  <a:lnTo>
-                    <a:pt x="11666" y="1636"/>
-                  </a:lnTo>
-                  <a:cubicBezTo>
-                    <a:pt x="12015" y="1250"/>
-                    <a:pt x="12034" y="668"/>
-                    <a:pt x="11711" y="260"/>
-                  </a:cubicBezTo>
-                  <a:cubicBezTo>
-                    <a:pt x="11538" y="87"/>
-                    <a:pt x="11312" y="1"/>
-                    <a:pt x="11086" y="1"/>
-                  </a:cubicBezTo>
-                  <a:close/>
-                </a:path>
-              </a:pathLst>
-            </a:custGeom>
-            <a:grpFill/>
-            <a:ln>
-              <a:solidFill>
-                <a:srgbClr val="99E8ED"/>
-              </a:solidFill>
-            </a:ln>
-          </p:spPr>
-          <p:txBody>
-            <a:bodyPr spcFirstLastPara="1" wrap="square" lIns="91425" tIns="91425" rIns="91425" bIns="91425" anchor="ctr" anchorCtr="0">
-              <a:noAutofit/>
-            </a:bodyPr>
-            <a:lstStyle/>
-            <a:p>
-              <a:pPr marL="0" lvl="0" indent="0" algn="l" rtl="0">
-                <a:spcBef>
-                  <a:spcPts val="0"/>
-                </a:spcBef>
-                <a:spcAft>
-                  <a:spcPts val="0"/>
-                </a:spcAft>
-                <a:buNone/>
-              </a:pPr>
-              <a:endParaRPr/>
-            </a:p>
-          </p:txBody>
-        </p:sp>
-      </p:grpSp>
-      <p:sp>
-        <p:nvSpPr>
-          <p:cNvPr id="32" name="Google Shape;1916;p47">
-            <a:extLst>
-              <a:ext uri="{FF2B5EF4-FFF2-40B4-BE49-F238E27FC236}">
-                <a16:creationId xmlns:a16="http://schemas.microsoft.com/office/drawing/2014/main" id="{6C407088-CCCF-AEDF-A889-E88E745D1C84}"/>
+                <a16:creationId xmlns:a16="http://schemas.microsoft.com/office/drawing/2014/main" id="{F0F6D407-A607-6562-C58C-D10785E5F0CB}"/>
               </a:ext>
             </a:extLst>
           </p:cNvPr>
@@ -48404,8 +44812,8 @@
         </p:nvSpPr>
         <p:spPr>
           <a:xfrm>
-            <a:off x="584646" y="2920389"/>
-            <a:ext cx="2776361" cy="1415897"/>
+            <a:off x="6282614" y="1494295"/>
+            <a:ext cx="2275661" cy="2706199"/>
           </a:xfrm>
           <a:prstGeom prst="rect">
             <a:avLst/>
@@ -48667,70 +45075,67 @@
             </a:lvl9pPr>
           </a:lstStyle>
           <a:p>
-            <a:pPr marL="139700" indent="0" algn="ctr">
+            <a:pPr marL="139700" indent="0">
               <a:buSzPts val="1400"/>
               <a:buFont typeface="DM Sans"/>
               <a:buNone/>
             </a:pPr>
             <a:r>
-              <a:rPr lang="es-ES" sz="1100" dirty="0"/>
-              <a:t>Para el escalado usamos el algoritmo </a:t>
+              <a:rPr lang="es-ES" sz="1400" dirty="0"/>
+              <a:t>Empleamos </a:t>
             </a:r>
             <a:r>
-              <a:rPr lang="es-ES" sz="1100" dirty="0" err="1"/>
-              <a:t>MinMaxScaler</a:t>
+              <a:rPr lang="es-ES" sz="1400" dirty="0" err="1"/>
+              <a:t>skip</a:t>
             </a:r>
             <a:r>
-              <a:rPr lang="es-ES" sz="1100" dirty="0"/>
-              <a:t>.</a:t>
+              <a:rPr lang="es-ES" sz="1400" dirty="0"/>
+              <a:t> </a:t>
+            </a:r>
+            <a:r>
+              <a:rPr lang="es-ES" sz="1400" dirty="0" err="1"/>
+              <a:t>connections</a:t>
+            </a:r>
+            <a:r>
+              <a:rPr lang="es-ES" sz="1400" dirty="0"/>
+              <a:t> para poder entrenar una red neuronal más profunda. </a:t>
             </a:r>
           </a:p>
           <a:p>
-            <a:pPr marL="139700" indent="0" algn="ctr">
+            <a:pPr marL="139700" indent="0">
               <a:buSzPts val="1400"/>
               <a:buFont typeface="DM Sans"/>
               <a:buNone/>
             </a:pPr>
-            <a:endParaRPr lang="es-ES" sz="1100" dirty="0"/>
+            <a:endParaRPr lang="es-ES" sz="1400" dirty="0"/>
           </a:p>
           <a:p>
-            <a:pPr marL="139700" indent="0" algn="ctr">
+            <a:pPr marL="139700" indent="0">
               <a:buSzPts val="1400"/>
               <a:buFont typeface="DM Sans"/>
               <a:buNone/>
             </a:pPr>
             <a:r>
-              <a:rPr lang="es-ES" sz="1100" dirty="0"/>
-              <a:t>Este ajusta los datos para que en cada columna el valor mínimo pase a ser 0 y el máximo a 1.</a:t>
+              <a:rPr lang="es-ES" sz="1400" dirty="0"/>
+              <a:t>Esto disminuye el coste computacional y evita problemas de explosión de </a:t>
             </a:r>
-          </a:p>
-          <a:p>
-            <a:pPr marL="139700" indent="0" algn="ctr">
-              <a:buSzPts val="1400"/>
-              <a:buFont typeface="DM Sans"/>
-              <a:buNone/>
-            </a:pPr>
-            <a:endParaRPr lang="es-ES" sz="1100" dirty="0"/>
-          </a:p>
-          <a:p>
-            <a:pPr marL="139700" indent="0" algn="ctr">
-              <a:buSzPts val="1400"/>
-              <a:buFont typeface="DM Sans"/>
-              <a:buNone/>
-            </a:pPr>
             <a:r>
-              <a:rPr lang="es-ES" sz="1100" dirty="0"/>
-              <a:t>Usamos este debido a que no tenemos valores negativos ni presentan una distribución gaussiana.</a:t>
+              <a:rPr lang="es-ES" sz="1400" dirty="0" err="1"/>
+              <a:t>gradiante</a:t>
+            </a:r>
+            <a:r>
+              <a:rPr lang="es-ES" sz="1400" dirty="0"/>
+              <a:t>.</a:t>
             </a:r>
           </a:p>
         </p:txBody>
       </p:sp>
       <p:sp>
         <p:nvSpPr>
-          <p:cNvPr id="33" name="Google Shape;1917;p47">
+          <p:cNvPr id="10" name="Google Shape;1917;p47">
             <a:extLst>
               <a:ext uri="{FF2B5EF4-FFF2-40B4-BE49-F238E27FC236}">
-                <a16:creationId xmlns:a16="http://schemas.microsoft.com/office/drawing/2014/main" id="{3371F416-F341-3705-837A-D049BB123CB1}"/>
+                <a16:creationId xmlns:a16="http://schemas.microsoft.com/office/drawing/2014/main" id="{CEC967E9-8595-0E9E-72D8-3FFF291B02BC}"/>
               </a:ext>
             </a:extLst>
           </p:cNvPr>
@@ -48741,7 +45146,7 @@
         </p:nvSpPr>
         <p:spPr>
           <a:xfrm>
-            <a:off x="797212" y="1521488"/>
+            <a:off x="6428333" y="1063789"/>
             <a:ext cx="2351333" cy="377700"/>
           </a:xfrm>
           <a:prstGeom prst="rect">
@@ -49004,363 +45409,19 @@
             </a:lvl9pPr>
           </a:lstStyle>
           <a:p>
-            <a:pPr algn="ctr"/>
             <a:r>
-              <a:rPr lang="es-ES" sz="1400" dirty="0" err="1"/>
-              <a:t>MinMax</a:t>
+              <a:rPr lang="es-ES" sz="1400" dirty="0"/>
+              <a:t>Residual LNN</a:t>
             </a:r>
-            <a:endParaRPr lang="es-ES" sz="1400" dirty="0"/>
-          </a:p>
-          <a:p>
-            <a:pPr algn="ctr"/>
-            <a:r>
-              <a:rPr lang="es-ES" sz="1400" dirty="0" err="1"/>
-              <a:t>Scaler</a:t>
-            </a:r>
-            <a:endParaRPr lang="es-ES" sz="1400" dirty="0"/>
           </a:p>
         </p:txBody>
       </p:sp>
-      <p:grpSp>
-        <p:nvGrpSpPr>
-          <p:cNvPr id="34" name="Google Shape;10981;p72">
+      <p:sp>
+        <p:nvSpPr>
+          <p:cNvPr id="5" name="Google Shape;1916;p47">
             <a:extLst>
               <a:ext uri="{FF2B5EF4-FFF2-40B4-BE49-F238E27FC236}">
-                <a16:creationId xmlns:a16="http://schemas.microsoft.com/office/drawing/2014/main" id="{27A4C5F1-F4E8-B97C-1798-5CF6503F6F51}"/>
-              </a:ext>
-            </a:extLst>
-          </p:cNvPr>
-          <p:cNvGrpSpPr/>
-          <p:nvPr/>
-        </p:nvGrpSpPr>
-        <p:grpSpPr>
-          <a:xfrm>
-            <a:off x="6710625" y="1071821"/>
-            <a:ext cx="1459951" cy="1776595"/>
-            <a:chOff x="1285250" y="1617275"/>
-            <a:chExt cx="1090650" cy="1327200"/>
-          </a:xfrm>
-          <a:solidFill>
-            <a:srgbClr val="99E8ED"/>
-          </a:solidFill>
-        </p:grpSpPr>
-        <p:sp>
-          <p:nvSpPr>
-            <p:cNvPr id="35" name="Google Shape;10982;p72">
-              <a:extLst>
-                <a:ext uri="{FF2B5EF4-FFF2-40B4-BE49-F238E27FC236}">
-                  <a16:creationId xmlns:a16="http://schemas.microsoft.com/office/drawing/2014/main" id="{6FE06C2E-5B52-64B2-D2D5-C784AC243B46}"/>
-                </a:ext>
-              </a:extLst>
-            </p:cNvPr>
-            <p:cNvSpPr/>
-            <p:nvPr/>
-          </p:nvSpPr>
-          <p:spPr>
-            <a:xfrm>
-              <a:off x="1460300" y="1792400"/>
-              <a:ext cx="740475" cy="740375"/>
-            </a:xfrm>
-            <a:custGeom>
-              <a:avLst/>
-              <a:gdLst/>
-              <a:ahLst/>
-              <a:cxnLst/>
-              <a:rect l="l" t="t" r="r" b="b"/>
-              <a:pathLst>
-                <a:path w="29619" h="29615" extrusionOk="0">
-                  <a:moveTo>
-                    <a:pt x="14809" y="1"/>
-                  </a:moveTo>
-                  <a:cubicBezTo>
-                    <a:pt x="6631" y="1"/>
-                    <a:pt x="0" y="6631"/>
-                    <a:pt x="0" y="14809"/>
-                  </a:cubicBezTo>
-                  <a:cubicBezTo>
-                    <a:pt x="0" y="22988"/>
-                    <a:pt x="6631" y="29615"/>
-                    <a:pt x="14809" y="29615"/>
-                  </a:cubicBezTo>
-                  <a:cubicBezTo>
-                    <a:pt x="22987" y="29615"/>
-                    <a:pt x="29618" y="22988"/>
-                    <a:pt x="29618" y="14809"/>
-                  </a:cubicBezTo>
-                  <a:cubicBezTo>
-                    <a:pt x="29618" y="6631"/>
-                    <a:pt x="22987" y="1"/>
-                    <a:pt x="14809" y="1"/>
-                  </a:cubicBezTo>
-                  <a:close/>
-                </a:path>
-              </a:pathLst>
-            </a:custGeom>
-            <a:grpFill/>
-            <a:ln w="19050" cap="flat" cmpd="sng">
-              <a:solidFill>
-                <a:srgbClr val="99E8ED"/>
-              </a:solidFill>
-              <a:prstDash val="solid"/>
-              <a:round/>
-              <a:headEnd type="none" w="sm" len="sm"/>
-              <a:tailEnd type="none" w="sm" len="sm"/>
-            </a:ln>
-          </p:spPr>
-          <p:txBody>
-            <a:bodyPr spcFirstLastPara="1" wrap="square" lIns="91425" tIns="91425" rIns="91425" bIns="91425" anchor="ctr" anchorCtr="0">
-              <a:noAutofit/>
-            </a:bodyPr>
-            <a:lstStyle/>
-            <a:p>
-              <a:pPr marL="0" lvl="0" indent="0" algn="l" rtl="0">
-                <a:spcBef>
-                  <a:spcPts val="0"/>
-                </a:spcBef>
-                <a:spcAft>
-                  <a:spcPts val="0"/>
-                </a:spcAft>
-                <a:buNone/>
-              </a:pPr>
-              <a:endParaRPr/>
-            </a:p>
-          </p:txBody>
-        </p:sp>
-        <p:sp>
-          <p:nvSpPr>
-            <p:cNvPr id="36" name="Google Shape;10983;p72">
-              <a:extLst>
-                <a:ext uri="{FF2B5EF4-FFF2-40B4-BE49-F238E27FC236}">
-                  <a16:creationId xmlns:a16="http://schemas.microsoft.com/office/drawing/2014/main" id="{60A95337-8AB3-8E5E-A562-5ABBB72DA2AC}"/>
-                </a:ext>
-              </a:extLst>
-            </p:cNvPr>
-            <p:cNvSpPr/>
-            <p:nvPr/>
-          </p:nvSpPr>
-          <p:spPr>
-            <a:xfrm>
-              <a:off x="1285250" y="1617275"/>
-              <a:ext cx="1090650" cy="1273950"/>
-            </a:xfrm>
-            <a:custGeom>
-              <a:avLst/>
-              <a:gdLst/>
-              <a:ahLst/>
-              <a:cxnLst/>
-              <a:rect l="l" t="t" r="r" b="b"/>
-              <a:pathLst>
-                <a:path w="43626" h="50958" extrusionOk="0">
-                  <a:moveTo>
-                    <a:pt x="21811" y="0"/>
-                  </a:moveTo>
-                  <a:cubicBezTo>
-                    <a:pt x="9785" y="0"/>
-                    <a:pt x="0" y="9788"/>
-                    <a:pt x="0" y="21814"/>
-                  </a:cubicBezTo>
-                  <a:cubicBezTo>
-                    <a:pt x="8" y="22289"/>
-                    <a:pt x="401" y="22672"/>
-                    <a:pt x="876" y="22672"/>
-                  </a:cubicBezTo>
-                  <a:cubicBezTo>
-                    <a:pt x="1355" y="22672"/>
-                    <a:pt x="1744" y="22289"/>
-                    <a:pt x="1755" y="21814"/>
-                  </a:cubicBezTo>
-                  <a:cubicBezTo>
-                    <a:pt x="1755" y="10757"/>
-                    <a:pt x="10754" y="1755"/>
-                    <a:pt x="21811" y="1755"/>
-                  </a:cubicBezTo>
-                  <a:cubicBezTo>
-                    <a:pt x="32869" y="1755"/>
-                    <a:pt x="41867" y="10753"/>
-                    <a:pt x="41867" y="21814"/>
-                  </a:cubicBezTo>
-                  <a:cubicBezTo>
-                    <a:pt x="41871" y="32872"/>
-                    <a:pt x="32869" y="41870"/>
-                    <a:pt x="21811" y="41870"/>
-                  </a:cubicBezTo>
-                  <a:cubicBezTo>
-                    <a:pt x="21329" y="41870"/>
-                    <a:pt x="20932" y="42263"/>
-                    <a:pt x="20936" y="42750"/>
-                  </a:cubicBezTo>
-                  <a:lnTo>
-                    <a:pt x="20936" y="50957"/>
-                  </a:lnTo>
-                  <a:lnTo>
-                    <a:pt x="22691" y="50942"/>
-                  </a:lnTo>
-                  <a:lnTo>
-                    <a:pt x="22691" y="43610"/>
-                  </a:lnTo>
-                  <a:cubicBezTo>
-                    <a:pt x="34312" y="43147"/>
-                    <a:pt x="43626" y="33547"/>
-                    <a:pt x="43626" y="21814"/>
-                  </a:cubicBezTo>
-                  <a:cubicBezTo>
-                    <a:pt x="43626" y="9785"/>
-                    <a:pt x="33841" y="0"/>
-                    <a:pt x="21811" y="0"/>
-                  </a:cubicBezTo>
-                  <a:close/>
-                </a:path>
-              </a:pathLst>
-            </a:custGeom>
-            <a:grpFill/>
-            <a:ln>
-              <a:solidFill>
-                <a:srgbClr val="99E8ED"/>
-              </a:solidFill>
-            </a:ln>
-          </p:spPr>
-          <p:txBody>
-            <a:bodyPr spcFirstLastPara="1" wrap="square" lIns="91425" tIns="91425" rIns="91425" bIns="91425" anchor="ctr" anchorCtr="0">
-              <a:noAutofit/>
-            </a:bodyPr>
-            <a:lstStyle/>
-            <a:p>
-              <a:pPr marL="0" lvl="0" indent="0" algn="l" rtl="0">
-                <a:spcBef>
-                  <a:spcPts val="0"/>
-                </a:spcBef>
-                <a:spcAft>
-                  <a:spcPts val="0"/>
-                </a:spcAft>
-                <a:buNone/>
-              </a:pPr>
-              <a:endParaRPr dirty="0"/>
-            </a:p>
-          </p:txBody>
-        </p:sp>
-        <p:sp>
-          <p:nvSpPr>
-            <p:cNvPr id="37" name="Google Shape;10984;p72">
-              <a:extLst>
-                <a:ext uri="{FF2B5EF4-FFF2-40B4-BE49-F238E27FC236}">
-                  <a16:creationId xmlns:a16="http://schemas.microsoft.com/office/drawing/2014/main" id="{35BA0809-0E58-8B0B-A06E-FD1AFC7467DE}"/>
-                </a:ext>
-              </a:extLst>
-            </p:cNvPr>
-            <p:cNvSpPr/>
-            <p:nvPr/>
-          </p:nvSpPr>
-          <p:spPr>
-            <a:xfrm>
-              <a:off x="1680900" y="2771175"/>
-              <a:ext cx="300850" cy="173300"/>
-            </a:xfrm>
-            <a:custGeom>
-              <a:avLst/>
-              <a:gdLst/>
-              <a:ahLst/>
-              <a:cxnLst/>
-              <a:rect l="l" t="t" r="r" b="b"/>
-              <a:pathLst>
-                <a:path w="12034" h="6932" extrusionOk="0">
-                  <a:moveTo>
-                    <a:pt x="11086" y="1"/>
-                  </a:moveTo>
-                  <a:cubicBezTo>
-                    <a:pt x="10860" y="1"/>
-                    <a:pt x="10635" y="87"/>
-                    <a:pt x="10464" y="260"/>
-                  </a:cubicBezTo>
-                  <a:lnTo>
-                    <a:pt x="6865" y="3859"/>
-                  </a:lnTo>
-                  <a:lnTo>
-                    <a:pt x="5978" y="4742"/>
-                  </a:lnTo>
-                  <a:lnTo>
-                    <a:pt x="5110" y="3874"/>
-                  </a:lnTo>
-                  <a:lnTo>
-                    <a:pt x="1495" y="260"/>
-                  </a:lnTo>
-                  <a:cubicBezTo>
-                    <a:pt x="1341" y="153"/>
-                    <a:pt x="1165" y="102"/>
-                    <a:pt x="989" y="102"/>
-                  </a:cubicBezTo>
-                  <a:cubicBezTo>
-                    <a:pt x="730" y="102"/>
-                    <a:pt x="474" y="214"/>
-                    <a:pt x="297" y="427"/>
-                  </a:cubicBezTo>
-                  <a:cubicBezTo>
-                    <a:pt x="0" y="783"/>
-                    <a:pt x="22" y="1306"/>
-                    <a:pt x="349" y="1636"/>
-                  </a:cubicBezTo>
-                  <a:lnTo>
-                    <a:pt x="5388" y="6675"/>
-                  </a:lnTo>
-                  <a:cubicBezTo>
-                    <a:pt x="5559" y="6846"/>
-                    <a:pt x="5783" y="6931"/>
-                    <a:pt x="6008" y="6931"/>
-                  </a:cubicBezTo>
-                  <a:cubicBezTo>
-                    <a:pt x="6233" y="6931"/>
-                    <a:pt x="6458" y="6846"/>
-                    <a:pt x="6631" y="6675"/>
-                  </a:cubicBezTo>
-                  <a:lnTo>
-                    <a:pt x="11666" y="1636"/>
-                  </a:lnTo>
-                  <a:cubicBezTo>
-                    <a:pt x="12015" y="1250"/>
-                    <a:pt x="12034" y="668"/>
-                    <a:pt x="11711" y="260"/>
-                  </a:cubicBezTo>
-                  <a:cubicBezTo>
-                    <a:pt x="11538" y="87"/>
-                    <a:pt x="11312" y="1"/>
-                    <a:pt x="11086" y="1"/>
-                  </a:cubicBezTo>
-                  <a:close/>
-                </a:path>
-              </a:pathLst>
-            </a:custGeom>
-            <a:grpFill/>
-            <a:ln>
-              <a:solidFill>
-                <a:srgbClr val="99E8ED"/>
-              </a:solidFill>
-            </a:ln>
-          </p:spPr>
-          <p:txBody>
-            <a:bodyPr spcFirstLastPara="1" wrap="square" lIns="91425" tIns="91425" rIns="91425" bIns="91425" anchor="ctr" anchorCtr="0">
-              <a:noAutofit/>
-            </a:bodyPr>
-            <a:lstStyle/>
-            <a:p>
-              <a:pPr marL="0" lvl="0" indent="0" algn="l" rtl="0">
-                <a:spcBef>
-                  <a:spcPts val="0"/>
-                </a:spcBef>
-                <a:spcAft>
-                  <a:spcPts val="0"/>
-                </a:spcAft>
-                <a:buNone/>
-              </a:pPr>
-              <a:endParaRPr/>
-            </a:p>
-          </p:txBody>
-        </p:sp>
-      </p:grpSp>
-      <p:sp>
-        <p:nvSpPr>
-          <p:cNvPr id="38" name="Google Shape;1916;p47">
-            <a:extLst>
-              <a:ext uri="{FF2B5EF4-FFF2-40B4-BE49-F238E27FC236}">
-                <a16:creationId xmlns:a16="http://schemas.microsoft.com/office/drawing/2014/main" id="{8619EDA3-895A-D0B0-96C9-413FF4F03A81}"/>
+                <a16:creationId xmlns:a16="http://schemas.microsoft.com/office/drawing/2014/main" id="{6D84C36F-C60E-EC12-5D36-857354411E39}"/>
               </a:ext>
             </a:extLst>
           </p:cNvPr>
@@ -49371,8 +45432,8 @@
         </p:nvSpPr>
         <p:spPr>
           <a:xfrm>
-            <a:off x="6052369" y="2987296"/>
-            <a:ext cx="2776361" cy="1415897"/>
+            <a:off x="320955" y="1494295"/>
+            <a:ext cx="2513769" cy="2900740"/>
           </a:xfrm>
           <a:prstGeom prst="rect">
             <a:avLst/>
@@ -49634,56 +45695,56 @@
             </a:lvl9pPr>
           </a:lstStyle>
           <a:p>
-            <a:pPr marL="139700" indent="0" algn="ctr">
+            <a:pPr marL="139700" indent="0">
               <a:buSzPts val="1400"/>
               <a:buFont typeface="DM Sans"/>
               <a:buNone/>
             </a:pPr>
             <a:r>
-              <a:rPr lang="es-ES" sz="1100" dirty="0"/>
+              <a:rPr lang="es-ES" sz="1400" dirty="0"/>
               <a:t>Finalmente tenemos un </a:t>
             </a:r>
             <a:r>
-              <a:rPr lang="es-ES" sz="1100" dirty="0" err="1"/>
+              <a:rPr lang="es-ES" sz="1400" dirty="0" err="1"/>
               <a:t>dataset</a:t>
             </a:r>
             <a:r>
-              <a:rPr lang="es-ES" sz="1100" dirty="0"/>
+              <a:rPr lang="es-ES" sz="1400" dirty="0"/>
               <a:t> con 6 columnas numéricas y 1 categórica para la </a:t>
             </a:r>
             <a:r>
-              <a:rPr lang="es-ES" sz="1100" dirty="0" err="1"/>
+              <a:rPr lang="es-ES" sz="1400" dirty="0" err="1"/>
               <a:t>label</a:t>
             </a:r>
             <a:r>
-              <a:rPr lang="es-ES" sz="1100" dirty="0"/>
+              <a:rPr lang="es-ES" sz="1400" dirty="0"/>
               <a:t>.</a:t>
             </a:r>
           </a:p>
           <a:p>
-            <a:pPr marL="139700" indent="0" algn="ctr">
+            <a:pPr marL="139700" indent="0">
               <a:buSzPts val="1400"/>
               <a:buFont typeface="DM Sans"/>
               <a:buNone/>
             </a:pPr>
-            <a:endParaRPr lang="es-ES" sz="1100" dirty="0"/>
+            <a:endParaRPr lang="es-ES" sz="1400" dirty="0"/>
           </a:p>
           <a:p>
-            <a:pPr marL="139700" indent="0" algn="ctr">
+            <a:pPr marL="139700" indent="0">
               <a:buSzPts val="1400"/>
               <a:buFont typeface="DM Sans"/>
               <a:buNone/>
             </a:pPr>
             <a:r>
-              <a:rPr lang="es-ES" sz="1100" dirty="0"/>
+              <a:rPr lang="es-ES" sz="1400" dirty="0"/>
               <a:t>Dividimos el </a:t>
             </a:r>
             <a:r>
-              <a:rPr lang="es-ES" sz="1100" dirty="0" err="1"/>
+              <a:rPr lang="es-ES" sz="1400" dirty="0" err="1"/>
               <a:t>dataset</a:t>
             </a:r>
             <a:r>
-              <a:rPr lang="es-ES" sz="1100" dirty="0"/>
+              <a:rPr lang="es-ES" sz="1400" dirty="0"/>
               <a:t> de forma estratificada en un porcentaje 85% - 15% de entreno y testeo respectivamente</a:t>
             </a:r>
           </a:p>
@@ -49691,10 +45752,10 @@
       </p:sp>
       <p:sp>
         <p:nvSpPr>
-          <p:cNvPr id="39" name="Google Shape;1917;p47">
+          <p:cNvPr id="6" name="Google Shape;1917;p47">
             <a:extLst>
               <a:ext uri="{FF2B5EF4-FFF2-40B4-BE49-F238E27FC236}">
-                <a16:creationId xmlns:a16="http://schemas.microsoft.com/office/drawing/2014/main" id="{A88A2F99-6754-DAFC-2725-ADFD3BCCB55A}"/>
+                <a16:creationId xmlns:a16="http://schemas.microsoft.com/office/drawing/2014/main" id="{7854D81E-FE79-0A71-6BCE-BA48FC3679E7}"/>
               </a:ext>
             </a:extLst>
           </p:cNvPr>
@@ -49705,8 +45766,8 @@
         </p:nvSpPr>
         <p:spPr>
           <a:xfrm>
-            <a:off x="6273802" y="1520018"/>
-            <a:ext cx="2351333" cy="377700"/>
+            <a:off x="456453" y="1074865"/>
+            <a:ext cx="1793784" cy="313948"/>
           </a:xfrm>
           <a:prstGeom prst="rect">
             <a:avLst/>
@@ -49968,976 +46029,19 @@
             </a:lvl9pPr>
           </a:lstStyle>
           <a:p>
-            <a:pPr algn="ctr"/>
             <a:r>
               <a:rPr lang="es-ES" sz="1400" dirty="0"/>
-              <a:t>Set de </a:t>
-            </a:r>
-          </a:p>
-          <a:p>
-            <a:pPr algn="ctr"/>
-            <a:r>
-              <a:rPr lang="es-ES" sz="1400" dirty="0"/>
-              <a:t>datos</a:t>
+              <a:t>Set de datos</a:t>
             </a:r>
           </a:p>
         </p:txBody>
       </p:sp>
-      <p:grpSp>
-        <p:nvGrpSpPr>
-          <p:cNvPr id="40" name="Google Shape;10981;p72">
-            <a:extLst>
-              <a:ext uri="{FF2B5EF4-FFF2-40B4-BE49-F238E27FC236}">
-                <a16:creationId xmlns:a16="http://schemas.microsoft.com/office/drawing/2014/main" id="{3D25B49E-D77B-DC15-77C4-FA3FD8C6CEBF}"/>
-              </a:ext>
-            </a:extLst>
-          </p:cNvPr>
-          <p:cNvGrpSpPr/>
-          <p:nvPr/>
-        </p:nvGrpSpPr>
-        <p:grpSpPr>
-          <a:xfrm rot="10800000">
-            <a:off x="3973256" y="3137020"/>
-            <a:ext cx="1459951" cy="1776595"/>
-            <a:chOff x="1285250" y="1617275"/>
-            <a:chExt cx="1090650" cy="1327200"/>
-          </a:xfrm>
-          <a:solidFill>
-            <a:srgbClr val="99E8ED"/>
-          </a:solidFill>
-        </p:grpSpPr>
-        <p:sp>
-          <p:nvSpPr>
-            <p:cNvPr id="41" name="Google Shape;10982;p72">
-              <a:extLst>
-                <a:ext uri="{FF2B5EF4-FFF2-40B4-BE49-F238E27FC236}">
-                  <a16:creationId xmlns:a16="http://schemas.microsoft.com/office/drawing/2014/main" id="{71BF3FE2-E959-88CC-3C17-128E16344D4B}"/>
-                </a:ext>
-              </a:extLst>
-            </p:cNvPr>
-            <p:cNvSpPr/>
-            <p:nvPr/>
-          </p:nvSpPr>
-          <p:spPr>
-            <a:xfrm>
-              <a:off x="1460300" y="1792400"/>
-              <a:ext cx="740475" cy="740375"/>
-            </a:xfrm>
-            <a:custGeom>
-              <a:avLst/>
-              <a:gdLst/>
-              <a:ahLst/>
-              <a:cxnLst/>
-              <a:rect l="l" t="t" r="r" b="b"/>
-              <a:pathLst>
-                <a:path w="29619" h="29615" extrusionOk="0">
-                  <a:moveTo>
-                    <a:pt x="14809" y="1"/>
-                  </a:moveTo>
-                  <a:cubicBezTo>
-                    <a:pt x="6631" y="1"/>
-                    <a:pt x="0" y="6631"/>
-                    <a:pt x="0" y="14809"/>
-                  </a:cubicBezTo>
-                  <a:cubicBezTo>
-                    <a:pt x="0" y="22988"/>
-                    <a:pt x="6631" y="29615"/>
-                    <a:pt x="14809" y="29615"/>
-                  </a:cubicBezTo>
-                  <a:cubicBezTo>
-                    <a:pt x="22987" y="29615"/>
-                    <a:pt x="29618" y="22988"/>
-                    <a:pt x="29618" y="14809"/>
-                  </a:cubicBezTo>
-                  <a:cubicBezTo>
-                    <a:pt x="29618" y="6631"/>
-                    <a:pt x="22987" y="1"/>
-                    <a:pt x="14809" y="1"/>
-                  </a:cubicBezTo>
-                  <a:close/>
-                </a:path>
-              </a:pathLst>
-            </a:custGeom>
-            <a:grpFill/>
-            <a:ln w="19050" cap="flat" cmpd="sng">
-              <a:solidFill>
-                <a:srgbClr val="99E8ED"/>
-              </a:solidFill>
-              <a:prstDash val="solid"/>
-              <a:round/>
-              <a:headEnd type="none" w="sm" len="sm"/>
-              <a:tailEnd type="none" w="sm" len="sm"/>
-            </a:ln>
-          </p:spPr>
-          <p:txBody>
-            <a:bodyPr spcFirstLastPara="1" wrap="square" lIns="91425" tIns="91425" rIns="91425" bIns="91425" anchor="ctr" anchorCtr="0">
-              <a:noAutofit/>
-            </a:bodyPr>
-            <a:lstStyle/>
-            <a:p>
-              <a:pPr marL="0" lvl="0" indent="0" algn="l" rtl="0">
-                <a:spcBef>
-                  <a:spcPts val="0"/>
-                </a:spcBef>
-                <a:spcAft>
-                  <a:spcPts val="0"/>
-                </a:spcAft>
-                <a:buNone/>
-              </a:pPr>
-              <a:endParaRPr/>
-            </a:p>
-          </p:txBody>
-        </p:sp>
-        <p:sp>
-          <p:nvSpPr>
-            <p:cNvPr id="42" name="Google Shape;10983;p72">
-              <a:extLst>
-                <a:ext uri="{FF2B5EF4-FFF2-40B4-BE49-F238E27FC236}">
-                  <a16:creationId xmlns:a16="http://schemas.microsoft.com/office/drawing/2014/main" id="{A871A925-32D2-7870-9417-419BCC471FF1}"/>
-                </a:ext>
-              </a:extLst>
-            </p:cNvPr>
-            <p:cNvSpPr/>
-            <p:nvPr/>
-          </p:nvSpPr>
-          <p:spPr>
-            <a:xfrm>
-              <a:off x="1285250" y="1617275"/>
-              <a:ext cx="1090650" cy="1273950"/>
-            </a:xfrm>
-            <a:custGeom>
-              <a:avLst/>
-              <a:gdLst/>
-              <a:ahLst/>
-              <a:cxnLst/>
-              <a:rect l="l" t="t" r="r" b="b"/>
-              <a:pathLst>
-                <a:path w="43626" h="50958" extrusionOk="0">
-                  <a:moveTo>
-                    <a:pt x="21811" y="0"/>
-                  </a:moveTo>
-                  <a:cubicBezTo>
-                    <a:pt x="9785" y="0"/>
-                    <a:pt x="0" y="9788"/>
-                    <a:pt x="0" y="21814"/>
-                  </a:cubicBezTo>
-                  <a:cubicBezTo>
-                    <a:pt x="8" y="22289"/>
-                    <a:pt x="401" y="22672"/>
-                    <a:pt x="876" y="22672"/>
-                  </a:cubicBezTo>
-                  <a:cubicBezTo>
-                    <a:pt x="1355" y="22672"/>
-                    <a:pt x="1744" y="22289"/>
-                    <a:pt x="1755" y="21814"/>
-                  </a:cubicBezTo>
-                  <a:cubicBezTo>
-                    <a:pt x="1755" y="10757"/>
-                    <a:pt x="10754" y="1755"/>
-                    <a:pt x="21811" y="1755"/>
-                  </a:cubicBezTo>
-                  <a:cubicBezTo>
-                    <a:pt x="32869" y="1755"/>
-                    <a:pt x="41867" y="10753"/>
-                    <a:pt x="41867" y="21814"/>
-                  </a:cubicBezTo>
-                  <a:cubicBezTo>
-                    <a:pt x="41871" y="32872"/>
-                    <a:pt x="32869" y="41870"/>
-                    <a:pt x="21811" y="41870"/>
-                  </a:cubicBezTo>
-                  <a:cubicBezTo>
-                    <a:pt x="21329" y="41870"/>
-                    <a:pt x="20932" y="42263"/>
-                    <a:pt x="20936" y="42750"/>
-                  </a:cubicBezTo>
-                  <a:lnTo>
-                    <a:pt x="20936" y="50957"/>
-                  </a:lnTo>
-                  <a:lnTo>
-                    <a:pt x="22691" y="50942"/>
-                  </a:lnTo>
-                  <a:lnTo>
-                    <a:pt x="22691" y="43610"/>
-                  </a:lnTo>
-                  <a:cubicBezTo>
-                    <a:pt x="34312" y="43147"/>
-                    <a:pt x="43626" y="33547"/>
-                    <a:pt x="43626" y="21814"/>
-                  </a:cubicBezTo>
-                  <a:cubicBezTo>
-                    <a:pt x="43626" y="9785"/>
-                    <a:pt x="33841" y="0"/>
-                    <a:pt x="21811" y="0"/>
-                  </a:cubicBezTo>
-                  <a:close/>
-                </a:path>
-              </a:pathLst>
-            </a:custGeom>
-            <a:grpFill/>
-            <a:ln>
-              <a:solidFill>
-                <a:srgbClr val="99E8ED"/>
-              </a:solidFill>
-            </a:ln>
-          </p:spPr>
-          <p:txBody>
-            <a:bodyPr spcFirstLastPara="1" wrap="square" lIns="91425" tIns="91425" rIns="91425" bIns="91425" anchor="ctr" anchorCtr="0">
-              <a:noAutofit/>
-            </a:bodyPr>
-            <a:lstStyle/>
-            <a:p>
-              <a:pPr marL="0" lvl="0" indent="0" algn="l" rtl="0">
-                <a:spcBef>
-                  <a:spcPts val="0"/>
-                </a:spcBef>
-                <a:spcAft>
-                  <a:spcPts val="0"/>
-                </a:spcAft>
-                <a:buNone/>
-              </a:pPr>
-              <a:endParaRPr dirty="0"/>
-            </a:p>
-          </p:txBody>
-        </p:sp>
-        <p:sp>
-          <p:nvSpPr>
-            <p:cNvPr id="43" name="Google Shape;10984;p72">
-              <a:extLst>
-                <a:ext uri="{FF2B5EF4-FFF2-40B4-BE49-F238E27FC236}">
-                  <a16:creationId xmlns:a16="http://schemas.microsoft.com/office/drawing/2014/main" id="{B4A9FE09-7983-647C-A84B-E7196C94BA20}"/>
-                </a:ext>
-              </a:extLst>
-            </p:cNvPr>
-            <p:cNvSpPr/>
-            <p:nvPr/>
-          </p:nvSpPr>
-          <p:spPr>
-            <a:xfrm>
-              <a:off x="1680900" y="2771175"/>
-              <a:ext cx="300850" cy="173300"/>
-            </a:xfrm>
-            <a:custGeom>
-              <a:avLst/>
-              <a:gdLst/>
-              <a:ahLst/>
-              <a:cxnLst/>
-              <a:rect l="l" t="t" r="r" b="b"/>
-              <a:pathLst>
-                <a:path w="12034" h="6932" extrusionOk="0">
-                  <a:moveTo>
-                    <a:pt x="11086" y="1"/>
-                  </a:moveTo>
-                  <a:cubicBezTo>
-                    <a:pt x="10860" y="1"/>
-                    <a:pt x="10635" y="87"/>
-                    <a:pt x="10464" y="260"/>
-                  </a:cubicBezTo>
-                  <a:lnTo>
-                    <a:pt x="6865" y="3859"/>
-                  </a:lnTo>
-                  <a:lnTo>
-                    <a:pt x="5978" y="4742"/>
-                  </a:lnTo>
-                  <a:lnTo>
-                    <a:pt x="5110" y="3874"/>
-                  </a:lnTo>
-                  <a:lnTo>
-                    <a:pt x="1495" y="260"/>
-                  </a:lnTo>
-                  <a:cubicBezTo>
-                    <a:pt x="1341" y="153"/>
-                    <a:pt x="1165" y="102"/>
-                    <a:pt x="989" y="102"/>
-                  </a:cubicBezTo>
-                  <a:cubicBezTo>
-                    <a:pt x="730" y="102"/>
-                    <a:pt x="474" y="214"/>
-                    <a:pt x="297" y="427"/>
-                  </a:cubicBezTo>
-                  <a:cubicBezTo>
-                    <a:pt x="0" y="783"/>
-                    <a:pt x="22" y="1306"/>
-                    <a:pt x="349" y="1636"/>
-                  </a:cubicBezTo>
-                  <a:lnTo>
-                    <a:pt x="5388" y="6675"/>
-                  </a:lnTo>
-                  <a:cubicBezTo>
-                    <a:pt x="5559" y="6846"/>
-                    <a:pt x="5783" y="6931"/>
-                    <a:pt x="6008" y="6931"/>
-                  </a:cubicBezTo>
-                  <a:cubicBezTo>
-                    <a:pt x="6233" y="6931"/>
-                    <a:pt x="6458" y="6846"/>
-                    <a:pt x="6631" y="6675"/>
-                  </a:cubicBezTo>
-                  <a:lnTo>
-                    <a:pt x="11666" y="1636"/>
-                  </a:lnTo>
-                  <a:cubicBezTo>
-                    <a:pt x="12015" y="1250"/>
-                    <a:pt x="12034" y="668"/>
-                    <a:pt x="11711" y="260"/>
-                  </a:cubicBezTo>
-                  <a:cubicBezTo>
-                    <a:pt x="11538" y="87"/>
-                    <a:pt x="11312" y="1"/>
-                    <a:pt x="11086" y="1"/>
-                  </a:cubicBezTo>
-                  <a:close/>
-                </a:path>
-              </a:pathLst>
-            </a:custGeom>
-            <a:grpFill/>
-            <a:ln>
-              <a:solidFill>
-                <a:srgbClr val="99E8ED"/>
-              </a:solidFill>
-            </a:ln>
-          </p:spPr>
-          <p:txBody>
-            <a:bodyPr spcFirstLastPara="1" wrap="square" lIns="91425" tIns="91425" rIns="91425" bIns="91425" anchor="ctr" anchorCtr="0">
-              <a:noAutofit/>
-            </a:bodyPr>
-            <a:lstStyle/>
-            <a:p>
-              <a:pPr marL="0" lvl="0" indent="0" algn="l" rtl="0">
-                <a:spcBef>
-                  <a:spcPts val="0"/>
-                </a:spcBef>
-                <a:spcAft>
-                  <a:spcPts val="0"/>
-                </a:spcAft>
-                <a:buNone/>
-              </a:pPr>
-              <a:endParaRPr/>
-            </a:p>
-          </p:txBody>
-        </p:sp>
-      </p:grpSp>
-      <p:sp>
-        <p:nvSpPr>
-          <p:cNvPr id="44" name="Google Shape;1916;p47">
-            <a:extLst>
-              <a:ext uri="{FF2B5EF4-FFF2-40B4-BE49-F238E27FC236}">
-                <a16:creationId xmlns:a16="http://schemas.microsoft.com/office/drawing/2014/main" id="{5BF9574C-F113-2D1E-5412-300EEF0AA9D1}"/>
-              </a:ext>
-            </a:extLst>
-          </p:cNvPr>
-          <p:cNvSpPr txBox="1">
-            <a:spLocks/>
-          </p:cNvSpPr>
-          <p:nvPr/>
-        </p:nvSpPr>
-        <p:spPr>
-          <a:xfrm>
-            <a:off x="3199190" y="904235"/>
-            <a:ext cx="2776361" cy="1415897"/>
-          </a:xfrm>
-          <a:prstGeom prst="rect">
-            <a:avLst/>
-          </a:prstGeom>
-          <a:noFill/>
-          <a:ln>
-            <a:noFill/>
-          </a:ln>
-        </p:spPr>
-        <p:txBody>
-          <a:bodyPr spcFirstLastPara="1" wrap="square" lIns="91425" tIns="91425" rIns="91425" bIns="91425" anchor="t" anchorCtr="0">
-            <a:noAutofit/>
-          </a:bodyPr>
-          <a:lstStyle>
-            <a:defPPr marR="0" lvl="0" algn="l" rtl="0">
-              <a:lnSpc>
-                <a:spcPct val="100000"/>
-              </a:lnSpc>
-              <a:spcBef>
-                <a:spcPts val="0"/>
-              </a:spcBef>
-              <a:spcAft>
-                <a:spcPts val="0"/>
-              </a:spcAft>
-            </a:defPPr>
-            <a:lvl1pPr marL="457200" marR="0" lvl="0" indent="-342900" algn="l" rtl="0">
-              <a:lnSpc>
-                <a:spcPct val="100000"/>
-              </a:lnSpc>
-              <a:spcBef>
-                <a:spcPts val="0"/>
-              </a:spcBef>
-              <a:spcAft>
-                <a:spcPts val="0"/>
-              </a:spcAft>
-              <a:buClr>
-                <a:schemeClr val="lt2"/>
-              </a:buClr>
-              <a:buSzPts val="1800"/>
-              <a:buFont typeface="DM Sans"/>
-              <a:buChar char="●"/>
-              <a:defRPr sz="1800" b="0" i="0" u="none" strike="noStrike" cap="none">
-                <a:solidFill>
-                  <a:schemeClr val="lt2"/>
-                </a:solidFill>
-                <a:latin typeface="DM Sans"/>
-                <a:ea typeface="DM Sans"/>
-                <a:cs typeface="DM Sans"/>
-                <a:sym typeface="DM Sans"/>
-              </a:defRPr>
-            </a:lvl1pPr>
-            <a:lvl2pPr marL="914400" marR="0" lvl="1" indent="-317500" algn="l" rtl="0">
-              <a:lnSpc>
-                <a:spcPct val="100000"/>
-              </a:lnSpc>
-              <a:spcBef>
-                <a:spcPts val="1600"/>
-              </a:spcBef>
-              <a:spcAft>
-                <a:spcPts val="0"/>
-              </a:spcAft>
-              <a:buClr>
-                <a:schemeClr val="lt2"/>
-              </a:buClr>
-              <a:buSzPts val="1400"/>
-              <a:buFont typeface="DM Sans"/>
-              <a:buChar char="○"/>
-              <a:defRPr sz="1400" b="0" i="0" u="none" strike="noStrike" cap="none">
-                <a:solidFill>
-                  <a:schemeClr val="lt2"/>
-                </a:solidFill>
-                <a:latin typeface="DM Sans"/>
-                <a:ea typeface="DM Sans"/>
-                <a:cs typeface="DM Sans"/>
-                <a:sym typeface="DM Sans"/>
-              </a:defRPr>
-            </a:lvl2pPr>
-            <a:lvl3pPr marL="1371600" marR="0" lvl="2" indent="-317500" algn="l" rtl="0">
-              <a:lnSpc>
-                <a:spcPct val="100000"/>
-              </a:lnSpc>
-              <a:spcBef>
-                <a:spcPts val="1600"/>
-              </a:spcBef>
-              <a:spcAft>
-                <a:spcPts val="0"/>
-              </a:spcAft>
-              <a:buClr>
-                <a:schemeClr val="lt2"/>
-              </a:buClr>
-              <a:buSzPts val="1400"/>
-              <a:buFont typeface="DM Sans"/>
-              <a:buChar char="■"/>
-              <a:defRPr sz="1400" b="0" i="0" u="none" strike="noStrike" cap="none">
-                <a:solidFill>
-                  <a:schemeClr val="lt2"/>
-                </a:solidFill>
-                <a:latin typeface="DM Sans"/>
-                <a:ea typeface="DM Sans"/>
-                <a:cs typeface="DM Sans"/>
-                <a:sym typeface="DM Sans"/>
-              </a:defRPr>
-            </a:lvl3pPr>
-            <a:lvl4pPr marL="1828800" marR="0" lvl="3" indent="-317500" algn="l" rtl="0">
-              <a:lnSpc>
-                <a:spcPct val="100000"/>
-              </a:lnSpc>
-              <a:spcBef>
-                <a:spcPts val="1600"/>
-              </a:spcBef>
-              <a:spcAft>
-                <a:spcPts val="0"/>
-              </a:spcAft>
-              <a:buClr>
-                <a:schemeClr val="lt2"/>
-              </a:buClr>
-              <a:buSzPts val="1400"/>
-              <a:buFont typeface="DM Sans"/>
-              <a:buChar char="●"/>
-              <a:defRPr sz="1400" b="0" i="0" u="none" strike="noStrike" cap="none">
-                <a:solidFill>
-                  <a:schemeClr val="lt2"/>
-                </a:solidFill>
-                <a:latin typeface="DM Sans"/>
-                <a:ea typeface="DM Sans"/>
-                <a:cs typeface="DM Sans"/>
-                <a:sym typeface="DM Sans"/>
-              </a:defRPr>
-            </a:lvl4pPr>
-            <a:lvl5pPr marL="2286000" marR="0" lvl="4" indent="-317500" algn="l" rtl="0">
-              <a:lnSpc>
-                <a:spcPct val="100000"/>
-              </a:lnSpc>
-              <a:spcBef>
-                <a:spcPts val="1600"/>
-              </a:spcBef>
-              <a:spcAft>
-                <a:spcPts val="0"/>
-              </a:spcAft>
-              <a:buClr>
-                <a:schemeClr val="lt2"/>
-              </a:buClr>
-              <a:buSzPts val="1400"/>
-              <a:buFont typeface="DM Sans"/>
-              <a:buChar char="○"/>
-              <a:defRPr sz="1400" b="0" i="0" u="none" strike="noStrike" cap="none">
-                <a:solidFill>
-                  <a:schemeClr val="lt2"/>
-                </a:solidFill>
-                <a:latin typeface="DM Sans"/>
-                <a:ea typeface="DM Sans"/>
-                <a:cs typeface="DM Sans"/>
-                <a:sym typeface="DM Sans"/>
-              </a:defRPr>
-            </a:lvl5pPr>
-            <a:lvl6pPr marL="2743200" marR="0" lvl="5" indent="-317500" algn="l" rtl="0">
-              <a:lnSpc>
-                <a:spcPct val="100000"/>
-              </a:lnSpc>
-              <a:spcBef>
-                <a:spcPts val="1600"/>
-              </a:spcBef>
-              <a:spcAft>
-                <a:spcPts val="0"/>
-              </a:spcAft>
-              <a:buClr>
-                <a:schemeClr val="lt2"/>
-              </a:buClr>
-              <a:buSzPts val="1400"/>
-              <a:buFont typeface="DM Sans"/>
-              <a:buChar char="■"/>
-              <a:defRPr sz="1400" b="0" i="0" u="none" strike="noStrike" cap="none">
-                <a:solidFill>
-                  <a:schemeClr val="lt2"/>
-                </a:solidFill>
-                <a:latin typeface="DM Sans"/>
-                <a:ea typeface="DM Sans"/>
-                <a:cs typeface="DM Sans"/>
-                <a:sym typeface="DM Sans"/>
-              </a:defRPr>
-            </a:lvl6pPr>
-            <a:lvl7pPr marL="3200400" marR="0" lvl="6" indent="-317500" algn="l" rtl="0">
-              <a:lnSpc>
-                <a:spcPct val="100000"/>
-              </a:lnSpc>
-              <a:spcBef>
-                <a:spcPts val="1600"/>
-              </a:spcBef>
-              <a:spcAft>
-                <a:spcPts val="0"/>
-              </a:spcAft>
-              <a:buClr>
-                <a:schemeClr val="lt2"/>
-              </a:buClr>
-              <a:buSzPts val="1400"/>
-              <a:buFont typeface="DM Sans"/>
-              <a:buChar char="●"/>
-              <a:defRPr sz="1400" b="0" i="0" u="none" strike="noStrike" cap="none">
-                <a:solidFill>
-                  <a:schemeClr val="lt2"/>
-                </a:solidFill>
-                <a:latin typeface="DM Sans"/>
-                <a:ea typeface="DM Sans"/>
-                <a:cs typeface="DM Sans"/>
-                <a:sym typeface="DM Sans"/>
-              </a:defRPr>
-            </a:lvl7pPr>
-            <a:lvl8pPr marL="3657600" marR="0" lvl="7" indent="-317500" algn="l" rtl="0">
-              <a:lnSpc>
-                <a:spcPct val="100000"/>
-              </a:lnSpc>
-              <a:spcBef>
-                <a:spcPts val="1600"/>
-              </a:spcBef>
-              <a:spcAft>
-                <a:spcPts val="0"/>
-              </a:spcAft>
-              <a:buClr>
-                <a:schemeClr val="lt2"/>
-              </a:buClr>
-              <a:buSzPts val="1400"/>
-              <a:buFont typeface="DM Sans"/>
-              <a:buChar char="○"/>
-              <a:defRPr sz="1400" b="0" i="0" u="none" strike="noStrike" cap="none">
-                <a:solidFill>
-                  <a:schemeClr val="lt2"/>
-                </a:solidFill>
-                <a:latin typeface="DM Sans"/>
-                <a:ea typeface="DM Sans"/>
-                <a:cs typeface="DM Sans"/>
-                <a:sym typeface="DM Sans"/>
-              </a:defRPr>
-            </a:lvl8pPr>
-            <a:lvl9pPr marL="4114800" marR="0" lvl="8" indent="-317500" algn="l" rtl="0">
-              <a:lnSpc>
-                <a:spcPct val="100000"/>
-              </a:lnSpc>
-              <a:spcBef>
-                <a:spcPts val="1600"/>
-              </a:spcBef>
-              <a:spcAft>
-                <a:spcPts val="1600"/>
-              </a:spcAft>
-              <a:buClr>
-                <a:schemeClr val="lt2"/>
-              </a:buClr>
-              <a:buSzPts val="1400"/>
-              <a:buFont typeface="DM Sans"/>
-              <a:buChar char="■"/>
-              <a:defRPr sz="1400" b="0" i="0" u="none" strike="noStrike" cap="none">
-                <a:solidFill>
-                  <a:schemeClr val="lt2"/>
-                </a:solidFill>
-                <a:latin typeface="DM Sans"/>
-                <a:ea typeface="DM Sans"/>
-                <a:cs typeface="DM Sans"/>
-                <a:sym typeface="DM Sans"/>
-              </a:defRPr>
-            </a:lvl9pPr>
-          </a:lstStyle>
-          <a:p>
-            <a:pPr marL="139700" indent="0" algn="ctr">
-              <a:buSzPts val="1400"/>
-              <a:buFont typeface="DM Sans"/>
-              <a:buNone/>
-            </a:pPr>
-            <a:r>
-              <a:rPr lang="es-ES" sz="1100" dirty="0"/>
-              <a:t>Para la reducción de la dimensionalidad usamos el algoritmo LDA.</a:t>
-            </a:r>
-          </a:p>
-          <a:p>
-            <a:pPr marL="139700" indent="0" algn="ctr">
-              <a:buSzPts val="1400"/>
-              <a:buFont typeface="DM Sans"/>
-              <a:buNone/>
-            </a:pPr>
-            <a:endParaRPr lang="es-ES" sz="1100" dirty="0"/>
-          </a:p>
-          <a:p>
-            <a:pPr marL="139700" indent="0" algn="ctr">
-              <a:buSzPts val="1400"/>
-              <a:buFont typeface="DM Sans"/>
-              <a:buNone/>
-            </a:pPr>
-            <a:r>
-              <a:rPr lang="es-ES" sz="1100" dirty="0"/>
-              <a:t>Redujimos de 72 a 6 columnas, manteniendo el 100% de la información.</a:t>
-            </a:r>
-          </a:p>
-          <a:p>
-            <a:pPr marL="139700" indent="0" algn="ctr">
-              <a:buSzPts val="1400"/>
-              <a:buFont typeface="DM Sans"/>
-              <a:buNone/>
-            </a:pPr>
-            <a:endParaRPr lang="es-ES" sz="1100" dirty="0"/>
-          </a:p>
-          <a:p>
-            <a:pPr marL="139700" indent="0" algn="ctr">
-              <a:buSzPts val="1400"/>
-              <a:buFont typeface="DM Sans"/>
-              <a:buNone/>
-            </a:pPr>
-            <a:r>
-              <a:rPr lang="es-ES" sz="1100" dirty="0"/>
-              <a:t>Escogimos el LDA debido a que es un algoritmo que se adapta a la clasificación multiclase.</a:t>
-            </a:r>
-          </a:p>
-        </p:txBody>
-      </p:sp>
-      <p:sp>
-        <p:nvSpPr>
-          <p:cNvPr id="45" name="Google Shape;1917;p47">
-            <a:extLst>
-              <a:ext uri="{FF2B5EF4-FFF2-40B4-BE49-F238E27FC236}">
-                <a16:creationId xmlns:a16="http://schemas.microsoft.com/office/drawing/2014/main" id="{286AFB17-92FB-63F4-BDDF-F057B6F04371}"/>
-              </a:ext>
-            </a:extLst>
-          </p:cNvPr>
-          <p:cNvSpPr txBox="1">
-            <a:spLocks/>
-          </p:cNvSpPr>
-          <p:nvPr/>
-        </p:nvSpPr>
-        <p:spPr>
-          <a:xfrm>
-            <a:off x="3535481" y="4019341"/>
-            <a:ext cx="2351333" cy="377700"/>
-          </a:xfrm>
-          <a:prstGeom prst="rect">
-            <a:avLst/>
-          </a:prstGeom>
-          <a:noFill/>
-          <a:ln>
-            <a:noFill/>
-          </a:ln>
-        </p:spPr>
-        <p:txBody>
-          <a:bodyPr spcFirstLastPara="1" wrap="square" lIns="91425" tIns="91425" rIns="91425" bIns="91425" anchor="t" anchorCtr="0">
-            <a:noAutofit/>
-          </a:bodyPr>
-          <a:lstStyle>
-            <a:defPPr marR="0" lvl="0" algn="l" rtl="0">
-              <a:lnSpc>
-                <a:spcPct val="100000"/>
-              </a:lnSpc>
-              <a:spcBef>
-                <a:spcPts val="0"/>
-              </a:spcBef>
-              <a:spcAft>
-                <a:spcPts val="0"/>
-              </a:spcAft>
-            </a:defPPr>
-            <a:lvl1pPr marR="0" lvl="0" algn="l" rtl="0">
-              <a:lnSpc>
-                <a:spcPct val="100000"/>
-              </a:lnSpc>
-              <a:spcBef>
-                <a:spcPts val="0"/>
-              </a:spcBef>
-              <a:spcAft>
-                <a:spcPts val="0"/>
-              </a:spcAft>
-              <a:buClr>
-                <a:schemeClr val="lt2"/>
-              </a:buClr>
-              <a:buSzPts val="2400"/>
-              <a:buFont typeface="Viga"/>
-              <a:buNone/>
-              <a:defRPr sz="2400" b="0" i="0" u="none" strike="noStrike" cap="none">
-                <a:solidFill>
-                  <a:schemeClr val="lt2"/>
-                </a:solidFill>
-                <a:latin typeface="Viga"/>
-                <a:ea typeface="Viga"/>
-                <a:cs typeface="Viga"/>
-                <a:sym typeface="Viga"/>
-              </a:defRPr>
-            </a:lvl1pPr>
-            <a:lvl2pPr marR="0" lvl="1" algn="l" rtl="0">
-              <a:lnSpc>
-                <a:spcPct val="100000"/>
-              </a:lnSpc>
-              <a:spcBef>
-                <a:spcPts val="0"/>
-              </a:spcBef>
-              <a:spcAft>
-                <a:spcPts val="0"/>
-              </a:spcAft>
-              <a:buClr>
-                <a:schemeClr val="lt2"/>
-              </a:buClr>
-              <a:buSzPts val="2400"/>
-              <a:buFont typeface="Arial"/>
-              <a:buNone/>
-              <a:defRPr sz="2400" b="0" i="0" u="none" strike="noStrike" cap="none">
-                <a:solidFill>
-                  <a:schemeClr val="lt2"/>
-                </a:solidFill>
-                <a:latin typeface="Arial"/>
-                <a:ea typeface="Arial"/>
-                <a:cs typeface="Arial"/>
-                <a:sym typeface="Arial"/>
-              </a:defRPr>
-            </a:lvl2pPr>
-            <a:lvl3pPr marR="0" lvl="2" algn="l" rtl="0">
-              <a:lnSpc>
-                <a:spcPct val="100000"/>
-              </a:lnSpc>
-              <a:spcBef>
-                <a:spcPts val="0"/>
-              </a:spcBef>
-              <a:spcAft>
-                <a:spcPts val="0"/>
-              </a:spcAft>
-              <a:buClr>
-                <a:schemeClr val="lt2"/>
-              </a:buClr>
-              <a:buSzPts val="2400"/>
-              <a:buFont typeface="Arial"/>
-              <a:buNone/>
-              <a:defRPr sz="2400" b="0" i="0" u="none" strike="noStrike" cap="none">
-                <a:solidFill>
-                  <a:schemeClr val="lt2"/>
-                </a:solidFill>
-                <a:latin typeface="Arial"/>
-                <a:ea typeface="Arial"/>
-                <a:cs typeface="Arial"/>
-                <a:sym typeface="Arial"/>
-              </a:defRPr>
-            </a:lvl3pPr>
-            <a:lvl4pPr marR="0" lvl="3" algn="l" rtl="0">
-              <a:lnSpc>
-                <a:spcPct val="100000"/>
-              </a:lnSpc>
-              <a:spcBef>
-                <a:spcPts val="0"/>
-              </a:spcBef>
-              <a:spcAft>
-                <a:spcPts val="0"/>
-              </a:spcAft>
-              <a:buClr>
-                <a:schemeClr val="lt2"/>
-              </a:buClr>
-              <a:buSzPts val="2400"/>
-              <a:buFont typeface="Arial"/>
-              <a:buNone/>
-              <a:defRPr sz="2400" b="0" i="0" u="none" strike="noStrike" cap="none">
-                <a:solidFill>
-                  <a:schemeClr val="lt2"/>
-                </a:solidFill>
-                <a:latin typeface="Arial"/>
-                <a:ea typeface="Arial"/>
-                <a:cs typeface="Arial"/>
-                <a:sym typeface="Arial"/>
-              </a:defRPr>
-            </a:lvl4pPr>
-            <a:lvl5pPr marR="0" lvl="4" algn="l" rtl="0">
-              <a:lnSpc>
-                <a:spcPct val="100000"/>
-              </a:lnSpc>
-              <a:spcBef>
-                <a:spcPts val="0"/>
-              </a:spcBef>
-              <a:spcAft>
-                <a:spcPts val="0"/>
-              </a:spcAft>
-              <a:buClr>
-                <a:schemeClr val="lt2"/>
-              </a:buClr>
-              <a:buSzPts val="2400"/>
-              <a:buFont typeface="Arial"/>
-              <a:buNone/>
-              <a:defRPr sz="2400" b="0" i="0" u="none" strike="noStrike" cap="none">
-                <a:solidFill>
-                  <a:schemeClr val="lt2"/>
-                </a:solidFill>
-                <a:latin typeface="Arial"/>
-                <a:ea typeface="Arial"/>
-                <a:cs typeface="Arial"/>
-                <a:sym typeface="Arial"/>
-              </a:defRPr>
-            </a:lvl5pPr>
-            <a:lvl6pPr marR="0" lvl="5" algn="l" rtl="0">
-              <a:lnSpc>
-                <a:spcPct val="100000"/>
-              </a:lnSpc>
-              <a:spcBef>
-                <a:spcPts val="0"/>
-              </a:spcBef>
-              <a:spcAft>
-                <a:spcPts val="0"/>
-              </a:spcAft>
-              <a:buClr>
-                <a:schemeClr val="lt2"/>
-              </a:buClr>
-              <a:buSzPts val="2400"/>
-              <a:buFont typeface="Arial"/>
-              <a:buNone/>
-              <a:defRPr sz="2400" b="0" i="0" u="none" strike="noStrike" cap="none">
-                <a:solidFill>
-                  <a:schemeClr val="lt2"/>
-                </a:solidFill>
-                <a:latin typeface="Arial"/>
-                <a:ea typeface="Arial"/>
-                <a:cs typeface="Arial"/>
-                <a:sym typeface="Arial"/>
-              </a:defRPr>
-            </a:lvl6pPr>
-            <a:lvl7pPr marR="0" lvl="6" algn="l" rtl="0">
-              <a:lnSpc>
-                <a:spcPct val="100000"/>
-              </a:lnSpc>
-              <a:spcBef>
-                <a:spcPts val="0"/>
-              </a:spcBef>
-              <a:spcAft>
-                <a:spcPts val="0"/>
-              </a:spcAft>
-              <a:buClr>
-                <a:schemeClr val="lt2"/>
-              </a:buClr>
-              <a:buSzPts val="2400"/>
-              <a:buFont typeface="Arial"/>
-              <a:buNone/>
-              <a:defRPr sz="2400" b="0" i="0" u="none" strike="noStrike" cap="none">
-                <a:solidFill>
-                  <a:schemeClr val="lt2"/>
-                </a:solidFill>
-                <a:latin typeface="Arial"/>
-                <a:ea typeface="Arial"/>
-                <a:cs typeface="Arial"/>
-                <a:sym typeface="Arial"/>
-              </a:defRPr>
-            </a:lvl7pPr>
-            <a:lvl8pPr marR="0" lvl="7" algn="l" rtl="0">
-              <a:lnSpc>
-                <a:spcPct val="100000"/>
-              </a:lnSpc>
-              <a:spcBef>
-                <a:spcPts val="0"/>
-              </a:spcBef>
-              <a:spcAft>
-                <a:spcPts val="0"/>
-              </a:spcAft>
-              <a:buClr>
-                <a:schemeClr val="lt2"/>
-              </a:buClr>
-              <a:buSzPts val="2400"/>
-              <a:buFont typeface="Arial"/>
-              <a:buNone/>
-              <a:defRPr sz="2400" b="0" i="0" u="none" strike="noStrike" cap="none">
-                <a:solidFill>
-                  <a:schemeClr val="lt2"/>
-                </a:solidFill>
-                <a:latin typeface="Arial"/>
-                <a:ea typeface="Arial"/>
-                <a:cs typeface="Arial"/>
-                <a:sym typeface="Arial"/>
-              </a:defRPr>
-            </a:lvl8pPr>
-            <a:lvl9pPr marR="0" lvl="8" algn="l" rtl="0">
-              <a:lnSpc>
-                <a:spcPct val="100000"/>
-              </a:lnSpc>
-              <a:spcBef>
-                <a:spcPts val="0"/>
-              </a:spcBef>
-              <a:spcAft>
-                <a:spcPts val="0"/>
-              </a:spcAft>
-              <a:buClr>
-                <a:schemeClr val="lt2"/>
-              </a:buClr>
-              <a:buSzPts val="2400"/>
-              <a:buFont typeface="Arial"/>
-              <a:buNone/>
-              <a:defRPr sz="2400" b="0" i="0" u="none" strike="noStrike" cap="none">
-                <a:solidFill>
-                  <a:schemeClr val="lt2"/>
-                </a:solidFill>
-                <a:latin typeface="Arial"/>
-                <a:ea typeface="Arial"/>
-                <a:cs typeface="Arial"/>
-                <a:sym typeface="Arial"/>
-              </a:defRPr>
-            </a:lvl9pPr>
-          </a:lstStyle>
-          <a:p>
-            <a:pPr algn="ctr"/>
-            <a:r>
-              <a:rPr lang="es-ES" sz="1400" dirty="0"/>
-              <a:t>LDA</a:t>
-            </a:r>
-          </a:p>
-          <a:p>
-            <a:pPr algn="ctr"/>
-            <a:endParaRPr lang="es-ES" sz="1400" dirty="0"/>
-          </a:p>
-        </p:txBody>
-      </p:sp>
     </p:spTree>
+    <p:extLst>
+      <p:ext uri="{BB962C8B-B14F-4D97-AF65-F5344CB8AC3E}">
+        <p14:creationId xmlns:p14="http://schemas.microsoft.com/office/powerpoint/2010/main" val="4023519175"/>
+      </p:ext>
+    </p:extLst>
   </p:cSld>
   <p:clrMapOvr>
     <a:masterClrMapping/>

--- a/Documentación/Presentacion de proyecto.pptx
+++ b/Documentación/Presentacion de proyecto.pptx
@@ -383,7 +383,7 @@
   <pc:docChgLst>
     <pc:chgData name="Anxo Casal Rodriguez" userId="4252bde8-bc8f-41dd-83f3-a4e65c95fbdf" providerId="ADAL" clId="{E943E5C1-95CE-486C-92D7-129C80AE65D4}"/>
     <pc:docChg chg="undo redo custSel addSld delSld modSld sldOrd delMainMaster">
-      <pc:chgData name="Anxo Casal Rodriguez" userId="4252bde8-bc8f-41dd-83f3-a4e65c95fbdf" providerId="ADAL" clId="{E943E5C1-95CE-486C-92D7-129C80AE65D4}" dt="2024-06-17T16:38:40.164" v="3099" actId="478"/>
+      <pc:chgData name="Anxo Casal Rodriguez" userId="4252bde8-bc8f-41dd-83f3-a4e65c95fbdf" providerId="ADAL" clId="{E943E5C1-95CE-486C-92D7-129C80AE65D4}" dt="2024-06-17T18:22:06.126" v="3127" actId="1035"/>
       <pc:docMkLst>
         <pc:docMk/>
       </pc:docMkLst>
@@ -969,8 +969,8 @@
           </ac:spMkLst>
         </pc:spChg>
       </pc:sldChg>
-      <pc:sldChg chg="addSp delSp modSp add mod">
-        <pc:chgData name="Anxo Casal Rodriguez" userId="4252bde8-bc8f-41dd-83f3-a4e65c95fbdf" providerId="ADAL" clId="{E943E5C1-95CE-486C-92D7-129C80AE65D4}" dt="2024-06-17T01:42:15.730" v="1642" actId="1076"/>
+      <pc:sldChg chg="addSp delSp modSp del mod">
+        <pc:chgData name="Anxo Casal Rodriguez" userId="4252bde8-bc8f-41dd-83f3-a4e65c95fbdf" providerId="ADAL" clId="{E943E5C1-95CE-486C-92D7-129C80AE65D4}" dt="2024-06-17T18:21:48.923" v="3116" actId="478"/>
         <pc:sldMkLst>
           <pc:docMk/>
           <pc:sldMk cId="4023519175" sldId="275"/>
@@ -999,24 +999,24 @@
             <ac:spMk id="4" creationId="{B22CFC6F-6988-73C4-F6C8-4D4236CA2FF3}"/>
           </ac:spMkLst>
         </pc:spChg>
-        <pc:spChg chg="add mod">
-          <ac:chgData name="Anxo Casal Rodriguez" userId="4252bde8-bc8f-41dd-83f3-a4e65c95fbdf" providerId="ADAL" clId="{E943E5C1-95CE-486C-92D7-129C80AE65D4}" dt="2024-06-17T01:40:58.825" v="1632" actId="1076"/>
+        <pc:spChg chg="add del">
+          <ac:chgData name="Anxo Casal Rodriguez" userId="4252bde8-bc8f-41dd-83f3-a4e65c95fbdf" providerId="ADAL" clId="{E943E5C1-95CE-486C-92D7-129C80AE65D4}" dt="2024-06-17T18:21:48.923" v="3116" actId="478"/>
           <ac:spMkLst>
             <pc:docMk/>
             <pc:sldMk cId="4023519175" sldId="275"/>
             <ac:spMk id="5" creationId="{6D84C36F-C60E-EC12-5D36-857354411E39}"/>
           </ac:spMkLst>
         </pc:spChg>
-        <pc:spChg chg="add mod">
-          <ac:chgData name="Anxo Casal Rodriguez" userId="4252bde8-bc8f-41dd-83f3-a4e65c95fbdf" providerId="ADAL" clId="{E943E5C1-95CE-486C-92D7-129C80AE65D4}" dt="2024-06-17T01:41:37.330" v="1640" actId="1076"/>
+        <pc:spChg chg="add del">
+          <ac:chgData name="Anxo Casal Rodriguez" userId="4252bde8-bc8f-41dd-83f3-a4e65c95fbdf" providerId="ADAL" clId="{E943E5C1-95CE-486C-92D7-129C80AE65D4}" dt="2024-06-17T18:21:48.923" v="3116" actId="478"/>
           <ac:spMkLst>
             <pc:docMk/>
             <pc:sldMk cId="4023519175" sldId="275"/>
             <ac:spMk id="6" creationId="{7854D81E-FE79-0A71-6BCE-BA48FC3679E7}"/>
           </ac:spMkLst>
         </pc:spChg>
-        <pc:spChg chg="add mod ord">
-          <ac:chgData name="Anxo Casal Rodriguez" userId="4252bde8-bc8f-41dd-83f3-a4e65c95fbdf" providerId="ADAL" clId="{E943E5C1-95CE-486C-92D7-129C80AE65D4}" dt="2024-06-17T01:42:15.730" v="1642" actId="1076"/>
+        <pc:spChg chg="add del">
+          <ac:chgData name="Anxo Casal Rodriguez" userId="4252bde8-bc8f-41dd-83f3-a4e65c95fbdf" providerId="ADAL" clId="{E943E5C1-95CE-486C-92D7-129C80AE65D4}" dt="2024-06-17T16:38:40.164" v="3099" actId="478"/>
           <ac:spMkLst>
             <pc:docMk/>
             <pc:sldMk cId="4023519175" sldId="275"/>
@@ -1029,93 +1029,6 @@
             <pc:docMk/>
             <pc:sldMk cId="4023519175" sldId="275"/>
             <ac:spMk id="8" creationId="{F27C8CFF-FB02-0562-DB3E-B1B966E72F0E}"/>
-          </ac:spMkLst>
-        </pc:spChg>
-        <pc:spChg chg="mod">
-          <ac:chgData name="Anxo Casal Rodriguez" userId="4252bde8-bc8f-41dd-83f3-a4e65c95fbdf" providerId="ADAL" clId="{E943E5C1-95CE-486C-92D7-129C80AE65D4}" dt="2024-06-17T01:41:12.148" v="1634" actId="1076"/>
-          <ac:spMkLst>
-            <pc:docMk/>
-            <pc:sldMk cId="4023519175" sldId="275"/>
-            <ac:spMk id="9" creationId="{F0F6D407-A607-6562-C58C-D10785E5F0CB}"/>
-          </ac:spMkLst>
-        </pc:spChg>
-        <pc:spChg chg="mod">
-          <ac:chgData name="Anxo Casal Rodriguez" userId="4252bde8-bc8f-41dd-83f3-a4e65c95fbdf" providerId="ADAL" clId="{E943E5C1-95CE-486C-92D7-129C80AE65D4}" dt="2024-06-17T01:41:31.846" v="1639" actId="1076"/>
-          <ac:spMkLst>
-            <pc:docMk/>
-            <pc:sldMk cId="4023519175" sldId="275"/>
-            <ac:spMk id="10" creationId="{CEC967E9-8595-0E9E-72D8-3FFF291B02BC}"/>
-          </ac:spMkLst>
-        </pc:spChg>
-        <pc:spChg chg="add mod ord">
-          <ac:chgData name="Anxo Casal Rodriguez" userId="4252bde8-bc8f-41dd-83f3-a4e65c95fbdf" providerId="ADAL" clId="{E943E5C1-95CE-486C-92D7-129C80AE65D4}" dt="2024-06-17T01:42:15.730" v="1642" actId="1076"/>
-          <ac:spMkLst>
-            <pc:docMk/>
-            <pc:sldMk cId="4023519175" sldId="275"/>
-            <ac:spMk id="11" creationId="{82F790A1-3E63-B0E3-6A64-8C867276F465}"/>
-          </ac:spMkLst>
-        </pc:spChg>
-        <pc:spChg chg="mod">
-          <ac:chgData name="Anxo Casal Rodriguez" userId="4252bde8-bc8f-41dd-83f3-a4e65c95fbdf" providerId="ADAL" clId="{E943E5C1-95CE-486C-92D7-129C80AE65D4}" dt="2024-06-17T01:28:23.099" v="727" actId="20577"/>
-          <ac:spMkLst>
-            <pc:docMk/>
-            <pc:sldMk cId="4023519175" sldId="275"/>
-            <ac:spMk id="1906" creationId="{00000000-0000-0000-0000-000000000000}"/>
-          </ac:spMkLst>
-        </pc:spChg>
-        <pc:spChg chg="mod">
-          <ac:chgData name="Anxo Casal Rodriguez" userId="4252bde8-bc8f-41dd-83f3-a4e65c95fbdf" providerId="ADAL" clId="{E943E5C1-95CE-486C-92D7-129C80AE65D4}" dt="2024-06-17T01:42:15.730" v="1642" actId="1076"/>
-          <ac:spMkLst>
-            <pc:docMk/>
-            <pc:sldMk cId="4023519175" sldId="275"/>
-            <ac:spMk id="1913" creationId="{00000000-0000-0000-0000-000000000000}"/>
-          </ac:spMkLst>
-        </pc:spChg>
-        <pc:spChg chg="mod">
-          <ac:chgData name="Anxo Casal Rodriguez" userId="4252bde8-bc8f-41dd-83f3-a4e65c95fbdf" providerId="ADAL" clId="{E943E5C1-95CE-486C-92D7-129C80AE65D4}" dt="2024-06-17T01:41:02.954" v="1633" actId="1076"/>
-          <ac:spMkLst>
-            <pc:docMk/>
-            <pc:sldMk cId="4023519175" sldId="275"/>
-            <ac:spMk id="1916" creationId="{00000000-0000-0000-0000-000000000000}"/>
-          </ac:spMkLst>
-        </pc:spChg>
-        <pc:spChg chg="mod">
-          <ac:chgData name="Anxo Casal Rodriguez" userId="4252bde8-bc8f-41dd-83f3-a4e65c95fbdf" providerId="ADAL" clId="{E943E5C1-95CE-486C-92D7-129C80AE65D4}" dt="2024-06-17T01:41:26.738" v="1638" actId="1076"/>
-          <ac:spMkLst>
-            <pc:docMk/>
-            <pc:sldMk cId="4023519175" sldId="275"/>
-            <ac:spMk id="1917" creationId="{00000000-0000-0000-0000-000000000000}"/>
-          </ac:spMkLst>
-        </pc:spChg>
-      </pc:sldChg>
-      <pc:sldChg chg="addSp delSp modSp del mod">
-        <pc:chgData name="Anxo Casal Rodriguez" userId="4252bde8-bc8f-41dd-83f3-a4e65c95fbdf" providerId="ADAL" clId="{E943E5C1-95CE-486C-92D7-129C80AE65D4}" dt="2024-06-17T16:38:40.164" v="3099" actId="478"/>
-        <pc:sldMkLst>
-          <pc:docMk/>
-          <pc:sldMk cId="4023519175" sldId="275"/>
-        </pc:sldMkLst>
-        <pc:spChg chg="add del">
-          <ac:chgData name="Anxo Casal Rodriguez" userId="4252bde8-bc8f-41dd-83f3-a4e65c95fbdf" providerId="ADAL" clId="{E943E5C1-95CE-486C-92D7-129C80AE65D4}" dt="2024-06-17T16:38:40.164" v="3099" actId="478"/>
-          <ac:spMkLst>
-            <pc:docMk/>
-            <pc:sldMk cId="4023519175" sldId="275"/>
-            <ac:spMk id="5" creationId="{6D84C36F-C60E-EC12-5D36-857354411E39}"/>
-          </ac:spMkLst>
-        </pc:spChg>
-        <pc:spChg chg="add del">
-          <ac:chgData name="Anxo Casal Rodriguez" userId="4252bde8-bc8f-41dd-83f3-a4e65c95fbdf" providerId="ADAL" clId="{E943E5C1-95CE-486C-92D7-129C80AE65D4}" dt="2024-06-17T16:38:40.164" v="3099" actId="478"/>
-          <ac:spMkLst>
-            <pc:docMk/>
-            <pc:sldMk cId="4023519175" sldId="275"/>
-            <ac:spMk id="6" creationId="{7854D81E-FE79-0A71-6BCE-BA48FC3679E7}"/>
-          </ac:spMkLst>
-        </pc:spChg>
-        <pc:spChg chg="add del">
-          <ac:chgData name="Anxo Casal Rodriguez" userId="4252bde8-bc8f-41dd-83f3-a4e65c95fbdf" providerId="ADAL" clId="{E943E5C1-95CE-486C-92D7-129C80AE65D4}" dt="2024-06-17T16:38:40.164" v="3099" actId="478"/>
-          <ac:spMkLst>
-            <pc:docMk/>
-            <pc:sldMk cId="4023519175" sldId="275"/>
-            <ac:spMk id="7" creationId="{269C1FDB-97F9-E805-0BAF-0F16F67AD702}"/>
           </ac:spMkLst>
         </pc:spChg>
         <pc:spChg chg="mod">
@@ -1140,6 +1053,14 @@
             <pc:docMk/>
             <pc:sldMk cId="4023519175" sldId="275"/>
             <ac:spMk id="11" creationId="{82F790A1-3E63-B0E3-6A64-8C867276F465}"/>
+          </ac:spMkLst>
+        </pc:spChg>
+        <pc:spChg chg="mod">
+          <ac:chgData name="Anxo Casal Rodriguez" userId="4252bde8-bc8f-41dd-83f3-a4e65c95fbdf" providerId="ADAL" clId="{E943E5C1-95CE-486C-92D7-129C80AE65D4}" dt="2024-06-17T01:28:23.099" v="727" actId="20577"/>
+          <ac:spMkLst>
+            <pc:docMk/>
+            <pc:sldMk cId="4023519175" sldId="275"/>
+            <ac:spMk id="1906" creationId="{00000000-0000-0000-0000-000000000000}"/>
           </ac:spMkLst>
         </pc:spChg>
         <pc:spChg chg="mod">
@@ -1205,55 +1126,8 @@
           </ac:spMkLst>
         </pc:spChg>
       </pc:sldChg>
-      <pc:sldChg chg="addSp delSp modSp del mod ord">
-        <pc:chgData name="Anxo Casal Rodriguez" userId="4252bde8-bc8f-41dd-83f3-a4e65c95fbdf" providerId="ADAL" clId="{E943E5C1-95CE-486C-92D7-129C80AE65D4}" dt="2024-06-17T15:54:54.117" v="2057" actId="1076"/>
-        <pc:sldMkLst>
-          <pc:docMk/>
-          <pc:sldMk cId="2446339325" sldId="277"/>
-        </pc:sldMkLst>
-        <pc:picChg chg="add del">
-          <ac:chgData name="Anxo Casal Rodriguez" userId="4252bde8-bc8f-41dd-83f3-a4e65c95fbdf" providerId="ADAL" clId="{E943E5C1-95CE-486C-92D7-129C80AE65D4}" dt="2024-06-17T15:54:11.983" v="2048" actId="22"/>
-          <ac:picMkLst>
-            <pc:docMk/>
-            <pc:sldMk cId="2446339325" sldId="277"/>
-            <ac:picMk id="3" creationId="{1A821663-7B17-BDBE-75CE-DC99E29FFE5D}"/>
-          </ac:picMkLst>
-        </pc:picChg>
-        <pc:picChg chg="add del">
-          <ac:chgData name="Anxo Casal Rodriguez" userId="4252bde8-bc8f-41dd-83f3-a4e65c95fbdf" providerId="ADAL" clId="{E943E5C1-95CE-486C-92D7-129C80AE65D4}" dt="2024-06-17T15:54:12.975" v="2050" actId="22"/>
-          <ac:picMkLst>
-            <pc:docMk/>
-            <pc:sldMk cId="2446339325" sldId="277"/>
-            <ac:picMk id="5" creationId="{1C26449A-CA1D-957D-2BFD-9C66AAA0B217}"/>
-          </ac:picMkLst>
-        </pc:picChg>
-        <pc:picChg chg="add del">
-          <ac:chgData name="Anxo Casal Rodriguez" userId="4252bde8-bc8f-41dd-83f3-a4e65c95fbdf" providerId="ADAL" clId="{E943E5C1-95CE-486C-92D7-129C80AE65D4}" dt="2024-06-17T15:54:14.176" v="2052" actId="22"/>
-          <ac:picMkLst>
-            <pc:docMk/>
-            <pc:sldMk cId="2446339325" sldId="277"/>
-            <ac:picMk id="7" creationId="{4F0A9DCB-0CC5-5227-72B2-4B3A1178BD5C}"/>
-          </ac:picMkLst>
-        </pc:picChg>
-        <pc:picChg chg="add mod">
-          <ac:chgData name="Anxo Casal Rodriguez" userId="4252bde8-bc8f-41dd-83f3-a4e65c95fbdf" providerId="ADAL" clId="{E943E5C1-95CE-486C-92D7-129C80AE65D4}" dt="2024-06-17T15:54:54.117" v="2057" actId="1076"/>
-          <ac:picMkLst>
-            <pc:docMk/>
-            <pc:sldMk cId="2446339325" sldId="277"/>
-            <ac:picMk id="9" creationId="{EB87B62F-FA33-EC82-0006-A0F5072A9D9F}"/>
-          </ac:picMkLst>
-        </pc:picChg>
-        <pc:picChg chg="del">
-          <ac:chgData name="Anxo Casal Rodriguez" userId="4252bde8-bc8f-41dd-83f3-a4e65c95fbdf" providerId="ADAL" clId="{E943E5C1-95CE-486C-92D7-129C80AE65D4}" dt="2024-06-17T15:54:15.577" v="2053" actId="478"/>
-          <ac:picMkLst>
-            <pc:docMk/>
-            <pc:sldMk cId="2446339325" sldId="277"/>
-            <ac:picMk id="31" creationId="{7D12ADBB-DB21-4EF5-53E6-A67E74B9A458}"/>
-          </ac:picMkLst>
-        </pc:picChg>
-      </pc:sldChg>
       <pc:sldChg chg="addSp delSp modSp add mod">
-        <pc:chgData name="Anxo Casal Rodriguez" userId="4252bde8-bc8f-41dd-83f3-a4e65c95fbdf" providerId="ADAL" clId="{E943E5C1-95CE-486C-92D7-129C80AE65D4}" dt="2024-06-17T01:46:56.634" v="1804" actId="1076"/>
+        <pc:chgData name="Anxo Casal Rodriguez" userId="4252bde8-bc8f-41dd-83f3-a4e65c95fbdf" providerId="ADAL" clId="{E943E5C1-95CE-486C-92D7-129C80AE65D4}" dt="2024-06-17T18:21:41.913" v="3115" actId="1076"/>
         <pc:sldMkLst>
           <pc:docMk/>
           <pc:sldMk cId="2446339325" sldId="277"/>
@@ -1275,7 +1149,7 @@
           </ac:spMkLst>
         </pc:spChg>
         <pc:spChg chg="add del mod">
-          <ac:chgData name="Anxo Casal Rodriguez" userId="4252bde8-bc8f-41dd-83f3-a4e65c95fbdf" providerId="ADAL" clId="{E943E5C1-95CE-486C-92D7-129C80AE65D4}" dt="2024-06-17T01:46:51.202" v="1803" actId="1076"/>
+          <ac:chgData name="Anxo Casal Rodriguez" userId="4252bde8-bc8f-41dd-83f3-a4e65c95fbdf" providerId="ADAL" clId="{E943E5C1-95CE-486C-92D7-129C80AE65D4}" dt="2024-06-17T18:21:37.082" v="3114" actId="20577"/>
           <ac:spMkLst>
             <pc:docMk/>
             <pc:sldMk cId="2446339325" sldId="277"/>
@@ -1402,12 +1276,44 @@
             <ac:grpSpMk id="4" creationId="{00000000-0000-0000-0000-000000000000}"/>
           </ac:grpSpMkLst>
         </pc:grpChg>
+        <pc:picChg chg="add del">
+          <ac:chgData name="Anxo Casal Rodriguez" userId="4252bde8-bc8f-41dd-83f3-a4e65c95fbdf" providerId="ADAL" clId="{E943E5C1-95CE-486C-92D7-129C80AE65D4}" dt="2024-06-17T15:54:11.983" v="2048" actId="22"/>
+          <ac:picMkLst>
+            <pc:docMk/>
+            <pc:sldMk cId="2446339325" sldId="277"/>
+            <ac:picMk id="3" creationId="{1A821663-7B17-BDBE-75CE-DC99E29FFE5D}"/>
+          </ac:picMkLst>
+        </pc:picChg>
         <pc:picChg chg="del">
           <ac:chgData name="Anxo Casal Rodriguez" userId="4252bde8-bc8f-41dd-83f3-a4e65c95fbdf" providerId="ADAL" clId="{E943E5C1-95CE-486C-92D7-129C80AE65D4}" dt="2024-06-17T01:43:25.913" v="1657" actId="478"/>
           <ac:picMkLst>
             <pc:docMk/>
             <pc:sldMk cId="2446339325" sldId="277"/>
             <ac:picMk id="3" creationId="{3286149E-F62C-1C67-5B2C-38BACA482F76}"/>
+          </ac:picMkLst>
+        </pc:picChg>
+        <pc:picChg chg="add del">
+          <ac:chgData name="Anxo Casal Rodriguez" userId="4252bde8-bc8f-41dd-83f3-a4e65c95fbdf" providerId="ADAL" clId="{E943E5C1-95CE-486C-92D7-129C80AE65D4}" dt="2024-06-17T15:54:12.975" v="2050" actId="22"/>
+          <ac:picMkLst>
+            <pc:docMk/>
+            <pc:sldMk cId="2446339325" sldId="277"/>
+            <ac:picMk id="5" creationId="{1C26449A-CA1D-957D-2BFD-9C66AAA0B217}"/>
+          </ac:picMkLst>
+        </pc:picChg>
+        <pc:picChg chg="add del">
+          <ac:chgData name="Anxo Casal Rodriguez" userId="4252bde8-bc8f-41dd-83f3-a4e65c95fbdf" providerId="ADAL" clId="{E943E5C1-95CE-486C-92D7-129C80AE65D4}" dt="2024-06-17T15:54:14.176" v="2052" actId="22"/>
+          <ac:picMkLst>
+            <pc:docMk/>
+            <pc:sldMk cId="2446339325" sldId="277"/>
+            <ac:picMk id="7" creationId="{4F0A9DCB-0CC5-5227-72B2-4B3A1178BD5C}"/>
+          </ac:picMkLst>
+        </pc:picChg>
+        <pc:picChg chg="add mod">
+          <ac:chgData name="Anxo Casal Rodriguez" userId="4252bde8-bc8f-41dd-83f3-a4e65c95fbdf" providerId="ADAL" clId="{E943E5C1-95CE-486C-92D7-129C80AE65D4}" dt="2024-06-17T18:21:41.913" v="3115" actId="1076"/>
+          <ac:picMkLst>
+            <pc:docMk/>
+            <pc:sldMk cId="2446339325" sldId="277"/>
+            <ac:picMk id="9" creationId="{EB87B62F-FA33-EC82-0006-A0F5072A9D9F}"/>
           </ac:picMkLst>
         </pc:picChg>
         <pc:picChg chg="add mod">
@@ -1687,7 +1593,7 @@
         </pc:sldMkLst>
       </pc:sldChg>
       <pc:sldChg chg="addSp delSp modSp add del mod chgLayout">
-        <pc:chgData name="Anxo Casal Rodriguez" userId="4252bde8-bc8f-41dd-83f3-a4e65c95fbdf" providerId="ADAL" clId="{E943E5C1-95CE-486C-92D7-129C80AE65D4}" dt="2024-06-17T16:36:50.649" v="3090" actId="1036"/>
+        <pc:chgData name="Anxo Casal Rodriguez" userId="4252bde8-bc8f-41dd-83f3-a4e65c95fbdf" providerId="ADAL" clId="{E943E5C1-95CE-486C-92D7-129C80AE65D4}" dt="2024-06-17T18:22:06.126" v="3127" actId="1035"/>
         <pc:sldMkLst>
           <pc:docMk/>
           <pc:sldMk cId="0" sldId="288"/>
@@ -1941,7 +1847,7 @@
           </ac:spMkLst>
         </pc:spChg>
         <pc:spChg chg="add mod">
-          <ac:chgData name="Anxo Casal Rodriguez" userId="4252bde8-bc8f-41dd-83f3-a4e65c95fbdf" providerId="ADAL" clId="{E943E5C1-95CE-486C-92D7-129C80AE65D4}" dt="2024-06-17T16:36:20.274" v="3014" actId="1036"/>
+          <ac:chgData name="Anxo Casal Rodriguez" userId="4252bde8-bc8f-41dd-83f3-a4e65c95fbdf" providerId="ADAL" clId="{E943E5C1-95CE-486C-92D7-129C80AE65D4}" dt="2024-06-17T18:22:06.126" v="3127" actId="1035"/>
           <ac:spMkLst>
             <pc:docMk/>
             <pc:sldMk cId="0" sldId="288"/>
@@ -2109,7 +2015,7 @@
           </ac:grpSpMkLst>
         </pc:grpChg>
         <pc:grpChg chg="add mod">
-          <ac:chgData name="Anxo Casal Rodriguez" userId="4252bde8-bc8f-41dd-83f3-a4e65c95fbdf" providerId="ADAL" clId="{E943E5C1-95CE-486C-92D7-129C80AE65D4}" dt="2024-06-17T16:35:30.636" v="2848" actId="1035"/>
+          <ac:chgData name="Anxo Casal Rodriguez" userId="4252bde8-bc8f-41dd-83f3-a4e65c95fbdf" providerId="ADAL" clId="{E943E5C1-95CE-486C-92D7-129C80AE65D4}" dt="2024-06-17T18:22:01.492" v="3119" actId="1076"/>
           <ac:grpSpMkLst>
             <pc:docMk/>
             <pc:sldMk cId="0" sldId="288"/>
@@ -24406,626 +24312,6 @@
           </a:p>
         </p:txBody>
       </p:sp>
-      <p:sp>
-        <p:nvSpPr>
-          <p:cNvPr id="5" name="Google Shape;1916;p47">
-            <a:extLst>
-              <a:ext uri="{FF2B5EF4-FFF2-40B4-BE49-F238E27FC236}">
-                <a16:creationId xmlns:a16="http://schemas.microsoft.com/office/drawing/2014/main" id="{6D84C36F-C60E-EC12-5D36-857354411E39}"/>
-              </a:ext>
-            </a:extLst>
-          </p:cNvPr>
-          <p:cNvSpPr txBox="1">
-            <a:spLocks/>
-          </p:cNvSpPr>
-          <p:nvPr/>
-        </p:nvSpPr>
-        <p:spPr>
-          <a:xfrm>
-            <a:off x="320955" y="1494295"/>
-            <a:ext cx="2513769" cy="2900740"/>
-          </a:xfrm>
-          <a:prstGeom prst="rect">
-            <a:avLst/>
-          </a:prstGeom>
-          <a:noFill/>
-          <a:ln>
-            <a:noFill/>
-          </a:ln>
-        </p:spPr>
-        <p:txBody>
-          <a:bodyPr spcFirstLastPara="1" wrap="square" lIns="91425" tIns="91425" rIns="91425" bIns="91425" anchor="t" anchorCtr="0">
-            <a:noAutofit/>
-          </a:bodyPr>
-          <a:lstStyle>
-            <a:defPPr marR="0" lvl="0" algn="l" rtl="0">
-              <a:lnSpc>
-                <a:spcPct val="100000"/>
-              </a:lnSpc>
-              <a:spcBef>
-                <a:spcPts val="0"/>
-              </a:spcBef>
-              <a:spcAft>
-                <a:spcPts val="0"/>
-              </a:spcAft>
-            </a:defPPr>
-            <a:lvl1pPr marL="457200" marR="0" lvl="0" indent="-342900" algn="l" rtl="0">
-              <a:lnSpc>
-                <a:spcPct val="100000"/>
-              </a:lnSpc>
-              <a:spcBef>
-                <a:spcPts val="0"/>
-              </a:spcBef>
-              <a:spcAft>
-                <a:spcPts val="0"/>
-              </a:spcAft>
-              <a:buClr>
-                <a:schemeClr val="lt2"/>
-              </a:buClr>
-              <a:buSzPts val="1800"/>
-              <a:buFont typeface="DM Sans"/>
-              <a:buChar char="●"/>
-              <a:defRPr sz="1800" b="0" i="0" u="none" strike="noStrike" cap="none">
-                <a:solidFill>
-                  <a:schemeClr val="lt2"/>
-                </a:solidFill>
-                <a:latin typeface="DM Sans"/>
-                <a:ea typeface="DM Sans"/>
-                <a:cs typeface="DM Sans"/>
-                <a:sym typeface="DM Sans"/>
-              </a:defRPr>
-            </a:lvl1pPr>
-            <a:lvl2pPr marL="914400" marR="0" lvl="1" indent="-317500" algn="l" rtl="0">
-              <a:lnSpc>
-                <a:spcPct val="100000"/>
-              </a:lnSpc>
-              <a:spcBef>
-                <a:spcPts val="1600"/>
-              </a:spcBef>
-              <a:spcAft>
-                <a:spcPts val="0"/>
-              </a:spcAft>
-              <a:buClr>
-                <a:schemeClr val="lt2"/>
-              </a:buClr>
-              <a:buSzPts val="1400"/>
-              <a:buFont typeface="DM Sans"/>
-              <a:buChar char="○"/>
-              <a:defRPr sz="1400" b="0" i="0" u="none" strike="noStrike" cap="none">
-                <a:solidFill>
-                  <a:schemeClr val="lt2"/>
-                </a:solidFill>
-                <a:latin typeface="DM Sans"/>
-                <a:ea typeface="DM Sans"/>
-                <a:cs typeface="DM Sans"/>
-                <a:sym typeface="DM Sans"/>
-              </a:defRPr>
-            </a:lvl2pPr>
-            <a:lvl3pPr marL="1371600" marR="0" lvl="2" indent="-317500" algn="l" rtl="0">
-              <a:lnSpc>
-                <a:spcPct val="100000"/>
-              </a:lnSpc>
-              <a:spcBef>
-                <a:spcPts val="1600"/>
-              </a:spcBef>
-              <a:spcAft>
-                <a:spcPts val="0"/>
-              </a:spcAft>
-              <a:buClr>
-                <a:schemeClr val="lt2"/>
-              </a:buClr>
-              <a:buSzPts val="1400"/>
-              <a:buFont typeface="DM Sans"/>
-              <a:buChar char="■"/>
-              <a:defRPr sz="1400" b="0" i="0" u="none" strike="noStrike" cap="none">
-                <a:solidFill>
-                  <a:schemeClr val="lt2"/>
-                </a:solidFill>
-                <a:latin typeface="DM Sans"/>
-                <a:ea typeface="DM Sans"/>
-                <a:cs typeface="DM Sans"/>
-                <a:sym typeface="DM Sans"/>
-              </a:defRPr>
-            </a:lvl3pPr>
-            <a:lvl4pPr marL="1828800" marR="0" lvl="3" indent="-317500" algn="l" rtl="0">
-              <a:lnSpc>
-                <a:spcPct val="100000"/>
-              </a:lnSpc>
-              <a:spcBef>
-                <a:spcPts val="1600"/>
-              </a:spcBef>
-              <a:spcAft>
-                <a:spcPts val="0"/>
-              </a:spcAft>
-              <a:buClr>
-                <a:schemeClr val="lt2"/>
-              </a:buClr>
-              <a:buSzPts val="1400"/>
-              <a:buFont typeface="DM Sans"/>
-              <a:buChar char="●"/>
-              <a:defRPr sz="1400" b="0" i="0" u="none" strike="noStrike" cap="none">
-                <a:solidFill>
-                  <a:schemeClr val="lt2"/>
-                </a:solidFill>
-                <a:latin typeface="DM Sans"/>
-                <a:ea typeface="DM Sans"/>
-                <a:cs typeface="DM Sans"/>
-                <a:sym typeface="DM Sans"/>
-              </a:defRPr>
-            </a:lvl4pPr>
-            <a:lvl5pPr marL="2286000" marR="0" lvl="4" indent="-317500" algn="l" rtl="0">
-              <a:lnSpc>
-                <a:spcPct val="100000"/>
-              </a:lnSpc>
-              <a:spcBef>
-                <a:spcPts val="1600"/>
-              </a:spcBef>
-              <a:spcAft>
-                <a:spcPts val="0"/>
-              </a:spcAft>
-              <a:buClr>
-                <a:schemeClr val="lt2"/>
-              </a:buClr>
-              <a:buSzPts val="1400"/>
-              <a:buFont typeface="DM Sans"/>
-              <a:buChar char="○"/>
-              <a:defRPr sz="1400" b="0" i="0" u="none" strike="noStrike" cap="none">
-                <a:solidFill>
-                  <a:schemeClr val="lt2"/>
-                </a:solidFill>
-                <a:latin typeface="DM Sans"/>
-                <a:ea typeface="DM Sans"/>
-                <a:cs typeface="DM Sans"/>
-                <a:sym typeface="DM Sans"/>
-              </a:defRPr>
-            </a:lvl5pPr>
-            <a:lvl6pPr marL="2743200" marR="0" lvl="5" indent="-317500" algn="l" rtl="0">
-              <a:lnSpc>
-                <a:spcPct val="100000"/>
-              </a:lnSpc>
-              <a:spcBef>
-                <a:spcPts val="1600"/>
-              </a:spcBef>
-              <a:spcAft>
-                <a:spcPts val="0"/>
-              </a:spcAft>
-              <a:buClr>
-                <a:schemeClr val="lt2"/>
-              </a:buClr>
-              <a:buSzPts val="1400"/>
-              <a:buFont typeface="DM Sans"/>
-              <a:buChar char="■"/>
-              <a:defRPr sz="1400" b="0" i="0" u="none" strike="noStrike" cap="none">
-                <a:solidFill>
-                  <a:schemeClr val="lt2"/>
-                </a:solidFill>
-                <a:latin typeface="DM Sans"/>
-                <a:ea typeface="DM Sans"/>
-                <a:cs typeface="DM Sans"/>
-                <a:sym typeface="DM Sans"/>
-              </a:defRPr>
-            </a:lvl6pPr>
-            <a:lvl7pPr marL="3200400" marR="0" lvl="6" indent="-317500" algn="l" rtl="0">
-              <a:lnSpc>
-                <a:spcPct val="100000"/>
-              </a:lnSpc>
-              <a:spcBef>
-                <a:spcPts val="1600"/>
-              </a:spcBef>
-              <a:spcAft>
-                <a:spcPts val="0"/>
-              </a:spcAft>
-              <a:buClr>
-                <a:schemeClr val="lt2"/>
-              </a:buClr>
-              <a:buSzPts val="1400"/>
-              <a:buFont typeface="DM Sans"/>
-              <a:buChar char="●"/>
-              <a:defRPr sz="1400" b="0" i="0" u="none" strike="noStrike" cap="none">
-                <a:solidFill>
-                  <a:schemeClr val="lt2"/>
-                </a:solidFill>
-                <a:latin typeface="DM Sans"/>
-                <a:ea typeface="DM Sans"/>
-                <a:cs typeface="DM Sans"/>
-                <a:sym typeface="DM Sans"/>
-              </a:defRPr>
-            </a:lvl7pPr>
-            <a:lvl8pPr marL="3657600" marR="0" lvl="7" indent="-317500" algn="l" rtl="0">
-              <a:lnSpc>
-                <a:spcPct val="100000"/>
-              </a:lnSpc>
-              <a:spcBef>
-                <a:spcPts val="1600"/>
-              </a:spcBef>
-              <a:spcAft>
-                <a:spcPts val="0"/>
-              </a:spcAft>
-              <a:buClr>
-                <a:schemeClr val="lt2"/>
-              </a:buClr>
-              <a:buSzPts val="1400"/>
-              <a:buFont typeface="DM Sans"/>
-              <a:buChar char="○"/>
-              <a:defRPr sz="1400" b="0" i="0" u="none" strike="noStrike" cap="none">
-                <a:solidFill>
-                  <a:schemeClr val="lt2"/>
-                </a:solidFill>
-                <a:latin typeface="DM Sans"/>
-                <a:ea typeface="DM Sans"/>
-                <a:cs typeface="DM Sans"/>
-                <a:sym typeface="DM Sans"/>
-              </a:defRPr>
-            </a:lvl8pPr>
-            <a:lvl9pPr marL="4114800" marR="0" lvl="8" indent="-317500" algn="l" rtl="0">
-              <a:lnSpc>
-                <a:spcPct val="100000"/>
-              </a:lnSpc>
-              <a:spcBef>
-                <a:spcPts val="1600"/>
-              </a:spcBef>
-              <a:spcAft>
-                <a:spcPts val="1600"/>
-              </a:spcAft>
-              <a:buClr>
-                <a:schemeClr val="lt2"/>
-              </a:buClr>
-              <a:buSzPts val="1400"/>
-              <a:buFont typeface="DM Sans"/>
-              <a:buChar char="■"/>
-              <a:defRPr sz="1400" b="0" i="0" u="none" strike="noStrike" cap="none">
-                <a:solidFill>
-                  <a:schemeClr val="lt2"/>
-                </a:solidFill>
-                <a:latin typeface="DM Sans"/>
-                <a:ea typeface="DM Sans"/>
-                <a:cs typeface="DM Sans"/>
-                <a:sym typeface="DM Sans"/>
-              </a:defRPr>
-            </a:lvl9pPr>
-          </a:lstStyle>
-          <a:p>
-            <a:pPr marL="139700" indent="0">
-              <a:buSzPts val="1400"/>
-              <a:buFont typeface="DM Sans"/>
-              <a:buNone/>
-            </a:pPr>
-            <a:r>
-              <a:rPr lang="es-ES" sz="1400" dirty="0"/>
-              <a:t>Finalmente tenemos un </a:t>
-            </a:r>
-            <a:r>
-              <a:rPr lang="es-ES" sz="1400" dirty="0" err="1"/>
-              <a:t>dataset</a:t>
-            </a:r>
-            <a:r>
-              <a:rPr lang="es-ES" sz="1400" dirty="0"/>
-              <a:t> con 6 columnas numéricas y 1 categórica para la </a:t>
-            </a:r>
-            <a:r>
-              <a:rPr lang="es-ES" sz="1400" dirty="0" err="1"/>
-              <a:t>label</a:t>
-            </a:r>
-            <a:r>
-              <a:rPr lang="es-ES" sz="1400" dirty="0"/>
-              <a:t>.</a:t>
-            </a:r>
-          </a:p>
-          <a:p>
-            <a:pPr marL="139700" indent="0">
-              <a:buSzPts val="1400"/>
-              <a:buFont typeface="DM Sans"/>
-              <a:buNone/>
-            </a:pPr>
-            <a:endParaRPr lang="es-ES" sz="1400" dirty="0"/>
-          </a:p>
-          <a:p>
-            <a:pPr marL="139700" indent="0">
-              <a:buSzPts val="1400"/>
-              <a:buFont typeface="DM Sans"/>
-              <a:buNone/>
-            </a:pPr>
-            <a:r>
-              <a:rPr lang="es-ES" sz="1400" dirty="0"/>
-              <a:t>Dividimos el </a:t>
-            </a:r>
-            <a:r>
-              <a:rPr lang="es-ES" sz="1400" dirty="0" err="1"/>
-              <a:t>dataset</a:t>
-            </a:r>
-            <a:r>
-              <a:rPr lang="es-ES" sz="1400" dirty="0"/>
-              <a:t> de forma estratificada en un porcentaje 85% - 15% de entreno y testeo respectivamente</a:t>
-            </a:r>
-          </a:p>
-        </p:txBody>
-      </p:sp>
-      <p:sp>
-        <p:nvSpPr>
-          <p:cNvPr id="6" name="Google Shape;1917;p47">
-            <a:extLst>
-              <a:ext uri="{FF2B5EF4-FFF2-40B4-BE49-F238E27FC236}">
-                <a16:creationId xmlns:a16="http://schemas.microsoft.com/office/drawing/2014/main" id="{7854D81E-FE79-0A71-6BCE-BA48FC3679E7}"/>
-              </a:ext>
-            </a:extLst>
-          </p:cNvPr>
-          <p:cNvSpPr txBox="1">
-            <a:spLocks/>
-          </p:cNvSpPr>
-          <p:nvPr/>
-        </p:nvSpPr>
-        <p:spPr>
-          <a:xfrm>
-            <a:off x="456453" y="1074865"/>
-            <a:ext cx="1793784" cy="313948"/>
-          </a:xfrm>
-          <a:prstGeom prst="rect">
-            <a:avLst/>
-          </a:prstGeom>
-          <a:noFill/>
-          <a:ln>
-            <a:noFill/>
-          </a:ln>
-        </p:spPr>
-        <p:txBody>
-          <a:bodyPr spcFirstLastPara="1" wrap="square" lIns="91425" tIns="91425" rIns="91425" bIns="91425" anchor="t" anchorCtr="0">
-            <a:noAutofit/>
-          </a:bodyPr>
-          <a:lstStyle>
-            <a:defPPr marR="0" lvl="0" algn="l" rtl="0">
-              <a:lnSpc>
-                <a:spcPct val="100000"/>
-              </a:lnSpc>
-              <a:spcBef>
-                <a:spcPts val="0"/>
-              </a:spcBef>
-              <a:spcAft>
-                <a:spcPts val="0"/>
-              </a:spcAft>
-            </a:defPPr>
-            <a:lvl1pPr marR="0" lvl="0" algn="l" rtl="0">
-              <a:lnSpc>
-                <a:spcPct val="100000"/>
-              </a:lnSpc>
-              <a:spcBef>
-                <a:spcPts val="0"/>
-              </a:spcBef>
-              <a:spcAft>
-                <a:spcPts val="0"/>
-              </a:spcAft>
-              <a:buClr>
-                <a:schemeClr val="lt2"/>
-              </a:buClr>
-              <a:buSzPts val="2400"/>
-              <a:buFont typeface="Viga"/>
-              <a:buNone/>
-              <a:defRPr sz="2400" b="0" i="0" u="none" strike="noStrike" cap="none">
-                <a:solidFill>
-                  <a:schemeClr val="lt2"/>
-                </a:solidFill>
-                <a:latin typeface="Viga"/>
-                <a:ea typeface="Viga"/>
-                <a:cs typeface="Viga"/>
-                <a:sym typeface="Viga"/>
-              </a:defRPr>
-            </a:lvl1pPr>
-            <a:lvl2pPr marR="0" lvl="1" algn="l" rtl="0">
-              <a:lnSpc>
-                <a:spcPct val="100000"/>
-              </a:lnSpc>
-              <a:spcBef>
-                <a:spcPts val="0"/>
-              </a:spcBef>
-              <a:spcAft>
-                <a:spcPts val="0"/>
-              </a:spcAft>
-              <a:buClr>
-                <a:schemeClr val="lt2"/>
-              </a:buClr>
-              <a:buSzPts val="2400"/>
-              <a:buFont typeface="Arial"/>
-              <a:buNone/>
-              <a:defRPr sz="2400" b="0" i="0" u="none" strike="noStrike" cap="none">
-                <a:solidFill>
-                  <a:schemeClr val="lt2"/>
-                </a:solidFill>
-                <a:latin typeface="Arial"/>
-                <a:ea typeface="Arial"/>
-                <a:cs typeface="Arial"/>
-                <a:sym typeface="Arial"/>
-              </a:defRPr>
-            </a:lvl2pPr>
-            <a:lvl3pPr marR="0" lvl="2" algn="l" rtl="0">
-              <a:lnSpc>
-                <a:spcPct val="100000"/>
-              </a:lnSpc>
-              <a:spcBef>
-                <a:spcPts val="0"/>
-              </a:spcBef>
-              <a:spcAft>
-                <a:spcPts val="0"/>
-              </a:spcAft>
-              <a:buClr>
-                <a:schemeClr val="lt2"/>
-              </a:buClr>
-              <a:buSzPts val="2400"/>
-              <a:buFont typeface="Arial"/>
-              <a:buNone/>
-              <a:defRPr sz="2400" b="0" i="0" u="none" strike="noStrike" cap="none">
-                <a:solidFill>
-                  <a:schemeClr val="lt2"/>
-                </a:solidFill>
-                <a:latin typeface="Arial"/>
-                <a:ea typeface="Arial"/>
-                <a:cs typeface="Arial"/>
-                <a:sym typeface="Arial"/>
-              </a:defRPr>
-            </a:lvl3pPr>
-            <a:lvl4pPr marR="0" lvl="3" algn="l" rtl="0">
-              <a:lnSpc>
-                <a:spcPct val="100000"/>
-              </a:lnSpc>
-              <a:spcBef>
-                <a:spcPts val="0"/>
-              </a:spcBef>
-              <a:spcAft>
-                <a:spcPts val="0"/>
-              </a:spcAft>
-              <a:buClr>
-                <a:schemeClr val="lt2"/>
-              </a:buClr>
-              <a:buSzPts val="2400"/>
-              <a:buFont typeface="Arial"/>
-              <a:buNone/>
-              <a:defRPr sz="2400" b="0" i="0" u="none" strike="noStrike" cap="none">
-                <a:solidFill>
-                  <a:schemeClr val="lt2"/>
-                </a:solidFill>
-                <a:latin typeface="Arial"/>
-                <a:ea typeface="Arial"/>
-                <a:cs typeface="Arial"/>
-                <a:sym typeface="Arial"/>
-              </a:defRPr>
-            </a:lvl4pPr>
-            <a:lvl5pPr marR="0" lvl="4" algn="l" rtl="0">
-              <a:lnSpc>
-                <a:spcPct val="100000"/>
-              </a:lnSpc>
-              <a:spcBef>
-                <a:spcPts val="0"/>
-              </a:spcBef>
-              <a:spcAft>
-                <a:spcPts val="0"/>
-              </a:spcAft>
-              <a:buClr>
-                <a:schemeClr val="lt2"/>
-              </a:buClr>
-              <a:buSzPts val="2400"/>
-              <a:buFont typeface="Arial"/>
-              <a:buNone/>
-              <a:defRPr sz="2400" b="0" i="0" u="none" strike="noStrike" cap="none">
-                <a:solidFill>
-                  <a:schemeClr val="lt2"/>
-                </a:solidFill>
-                <a:latin typeface="Arial"/>
-                <a:ea typeface="Arial"/>
-                <a:cs typeface="Arial"/>
-                <a:sym typeface="Arial"/>
-              </a:defRPr>
-            </a:lvl5pPr>
-            <a:lvl6pPr marR="0" lvl="5" algn="l" rtl="0">
-              <a:lnSpc>
-                <a:spcPct val="100000"/>
-              </a:lnSpc>
-              <a:spcBef>
-                <a:spcPts val="0"/>
-              </a:spcBef>
-              <a:spcAft>
-                <a:spcPts val="0"/>
-              </a:spcAft>
-              <a:buClr>
-                <a:schemeClr val="lt2"/>
-              </a:buClr>
-              <a:buSzPts val="2400"/>
-              <a:buFont typeface="Arial"/>
-              <a:buNone/>
-              <a:defRPr sz="2400" b="0" i="0" u="none" strike="noStrike" cap="none">
-                <a:solidFill>
-                  <a:schemeClr val="lt2"/>
-                </a:solidFill>
-                <a:latin typeface="Arial"/>
-                <a:ea typeface="Arial"/>
-                <a:cs typeface="Arial"/>
-                <a:sym typeface="Arial"/>
-              </a:defRPr>
-            </a:lvl6pPr>
-            <a:lvl7pPr marR="0" lvl="6" algn="l" rtl="0">
-              <a:lnSpc>
-                <a:spcPct val="100000"/>
-              </a:lnSpc>
-              <a:spcBef>
-                <a:spcPts val="0"/>
-              </a:spcBef>
-              <a:spcAft>
-                <a:spcPts val="0"/>
-              </a:spcAft>
-              <a:buClr>
-                <a:schemeClr val="lt2"/>
-              </a:buClr>
-              <a:buSzPts val="2400"/>
-              <a:buFont typeface="Arial"/>
-              <a:buNone/>
-              <a:defRPr sz="2400" b="0" i="0" u="none" strike="noStrike" cap="none">
-                <a:solidFill>
-                  <a:schemeClr val="lt2"/>
-                </a:solidFill>
-                <a:latin typeface="Arial"/>
-                <a:ea typeface="Arial"/>
-                <a:cs typeface="Arial"/>
-                <a:sym typeface="Arial"/>
-              </a:defRPr>
-            </a:lvl7pPr>
-            <a:lvl8pPr marR="0" lvl="7" algn="l" rtl="0">
-              <a:lnSpc>
-                <a:spcPct val="100000"/>
-              </a:lnSpc>
-              <a:spcBef>
-                <a:spcPts val="0"/>
-              </a:spcBef>
-              <a:spcAft>
-                <a:spcPts val="0"/>
-              </a:spcAft>
-              <a:buClr>
-                <a:schemeClr val="lt2"/>
-              </a:buClr>
-              <a:buSzPts val="2400"/>
-              <a:buFont typeface="Arial"/>
-              <a:buNone/>
-              <a:defRPr sz="2400" b="0" i="0" u="none" strike="noStrike" cap="none">
-                <a:solidFill>
-                  <a:schemeClr val="lt2"/>
-                </a:solidFill>
-                <a:latin typeface="Arial"/>
-                <a:ea typeface="Arial"/>
-                <a:cs typeface="Arial"/>
-                <a:sym typeface="Arial"/>
-              </a:defRPr>
-            </a:lvl8pPr>
-            <a:lvl9pPr marR="0" lvl="8" algn="l" rtl="0">
-              <a:lnSpc>
-                <a:spcPct val="100000"/>
-              </a:lnSpc>
-              <a:spcBef>
-                <a:spcPts val="0"/>
-              </a:spcBef>
-              <a:spcAft>
-                <a:spcPts val="0"/>
-              </a:spcAft>
-              <a:buClr>
-                <a:schemeClr val="lt2"/>
-              </a:buClr>
-              <a:buSzPts val="2400"/>
-              <a:buFont typeface="Arial"/>
-              <a:buNone/>
-              <a:defRPr sz="2400" b="0" i="0" u="none" strike="noStrike" cap="none">
-                <a:solidFill>
-                  <a:schemeClr val="lt2"/>
-                </a:solidFill>
-                <a:latin typeface="Arial"/>
-                <a:ea typeface="Arial"/>
-                <a:cs typeface="Arial"/>
-                <a:sym typeface="Arial"/>
-              </a:defRPr>
-            </a:lvl9pPr>
-          </a:lstStyle>
-          <a:p>
-            <a:r>
-              <a:rPr lang="es-ES" sz="1400" dirty="0"/>
-              <a:t>Set de datos</a:t>
-            </a:r>
-          </a:p>
-        </p:txBody>
-      </p:sp>
     </p:spTree>
     <p:extLst>
       <p:ext uri="{BB962C8B-B14F-4D97-AF65-F5344CB8AC3E}">
@@ -25214,6 +24500,14 @@
           </a:p>
           <a:p>
             <a:pPr algn="l"/>
+            <a:r>
+              <a:rPr lang="es-ES" dirty="0" err="1"/>
+              <a:t>Explicabilidad</a:t>
+            </a:r>
+            <a:endParaRPr lang="es-ES" dirty="0"/>
+          </a:p>
+          <a:p>
+            <a:pPr algn="l"/>
             <a:endParaRPr lang="es-ES" dirty="0"/>
           </a:p>
         </p:txBody>
@@ -25274,7 +24568,7 @@
         </p:blipFill>
         <p:spPr>
           <a:xfrm>
-            <a:off x="971295" y="2318933"/>
+            <a:off x="971295" y="2498155"/>
             <a:ext cx="2735541" cy="2401551"/>
           </a:xfrm>
           <a:prstGeom prst="rect">
@@ -50662,7 +49956,7 @@
         </p:nvSpPr>
         <p:spPr>
           <a:xfrm>
-            <a:off x="3535481" y="4019341"/>
+            <a:off x="3535481" y="3983661"/>
             <a:ext cx="2351333" cy="377700"/>
           </a:xfrm>
           <a:prstGeom prst="rect">
@@ -50927,7 +50221,7 @@
           <a:p>
             <a:pPr algn="ctr"/>
             <a:r>
-              <a:rPr lang="es-ES" sz="1400" dirty="0"/>
+              <a:rPr lang="es-ES" sz="1800" dirty="0"/>
               <a:t>LDA</a:t>
             </a:r>
           </a:p>

--- a/Documentación/Presentacion de proyecto.pptx
+++ b/Documentación/Presentacion de proyecto.pptx
@@ -5,7 +5,7 @@
     <p:sldMasterId id="2147483674" r:id="rId1"/>
   </p:sldMasterIdLst>
   <p:notesMasterIdLst>
-    <p:notesMasterId r:id="rId13"/>
+    <p:notesMasterId r:id="rId14"/>
   </p:notesMasterIdLst>
   <p:sldIdLst>
     <p:sldId id="256" r:id="rId2"/>
@@ -19,20 +19,21 @@
     <p:sldId id="288" r:id="rId10"/>
     <p:sldId id="275" r:id="rId11"/>
     <p:sldId id="277" r:id="rId12"/>
+    <p:sldId id="289" r:id="rId13"/>
   </p:sldIdLst>
   <p:sldSz cx="9144000" cy="5143500" type="screen16x9"/>
   <p:notesSz cx="6858000" cy="9144000"/>
   <p:embeddedFontLst>
     <p:embeddedFont>
       <p:font typeface="DM Sans" pitchFamily="2" charset="0"/>
-      <p:regular r:id="rId14"/>
-      <p:bold r:id="rId15"/>
-      <p:italic r:id="rId16"/>
-      <p:boldItalic r:id="rId17"/>
+      <p:regular r:id="rId15"/>
+      <p:bold r:id="rId16"/>
+      <p:italic r:id="rId17"/>
+      <p:boldItalic r:id="rId18"/>
     </p:embeddedFont>
     <p:embeddedFont>
       <p:font typeface="Viga" panose="020B0604020202020204" charset="0"/>
-      <p:regular r:id="rId18"/>
+      <p:regular r:id="rId19"/>
     </p:embeddedFont>
   </p:embeddedFontLst>
   <p:defaultTextStyle>
@@ -302,7 +303,7 @@
 <p1510:revInfo xmlns:a="http://schemas.openxmlformats.org/drawingml/2006/main" xmlns:r="http://schemas.openxmlformats.org/officeDocument/2006/relationships" xmlns:p1510="http://schemas.microsoft.com/office/powerpoint/2015/10/main">
   <p1510:revLst>
     <p1510:client id="{97E500B9-40A3-490F-949E-E8FE3E56DB41}" v="22" dt="2024-06-16T21:35:10.579"/>
-    <p1510:client id="{E943E5C1-95CE-486C-92D7-129C80AE65D4}" v="92" dt="2024-06-17T16:35:03.597"/>
+    <p1510:client id="{E943E5C1-95CE-486C-92D7-129C80AE65D4}" v="99" dt="2024-06-17T21:17:46.354"/>
   </p1510:revLst>
 </p1510:revInfo>
 </file>
@@ -383,7 +384,7 @@
   <pc:docChgLst>
     <pc:chgData name="Anxo Casal Rodriguez" userId="4252bde8-bc8f-41dd-83f3-a4e65c95fbdf" providerId="ADAL" clId="{E943E5C1-95CE-486C-92D7-129C80AE65D4}"/>
     <pc:docChg chg="undo redo custSel addSld delSld modSld sldOrd delMainMaster">
-      <pc:chgData name="Anxo Casal Rodriguez" userId="4252bde8-bc8f-41dd-83f3-a4e65c95fbdf" providerId="ADAL" clId="{E943E5C1-95CE-486C-92D7-129C80AE65D4}" dt="2024-06-17T18:22:06.126" v="3127" actId="1035"/>
+      <pc:chgData name="Anxo Casal Rodriguez" userId="4252bde8-bc8f-41dd-83f3-a4e65c95fbdf" providerId="ADAL" clId="{E943E5C1-95CE-486C-92D7-129C80AE65D4}" dt="2024-06-17T21:29:54.805" v="3599" actId="1076"/>
       <pc:docMkLst>
         <pc:docMk/>
       </pc:docMkLst>
@@ -970,17 +971,33 @@
         </pc:spChg>
       </pc:sldChg>
       <pc:sldChg chg="addSp delSp modSp del mod">
-        <pc:chgData name="Anxo Casal Rodriguez" userId="4252bde8-bc8f-41dd-83f3-a4e65c95fbdf" providerId="ADAL" clId="{E943E5C1-95CE-486C-92D7-129C80AE65D4}" dt="2024-06-17T18:21:48.923" v="3116" actId="478"/>
+        <pc:chgData name="Anxo Casal Rodriguez" userId="4252bde8-bc8f-41dd-83f3-a4e65c95fbdf" providerId="ADAL" clId="{E943E5C1-95CE-486C-92D7-129C80AE65D4}" dt="2024-06-17T21:10:16.211" v="3513" actId="1076"/>
         <pc:sldMkLst>
           <pc:docMk/>
           <pc:sldMk cId="4023519175" sldId="275"/>
         </pc:sldMkLst>
+        <pc:spChg chg="add mod">
+          <ac:chgData name="Anxo Casal Rodriguez" userId="4252bde8-bc8f-41dd-83f3-a4e65c95fbdf" providerId="ADAL" clId="{E943E5C1-95CE-486C-92D7-129C80AE65D4}" dt="2024-06-17T21:09:38.526" v="3512" actId="1076"/>
+          <ac:spMkLst>
+            <pc:docMk/>
+            <pc:sldMk cId="4023519175" sldId="275"/>
+            <ac:spMk id="2" creationId="{4D58FCE3-8FF1-7207-4D63-F65D24E03770}"/>
+          </ac:spMkLst>
+        </pc:spChg>
         <pc:spChg chg="add mod">
           <ac:chgData name="Anxo Casal Rodriguez" userId="4252bde8-bc8f-41dd-83f3-a4e65c95fbdf" providerId="ADAL" clId="{E943E5C1-95CE-486C-92D7-129C80AE65D4}" dt="2024-06-17T01:29:40.551" v="761" actId="1076"/>
           <ac:spMkLst>
             <pc:docMk/>
             <pc:sldMk cId="4023519175" sldId="275"/>
             <ac:spMk id="2" creationId="{8135046C-EFDA-040A-B731-CB021919E5D4}"/>
+          </ac:spMkLst>
+        </pc:spChg>
+        <pc:spChg chg="add mod">
+          <ac:chgData name="Anxo Casal Rodriguez" userId="4252bde8-bc8f-41dd-83f3-a4e65c95fbdf" providerId="ADAL" clId="{E943E5C1-95CE-486C-92D7-129C80AE65D4}" dt="2024-06-17T21:09:38.526" v="3512" actId="1076"/>
+          <ac:spMkLst>
+            <pc:docMk/>
+            <pc:sldMk cId="4023519175" sldId="275"/>
+            <ac:spMk id="3" creationId="{78D391C4-7CA9-4BA6-7F8C-516476B28AC2}"/>
           </ac:spMkLst>
         </pc:spChg>
         <pc:spChg chg="add mod">
@@ -1015,8 +1032,8 @@
             <ac:spMk id="6" creationId="{7854D81E-FE79-0A71-6BCE-BA48FC3679E7}"/>
           </ac:spMkLst>
         </pc:spChg>
-        <pc:spChg chg="add del">
-          <ac:chgData name="Anxo Casal Rodriguez" userId="4252bde8-bc8f-41dd-83f3-a4e65c95fbdf" providerId="ADAL" clId="{E943E5C1-95CE-486C-92D7-129C80AE65D4}" dt="2024-06-17T16:38:40.164" v="3099" actId="478"/>
+        <pc:spChg chg="add del mod">
+          <ac:chgData name="Anxo Casal Rodriguez" userId="4252bde8-bc8f-41dd-83f3-a4e65c95fbdf" providerId="ADAL" clId="{E943E5C1-95CE-486C-92D7-129C80AE65D4}" dt="2024-06-17T21:10:16.211" v="3513" actId="1076"/>
           <ac:spMkLst>
             <pc:docMk/>
             <pc:sldMk cId="4023519175" sldId="275"/>
@@ -1072,7 +1089,7 @@
           </ac:spMkLst>
         </pc:spChg>
         <pc:spChg chg="mod">
-          <ac:chgData name="Anxo Casal Rodriguez" userId="4252bde8-bc8f-41dd-83f3-a4e65c95fbdf" providerId="ADAL" clId="{E943E5C1-95CE-486C-92D7-129C80AE65D4}" dt="2024-06-17T16:38:39.971" v="3098" actId="1076"/>
+          <ac:chgData name="Anxo Casal Rodriguez" userId="4252bde8-bc8f-41dd-83f3-a4e65c95fbdf" providerId="ADAL" clId="{E943E5C1-95CE-486C-92D7-129C80AE65D4}" dt="2024-06-17T21:09:29.782" v="3511" actId="1076"/>
           <ac:spMkLst>
             <pc:docMk/>
             <pc:sldMk cId="4023519175" sldId="275"/>
@@ -1080,7 +1097,7 @@
           </ac:spMkLst>
         </pc:spChg>
         <pc:spChg chg="mod">
-          <ac:chgData name="Anxo Casal Rodriguez" userId="4252bde8-bc8f-41dd-83f3-a4e65c95fbdf" providerId="ADAL" clId="{E943E5C1-95CE-486C-92D7-129C80AE65D4}" dt="2024-06-17T16:38:39.971" v="3098" actId="1076"/>
+          <ac:chgData name="Anxo Casal Rodriguez" userId="4252bde8-bc8f-41dd-83f3-a4e65c95fbdf" providerId="ADAL" clId="{E943E5C1-95CE-486C-92D7-129C80AE65D4}" dt="2024-06-17T21:09:29.782" v="3511" actId="1076"/>
           <ac:spMkLst>
             <pc:docMk/>
             <pc:sldMk cId="4023519175" sldId="275"/>
@@ -1127,21 +1144,69 @@
         </pc:spChg>
       </pc:sldChg>
       <pc:sldChg chg="addSp delSp modSp add mod">
-        <pc:chgData name="Anxo Casal Rodriguez" userId="4252bde8-bc8f-41dd-83f3-a4e65c95fbdf" providerId="ADAL" clId="{E943E5C1-95CE-486C-92D7-129C80AE65D4}" dt="2024-06-17T18:21:41.913" v="3115" actId="1076"/>
+        <pc:chgData name="Anxo Casal Rodriguez" userId="4252bde8-bc8f-41dd-83f3-a4e65c95fbdf" providerId="ADAL" clId="{E943E5C1-95CE-486C-92D7-129C80AE65D4}" dt="2024-06-17T21:29:54.805" v="3599" actId="1076"/>
         <pc:sldMkLst>
           <pc:docMk/>
           <pc:sldMk cId="2446339325" sldId="277"/>
         </pc:sldMkLst>
         <pc:spChg chg="add mod">
-          <ac:chgData name="Anxo Casal Rodriguez" userId="4252bde8-bc8f-41dd-83f3-a4e65c95fbdf" providerId="ADAL" clId="{E943E5C1-95CE-486C-92D7-129C80AE65D4}" dt="2024-06-17T01:44:19.993" v="1670"/>
+          <ac:chgData name="Anxo Casal Rodriguez" userId="4252bde8-bc8f-41dd-83f3-a4e65c95fbdf" providerId="ADAL" clId="{E943E5C1-95CE-486C-92D7-129C80AE65D4}" dt="2024-06-17T21:14:28.812" v="3527"/>
+          <ac:spMkLst>
+            <pc:docMk/>
+            <pc:sldMk cId="2446339325" sldId="277"/>
+            <ac:spMk id="2" creationId="{4119952C-87DE-4FD1-4107-A40B4D4CC04C}"/>
+          </ac:spMkLst>
+        </pc:spChg>
+        <pc:spChg chg="add mod">
+          <ac:chgData name="Anxo Casal Rodriguez" userId="4252bde8-bc8f-41dd-83f3-a4e65c95fbdf" providerId="ADAL" clId="{E943E5C1-95CE-486C-92D7-129C80AE65D4}" dt="2024-06-17T21:14:28.812" v="3527"/>
+          <ac:spMkLst>
+            <pc:docMk/>
+            <pc:sldMk cId="2446339325" sldId="277"/>
+            <ac:spMk id="3" creationId="{3E3D1EAD-A12A-A378-43C7-FF863A39E380}"/>
+          </ac:spMkLst>
+        </pc:spChg>
+        <pc:spChg chg="add mod">
+          <ac:chgData name="Anxo Casal Rodriguez" userId="4252bde8-bc8f-41dd-83f3-a4e65c95fbdf" providerId="ADAL" clId="{E943E5C1-95CE-486C-92D7-129C80AE65D4}" dt="2024-06-17T21:14:23.398" v="3524"/>
+          <ac:spMkLst>
+            <pc:docMk/>
+            <pc:sldMk cId="2446339325" sldId="277"/>
+            <ac:spMk id="5" creationId="{F3CAF26D-A937-4700-F5A2-77AF9BB3464A}"/>
+          </ac:spMkLst>
+        </pc:spChg>
+        <pc:spChg chg="add mod">
+          <ac:chgData name="Anxo Casal Rodriguez" userId="4252bde8-bc8f-41dd-83f3-a4e65c95fbdf" providerId="ADAL" clId="{E943E5C1-95CE-486C-92D7-129C80AE65D4}" dt="2024-06-17T21:14:23.398" v="3524"/>
+          <ac:spMkLst>
+            <pc:docMk/>
+            <pc:sldMk cId="2446339325" sldId="277"/>
+            <ac:spMk id="6" creationId="{F16096CF-0018-F722-F72E-84A667C1C808}"/>
+          </ac:spMkLst>
+        </pc:spChg>
+        <pc:spChg chg="add mod">
+          <ac:chgData name="Anxo Casal Rodriguez" userId="4252bde8-bc8f-41dd-83f3-a4e65c95fbdf" providerId="ADAL" clId="{E943E5C1-95CE-486C-92D7-129C80AE65D4}" dt="2024-06-17T21:17:33.682" v="3557" actId="20577"/>
+          <ac:spMkLst>
+            <pc:docMk/>
+            <pc:sldMk cId="2446339325" sldId="277"/>
+            <ac:spMk id="8" creationId="{B670B863-620D-ED6A-EE5D-5A78ABEB140D}"/>
+          </ac:spMkLst>
+        </pc:spChg>
+        <pc:spChg chg="add mod">
+          <ac:chgData name="Anxo Casal Rodriguez" userId="4252bde8-bc8f-41dd-83f3-a4e65c95fbdf" providerId="ADAL" clId="{E943E5C1-95CE-486C-92D7-129C80AE65D4}" dt="2024-06-17T21:14:53.600" v="3532" actId="20577"/>
+          <ac:spMkLst>
+            <pc:docMk/>
+            <pc:sldMk cId="2446339325" sldId="277"/>
+            <ac:spMk id="10" creationId="{A59E38FF-0D6D-9942-CDD3-0CAE74668B97}"/>
+          </ac:spMkLst>
+        </pc:spChg>
+        <pc:spChg chg="add del mod">
+          <ac:chgData name="Anxo Casal Rodriguez" userId="4252bde8-bc8f-41dd-83f3-a4e65c95fbdf" providerId="ADAL" clId="{E943E5C1-95CE-486C-92D7-129C80AE65D4}" dt="2024-06-17T21:12:31.234" v="3515" actId="478"/>
           <ac:spMkLst>
             <pc:docMk/>
             <pc:sldMk cId="2446339325" sldId="277"/>
             <ac:spMk id="19" creationId="{915C3C14-96A6-013A-3E27-96BD24A21ACB}"/>
           </ac:spMkLst>
         </pc:spChg>
-        <pc:spChg chg="add mod">
-          <ac:chgData name="Anxo Casal Rodriguez" userId="4252bde8-bc8f-41dd-83f3-a4e65c95fbdf" providerId="ADAL" clId="{E943E5C1-95CE-486C-92D7-129C80AE65D4}" dt="2024-06-17T01:43:40.949" v="1659" actId="1076"/>
+        <pc:spChg chg="add del mod">
+          <ac:chgData name="Anxo Casal Rodriguez" userId="4252bde8-bc8f-41dd-83f3-a4e65c95fbdf" providerId="ADAL" clId="{E943E5C1-95CE-486C-92D7-129C80AE65D4}" dt="2024-06-17T21:12:30.297" v="3514" actId="478"/>
           <ac:spMkLst>
             <pc:docMk/>
             <pc:sldMk cId="2446339325" sldId="277"/>
@@ -1149,7 +1214,7 @@
           </ac:spMkLst>
         </pc:spChg>
         <pc:spChg chg="add del mod">
-          <ac:chgData name="Anxo Casal Rodriguez" userId="4252bde8-bc8f-41dd-83f3-a4e65c95fbdf" providerId="ADAL" clId="{E943E5C1-95CE-486C-92D7-129C80AE65D4}" dt="2024-06-17T18:21:37.082" v="3114" actId="20577"/>
+          <ac:chgData name="Anxo Casal Rodriguez" userId="4252bde8-bc8f-41dd-83f3-a4e65c95fbdf" providerId="ADAL" clId="{E943E5C1-95CE-486C-92D7-129C80AE65D4}" dt="2024-06-17T21:12:49.397" v="3518" actId="1076"/>
           <ac:spMkLst>
             <pc:docMk/>
             <pc:sldMk cId="2446339325" sldId="277"/>
@@ -1157,7 +1222,7 @@
           </ac:spMkLst>
         </pc:spChg>
         <pc:spChg chg="add mod">
-          <ac:chgData name="Anxo Casal Rodriguez" userId="4252bde8-bc8f-41dd-83f3-a4e65c95fbdf" providerId="ADAL" clId="{E943E5C1-95CE-486C-92D7-129C80AE65D4}" dt="2024-06-17T01:46:56.634" v="1804" actId="1076"/>
+          <ac:chgData name="Anxo Casal Rodriguez" userId="4252bde8-bc8f-41dd-83f3-a4e65c95fbdf" providerId="ADAL" clId="{E943E5C1-95CE-486C-92D7-129C80AE65D4}" dt="2024-06-17T21:12:49.397" v="3518" actId="1076"/>
           <ac:spMkLst>
             <pc:docMk/>
             <pc:sldMk cId="2446339325" sldId="277"/>
@@ -1292,12 +1357,28 @@
             <ac:picMk id="3" creationId="{3286149E-F62C-1C67-5B2C-38BACA482F76}"/>
           </ac:picMkLst>
         </pc:picChg>
+        <pc:picChg chg="add mod">
+          <ac:chgData name="Anxo Casal Rodriguez" userId="4252bde8-bc8f-41dd-83f3-a4e65c95fbdf" providerId="ADAL" clId="{E943E5C1-95CE-486C-92D7-129C80AE65D4}" dt="2024-06-17T21:14:26.580" v="3526" actId="1076"/>
+          <ac:picMkLst>
+            <pc:docMk/>
+            <pc:sldMk cId="2446339325" sldId="277"/>
+            <ac:picMk id="4" creationId="{35B07E8B-BD43-E3C3-458E-68EE5FAF13ED}"/>
+          </ac:picMkLst>
+        </pc:picChg>
         <pc:picChg chg="add del">
           <ac:chgData name="Anxo Casal Rodriguez" userId="4252bde8-bc8f-41dd-83f3-a4e65c95fbdf" providerId="ADAL" clId="{E943E5C1-95CE-486C-92D7-129C80AE65D4}" dt="2024-06-17T15:54:12.975" v="2050" actId="22"/>
           <ac:picMkLst>
             <pc:docMk/>
             <pc:sldMk cId="2446339325" sldId="277"/>
             <ac:picMk id="5" creationId="{1C26449A-CA1D-957D-2BFD-9C66AAA0B217}"/>
+          </ac:picMkLst>
+        </pc:picChg>
+        <pc:picChg chg="add mod">
+          <ac:chgData name="Anxo Casal Rodriguez" userId="4252bde8-bc8f-41dd-83f3-a4e65c95fbdf" providerId="ADAL" clId="{E943E5C1-95CE-486C-92D7-129C80AE65D4}" dt="2024-06-17T21:14:22.783" v="3523"/>
+          <ac:picMkLst>
+            <pc:docMk/>
+            <pc:sldMk cId="2446339325" sldId="277"/>
+            <ac:picMk id="7" creationId="{1E77516A-85B0-C6DD-235C-6054C963EFCD}"/>
           </ac:picMkLst>
         </pc:picChg>
         <pc:picChg chg="add del">
@@ -1308,12 +1389,52 @@
             <ac:picMk id="7" creationId="{4F0A9DCB-0CC5-5227-72B2-4B3A1178BD5C}"/>
           </ac:picMkLst>
         </pc:picChg>
-        <pc:picChg chg="add mod">
-          <ac:chgData name="Anxo Casal Rodriguez" userId="4252bde8-bc8f-41dd-83f3-a4e65c95fbdf" providerId="ADAL" clId="{E943E5C1-95CE-486C-92D7-129C80AE65D4}" dt="2024-06-17T18:21:41.913" v="3115" actId="1076"/>
+        <pc:picChg chg="add del mod">
+          <ac:chgData name="Anxo Casal Rodriguez" userId="4252bde8-bc8f-41dd-83f3-a4e65c95fbdf" providerId="ADAL" clId="{E943E5C1-95CE-486C-92D7-129C80AE65D4}" dt="2024-06-17T21:29:26.497" v="3590" actId="478"/>
           <ac:picMkLst>
             <pc:docMk/>
             <pc:sldMk cId="2446339325" sldId="277"/>
             <ac:picMk id="9" creationId="{EB87B62F-FA33-EC82-0006-A0F5072A9D9F}"/>
+          </ac:picMkLst>
+        </pc:picChg>
+        <pc:picChg chg="add del mod">
+          <ac:chgData name="Anxo Casal Rodriguez" userId="4252bde8-bc8f-41dd-83f3-a4e65c95fbdf" providerId="ADAL" clId="{E943E5C1-95CE-486C-92D7-129C80AE65D4}" dt="2024-06-17T21:15:57.865" v="3535" actId="478"/>
+          <ac:picMkLst>
+            <pc:docMk/>
+            <pc:sldMk cId="2446339325" sldId="277"/>
+            <ac:picMk id="11" creationId="{6C7C537F-5AC7-5D2F-F262-18A33DAA8097}"/>
+          </ac:picMkLst>
+        </pc:picChg>
+        <pc:picChg chg="add del mod">
+          <ac:chgData name="Anxo Casal Rodriguez" userId="4252bde8-bc8f-41dd-83f3-a4e65c95fbdf" providerId="ADAL" clId="{E943E5C1-95CE-486C-92D7-129C80AE65D4}" dt="2024-06-17T21:29:44.952" v="3595" actId="478"/>
+          <ac:picMkLst>
+            <pc:docMk/>
+            <pc:sldMk cId="2446339325" sldId="277"/>
+            <ac:picMk id="13" creationId="{4971FCB0-CE09-4270-FD22-ADFA3B160D6A}"/>
+          </ac:picMkLst>
+        </pc:picChg>
+        <pc:picChg chg="add del">
+          <ac:chgData name="Anxo Casal Rodriguez" userId="4252bde8-bc8f-41dd-83f3-a4e65c95fbdf" providerId="ADAL" clId="{E943E5C1-95CE-486C-92D7-129C80AE65D4}" dt="2024-06-17T21:29:25.275" v="3589" actId="22"/>
+          <ac:picMkLst>
+            <pc:docMk/>
+            <pc:sldMk cId="2446339325" sldId="277"/>
+            <ac:picMk id="15" creationId="{6B3AD98E-FA05-B4D1-2CB6-B25B52C1A28E}"/>
+          </ac:picMkLst>
+        </pc:picChg>
+        <pc:picChg chg="add mod">
+          <ac:chgData name="Anxo Casal Rodriguez" userId="4252bde8-bc8f-41dd-83f3-a4e65c95fbdf" providerId="ADAL" clId="{E943E5C1-95CE-486C-92D7-129C80AE65D4}" dt="2024-06-17T21:29:37.128" v="3594" actId="14100"/>
+          <ac:picMkLst>
+            <pc:docMk/>
+            <pc:sldMk cId="2446339325" sldId="277"/>
+            <ac:picMk id="17" creationId="{870C462F-6767-2DBC-8B07-9391C9F35B98}"/>
+          </ac:picMkLst>
+        </pc:picChg>
+        <pc:picChg chg="add mod">
+          <ac:chgData name="Anxo Casal Rodriguez" userId="4252bde8-bc8f-41dd-83f3-a4e65c95fbdf" providerId="ADAL" clId="{E943E5C1-95CE-486C-92D7-129C80AE65D4}" dt="2024-06-17T21:29:54.805" v="3599" actId="1076"/>
+          <ac:picMkLst>
+            <pc:docMk/>
+            <pc:sldMk cId="2446339325" sldId="277"/>
+            <ac:picMk id="20" creationId="{F2D79B81-CF36-A7C6-2617-F7458C97B0BA}"/>
           </ac:picMkLst>
         </pc:picChg>
         <pc:picChg chg="add mod">
@@ -2054,6 +2175,69 @@
           <pc:sldMk cId="0" sldId="289"/>
         </pc:sldMkLst>
       </pc:sldChg>
+      <pc:sldChg chg="addSp delSp modSp add mod">
+        <pc:chgData name="Anxo Casal Rodriguez" userId="4252bde8-bc8f-41dd-83f3-a4e65c95fbdf" providerId="ADAL" clId="{E943E5C1-95CE-486C-92D7-129C80AE65D4}" dt="2024-06-17T21:18:14.781" v="3587" actId="20577"/>
+        <pc:sldMkLst>
+          <pc:docMk/>
+          <pc:sldMk cId="999435183" sldId="289"/>
+        </pc:sldMkLst>
+        <pc:spChg chg="add del mod">
+          <ac:chgData name="Anxo Casal Rodriguez" userId="4252bde8-bc8f-41dd-83f3-a4e65c95fbdf" providerId="ADAL" clId="{E943E5C1-95CE-486C-92D7-129C80AE65D4}" dt="2024-06-17T21:17:57.178" v="3564" actId="478"/>
+          <ac:spMkLst>
+            <pc:docMk/>
+            <pc:sldMk cId="999435183" sldId="289"/>
+            <ac:spMk id="3" creationId="{32C669CA-C063-4EE4-1BCF-7A6D473327A5}"/>
+          </ac:spMkLst>
+        </pc:spChg>
+        <pc:spChg chg="del mod">
+          <ac:chgData name="Anxo Casal Rodriguez" userId="4252bde8-bc8f-41dd-83f3-a4e65c95fbdf" providerId="ADAL" clId="{E943E5C1-95CE-486C-92D7-129C80AE65D4}" dt="2024-06-17T21:17:56.172" v="3563" actId="478"/>
+          <ac:spMkLst>
+            <pc:docMk/>
+            <pc:sldMk cId="999435183" sldId="289"/>
+            <ac:spMk id="8" creationId="{B670B863-620D-ED6A-EE5D-5A78ABEB140D}"/>
+          </ac:spMkLst>
+        </pc:spChg>
+        <pc:spChg chg="del mod">
+          <ac:chgData name="Anxo Casal Rodriguez" userId="4252bde8-bc8f-41dd-83f3-a4e65c95fbdf" providerId="ADAL" clId="{E943E5C1-95CE-486C-92D7-129C80AE65D4}" dt="2024-06-17T21:17:59.469" v="3566" actId="478"/>
+          <ac:spMkLst>
+            <pc:docMk/>
+            <pc:sldMk cId="999435183" sldId="289"/>
+            <ac:spMk id="10" creationId="{A59E38FF-0D6D-9942-CDD3-0CAE74668B97}"/>
+          </ac:spMkLst>
+        </pc:spChg>
+        <pc:spChg chg="del">
+          <ac:chgData name="Anxo Casal Rodriguez" userId="4252bde8-bc8f-41dd-83f3-a4e65c95fbdf" providerId="ADAL" clId="{E943E5C1-95CE-486C-92D7-129C80AE65D4}" dt="2024-06-17T21:17:54.713" v="3562" actId="478"/>
+          <ac:spMkLst>
+            <pc:docMk/>
+            <pc:sldMk cId="999435183" sldId="289"/>
+            <ac:spMk id="23" creationId="{266A3A4D-67D0-F24E-61A4-03E9F88AEE41}"/>
+          </ac:spMkLst>
+        </pc:spChg>
+        <pc:spChg chg="mod">
+          <ac:chgData name="Anxo Casal Rodriguez" userId="4252bde8-bc8f-41dd-83f3-a4e65c95fbdf" providerId="ADAL" clId="{E943E5C1-95CE-486C-92D7-129C80AE65D4}" dt="2024-06-17T21:18:14.781" v="3587" actId="20577"/>
+          <ac:spMkLst>
+            <pc:docMk/>
+            <pc:sldMk cId="999435183" sldId="289"/>
+            <ac:spMk id="25" creationId="{C60DFFAC-1AC7-59E5-963F-88E502428D5E}"/>
+          </ac:spMkLst>
+        </pc:spChg>
+        <pc:picChg chg="del">
+          <ac:chgData name="Anxo Casal Rodriguez" userId="4252bde8-bc8f-41dd-83f3-a4e65c95fbdf" providerId="ADAL" clId="{E943E5C1-95CE-486C-92D7-129C80AE65D4}" dt="2024-06-17T21:17:51.055" v="3559" actId="478"/>
+          <ac:picMkLst>
+            <pc:docMk/>
+            <pc:sldMk cId="999435183" sldId="289"/>
+            <ac:picMk id="9" creationId="{EB87B62F-FA33-EC82-0006-A0F5072A9D9F}"/>
+          </ac:picMkLst>
+        </pc:picChg>
+        <pc:picChg chg="del">
+          <ac:chgData name="Anxo Casal Rodriguez" userId="4252bde8-bc8f-41dd-83f3-a4e65c95fbdf" providerId="ADAL" clId="{E943E5C1-95CE-486C-92D7-129C80AE65D4}" dt="2024-06-17T21:17:51.526" v="3560" actId="478"/>
+          <ac:picMkLst>
+            <pc:docMk/>
+            <pc:sldMk cId="999435183" sldId="289"/>
+            <ac:picMk id="13" creationId="{4971FCB0-CE09-4270-FD22-ADFA3B160D6A}"/>
+          </ac:picMkLst>
+        </pc:picChg>
+      </pc:sldChg>
       <pc:sldChg chg="addSp delSp modSp add del mod">
         <pc:chgData name="Anxo Casal Rodriguez" userId="4252bde8-bc8f-41dd-83f3-a4e65c95fbdf" providerId="ADAL" clId="{E943E5C1-95CE-486C-92D7-129C80AE65D4}" dt="2024-06-17T16:05:40.452" v="2200" actId="47"/>
         <pc:sldMkLst>
@@ -3285,6 +3469,115 @@
     <p:extLst>
       <p:ext uri="{BB962C8B-B14F-4D97-AF65-F5344CB8AC3E}">
         <p14:creationId xmlns:p14="http://schemas.microsoft.com/office/powerpoint/2010/main" val="1199546173"/>
+      </p:ext>
+    </p:extLst>
+  </p:cSld>
+  <p:clrMapOvr>
+    <a:masterClrMapping/>
+  </p:clrMapOvr>
+</p:notes>
+</file>
+
+<file path=ppt/notesSlides/notesSlide12.xml><?xml version="1.0" encoding="utf-8"?>
+<p:notes xmlns:a="http://schemas.openxmlformats.org/drawingml/2006/main" xmlns:r="http://schemas.openxmlformats.org/officeDocument/2006/relationships" xmlns:p="http://schemas.openxmlformats.org/presentationml/2006/main" showMasterSp="0" showMasterPhAnim="0">
+  <p:cSld>
+    <p:spTree>
+      <p:nvGrpSpPr>
+        <p:cNvPr id="1" name="Shape 870"/>
+        <p:cNvGrpSpPr/>
+        <p:nvPr/>
+      </p:nvGrpSpPr>
+      <p:grpSpPr>
+        <a:xfrm>
+          <a:off x="0" y="0"/>
+          <a:ext cx="0" cy="0"/>
+          <a:chOff x="0" y="0"/>
+          <a:chExt cx="0" cy="0"/>
+        </a:xfrm>
+      </p:grpSpPr>
+      <p:sp>
+        <p:nvSpPr>
+          <p:cNvPr id="871" name="Google Shape;871;g6bdca54fc3_0_414:notes"/>
+          <p:cNvSpPr>
+            <a:spLocks noGrp="1" noRot="1" noChangeAspect="1"/>
+          </p:cNvSpPr>
+          <p:nvPr>
+            <p:ph type="sldImg" idx="2"/>
+          </p:nvPr>
+        </p:nvSpPr>
+        <p:spPr>
+          <a:xfrm>
+            <a:off x="381000" y="685800"/>
+            <a:ext cx="6096000" cy="3429000"/>
+          </a:xfrm>
+          <a:custGeom>
+            <a:avLst/>
+            <a:gdLst/>
+            <a:ahLst/>
+            <a:cxnLst/>
+            <a:rect l="l" t="t" r="r" b="b"/>
+            <a:pathLst>
+              <a:path w="120000" h="120000" extrusionOk="0">
+                <a:moveTo>
+                  <a:pt x="0" y="0"/>
+                </a:moveTo>
+                <a:lnTo>
+                  <a:pt x="120000" y="0"/>
+                </a:lnTo>
+                <a:lnTo>
+                  <a:pt x="120000" y="120000"/>
+                </a:lnTo>
+                <a:lnTo>
+                  <a:pt x="0" y="120000"/>
+                </a:lnTo>
+                <a:close/>
+              </a:path>
+            </a:pathLst>
+          </a:custGeom>
+        </p:spPr>
+      </p:sp>
+      <p:sp>
+        <p:nvSpPr>
+          <p:cNvPr id="872" name="Google Shape;872;g6bdca54fc3_0_414:notes"/>
+          <p:cNvSpPr txBox="1">
+            <a:spLocks noGrp="1"/>
+          </p:cNvSpPr>
+          <p:nvPr>
+            <p:ph type="body" idx="1"/>
+          </p:nvPr>
+        </p:nvSpPr>
+        <p:spPr>
+          <a:xfrm>
+            <a:off x="685800" y="4343400"/>
+            <a:ext cx="5486400" cy="4114800"/>
+          </a:xfrm>
+          <a:prstGeom prst="rect">
+            <a:avLst/>
+          </a:prstGeom>
+        </p:spPr>
+        <p:txBody>
+          <a:bodyPr spcFirstLastPara="1" wrap="square" lIns="91425" tIns="91425" rIns="91425" bIns="91425" anchor="t" anchorCtr="0">
+            <a:noAutofit/>
+          </a:bodyPr>
+          <a:lstStyle/>
+          <a:p>
+            <a:pPr marL="0" lvl="0" indent="0" algn="l" rtl="0">
+              <a:spcBef>
+                <a:spcPts val="0"/>
+              </a:spcBef>
+              <a:spcAft>
+                <a:spcPts val="0"/>
+              </a:spcAft>
+              <a:buNone/>
+            </a:pPr>
+            <a:endParaRPr/>
+          </a:p>
+        </p:txBody>
+      </p:sp>
+    </p:spTree>
+    <p:extLst>
+      <p:ext uri="{BB962C8B-B14F-4D97-AF65-F5344CB8AC3E}">
+        <p14:creationId xmlns:p14="http://schemas.microsoft.com/office/powerpoint/2010/main" val="3551998417"/>
       </p:ext>
     </p:extLst>
   </p:cSld>
@@ -23341,7 +23634,7 @@
         </p:nvSpPr>
         <p:spPr>
           <a:xfrm>
-            <a:off x="222769" y="877875"/>
+            <a:off x="197668" y="877875"/>
             <a:ext cx="2738512" cy="3969923"/>
           </a:xfrm>
           <a:prstGeom prst="rect">
@@ -23537,7 +23830,7 @@
         </p:nvSpPr>
         <p:spPr>
           <a:xfrm>
-            <a:off x="3346829" y="1494294"/>
+            <a:off x="364334" y="1501290"/>
             <a:ext cx="2571846" cy="3237961"/>
           </a:xfrm>
           <a:prstGeom prst="rect">
@@ -23662,7 +23955,7 @@
         </p:nvSpPr>
         <p:spPr>
           <a:xfrm>
-            <a:off x="3535106" y="1037337"/>
+            <a:off x="552611" y="1044333"/>
             <a:ext cx="1835227" cy="348084"/>
           </a:xfrm>
           <a:prstGeom prst="rect">
@@ -24309,6 +24602,604 @@
               <a:rPr lang="es-ES" sz="1400" dirty="0"/>
               <a:t>Residual LNN</a:t>
             </a:r>
+          </a:p>
+        </p:txBody>
+      </p:sp>
+      <p:sp>
+        <p:nvSpPr>
+          <p:cNvPr id="2" name="Google Shape;1916;p47">
+            <a:extLst>
+              <a:ext uri="{FF2B5EF4-FFF2-40B4-BE49-F238E27FC236}">
+                <a16:creationId xmlns:a16="http://schemas.microsoft.com/office/drawing/2014/main" id="{4D58FCE3-8FF1-7207-4D63-F65D24E03770}"/>
+              </a:ext>
+            </a:extLst>
+          </p:cNvPr>
+          <p:cNvSpPr txBox="1">
+            <a:spLocks/>
+          </p:cNvSpPr>
+          <p:nvPr/>
+        </p:nvSpPr>
+        <p:spPr>
+          <a:xfrm>
+            <a:off x="3247917" y="1526448"/>
+            <a:ext cx="2571846" cy="3237961"/>
+          </a:xfrm>
+          <a:prstGeom prst="rect">
+            <a:avLst/>
+          </a:prstGeom>
+          <a:noFill/>
+          <a:ln>
+            <a:noFill/>
+          </a:ln>
+        </p:spPr>
+        <p:txBody>
+          <a:bodyPr spcFirstLastPara="1" wrap="square" lIns="91425" tIns="91425" rIns="91425" bIns="91425" anchor="t" anchorCtr="0">
+            <a:noAutofit/>
+          </a:bodyPr>
+          <a:lstStyle>
+            <a:defPPr marR="0" lvl="0" algn="l" rtl="0">
+              <a:lnSpc>
+                <a:spcPct val="100000"/>
+              </a:lnSpc>
+              <a:spcBef>
+                <a:spcPts val="0"/>
+              </a:spcBef>
+              <a:spcAft>
+                <a:spcPts val="0"/>
+              </a:spcAft>
+            </a:defPPr>
+            <a:lvl1pPr marL="457200" marR="0" lvl="0" indent="-342900" algn="l" rtl="0">
+              <a:lnSpc>
+                <a:spcPct val="100000"/>
+              </a:lnSpc>
+              <a:spcBef>
+                <a:spcPts val="0"/>
+              </a:spcBef>
+              <a:spcAft>
+                <a:spcPts val="0"/>
+              </a:spcAft>
+              <a:buClr>
+                <a:schemeClr val="lt2"/>
+              </a:buClr>
+              <a:buSzPts val="1800"/>
+              <a:buFont typeface="DM Sans"/>
+              <a:buChar char="●"/>
+              <a:defRPr sz="1800" b="0" i="0" u="none" strike="noStrike" cap="none">
+                <a:solidFill>
+                  <a:schemeClr val="lt2"/>
+                </a:solidFill>
+                <a:latin typeface="DM Sans"/>
+                <a:ea typeface="DM Sans"/>
+                <a:cs typeface="DM Sans"/>
+                <a:sym typeface="DM Sans"/>
+              </a:defRPr>
+            </a:lvl1pPr>
+            <a:lvl2pPr marL="914400" marR="0" lvl="1" indent="-317500" algn="l" rtl="0">
+              <a:lnSpc>
+                <a:spcPct val="100000"/>
+              </a:lnSpc>
+              <a:spcBef>
+                <a:spcPts val="1600"/>
+              </a:spcBef>
+              <a:spcAft>
+                <a:spcPts val="0"/>
+              </a:spcAft>
+              <a:buClr>
+                <a:schemeClr val="lt2"/>
+              </a:buClr>
+              <a:buSzPts val="1400"/>
+              <a:buFont typeface="DM Sans"/>
+              <a:buChar char="○"/>
+              <a:defRPr sz="1400" b="0" i="0" u="none" strike="noStrike" cap="none">
+                <a:solidFill>
+                  <a:schemeClr val="lt2"/>
+                </a:solidFill>
+                <a:latin typeface="DM Sans"/>
+                <a:ea typeface="DM Sans"/>
+                <a:cs typeface="DM Sans"/>
+                <a:sym typeface="DM Sans"/>
+              </a:defRPr>
+            </a:lvl2pPr>
+            <a:lvl3pPr marL="1371600" marR="0" lvl="2" indent="-317500" algn="l" rtl="0">
+              <a:lnSpc>
+                <a:spcPct val="100000"/>
+              </a:lnSpc>
+              <a:spcBef>
+                <a:spcPts val="1600"/>
+              </a:spcBef>
+              <a:spcAft>
+                <a:spcPts val="0"/>
+              </a:spcAft>
+              <a:buClr>
+                <a:schemeClr val="lt2"/>
+              </a:buClr>
+              <a:buSzPts val="1400"/>
+              <a:buFont typeface="DM Sans"/>
+              <a:buChar char="■"/>
+              <a:defRPr sz="1400" b="0" i="0" u="none" strike="noStrike" cap="none">
+                <a:solidFill>
+                  <a:schemeClr val="lt2"/>
+                </a:solidFill>
+                <a:latin typeface="DM Sans"/>
+                <a:ea typeface="DM Sans"/>
+                <a:cs typeface="DM Sans"/>
+                <a:sym typeface="DM Sans"/>
+              </a:defRPr>
+            </a:lvl3pPr>
+            <a:lvl4pPr marL="1828800" marR="0" lvl="3" indent="-317500" algn="l" rtl="0">
+              <a:lnSpc>
+                <a:spcPct val="100000"/>
+              </a:lnSpc>
+              <a:spcBef>
+                <a:spcPts val="1600"/>
+              </a:spcBef>
+              <a:spcAft>
+                <a:spcPts val="0"/>
+              </a:spcAft>
+              <a:buClr>
+                <a:schemeClr val="lt2"/>
+              </a:buClr>
+              <a:buSzPts val="1400"/>
+              <a:buFont typeface="DM Sans"/>
+              <a:buChar char="●"/>
+              <a:defRPr sz="1400" b="0" i="0" u="none" strike="noStrike" cap="none">
+                <a:solidFill>
+                  <a:schemeClr val="lt2"/>
+                </a:solidFill>
+                <a:latin typeface="DM Sans"/>
+                <a:ea typeface="DM Sans"/>
+                <a:cs typeface="DM Sans"/>
+                <a:sym typeface="DM Sans"/>
+              </a:defRPr>
+            </a:lvl4pPr>
+            <a:lvl5pPr marL="2286000" marR="0" lvl="4" indent="-317500" algn="l" rtl="0">
+              <a:lnSpc>
+                <a:spcPct val="100000"/>
+              </a:lnSpc>
+              <a:spcBef>
+                <a:spcPts val="1600"/>
+              </a:spcBef>
+              <a:spcAft>
+                <a:spcPts val="0"/>
+              </a:spcAft>
+              <a:buClr>
+                <a:schemeClr val="lt2"/>
+              </a:buClr>
+              <a:buSzPts val="1400"/>
+              <a:buFont typeface="DM Sans"/>
+              <a:buChar char="○"/>
+              <a:defRPr sz="1400" b="0" i="0" u="none" strike="noStrike" cap="none">
+                <a:solidFill>
+                  <a:schemeClr val="lt2"/>
+                </a:solidFill>
+                <a:latin typeface="DM Sans"/>
+                <a:ea typeface="DM Sans"/>
+                <a:cs typeface="DM Sans"/>
+                <a:sym typeface="DM Sans"/>
+              </a:defRPr>
+            </a:lvl5pPr>
+            <a:lvl6pPr marL="2743200" marR="0" lvl="5" indent="-317500" algn="l" rtl="0">
+              <a:lnSpc>
+                <a:spcPct val="100000"/>
+              </a:lnSpc>
+              <a:spcBef>
+                <a:spcPts val="1600"/>
+              </a:spcBef>
+              <a:spcAft>
+                <a:spcPts val="0"/>
+              </a:spcAft>
+              <a:buClr>
+                <a:schemeClr val="lt2"/>
+              </a:buClr>
+              <a:buSzPts val="1400"/>
+              <a:buFont typeface="DM Sans"/>
+              <a:buChar char="■"/>
+              <a:defRPr sz="1400" b="0" i="0" u="none" strike="noStrike" cap="none">
+                <a:solidFill>
+                  <a:schemeClr val="lt2"/>
+                </a:solidFill>
+                <a:latin typeface="DM Sans"/>
+                <a:ea typeface="DM Sans"/>
+                <a:cs typeface="DM Sans"/>
+                <a:sym typeface="DM Sans"/>
+              </a:defRPr>
+            </a:lvl6pPr>
+            <a:lvl7pPr marL="3200400" marR="0" lvl="6" indent="-317500" algn="l" rtl="0">
+              <a:lnSpc>
+                <a:spcPct val="100000"/>
+              </a:lnSpc>
+              <a:spcBef>
+                <a:spcPts val="1600"/>
+              </a:spcBef>
+              <a:spcAft>
+                <a:spcPts val="0"/>
+              </a:spcAft>
+              <a:buClr>
+                <a:schemeClr val="lt2"/>
+              </a:buClr>
+              <a:buSzPts val="1400"/>
+              <a:buFont typeface="DM Sans"/>
+              <a:buChar char="●"/>
+              <a:defRPr sz="1400" b="0" i="0" u="none" strike="noStrike" cap="none">
+                <a:solidFill>
+                  <a:schemeClr val="lt2"/>
+                </a:solidFill>
+                <a:latin typeface="DM Sans"/>
+                <a:ea typeface="DM Sans"/>
+                <a:cs typeface="DM Sans"/>
+                <a:sym typeface="DM Sans"/>
+              </a:defRPr>
+            </a:lvl7pPr>
+            <a:lvl8pPr marL="3657600" marR="0" lvl="7" indent="-317500" algn="l" rtl="0">
+              <a:lnSpc>
+                <a:spcPct val="100000"/>
+              </a:lnSpc>
+              <a:spcBef>
+                <a:spcPts val="1600"/>
+              </a:spcBef>
+              <a:spcAft>
+                <a:spcPts val="0"/>
+              </a:spcAft>
+              <a:buClr>
+                <a:schemeClr val="lt2"/>
+              </a:buClr>
+              <a:buSzPts val="1400"/>
+              <a:buFont typeface="DM Sans"/>
+              <a:buChar char="○"/>
+              <a:defRPr sz="1400" b="0" i="0" u="none" strike="noStrike" cap="none">
+                <a:solidFill>
+                  <a:schemeClr val="lt2"/>
+                </a:solidFill>
+                <a:latin typeface="DM Sans"/>
+                <a:ea typeface="DM Sans"/>
+                <a:cs typeface="DM Sans"/>
+                <a:sym typeface="DM Sans"/>
+              </a:defRPr>
+            </a:lvl8pPr>
+            <a:lvl9pPr marL="4114800" marR="0" lvl="8" indent="-317500" algn="l" rtl="0">
+              <a:lnSpc>
+                <a:spcPct val="100000"/>
+              </a:lnSpc>
+              <a:spcBef>
+                <a:spcPts val="1600"/>
+              </a:spcBef>
+              <a:spcAft>
+                <a:spcPts val="1600"/>
+              </a:spcAft>
+              <a:buClr>
+                <a:schemeClr val="lt2"/>
+              </a:buClr>
+              <a:buSzPts val="1400"/>
+              <a:buFont typeface="DM Sans"/>
+              <a:buChar char="■"/>
+              <a:defRPr sz="1400" b="0" i="0" u="none" strike="noStrike" cap="none">
+                <a:solidFill>
+                  <a:schemeClr val="lt2"/>
+                </a:solidFill>
+                <a:latin typeface="DM Sans"/>
+                <a:ea typeface="DM Sans"/>
+                <a:cs typeface="DM Sans"/>
+                <a:sym typeface="DM Sans"/>
+              </a:defRPr>
+            </a:lvl9pPr>
+          </a:lstStyle>
+          <a:p>
+            <a:pPr marL="139700" indent="0">
+              <a:buSzPts val="1400"/>
+              <a:buFont typeface="DM Sans"/>
+              <a:buNone/>
+            </a:pPr>
+            <a:r>
+              <a:rPr lang="es-ES" sz="1400"/>
+              <a:t>Hemos explorado también la posibilidad de afrontar el problema usando un algoritmo de clustering como es KNN.</a:t>
+            </a:r>
+          </a:p>
+          <a:p>
+            <a:pPr marL="139700" indent="0">
+              <a:buSzPts val="1400"/>
+              <a:buFont typeface="DM Sans"/>
+              <a:buNone/>
+            </a:pPr>
+            <a:endParaRPr lang="es-ES" sz="1400"/>
+          </a:p>
+          <a:p>
+            <a:pPr marL="139700" indent="0">
+              <a:buSzPts val="1400"/>
+              <a:buFont typeface="DM Sans"/>
+              <a:buNone/>
+            </a:pPr>
+            <a:r>
+              <a:rPr lang="es-ES" sz="1400"/>
+              <a:t>Este también es un modelo sencillo y ligero. No tiene explicabilidad, pero a cambio obtiene más flexibilidad frente a nuevos casos.</a:t>
+            </a:r>
+            <a:endParaRPr lang="es-ES" sz="1400" dirty="0"/>
+          </a:p>
+        </p:txBody>
+      </p:sp>
+      <p:sp>
+        <p:nvSpPr>
+          <p:cNvPr id="3" name="Google Shape;1917;p47">
+            <a:extLst>
+              <a:ext uri="{FF2B5EF4-FFF2-40B4-BE49-F238E27FC236}">
+                <a16:creationId xmlns:a16="http://schemas.microsoft.com/office/drawing/2014/main" id="{78D391C4-7CA9-4BA6-7F8C-516476B28AC2}"/>
+              </a:ext>
+            </a:extLst>
+          </p:cNvPr>
+          <p:cNvSpPr txBox="1">
+            <a:spLocks/>
+          </p:cNvSpPr>
+          <p:nvPr/>
+        </p:nvSpPr>
+        <p:spPr>
+          <a:xfrm>
+            <a:off x="3436194" y="1069491"/>
+            <a:ext cx="1835227" cy="348084"/>
+          </a:xfrm>
+          <a:prstGeom prst="rect">
+            <a:avLst/>
+          </a:prstGeom>
+          <a:noFill/>
+          <a:ln>
+            <a:noFill/>
+          </a:ln>
+        </p:spPr>
+        <p:txBody>
+          <a:bodyPr spcFirstLastPara="1" wrap="square" lIns="91425" tIns="91425" rIns="91425" bIns="91425" anchor="t" anchorCtr="0">
+            <a:noAutofit/>
+          </a:bodyPr>
+          <a:lstStyle>
+            <a:defPPr marR="0" lvl="0" algn="l" rtl="0">
+              <a:lnSpc>
+                <a:spcPct val="100000"/>
+              </a:lnSpc>
+              <a:spcBef>
+                <a:spcPts val="0"/>
+              </a:spcBef>
+              <a:spcAft>
+                <a:spcPts val="0"/>
+              </a:spcAft>
+            </a:defPPr>
+            <a:lvl1pPr marR="0" lvl="0" algn="l" rtl="0">
+              <a:lnSpc>
+                <a:spcPct val="100000"/>
+              </a:lnSpc>
+              <a:spcBef>
+                <a:spcPts val="0"/>
+              </a:spcBef>
+              <a:spcAft>
+                <a:spcPts val="0"/>
+              </a:spcAft>
+              <a:buClr>
+                <a:schemeClr val="lt2"/>
+              </a:buClr>
+              <a:buSzPts val="2400"/>
+              <a:buFont typeface="Viga"/>
+              <a:buNone/>
+              <a:defRPr sz="2400" b="0" i="0" u="none" strike="noStrike" cap="none">
+                <a:solidFill>
+                  <a:schemeClr val="lt2"/>
+                </a:solidFill>
+                <a:latin typeface="Viga"/>
+                <a:ea typeface="Viga"/>
+                <a:cs typeface="Viga"/>
+                <a:sym typeface="Viga"/>
+              </a:defRPr>
+            </a:lvl1pPr>
+            <a:lvl2pPr marR="0" lvl="1" algn="l" rtl="0">
+              <a:lnSpc>
+                <a:spcPct val="100000"/>
+              </a:lnSpc>
+              <a:spcBef>
+                <a:spcPts val="0"/>
+              </a:spcBef>
+              <a:spcAft>
+                <a:spcPts val="0"/>
+              </a:spcAft>
+              <a:buClr>
+                <a:schemeClr val="lt2"/>
+              </a:buClr>
+              <a:buSzPts val="2400"/>
+              <a:buFont typeface="Arial"/>
+              <a:buNone/>
+              <a:defRPr sz="2400" b="0" i="0" u="none" strike="noStrike" cap="none">
+                <a:solidFill>
+                  <a:schemeClr val="lt2"/>
+                </a:solidFill>
+                <a:latin typeface="Arial"/>
+                <a:ea typeface="Arial"/>
+                <a:cs typeface="Arial"/>
+                <a:sym typeface="Arial"/>
+              </a:defRPr>
+            </a:lvl2pPr>
+            <a:lvl3pPr marR="0" lvl="2" algn="l" rtl="0">
+              <a:lnSpc>
+                <a:spcPct val="100000"/>
+              </a:lnSpc>
+              <a:spcBef>
+                <a:spcPts val="0"/>
+              </a:spcBef>
+              <a:spcAft>
+                <a:spcPts val="0"/>
+              </a:spcAft>
+              <a:buClr>
+                <a:schemeClr val="lt2"/>
+              </a:buClr>
+              <a:buSzPts val="2400"/>
+              <a:buFont typeface="Arial"/>
+              <a:buNone/>
+              <a:defRPr sz="2400" b="0" i="0" u="none" strike="noStrike" cap="none">
+                <a:solidFill>
+                  <a:schemeClr val="lt2"/>
+                </a:solidFill>
+                <a:latin typeface="Arial"/>
+                <a:ea typeface="Arial"/>
+                <a:cs typeface="Arial"/>
+                <a:sym typeface="Arial"/>
+              </a:defRPr>
+            </a:lvl3pPr>
+            <a:lvl4pPr marR="0" lvl="3" algn="l" rtl="0">
+              <a:lnSpc>
+                <a:spcPct val="100000"/>
+              </a:lnSpc>
+              <a:spcBef>
+                <a:spcPts val="0"/>
+              </a:spcBef>
+              <a:spcAft>
+                <a:spcPts val="0"/>
+              </a:spcAft>
+              <a:buClr>
+                <a:schemeClr val="lt2"/>
+              </a:buClr>
+              <a:buSzPts val="2400"/>
+              <a:buFont typeface="Arial"/>
+              <a:buNone/>
+              <a:defRPr sz="2400" b="0" i="0" u="none" strike="noStrike" cap="none">
+                <a:solidFill>
+                  <a:schemeClr val="lt2"/>
+                </a:solidFill>
+                <a:latin typeface="Arial"/>
+                <a:ea typeface="Arial"/>
+                <a:cs typeface="Arial"/>
+                <a:sym typeface="Arial"/>
+              </a:defRPr>
+            </a:lvl4pPr>
+            <a:lvl5pPr marR="0" lvl="4" algn="l" rtl="0">
+              <a:lnSpc>
+                <a:spcPct val="100000"/>
+              </a:lnSpc>
+              <a:spcBef>
+                <a:spcPts val="0"/>
+              </a:spcBef>
+              <a:spcAft>
+                <a:spcPts val="0"/>
+              </a:spcAft>
+              <a:buClr>
+                <a:schemeClr val="lt2"/>
+              </a:buClr>
+              <a:buSzPts val="2400"/>
+              <a:buFont typeface="Arial"/>
+              <a:buNone/>
+              <a:defRPr sz="2400" b="0" i="0" u="none" strike="noStrike" cap="none">
+                <a:solidFill>
+                  <a:schemeClr val="lt2"/>
+                </a:solidFill>
+                <a:latin typeface="Arial"/>
+                <a:ea typeface="Arial"/>
+                <a:cs typeface="Arial"/>
+                <a:sym typeface="Arial"/>
+              </a:defRPr>
+            </a:lvl5pPr>
+            <a:lvl6pPr marR="0" lvl="5" algn="l" rtl="0">
+              <a:lnSpc>
+                <a:spcPct val="100000"/>
+              </a:lnSpc>
+              <a:spcBef>
+                <a:spcPts val="0"/>
+              </a:spcBef>
+              <a:spcAft>
+                <a:spcPts val="0"/>
+              </a:spcAft>
+              <a:buClr>
+                <a:schemeClr val="lt2"/>
+              </a:buClr>
+              <a:buSzPts val="2400"/>
+              <a:buFont typeface="Arial"/>
+              <a:buNone/>
+              <a:defRPr sz="2400" b="0" i="0" u="none" strike="noStrike" cap="none">
+                <a:solidFill>
+                  <a:schemeClr val="lt2"/>
+                </a:solidFill>
+                <a:latin typeface="Arial"/>
+                <a:ea typeface="Arial"/>
+                <a:cs typeface="Arial"/>
+                <a:sym typeface="Arial"/>
+              </a:defRPr>
+            </a:lvl6pPr>
+            <a:lvl7pPr marR="0" lvl="6" algn="l" rtl="0">
+              <a:lnSpc>
+                <a:spcPct val="100000"/>
+              </a:lnSpc>
+              <a:spcBef>
+                <a:spcPts val="0"/>
+              </a:spcBef>
+              <a:spcAft>
+                <a:spcPts val="0"/>
+              </a:spcAft>
+              <a:buClr>
+                <a:schemeClr val="lt2"/>
+              </a:buClr>
+              <a:buSzPts val="2400"/>
+              <a:buFont typeface="Arial"/>
+              <a:buNone/>
+              <a:defRPr sz="2400" b="0" i="0" u="none" strike="noStrike" cap="none">
+                <a:solidFill>
+                  <a:schemeClr val="lt2"/>
+                </a:solidFill>
+                <a:latin typeface="Arial"/>
+                <a:ea typeface="Arial"/>
+                <a:cs typeface="Arial"/>
+                <a:sym typeface="Arial"/>
+              </a:defRPr>
+            </a:lvl7pPr>
+            <a:lvl8pPr marR="0" lvl="7" algn="l" rtl="0">
+              <a:lnSpc>
+                <a:spcPct val="100000"/>
+              </a:lnSpc>
+              <a:spcBef>
+                <a:spcPts val="0"/>
+              </a:spcBef>
+              <a:spcAft>
+                <a:spcPts val="0"/>
+              </a:spcAft>
+              <a:buClr>
+                <a:schemeClr val="lt2"/>
+              </a:buClr>
+              <a:buSzPts val="2400"/>
+              <a:buFont typeface="Arial"/>
+              <a:buNone/>
+              <a:defRPr sz="2400" b="0" i="0" u="none" strike="noStrike" cap="none">
+                <a:solidFill>
+                  <a:schemeClr val="lt2"/>
+                </a:solidFill>
+                <a:latin typeface="Arial"/>
+                <a:ea typeface="Arial"/>
+                <a:cs typeface="Arial"/>
+                <a:sym typeface="Arial"/>
+              </a:defRPr>
+            </a:lvl8pPr>
+            <a:lvl9pPr marR="0" lvl="8" algn="l" rtl="0">
+              <a:lnSpc>
+                <a:spcPct val="100000"/>
+              </a:lnSpc>
+              <a:spcBef>
+                <a:spcPts val="0"/>
+              </a:spcBef>
+              <a:spcAft>
+                <a:spcPts val="0"/>
+              </a:spcAft>
+              <a:buClr>
+                <a:schemeClr val="lt2"/>
+              </a:buClr>
+              <a:buSzPts val="2400"/>
+              <a:buFont typeface="Arial"/>
+              <a:buNone/>
+              <a:defRPr sz="2400" b="0" i="0" u="none" strike="noStrike" cap="none">
+                <a:solidFill>
+                  <a:schemeClr val="lt2"/>
+                </a:solidFill>
+                <a:latin typeface="Arial"/>
+                <a:ea typeface="Arial"/>
+                <a:cs typeface="Arial"/>
+                <a:sym typeface="Arial"/>
+              </a:defRPr>
+            </a:lvl9pPr>
+          </a:lstStyle>
+          <a:p>
+            <a:r>
+              <a:rPr lang="es-ES" sz="1400"/>
+              <a:t>KNN</a:t>
+            </a:r>
+            <a:endParaRPr lang="es-ES" sz="1400" dirty="0"/>
           </a:p>
         </p:txBody>
       </p:sp>
@@ -24381,66 +25272,6 @@
               <a:t>Modelos</a:t>
             </a:r>
             <a:endParaRPr dirty="0"/>
-          </a:p>
-        </p:txBody>
-      </p:sp>
-      <p:sp>
-        <p:nvSpPr>
-          <p:cNvPr id="19" name="Marcador de texto 18">
-            <a:extLst>
-              <a:ext uri="{FF2B5EF4-FFF2-40B4-BE49-F238E27FC236}">
-                <a16:creationId xmlns:a16="http://schemas.microsoft.com/office/drawing/2014/main" id="{915C3C14-96A6-013A-3E27-96BD24A21ACB}"/>
-              </a:ext>
-            </a:extLst>
-          </p:cNvPr>
-          <p:cNvSpPr>
-            <a:spLocks noGrp="1"/>
-          </p:cNvSpPr>
-          <p:nvPr>
-            <p:ph type="body" idx="1"/>
-          </p:nvPr>
-        </p:nvSpPr>
-        <p:spPr>
-          <a:xfrm>
-            <a:off x="6303375" y="1348255"/>
-            <a:ext cx="2214000" cy="1149900"/>
-          </a:xfrm>
-        </p:spPr>
-        <p:txBody>
-          <a:bodyPr/>
-          <a:lstStyle/>
-          <a:p>
-            <a:endParaRPr lang="es-ES" dirty="0"/>
-          </a:p>
-        </p:txBody>
-      </p:sp>
-      <p:sp>
-        <p:nvSpPr>
-          <p:cNvPr id="21" name="Título 20">
-            <a:extLst>
-              <a:ext uri="{FF2B5EF4-FFF2-40B4-BE49-F238E27FC236}">
-                <a16:creationId xmlns:a16="http://schemas.microsoft.com/office/drawing/2014/main" id="{D4AF13C9-E927-FBDC-7C95-70B515EB736A}"/>
-              </a:ext>
-            </a:extLst>
-          </p:cNvPr>
-          <p:cNvSpPr>
-            <a:spLocks noGrp="1"/>
-          </p:cNvSpPr>
-          <p:nvPr>
-            <p:ph type="title" idx="2"/>
-          </p:nvPr>
-        </p:nvSpPr>
-        <p:spPr>
-          <a:xfrm>
-            <a:off x="6303375" y="850404"/>
-            <a:ext cx="2214000" cy="539700"/>
-          </a:xfrm>
-        </p:spPr>
-        <p:txBody>
-          <a:bodyPr/>
-          <a:lstStyle/>
-          <a:p>
-            <a:endParaRPr lang="es-ES" dirty="0"/>
           </a:p>
         </p:txBody>
       </p:sp>
@@ -24546,12 +25377,611 @@
           </a:p>
         </p:txBody>
       </p:sp>
+      <p:sp>
+        <p:nvSpPr>
+          <p:cNvPr id="8" name="Marcador de texto 22">
+            <a:extLst>
+              <a:ext uri="{FF2B5EF4-FFF2-40B4-BE49-F238E27FC236}">
+                <a16:creationId xmlns:a16="http://schemas.microsoft.com/office/drawing/2014/main" id="{B670B863-620D-ED6A-EE5D-5A78ABEB140D}"/>
+              </a:ext>
+            </a:extLst>
+          </p:cNvPr>
+          <p:cNvSpPr txBox="1">
+            <a:spLocks/>
+          </p:cNvSpPr>
+          <p:nvPr/>
+        </p:nvSpPr>
+        <p:spPr>
+          <a:xfrm>
+            <a:off x="5035505" y="1366146"/>
+            <a:ext cx="3350239" cy="1149900"/>
+          </a:xfrm>
+          <a:prstGeom prst="rect">
+            <a:avLst/>
+          </a:prstGeom>
+          <a:noFill/>
+          <a:ln>
+            <a:noFill/>
+          </a:ln>
+        </p:spPr>
+        <p:txBody>
+          <a:bodyPr spcFirstLastPara="1" wrap="square" lIns="91425" tIns="91425" rIns="91425" bIns="91425" anchor="t" anchorCtr="0">
+            <a:noAutofit/>
+          </a:bodyPr>
+          <a:lstStyle>
+            <a:defPPr marR="0" lvl="0" algn="l" rtl="0">
+              <a:lnSpc>
+                <a:spcPct val="100000"/>
+              </a:lnSpc>
+              <a:spcBef>
+                <a:spcPts val="0"/>
+              </a:spcBef>
+              <a:spcAft>
+                <a:spcPts val="0"/>
+              </a:spcAft>
+            </a:defPPr>
+            <a:lvl1pPr marL="457200" marR="0" lvl="0" indent="-317500" algn="ctr" rtl="0">
+              <a:lnSpc>
+                <a:spcPct val="100000"/>
+              </a:lnSpc>
+              <a:spcBef>
+                <a:spcPts val="0"/>
+              </a:spcBef>
+              <a:spcAft>
+                <a:spcPts val="0"/>
+              </a:spcAft>
+              <a:buClr>
+                <a:schemeClr val="lt2"/>
+              </a:buClr>
+              <a:buSzPts val="1400"/>
+              <a:buFont typeface="DM Sans"/>
+              <a:buChar char="●"/>
+              <a:defRPr sz="1400" b="0" i="0" u="none" strike="noStrike" cap="none">
+                <a:solidFill>
+                  <a:schemeClr val="lt2"/>
+                </a:solidFill>
+                <a:latin typeface="DM Sans"/>
+                <a:ea typeface="DM Sans"/>
+                <a:cs typeface="DM Sans"/>
+                <a:sym typeface="DM Sans"/>
+              </a:defRPr>
+            </a:lvl1pPr>
+            <a:lvl2pPr marL="914400" marR="0" lvl="1" indent="-317500" algn="ctr" rtl="0">
+              <a:lnSpc>
+                <a:spcPct val="100000"/>
+              </a:lnSpc>
+              <a:spcBef>
+                <a:spcPts val="1600"/>
+              </a:spcBef>
+              <a:spcAft>
+                <a:spcPts val="0"/>
+              </a:spcAft>
+              <a:buClr>
+                <a:schemeClr val="lt2"/>
+              </a:buClr>
+              <a:buSzPts val="1400"/>
+              <a:buFont typeface="DM Sans"/>
+              <a:buChar char="○"/>
+              <a:defRPr sz="1400" b="0" i="0" u="none" strike="noStrike" cap="none">
+                <a:solidFill>
+                  <a:schemeClr val="lt2"/>
+                </a:solidFill>
+                <a:latin typeface="DM Sans"/>
+                <a:ea typeface="DM Sans"/>
+                <a:cs typeface="DM Sans"/>
+                <a:sym typeface="DM Sans"/>
+              </a:defRPr>
+            </a:lvl2pPr>
+            <a:lvl3pPr marL="1371600" marR="0" lvl="2" indent="-317500" algn="ctr" rtl="0">
+              <a:lnSpc>
+                <a:spcPct val="100000"/>
+              </a:lnSpc>
+              <a:spcBef>
+                <a:spcPts val="1600"/>
+              </a:spcBef>
+              <a:spcAft>
+                <a:spcPts val="0"/>
+              </a:spcAft>
+              <a:buClr>
+                <a:schemeClr val="lt2"/>
+              </a:buClr>
+              <a:buSzPts val="1400"/>
+              <a:buFont typeface="DM Sans"/>
+              <a:buChar char="■"/>
+              <a:defRPr sz="1400" b="0" i="0" u="none" strike="noStrike" cap="none">
+                <a:solidFill>
+                  <a:schemeClr val="lt2"/>
+                </a:solidFill>
+                <a:latin typeface="DM Sans"/>
+                <a:ea typeface="DM Sans"/>
+                <a:cs typeface="DM Sans"/>
+                <a:sym typeface="DM Sans"/>
+              </a:defRPr>
+            </a:lvl3pPr>
+            <a:lvl4pPr marL="1828800" marR="0" lvl="3" indent="-317500" algn="ctr" rtl="0">
+              <a:lnSpc>
+                <a:spcPct val="100000"/>
+              </a:lnSpc>
+              <a:spcBef>
+                <a:spcPts val="1600"/>
+              </a:spcBef>
+              <a:spcAft>
+                <a:spcPts val="0"/>
+              </a:spcAft>
+              <a:buClr>
+                <a:schemeClr val="lt2"/>
+              </a:buClr>
+              <a:buSzPts val="1400"/>
+              <a:buFont typeface="DM Sans"/>
+              <a:buChar char="●"/>
+              <a:defRPr sz="1400" b="0" i="0" u="none" strike="noStrike" cap="none">
+                <a:solidFill>
+                  <a:schemeClr val="lt2"/>
+                </a:solidFill>
+                <a:latin typeface="DM Sans"/>
+                <a:ea typeface="DM Sans"/>
+                <a:cs typeface="DM Sans"/>
+                <a:sym typeface="DM Sans"/>
+              </a:defRPr>
+            </a:lvl4pPr>
+            <a:lvl5pPr marL="2286000" marR="0" lvl="4" indent="-317500" algn="ctr" rtl="0">
+              <a:lnSpc>
+                <a:spcPct val="100000"/>
+              </a:lnSpc>
+              <a:spcBef>
+                <a:spcPts val="1600"/>
+              </a:spcBef>
+              <a:spcAft>
+                <a:spcPts val="0"/>
+              </a:spcAft>
+              <a:buClr>
+                <a:schemeClr val="lt2"/>
+              </a:buClr>
+              <a:buSzPts val="1400"/>
+              <a:buFont typeface="DM Sans"/>
+              <a:buChar char="○"/>
+              <a:defRPr sz="1400" b="0" i="0" u="none" strike="noStrike" cap="none">
+                <a:solidFill>
+                  <a:schemeClr val="lt2"/>
+                </a:solidFill>
+                <a:latin typeface="DM Sans"/>
+                <a:ea typeface="DM Sans"/>
+                <a:cs typeface="DM Sans"/>
+                <a:sym typeface="DM Sans"/>
+              </a:defRPr>
+            </a:lvl5pPr>
+            <a:lvl6pPr marL="2743200" marR="0" lvl="5" indent="-317500" algn="ctr" rtl="0">
+              <a:lnSpc>
+                <a:spcPct val="100000"/>
+              </a:lnSpc>
+              <a:spcBef>
+                <a:spcPts val="1600"/>
+              </a:spcBef>
+              <a:spcAft>
+                <a:spcPts val="0"/>
+              </a:spcAft>
+              <a:buClr>
+                <a:schemeClr val="lt2"/>
+              </a:buClr>
+              <a:buSzPts val="1400"/>
+              <a:buFont typeface="DM Sans"/>
+              <a:buChar char="■"/>
+              <a:defRPr sz="1400" b="0" i="0" u="none" strike="noStrike" cap="none">
+                <a:solidFill>
+                  <a:schemeClr val="lt2"/>
+                </a:solidFill>
+                <a:latin typeface="DM Sans"/>
+                <a:ea typeface="DM Sans"/>
+                <a:cs typeface="DM Sans"/>
+                <a:sym typeface="DM Sans"/>
+              </a:defRPr>
+            </a:lvl6pPr>
+            <a:lvl7pPr marL="3200400" marR="0" lvl="6" indent="-317500" algn="ctr" rtl="0">
+              <a:lnSpc>
+                <a:spcPct val="100000"/>
+              </a:lnSpc>
+              <a:spcBef>
+                <a:spcPts val="1600"/>
+              </a:spcBef>
+              <a:spcAft>
+                <a:spcPts val="0"/>
+              </a:spcAft>
+              <a:buClr>
+                <a:schemeClr val="lt2"/>
+              </a:buClr>
+              <a:buSzPts val="1400"/>
+              <a:buFont typeface="DM Sans"/>
+              <a:buChar char="●"/>
+              <a:defRPr sz="1400" b="0" i="0" u="none" strike="noStrike" cap="none">
+                <a:solidFill>
+                  <a:schemeClr val="lt2"/>
+                </a:solidFill>
+                <a:latin typeface="DM Sans"/>
+                <a:ea typeface="DM Sans"/>
+                <a:cs typeface="DM Sans"/>
+                <a:sym typeface="DM Sans"/>
+              </a:defRPr>
+            </a:lvl7pPr>
+            <a:lvl8pPr marL="3657600" marR="0" lvl="7" indent="-317500" algn="ctr" rtl="0">
+              <a:lnSpc>
+                <a:spcPct val="100000"/>
+              </a:lnSpc>
+              <a:spcBef>
+                <a:spcPts val="1600"/>
+              </a:spcBef>
+              <a:spcAft>
+                <a:spcPts val="0"/>
+              </a:spcAft>
+              <a:buClr>
+                <a:schemeClr val="lt2"/>
+              </a:buClr>
+              <a:buSzPts val="1400"/>
+              <a:buFont typeface="DM Sans"/>
+              <a:buChar char="○"/>
+              <a:defRPr sz="1400" b="0" i="0" u="none" strike="noStrike" cap="none">
+                <a:solidFill>
+                  <a:schemeClr val="lt2"/>
+                </a:solidFill>
+                <a:latin typeface="DM Sans"/>
+                <a:ea typeface="DM Sans"/>
+                <a:cs typeface="DM Sans"/>
+                <a:sym typeface="DM Sans"/>
+              </a:defRPr>
+            </a:lvl8pPr>
+            <a:lvl9pPr marL="4114800" marR="0" lvl="8" indent="-317500" algn="ctr" rtl="0">
+              <a:lnSpc>
+                <a:spcPct val="100000"/>
+              </a:lnSpc>
+              <a:spcBef>
+                <a:spcPts val="1600"/>
+              </a:spcBef>
+              <a:spcAft>
+                <a:spcPts val="1600"/>
+              </a:spcAft>
+              <a:buClr>
+                <a:schemeClr val="lt2"/>
+              </a:buClr>
+              <a:buSzPts val="1400"/>
+              <a:buFont typeface="DM Sans"/>
+              <a:buChar char="■"/>
+              <a:defRPr sz="1400" b="0" i="0" u="none" strike="noStrike" cap="none">
+                <a:solidFill>
+                  <a:schemeClr val="lt2"/>
+                </a:solidFill>
+                <a:latin typeface="DM Sans"/>
+                <a:ea typeface="DM Sans"/>
+                <a:cs typeface="DM Sans"/>
+                <a:sym typeface="DM Sans"/>
+              </a:defRPr>
+            </a:lvl9pPr>
+          </a:lstStyle>
+          <a:p>
+            <a:pPr algn="l"/>
+            <a:r>
+              <a:rPr lang="es-ES"/>
+              <a:t>89% de precisión media</a:t>
+            </a:r>
+          </a:p>
+          <a:p>
+            <a:pPr algn="l"/>
+            <a:r>
+              <a:rPr lang="es-ES"/>
+              <a:t>99% de precisión de benignos</a:t>
+            </a:r>
+          </a:p>
+          <a:p>
+            <a:pPr algn="l"/>
+            <a:r>
+              <a:rPr lang="es-ES"/>
+              <a:t>98% de recall de benignos</a:t>
+            </a:r>
+          </a:p>
+          <a:p>
+            <a:pPr algn="l"/>
+            <a:r>
+              <a:rPr lang="es-ES"/>
+              <a:t>Flexibilidad</a:t>
+            </a:r>
+          </a:p>
+          <a:p>
+            <a:pPr algn="l"/>
+            <a:endParaRPr lang="es-ES" dirty="0"/>
+          </a:p>
+        </p:txBody>
+      </p:sp>
+      <p:sp>
+        <p:nvSpPr>
+          <p:cNvPr id="10" name="Título 24">
+            <a:extLst>
+              <a:ext uri="{FF2B5EF4-FFF2-40B4-BE49-F238E27FC236}">
+                <a16:creationId xmlns:a16="http://schemas.microsoft.com/office/drawing/2014/main" id="{A59E38FF-0D6D-9942-CDD3-0CAE74668B97}"/>
+              </a:ext>
+            </a:extLst>
+          </p:cNvPr>
+          <p:cNvSpPr txBox="1">
+            <a:spLocks/>
+          </p:cNvSpPr>
+          <p:nvPr/>
+        </p:nvSpPr>
+        <p:spPr>
+          <a:xfrm>
+            <a:off x="5640946" y="877875"/>
+            <a:ext cx="2214000" cy="539700"/>
+          </a:xfrm>
+          <a:prstGeom prst="rect">
+            <a:avLst/>
+          </a:prstGeom>
+          <a:noFill/>
+          <a:ln>
+            <a:noFill/>
+          </a:ln>
+        </p:spPr>
+        <p:txBody>
+          <a:bodyPr spcFirstLastPara="1" wrap="square" lIns="91425" tIns="91425" rIns="91425" bIns="91425" anchor="b" anchorCtr="0">
+            <a:noAutofit/>
+          </a:bodyPr>
+          <a:lstStyle>
+            <a:defPPr marR="0" lvl="0" algn="l" rtl="0">
+              <a:lnSpc>
+                <a:spcPct val="100000"/>
+              </a:lnSpc>
+              <a:spcBef>
+                <a:spcPts val="0"/>
+              </a:spcBef>
+              <a:spcAft>
+                <a:spcPts val="0"/>
+              </a:spcAft>
+            </a:defPPr>
+            <a:lvl1pPr marR="0" lvl="0" algn="ctr" rtl="0">
+              <a:lnSpc>
+                <a:spcPct val="100000"/>
+              </a:lnSpc>
+              <a:spcBef>
+                <a:spcPts val="0"/>
+              </a:spcBef>
+              <a:spcAft>
+                <a:spcPts val="0"/>
+              </a:spcAft>
+              <a:buClr>
+                <a:schemeClr val="lt2"/>
+              </a:buClr>
+              <a:buSzPts val="1800"/>
+              <a:buFont typeface="Viga"/>
+              <a:buNone/>
+              <a:defRPr sz="1800" b="0" i="0" u="none" strike="noStrike" cap="none">
+                <a:solidFill>
+                  <a:schemeClr val="lt2"/>
+                </a:solidFill>
+                <a:latin typeface="Viga"/>
+                <a:ea typeface="Viga"/>
+                <a:cs typeface="Viga"/>
+                <a:sym typeface="Viga"/>
+              </a:defRPr>
+            </a:lvl1pPr>
+            <a:lvl2pPr marR="0" lvl="1" algn="ctr" rtl="0">
+              <a:lnSpc>
+                <a:spcPct val="100000"/>
+              </a:lnSpc>
+              <a:spcBef>
+                <a:spcPts val="0"/>
+              </a:spcBef>
+              <a:spcAft>
+                <a:spcPts val="0"/>
+              </a:spcAft>
+              <a:buClr>
+                <a:schemeClr val="lt2"/>
+              </a:buClr>
+              <a:buSzPts val="1800"/>
+              <a:buFont typeface="Arial"/>
+              <a:buNone/>
+              <a:defRPr sz="1800" b="0" i="0" u="none" strike="noStrike" cap="none">
+                <a:solidFill>
+                  <a:schemeClr val="lt2"/>
+                </a:solidFill>
+                <a:latin typeface="Arial"/>
+                <a:ea typeface="Arial"/>
+                <a:cs typeface="Arial"/>
+                <a:sym typeface="Arial"/>
+              </a:defRPr>
+            </a:lvl2pPr>
+            <a:lvl3pPr marR="0" lvl="2" algn="ctr" rtl="0">
+              <a:lnSpc>
+                <a:spcPct val="100000"/>
+              </a:lnSpc>
+              <a:spcBef>
+                <a:spcPts val="0"/>
+              </a:spcBef>
+              <a:spcAft>
+                <a:spcPts val="0"/>
+              </a:spcAft>
+              <a:buClr>
+                <a:schemeClr val="lt2"/>
+              </a:buClr>
+              <a:buSzPts val="1800"/>
+              <a:buFont typeface="Arial"/>
+              <a:buNone/>
+              <a:defRPr sz="1800" b="0" i="0" u="none" strike="noStrike" cap="none">
+                <a:solidFill>
+                  <a:schemeClr val="lt2"/>
+                </a:solidFill>
+                <a:latin typeface="Arial"/>
+                <a:ea typeface="Arial"/>
+                <a:cs typeface="Arial"/>
+                <a:sym typeface="Arial"/>
+              </a:defRPr>
+            </a:lvl3pPr>
+            <a:lvl4pPr marR="0" lvl="3" algn="ctr" rtl="0">
+              <a:lnSpc>
+                <a:spcPct val="100000"/>
+              </a:lnSpc>
+              <a:spcBef>
+                <a:spcPts val="0"/>
+              </a:spcBef>
+              <a:spcAft>
+                <a:spcPts val="0"/>
+              </a:spcAft>
+              <a:buClr>
+                <a:schemeClr val="lt2"/>
+              </a:buClr>
+              <a:buSzPts val="1800"/>
+              <a:buFont typeface="Arial"/>
+              <a:buNone/>
+              <a:defRPr sz="1800" b="0" i="0" u="none" strike="noStrike" cap="none">
+                <a:solidFill>
+                  <a:schemeClr val="lt2"/>
+                </a:solidFill>
+                <a:latin typeface="Arial"/>
+                <a:ea typeface="Arial"/>
+                <a:cs typeface="Arial"/>
+                <a:sym typeface="Arial"/>
+              </a:defRPr>
+            </a:lvl4pPr>
+            <a:lvl5pPr marR="0" lvl="4" algn="ctr" rtl="0">
+              <a:lnSpc>
+                <a:spcPct val="100000"/>
+              </a:lnSpc>
+              <a:spcBef>
+                <a:spcPts val="0"/>
+              </a:spcBef>
+              <a:spcAft>
+                <a:spcPts val="0"/>
+              </a:spcAft>
+              <a:buClr>
+                <a:schemeClr val="lt2"/>
+              </a:buClr>
+              <a:buSzPts val="1800"/>
+              <a:buFont typeface="Arial"/>
+              <a:buNone/>
+              <a:defRPr sz="1800" b="0" i="0" u="none" strike="noStrike" cap="none">
+                <a:solidFill>
+                  <a:schemeClr val="lt2"/>
+                </a:solidFill>
+                <a:latin typeface="Arial"/>
+                <a:ea typeface="Arial"/>
+                <a:cs typeface="Arial"/>
+                <a:sym typeface="Arial"/>
+              </a:defRPr>
+            </a:lvl5pPr>
+            <a:lvl6pPr marR="0" lvl="5" algn="ctr" rtl="0">
+              <a:lnSpc>
+                <a:spcPct val="100000"/>
+              </a:lnSpc>
+              <a:spcBef>
+                <a:spcPts val="0"/>
+              </a:spcBef>
+              <a:spcAft>
+                <a:spcPts val="0"/>
+              </a:spcAft>
+              <a:buClr>
+                <a:schemeClr val="lt2"/>
+              </a:buClr>
+              <a:buSzPts val="1800"/>
+              <a:buFont typeface="Arial"/>
+              <a:buNone/>
+              <a:defRPr sz="1800" b="0" i="0" u="none" strike="noStrike" cap="none">
+                <a:solidFill>
+                  <a:schemeClr val="lt2"/>
+                </a:solidFill>
+                <a:latin typeface="Arial"/>
+                <a:ea typeface="Arial"/>
+                <a:cs typeface="Arial"/>
+                <a:sym typeface="Arial"/>
+              </a:defRPr>
+            </a:lvl6pPr>
+            <a:lvl7pPr marR="0" lvl="6" algn="ctr" rtl="0">
+              <a:lnSpc>
+                <a:spcPct val="100000"/>
+              </a:lnSpc>
+              <a:spcBef>
+                <a:spcPts val="0"/>
+              </a:spcBef>
+              <a:spcAft>
+                <a:spcPts val="0"/>
+              </a:spcAft>
+              <a:buClr>
+                <a:schemeClr val="lt2"/>
+              </a:buClr>
+              <a:buSzPts val="1800"/>
+              <a:buFont typeface="Arial"/>
+              <a:buNone/>
+              <a:defRPr sz="1800" b="0" i="0" u="none" strike="noStrike" cap="none">
+                <a:solidFill>
+                  <a:schemeClr val="lt2"/>
+                </a:solidFill>
+                <a:latin typeface="Arial"/>
+                <a:ea typeface="Arial"/>
+                <a:cs typeface="Arial"/>
+                <a:sym typeface="Arial"/>
+              </a:defRPr>
+            </a:lvl7pPr>
+            <a:lvl8pPr marR="0" lvl="7" algn="ctr" rtl="0">
+              <a:lnSpc>
+                <a:spcPct val="100000"/>
+              </a:lnSpc>
+              <a:spcBef>
+                <a:spcPts val="0"/>
+              </a:spcBef>
+              <a:spcAft>
+                <a:spcPts val="0"/>
+              </a:spcAft>
+              <a:buClr>
+                <a:schemeClr val="lt2"/>
+              </a:buClr>
+              <a:buSzPts val="1800"/>
+              <a:buFont typeface="Arial"/>
+              <a:buNone/>
+              <a:defRPr sz="1800" b="0" i="0" u="none" strike="noStrike" cap="none">
+                <a:solidFill>
+                  <a:schemeClr val="lt2"/>
+                </a:solidFill>
+                <a:latin typeface="Arial"/>
+                <a:ea typeface="Arial"/>
+                <a:cs typeface="Arial"/>
+                <a:sym typeface="Arial"/>
+              </a:defRPr>
+            </a:lvl8pPr>
+            <a:lvl9pPr marR="0" lvl="8" algn="ctr" rtl="0">
+              <a:lnSpc>
+                <a:spcPct val="100000"/>
+              </a:lnSpc>
+              <a:spcBef>
+                <a:spcPts val="0"/>
+              </a:spcBef>
+              <a:spcAft>
+                <a:spcPts val="0"/>
+              </a:spcAft>
+              <a:buClr>
+                <a:schemeClr val="lt2"/>
+              </a:buClr>
+              <a:buSzPts val="1800"/>
+              <a:buFont typeface="Arial"/>
+              <a:buNone/>
+              <a:defRPr sz="1800" b="0" i="0" u="none" strike="noStrike" cap="none">
+                <a:solidFill>
+                  <a:schemeClr val="lt2"/>
+                </a:solidFill>
+                <a:latin typeface="Arial"/>
+                <a:ea typeface="Arial"/>
+                <a:cs typeface="Arial"/>
+                <a:sym typeface="Arial"/>
+              </a:defRPr>
+            </a:lvl9pPr>
+          </a:lstStyle>
+          <a:p>
+            <a:r>
+              <a:rPr lang="es-ES"/>
+              <a:t>KNN</a:t>
+            </a:r>
+            <a:endParaRPr lang="es-ES" dirty="0"/>
+          </a:p>
+        </p:txBody>
+      </p:sp>
       <p:pic>
         <p:nvPicPr>
-          <p:cNvPr id="9" name="Imagen 8">
+          <p:cNvPr id="17" name="Imagen 16">
             <a:extLst>
               <a:ext uri="{FF2B5EF4-FFF2-40B4-BE49-F238E27FC236}">
-                <a16:creationId xmlns:a16="http://schemas.microsoft.com/office/drawing/2014/main" id="{EB87B62F-FA33-EC82-0006-A0F5072A9D9F}"/>
+                <a16:creationId xmlns:a16="http://schemas.microsoft.com/office/drawing/2014/main" id="{870C462F-6767-2DBC-8B07-9391C9F35B98}"/>
               </a:ext>
             </a:extLst>
           </p:cNvPr>
@@ -24568,8 +25998,38 @@
         </p:blipFill>
         <p:spPr>
           <a:xfrm>
-            <a:off x="971295" y="2498155"/>
-            <a:ext cx="2735541" cy="2401551"/>
+            <a:off x="758256" y="2516046"/>
+            <a:ext cx="2715162" cy="2383660"/>
+          </a:xfrm>
+          <a:prstGeom prst="rect">
+            <a:avLst/>
+          </a:prstGeom>
+        </p:spPr>
+      </p:pic>
+      <p:pic>
+        <p:nvPicPr>
+          <p:cNvPr id="20" name="Imagen 19">
+            <a:extLst>
+              <a:ext uri="{FF2B5EF4-FFF2-40B4-BE49-F238E27FC236}">
+                <a16:creationId xmlns:a16="http://schemas.microsoft.com/office/drawing/2014/main" id="{F2D79B81-CF36-A7C6-2617-F7458C97B0BA}"/>
+              </a:ext>
+            </a:extLst>
+          </p:cNvPr>
+          <p:cNvPicPr>
+            <a:picLocks noChangeAspect="1"/>
+          </p:cNvPicPr>
+          <p:nvPr/>
+        </p:nvPicPr>
+        <p:blipFill>
+          <a:blip r:embed="rId4"/>
+          <a:stretch>
+            <a:fillRect/>
+          </a:stretch>
+        </p:blipFill>
+        <p:spPr>
+          <a:xfrm>
+            <a:off x="5390365" y="2516046"/>
+            <a:ext cx="2715162" cy="2383660"/>
           </a:xfrm>
           <a:prstGeom prst="rect">
             <a:avLst/>
@@ -24580,6 +26040,112 @@
     <p:extLst>
       <p:ext uri="{BB962C8B-B14F-4D97-AF65-F5344CB8AC3E}">
         <p14:creationId xmlns:p14="http://schemas.microsoft.com/office/powerpoint/2010/main" val="2446339325"/>
+      </p:ext>
+    </p:extLst>
+  </p:cSld>
+  <p:clrMapOvr>
+    <a:masterClrMapping/>
+  </p:clrMapOvr>
+</p:sld>
+</file>
+
+<file path=ppt/slides/slide12.xml><?xml version="1.0" encoding="utf-8"?>
+<p:sld xmlns:a="http://schemas.openxmlformats.org/drawingml/2006/main" xmlns:r="http://schemas.openxmlformats.org/officeDocument/2006/relationships" xmlns:p="http://schemas.openxmlformats.org/presentationml/2006/main">
+  <p:cSld>
+    <p:spTree>
+      <p:nvGrpSpPr>
+        <p:cNvPr id="1" name="Shape 873"/>
+        <p:cNvGrpSpPr/>
+        <p:nvPr/>
+      </p:nvGrpSpPr>
+      <p:grpSpPr>
+        <a:xfrm>
+          <a:off x="0" y="0"/>
+          <a:ext cx="0" cy="0"/>
+          <a:chOff x="0" y="0"/>
+          <a:chExt cx="0" cy="0"/>
+        </a:xfrm>
+      </p:grpSpPr>
+      <p:sp>
+        <p:nvSpPr>
+          <p:cNvPr id="874" name="Google Shape;874;p37"/>
+          <p:cNvSpPr txBox="1">
+            <a:spLocks noGrp="1"/>
+          </p:cNvSpPr>
+          <p:nvPr>
+            <p:ph type="title"/>
+          </p:nvPr>
+        </p:nvSpPr>
+        <p:spPr>
+          <a:xfrm>
+            <a:off x="626625" y="338175"/>
+            <a:ext cx="6084000" cy="539700"/>
+          </a:xfrm>
+          <a:prstGeom prst="rect">
+            <a:avLst/>
+          </a:prstGeom>
+        </p:spPr>
+        <p:txBody>
+          <a:bodyPr spcFirstLastPara="1" wrap="square" lIns="91425" tIns="91425" rIns="91425" bIns="91425" anchor="t" anchorCtr="0">
+            <a:noAutofit/>
+          </a:bodyPr>
+          <a:lstStyle/>
+          <a:p>
+            <a:pPr marL="0" lvl="0" indent="0" algn="l" rtl="0">
+              <a:spcBef>
+                <a:spcPts val="0"/>
+              </a:spcBef>
+              <a:spcAft>
+                <a:spcPts val="0"/>
+              </a:spcAft>
+              <a:buNone/>
+            </a:pPr>
+            <a:r>
+              <a:rPr lang="en" dirty="0"/>
+              <a:t>Modelos</a:t>
+            </a:r>
+            <a:endParaRPr dirty="0"/>
+          </a:p>
+        </p:txBody>
+      </p:sp>
+      <p:sp>
+        <p:nvSpPr>
+          <p:cNvPr id="25" name="Título 24">
+            <a:extLst>
+              <a:ext uri="{FF2B5EF4-FFF2-40B4-BE49-F238E27FC236}">
+                <a16:creationId xmlns:a16="http://schemas.microsoft.com/office/drawing/2014/main" id="{C60DFFAC-1AC7-59E5-963F-88E502428D5E}"/>
+              </a:ext>
+            </a:extLst>
+          </p:cNvPr>
+          <p:cNvSpPr>
+            <a:spLocks noGrp="1"/>
+          </p:cNvSpPr>
+          <p:nvPr>
+            <p:ph type="title" idx="4"/>
+          </p:nvPr>
+        </p:nvSpPr>
+        <p:spPr>
+          <a:xfrm>
+            <a:off x="1232066" y="859984"/>
+            <a:ext cx="2214000" cy="539700"/>
+          </a:xfrm>
+        </p:spPr>
+        <p:txBody>
+          <a:bodyPr/>
+          <a:lstStyle/>
+          <a:p>
+            <a:r>
+              <a:rPr lang="es-ES"/>
+              <a:t>Residual LNN</a:t>
+            </a:r>
+            <a:endParaRPr lang="es-ES" dirty="0"/>
+          </a:p>
+        </p:txBody>
+      </p:sp>
+    </p:spTree>
+    <p:extLst>
+      <p:ext uri="{BB962C8B-B14F-4D97-AF65-F5344CB8AC3E}">
+        <p14:creationId xmlns:p14="http://schemas.microsoft.com/office/powerpoint/2010/main" val="999435183"/>
       </p:ext>
     </p:extLst>
   </p:cSld>
